--- a/03/03.pptx
+++ b/03/03.pptx
@@ -6,10 +6,10 @@
     <p:sldMasterId id="2147483684" r:id="rId2"/>
   </p:sldMasterIdLst>
   <p:notesMasterIdLst>
-    <p:notesMasterId r:id="rId19"/>
+    <p:notesMasterId r:id="rId17"/>
   </p:notesMasterIdLst>
   <p:handoutMasterIdLst>
-    <p:handoutMasterId r:id="rId20"/>
+    <p:handoutMasterId r:id="rId18"/>
   </p:handoutMasterIdLst>
   <p:sldIdLst>
     <p:sldId id="444" r:id="rId3"/>
@@ -22,12 +22,10 @@
     <p:sldId id="505" r:id="rId10"/>
     <p:sldId id="507" r:id="rId11"/>
     <p:sldId id="506" r:id="rId12"/>
-    <p:sldId id="497" r:id="rId13"/>
-    <p:sldId id="498" r:id="rId14"/>
-    <p:sldId id="499" r:id="rId15"/>
-    <p:sldId id="502" r:id="rId16"/>
-    <p:sldId id="501" r:id="rId17"/>
-    <p:sldId id="484" r:id="rId18"/>
+    <p:sldId id="498" r:id="rId13"/>
+    <p:sldId id="502" r:id="rId14"/>
+    <p:sldId id="501" r:id="rId15"/>
+    <p:sldId id="484" r:id="rId16"/>
   </p:sldIdLst>
   <p:sldSz cx="9144000" cy="5143500" type="screen16x9"/>
   <p:notesSz cx="6858000" cy="9144000"/>
@@ -141,9 +139,7 @@
             <p14:sldId id="505"/>
             <p14:sldId id="507"/>
             <p14:sldId id="506"/>
-            <p14:sldId id="497"/>
             <p14:sldId id="498"/>
-            <p14:sldId id="499"/>
             <p14:sldId id="502"/>
             <p14:sldId id="501"/>
             <p14:sldId id="484"/>
@@ -275,7 +271,7 @@
           <a:p>
             <a:fld id="{B5389E1E-C654-E943-9883-792E99AD7287}" type="datetimeFigureOut">
               <a:rPr lang="en-US" smtClean="0"/>
-              <a:t>11/6/2016</a:t>
+              <a:t>2/13/2017</a:t>
             </a:fld>
             <a:endParaRPr lang="en-US"/>
           </a:p>
@@ -441,7 +437,7 @@
           <a:p>
             <a:fld id="{9920D99B-2862-464A-984E-65BFC5FC0BBC}" type="datetimeFigureOut">
               <a:rPr lang="en-US" smtClean="0"/>
-              <a:t>11/6/2016</a:t>
+              <a:t>2/13/2017</a:t>
             </a:fld>
             <a:endParaRPr lang="en-US"/>
           </a:p>
@@ -1169,27 +1165,11 @@
           <a:p>
             <a:r>
               <a:rPr lang="en-US" baseline="0" dirty="0"/>
-              <a:t>Then kick off the angular server with </a:t>
-            </a:r>
-            <a:r>
-              <a:rPr lang="en-US" baseline="0"/>
-              <a:t>ng serve</a:t>
-            </a:r>
-          </a:p>
-          <a:p>
-            <a:endParaRPr lang="en-US" baseline="0" dirty="0"/>
-          </a:p>
-          <a:p>
-            <a:endParaRPr lang="en-US" baseline="0" dirty="0"/>
-          </a:p>
-          <a:p>
-            <a:r>
-              <a:rPr lang="en-US" baseline="0" dirty="0"/>
-              <a:t>For node, it’s using gulp, so if you don’t have gulp installed, you can install it with </a:t>
-            </a:r>
-            <a:r>
-              <a:rPr lang="en-US" baseline="0" dirty="0" err="1"/>
-              <a:t>npm</a:t>
+              <a:t>Then kick off the angular server with ng </a:t>
+            </a:r>
+            <a:r>
+              <a:rPr lang="en-US" baseline="0" dirty="0" smtClean="0"/>
+              <a:t>serve</a:t>
             </a:r>
             <a:endParaRPr lang="en-US" baseline="0" dirty="0"/>
           </a:p>
@@ -1212,7 +1192,7 @@
           <a:p>
             <a:fld id="{F39351FC-18D6-4741-8EEB-9FDB1F020AAC}" type="slidenum">
               <a:rPr lang="en-US" smtClean="0"/>
-              <a:t>15</a:t>
+              <a:t>13</a:t>
             </a:fld>
             <a:endParaRPr lang="en-US"/>
           </a:p>
@@ -7074,7 +7054,15 @@
           <a:p>
             <a:r>
               <a:rPr lang="en-US" sz="3600" dirty="0"/>
-              <a:t>Workshop 3 – Building a Full-stack Application</a:t>
+              <a:t>Workshop </a:t>
+            </a:r>
+            <a:r>
+              <a:rPr lang="en-US" sz="3600" dirty="0" smtClean="0"/>
+              <a:t>C </a:t>
+            </a:r>
+            <a:r>
+              <a:rPr lang="en-US" sz="3600" dirty="0"/>
+              <a:t>– Building a Full-stack Application</a:t>
             </a:r>
           </a:p>
         </p:txBody>
@@ -7167,48 +7155,57 @@
           <a:p>
             <a:r>
               <a:rPr lang="en-US" dirty="0"/>
-              <a:t>.NET:</a:t>
-            </a:r>
-          </a:p>
-          <a:p>
+              <a:t>.</a:t>
+            </a:r>
+            <a:r>
+              <a:rPr lang="en-US" dirty="0" smtClean="0"/>
+              <a:t>NET Result </a:t>
+            </a:r>
             <a:r>
               <a:rPr lang="en-US" dirty="0"/>
-              <a:t>	Result objects include: Exception, Success, Message</a:t>
+              <a:t>objects include</a:t>
+            </a:r>
+            <a:r>
+              <a:rPr lang="en-US" dirty="0" smtClean="0"/>
+              <a:t>:</a:t>
             </a:r>
           </a:p>
           <a:p>
             <a:endParaRPr lang="en-US" dirty="0"/>
           </a:p>
           <a:p>
-            <a:r>
-              <a:rPr lang="en-US" dirty="0"/>
-              <a:t>Java:</a:t>
-            </a:r>
-          </a:p>
-          <a:p>
-            <a:r>
-              <a:rPr lang="en-US" dirty="0"/>
-              <a:t>	try/catch Exception</a:t>
-            </a:r>
-          </a:p>
-          <a:p>
+            <a:pPr marL="342900" indent="-342900">
+              <a:buFont typeface="Arial" panose="020B0604020202020204" pitchFamily="34" charset="0"/>
+              <a:buChar char="•"/>
+            </a:pPr>
+            <a:r>
+              <a:rPr lang="en-US" dirty="0" smtClean="0"/>
+              <a:t>Exception</a:t>
+            </a:r>
+          </a:p>
+          <a:p>
+            <a:pPr marL="342900" indent="-342900">
+              <a:buFont typeface="Arial" panose="020B0604020202020204" pitchFamily="34" charset="0"/>
+              <a:buChar char="•"/>
+            </a:pPr>
+            <a:r>
+              <a:rPr lang="en-US" dirty="0" smtClean="0"/>
+              <a:t>Success</a:t>
+            </a:r>
+          </a:p>
+          <a:p>
+            <a:pPr marL="342900" indent="-342900">
+              <a:buFont typeface="Arial" panose="020B0604020202020204" pitchFamily="34" charset="0"/>
+              <a:buChar char="•"/>
+            </a:pPr>
+            <a:r>
+              <a:rPr lang="en-US" dirty="0" smtClean="0"/>
+              <a:t>Message</a:t>
+            </a:r>
             <a:endParaRPr lang="en-US" dirty="0"/>
           </a:p>
           <a:p>
-            <a:r>
-              <a:rPr lang="en-US" dirty="0"/>
-              <a:t>Node:</a:t>
-            </a:r>
-          </a:p>
-          <a:p>
-            <a:r>
-              <a:rPr lang="en-US" dirty="0"/>
-              <a:t>	Callbacks - </a:t>
-            </a:r>
-            <a:r>
-              <a:rPr lang="en-US" i="1" dirty="0"/>
-              <a:t>function(err, result) { }</a:t>
-            </a:r>
+            <a:endParaRPr lang="en-US" dirty="0"/>
           </a:p>
           <a:p>
             <a:endParaRPr lang="en-US" dirty="0"/>
@@ -7262,7 +7259,7 @@
           <a:p>
             <a:r>
               <a:rPr lang="en-US" dirty="0"/>
-              <a:t>Java</a:t>
+              <a:t>.NET</a:t>
             </a:r>
           </a:p>
         </p:txBody>
@@ -7315,7 +7312,7 @@
             </a:pPr>
             <a:r>
               <a:rPr lang="en-US" sz="2000" dirty="0" err="1"/>
-              <a:t>application.properties</a:t>
+              <a:t>CouchbaseConfig.cs</a:t>
             </a:r>
             <a:endParaRPr lang="en-US" sz="2000" dirty="0"/>
           </a:p>
@@ -7325,9 +7322,10 @@
               <a:buChar char="•"/>
             </a:pPr>
             <a:r>
-              <a:rPr lang="en-US" sz="2000" dirty="0"/>
-              <a:t>PersonConfig.java</a:t>
-            </a:r>
+              <a:rPr lang="en-US" sz="2000" dirty="0" err="1"/>
+              <a:t>Web.config</a:t>
+            </a:r>
+            <a:endParaRPr lang="en-US" sz="2000" dirty="0"/>
           </a:p>
           <a:p>
             <a:pPr marL="573088" lvl="1" indent="-342900">
@@ -7335,9 +7333,21 @@
               <a:buChar char="•"/>
             </a:pPr>
             <a:r>
-              <a:rPr lang="en-US" sz="2000" dirty="0"/>
-              <a:t>PersonController.java</a:t>
-            </a:r>
+              <a:rPr lang="en-US" sz="2000" dirty="0" err="1"/>
+              <a:t>Person.cs</a:t>
+            </a:r>
+            <a:endParaRPr lang="en-US" sz="2000" dirty="0"/>
+          </a:p>
+          <a:p>
+            <a:pPr marL="573088" lvl="1" indent="-342900">
+              <a:buFont typeface="Arial" panose="020B0604020202020204" pitchFamily="34" charset="0"/>
+              <a:buChar char="•"/>
+            </a:pPr>
+            <a:r>
+              <a:rPr lang="en-US" sz="2000" dirty="0" err="1"/>
+              <a:t>PersonController.cs</a:t>
+            </a:r>
+            <a:endParaRPr lang="en-US" sz="2000" dirty="0"/>
           </a:p>
           <a:p>
             <a:pPr marL="573088" lvl="1" indent="-342900">
@@ -7346,12 +7356,19 @@
             </a:pPr>
             <a:endParaRPr lang="en-US" dirty="0"/>
           </a:p>
+          <a:p>
+            <a:pPr marL="342900" indent="-342900">
+              <a:buFont typeface="Arial" panose="020B0604020202020204" pitchFamily="34" charset="0"/>
+              <a:buChar char="•"/>
+            </a:pPr>
+            <a:endParaRPr lang="en-US" dirty="0"/>
+          </a:p>
         </p:txBody>
       </p:sp>
     </p:spTree>
     <p:extLst>
       <p:ext uri="{BB962C8B-B14F-4D97-AF65-F5344CB8AC3E}">
-        <p14:creationId xmlns:p14="http://schemas.microsoft.com/office/powerpoint/2010/main" val="3978316419"/>
+        <p14:creationId xmlns:p14="http://schemas.microsoft.com/office/powerpoint/2010/main" val="2942029158"/>
       </p:ext>
     </p:extLst>
   </p:cSld>
@@ -7395,14 +7412,14 @@
           <a:p>
             <a:r>
               <a:rPr lang="en-US" dirty="0"/>
-              <a:t>.NET</a:t>
+              <a:t>Angular</a:t>
             </a:r>
           </a:p>
         </p:txBody>
       </p:sp>
       <p:sp>
         <p:nvSpPr>
-          <p:cNvPr id="3" name="Content Placeholder 2"/>
+          <p:cNvPr id="5" name="Content Placeholder 2"/>
           <p:cNvSpPr>
             <a:spLocks noGrp="1"/>
           </p:cNvSpPr>
@@ -7410,7 +7427,12 @@
             <p:ph idx="1"/>
           </p:nvPr>
         </p:nvSpPr>
-        <p:spPr/>
+        <p:spPr>
+          <a:xfrm>
+            <a:off x="457200" y="685800"/>
+            <a:ext cx="8007739" cy="3394472"/>
+          </a:xfrm>
+        </p:spPr>
         <p:txBody>
           <a:bodyPr/>
           <a:lstStyle/>
@@ -7448,7 +7470,7 @@
             </a:pPr>
             <a:r>
               <a:rPr lang="en-US" sz="2000" dirty="0" err="1"/>
-              <a:t>CouchbaseConfig.cs</a:t>
+              <a:t>utility.ts</a:t>
             </a:r>
             <a:endParaRPr lang="en-US" sz="2000" dirty="0"/>
           </a:p>
@@ -7459,7 +7481,7 @@
             </a:pPr>
             <a:r>
               <a:rPr lang="en-US" sz="2000" dirty="0" err="1"/>
-              <a:t>Web.config</a:t>
+              <a:t>item.component.ts</a:t>
             </a:r>
             <a:endParaRPr lang="en-US" sz="2000" dirty="0"/>
           </a:p>
@@ -7469,10 +7491,9 @@
               <a:buChar char="•"/>
             </a:pPr>
             <a:r>
-              <a:rPr lang="en-US" sz="2000" dirty="0" err="1"/>
-              <a:t>Person.cs</a:t>
-            </a:r>
-            <a:endParaRPr lang="en-US" sz="2000" dirty="0"/>
+              <a:rPr lang="en-US" sz="2000" dirty="0"/>
+              <a:t>item.component.html</a:t>
+            </a:r>
           </a:p>
           <a:p>
             <a:pPr marL="573088" lvl="1" indent="-342900">
@@ -7481,9 +7502,19 @@
             </a:pPr>
             <a:r>
               <a:rPr lang="en-US" sz="2000" dirty="0" err="1"/>
-              <a:t>PersonController.cs</a:t>
+              <a:t>list.component.ts</a:t>
             </a:r>
             <a:endParaRPr lang="en-US" sz="2000" dirty="0"/>
+          </a:p>
+          <a:p>
+            <a:pPr marL="573088" lvl="1" indent="-342900">
+              <a:buFont typeface="Arial" panose="020B0604020202020204" pitchFamily="34" charset="0"/>
+              <a:buChar char="•"/>
+            </a:pPr>
+            <a:r>
+              <a:rPr lang="en-US" sz="2000" dirty="0"/>
+              <a:t>list.component.html</a:t>
+            </a:r>
           </a:p>
           <a:p>
             <a:pPr marL="573088" lvl="1" indent="-342900">
@@ -7504,7 +7535,7 @@
     </p:spTree>
     <p:extLst>
       <p:ext uri="{BB962C8B-B14F-4D97-AF65-F5344CB8AC3E}">
-        <p14:creationId xmlns:p14="http://schemas.microsoft.com/office/powerpoint/2010/main" val="2942029158"/>
+        <p14:creationId xmlns:p14="http://schemas.microsoft.com/office/powerpoint/2010/main" val="1029063382"/>
       </p:ext>
     </p:extLst>
   </p:cSld>
@@ -7548,7 +7579,7 @@
           <a:p>
             <a:r>
               <a:rPr lang="en-US" dirty="0"/>
-              <a:t>Node</a:t>
+              <a:t>How to execute</a:t>
             </a:r>
           </a:p>
         </p:txBody>
@@ -7568,296 +7599,6 @@
           <a:bodyPr/>
           <a:lstStyle/>
           <a:p>
-            <a:pPr marL="342900" indent="-342900">
-              <a:buFont typeface="Arial" panose="020B0604020202020204" pitchFamily="34" charset="0"/>
-              <a:buChar char="•"/>
-            </a:pPr>
-            <a:r>
-              <a:rPr lang="en-US" dirty="0"/>
-              <a:t>Look for TODOs</a:t>
-            </a:r>
-          </a:p>
-          <a:p>
-            <a:pPr marL="342900" indent="-342900">
-              <a:buFont typeface="Arial" panose="020B0604020202020204" pitchFamily="34" charset="0"/>
-              <a:buChar char="•"/>
-            </a:pPr>
-            <a:endParaRPr lang="en-US" dirty="0"/>
-          </a:p>
-          <a:p>
-            <a:pPr marL="342900" indent="-342900">
-              <a:buFont typeface="Arial" panose="020B0604020202020204" pitchFamily="34" charset="0"/>
-              <a:buChar char="•"/>
-            </a:pPr>
-            <a:r>
-              <a:rPr lang="en-US" dirty="0"/>
-              <a:t>Files includes:</a:t>
-            </a:r>
-          </a:p>
-          <a:p>
-            <a:pPr marL="573088" lvl="1" indent="-342900">
-              <a:buFont typeface="Arial" panose="020B0604020202020204" pitchFamily="34" charset="0"/>
-              <a:buChar char="•"/>
-            </a:pPr>
-            <a:r>
-              <a:rPr lang="en-US" sz="2000" dirty="0" err="1"/>
-              <a:t>default.json</a:t>
-            </a:r>
-            <a:endParaRPr lang="en-US" sz="2000" dirty="0"/>
-          </a:p>
-          <a:p>
-            <a:pPr marL="573088" lvl="1" indent="-342900">
-              <a:buFont typeface="Arial" panose="020B0604020202020204" pitchFamily="34" charset="0"/>
-              <a:buChar char="•"/>
-            </a:pPr>
-            <a:r>
-              <a:rPr lang="en-US" sz="2000" dirty="0"/>
-              <a:t>api.js</a:t>
-            </a:r>
-          </a:p>
-          <a:p>
-            <a:pPr marL="573088" lvl="1" indent="-342900">
-              <a:buFont typeface="Arial" panose="020B0604020202020204" pitchFamily="34" charset="0"/>
-              <a:buChar char="•"/>
-            </a:pPr>
-            <a:endParaRPr lang="en-US" dirty="0"/>
-          </a:p>
-        </p:txBody>
-      </p:sp>
-    </p:spTree>
-    <p:extLst>
-      <p:ext uri="{BB962C8B-B14F-4D97-AF65-F5344CB8AC3E}">
-        <p14:creationId xmlns:p14="http://schemas.microsoft.com/office/powerpoint/2010/main" val="1218663727"/>
-      </p:ext>
-    </p:extLst>
-  </p:cSld>
-  <p:clrMapOvr>
-    <a:masterClrMapping/>
-  </p:clrMapOvr>
-</p:sld>
-</file>
-
-<file path=ppt/slides/slide14.xml><?xml version="1.0" encoding="utf-8"?>
-<p:sld xmlns:a="http://schemas.openxmlformats.org/drawingml/2006/main" xmlns:r="http://schemas.openxmlformats.org/officeDocument/2006/relationships" xmlns:p="http://schemas.openxmlformats.org/presentationml/2006/main">
-  <p:cSld>
-    <p:spTree>
-      <p:nvGrpSpPr>
-        <p:cNvPr id="1" name=""/>
-        <p:cNvGrpSpPr/>
-        <p:nvPr/>
-      </p:nvGrpSpPr>
-      <p:grpSpPr>
-        <a:xfrm>
-          <a:off x="0" y="0"/>
-          <a:ext cx="0" cy="0"/>
-          <a:chOff x="0" y="0"/>
-          <a:chExt cx="0" cy="0"/>
-        </a:xfrm>
-      </p:grpSpPr>
-      <p:sp>
-        <p:nvSpPr>
-          <p:cNvPr id="2" name="Title 1"/>
-          <p:cNvSpPr>
-            <a:spLocks noGrp="1"/>
-          </p:cNvSpPr>
-          <p:nvPr>
-            <p:ph type="title"/>
-          </p:nvPr>
-        </p:nvSpPr>
-        <p:spPr/>
-        <p:txBody>
-          <a:bodyPr/>
-          <a:lstStyle/>
-          <a:p>
-            <a:r>
-              <a:rPr lang="en-US" dirty="0"/>
-              <a:t>Angular</a:t>
-            </a:r>
-          </a:p>
-        </p:txBody>
-      </p:sp>
-      <p:sp>
-        <p:nvSpPr>
-          <p:cNvPr id="5" name="Content Placeholder 2"/>
-          <p:cNvSpPr>
-            <a:spLocks noGrp="1"/>
-          </p:cNvSpPr>
-          <p:nvPr>
-            <p:ph idx="1"/>
-          </p:nvPr>
-        </p:nvSpPr>
-        <p:spPr>
-          <a:xfrm>
-            <a:off x="457200" y="685800"/>
-            <a:ext cx="8007739" cy="3394472"/>
-          </a:xfrm>
-        </p:spPr>
-        <p:txBody>
-          <a:bodyPr/>
-          <a:lstStyle/>
-          <a:p>
-            <a:pPr marL="342900" indent="-342900">
-              <a:buFont typeface="Arial" panose="020B0604020202020204" pitchFamily="34" charset="0"/>
-              <a:buChar char="•"/>
-            </a:pPr>
-            <a:r>
-              <a:rPr lang="en-US" dirty="0"/>
-              <a:t>Look for TODOs</a:t>
-            </a:r>
-          </a:p>
-          <a:p>
-            <a:pPr marL="342900" indent="-342900">
-              <a:buFont typeface="Arial" panose="020B0604020202020204" pitchFamily="34" charset="0"/>
-              <a:buChar char="•"/>
-            </a:pPr>
-            <a:endParaRPr lang="en-US" dirty="0"/>
-          </a:p>
-          <a:p>
-            <a:pPr marL="342900" indent="-342900">
-              <a:buFont typeface="Arial" panose="020B0604020202020204" pitchFamily="34" charset="0"/>
-              <a:buChar char="•"/>
-            </a:pPr>
-            <a:r>
-              <a:rPr lang="en-US" dirty="0"/>
-              <a:t>Files included:</a:t>
-            </a:r>
-          </a:p>
-          <a:p>
-            <a:pPr marL="573088" lvl="1" indent="-342900">
-              <a:buFont typeface="Arial" panose="020B0604020202020204" pitchFamily="34" charset="0"/>
-              <a:buChar char="•"/>
-            </a:pPr>
-            <a:r>
-              <a:rPr lang="en-US" sz="2000" dirty="0" err="1"/>
-              <a:t>utility.ts</a:t>
-            </a:r>
-            <a:endParaRPr lang="en-US" sz="2000" dirty="0"/>
-          </a:p>
-          <a:p>
-            <a:pPr marL="573088" lvl="1" indent="-342900">
-              <a:buFont typeface="Arial" panose="020B0604020202020204" pitchFamily="34" charset="0"/>
-              <a:buChar char="•"/>
-            </a:pPr>
-            <a:r>
-              <a:rPr lang="en-US" sz="2000" dirty="0" err="1"/>
-              <a:t>item.component.ts</a:t>
-            </a:r>
-            <a:endParaRPr lang="en-US" sz="2000" dirty="0"/>
-          </a:p>
-          <a:p>
-            <a:pPr marL="573088" lvl="1" indent="-342900">
-              <a:buFont typeface="Arial" panose="020B0604020202020204" pitchFamily="34" charset="0"/>
-              <a:buChar char="•"/>
-            </a:pPr>
-            <a:r>
-              <a:rPr lang="en-US" sz="2000" dirty="0"/>
-              <a:t>item.component.html</a:t>
-            </a:r>
-          </a:p>
-          <a:p>
-            <a:pPr marL="573088" lvl="1" indent="-342900">
-              <a:buFont typeface="Arial" panose="020B0604020202020204" pitchFamily="34" charset="0"/>
-              <a:buChar char="•"/>
-            </a:pPr>
-            <a:r>
-              <a:rPr lang="en-US" sz="2000" dirty="0" err="1"/>
-              <a:t>list.component.ts</a:t>
-            </a:r>
-            <a:endParaRPr lang="en-US" sz="2000" dirty="0"/>
-          </a:p>
-          <a:p>
-            <a:pPr marL="573088" lvl="1" indent="-342900">
-              <a:buFont typeface="Arial" panose="020B0604020202020204" pitchFamily="34" charset="0"/>
-              <a:buChar char="•"/>
-            </a:pPr>
-            <a:r>
-              <a:rPr lang="en-US" sz="2000" dirty="0"/>
-              <a:t>list.component.html</a:t>
-            </a:r>
-          </a:p>
-          <a:p>
-            <a:pPr marL="573088" lvl="1" indent="-342900">
-              <a:buFont typeface="Arial" panose="020B0604020202020204" pitchFamily="34" charset="0"/>
-              <a:buChar char="•"/>
-            </a:pPr>
-            <a:endParaRPr lang="en-US" dirty="0"/>
-          </a:p>
-          <a:p>
-            <a:pPr marL="342900" indent="-342900">
-              <a:buFont typeface="Arial" panose="020B0604020202020204" pitchFamily="34" charset="0"/>
-              <a:buChar char="•"/>
-            </a:pPr>
-            <a:endParaRPr lang="en-US" dirty="0"/>
-          </a:p>
-        </p:txBody>
-      </p:sp>
-    </p:spTree>
-    <p:extLst>
-      <p:ext uri="{BB962C8B-B14F-4D97-AF65-F5344CB8AC3E}">
-        <p14:creationId xmlns:p14="http://schemas.microsoft.com/office/powerpoint/2010/main" val="1029063382"/>
-      </p:ext>
-    </p:extLst>
-  </p:cSld>
-  <p:clrMapOvr>
-    <a:masterClrMapping/>
-  </p:clrMapOvr>
-</p:sld>
-</file>
-
-<file path=ppt/slides/slide15.xml><?xml version="1.0" encoding="utf-8"?>
-<p:sld xmlns:a="http://schemas.openxmlformats.org/drawingml/2006/main" xmlns:r="http://schemas.openxmlformats.org/officeDocument/2006/relationships" xmlns:p="http://schemas.openxmlformats.org/presentationml/2006/main">
-  <p:cSld>
-    <p:spTree>
-      <p:nvGrpSpPr>
-        <p:cNvPr id="1" name=""/>
-        <p:cNvGrpSpPr/>
-        <p:nvPr/>
-      </p:nvGrpSpPr>
-      <p:grpSpPr>
-        <a:xfrm>
-          <a:off x="0" y="0"/>
-          <a:ext cx="0" cy="0"/>
-          <a:chOff x="0" y="0"/>
-          <a:chExt cx="0" cy="0"/>
-        </a:xfrm>
-      </p:grpSpPr>
-      <p:sp>
-        <p:nvSpPr>
-          <p:cNvPr id="2" name="Title 1"/>
-          <p:cNvSpPr>
-            <a:spLocks noGrp="1"/>
-          </p:cNvSpPr>
-          <p:nvPr>
-            <p:ph type="title"/>
-          </p:nvPr>
-        </p:nvSpPr>
-        <p:spPr/>
-        <p:txBody>
-          <a:bodyPr/>
-          <a:lstStyle/>
-          <a:p>
-            <a:r>
-              <a:rPr lang="en-US" dirty="0"/>
-              <a:t>How to execute</a:t>
-            </a:r>
-          </a:p>
-        </p:txBody>
-      </p:sp>
-      <p:sp>
-        <p:nvSpPr>
-          <p:cNvPr id="3" name="Content Placeholder 2"/>
-          <p:cNvSpPr>
-            <a:spLocks noGrp="1"/>
-          </p:cNvSpPr>
-          <p:nvPr>
-            <p:ph idx="1"/>
-          </p:nvPr>
-        </p:nvSpPr>
-        <p:spPr/>
-        <p:txBody>
-          <a:bodyPr/>
-          <a:lstStyle/>
-          <a:p>
             <a:r>
               <a:rPr lang="en-US" dirty="0"/>
               <a:t>Execute Angular 2: </a:t>
@@ -7914,34 +7655,21 @@
               <a:buChar char="•"/>
             </a:pPr>
             <a:r>
+              <a:rPr lang="en-US" dirty="0" smtClean="0"/>
+              <a:t>Visual Studio:</a:t>
+            </a:r>
+            <a:r>
+              <a:rPr lang="en-US" dirty="0" smtClean="0"/>
+              <a:t> F5 </a:t>
+            </a:r>
+            <a:r>
               <a:rPr lang="en-US" dirty="0"/>
-              <a:t>Java: </a:t>
-            </a:r>
-            <a:r>
-              <a:rPr lang="en-US" dirty="0" err="1">
-                <a:latin typeface="Courier New" panose="02070309020205020404" pitchFamily="49" charset="0"/>
-                <a:cs typeface="Courier New" panose="02070309020205020404" pitchFamily="49" charset="0"/>
-              </a:rPr>
-              <a:t>mvn</a:t>
-            </a:r>
-            <a:r>
-              <a:rPr lang="en-US" dirty="0">
-                <a:latin typeface="Courier New" panose="02070309020205020404" pitchFamily="49" charset="0"/>
-                <a:cs typeface="Courier New" panose="02070309020205020404" pitchFamily="49" charset="0"/>
-              </a:rPr>
-              <a:t> </a:t>
-            </a:r>
-            <a:r>
-              <a:rPr lang="en-US" dirty="0" err="1">
-                <a:latin typeface="Courier New" panose="02070309020205020404" pitchFamily="49" charset="0"/>
-                <a:cs typeface="Courier New" panose="02070309020205020404" pitchFamily="49" charset="0"/>
-              </a:rPr>
-              <a:t>spring-boot:run</a:t>
-            </a:r>
-            <a:endParaRPr lang="en-US" dirty="0">
-              <a:latin typeface="Courier New" panose="02070309020205020404" pitchFamily="49" charset="0"/>
-              <a:cs typeface="Courier New" panose="02070309020205020404" pitchFamily="49" charset="0"/>
-            </a:endParaRPr>
+              <a:t>(or ctrl+f5</a:t>
+            </a:r>
+            <a:r>
+              <a:rPr lang="en-US" dirty="0" smtClean="0"/>
+              <a:t>)</a:t>
+            </a:r>
           </a:p>
           <a:p>
             <a:pPr marL="342900" indent="-342900">
@@ -7949,46 +7677,22 @@
               <a:buChar char="•"/>
             </a:pPr>
             <a:r>
-              <a:rPr lang="en-US" dirty="0"/>
-              <a:t>.NET: F5 (or ctrl+f5) from Visual Studio</a:t>
-            </a:r>
-          </a:p>
-          <a:p>
-            <a:pPr marL="342900" indent="-342900">
-              <a:buFont typeface="Arial" panose="020B0604020202020204" pitchFamily="34" charset="0"/>
-              <a:buChar char="•"/>
-            </a:pPr>
-            <a:r>
-              <a:rPr lang="en-US" dirty="0"/>
-              <a:t>Node: </a:t>
-            </a:r>
-            <a:r>
-              <a:rPr lang="en-US" dirty="0">
-                <a:latin typeface="Courier New" panose="02070309020205020404" pitchFamily="49" charset="0"/>
-                <a:cs typeface="Courier New" panose="02070309020205020404" pitchFamily="49" charset="0"/>
+              <a:rPr lang="en-US" dirty="0" err="1" smtClean="0">
+                <a:latin typeface="Consolas" panose="020B0609020204030204" pitchFamily="49" charset="0"/>
               </a:rPr>
-              <a:t>node app.js (</a:t>
-            </a:r>
-            <a:r>
-              <a:rPr lang="en-US" dirty="0">
-                <a:cs typeface="Courier New" panose="02070309020205020404" pitchFamily="49" charset="0"/>
+              <a:t>dotnet</a:t>
+            </a:r>
+            <a:r>
+              <a:rPr lang="en-US" dirty="0" smtClean="0">
+                <a:latin typeface="Consolas" panose="020B0609020204030204" pitchFamily="49" charset="0"/>
               </a:rPr>
-              <a:t>may need </a:t>
-            </a:r>
-            <a:r>
-              <a:rPr lang="en-US" dirty="0" err="1">
-                <a:latin typeface="Courier New" panose="02070309020205020404" pitchFamily="49" charset="0"/>
-                <a:cs typeface="Courier New" panose="02070309020205020404" pitchFamily="49" charset="0"/>
-              </a:rPr>
-              <a:t>npm</a:t>
-            </a:r>
-            <a:r>
-              <a:rPr lang="en-US" dirty="0">
-                <a:latin typeface="Courier New" panose="02070309020205020404" pitchFamily="49" charset="0"/>
-                <a:cs typeface="Courier New" panose="02070309020205020404" pitchFamily="49" charset="0"/>
-              </a:rPr>
-              <a:t> install gulp –g)</a:t>
-            </a:r>
+              <a:t> new</a:t>
+            </a:r>
+            <a:r>
+              <a:rPr lang="en-US" dirty="0" smtClean="0"/>
+              <a:t> from command line</a:t>
+            </a:r>
+            <a:endParaRPr lang="en-US" dirty="0"/>
           </a:p>
         </p:txBody>
       </p:sp>
@@ -8005,7 +7709,7 @@
 </p:sld>
 </file>
 
-<file path=ppt/slides/slide16.xml><?xml version="1.0" encoding="utf-8"?>
+<file path=ppt/slides/slide14.xml><?xml version="1.0" encoding="utf-8"?>
 <p:sld xmlns:a="http://schemas.openxmlformats.org/drawingml/2006/main" xmlns:r="http://schemas.openxmlformats.org/officeDocument/2006/relationships" xmlns:p="http://schemas.openxmlformats.org/presentationml/2006/main">
   <p:cSld>
     <p:spTree>
@@ -8258,9 +7962,18 @@
               <a:buChar char="•"/>
             </a:pPr>
             <a:r>
+              <a:rPr lang="en-US" dirty="0" smtClean="0"/>
+              <a:t>.</a:t>
+            </a:r>
+            <a:r>
               <a:rPr lang="en-US" dirty="0"/>
-              <a:t>Java - Spring</a:t>
-            </a:r>
+              <a:t>NET - ASP.NET </a:t>
+            </a:r>
+            <a:r>
+              <a:rPr lang="en-US" dirty="0" err="1"/>
+              <a:t>WebAPI</a:t>
+            </a:r>
+            <a:endParaRPr lang="en-US" dirty="0"/>
           </a:p>
           <a:p>
             <a:pPr marL="342900" indent="-342900">
@@ -8268,40 +7981,12 @@
               <a:buChar char="•"/>
             </a:pPr>
             <a:r>
+              <a:rPr lang="en-US" dirty="0" smtClean="0"/>
+              <a:t>Angular </a:t>
+            </a:r>
+            <a:r>
               <a:rPr lang="en-US" dirty="0"/>
-              <a:t>.NET - ASP.NET </a:t>
-            </a:r>
-            <a:r>
-              <a:rPr lang="en-US" dirty="0" err="1"/>
-              <a:t>WebAPI</a:t>
-            </a:r>
-            <a:endParaRPr lang="en-US" dirty="0"/>
-          </a:p>
-          <a:p>
-            <a:pPr marL="342900" indent="-342900">
-              <a:buFont typeface="Arial" charset="0"/>
-              <a:buChar char="•"/>
-            </a:pPr>
-            <a:r>
-              <a:rPr lang="en-US" dirty="0"/>
-              <a:t>Node.js - Express.js</a:t>
-            </a:r>
-          </a:p>
-          <a:p>
-            <a:pPr marL="342900" indent="-342900">
-              <a:buFont typeface="Arial" charset="0"/>
-              <a:buChar char="•"/>
-            </a:pPr>
-            <a:endParaRPr lang="en-US" dirty="0"/>
-          </a:p>
-          <a:p>
-            <a:pPr marL="342900" indent="-342900">
-              <a:buFont typeface="Arial" charset="0"/>
-              <a:buChar char="•"/>
-            </a:pPr>
-            <a:r>
-              <a:rPr lang="en-US" dirty="0"/>
-              <a:t>Angular 2 (UI)</a:t>
+              <a:t>2 (UI)</a:t>
             </a:r>
           </a:p>
           <a:p>
@@ -8626,9 +8311,15 @@
               <a:rPr lang="en-US" sz="1800" dirty="0">
                 <a:hlinkClick r:id="rId2"/>
               </a:rPr>
-              <a:t>https://github.com/couchbaselabs/workshop/tree/master/connect2016/developer/03</a:t>
-            </a:r>
-            <a:endParaRPr lang="en-US" sz="1800" dirty="0"/>
+              <a:t>https://</a:t>
+            </a:r>
+            <a:r>
+              <a:rPr lang="en-US" sz="1800" dirty="0" smtClean="0">
+                <a:hlinkClick r:id="rId2"/>
+              </a:rPr>
+              <a:t>github.com/couchbaselabs/aspnet-nosql-workshop/tree/master/03</a:t>
+            </a:r>
+            <a:endParaRPr lang="en-US" sz="1800" dirty="0" smtClean="0"/>
           </a:p>
           <a:p>
             <a:pPr marL="569913" lvl="1" indent="-342900">
@@ -8861,57 +8552,16 @@
           </a:p>
           <a:p>
             <a:r>
-              <a:rPr lang="en-US" dirty="0"/>
-              <a:t>.NET:</a:t>
-            </a:r>
-          </a:p>
-          <a:p>
-            <a:r>
-              <a:rPr lang="en-US" dirty="0"/>
-              <a:t>	</a:t>
-            </a:r>
-            <a:r>
-              <a:rPr lang="en-US" dirty="0" err="1"/>
+              <a:rPr lang="en-US" dirty="0" err="1" smtClean="0"/>
               <a:t>async</a:t>
             </a:r>
             <a:r>
-              <a:rPr lang="en-US" dirty="0"/>
+              <a:rPr lang="en-US" dirty="0" smtClean="0"/>
               <a:t>/await/Task</a:t>
             </a:r>
-          </a:p>
-          <a:p>
             <a:endParaRPr lang="en-US" dirty="0"/>
           </a:p>
           <a:p>
-            <a:r>
-              <a:rPr lang="en-US" dirty="0"/>
-              <a:t>Node:</a:t>
-            </a:r>
-          </a:p>
-          <a:p>
-            <a:r>
-              <a:rPr lang="en-US" dirty="0"/>
-              <a:t>	callbacks</a:t>
-            </a:r>
-          </a:p>
-          <a:p>
-            <a:endParaRPr lang="en-US" dirty="0"/>
-          </a:p>
-          <a:p>
-            <a:r>
-              <a:rPr lang="en-US" dirty="0"/>
-              <a:t>Java:</a:t>
-            </a:r>
-          </a:p>
-          <a:p>
-            <a:r>
-              <a:rPr lang="en-US" dirty="0"/>
-              <a:t>	spring-data-</a:t>
-            </a:r>
-            <a:r>
-              <a:rPr lang="en-US" dirty="0" err="1"/>
-              <a:t>couchbase</a:t>
-            </a:r>
             <a:endParaRPr lang="en-US" dirty="0"/>
           </a:p>
         </p:txBody>
@@ -9008,50 +8658,13 @@
           </a:p>
           <a:p>
             <a:r>
-              <a:rPr lang="en-US" dirty="0"/>
-              <a:t>.NET:</a:t>
-            </a:r>
-          </a:p>
-          <a:p>
-            <a:r>
-              <a:rPr lang="en-US" dirty="0"/>
-              <a:t>	</a:t>
-            </a:r>
-            <a:r>
-              <a:rPr lang="en-US" dirty="0" err="1"/>
+              <a:rPr lang="en-US" dirty="0" err="1" smtClean="0"/>
               <a:t>QueryRequest</a:t>
             </a:r>
             <a:endParaRPr lang="en-US" dirty="0"/>
           </a:p>
           <a:p>
             <a:endParaRPr lang="en-US" dirty="0"/>
-          </a:p>
-          <a:p>
-            <a:r>
-              <a:rPr lang="en-US" dirty="0"/>
-              <a:t>Node:</a:t>
-            </a:r>
-          </a:p>
-          <a:p>
-            <a:r>
-              <a:rPr lang="en-US" dirty="0"/>
-              <a:t>	N1qlQuery</a:t>
-            </a:r>
-          </a:p>
-          <a:p>
-            <a:endParaRPr lang="en-US" dirty="0"/>
-          </a:p>
-          <a:p>
-            <a:r>
-              <a:rPr lang="en-US" dirty="0"/>
-              <a:t>Java:</a:t>
-            </a:r>
-          </a:p>
-          <a:p>
-            <a:r>
-              <a:rPr lang="en-US" dirty="0"/>
-              <a:t>	N1qlQuery</a:t>
-            </a:r>
           </a:p>
         </p:txBody>
       </p:sp>
@@ -9282,83 +8895,20 @@
           </a:p>
           <a:p>
             <a:r>
-              <a:rPr lang="en-US" dirty="0"/>
-              <a:t>.NET:</a:t>
-            </a:r>
-          </a:p>
-          <a:p>
-            <a:r>
-              <a:rPr lang="en-US" dirty="0"/>
-              <a:t>	</a:t>
+              <a:rPr lang="en-US" dirty="0" smtClean="0">
+                <a:latin typeface="Consolas" panose="020B0609020204030204" pitchFamily="49" charset="0"/>
+              </a:rPr>
+              <a:t>new </a:t>
             </a:r>
             <a:r>
               <a:rPr lang="en-US" dirty="0">
                 <a:latin typeface="Consolas" panose="020B0609020204030204" pitchFamily="49" charset="0"/>
               </a:rPr>
-              <a:t>new Document&lt;T&gt; { Cas = … }</a:t>
+              <a:t>Document&lt;T&gt; { Cas = … }</a:t>
             </a:r>
           </a:p>
           <a:p>
             <a:endParaRPr lang="en-US" dirty="0"/>
-          </a:p>
-          <a:p>
-            <a:r>
-              <a:rPr lang="en-US" dirty="0"/>
-              <a:t>Node:</a:t>
-            </a:r>
-          </a:p>
-          <a:p>
-            <a:r>
-              <a:rPr lang="en-US" dirty="0"/>
-              <a:t>	</a:t>
-            </a:r>
-            <a:r>
-              <a:rPr lang="en-US" dirty="0" err="1">
-                <a:latin typeface="Consolas" panose="020B0609020204030204" pitchFamily="49" charset="0"/>
-              </a:rPr>
-              <a:t>bucket.replace</a:t>
-            </a:r>
-            <a:r>
-              <a:rPr lang="en-US" dirty="0">
-                <a:latin typeface="Consolas" panose="020B0609020204030204" pitchFamily="49" charset="0"/>
-              </a:rPr>
-              <a:t>(‘key’, { document}, {</a:t>
-            </a:r>
-            <a:r>
-              <a:rPr lang="en-US" dirty="0" err="1">
-                <a:latin typeface="Consolas" panose="020B0609020204030204" pitchFamily="49" charset="0"/>
-              </a:rPr>
-              <a:t>cas</a:t>
-            </a:r>
-            <a:r>
-              <a:rPr lang="en-US" dirty="0">
-                <a:latin typeface="Consolas" panose="020B0609020204030204" pitchFamily="49" charset="0"/>
-              </a:rPr>
-              <a:t>: … }, … )</a:t>
-            </a:r>
-          </a:p>
-          <a:p>
-            <a:endParaRPr lang="en-US" dirty="0"/>
-          </a:p>
-          <a:p>
-            <a:r>
-              <a:rPr lang="en-US" dirty="0"/>
-              <a:t>Java:</a:t>
-            </a:r>
-          </a:p>
-          <a:p>
-            <a:r>
-              <a:rPr lang="en-US" dirty="0"/>
-              <a:t>	@Version attribute (spring-data-</a:t>
-            </a:r>
-            <a:r>
-              <a:rPr lang="en-US" dirty="0" err="1"/>
-              <a:t>couchbase</a:t>
-            </a:r>
-            <a:r>
-              <a:rPr lang="en-US" dirty="0"/>
-              <a:t>)</a:t>
-            </a:r>
           </a:p>
         </p:txBody>
       </p:sp>

--- a/03/03.pptx
+++ b/03/03.pptx
@@ -6,10 +6,10 @@
     <p:sldMasterId id="2147483684" r:id="rId2"/>
   </p:sldMasterIdLst>
   <p:notesMasterIdLst>
-    <p:notesMasterId r:id="rId17"/>
+    <p:notesMasterId r:id="rId21"/>
   </p:notesMasterIdLst>
   <p:handoutMasterIdLst>
-    <p:handoutMasterId r:id="rId18"/>
+    <p:handoutMasterId r:id="rId22"/>
   </p:handoutMasterIdLst>
   <p:sldIdLst>
     <p:sldId id="444" r:id="rId3"/>
@@ -17,15 +17,19 @@
     <p:sldId id="496" r:id="rId5"/>
     <p:sldId id="494" r:id="rId6"/>
     <p:sldId id="500" r:id="rId7"/>
-    <p:sldId id="503" r:id="rId8"/>
-    <p:sldId id="504" r:id="rId9"/>
-    <p:sldId id="505" r:id="rId10"/>
-    <p:sldId id="507" r:id="rId11"/>
+    <p:sldId id="498" r:id="rId8"/>
+    <p:sldId id="503" r:id="rId9"/>
+    <p:sldId id="504" r:id="rId10"/>
+    <p:sldId id="505" r:id="rId11"/>
     <p:sldId id="506" r:id="rId12"/>
-    <p:sldId id="498" r:id="rId13"/>
-    <p:sldId id="502" r:id="rId14"/>
-    <p:sldId id="501" r:id="rId15"/>
-    <p:sldId id="484" r:id="rId16"/>
+    <p:sldId id="507" r:id="rId13"/>
+    <p:sldId id="508" r:id="rId14"/>
+    <p:sldId id="509" r:id="rId15"/>
+    <p:sldId id="510" r:id="rId16"/>
+    <p:sldId id="511" r:id="rId17"/>
+    <p:sldId id="502" r:id="rId18"/>
+    <p:sldId id="501" r:id="rId19"/>
+    <p:sldId id="484" r:id="rId20"/>
   </p:sldIdLst>
   <p:sldSz cx="9144000" cy="5143500" type="screen16x9"/>
   <p:notesSz cx="6858000" cy="9144000"/>
@@ -134,12 +138,16 @@
             <p14:sldId id="496"/>
             <p14:sldId id="494"/>
             <p14:sldId id="500"/>
+            <p14:sldId id="498"/>
             <p14:sldId id="503"/>
             <p14:sldId id="504"/>
             <p14:sldId id="505"/>
+            <p14:sldId id="506"/>
             <p14:sldId id="507"/>
-            <p14:sldId id="506"/>
-            <p14:sldId id="498"/>
+            <p14:sldId id="508"/>
+            <p14:sldId id="509"/>
+            <p14:sldId id="510"/>
+            <p14:sldId id="511"/>
             <p14:sldId id="502"/>
             <p14:sldId id="501"/>
             <p14:sldId id="484"/>
@@ -271,7 +279,7 @@
           <a:p>
             <a:fld id="{B5389E1E-C654-E943-9883-792E99AD7287}" type="datetimeFigureOut">
               <a:rPr lang="en-US" smtClean="0"/>
-              <a:t>2/13/2017</a:t>
+              <a:t>3/16/2017</a:t>
             </a:fld>
             <a:endParaRPr lang="en-US"/>
           </a:p>
@@ -437,7 +445,7 @@
           <a:p>
             <a:fld id="{9920D99B-2862-464A-984E-65BFC5FC0BBC}" type="datetimeFigureOut">
               <a:rPr lang="en-US" smtClean="0"/>
-              <a:t>2/13/2017</a:t>
+              <a:t>3/16/2017</a:t>
             </a:fld>
             <a:endParaRPr lang="en-US"/>
           </a:p>
@@ -749,6 +757,105 @@
           <a:bodyPr/>
           <a:lstStyle/>
           <a:p>
+            <a:r>
+              <a:rPr lang="en-US" dirty="0"/>
+              <a:t>You don’t need to start an entirely new project, but here’s how you can do it.</a:t>
+            </a:r>
+          </a:p>
+          <a:p>
+            <a:endParaRPr lang="en-US" dirty="0"/>
+          </a:p>
+          <a:p>
+            <a:r>
+              <a:rPr lang="en-US" dirty="0"/>
+              <a:t>#1 – this installs the angular cli utility (I’m assuming you already have node/</a:t>
+            </a:r>
+            <a:r>
+              <a:rPr lang="en-US" dirty="0" err="1"/>
+              <a:t>npm</a:t>
+            </a:r>
+            <a:r>
+              <a:rPr lang="en-US" dirty="0"/>
+              <a:t> installed)</a:t>
+            </a:r>
+          </a:p>
+          <a:p>
+            <a:endParaRPr lang="en-US" dirty="0"/>
+          </a:p>
+          <a:p>
+            <a:r>
+              <a:rPr lang="en-US" dirty="0"/>
+              <a:t>#2 – ng is the angular cli, ng new </a:t>
+            </a:r>
+            <a:r>
+              <a:rPr lang="en-US" dirty="0" err="1"/>
+              <a:t>projectname</a:t>
+            </a:r>
+            <a:r>
+              <a:rPr lang="en-US" dirty="0"/>
+              <a:t> creates a hello world project in angular</a:t>
+            </a:r>
+          </a:p>
+          <a:p>
+            <a:endParaRPr lang="en-US" dirty="0"/>
+          </a:p>
+          <a:p>
+            <a:r>
+              <a:rPr lang="en-US" dirty="0"/>
+              <a:t>#3 – this is the hard part – you can generate a component, but then you have to write code to make that component do something</a:t>
+            </a:r>
+          </a:p>
+          <a:p>
+            <a:endParaRPr lang="en-US" dirty="0"/>
+          </a:p>
+          <a:p>
+            <a:r>
+              <a:rPr lang="en-US" dirty="0"/>
+              <a:t>#4 – this is like compiling your angular project</a:t>
+            </a:r>
+          </a:p>
+          <a:p>
+            <a:endParaRPr lang="en-US" dirty="0"/>
+          </a:p>
+          <a:p>
+            <a:r>
+              <a:rPr lang="en-US" dirty="0"/>
+              <a:t>#5 – this launches the angular site. You don’t have to do this, you could integrate it with your MVC site or </a:t>
+            </a:r>
+            <a:r>
+              <a:rPr lang="en-US" dirty="0" err="1"/>
+              <a:t>WebAPI</a:t>
+            </a:r>
+            <a:r>
+              <a:rPr lang="en-US" dirty="0"/>
+              <a:t> project, </a:t>
+            </a:r>
+            <a:r>
+              <a:rPr lang="en-US" dirty="0" err="1"/>
+              <a:t>etc</a:t>
+            </a:r>
+            <a:r>
+              <a:rPr lang="en-US" dirty="0"/>
+              <a:t>, but I want to demonstrate that angular is more decoupled</a:t>
+            </a:r>
+          </a:p>
+          <a:p>
+            <a:r>
+              <a:rPr lang="en-US" dirty="0"/>
+              <a:t>than a traditional site that just sprinkles in </a:t>
+            </a:r>
+            <a:r>
+              <a:rPr lang="en-US" dirty="0" err="1"/>
+              <a:t>javascript</a:t>
+            </a:r>
+            <a:r>
+              <a:rPr lang="en-US" dirty="0"/>
+              <a:t> with </a:t>
+            </a:r>
+            <a:r>
+              <a:rPr lang="en-US" dirty="0" err="1"/>
+              <a:t>jquery</a:t>
+            </a:r>
             <a:endParaRPr lang="en-US" dirty="0"/>
           </a:p>
         </p:txBody>
@@ -770,7 +877,7 @@
           <a:p>
             <a:fld id="{F39351FC-18D6-4741-8EEB-9FDB1F020AAC}" type="slidenum">
               <a:rPr lang="en-US" smtClean="0"/>
-              <a:t>6</a:t>
+              <a:t>7</a:t>
             </a:fld>
             <a:endParaRPr lang="en-US"/>
           </a:p>
@@ -779,7 +886,104 @@
     </p:spTree>
     <p:extLst>
       <p:ext uri="{BB962C8B-B14F-4D97-AF65-F5344CB8AC3E}">
-        <p14:creationId xmlns:p14="http://schemas.microsoft.com/office/powerpoint/2010/main" val="4020850754"/>
+        <p14:creationId xmlns:p14="http://schemas.microsoft.com/office/powerpoint/2010/main" val="1923860979"/>
+      </p:ext>
+    </p:extLst>
+  </p:cSld>
+  <p:clrMapOvr>
+    <a:masterClrMapping/>
+  </p:clrMapOvr>
+</p:notes>
+</file>
+
+<file path=ppt/notesSlides/notesSlide10.xml><?xml version="1.0" encoding="utf-8"?>
+<p:notes xmlns:a="http://schemas.openxmlformats.org/drawingml/2006/main" xmlns:r="http://schemas.openxmlformats.org/officeDocument/2006/relationships" xmlns:p="http://schemas.openxmlformats.org/presentationml/2006/main">
+  <p:cSld>
+    <p:spTree>
+      <p:nvGrpSpPr>
+        <p:cNvPr id="1" name=""/>
+        <p:cNvGrpSpPr/>
+        <p:nvPr/>
+      </p:nvGrpSpPr>
+      <p:grpSpPr>
+        <a:xfrm>
+          <a:off x="0" y="0"/>
+          <a:ext cx="0" cy="0"/>
+          <a:chOff x="0" y="0"/>
+          <a:chExt cx="0" cy="0"/>
+        </a:xfrm>
+      </p:grpSpPr>
+      <p:sp>
+        <p:nvSpPr>
+          <p:cNvPr id="2" name="Slide Image Placeholder 1"/>
+          <p:cNvSpPr>
+            <a:spLocks noGrp="1" noRot="1" noChangeAspect="1"/>
+          </p:cNvSpPr>
+          <p:nvPr>
+            <p:ph type="sldImg"/>
+          </p:nvPr>
+        </p:nvSpPr>
+        <p:spPr/>
+      </p:sp>
+      <p:sp>
+        <p:nvSpPr>
+          <p:cNvPr id="3" name="Notes Placeholder 2"/>
+          <p:cNvSpPr>
+            <a:spLocks noGrp="1"/>
+          </p:cNvSpPr>
+          <p:nvPr>
+            <p:ph type="body" idx="1"/>
+          </p:nvPr>
+        </p:nvSpPr>
+        <p:spPr/>
+        <p:txBody>
+          <a:bodyPr/>
+          <a:lstStyle/>
+          <a:p>
+            <a:r>
+              <a:rPr lang="en-US" dirty="0"/>
+              <a:t>We</a:t>
+            </a:r>
+            <a:r>
+              <a:rPr lang="en-US" baseline="0" dirty="0"/>
+              <a:t> started this workshop a while ago, but we haven’t been keeping up with Angular, so you might get an error message if you don’t use 1.0.0-beta.10</a:t>
+            </a:r>
+          </a:p>
+          <a:p>
+            <a:r>
+              <a:rPr lang="en-US" baseline="0" dirty="0"/>
+              <a:t>Then kick off the angular server with ng serve</a:t>
+            </a:r>
+          </a:p>
+        </p:txBody>
+      </p:sp>
+      <p:sp>
+        <p:nvSpPr>
+          <p:cNvPr id="4" name="Slide Number Placeholder 3"/>
+          <p:cNvSpPr>
+            <a:spLocks noGrp="1"/>
+          </p:cNvSpPr>
+          <p:nvPr>
+            <p:ph type="sldNum" sz="quarter" idx="10"/>
+          </p:nvPr>
+        </p:nvSpPr>
+        <p:spPr/>
+        <p:txBody>
+          <a:bodyPr/>
+          <a:lstStyle/>
+          <a:p>
+            <a:fld id="{F39351FC-18D6-4741-8EEB-9FDB1F020AAC}" type="slidenum">
+              <a:rPr lang="en-US" smtClean="0"/>
+              <a:t>17</a:t>
+            </a:fld>
+            <a:endParaRPr lang="en-US"/>
+          </a:p>
+        </p:txBody>
+      </p:sp>
+    </p:spTree>
+    <p:extLst>
+      <p:ext uri="{BB962C8B-B14F-4D97-AF65-F5344CB8AC3E}">
+        <p14:creationId xmlns:p14="http://schemas.microsoft.com/office/powerpoint/2010/main" val="1659110175"/>
       </p:ext>
     </p:extLst>
   </p:cSld>
@@ -835,38 +1039,41 @@
           <a:p>
             <a:r>
               <a:rPr lang="en-US" dirty="0"/>
-              <a:t>There are no examples of using N1QL *directly* in</a:t>
-            </a:r>
-            <a:r>
-              <a:rPr lang="en-US" baseline="0" dirty="0"/>
-              <a:t> the Java example, but the spring-data-</a:t>
-            </a:r>
-            <a:r>
-              <a:rPr lang="en-US" baseline="0" dirty="0" err="1"/>
-              <a:t>couchbase</a:t>
-            </a:r>
-            <a:r>
-              <a:rPr lang="en-US" baseline="0" dirty="0"/>
-              <a:t> library uses N1QL under the hood</a:t>
-            </a:r>
-          </a:p>
-          <a:p>
-            <a:endParaRPr lang="en-US" baseline="0" dirty="0"/>
-          </a:p>
-          <a:p>
-            <a:r>
-              <a:rPr lang="en-US" baseline="0" dirty="0"/>
-              <a:t>You can do similar things in .NET and Node with Linq2Couchbase and ottoman</a:t>
-            </a:r>
-          </a:p>
-          <a:p>
-            <a:endParaRPr lang="en-US" baseline="0" dirty="0"/>
-          </a:p>
-          <a:p>
-            <a:r>
-              <a:rPr lang="en-US" baseline="0" dirty="0"/>
-              <a:t>Or you can (and will probably need to) define your own custom N1QL operations in Java using the N1qlQuery class</a:t>
-            </a:r>
+              <a:t>This lab we’re using </a:t>
+            </a:r>
+            <a:r>
+              <a:rPr lang="en-US" dirty="0" err="1"/>
+              <a:t>TypeScript</a:t>
+            </a:r>
+            <a:r>
+              <a:rPr lang="en-US" dirty="0"/>
+              <a:t>, which compiles to JavaScript</a:t>
+            </a:r>
+          </a:p>
+          <a:p>
+            <a:endParaRPr lang="en-US" dirty="0"/>
+          </a:p>
+          <a:p>
+            <a:r>
+              <a:rPr lang="en-US" dirty="0"/>
+              <a:t>I’m not going to teach you </a:t>
+            </a:r>
+            <a:r>
+              <a:rPr lang="en-US" dirty="0" err="1"/>
+              <a:t>TypeScript</a:t>
+            </a:r>
+            <a:r>
+              <a:rPr lang="en-US" dirty="0"/>
+              <a:t> today, but for the most part, think of it like a strongly typed version of JavaScript</a:t>
+            </a:r>
+          </a:p>
+          <a:p>
+            <a:r>
+              <a:rPr lang="en-US" dirty="0"/>
+              <a:t>And if you have any problems, I’ll try to help</a:t>
+            </a:r>
+          </a:p>
+          <a:p>
             <a:endParaRPr lang="en-US" dirty="0"/>
           </a:p>
         </p:txBody>
@@ -888,7 +1095,7 @@
           <a:p>
             <a:fld id="{F39351FC-18D6-4741-8EEB-9FDB1F020AAC}" type="slidenum">
               <a:rPr lang="en-US" smtClean="0"/>
-              <a:t>7</a:t>
+              <a:t>8</a:t>
             </a:fld>
             <a:endParaRPr lang="en-US"/>
           </a:p>
@@ -897,7 +1104,7 @@
     </p:spTree>
     <p:extLst>
       <p:ext uri="{BB962C8B-B14F-4D97-AF65-F5344CB8AC3E}">
-        <p14:creationId xmlns:p14="http://schemas.microsoft.com/office/powerpoint/2010/main" val="1119562619"/>
+        <p14:creationId xmlns:p14="http://schemas.microsoft.com/office/powerpoint/2010/main" val="455377438"/>
       </p:ext>
     </p:extLst>
   </p:cSld>
@@ -953,39 +1160,98 @@
           <a:p>
             <a:r>
               <a:rPr lang="en-US" dirty="0"/>
-              <a:t>We’re not using CAS in this example, but for</a:t>
-            </a:r>
-            <a:r>
-              <a:rPr lang="en-US" baseline="0" dirty="0"/>
-              <a:t> concurrency, </a:t>
-            </a:r>
-            <a:r>
-              <a:rPr lang="en-US" baseline="0" dirty="0" err="1"/>
-              <a:t>Couchbase</a:t>
-            </a:r>
-            <a:r>
-              <a:rPr lang="en-US" baseline="0" dirty="0"/>
-              <a:t> documents provide a CAS number when you get them out of the database.</a:t>
-            </a:r>
-          </a:p>
-          <a:p>
-            <a:r>
-              <a:rPr lang="en-US" baseline="0" dirty="0"/>
-              <a:t>You can (optionally) use that CAS number to update the document.</a:t>
-            </a:r>
-          </a:p>
-          <a:p>
-            <a:r>
-              <a:rPr lang="en-US" baseline="0" dirty="0"/>
-              <a:t>If the document has changed since you last got it, there’ll be an exception.</a:t>
-            </a:r>
-          </a:p>
-          <a:p>
-            <a:r>
-              <a:rPr lang="en-US" baseline="0" dirty="0"/>
-              <a:t>If you don’t use CAS, it will be last-write-wins</a:t>
-            </a:r>
+              <a:t>Note that </a:t>
+            </a:r>
+            <a:r>
+              <a:rPr lang="en-US" dirty="0" err="1"/>
+              <a:t>AppComponent</a:t>
+            </a:r>
+            <a:r>
+              <a:rPr lang="en-US" dirty="0"/>
+              <a:t> is the “root” component that is bootstrapped</a:t>
+            </a:r>
+          </a:p>
+          <a:p>
             <a:endParaRPr lang="en-US" dirty="0"/>
+          </a:p>
+          <a:p>
+            <a:r>
+              <a:rPr lang="en-US" dirty="0"/>
+              <a:t>I also import other components, which roughly correspond to a page. </a:t>
+            </a:r>
+            <a:r>
+              <a:rPr lang="en-US" dirty="0" err="1"/>
+              <a:t>Kinda</a:t>
+            </a:r>
+            <a:r>
+              <a:rPr lang="en-US" dirty="0"/>
+              <a:t> like an ASP.NET </a:t>
+            </a:r>
+            <a:r>
+              <a:rPr lang="en-US" dirty="0" err="1"/>
+              <a:t>WebForms</a:t>
+            </a:r>
+            <a:r>
+              <a:rPr lang="en-US" dirty="0"/>
+              <a:t> page is how I think of it</a:t>
+            </a:r>
+          </a:p>
+          <a:p>
+            <a:endParaRPr lang="en-US" dirty="0"/>
+          </a:p>
+          <a:p>
+            <a:r>
+              <a:rPr lang="en-US" dirty="0"/>
+              <a:t>The ‘imports’ are elements that can be injected into components as needed.</a:t>
+            </a:r>
+          </a:p>
+          <a:p>
+            <a:endParaRPr lang="en-US" dirty="0"/>
+          </a:p>
+          <a:p>
+            <a:r>
+              <a:rPr lang="en-US" dirty="0"/>
+              <a:t>For instance, I’m importing </a:t>
+            </a:r>
+            <a:r>
+              <a:rPr lang="en-US" dirty="0" err="1"/>
+              <a:t>HttpModule</a:t>
+            </a:r>
+            <a:r>
+              <a:rPr lang="en-US" dirty="0"/>
+              <a:t> because I’ll want to make Http requests to the REST backend</a:t>
+            </a:r>
+          </a:p>
+          <a:p>
+            <a:r>
+              <a:rPr lang="en-US" dirty="0"/>
+              <a:t>The </a:t>
+            </a:r>
+            <a:r>
+              <a:rPr lang="en-US" dirty="0" err="1"/>
+              <a:t>RouterModule</a:t>
+            </a:r>
+            <a:r>
+              <a:rPr lang="en-US" dirty="0"/>
+              <a:t> is used to set up which routes go to which components</a:t>
+            </a:r>
+          </a:p>
+          <a:p>
+            <a:endParaRPr lang="en-US" dirty="0"/>
+          </a:p>
+          <a:p>
+            <a:r>
+              <a:rPr lang="en-US" dirty="0"/>
+              <a:t>I’ve created a Utility provider that’s </a:t>
+            </a:r>
+            <a:r>
+              <a:rPr lang="en-US" dirty="0" err="1"/>
+              <a:t>injectible</a:t>
+            </a:r>
+            <a:r>
+              <a:rPr lang="en-US" dirty="0"/>
+              <a:t>, but it is not required</a:t>
+            </a:r>
           </a:p>
         </p:txBody>
       </p:sp>
@@ -1006,7 +1272,7 @@
           <a:p>
             <a:fld id="{F39351FC-18D6-4741-8EEB-9FDB1F020AAC}" type="slidenum">
               <a:rPr lang="en-US" smtClean="0"/>
-              <a:t>9</a:t>
+              <a:t>10</a:t>
             </a:fld>
             <a:endParaRPr lang="en-US"/>
           </a:p>
@@ -1015,7 +1281,7 @@
     </p:spTree>
     <p:extLst>
       <p:ext uri="{BB962C8B-B14F-4D97-AF65-F5344CB8AC3E}">
-        <p14:creationId xmlns:p14="http://schemas.microsoft.com/office/powerpoint/2010/main" val="1203056654"/>
+        <p14:creationId xmlns:p14="http://schemas.microsoft.com/office/powerpoint/2010/main" val="2733430341"/>
       </p:ext>
     </p:extLst>
   </p:cSld>
@@ -1069,7 +1335,22 @@
           <a:bodyPr/>
           <a:lstStyle/>
           <a:p>
-            <a:endParaRPr lang="en-US" dirty="0"/>
+            <a:r>
+              <a:rPr lang="en-US" dirty="0"/>
+              <a:t>This is the basic structure of a component</a:t>
+            </a:r>
+          </a:p>
+          <a:p>
+            <a:r>
+              <a:rPr lang="en-US" dirty="0"/>
+              <a:t>Note that @Component associates this with an HTML file and (optionally) a CSS file</a:t>
+            </a:r>
+          </a:p>
+          <a:p>
+            <a:r>
+              <a:rPr lang="en-US" dirty="0"/>
+              <a:t>The HTML file can contain both raw HTML and angular templating</a:t>
+            </a:r>
           </a:p>
         </p:txBody>
       </p:sp>
@@ -1090,7 +1371,7 @@
           <a:p>
             <a:fld id="{F39351FC-18D6-4741-8EEB-9FDB1F020AAC}" type="slidenum">
               <a:rPr lang="en-US" smtClean="0"/>
-              <a:t>10</a:t>
+              <a:t>11</a:t>
             </a:fld>
             <a:endParaRPr lang="en-US"/>
           </a:p>
@@ -1099,7 +1380,7 @@
     </p:spTree>
     <p:extLst>
       <p:ext uri="{BB962C8B-B14F-4D97-AF65-F5344CB8AC3E}">
-        <p14:creationId xmlns:p14="http://schemas.microsoft.com/office/powerpoint/2010/main" val="4041048519"/>
+        <p14:creationId xmlns:p14="http://schemas.microsoft.com/office/powerpoint/2010/main" val="3770943403"/>
       </p:ext>
     </p:extLst>
   </p:cSld>
@@ -1155,23 +1436,77 @@
           <a:p>
             <a:r>
               <a:rPr lang="en-US" dirty="0"/>
-              <a:t>We</a:t>
-            </a:r>
-            <a:r>
-              <a:rPr lang="en-US" baseline="0" dirty="0"/>
-              <a:t> started this workshop a while ago, but we haven’t been keeping up with Angular, so you might get an error message if you don’t use 1.0.0-beta.10</a:t>
-            </a:r>
-          </a:p>
-          <a:p>
-            <a:r>
-              <a:rPr lang="en-US" baseline="0" dirty="0"/>
-              <a:t>Then kick off the angular server with ng </a:t>
-            </a:r>
-            <a:r>
-              <a:rPr lang="en-US" baseline="0" dirty="0" smtClean="0"/>
-              <a:t>serve</a:t>
-            </a:r>
-            <a:endParaRPr lang="en-US" baseline="0" dirty="0"/>
+              <a:t>Here’s an example using the HTTP component to make a GET request to a given endpoint</a:t>
+            </a:r>
+          </a:p>
+          <a:p>
+            <a:r>
+              <a:rPr lang="en-US" dirty="0"/>
+              <a:t>It’s also using </a:t>
+            </a:r>
+            <a:r>
+              <a:rPr lang="en-US" dirty="0" err="1"/>
+              <a:t>RxJS</a:t>
+            </a:r>
+            <a:r>
+              <a:rPr lang="en-US" dirty="0"/>
+              <a:t> to treat HTTP requests as Observables</a:t>
+            </a:r>
+          </a:p>
+          <a:p>
+            <a:r>
+              <a:rPr lang="en-US" dirty="0"/>
+              <a:t>This is nice because we don’t need to worry about a bunch of callbacks, but you don’t have to use it</a:t>
+            </a:r>
+          </a:p>
+          <a:p>
+            <a:r>
+              <a:rPr lang="en-US" dirty="0"/>
+              <a:t>I’m also doing this request in the </a:t>
+            </a:r>
+            <a:r>
+              <a:rPr lang="en-US" dirty="0" err="1"/>
+              <a:t>ngOnInit</a:t>
+            </a:r>
+            <a:r>
+              <a:rPr lang="en-US" dirty="0"/>
+              <a:t> because doing an HTTP request should wait until initialization and not be in the constructor</a:t>
+            </a:r>
+          </a:p>
+          <a:p>
+            <a:endParaRPr lang="en-US" dirty="0"/>
+          </a:p>
+          <a:p>
+            <a:r>
+              <a:rPr lang="en-US" dirty="0"/>
+              <a:t>After </a:t>
+            </a:r>
+            <a:r>
+              <a:rPr lang="en-US" dirty="0" err="1"/>
+              <a:t>ngOnInit</a:t>
+            </a:r>
+            <a:r>
+              <a:rPr lang="en-US" dirty="0"/>
+              <a:t> finishes, the people array will contain data. The list.component.html can reference this people object in order to display information.</a:t>
+            </a:r>
+          </a:p>
+          <a:p>
+            <a:endParaRPr lang="en-US" dirty="0"/>
+          </a:p>
+          <a:p>
+            <a:r>
+              <a:rPr lang="en-US" dirty="0"/>
+              <a:t>It’s important to note than whenever this people array gets modified, list.component.html will be refreshed with the new data</a:t>
+            </a:r>
+          </a:p>
+          <a:p>
+            <a:endParaRPr lang="en-US" dirty="0"/>
+          </a:p>
+          <a:p>
+            <a:r>
+              <a:rPr lang="en-US" dirty="0"/>
+              <a:t>In turn, you can have actions in the browser correspond to methods in this “code behind” page</a:t>
+            </a:r>
           </a:p>
         </p:txBody>
       </p:sp>
@@ -1192,7 +1527,7 @@
           <a:p>
             <a:fld id="{F39351FC-18D6-4741-8EEB-9FDB1F020AAC}" type="slidenum">
               <a:rPr lang="en-US" smtClean="0"/>
-              <a:t>13</a:t>
+              <a:t>12</a:t>
             </a:fld>
             <a:endParaRPr lang="en-US"/>
           </a:p>
@@ -1201,7 +1536,438 @@
     </p:spTree>
     <p:extLst>
       <p:ext uri="{BB962C8B-B14F-4D97-AF65-F5344CB8AC3E}">
-        <p14:creationId xmlns:p14="http://schemas.microsoft.com/office/powerpoint/2010/main" val="1659110175"/>
+        <p14:creationId xmlns:p14="http://schemas.microsoft.com/office/powerpoint/2010/main" val="2062430066"/>
+      </p:ext>
+    </p:extLst>
+  </p:cSld>
+  <p:clrMapOvr>
+    <a:masterClrMapping/>
+  </p:clrMapOvr>
+</p:notes>
+</file>
+
+<file path=ppt/notesSlides/notesSlide6.xml><?xml version="1.0" encoding="utf-8"?>
+<p:notes xmlns:a="http://schemas.openxmlformats.org/drawingml/2006/main" xmlns:r="http://schemas.openxmlformats.org/officeDocument/2006/relationships" xmlns:p="http://schemas.openxmlformats.org/presentationml/2006/main">
+  <p:cSld>
+    <p:spTree>
+      <p:nvGrpSpPr>
+        <p:cNvPr id="1" name=""/>
+        <p:cNvGrpSpPr/>
+        <p:nvPr/>
+      </p:nvGrpSpPr>
+      <p:grpSpPr>
+        <a:xfrm>
+          <a:off x="0" y="0"/>
+          <a:ext cx="0" cy="0"/>
+          <a:chOff x="0" y="0"/>
+          <a:chExt cx="0" cy="0"/>
+        </a:xfrm>
+      </p:grpSpPr>
+      <p:sp>
+        <p:nvSpPr>
+          <p:cNvPr id="2" name="Slide Image Placeholder 1"/>
+          <p:cNvSpPr>
+            <a:spLocks noGrp="1" noRot="1" noChangeAspect="1"/>
+          </p:cNvSpPr>
+          <p:nvPr>
+            <p:ph type="sldImg"/>
+          </p:nvPr>
+        </p:nvSpPr>
+        <p:spPr/>
+      </p:sp>
+      <p:sp>
+        <p:nvSpPr>
+          <p:cNvPr id="3" name="Notes Placeholder 2"/>
+          <p:cNvSpPr>
+            <a:spLocks noGrp="1"/>
+          </p:cNvSpPr>
+          <p:nvPr>
+            <p:ph type="body" idx="1"/>
+          </p:nvPr>
+        </p:nvSpPr>
+        <p:spPr/>
+        <p:txBody>
+          <a:bodyPr/>
+          <a:lstStyle/>
+          <a:p>
+            <a:r>
+              <a:rPr lang="en-US" dirty="0"/>
+              <a:t>This is a template</a:t>
+            </a:r>
+          </a:p>
+          <a:p>
+            <a:r>
+              <a:rPr lang="en-US" dirty="0"/>
+              <a:t>It’s mostly plain HTML</a:t>
+            </a:r>
+          </a:p>
+          <a:p>
+            <a:r>
+              <a:rPr lang="en-US" dirty="0"/>
+              <a:t>But there is some Angular in here. </a:t>
+            </a:r>
+            <a:r>
+              <a:rPr lang="en-US" dirty="0" err="1"/>
+              <a:t>Kinda</a:t>
+            </a:r>
+            <a:r>
+              <a:rPr lang="en-US" dirty="0"/>
+              <a:t> like Mustache if you’ve seen that before</a:t>
+            </a:r>
+          </a:p>
+          <a:p>
+            <a:r>
+              <a:rPr lang="en-US" dirty="0"/>
+              <a:t>Or you can think of it like a client side Razor</a:t>
+            </a:r>
+          </a:p>
+          <a:p>
+            <a:endParaRPr lang="en-US" dirty="0"/>
+          </a:p>
+          <a:p>
+            <a:r>
+              <a:rPr lang="en-US" dirty="0"/>
+              <a:t>Note the </a:t>
+            </a:r>
+            <a:r>
+              <a:rPr lang="en-US" dirty="0" err="1"/>
+              <a:t>ngFor</a:t>
+            </a:r>
+            <a:r>
+              <a:rPr lang="en-US" dirty="0"/>
+              <a:t>, and the {{ </a:t>
+            </a:r>
+            <a:r>
+              <a:rPr lang="en-US" dirty="0" err="1"/>
+              <a:t>person.foo</a:t>
+            </a:r>
+            <a:r>
+              <a:rPr lang="en-US" dirty="0"/>
+              <a:t> }}</a:t>
+            </a:r>
+          </a:p>
+        </p:txBody>
+      </p:sp>
+      <p:sp>
+        <p:nvSpPr>
+          <p:cNvPr id="4" name="Slide Number Placeholder 3"/>
+          <p:cNvSpPr>
+            <a:spLocks noGrp="1"/>
+          </p:cNvSpPr>
+          <p:nvPr>
+            <p:ph type="sldNum" sz="quarter" idx="10"/>
+          </p:nvPr>
+        </p:nvSpPr>
+        <p:spPr/>
+        <p:txBody>
+          <a:bodyPr/>
+          <a:lstStyle/>
+          <a:p>
+            <a:fld id="{F39351FC-18D6-4741-8EEB-9FDB1F020AAC}" type="slidenum">
+              <a:rPr lang="en-US" smtClean="0"/>
+              <a:t>13</a:t>
+            </a:fld>
+            <a:endParaRPr lang="en-US"/>
+          </a:p>
+        </p:txBody>
+      </p:sp>
+    </p:spTree>
+    <p:extLst>
+      <p:ext uri="{BB962C8B-B14F-4D97-AF65-F5344CB8AC3E}">
+        <p14:creationId xmlns:p14="http://schemas.microsoft.com/office/powerpoint/2010/main" val="3981243878"/>
+      </p:ext>
+    </p:extLst>
+  </p:cSld>
+  <p:clrMapOvr>
+    <a:masterClrMapping/>
+  </p:clrMapOvr>
+</p:notes>
+</file>
+
+<file path=ppt/notesSlides/notesSlide7.xml><?xml version="1.0" encoding="utf-8"?>
+<p:notes xmlns:a="http://schemas.openxmlformats.org/drawingml/2006/main" xmlns:r="http://schemas.openxmlformats.org/officeDocument/2006/relationships" xmlns:p="http://schemas.openxmlformats.org/presentationml/2006/main">
+  <p:cSld>
+    <p:spTree>
+      <p:nvGrpSpPr>
+        <p:cNvPr id="1" name=""/>
+        <p:cNvGrpSpPr/>
+        <p:nvPr/>
+      </p:nvGrpSpPr>
+      <p:grpSpPr>
+        <a:xfrm>
+          <a:off x="0" y="0"/>
+          <a:ext cx="0" cy="0"/>
+          <a:chOff x="0" y="0"/>
+          <a:chExt cx="0" cy="0"/>
+        </a:xfrm>
+      </p:grpSpPr>
+      <p:sp>
+        <p:nvSpPr>
+          <p:cNvPr id="2" name="Slide Image Placeholder 1"/>
+          <p:cNvSpPr>
+            <a:spLocks noGrp="1" noRot="1" noChangeAspect="1"/>
+          </p:cNvSpPr>
+          <p:nvPr>
+            <p:ph type="sldImg"/>
+          </p:nvPr>
+        </p:nvSpPr>
+        <p:spPr/>
+      </p:sp>
+      <p:sp>
+        <p:nvSpPr>
+          <p:cNvPr id="3" name="Notes Placeholder 2"/>
+          <p:cNvSpPr>
+            <a:spLocks noGrp="1"/>
+          </p:cNvSpPr>
+          <p:nvPr>
+            <p:ph type="body" idx="1"/>
+          </p:nvPr>
+        </p:nvSpPr>
+        <p:spPr/>
+        <p:txBody>
+          <a:bodyPr/>
+          <a:lstStyle/>
+          <a:p>
+            <a:r>
+              <a:rPr lang="en-US" dirty="0"/>
+              <a:t>This is how we can wire up an event, like click, to execute some piece of code</a:t>
+            </a:r>
+          </a:p>
+          <a:p>
+            <a:endParaRPr lang="en-US" dirty="0"/>
+          </a:p>
+          <a:p>
+            <a:r>
+              <a:rPr lang="en-US" dirty="0"/>
+              <a:t>This says to angular, when this element is clicked, execute the bar method with the given parameters</a:t>
+            </a:r>
+          </a:p>
+        </p:txBody>
+      </p:sp>
+      <p:sp>
+        <p:nvSpPr>
+          <p:cNvPr id="4" name="Slide Number Placeholder 3"/>
+          <p:cNvSpPr>
+            <a:spLocks noGrp="1"/>
+          </p:cNvSpPr>
+          <p:nvPr>
+            <p:ph type="sldNum" sz="quarter" idx="10"/>
+          </p:nvPr>
+        </p:nvSpPr>
+        <p:spPr/>
+        <p:txBody>
+          <a:bodyPr/>
+          <a:lstStyle/>
+          <a:p>
+            <a:fld id="{F39351FC-18D6-4741-8EEB-9FDB1F020AAC}" type="slidenum">
+              <a:rPr lang="en-US" smtClean="0"/>
+              <a:t>14</a:t>
+            </a:fld>
+            <a:endParaRPr lang="en-US"/>
+          </a:p>
+        </p:txBody>
+      </p:sp>
+    </p:spTree>
+    <p:extLst>
+      <p:ext uri="{BB962C8B-B14F-4D97-AF65-F5344CB8AC3E}">
+        <p14:creationId xmlns:p14="http://schemas.microsoft.com/office/powerpoint/2010/main" val="3338695438"/>
+      </p:ext>
+    </p:extLst>
+  </p:cSld>
+  <p:clrMapOvr>
+    <a:masterClrMapping/>
+  </p:clrMapOvr>
+</p:notes>
+</file>
+
+<file path=ppt/notesSlides/notesSlide8.xml><?xml version="1.0" encoding="utf-8"?>
+<p:notes xmlns:a="http://schemas.openxmlformats.org/drawingml/2006/main" xmlns:r="http://schemas.openxmlformats.org/officeDocument/2006/relationships" xmlns:p="http://schemas.openxmlformats.org/presentationml/2006/main">
+  <p:cSld>
+    <p:spTree>
+      <p:nvGrpSpPr>
+        <p:cNvPr id="1" name=""/>
+        <p:cNvGrpSpPr/>
+        <p:nvPr/>
+      </p:nvGrpSpPr>
+      <p:grpSpPr>
+        <a:xfrm>
+          <a:off x="0" y="0"/>
+          <a:ext cx="0" cy="0"/>
+          <a:chOff x="0" y="0"/>
+          <a:chExt cx="0" cy="0"/>
+        </a:xfrm>
+      </p:grpSpPr>
+      <p:sp>
+        <p:nvSpPr>
+          <p:cNvPr id="2" name="Slide Image Placeholder 1"/>
+          <p:cNvSpPr>
+            <a:spLocks noGrp="1" noRot="1" noChangeAspect="1"/>
+          </p:cNvSpPr>
+          <p:nvPr>
+            <p:ph type="sldImg"/>
+          </p:nvPr>
+        </p:nvSpPr>
+        <p:spPr/>
+      </p:sp>
+      <p:sp>
+        <p:nvSpPr>
+          <p:cNvPr id="3" name="Notes Placeholder 2"/>
+          <p:cNvSpPr>
+            <a:spLocks noGrp="1"/>
+          </p:cNvSpPr>
+          <p:nvPr>
+            <p:ph type="body" idx="1"/>
+          </p:nvPr>
+        </p:nvSpPr>
+        <p:spPr/>
+        <p:txBody>
+          <a:bodyPr/>
+          <a:lstStyle/>
+          <a:p>
+            <a:r>
+              <a:rPr lang="en-US" dirty="0"/>
+              <a:t>This will use the Angular Router to create a link to the given route</a:t>
+            </a:r>
+          </a:p>
+          <a:p>
+            <a:endParaRPr lang="en-US" dirty="0"/>
+          </a:p>
+          <a:p>
+            <a:r>
+              <a:rPr lang="en-US" dirty="0"/>
+              <a:t>We’ve already defined routes back in </a:t>
+            </a:r>
+            <a:r>
+              <a:rPr lang="en-US" dirty="0" err="1"/>
+              <a:t>app.module.ts</a:t>
+            </a:r>
+            <a:endParaRPr lang="en-US" dirty="0"/>
+          </a:p>
+        </p:txBody>
+      </p:sp>
+      <p:sp>
+        <p:nvSpPr>
+          <p:cNvPr id="4" name="Slide Number Placeholder 3"/>
+          <p:cNvSpPr>
+            <a:spLocks noGrp="1"/>
+          </p:cNvSpPr>
+          <p:nvPr>
+            <p:ph type="sldNum" sz="quarter" idx="10"/>
+          </p:nvPr>
+        </p:nvSpPr>
+        <p:spPr/>
+        <p:txBody>
+          <a:bodyPr/>
+          <a:lstStyle/>
+          <a:p>
+            <a:fld id="{F39351FC-18D6-4741-8EEB-9FDB1F020AAC}" type="slidenum">
+              <a:rPr lang="en-US" smtClean="0"/>
+              <a:t>15</a:t>
+            </a:fld>
+            <a:endParaRPr lang="en-US"/>
+          </a:p>
+        </p:txBody>
+      </p:sp>
+    </p:spTree>
+    <p:extLst>
+      <p:ext uri="{BB962C8B-B14F-4D97-AF65-F5344CB8AC3E}">
+        <p14:creationId xmlns:p14="http://schemas.microsoft.com/office/powerpoint/2010/main" val="4174900080"/>
+      </p:ext>
+    </p:extLst>
+  </p:cSld>
+  <p:clrMapOvr>
+    <a:masterClrMapping/>
+  </p:clrMapOvr>
+</p:notes>
+</file>
+
+<file path=ppt/notesSlides/notesSlide9.xml><?xml version="1.0" encoding="utf-8"?>
+<p:notes xmlns:a="http://schemas.openxmlformats.org/drawingml/2006/main" xmlns:r="http://schemas.openxmlformats.org/officeDocument/2006/relationships" xmlns:p="http://schemas.openxmlformats.org/presentationml/2006/main">
+  <p:cSld>
+    <p:spTree>
+      <p:nvGrpSpPr>
+        <p:cNvPr id="1" name=""/>
+        <p:cNvGrpSpPr/>
+        <p:nvPr/>
+      </p:nvGrpSpPr>
+      <p:grpSpPr>
+        <a:xfrm>
+          <a:off x="0" y="0"/>
+          <a:ext cx="0" cy="0"/>
+          <a:chOff x="0" y="0"/>
+          <a:chExt cx="0" cy="0"/>
+        </a:xfrm>
+      </p:grpSpPr>
+      <p:sp>
+        <p:nvSpPr>
+          <p:cNvPr id="2" name="Slide Image Placeholder 1"/>
+          <p:cNvSpPr>
+            <a:spLocks noGrp="1" noRot="1" noChangeAspect="1"/>
+          </p:cNvSpPr>
+          <p:nvPr>
+            <p:ph type="sldImg"/>
+          </p:nvPr>
+        </p:nvSpPr>
+        <p:spPr/>
+      </p:sp>
+      <p:sp>
+        <p:nvSpPr>
+          <p:cNvPr id="3" name="Notes Placeholder 2"/>
+          <p:cNvSpPr>
+            <a:spLocks noGrp="1"/>
+          </p:cNvSpPr>
+          <p:nvPr>
+            <p:ph type="body" idx="1"/>
+          </p:nvPr>
+        </p:nvSpPr>
+        <p:spPr/>
+        <p:txBody>
+          <a:bodyPr/>
+          <a:lstStyle/>
+          <a:p>
+            <a:r>
+              <a:rPr lang="en-US" dirty="0"/>
+              <a:t>So that should be enough to get you started.</a:t>
+            </a:r>
+          </a:p>
+          <a:p>
+            <a:endParaRPr lang="en-US" dirty="0"/>
+          </a:p>
+          <a:p>
+            <a:r>
+              <a:rPr lang="en-US" dirty="0"/>
+              <a:t>Here are the files in </a:t>
+            </a:r>
+          </a:p>
+        </p:txBody>
+      </p:sp>
+      <p:sp>
+        <p:nvSpPr>
+          <p:cNvPr id="4" name="Slide Number Placeholder 3"/>
+          <p:cNvSpPr>
+            <a:spLocks noGrp="1"/>
+          </p:cNvSpPr>
+          <p:nvPr>
+            <p:ph type="sldNum" sz="quarter" idx="10"/>
+          </p:nvPr>
+        </p:nvSpPr>
+        <p:spPr/>
+        <p:txBody>
+          <a:bodyPr/>
+          <a:lstStyle/>
+          <a:p>
+            <a:fld id="{F39351FC-18D6-4741-8EEB-9FDB1F020AAC}" type="slidenum">
+              <a:rPr lang="en-US" smtClean="0"/>
+              <a:t>16</a:t>
+            </a:fld>
+            <a:endParaRPr lang="en-US"/>
+          </a:p>
+        </p:txBody>
+      </p:sp>
+    </p:spTree>
+    <p:extLst>
+      <p:ext uri="{BB962C8B-B14F-4D97-AF65-F5344CB8AC3E}">
+        <p14:creationId xmlns:p14="http://schemas.microsoft.com/office/powerpoint/2010/main" val="1787420976"/>
       </p:ext>
     </p:extLst>
   </p:cSld>
@@ -7054,15 +7820,7 @@
           <a:p>
             <a:r>
               <a:rPr lang="en-US" sz="3600" dirty="0"/>
-              <a:t>Workshop </a:t>
-            </a:r>
-            <a:r>
-              <a:rPr lang="en-US" sz="3600" dirty="0" smtClean="0"/>
-              <a:t>C </a:t>
-            </a:r>
-            <a:r>
-              <a:rPr lang="en-US" sz="3600" dirty="0"/>
-              <a:t>– Building a Full-stack Application</a:t>
+              <a:t>Workshop C – Building a Full-stack Application</a:t>
             </a:r>
           </a:p>
         </p:txBody>
@@ -7132,90 +7890,1144 @@
           <a:lstStyle/>
           <a:p>
             <a:r>
+              <a:rPr lang="en-US" dirty="0" err="1"/>
+              <a:t>src</a:t>
+            </a:r>
+            <a:r>
               <a:rPr lang="en-US" dirty="0"/>
-              <a:t>Error handling</a:t>
-            </a:r>
+              <a:t>/app/</a:t>
+            </a:r>
+            <a:r>
+              <a:rPr lang="en-US" dirty="0" err="1"/>
+              <a:t>app.module.ts</a:t>
+            </a:r>
+            <a:endParaRPr lang="en-US" dirty="0"/>
           </a:p>
         </p:txBody>
       </p:sp>
       <p:sp>
         <p:nvSpPr>
-          <p:cNvPr id="3" name="Content Placeholder 2"/>
-          <p:cNvSpPr>
-            <a:spLocks noGrp="1"/>
-          </p:cNvSpPr>
-          <p:nvPr>
-            <p:ph idx="1"/>
-          </p:nvPr>
+          <p:cNvPr id="7" name="Rectangle 6"/>
+          <p:cNvSpPr/>
+          <p:nvPr/>
         </p:nvSpPr>
-        <p:spPr/>
+        <p:spPr>
+          <a:xfrm>
+            <a:off x="2453940" y="588407"/>
+            <a:ext cx="7339263" cy="4555093"/>
+          </a:xfrm>
+          <a:prstGeom prst="rect">
+            <a:avLst/>
+          </a:prstGeom>
+        </p:spPr>
         <p:txBody>
-          <a:bodyPr/>
+          <a:bodyPr wrap="square">
+            <a:spAutoFit/>
+          </a:bodyPr>
           <a:lstStyle/>
           <a:p>
             <a:r>
-              <a:rPr lang="en-US" dirty="0"/>
-              <a:t>.</a:t>
-            </a:r>
-            <a:r>
-              <a:rPr lang="en-US" dirty="0" smtClean="0"/>
-              <a:t>NET Result </a:t>
-            </a:r>
-            <a:r>
-              <a:rPr lang="en-US" dirty="0"/>
-              <a:t>objects include</a:t>
-            </a:r>
-            <a:r>
-              <a:rPr lang="en-US" dirty="0" smtClean="0"/>
-              <a:t>:</a:t>
-            </a:r>
-          </a:p>
-          <a:p>
-            <a:endParaRPr lang="en-US" dirty="0"/>
-          </a:p>
-          <a:p>
-            <a:pPr marL="342900" indent="-342900">
-              <a:buFont typeface="Arial" panose="020B0604020202020204" pitchFamily="34" charset="0"/>
-              <a:buChar char="•"/>
-            </a:pPr>
-            <a:r>
-              <a:rPr lang="en-US" dirty="0" smtClean="0"/>
-              <a:t>Exception</a:t>
-            </a:r>
-          </a:p>
-          <a:p>
-            <a:pPr marL="342900" indent="-342900">
-              <a:buFont typeface="Arial" panose="020B0604020202020204" pitchFamily="34" charset="0"/>
-              <a:buChar char="•"/>
-            </a:pPr>
-            <a:r>
-              <a:rPr lang="en-US" dirty="0" smtClean="0"/>
-              <a:t>Success</a:t>
-            </a:r>
-          </a:p>
-          <a:p>
-            <a:pPr marL="342900" indent="-342900">
-              <a:buFont typeface="Arial" panose="020B0604020202020204" pitchFamily="34" charset="0"/>
-              <a:buChar char="•"/>
-            </a:pPr>
-            <a:r>
-              <a:rPr lang="en-US" dirty="0" smtClean="0"/>
-              <a:t>Message</a:t>
-            </a:r>
-            <a:endParaRPr lang="en-US" dirty="0"/>
-          </a:p>
-          <a:p>
-            <a:endParaRPr lang="en-US" dirty="0"/>
-          </a:p>
-          <a:p>
-            <a:endParaRPr lang="en-US" dirty="0"/>
+              <a:rPr lang="en-US" sz="1000" dirty="0">
+                <a:solidFill>
+                  <a:srgbClr val="0000FF"/>
+                </a:solidFill>
+                <a:latin typeface="Consolas" panose="020B0609020204030204" pitchFamily="49" charset="0"/>
+              </a:rPr>
+              <a:t>import</a:t>
+            </a:r>
+            <a:r>
+              <a:rPr lang="en-US" sz="1000" dirty="0">
+                <a:solidFill>
+                  <a:srgbClr val="000000"/>
+                </a:solidFill>
+                <a:latin typeface="Consolas" panose="020B0609020204030204" pitchFamily="49" charset="0"/>
+              </a:rPr>
+              <a:t> { </a:t>
+            </a:r>
+            <a:r>
+              <a:rPr lang="en-US" sz="1000" dirty="0" err="1">
+                <a:solidFill>
+                  <a:srgbClr val="000000"/>
+                </a:solidFill>
+                <a:latin typeface="Consolas" panose="020B0609020204030204" pitchFamily="49" charset="0"/>
+              </a:rPr>
+              <a:t>BrowserModule</a:t>
+            </a:r>
+            <a:r>
+              <a:rPr lang="en-US" sz="1000" dirty="0">
+                <a:solidFill>
+                  <a:srgbClr val="000000"/>
+                </a:solidFill>
+                <a:latin typeface="Consolas" panose="020B0609020204030204" pitchFamily="49" charset="0"/>
+              </a:rPr>
+              <a:t> } </a:t>
+            </a:r>
+            <a:r>
+              <a:rPr lang="en-US" sz="1000" dirty="0">
+                <a:solidFill>
+                  <a:srgbClr val="0000FF"/>
+                </a:solidFill>
+                <a:latin typeface="Consolas" panose="020B0609020204030204" pitchFamily="49" charset="0"/>
+              </a:rPr>
+              <a:t>from</a:t>
+            </a:r>
+            <a:r>
+              <a:rPr lang="en-US" sz="1000" dirty="0">
+                <a:solidFill>
+                  <a:srgbClr val="000000"/>
+                </a:solidFill>
+                <a:latin typeface="Consolas" panose="020B0609020204030204" pitchFamily="49" charset="0"/>
+              </a:rPr>
+              <a:t> </a:t>
+            </a:r>
+            <a:r>
+              <a:rPr lang="en-US" sz="1000" dirty="0">
+                <a:solidFill>
+                  <a:srgbClr val="A31515"/>
+                </a:solidFill>
+                <a:latin typeface="Consolas" panose="020B0609020204030204" pitchFamily="49" charset="0"/>
+              </a:rPr>
+              <a:t>'@angular/platform-browser'</a:t>
+            </a:r>
+            <a:r>
+              <a:rPr lang="en-US" sz="1000" dirty="0">
+                <a:solidFill>
+                  <a:srgbClr val="000000"/>
+                </a:solidFill>
+                <a:latin typeface="Consolas" panose="020B0609020204030204" pitchFamily="49" charset="0"/>
+              </a:rPr>
+              <a:t>;</a:t>
+            </a:r>
+          </a:p>
+          <a:p>
+            <a:r>
+              <a:rPr lang="en-US" sz="1000" dirty="0">
+                <a:solidFill>
+                  <a:srgbClr val="0000FF"/>
+                </a:solidFill>
+                <a:latin typeface="Consolas" panose="020B0609020204030204" pitchFamily="49" charset="0"/>
+              </a:rPr>
+              <a:t>import</a:t>
+            </a:r>
+            <a:r>
+              <a:rPr lang="en-US" sz="1000" dirty="0">
+                <a:solidFill>
+                  <a:srgbClr val="000000"/>
+                </a:solidFill>
+                <a:latin typeface="Consolas" panose="020B0609020204030204" pitchFamily="49" charset="0"/>
+              </a:rPr>
+              <a:t> { </a:t>
+            </a:r>
+            <a:r>
+              <a:rPr lang="en-US" sz="1000" dirty="0" err="1">
+                <a:solidFill>
+                  <a:srgbClr val="000000"/>
+                </a:solidFill>
+                <a:latin typeface="Consolas" panose="020B0609020204030204" pitchFamily="49" charset="0"/>
+              </a:rPr>
+              <a:t>NgModule</a:t>
+            </a:r>
+            <a:r>
+              <a:rPr lang="en-US" sz="1000" dirty="0">
+                <a:solidFill>
+                  <a:srgbClr val="000000"/>
+                </a:solidFill>
+                <a:latin typeface="Consolas" panose="020B0609020204030204" pitchFamily="49" charset="0"/>
+              </a:rPr>
+              <a:t> } </a:t>
+            </a:r>
+            <a:r>
+              <a:rPr lang="en-US" sz="1000" dirty="0">
+                <a:solidFill>
+                  <a:srgbClr val="0000FF"/>
+                </a:solidFill>
+                <a:latin typeface="Consolas" panose="020B0609020204030204" pitchFamily="49" charset="0"/>
+              </a:rPr>
+              <a:t>from</a:t>
+            </a:r>
+            <a:r>
+              <a:rPr lang="en-US" sz="1000" dirty="0">
+                <a:solidFill>
+                  <a:srgbClr val="000000"/>
+                </a:solidFill>
+                <a:latin typeface="Consolas" panose="020B0609020204030204" pitchFamily="49" charset="0"/>
+              </a:rPr>
+              <a:t> </a:t>
+            </a:r>
+            <a:r>
+              <a:rPr lang="en-US" sz="1000" dirty="0">
+                <a:solidFill>
+                  <a:srgbClr val="A31515"/>
+                </a:solidFill>
+                <a:latin typeface="Consolas" panose="020B0609020204030204" pitchFamily="49" charset="0"/>
+              </a:rPr>
+              <a:t>'@angular/core'</a:t>
+            </a:r>
+            <a:r>
+              <a:rPr lang="en-US" sz="1000" dirty="0">
+                <a:solidFill>
+                  <a:srgbClr val="000000"/>
+                </a:solidFill>
+                <a:latin typeface="Consolas" panose="020B0609020204030204" pitchFamily="49" charset="0"/>
+              </a:rPr>
+              <a:t>;</a:t>
+            </a:r>
+          </a:p>
+          <a:p>
+            <a:r>
+              <a:rPr lang="en-US" sz="1000" dirty="0">
+                <a:solidFill>
+                  <a:srgbClr val="0000FF"/>
+                </a:solidFill>
+                <a:latin typeface="Consolas" panose="020B0609020204030204" pitchFamily="49" charset="0"/>
+              </a:rPr>
+              <a:t>import</a:t>
+            </a:r>
+            <a:r>
+              <a:rPr lang="en-US" sz="1000" dirty="0">
+                <a:solidFill>
+                  <a:srgbClr val="000000"/>
+                </a:solidFill>
+                <a:latin typeface="Consolas" panose="020B0609020204030204" pitchFamily="49" charset="0"/>
+              </a:rPr>
+              <a:t> { </a:t>
+            </a:r>
+            <a:r>
+              <a:rPr lang="en-US" sz="1000" dirty="0" err="1">
+                <a:solidFill>
+                  <a:srgbClr val="000000"/>
+                </a:solidFill>
+                <a:latin typeface="Consolas" panose="020B0609020204030204" pitchFamily="49" charset="0"/>
+              </a:rPr>
+              <a:t>FormsModule</a:t>
+            </a:r>
+            <a:r>
+              <a:rPr lang="en-US" sz="1000" dirty="0">
+                <a:solidFill>
+                  <a:srgbClr val="000000"/>
+                </a:solidFill>
+                <a:latin typeface="Consolas" panose="020B0609020204030204" pitchFamily="49" charset="0"/>
+              </a:rPr>
+              <a:t> } </a:t>
+            </a:r>
+            <a:r>
+              <a:rPr lang="en-US" sz="1000" dirty="0">
+                <a:solidFill>
+                  <a:srgbClr val="0000FF"/>
+                </a:solidFill>
+                <a:latin typeface="Consolas" panose="020B0609020204030204" pitchFamily="49" charset="0"/>
+              </a:rPr>
+              <a:t>from</a:t>
+            </a:r>
+            <a:r>
+              <a:rPr lang="en-US" sz="1000" dirty="0">
+                <a:solidFill>
+                  <a:srgbClr val="000000"/>
+                </a:solidFill>
+                <a:latin typeface="Consolas" panose="020B0609020204030204" pitchFamily="49" charset="0"/>
+              </a:rPr>
+              <a:t> </a:t>
+            </a:r>
+            <a:r>
+              <a:rPr lang="en-US" sz="1000" dirty="0">
+                <a:solidFill>
+                  <a:srgbClr val="A31515"/>
+                </a:solidFill>
+                <a:latin typeface="Consolas" panose="020B0609020204030204" pitchFamily="49" charset="0"/>
+              </a:rPr>
+              <a:t>'@angular/forms'</a:t>
+            </a:r>
+            <a:r>
+              <a:rPr lang="en-US" sz="1000" dirty="0">
+                <a:solidFill>
+                  <a:srgbClr val="000000"/>
+                </a:solidFill>
+                <a:latin typeface="Consolas" panose="020B0609020204030204" pitchFamily="49" charset="0"/>
+              </a:rPr>
+              <a:t>;</a:t>
+            </a:r>
+          </a:p>
+          <a:p>
+            <a:r>
+              <a:rPr lang="en-US" sz="1000" dirty="0">
+                <a:solidFill>
+                  <a:srgbClr val="0000FF"/>
+                </a:solidFill>
+                <a:latin typeface="Consolas" panose="020B0609020204030204" pitchFamily="49" charset="0"/>
+              </a:rPr>
+              <a:t>import</a:t>
+            </a:r>
+            <a:r>
+              <a:rPr lang="en-US" sz="1000" dirty="0">
+                <a:solidFill>
+                  <a:srgbClr val="000000"/>
+                </a:solidFill>
+                <a:latin typeface="Consolas" panose="020B0609020204030204" pitchFamily="49" charset="0"/>
+              </a:rPr>
+              <a:t> { </a:t>
+            </a:r>
+            <a:r>
+              <a:rPr lang="en-US" sz="1000" dirty="0" err="1">
+                <a:solidFill>
+                  <a:srgbClr val="000000"/>
+                </a:solidFill>
+                <a:latin typeface="Consolas" panose="020B0609020204030204" pitchFamily="49" charset="0"/>
+              </a:rPr>
+              <a:t>HttpModule</a:t>
+            </a:r>
+            <a:r>
+              <a:rPr lang="en-US" sz="1000" dirty="0">
+                <a:solidFill>
+                  <a:srgbClr val="000000"/>
+                </a:solidFill>
+                <a:latin typeface="Consolas" panose="020B0609020204030204" pitchFamily="49" charset="0"/>
+              </a:rPr>
+              <a:t> } </a:t>
+            </a:r>
+            <a:r>
+              <a:rPr lang="en-US" sz="1000" dirty="0">
+                <a:solidFill>
+                  <a:srgbClr val="0000FF"/>
+                </a:solidFill>
+                <a:latin typeface="Consolas" panose="020B0609020204030204" pitchFamily="49" charset="0"/>
+              </a:rPr>
+              <a:t>from</a:t>
+            </a:r>
+            <a:r>
+              <a:rPr lang="en-US" sz="1000" dirty="0">
+                <a:solidFill>
+                  <a:srgbClr val="000000"/>
+                </a:solidFill>
+                <a:latin typeface="Consolas" panose="020B0609020204030204" pitchFamily="49" charset="0"/>
+              </a:rPr>
+              <a:t> </a:t>
+            </a:r>
+            <a:r>
+              <a:rPr lang="en-US" sz="1000" dirty="0">
+                <a:solidFill>
+                  <a:srgbClr val="A31515"/>
+                </a:solidFill>
+                <a:latin typeface="Consolas" panose="020B0609020204030204" pitchFamily="49" charset="0"/>
+              </a:rPr>
+              <a:t>'@angular/http'</a:t>
+            </a:r>
+            <a:r>
+              <a:rPr lang="en-US" sz="1000" dirty="0">
+                <a:solidFill>
+                  <a:srgbClr val="000000"/>
+                </a:solidFill>
+                <a:latin typeface="Consolas" panose="020B0609020204030204" pitchFamily="49" charset="0"/>
+              </a:rPr>
+              <a:t>;</a:t>
+            </a:r>
+          </a:p>
+          <a:p>
+            <a:r>
+              <a:rPr lang="en-US" sz="1000" dirty="0">
+                <a:solidFill>
+                  <a:srgbClr val="0000FF"/>
+                </a:solidFill>
+                <a:latin typeface="Consolas" panose="020B0609020204030204" pitchFamily="49" charset="0"/>
+              </a:rPr>
+              <a:t>import</a:t>
+            </a:r>
+            <a:r>
+              <a:rPr lang="en-US" sz="1000" dirty="0">
+                <a:solidFill>
+                  <a:srgbClr val="000000"/>
+                </a:solidFill>
+                <a:latin typeface="Consolas" panose="020B0609020204030204" pitchFamily="49" charset="0"/>
+              </a:rPr>
+              <a:t> { </a:t>
+            </a:r>
+            <a:r>
+              <a:rPr lang="en-US" sz="1000" dirty="0" err="1">
+                <a:solidFill>
+                  <a:srgbClr val="000000"/>
+                </a:solidFill>
+                <a:latin typeface="Consolas" panose="020B0609020204030204" pitchFamily="49" charset="0"/>
+              </a:rPr>
+              <a:t>RouterModule</a:t>
+            </a:r>
+            <a:r>
+              <a:rPr lang="en-US" sz="1000" dirty="0">
+                <a:solidFill>
+                  <a:srgbClr val="000000"/>
+                </a:solidFill>
+                <a:latin typeface="Consolas" panose="020B0609020204030204" pitchFamily="49" charset="0"/>
+              </a:rPr>
+              <a:t> } </a:t>
+            </a:r>
+            <a:r>
+              <a:rPr lang="en-US" sz="1000" dirty="0">
+                <a:solidFill>
+                  <a:srgbClr val="0000FF"/>
+                </a:solidFill>
+                <a:latin typeface="Consolas" panose="020B0609020204030204" pitchFamily="49" charset="0"/>
+              </a:rPr>
+              <a:t>from</a:t>
+            </a:r>
+            <a:r>
+              <a:rPr lang="en-US" sz="1000" dirty="0">
+                <a:solidFill>
+                  <a:srgbClr val="000000"/>
+                </a:solidFill>
+                <a:latin typeface="Consolas" panose="020B0609020204030204" pitchFamily="49" charset="0"/>
+              </a:rPr>
+              <a:t> </a:t>
+            </a:r>
+            <a:r>
+              <a:rPr lang="en-US" sz="1000" dirty="0">
+                <a:solidFill>
+                  <a:srgbClr val="A31515"/>
+                </a:solidFill>
+                <a:latin typeface="Consolas" panose="020B0609020204030204" pitchFamily="49" charset="0"/>
+              </a:rPr>
+              <a:t>'@angular/router'</a:t>
+            </a:r>
+            <a:r>
+              <a:rPr lang="en-US" sz="1000" dirty="0">
+                <a:solidFill>
+                  <a:srgbClr val="000000"/>
+                </a:solidFill>
+                <a:latin typeface="Consolas" panose="020B0609020204030204" pitchFamily="49" charset="0"/>
+              </a:rPr>
+              <a:t>;</a:t>
+            </a:r>
+          </a:p>
+          <a:p>
+            <a:r>
+              <a:rPr lang="en-US" sz="1000" dirty="0">
+                <a:solidFill>
+                  <a:srgbClr val="0000FF"/>
+                </a:solidFill>
+                <a:latin typeface="Consolas" panose="020B0609020204030204" pitchFamily="49" charset="0"/>
+              </a:rPr>
+              <a:t>import</a:t>
+            </a:r>
+            <a:r>
+              <a:rPr lang="en-US" sz="1000" dirty="0">
+                <a:solidFill>
+                  <a:srgbClr val="000000"/>
+                </a:solidFill>
+                <a:latin typeface="Consolas" panose="020B0609020204030204" pitchFamily="49" charset="0"/>
+              </a:rPr>
+              <a:t> { Utility } </a:t>
+            </a:r>
+            <a:r>
+              <a:rPr lang="en-US" sz="1000" dirty="0">
+                <a:solidFill>
+                  <a:srgbClr val="0000FF"/>
+                </a:solidFill>
+                <a:latin typeface="Consolas" panose="020B0609020204030204" pitchFamily="49" charset="0"/>
+              </a:rPr>
+              <a:t>from</a:t>
+            </a:r>
+            <a:r>
+              <a:rPr lang="en-US" sz="1000" dirty="0">
+                <a:solidFill>
+                  <a:srgbClr val="000000"/>
+                </a:solidFill>
+                <a:latin typeface="Consolas" panose="020B0609020204030204" pitchFamily="49" charset="0"/>
+              </a:rPr>
+              <a:t> </a:t>
+            </a:r>
+            <a:r>
+              <a:rPr lang="en-US" sz="1000" dirty="0">
+                <a:solidFill>
+                  <a:srgbClr val="A31515"/>
+                </a:solidFill>
+                <a:latin typeface="Consolas" panose="020B0609020204030204" pitchFamily="49" charset="0"/>
+              </a:rPr>
+              <a:t>'./utility'</a:t>
+            </a:r>
+            <a:r>
+              <a:rPr lang="en-US" sz="1000" dirty="0">
+                <a:solidFill>
+                  <a:srgbClr val="000000"/>
+                </a:solidFill>
+                <a:latin typeface="Consolas" panose="020B0609020204030204" pitchFamily="49" charset="0"/>
+              </a:rPr>
+              <a:t>;</a:t>
+            </a:r>
+          </a:p>
+          <a:p>
+            <a:br>
+              <a:rPr lang="en-US" sz="1000" dirty="0">
+                <a:solidFill>
+                  <a:srgbClr val="000000"/>
+                </a:solidFill>
+                <a:latin typeface="Consolas" panose="020B0609020204030204" pitchFamily="49" charset="0"/>
+              </a:rPr>
+            </a:br>
+            <a:r>
+              <a:rPr lang="en-US" sz="1000" dirty="0">
+                <a:solidFill>
+                  <a:srgbClr val="0000FF"/>
+                </a:solidFill>
+                <a:latin typeface="Consolas" panose="020B0609020204030204" pitchFamily="49" charset="0"/>
+              </a:rPr>
+              <a:t>import</a:t>
+            </a:r>
+            <a:r>
+              <a:rPr lang="en-US" sz="1000" dirty="0">
+                <a:solidFill>
+                  <a:srgbClr val="000000"/>
+                </a:solidFill>
+                <a:latin typeface="Consolas" panose="020B0609020204030204" pitchFamily="49" charset="0"/>
+              </a:rPr>
+              <a:t> { </a:t>
+            </a:r>
+            <a:r>
+              <a:rPr lang="en-US" sz="1000" dirty="0" err="1">
+                <a:solidFill>
+                  <a:srgbClr val="000000"/>
+                </a:solidFill>
+                <a:latin typeface="Consolas" panose="020B0609020204030204" pitchFamily="49" charset="0"/>
+              </a:rPr>
+              <a:t>AppComponent</a:t>
+            </a:r>
+            <a:r>
+              <a:rPr lang="en-US" sz="1000" dirty="0">
+                <a:solidFill>
+                  <a:srgbClr val="000000"/>
+                </a:solidFill>
+                <a:latin typeface="Consolas" panose="020B0609020204030204" pitchFamily="49" charset="0"/>
+              </a:rPr>
+              <a:t> } </a:t>
+            </a:r>
+            <a:r>
+              <a:rPr lang="en-US" sz="1000" dirty="0">
+                <a:solidFill>
+                  <a:srgbClr val="0000FF"/>
+                </a:solidFill>
+                <a:latin typeface="Consolas" panose="020B0609020204030204" pitchFamily="49" charset="0"/>
+              </a:rPr>
+              <a:t>from</a:t>
+            </a:r>
+            <a:r>
+              <a:rPr lang="en-US" sz="1000" dirty="0">
+                <a:solidFill>
+                  <a:srgbClr val="000000"/>
+                </a:solidFill>
+                <a:latin typeface="Consolas" panose="020B0609020204030204" pitchFamily="49" charset="0"/>
+              </a:rPr>
+              <a:t> </a:t>
+            </a:r>
+            <a:r>
+              <a:rPr lang="en-US" sz="1000" dirty="0">
+                <a:solidFill>
+                  <a:srgbClr val="A31515"/>
+                </a:solidFill>
+                <a:latin typeface="Consolas" panose="020B0609020204030204" pitchFamily="49" charset="0"/>
+              </a:rPr>
+              <a:t>'./</a:t>
+            </a:r>
+            <a:r>
+              <a:rPr lang="en-US" sz="1000" dirty="0" err="1">
+                <a:solidFill>
+                  <a:srgbClr val="A31515"/>
+                </a:solidFill>
+                <a:latin typeface="Consolas" panose="020B0609020204030204" pitchFamily="49" charset="0"/>
+              </a:rPr>
+              <a:t>app.component</a:t>
+            </a:r>
+            <a:r>
+              <a:rPr lang="en-US" sz="1000" dirty="0">
+                <a:solidFill>
+                  <a:srgbClr val="A31515"/>
+                </a:solidFill>
+                <a:latin typeface="Consolas" panose="020B0609020204030204" pitchFamily="49" charset="0"/>
+              </a:rPr>
+              <a:t>'</a:t>
+            </a:r>
+            <a:r>
+              <a:rPr lang="en-US" sz="1000" dirty="0">
+                <a:solidFill>
+                  <a:srgbClr val="000000"/>
+                </a:solidFill>
+                <a:latin typeface="Consolas" panose="020B0609020204030204" pitchFamily="49" charset="0"/>
+              </a:rPr>
+              <a:t>;</a:t>
+            </a:r>
+          </a:p>
+          <a:p>
+            <a:r>
+              <a:rPr lang="en-US" sz="1000" dirty="0">
+                <a:solidFill>
+                  <a:srgbClr val="0000FF"/>
+                </a:solidFill>
+                <a:latin typeface="Consolas" panose="020B0609020204030204" pitchFamily="49" charset="0"/>
+              </a:rPr>
+              <a:t>import</a:t>
+            </a:r>
+            <a:r>
+              <a:rPr lang="en-US" sz="1000" dirty="0">
+                <a:solidFill>
+                  <a:srgbClr val="000000"/>
+                </a:solidFill>
+                <a:latin typeface="Consolas" panose="020B0609020204030204" pitchFamily="49" charset="0"/>
+              </a:rPr>
+              <a:t> { </a:t>
+            </a:r>
+            <a:r>
+              <a:rPr lang="en-US" sz="1000" dirty="0" err="1">
+                <a:solidFill>
+                  <a:srgbClr val="000000"/>
+                </a:solidFill>
+                <a:latin typeface="Consolas" panose="020B0609020204030204" pitchFamily="49" charset="0"/>
+              </a:rPr>
+              <a:t>MyComponent</a:t>
+            </a:r>
+            <a:r>
+              <a:rPr lang="en-US" sz="1000" dirty="0">
+                <a:solidFill>
+                  <a:srgbClr val="000000"/>
+                </a:solidFill>
+                <a:latin typeface="Consolas" panose="020B0609020204030204" pitchFamily="49" charset="0"/>
+              </a:rPr>
+              <a:t> } </a:t>
+            </a:r>
+            <a:r>
+              <a:rPr lang="en-US" sz="1000" dirty="0">
+                <a:solidFill>
+                  <a:srgbClr val="0000FF"/>
+                </a:solidFill>
+                <a:latin typeface="Consolas" panose="020B0609020204030204" pitchFamily="49" charset="0"/>
+              </a:rPr>
+              <a:t>from</a:t>
+            </a:r>
+            <a:r>
+              <a:rPr lang="en-US" sz="1000" dirty="0">
+                <a:solidFill>
+                  <a:srgbClr val="000000"/>
+                </a:solidFill>
+                <a:latin typeface="Consolas" panose="020B0609020204030204" pitchFamily="49" charset="0"/>
+              </a:rPr>
+              <a:t> </a:t>
+            </a:r>
+            <a:r>
+              <a:rPr lang="en-US" sz="1000" dirty="0">
+                <a:solidFill>
+                  <a:srgbClr val="A31515"/>
+                </a:solidFill>
+                <a:latin typeface="Consolas" panose="020B0609020204030204" pitchFamily="49" charset="0"/>
+              </a:rPr>
+              <a:t>'./</a:t>
+            </a:r>
+            <a:r>
+              <a:rPr lang="en-US" sz="1000" dirty="0" err="1">
+                <a:solidFill>
+                  <a:srgbClr val="A31515"/>
+                </a:solidFill>
+                <a:latin typeface="Consolas" panose="020B0609020204030204" pitchFamily="49" charset="0"/>
+              </a:rPr>
+              <a:t>pathto</a:t>
+            </a:r>
+            <a:r>
+              <a:rPr lang="en-US" sz="1000" dirty="0">
+                <a:solidFill>
+                  <a:srgbClr val="A31515"/>
+                </a:solidFill>
+                <a:latin typeface="Consolas" panose="020B0609020204030204" pitchFamily="49" charset="0"/>
+              </a:rPr>
+              <a:t>/</a:t>
+            </a:r>
+            <a:r>
+              <a:rPr lang="en-US" sz="1000" dirty="0" err="1">
+                <a:solidFill>
+                  <a:srgbClr val="A31515"/>
+                </a:solidFill>
+                <a:latin typeface="Consolas" panose="020B0609020204030204" pitchFamily="49" charset="0"/>
+              </a:rPr>
+              <a:t>my.component</a:t>
+            </a:r>
+            <a:r>
+              <a:rPr lang="en-US" sz="1000" dirty="0">
+                <a:solidFill>
+                  <a:srgbClr val="A31515"/>
+                </a:solidFill>
+                <a:latin typeface="Consolas" panose="020B0609020204030204" pitchFamily="49" charset="0"/>
+              </a:rPr>
+              <a:t>'</a:t>
+            </a:r>
+            <a:r>
+              <a:rPr lang="en-US" sz="1000" dirty="0">
+                <a:solidFill>
+                  <a:srgbClr val="000000"/>
+                </a:solidFill>
+                <a:latin typeface="Consolas" panose="020B0609020204030204" pitchFamily="49" charset="0"/>
+              </a:rPr>
+              <a:t>;</a:t>
+            </a:r>
+          </a:p>
+          <a:p>
+            <a:br>
+              <a:rPr lang="en-US" sz="1000" dirty="0">
+                <a:solidFill>
+                  <a:srgbClr val="000000"/>
+                </a:solidFill>
+                <a:latin typeface="Consolas" panose="020B0609020204030204" pitchFamily="49" charset="0"/>
+              </a:rPr>
+            </a:br>
+            <a:r>
+              <a:rPr lang="en-US" sz="1000" dirty="0">
+                <a:solidFill>
+                  <a:srgbClr val="000000"/>
+                </a:solidFill>
+                <a:latin typeface="Consolas" panose="020B0609020204030204" pitchFamily="49" charset="0"/>
+              </a:rPr>
+              <a:t>@</a:t>
+            </a:r>
+            <a:r>
+              <a:rPr lang="en-US" sz="1000" dirty="0" err="1">
+                <a:solidFill>
+                  <a:srgbClr val="000000"/>
+                </a:solidFill>
+                <a:latin typeface="Consolas" panose="020B0609020204030204" pitchFamily="49" charset="0"/>
+              </a:rPr>
+              <a:t>NgModule</a:t>
+            </a:r>
+            <a:r>
+              <a:rPr lang="en-US" sz="1000" dirty="0">
+                <a:solidFill>
+                  <a:srgbClr val="000000"/>
+                </a:solidFill>
+                <a:latin typeface="Consolas" panose="020B0609020204030204" pitchFamily="49" charset="0"/>
+              </a:rPr>
+              <a:t>({</a:t>
+            </a:r>
+          </a:p>
+          <a:p>
+            <a:r>
+              <a:rPr lang="en-US" sz="1000" dirty="0">
+                <a:solidFill>
+                  <a:srgbClr val="000000"/>
+                </a:solidFill>
+                <a:latin typeface="Consolas" panose="020B0609020204030204" pitchFamily="49" charset="0"/>
+              </a:rPr>
+              <a:t>  declarations: [</a:t>
+            </a:r>
+          </a:p>
+          <a:p>
+            <a:r>
+              <a:rPr lang="en-US" sz="1000" dirty="0">
+                <a:solidFill>
+                  <a:srgbClr val="000000"/>
+                </a:solidFill>
+                <a:latin typeface="Consolas" panose="020B0609020204030204" pitchFamily="49" charset="0"/>
+              </a:rPr>
+              <a:t>    </a:t>
+            </a:r>
+            <a:r>
+              <a:rPr lang="en-US" sz="1000" dirty="0" err="1">
+                <a:solidFill>
+                  <a:srgbClr val="000000"/>
+                </a:solidFill>
+                <a:latin typeface="Consolas" panose="020B0609020204030204" pitchFamily="49" charset="0"/>
+              </a:rPr>
+              <a:t>AppComponent</a:t>
+            </a:r>
+            <a:r>
+              <a:rPr lang="en-US" sz="1000" dirty="0">
+                <a:solidFill>
+                  <a:srgbClr val="000000"/>
+                </a:solidFill>
+                <a:latin typeface="Consolas" panose="020B0609020204030204" pitchFamily="49" charset="0"/>
+              </a:rPr>
+              <a:t>,</a:t>
+            </a:r>
+          </a:p>
+          <a:p>
+            <a:r>
+              <a:rPr lang="en-US" sz="1000" dirty="0">
+                <a:solidFill>
+                  <a:srgbClr val="000000"/>
+                </a:solidFill>
+                <a:latin typeface="Consolas" panose="020B0609020204030204" pitchFamily="49" charset="0"/>
+              </a:rPr>
+              <a:t>    </a:t>
+            </a:r>
+            <a:r>
+              <a:rPr lang="en-US" sz="1000" dirty="0" err="1">
+                <a:solidFill>
+                  <a:srgbClr val="000000"/>
+                </a:solidFill>
+                <a:latin typeface="Consolas" panose="020B0609020204030204" pitchFamily="49" charset="0"/>
+              </a:rPr>
+              <a:t>MyComponent</a:t>
+            </a:r>
+            <a:endParaRPr lang="en-US" sz="1000" dirty="0">
+              <a:solidFill>
+                <a:srgbClr val="000000"/>
+              </a:solidFill>
+              <a:latin typeface="Consolas" panose="020B0609020204030204" pitchFamily="49" charset="0"/>
+            </a:endParaRPr>
+          </a:p>
+          <a:p>
+            <a:r>
+              <a:rPr lang="en-US" sz="1000" dirty="0">
+                <a:solidFill>
+                  <a:srgbClr val="000000"/>
+                </a:solidFill>
+                <a:latin typeface="Consolas" panose="020B0609020204030204" pitchFamily="49" charset="0"/>
+              </a:rPr>
+              <a:t>  ],</a:t>
+            </a:r>
+          </a:p>
+          <a:p>
+            <a:r>
+              <a:rPr lang="en-US" sz="1000" dirty="0">
+                <a:solidFill>
+                  <a:srgbClr val="000000"/>
+                </a:solidFill>
+                <a:latin typeface="Consolas" panose="020B0609020204030204" pitchFamily="49" charset="0"/>
+              </a:rPr>
+              <a:t>  imports: [</a:t>
+            </a:r>
+          </a:p>
+          <a:p>
+            <a:r>
+              <a:rPr lang="en-US" sz="1000" dirty="0">
+                <a:solidFill>
+                  <a:srgbClr val="000000"/>
+                </a:solidFill>
+                <a:latin typeface="Consolas" panose="020B0609020204030204" pitchFamily="49" charset="0"/>
+              </a:rPr>
+              <a:t>    </a:t>
+            </a:r>
+            <a:r>
+              <a:rPr lang="en-US" sz="1000" dirty="0" err="1">
+                <a:solidFill>
+                  <a:srgbClr val="000000"/>
+                </a:solidFill>
+                <a:latin typeface="Consolas" panose="020B0609020204030204" pitchFamily="49" charset="0"/>
+              </a:rPr>
+              <a:t>BrowserModule</a:t>
+            </a:r>
+            <a:r>
+              <a:rPr lang="en-US" sz="1000" dirty="0">
+                <a:solidFill>
+                  <a:srgbClr val="000000"/>
+                </a:solidFill>
+                <a:latin typeface="Consolas" panose="020B0609020204030204" pitchFamily="49" charset="0"/>
+              </a:rPr>
+              <a:t>,</a:t>
+            </a:r>
+          </a:p>
+          <a:p>
+            <a:r>
+              <a:rPr lang="en-US" sz="1000" dirty="0">
+                <a:solidFill>
+                  <a:srgbClr val="000000"/>
+                </a:solidFill>
+                <a:latin typeface="Consolas" panose="020B0609020204030204" pitchFamily="49" charset="0"/>
+              </a:rPr>
+              <a:t>    </a:t>
+            </a:r>
+            <a:r>
+              <a:rPr lang="en-US" sz="1000" dirty="0" err="1">
+                <a:solidFill>
+                  <a:srgbClr val="000000"/>
+                </a:solidFill>
+                <a:latin typeface="Consolas" panose="020B0609020204030204" pitchFamily="49" charset="0"/>
+              </a:rPr>
+              <a:t>FormsModule</a:t>
+            </a:r>
+            <a:r>
+              <a:rPr lang="en-US" sz="1000" dirty="0">
+                <a:solidFill>
+                  <a:srgbClr val="000000"/>
+                </a:solidFill>
+                <a:latin typeface="Consolas" panose="020B0609020204030204" pitchFamily="49" charset="0"/>
+              </a:rPr>
+              <a:t>,</a:t>
+            </a:r>
+          </a:p>
+          <a:p>
+            <a:r>
+              <a:rPr lang="en-US" sz="1000" dirty="0">
+                <a:solidFill>
+                  <a:srgbClr val="000000"/>
+                </a:solidFill>
+                <a:latin typeface="Consolas" panose="020B0609020204030204" pitchFamily="49" charset="0"/>
+              </a:rPr>
+              <a:t>    </a:t>
+            </a:r>
+            <a:r>
+              <a:rPr lang="en-US" sz="1000" dirty="0" err="1">
+                <a:solidFill>
+                  <a:srgbClr val="000000"/>
+                </a:solidFill>
+                <a:latin typeface="Consolas" panose="020B0609020204030204" pitchFamily="49" charset="0"/>
+              </a:rPr>
+              <a:t>HttpModule</a:t>
+            </a:r>
+            <a:r>
+              <a:rPr lang="en-US" sz="1000" dirty="0">
+                <a:solidFill>
+                  <a:srgbClr val="000000"/>
+                </a:solidFill>
+                <a:latin typeface="Consolas" panose="020B0609020204030204" pitchFamily="49" charset="0"/>
+              </a:rPr>
+              <a:t>,</a:t>
+            </a:r>
+          </a:p>
+          <a:p>
+            <a:r>
+              <a:rPr lang="en-US" sz="1000" dirty="0">
+                <a:solidFill>
+                  <a:srgbClr val="000000"/>
+                </a:solidFill>
+                <a:latin typeface="Consolas" panose="020B0609020204030204" pitchFamily="49" charset="0"/>
+              </a:rPr>
+              <a:t>    </a:t>
+            </a:r>
+            <a:r>
+              <a:rPr lang="en-US" sz="1000" dirty="0" err="1">
+                <a:solidFill>
+                  <a:srgbClr val="000000"/>
+                </a:solidFill>
+                <a:latin typeface="Consolas" panose="020B0609020204030204" pitchFamily="49" charset="0"/>
+              </a:rPr>
+              <a:t>RouterModule.forRoot</a:t>
+            </a:r>
+            <a:r>
+              <a:rPr lang="en-US" sz="1000" dirty="0">
+                <a:solidFill>
+                  <a:srgbClr val="000000"/>
+                </a:solidFill>
+                <a:latin typeface="Consolas" panose="020B0609020204030204" pitchFamily="49" charset="0"/>
+              </a:rPr>
+              <a:t>([</a:t>
+            </a:r>
+          </a:p>
+          <a:p>
+            <a:r>
+              <a:rPr lang="en-US" sz="1000" dirty="0">
+                <a:solidFill>
+                  <a:srgbClr val="000000"/>
+                </a:solidFill>
+                <a:latin typeface="Consolas" panose="020B0609020204030204" pitchFamily="49" charset="0"/>
+              </a:rPr>
+              <a:t>      { path: </a:t>
+            </a:r>
+            <a:r>
+              <a:rPr lang="en-US" sz="1000" dirty="0">
+                <a:solidFill>
+                  <a:srgbClr val="A31515"/>
+                </a:solidFill>
+                <a:latin typeface="Consolas" panose="020B0609020204030204" pitchFamily="49" charset="0"/>
+              </a:rPr>
+              <a:t>"</a:t>
+            </a:r>
+            <a:r>
+              <a:rPr lang="en-US" sz="1000" dirty="0">
+                <a:solidFill>
+                  <a:srgbClr val="A31515"/>
+                </a:solidFill>
+                <a:latin typeface="Consolas" panose="020B0609020204030204" pitchFamily="49" charset="0"/>
+              </a:rPr>
+              <a:t>foo/bar/:</a:t>
+            </a:r>
+            <a:r>
+              <a:rPr lang="en-US" sz="1000" dirty="0" err="1">
+                <a:solidFill>
+                  <a:srgbClr val="A31515"/>
+                </a:solidFill>
+                <a:latin typeface="Consolas" panose="020B0609020204030204" pitchFamily="49" charset="0"/>
+              </a:rPr>
+              <a:t>someId</a:t>
+            </a:r>
+            <a:r>
+              <a:rPr lang="en-US" sz="1000" dirty="0">
+                <a:solidFill>
+                  <a:srgbClr val="A31515"/>
+                </a:solidFill>
+                <a:latin typeface="Consolas" panose="020B0609020204030204" pitchFamily="49" charset="0"/>
+              </a:rPr>
+              <a:t>"</a:t>
+            </a:r>
+            <a:r>
+              <a:rPr lang="en-US" sz="1000" dirty="0">
+                <a:solidFill>
+                  <a:srgbClr val="000000"/>
+                </a:solidFill>
+                <a:latin typeface="Consolas" panose="020B0609020204030204" pitchFamily="49" charset="0"/>
+              </a:rPr>
+              <a:t>, component: </a:t>
+            </a:r>
+            <a:r>
+              <a:rPr lang="en-US" sz="1000" dirty="0" err="1">
+                <a:solidFill>
+                  <a:srgbClr val="000000"/>
+                </a:solidFill>
+                <a:latin typeface="Consolas" panose="020B0609020204030204" pitchFamily="49" charset="0"/>
+              </a:rPr>
+              <a:t>MyComponent</a:t>
+            </a:r>
+            <a:r>
+              <a:rPr lang="en-US" sz="1000" dirty="0">
+                <a:solidFill>
+                  <a:srgbClr val="000000"/>
+                </a:solidFill>
+                <a:latin typeface="Consolas" panose="020B0609020204030204" pitchFamily="49" charset="0"/>
+              </a:rPr>
+              <a:t> }</a:t>
+            </a:r>
+          </a:p>
+          <a:p>
+            <a:r>
+              <a:rPr lang="en-US" sz="1000" dirty="0">
+                <a:solidFill>
+                  <a:srgbClr val="000000"/>
+                </a:solidFill>
+                <a:latin typeface="Consolas" panose="020B0609020204030204" pitchFamily="49" charset="0"/>
+              </a:rPr>
+              <a:t>    ])</a:t>
+            </a:r>
+          </a:p>
+          <a:p>
+            <a:r>
+              <a:rPr lang="en-US" sz="1000" dirty="0">
+                <a:solidFill>
+                  <a:srgbClr val="000000"/>
+                </a:solidFill>
+                <a:latin typeface="Consolas" panose="020B0609020204030204" pitchFamily="49" charset="0"/>
+              </a:rPr>
+              <a:t>  ],</a:t>
+            </a:r>
+          </a:p>
+          <a:p>
+            <a:r>
+              <a:rPr lang="en-US" sz="1000" dirty="0">
+                <a:solidFill>
+                  <a:srgbClr val="000000"/>
+                </a:solidFill>
+                <a:latin typeface="Consolas" panose="020B0609020204030204" pitchFamily="49" charset="0"/>
+              </a:rPr>
+              <a:t>  providers: [Utility],</a:t>
+            </a:r>
+          </a:p>
+          <a:p>
+            <a:r>
+              <a:rPr lang="en-US" sz="1000" dirty="0">
+                <a:solidFill>
+                  <a:srgbClr val="000000"/>
+                </a:solidFill>
+                <a:latin typeface="Consolas" panose="020B0609020204030204" pitchFamily="49" charset="0"/>
+              </a:rPr>
+              <a:t>  bootstrap: [</a:t>
+            </a:r>
+            <a:r>
+              <a:rPr lang="en-US" sz="1000" dirty="0" err="1">
+                <a:solidFill>
+                  <a:srgbClr val="000000"/>
+                </a:solidFill>
+                <a:latin typeface="Consolas" panose="020B0609020204030204" pitchFamily="49" charset="0"/>
+              </a:rPr>
+              <a:t>AppComponent</a:t>
+            </a:r>
+            <a:r>
+              <a:rPr lang="en-US" sz="1000" dirty="0">
+                <a:solidFill>
+                  <a:srgbClr val="000000"/>
+                </a:solidFill>
+                <a:latin typeface="Consolas" panose="020B0609020204030204" pitchFamily="49" charset="0"/>
+              </a:rPr>
+              <a:t>]</a:t>
+            </a:r>
+          </a:p>
+          <a:p>
+            <a:r>
+              <a:rPr lang="en-US" sz="1000" dirty="0">
+                <a:solidFill>
+                  <a:srgbClr val="000000"/>
+                </a:solidFill>
+                <a:latin typeface="Consolas" panose="020B0609020204030204" pitchFamily="49" charset="0"/>
+              </a:rPr>
+              <a:t>})</a:t>
+            </a:r>
+          </a:p>
+          <a:p>
+            <a:r>
+              <a:rPr lang="en-US" sz="1000" dirty="0">
+                <a:solidFill>
+                  <a:srgbClr val="0000FF"/>
+                </a:solidFill>
+                <a:latin typeface="Consolas" panose="020B0609020204030204" pitchFamily="49" charset="0"/>
+              </a:rPr>
+              <a:t>export</a:t>
+            </a:r>
+            <a:r>
+              <a:rPr lang="en-US" sz="1000" dirty="0">
+                <a:solidFill>
+                  <a:srgbClr val="000000"/>
+                </a:solidFill>
+                <a:latin typeface="Consolas" panose="020B0609020204030204" pitchFamily="49" charset="0"/>
+              </a:rPr>
+              <a:t> </a:t>
+            </a:r>
+            <a:r>
+              <a:rPr lang="en-US" sz="1000" dirty="0">
+                <a:solidFill>
+                  <a:srgbClr val="0000FF"/>
+                </a:solidFill>
+                <a:latin typeface="Consolas" panose="020B0609020204030204" pitchFamily="49" charset="0"/>
+              </a:rPr>
+              <a:t>class</a:t>
+            </a:r>
+            <a:r>
+              <a:rPr lang="en-US" sz="1000" dirty="0">
+                <a:solidFill>
+                  <a:srgbClr val="000000"/>
+                </a:solidFill>
+                <a:latin typeface="Consolas" panose="020B0609020204030204" pitchFamily="49" charset="0"/>
+              </a:rPr>
+              <a:t> </a:t>
+            </a:r>
+            <a:r>
+              <a:rPr lang="en-US" sz="1000" dirty="0" err="1">
+                <a:solidFill>
+                  <a:srgbClr val="000000"/>
+                </a:solidFill>
+                <a:latin typeface="Consolas" panose="020B0609020204030204" pitchFamily="49" charset="0"/>
+              </a:rPr>
+              <a:t>AppModule</a:t>
+            </a:r>
+            <a:r>
+              <a:rPr lang="en-US" sz="1000" dirty="0">
+                <a:solidFill>
+                  <a:srgbClr val="000000"/>
+                </a:solidFill>
+                <a:latin typeface="Consolas" panose="020B0609020204030204" pitchFamily="49" charset="0"/>
+              </a:rPr>
+              <a:t> { }</a:t>
+            </a:r>
+          </a:p>
+          <a:p>
+            <a:br>
+              <a:rPr lang="en-US" sz="1000" dirty="0">
+                <a:solidFill>
+                  <a:srgbClr val="000000"/>
+                </a:solidFill>
+                <a:latin typeface="Consolas" panose="020B0609020204030204" pitchFamily="49" charset="0"/>
+              </a:rPr>
+            </a:br>
+            <a:endParaRPr lang="en-US" sz="1000" b="0" dirty="0">
+              <a:solidFill>
+                <a:srgbClr val="000000"/>
+              </a:solidFill>
+              <a:effectLst/>
+              <a:latin typeface="Consolas" panose="020B0609020204030204" pitchFamily="49" charset="0"/>
+            </a:endParaRPr>
           </a:p>
         </p:txBody>
       </p:sp>
     </p:spTree>
     <p:extLst>
       <p:ext uri="{BB962C8B-B14F-4D97-AF65-F5344CB8AC3E}">
-        <p14:creationId xmlns:p14="http://schemas.microsoft.com/office/powerpoint/2010/main" val="4206428468"/>
+        <p14:creationId xmlns:p14="http://schemas.microsoft.com/office/powerpoint/2010/main" val="2023749525"/>
       </p:ext>
     </p:extLst>
   </p:cSld>
@@ -7258,117 +9070,763 @@
           <a:lstStyle/>
           <a:p>
             <a:r>
+              <a:rPr lang="en-US" dirty="0" err="1"/>
+              <a:t>src</a:t>
+            </a:r>
+            <a:r>
               <a:rPr lang="en-US" dirty="0"/>
-              <a:t>.NET</a:t>
-            </a:r>
+              <a:t>/app/thing/</a:t>
+            </a:r>
+            <a:r>
+              <a:rPr lang="en-US" dirty="0" err="1"/>
+              <a:t>thing.component.ts</a:t>
+            </a:r>
+            <a:endParaRPr lang="en-US" dirty="0"/>
           </a:p>
         </p:txBody>
       </p:sp>
       <p:sp>
         <p:nvSpPr>
-          <p:cNvPr id="3" name="Content Placeholder 2"/>
-          <p:cNvSpPr>
-            <a:spLocks noGrp="1"/>
-          </p:cNvSpPr>
-          <p:nvPr>
-            <p:ph idx="1"/>
-          </p:nvPr>
+          <p:cNvPr id="4" name="Rectangle 3"/>
+          <p:cNvSpPr/>
+          <p:nvPr/>
         </p:nvSpPr>
-        <p:spPr/>
+        <p:spPr>
+          <a:xfrm>
+            <a:off x="1857375" y="718096"/>
+            <a:ext cx="5724525" cy="3985706"/>
+          </a:xfrm>
+          <a:prstGeom prst="rect">
+            <a:avLst/>
+          </a:prstGeom>
+        </p:spPr>
         <p:txBody>
-          <a:bodyPr/>
+          <a:bodyPr wrap="square">
+            <a:spAutoFit/>
+          </a:bodyPr>
           <a:lstStyle/>
           <a:p>
-            <a:pPr marL="342900" indent="-342900">
-              <a:buFont typeface="Arial" panose="020B0604020202020204" pitchFamily="34" charset="0"/>
-              <a:buChar char="•"/>
-            </a:pPr>
-            <a:r>
-              <a:rPr lang="en-US" dirty="0"/>
-              <a:t>Look for TODOs</a:t>
-            </a:r>
-          </a:p>
-          <a:p>
-            <a:pPr marL="342900" indent="-342900">
-              <a:buFont typeface="Arial" panose="020B0604020202020204" pitchFamily="34" charset="0"/>
-              <a:buChar char="•"/>
-            </a:pPr>
-            <a:endParaRPr lang="en-US" dirty="0"/>
-          </a:p>
-          <a:p>
-            <a:pPr marL="342900" indent="-342900">
-              <a:buFont typeface="Arial" panose="020B0604020202020204" pitchFamily="34" charset="0"/>
-              <a:buChar char="•"/>
-            </a:pPr>
-            <a:r>
-              <a:rPr lang="en-US" dirty="0"/>
-              <a:t>Files included:</a:t>
-            </a:r>
-          </a:p>
-          <a:p>
-            <a:pPr marL="573088" lvl="1" indent="-342900">
-              <a:buFont typeface="Arial" panose="020B0604020202020204" pitchFamily="34" charset="0"/>
-              <a:buChar char="•"/>
-            </a:pPr>
-            <a:r>
-              <a:rPr lang="en-US" sz="2000" dirty="0" err="1"/>
-              <a:t>CouchbaseConfig.cs</a:t>
-            </a:r>
-            <a:endParaRPr lang="en-US" sz="2000" dirty="0"/>
-          </a:p>
-          <a:p>
-            <a:pPr marL="573088" lvl="1" indent="-342900">
-              <a:buFont typeface="Arial" panose="020B0604020202020204" pitchFamily="34" charset="0"/>
-              <a:buChar char="•"/>
-            </a:pPr>
-            <a:r>
-              <a:rPr lang="en-US" sz="2000" dirty="0" err="1"/>
-              <a:t>Web.config</a:t>
-            </a:r>
-            <a:endParaRPr lang="en-US" sz="2000" dirty="0"/>
-          </a:p>
-          <a:p>
-            <a:pPr marL="573088" lvl="1" indent="-342900">
-              <a:buFont typeface="Arial" panose="020B0604020202020204" pitchFamily="34" charset="0"/>
-              <a:buChar char="•"/>
-            </a:pPr>
-            <a:r>
-              <a:rPr lang="en-US" sz="2000" dirty="0" err="1"/>
-              <a:t>Person.cs</a:t>
-            </a:r>
-            <a:endParaRPr lang="en-US" sz="2000" dirty="0"/>
-          </a:p>
-          <a:p>
-            <a:pPr marL="573088" lvl="1" indent="-342900">
-              <a:buFont typeface="Arial" panose="020B0604020202020204" pitchFamily="34" charset="0"/>
-              <a:buChar char="•"/>
-            </a:pPr>
-            <a:r>
-              <a:rPr lang="en-US" sz="2000" dirty="0" err="1"/>
-              <a:t>PersonController.cs</a:t>
-            </a:r>
-            <a:endParaRPr lang="en-US" sz="2000" dirty="0"/>
-          </a:p>
-          <a:p>
-            <a:pPr marL="573088" lvl="1" indent="-342900">
-              <a:buFont typeface="Arial" panose="020B0604020202020204" pitchFamily="34" charset="0"/>
-              <a:buChar char="•"/>
-            </a:pPr>
-            <a:endParaRPr lang="en-US" dirty="0"/>
-          </a:p>
-          <a:p>
-            <a:pPr marL="342900" indent="-342900">
-              <a:buFont typeface="Arial" panose="020B0604020202020204" pitchFamily="34" charset="0"/>
-              <a:buChar char="•"/>
-            </a:pPr>
-            <a:endParaRPr lang="en-US" dirty="0"/>
+            <a:r>
+              <a:rPr lang="en-US" sz="1100" dirty="0">
+                <a:solidFill>
+                  <a:srgbClr val="0000FF"/>
+                </a:solidFill>
+                <a:latin typeface="Consolas" panose="020B0609020204030204" pitchFamily="49" charset="0"/>
+              </a:rPr>
+              <a:t>import</a:t>
+            </a:r>
+            <a:r>
+              <a:rPr lang="en-US" sz="1100" dirty="0">
+                <a:solidFill>
+                  <a:srgbClr val="000000"/>
+                </a:solidFill>
+                <a:latin typeface="Consolas" panose="020B0609020204030204" pitchFamily="49" charset="0"/>
+              </a:rPr>
+              <a:t> { Component, </a:t>
+            </a:r>
+            <a:r>
+              <a:rPr lang="en-US" sz="1100" dirty="0" err="1">
+                <a:solidFill>
+                  <a:srgbClr val="000000"/>
+                </a:solidFill>
+                <a:latin typeface="Consolas" panose="020B0609020204030204" pitchFamily="49" charset="0"/>
+              </a:rPr>
+              <a:t>OnInit</a:t>
+            </a:r>
+            <a:r>
+              <a:rPr lang="en-US" sz="1100" dirty="0">
+                <a:solidFill>
+                  <a:srgbClr val="000000"/>
+                </a:solidFill>
+                <a:latin typeface="Consolas" panose="020B0609020204030204" pitchFamily="49" charset="0"/>
+              </a:rPr>
+              <a:t> } </a:t>
+            </a:r>
+            <a:r>
+              <a:rPr lang="en-US" sz="1100" dirty="0">
+                <a:solidFill>
+                  <a:srgbClr val="0000FF"/>
+                </a:solidFill>
+                <a:latin typeface="Consolas" panose="020B0609020204030204" pitchFamily="49" charset="0"/>
+              </a:rPr>
+              <a:t>from</a:t>
+            </a:r>
+            <a:r>
+              <a:rPr lang="en-US" sz="1100" dirty="0">
+                <a:solidFill>
+                  <a:srgbClr val="000000"/>
+                </a:solidFill>
+                <a:latin typeface="Consolas" panose="020B0609020204030204" pitchFamily="49" charset="0"/>
+              </a:rPr>
+              <a:t> </a:t>
+            </a:r>
+            <a:r>
+              <a:rPr lang="en-US" sz="1100" dirty="0">
+                <a:solidFill>
+                  <a:srgbClr val="A31515"/>
+                </a:solidFill>
+                <a:latin typeface="Consolas" panose="020B0609020204030204" pitchFamily="49" charset="0"/>
+              </a:rPr>
+              <a:t>'@angular/core'</a:t>
+            </a:r>
+            <a:r>
+              <a:rPr lang="en-US" sz="1100" dirty="0">
+                <a:solidFill>
+                  <a:srgbClr val="000000"/>
+                </a:solidFill>
+                <a:latin typeface="Consolas" panose="020B0609020204030204" pitchFamily="49" charset="0"/>
+              </a:rPr>
+              <a:t>;</a:t>
+            </a:r>
+          </a:p>
+          <a:p>
+            <a:r>
+              <a:rPr lang="en-US" sz="1100" dirty="0">
+                <a:solidFill>
+                  <a:srgbClr val="0000FF"/>
+                </a:solidFill>
+                <a:latin typeface="Consolas" panose="020B0609020204030204" pitchFamily="49" charset="0"/>
+              </a:rPr>
+              <a:t>import</a:t>
+            </a:r>
+            <a:r>
+              <a:rPr lang="en-US" sz="1100" dirty="0">
+                <a:solidFill>
+                  <a:srgbClr val="000000"/>
+                </a:solidFill>
+                <a:latin typeface="Consolas" panose="020B0609020204030204" pitchFamily="49" charset="0"/>
+              </a:rPr>
+              <a:t> { Http } </a:t>
+            </a:r>
+            <a:r>
+              <a:rPr lang="en-US" sz="1100" dirty="0">
+                <a:solidFill>
+                  <a:srgbClr val="0000FF"/>
+                </a:solidFill>
+                <a:latin typeface="Consolas" panose="020B0609020204030204" pitchFamily="49" charset="0"/>
+              </a:rPr>
+              <a:t>from</a:t>
+            </a:r>
+            <a:r>
+              <a:rPr lang="en-US" sz="1100" dirty="0">
+                <a:solidFill>
+                  <a:srgbClr val="000000"/>
+                </a:solidFill>
+                <a:latin typeface="Consolas" panose="020B0609020204030204" pitchFamily="49" charset="0"/>
+              </a:rPr>
+              <a:t> </a:t>
+            </a:r>
+            <a:r>
+              <a:rPr lang="en-US" sz="1100" dirty="0">
+                <a:solidFill>
+                  <a:srgbClr val="A31515"/>
+                </a:solidFill>
+                <a:latin typeface="Consolas" panose="020B0609020204030204" pitchFamily="49" charset="0"/>
+              </a:rPr>
+              <a:t>'@angular/http'</a:t>
+            </a:r>
+            <a:r>
+              <a:rPr lang="en-US" sz="1100" dirty="0">
+                <a:solidFill>
+                  <a:srgbClr val="000000"/>
+                </a:solidFill>
+                <a:latin typeface="Consolas" panose="020B0609020204030204" pitchFamily="49" charset="0"/>
+              </a:rPr>
+              <a:t>;</a:t>
+            </a:r>
+          </a:p>
+          <a:p>
+            <a:r>
+              <a:rPr lang="en-US" sz="1100" dirty="0">
+                <a:solidFill>
+                  <a:srgbClr val="0000FF"/>
+                </a:solidFill>
+                <a:latin typeface="Consolas" panose="020B0609020204030204" pitchFamily="49" charset="0"/>
+              </a:rPr>
+              <a:t>import</a:t>
+            </a:r>
+            <a:r>
+              <a:rPr lang="en-US" sz="1100" dirty="0">
+                <a:solidFill>
+                  <a:srgbClr val="000000"/>
+                </a:solidFill>
+                <a:latin typeface="Consolas" panose="020B0609020204030204" pitchFamily="49" charset="0"/>
+              </a:rPr>
+              <a:t> { Utility } </a:t>
+            </a:r>
+            <a:r>
+              <a:rPr lang="en-US" sz="1100" dirty="0">
+                <a:solidFill>
+                  <a:srgbClr val="0000FF"/>
+                </a:solidFill>
+                <a:latin typeface="Consolas" panose="020B0609020204030204" pitchFamily="49" charset="0"/>
+              </a:rPr>
+              <a:t>from</a:t>
+            </a:r>
+            <a:r>
+              <a:rPr lang="en-US" sz="1100" dirty="0">
+                <a:solidFill>
+                  <a:srgbClr val="000000"/>
+                </a:solidFill>
+                <a:latin typeface="Consolas" panose="020B0609020204030204" pitchFamily="49" charset="0"/>
+              </a:rPr>
+              <a:t> </a:t>
+            </a:r>
+            <a:r>
+              <a:rPr lang="en-US" sz="1100" dirty="0">
+                <a:solidFill>
+                  <a:srgbClr val="A31515"/>
+                </a:solidFill>
+                <a:latin typeface="Consolas" panose="020B0609020204030204" pitchFamily="49" charset="0"/>
+              </a:rPr>
+              <a:t>'../utility'</a:t>
+            </a:r>
+            <a:r>
+              <a:rPr lang="en-US" sz="1100" dirty="0">
+                <a:solidFill>
+                  <a:srgbClr val="000000"/>
+                </a:solidFill>
+                <a:latin typeface="Consolas" panose="020B0609020204030204" pitchFamily="49" charset="0"/>
+              </a:rPr>
+              <a:t>;</a:t>
+            </a:r>
+          </a:p>
+          <a:p>
+            <a:br>
+              <a:rPr lang="en-US" sz="1100" dirty="0">
+                <a:solidFill>
+                  <a:srgbClr val="000000"/>
+                </a:solidFill>
+                <a:latin typeface="Consolas" panose="020B0609020204030204" pitchFamily="49" charset="0"/>
+              </a:rPr>
+            </a:br>
+            <a:r>
+              <a:rPr lang="en-US" sz="1100" dirty="0">
+                <a:solidFill>
+                  <a:srgbClr val="000000"/>
+                </a:solidFill>
+                <a:latin typeface="Consolas" panose="020B0609020204030204" pitchFamily="49" charset="0"/>
+              </a:rPr>
+              <a:t>@Component({</a:t>
+            </a:r>
+          </a:p>
+          <a:p>
+            <a:r>
+              <a:rPr lang="en-US" sz="1100" dirty="0">
+                <a:solidFill>
+                  <a:srgbClr val="000000"/>
+                </a:solidFill>
+                <a:latin typeface="Consolas" panose="020B0609020204030204" pitchFamily="49" charset="0"/>
+              </a:rPr>
+              <a:t>  selector: </a:t>
+            </a:r>
+            <a:r>
+              <a:rPr lang="en-US" sz="1100" dirty="0">
+                <a:solidFill>
+                  <a:srgbClr val="A31515"/>
+                </a:solidFill>
+                <a:latin typeface="Consolas" panose="020B0609020204030204" pitchFamily="49" charset="0"/>
+              </a:rPr>
+              <a:t>'app-item'</a:t>
+            </a:r>
+            <a:r>
+              <a:rPr lang="en-US" sz="1100" dirty="0">
+                <a:solidFill>
+                  <a:srgbClr val="000000"/>
+                </a:solidFill>
+                <a:latin typeface="Consolas" panose="020B0609020204030204" pitchFamily="49" charset="0"/>
+              </a:rPr>
+              <a:t>,</a:t>
+            </a:r>
+          </a:p>
+          <a:p>
+            <a:r>
+              <a:rPr lang="en-US" sz="1100" dirty="0">
+                <a:solidFill>
+                  <a:srgbClr val="000000"/>
+                </a:solidFill>
+                <a:latin typeface="Consolas" panose="020B0609020204030204" pitchFamily="49" charset="0"/>
+              </a:rPr>
+              <a:t>  </a:t>
+            </a:r>
+            <a:r>
+              <a:rPr lang="en-US" sz="1100" dirty="0" err="1">
+                <a:solidFill>
+                  <a:srgbClr val="000000"/>
+                </a:solidFill>
+                <a:latin typeface="Consolas" panose="020B0609020204030204" pitchFamily="49" charset="0"/>
+              </a:rPr>
+              <a:t>templateUrl</a:t>
+            </a:r>
+            <a:r>
+              <a:rPr lang="en-US" sz="1100" dirty="0">
+                <a:solidFill>
+                  <a:srgbClr val="000000"/>
+                </a:solidFill>
+                <a:latin typeface="Consolas" panose="020B0609020204030204" pitchFamily="49" charset="0"/>
+              </a:rPr>
+              <a:t>: </a:t>
+            </a:r>
+            <a:r>
+              <a:rPr lang="en-US" sz="1100" dirty="0">
+                <a:solidFill>
+                  <a:srgbClr val="A31515"/>
+                </a:solidFill>
+                <a:latin typeface="Consolas" panose="020B0609020204030204" pitchFamily="49" charset="0"/>
+              </a:rPr>
+              <a:t>'./thing.component.html'</a:t>
+            </a:r>
+            <a:r>
+              <a:rPr lang="en-US" sz="1100" dirty="0">
+                <a:solidFill>
+                  <a:srgbClr val="000000"/>
+                </a:solidFill>
+                <a:latin typeface="Consolas" panose="020B0609020204030204" pitchFamily="49" charset="0"/>
+              </a:rPr>
+              <a:t>,</a:t>
+            </a:r>
+          </a:p>
+          <a:p>
+            <a:r>
+              <a:rPr lang="en-US" sz="1100" dirty="0">
+                <a:solidFill>
+                  <a:srgbClr val="000000"/>
+                </a:solidFill>
+                <a:latin typeface="Consolas" panose="020B0609020204030204" pitchFamily="49" charset="0"/>
+              </a:rPr>
+              <a:t>  </a:t>
+            </a:r>
+            <a:r>
+              <a:rPr lang="en-US" sz="1100" dirty="0" err="1">
+                <a:solidFill>
+                  <a:srgbClr val="000000"/>
+                </a:solidFill>
+                <a:latin typeface="Consolas" panose="020B0609020204030204" pitchFamily="49" charset="0"/>
+              </a:rPr>
+              <a:t>styleUrls</a:t>
+            </a:r>
+            <a:r>
+              <a:rPr lang="en-US" sz="1100" dirty="0">
+                <a:solidFill>
+                  <a:srgbClr val="000000"/>
+                </a:solidFill>
+                <a:latin typeface="Consolas" panose="020B0609020204030204" pitchFamily="49" charset="0"/>
+              </a:rPr>
+              <a:t>: [</a:t>
+            </a:r>
+            <a:r>
+              <a:rPr lang="en-US" sz="1100" dirty="0">
+                <a:solidFill>
+                  <a:srgbClr val="A31515"/>
+                </a:solidFill>
+                <a:latin typeface="Consolas" panose="020B0609020204030204" pitchFamily="49" charset="0"/>
+              </a:rPr>
+              <a:t>'./thing.component.css'</a:t>
+            </a:r>
+            <a:r>
+              <a:rPr lang="en-US" sz="1100" dirty="0">
+                <a:solidFill>
+                  <a:srgbClr val="000000"/>
+                </a:solidFill>
+                <a:latin typeface="Consolas" panose="020B0609020204030204" pitchFamily="49" charset="0"/>
+              </a:rPr>
+              <a:t>]</a:t>
+            </a:r>
+          </a:p>
+          <a:p>
+            <a:r>
+              <a:rPr lang="en-US" sz="1100" dirty="0">
+                <a:solidFill>
+                  <a:srgbClr val="000000"/>
+                </a:solidFill>
+                <a:latin typeface="Consolas" panose="020B0609020204030204" pitchFamily="49" charset="0"/>
+              </a:rPr>
+              <a:t>})</a:t>
+            </a:r>
+          </a:p>
+          <a:p>
+            <a:r>
+              <a:rPr lang="en-US" sz="1100" dirty="0">
+                <a:solidFill>
+                  <a:srgbClr val="0000FF"/>
+                </a:solidFill>
+                <a:latin typeface="Consolas" panose="020B0609020204030204" pitchFamily="49" charset="0"/>
+              </a:rPr>
+              <a:t>export</a:t>
+            </a:r>
+            <a:r>
+              <a:rPr lang="en-US" sz="1100" dirty="0">
+                <a:solidFill>
+                  <a:srgbClr val="000000"/>
+                </a:solidFill>
+                <a:latin typeface="Consolas" panose="020B0609020204030204" pitchFamily="49" charset="0"/>
+              </a:rPr>
+              <a:t> </a:t>
+            </a:r>
+            <a:r>
+              <a:rPr lang="en-US" sz="1100" dirty="0">
+                <a:solidFill>
+                  <a:srgbClr val="0000FF"/>
+                </a:solidFill>
+                <a:latin typeface="Consolas" panose="020B0609020204030204" pitchFamily="49" charset="0"/>
+              </a:rPr>
+              <a:t>class</a:t>
+            </a:r>
+            <a:r>
+              <a:rPr lang="en-US" sz="1100" dirty="0">
+                <a:solidFill>
+                  <a:srgbClr val="000000"/>
+                </a:solidFill>
+                <a:latin typeface="Consolas" panose="020B0609020204030204" pitchFamily="49" charset="0"/>
+              </a:rPr>
+              <a:t> </a:t>
+            </a:r>
+            <a:r>
+              <a:rPr lang="en-US" sz="1100" dirty="0" err="1">
+                <a:solidFill>
+                  <a:srgbClr val="000000"/>
+                </a:solidFill>
+                <a:latin typeface="Consolas" panose="020B0609020204030204" pitchFamily="49" charset="0"/>
+              </a:rPr>
+              <a:t>ThingComponent</a:t>
+            </a:r>
+            <a:r>
+              <a:rPr lang="en-US" sz="1100" dirty="0">
+                <a:solidFill>
+                  <a:srgbClr val="000000"/>
+                </a:solidFill>
+                <a:latin typeface="Consolas" panose="020B0609020204030204" pitchFamily="49" charset="0"/>
+              </a:rPr>
+              <a:t> </a:t>
+            </a:r>
+            <a:r>
+              <a:rPr lang="en-US" sz="1100" dirty="0">
+                <a:solidFill>
+                  <a:srgbClr val="0000FF"/>
+                </a:solidFill>
+                <a:latin typeface="Consolas" panose="020B0609020204030204" pitchFamily="49" charset="0"/>
+              </a:rPr>
+              <a:t>implements</a:t>
+            </a:r>
+            <a:r>
+              <a:rPr lang="en-US" sz="1100" dirty="0">
+                <a:solidFill>
+                  <a:srgbClr val="000000"/>
+                </a:solidFill>
+                <a:latin typeface="Consolas" panose="020B0609020204030204" pitchFamily="49" charset="0"/>
+              </a:rPr>
+              <a:t> </a:t>
+            </a:r>
+            <a:r>
+              <a:rPr lang="en-US" sz="1100" dirty="0" err="1">
+                <a:solidFill>
+                  <a:srgbClr val="000000"/>
+                </a:solidFill>
+                <a:latin typeface="Consolas" panose="020B0609020204030204" pitchFamily="49" charset="0"/>
+              </a:rPr>
+              <a:t>OnInit</a:t>
+            </a:r>
+            <a:r>
+              <a:rPr lang="en-US" sz="1100" dirty="0">
+                <a:solidFill>
+                  <a:srgbClr val="000000"/>
+                </a:solidFill>
+                <a:latin typeface="Consolas" panose="020B0609020204030204" pitchFamily="49" charset="0"/>
+              </a:rPr>
+              <a:t> {</a:t>
+            </a:r>
+          </a:p>
+          <a:p>
+            <a:br>
+              <a:rPr lang="en-US" sz="1100" dirty="0">
+                <a:solidFill>
+                  <a:srgbClr val="000000"/>
+                </a:solidFill>
+                <a:latin typeface="Consolas" panose="020B0609020204030204" pitchFamily="49" charset="0"/>
+              </a:rPr>
+            </a:br>
+            <a:r>
+              <a:rPr lang="en-US" sz="1100" dirty="0">
+                <a:solidFill>
+                  <a:srgbClr val="000000"/>
+                </a:solidFill>
+                <a:latin typeface="Consolas" panose="020B0609020204030204" pitchFamily="49" charset="0"/>
+              </a:rPr>
+              <a:t>  </a:t>
+            </a:r>
+            <a:r>
+              <a:rPr lang="en-US" sz="1100" dirty="0">
+                <a:solidFill>
+                  <a:srgbClr val="0000FF"/>
+                </a:solidFill>
+                <a:latin typeface="Consolas" panose="020B0609020204030204" pitchFamily="49" charset="0"/>
+              </a:rPr>
+              <a:t>public</a:t>
+            </a:r>
+            <a:r>
+              <a:rPr lang="en-US" sz="1100" dirty="0">
+                <a:solidFill>
+                  <a:srgbClr val="000000"/>
+                </a:solidFill>
+                <a:latin typeface="Consolas" panose="020B0609020204030204" pitchFamily="49" charset="0"/>
+              </a:rPr>
+              <a:t> </a:t>
+            </a:r>
+            <a:r>
+              <a:rPr lang="en-US" sz="1100" dirty="0">
+                <a:solidFill>
+                  <a:srgbClr val="0000FF"/>
+                </a:solidFill>
+                <a:latin typeface="Consolas" panose="020B0609020204030204" pitchFamily="49" charset="0"/>
+              </a:rPr>
+              <a:t>constructor</a:t>
+            </a:r>
+            <a:r>
+              <a:rPr lang="en-US" sz="1100" dirty="0">
+                <a:solidFill>
+                  <a:srgbClr val="000000"/>
+                </a:solidFill>
+                <a:latin typeface="Consolas" panose="020B0609020204030204" pitchFamily="49" charset="0"/>
+              </a:rPr>
+              <a:t>(</a:t>
+            </a:r>
+            <a:r>
+              <a:rPr lang="en-US" sz="1100" dirty="0">
+                <a:solidFill>
+                  <a:srgbClr val="0000FF"/>
+                </a:solidFill>
+                <a:latin typeface="Consolas" panose="020B0609020204030204" pitchFamily="49" charset="0"/>
+              </a:rPr>
+              <a:t>private</a:t>
+            </a:r>
+            <a:r>
+              <a:rPr lang="en-US" sz="1100" dirty="0">
+                <a:solidFill>
+                  <a:srgbClr val="000000"/>
+                </a:solidFill>
+                <a:latin typeface="Consolas" panose="020B0609020204030204" pitchFamily="49" charset="0"/>
+              </a:rPr>
+              <a:t> http: Http, </a:t>
+            </a:r>
+            <a:r>
+              <a:rPr lang="en-US" sz="1100" dirty="0">
+                <a:solidFill>
+                  <a:srgbClr val="0000FF"/>
+                </a:solidFill>
+                <a:latin typeface="Consolas" panose="020B0609020204030204" pitchFamily="49" charset="0"/>
+              </a:rPr>
+              <a:t>private</a:t>
+            </a:r>
+            <a:r>
+              <a:rPr lang="en-US" sz="1100" dirty="0">
+                <a:solidFill>
+                  <a:srgbClr val="000000"/>
+                </a:solidFill>
+                <a:latin typeface="Consolas" panose="020B0609020204030204" pitchFamily="49" charset="0"/>
+              </a:rPr>
+              <a:t> utility: Utility) {</a:t>
+            </a:r>
+          </a:p>
+          <a:p>
+            <a:r>
+              <a:rPr lang="en-US" sz="1100" dirty="0">
+                <a:solidFill>
+                  <a:srgbClr val="000000"/>
+                </a:solidFill>
+                <a:latin typeface="Consolas" panose="020B0609020204030204" pitchFamily="49" charset="0"/>
+              </a:rPr>
+              <a:t>    </a:t>
+            </a:r>
+            <a:endParaRPr lang="en-US" sz="1100" dirty="0">
+              <a:solidFill>
+                <a:srgbClr val="000000"/>
+              </a:solidFill>
+              <a:latin typeface="Consolas" panose="020B0609020204030204" pitchFamily="49" charset="0"/>
+            </a:endParaRPr>
+          </a:p>
+          <a:p>
+            <a:r>
+              <a:rPr lang="en-US" sz="1100" dirty="0">
+                <a:solidFill>
+                  <a:srgbClr val="000000"/>
+                </a:solidFill>
+                <a:latin typeface="Consolas" panose="020B0609020204030204" pitchFamily="49" charset="0"/>
+              </a:rPr>
+              <a:t>  }</a:t>
+            </a:r>
+          </a:p>
+          <a:p>
+            <a:br>
+              <a:rPr lang="en-US" sz="1100" dirty="0">
+                <a:solidFill>
+                  <a:srgbClr val="000000"/>
+                </a:solidFill>
+                <a:latin typeface="Consolas" panose="020B0609020204030204" pitchFamily="49" charset="0"/>
+              </a:rPr>
+            </a:br>
+            <a:r>
+              <a:rPr lang="en-US" sz="1100" dirty="0">
+                <a:solidFill>
+                  <a:srgbClr val="000000"/>
+                </a:solidFill>
+                <a:latin typeface="Consolas" panose="020B0609020204030204" pitchFamily="49" charset="0"/>
+              </a:rPr>
+              <a:t>  </a:t>
+            </a:r>
+            <a:r>
+              <a:rPr lang="en-US" sz="1100" dirty="0">
+                <a:solidFill>
+                  <a:srgbClr val="0000FF"/>
+                </a:solidFill>
+                <a:latin typeface="Consolas" panose="020B0609020204030204" pitchFamily="49" charset="0"/>
+              </a:rPr>
+              <a:t>public</a:t>
+            </a:r>
+            <a:r>
+              <a:rPr lang="en-US" sz="1100" dirty="0">
+                <a:solidFill>
+                  <a:srgbClr val="000000"/>
+                </a:solidFill>
+                <a:latin typeface="Consolas" panose="020B0609020204030204" pitchFamily="49" charset="0"/>
+              </a:rPr>
+              <a:t> </a:t>
+            </a:r>
+            <a:r>
+              <a:rPr lang="en-US" sz="1100" dirty="0" err="1">
+                <a:solidFill>
+                  <a:srgbClr val="000000"/>
+                </a:solidFill>
+                <a:latin typeface="Consolas" panose="020B0609020204030204" pitchFamily="49" charset="0"/>
+              </a:rPr>
+              <a:t>ngOnInit</a:t>
+            </a:r>
+            <a:r>
+              <a:rPr lang="en-US" sz="1100" dirty="0">
+                <a:solidFill>
+                  <a:srgbClr val="000000"/>
+                </a:solidFill>
+                <a:latin typeface="Consolas" panose="020B0609020204030204" pitchFamily="49" charset="0"/>
+              </a:rPr>
+              <a:t>() {</a:t>
+            </a:r>
+          </a:p>
+          <a:p>
+            <a:endParaRPr lang="en-US" sz="1100" dirty="0">
+              <a:solidFill>
+                <a:srgbClr val="000000"/>
+              </a:solidFill>
+              <a:latin typeface="Consolas" panose="020B0609020204030204" pitchFamily="49" charset="0"/>
+            </a:endParaRPr>
+          </a:p>
+          <a:p>
+            <a:r>
+              <a:rPr lang="en-US" sz="1100" dirty="0">
+                <a:solidFill>
+                  <a:srgbClr val="000000"/>
+                </a:solidFill>
+                <a:latin typeface="Consolas" panose="020B0609020204030204" pitchFamily="49" charset="0"/>
+              </a:rPr>
+              <a:t>  }</a:t>
+            </a:r>
+          </a:p>
+          <a:p>
+            <a:br>
+              <a:rPr lang="en-US" sz="1100" dirty="0">
+                <a:solidFill>
+                  <a:srgbClr val="000000"/>
+                </a:solidFill>
+                <a:latin typeface="Consolas" panose="020B0609020204030204" pitchFamily="49" charset="0"/>
+              </a:rPr>
+            </a:br>
+            <a:r>
+              <a:rPr lang="en-US" sz="1100" dirty="0">
+                <a:solidFill>
+                  <a:srgbClr val="000000"/>
+                </a:solidFill>
+                <a:latin typeface="Consolas" panose="020B0609020204030204" pitchFamily="49" charset="0"/>
+              </a:rPr>
+              <a:t>  </a:t>
+            </a:r>
+            <a:r>
+              <a:rPr lang="en-US" sz="1100" dirty="0">
+                <a:solidFill>
+                  <a:srgbClr val="0000FF"/>
+                </a:solidFill>
+                <a:latin typeface="Consolas" panose="020B0609020204030204" pitchFamily="49" charset="0"/>
+              </a:rPr>
+              <a:t>public</a:t>
+            </a:r>
+            <a:r>
+              <a:rPr lang="en-US" sz="1100" dirty="0">
+                <a:solidFill>
+                  <a:srgbClr val="000000"/>
+                </a:solidFill>
+                <a:latin typeface="Consolas" panose="020B0609020204030204" pitchFamily="49" charset="0"/>
+              </a:rPr>
+              <a:t> </a:t>
+            </a:r>
+            <a:r>
+              <a:rPr lang="en-US" sz="1100" dirty="0" err="1">
+                <a:solidFill>
+                  <a:srgbClr val="000000"/>
+                </a:solidFill>
+                <a:latin typeface="Consolas" panose="020B0609020204030204" pitchFamily="49" charset="0"/>
+              </a:rPr>
+              <a:t>whateverMethod</a:t>
+            </a:r>
+            <a:r>
+              <a:rPr lang="en-US" sz="1100" dirty="0">
+                <a:solidFill>
+                  <a:srgbClr val="000000"/>
+                </a:solidFill>
+                <a:latin typeface="Consolas" panose="020B0609020204030204" pitchFamily="49" charset="0"/>
+              </a:rPr>
+              <a:t>() {</a:t>
+            </a:r>
+          </a:p>
+          <a:p>
+            <a:endParaRPr lang="en-US" sz="1100" dirty="0">
+              <a:solidFill>
+                <a:srgbClr val="000000"/>
+              </a:solidFill>
+              <a:latin typeface="Consolas" panose="020B0609020204030204" pitchFamily="49" charset="0"/>
+            </a:endParaRPr>
+          </a:p>
+          <a:p>
+            <a:r>
+              <a:rPr lang="en-US" sz="1100" dirty="0">
+                <a:solidFill>
+                  <a:srgbClr val="000000"/>
+                </a:solidFill>
+                <a:latin typeface="Consolas" panose="020B0609020204030204" pitchFamily="49" charset="0"/>
+              </a:rPr>
+              <a:t>  }</a:t>
+            </a:r>
+          </a:p>
+          <a:p>
+            <a:r>
+              <a:rPr lang="en-US" sz="1100" dirty="0">
+                <a:solidFill>
+                  <a:srgbClr val="000000"/>
+                </a:solidFill>
+                <a:latin typeface="Consolas" panose="020B0609020204030204" pitchFamily="49" charset="0"/>
+              </a:rPr>
+              <a:t>}</a:t>
+            </a:r>
+            <a:endParaRPr lang="en-US" sz="1100" b="0" dirty="0">
+              <a:solidFill>
+                <a:srgbClr val="000000"/>
+              </a:solidFill>
+              <a:effectLst/>
+              <a:latin typeface="Consolas" panose="020B0609020204030204" pitchFamily="49" charset="0"/>
+            </a:endParaRPr>
           </a:p>
         </p:txBody>
       </p:sp>
     </p:spTree>
     <p:extLst>
       <p:ext uri="{BB962C8B-B14F-4D97-AF65-F5344CB8AC3E}">
-        <p14:creationId xmlns:p14="http://schemas.microsoft.com/office/powerpoint/2010/main" val="2942029158"/>
+        <p14:creationId xmlns:p14="http://schemas.microsoft.com/office/powerpoint/2010/main" val="817358371"/>
       </p:ext>
     </p:extLst>
   </p:cSld>
@@ -7412,130 +9870,1099 @@
           <a:p>
             <a:r>
               <a:rPr lang="en-US" dirty="0"/>
-              <a:t>Angular</a:t>
+              <a:t>GET using Http</a:t>
             </a:r>
           </a:p>
         </p:txBody>
       </p:sp>
       <p:sp>
         <p:nvSpPr>
-          <p:cNvPr id="5" name="Content Placeholder 2"/>
-          <p:cNvSpPr>
-            <a:spLocks noGrp="1"/>
-          </p:cNvSpPr>
-          <p:nvPr>
-            <p:ph idx="1"/>
-          </p:nvPr>
+          <p:cNvPr id="5" name="Rectangle 4"/>
+          <p:cNvSpPr/>
+          <p:nvPr/>
         </p:nvSpPr>
         <p:spPr>
           <a:xfrm>
-            <a:off x="457200" y="685800"/>
-            <a:ext cx="8007739" cy="3394472"/>
+            <a:off x="1924049" y="514410"/>
+            <a:ext cx="8553451" cy="5016758"/>
           </a:xfrm>
+          <a:prstGeom prst="rect">
+            <a:avLst/>
+          </a:prstGeom>
         </p:spPr>
         <p:txBody>
-          <a:bodyPr/>
+          <a:bodyPr wrap="square">
+            <a:spAutoFit/>
+          </a:bodyPr>
           <a:lstStyle/>
           <a:p>
-            <a:pPr marL="342900" indent="-342900">
-              <a:buFont typeface="Arial" panose="020B0604020202020204" pitchFamily="34" charset="0"/>
-              <a:buChar char="•"/>
-            </a:pPr>
-            <a:r>
-              <a:rPr lang="en-US" dirty="0"/>
-              <a:t>Look for TODOs</a:t>
-            </a:r>
-          </a:p>
-          <a:p>
-            <a:pPr marL="342900" indent="-342900">
-              <a:buFont typeface="Arial" panose="020B0604020202020204" pitchFamily="34" charset="0"/>
-              <a:buChar char="•"/>
-            </a:pPr>
-            <a:endParaRPr lang="en-US" dirty="0"/>
-          </a:p>
-          <a:p>
-            <a:pPr marL="342900" indent="-342900">
-              <a:buFont typeface="Arial" panose="020B0604020202020204" pitchFamily="34" charset="0"/>
-              <a:buChar char="•"/>
-            </a:pPr>
-            <a:r>
-              <a:rPr lang="en-US" dirty="0"/>
-              <a:t>Files included:</a:t>
-            </a:r>
-          </a:p>
-          <a:p>
-            <a:pPr marL="573088" lvl="1" indent="-342900">
-              <a:buFont typeface="Arial" panose="020B0604020202020204" pitchFamily="34" charset="0"/>
-              <a:buChar char="•"/>
-            </a:pPr>
-            <a:r>
-              <a:rPr lang="en-US" sz="2000" dirty="0" err="1"/>
-              <a:t>utility.ts</a:t>
-            </a:r>
-            <a:endParaRPr lang="en-US" sz="2000" dirty="0"/>
-          </a:p>
-          <a:p>
-            <a:pPr marL="573088" lvl="1" indent="-342900">
-              <a:buFont typeface="Arial" panose="020B0604020202020204" pitchFamily="34" charset="0"/>
-              <a:buChar char="•"/>
-            </a:pPr>
-            <a:r>
-              <a:rPr lang="en-US" sz="2000" dirty="0" err="1"/>
-              <a:t>item.component.ts</a:t>
-            </a:r>
-            <a:endParaRPr lang="en-US" sz="2000" dirty="0"/>
-          </a:p>
-          <a:p>
-            <a:pPr marL="573088" lvl="1" indent="-342900">
-              <a:buFont typeface="Arial" panose="020B0604020202020204" pitchFamily="34" charset="0"/>
-              <a:buChar char="•"/>
-            </a:pPr>
-            <a:r>
-              <a:rPr lang="en-US" sz="2000" dirty="0"/>
-              <a:t>item.component.html</a:t>
-            </a:r>
-          </a:p>
-          <a:p>
-            <a:pPr marL="573088" lvl="1" indent="-342900">
-              <a:buFont typeface="Arial" panose="020B0604020202020204" pitchFamily="34" charset="0"/>
-              <a:buChar char="•"/>
-            </a:pPr>
-            <a:r>
-              <a:rPr lang="en-US" sz="2000" dirty="0" err="1"/>
-              <a:t>list.component.ts</a:t>
-            </a:r>
-            <a:endParaRPr lang="en-US" sz="2000" dirty="0"/>
-          </a:p>
-          <a:p>
-            <a:pPr marL="573088" lvl="1" indent="-342900">
-              <a:buFont typeface="Arial" panose="020B0604020202020204" pitchFamily="34" charset="0"/>
-              <a:buChar char="•"/>
-            </a:pPr>
-            <a:r>
-              <a:rPr lang="en-US" sz="2000" dirty="0"/>
-              <a:t>list.component.html</a:t>
-            </a:r>
-          </a:p>
-          <a:p>
-            <a:pPr marL="573088" lvl="1" indent="-342900">
-              <a:buFont typeface="Arial" panose="020B0604020202020204" pitchFamily="34" charset="0"/>
-              <a:buChar char="•"/>
-            </a:pPr>
-            <a:endParaRPr lang="en-US" dirty="0"/>
-          </a:p>
-          <a:p>
-            <a:pPr marL="342900" indent="-342900">
-              <a:buFont typeface="Arial" panose="020B0604020202020204" pitchFamily="34" charset="0"/>
-              <a:buChar char="•"/>
-            </a:pPr>
-            <a:endParaRPr lang="en-US" dirty="0"/>
+            <a:r>
+              <a:rPr lang="en-US" sz="1000" dirty="0">
+                <a:solidFill>
+                  <a:srgbClr val="0000FF"/>
+                </a:solidFill>
+                <a:latin typeface="Consolas" panose="020B0609020204030204" pitchFamily="49" charset="0"/>
+              </a:rPr>
+              <a:t>import</a:t>
+            </a:r>
+            <a:r>
+              <a:rPr lang="en-US" sz="1000" dirty="0">
+                <a:solidFill>
+                  <a:srgbClr val="000000"/>
+                </a:solidFill>
+                <a:latin typeface="Consolas" panose="020B0609020204030204" pitchFamily="49" charset="0"/>
+              </a:rPr>
+              <a:t> { Component, </a:t>
+            </a:r>
+            <a:r>
+              <a:rPr lang="en-US" sz="1000" dirty="0" err="1">
+                <a:solidFill>
+                  <a:srgbClr val="000000"/>
+                </a:solidFill>
+                <a:latin typeface="Consolas" panose="020B0609020204030204" pitchFamily="49" charset="0"/>
+              </a:rPr>
+              <a:t>OnInit</a:t>
+            </a:r>
+            <a:r>
+              <a:rPr lang="en-US" sz="1000" dirty="0">
+                <a:solidFill>
+                  <a:srgbClr val="000000"/>
+                </a:solidFill>
+                <a:latin typeface="Consolas" panose="020B0609020204030204" pitchFamily="49" charset="0"/>
+              </a:rPr>
+              <a:t> } </a:t>
+            </a:r>
+            <a:r>
+              <a:rPr lang="en-US" sz="1000" dirty="0">
+                <a:solidFill>
+                  <a:srgbClr val="0000FF"/>
+                </a:solidFill>
+                <a:latin typeface="Consolas" panose="020B0609020204030204" pitchFamily="49" charset="0"/>
+              </a:rPr>
+              <a:t>from</a:t>
+            </a:r>
+            <a:r>
+              <a:rPr lang="en-US" sz="1000" dirty="0">
+                <a:solidFill>
+                  <a:srgbClr val="000000"/>
+                </a:solidFill>
+                <a:latin typeface="Consolas" panose="020B0609020204030204" pitchFamily="49" charset="0"/>
+              </a:rPr>
+              <a:t> </a:t>
+            </a:r>
+            <a:r>
+              <a:rPr lang="en-US" sz="1000" dirty="0">
+                <a:solidFill>
+                  <a:srgbClr val="A31515"/>
+                </a:solidFill>
+                <a:latin typeface="Consolas" panose="020B0609020204030204" pitchFamily="49" charset="0"/>
+              </a:rPr>
+              <a:t>'@angular/core'</a:t>
+            </a:r>
+            <a:r>
+              <a:rPr lang="en-US" sz="1000" dirty="0">
+                <a:solidFill>
+                  <a:srgbClr val="000000"/>
+                </a:solidFill>
+                <a:latin typeface="Consolas" panose="020B0609020204030204" pitchFamily="49" charset="0"/>
+              </a:rPr>
+              <a:t>;</a:t>
+            </a:r>
+          </a:p>
+          <a:p>
+            <a:r>
+              <a:rPr lang="en-US" sz="1000" dirty="0">
+                <a:solidFill>
+                  <a:srgbClr val="0000FF"/>
+                </a:solidFill>
+                <a:latin typeface="Consolas" panose="020B0609020204030204" pitchFamily="49" charset="0"/>
+              </a:rPr>
+              <a:t>import</a:t>
+            </a:r>
+            <a:r>
+              <a:rPr lang="en-US" sz="1000" dirty="0">
+                <a:solidFill>
+                  <a:srgbClr val="000000"/>
+                </a:solidFill>
+                <a:latin typeface="Consolas" panose="020B0609020204030204" pitchFamily="49" charset="0"/>
+              </a:rPr>
+              <a:t> { Http } </a:t>
+            </a:r>
+            <a:r>
+              <a:rPr lang="en-US" sz="1000" dirty="0">
+                <a:solidFill>
+                  <a:srgbClr val="0000FF"/>
+                </a:solidFill>
+                <a:latin typeface="Consolas" panose="020B0609020204030204" pitchFamily="49" charset="0"/>
+              </a:rPr>
+              <a:t>from</a:t>
+            </a:r>
+            <a:r>
+              <a:rPr lang="en-US" sz="1000" dirty="0">
+                <a:solidFill>
+                  <a:srgbClr val="000000"/>
+                </a:solidFill>
+                <a:latin typeface="Consolas" panose="020B0609020204030204" pitchFamily="49" charset="0"/>
+              </a:rPr>
+              <a:t> </a:t>
+            </a:r>
+            <a:r>
+              <a:rPr lang="en-US" sz="1000" dirty="0">
+                <a:solidFill>
+                  <a:srgbClr val="A31515"/>
+                </a:solidFill>
+                <a:latin typeface="Consolas" panose="020B0609020204030204" pitchFamily="49" charset="0"/>
+              </a:rPr>
+              <a:t>'@angular/http'</a:t>
+            </a:r>
+            <a:r>
+              <a:rPr lang="en-US" sz="1000" dirty="0">
+                <a:solidFill>
+                  <a:srgbClr val="000000"/>
+                </a:solidFill>
+                <a:latin typeface="Consolas" panose="020B0609020204030204" pitchFamily="49" charset="0"/>
+              </a:rPr>
+              <a:t>;</a:t>
+            </a:r>
+          </a:p>
+          <a:p>
+            <a:r>
+              <a:rPr lang="en-US" sz="1000" dirty="0">
+                <a:solidFill>
+                  <a:srgbClr val="0000FF"/>
+                </a:solidFill>
+                <a:latin typeface="Consolas" panose="020B0609020204030204" pitchFamily="49" charset="0"/>
+              </a:rPr>
+              <a:t>import</a:t>
+            </a:r>
+            <a:r>
+              <a:rPr lang="en-US" sz="1000" dirty="0">
+                <a:solidFill>
+                  <a:srgbClr val="000000"/>
+                </a:solidFill>
+                <a:latin typeface="Consolas" panose="020B0609020204030204" pitchFamily="49" charset="0"/>
+              </a:rPr>
+              <a:t> { Item } </a:t>
+            </a:r>
+            <a:r>
+              <a:rPr lang="en-US" sz="1000" dirty="0">
+                <a:solidFill>
+                  <a:srgbClr val="0000FF"/>
+                </a:solidFill>
+                <a:latin typeface="Consolas" panose="020B0609020204030204" pitchFamily="49" charset="0"/>
+              </a:rPr>
+              <a:t>from</a:t>
+            </a:r>
+            <a:r>
+              <a:rPr lang="en-US" sz="1000" dirty="0">
+                <a:solidFill>
+                  <a:srgbClr val="000000"/>
+                </a:solidFill>
+                <a:latin typeface="Consolas" panose="020B0609020204030204" pitchFamily="49" charset="0"/>
+              </a:rPr>
+              <a:t> </a:t>
+            </a:r>
+            <a:r>
+              <a:rPr lang="en-US" sz="1000" dirty="0">
+                <a:solidFill>
+                  <a:srgbClr val="A31515"/>
+                </a:solidFill>
+                <a:latin typeface="Consolas" panose="020B0609020204030204" pitchFamily="49" charset="0"/>
+              </a:rPr>
+              <a:t>'../item'</a:t>
+            </a:r>
+            <a:r>
+              <a:rPr lang="en-US" sz="1000" dirty="0">
+                <a:solidFill>
+                  <a:srgbClr val="000000"/>
+                </a:solidFill>
+                <a:latin typeface="Consolas" panose="020B0609020204030204" pitchFamily="49" charset="0"/>
+              </a:rPr>
+              <a:t>;</a:t>
+            </a:r>
+          </a:p>
+          <a:p>
+            <a:r>
+              <a:rPr lang="en-US" sz="1000" dirty="0">
+                <a:solidFill>
+                  <a:srgbClr val="0000FF"/>
+                </a:solidFill>
+                <a:latin typeface="Consolas" panose="020B0609020204030204" pitchFamily="49" charset="0"/>
+              </a:rPr>
+              <a:t>import</a:t>
+            </a:r>
+            <a:r>
+              <a:rPr lang="en-US" sz="1000" dirty="0">
+                <a:solidFill>
+                  <a:srgbClr val="000000"/>
+                </a:solidFill>
+                <a:latin typeface="Consolas" panose="020B0609020204030204" pitchFamily="49" charset="0"/>
+              </a:rPr>
+              <a:t> </a:t>
+            </a:r>
+            <a:r>
+              <a:rPr lang="en-US" sz="1000" dirty="0">
+                <a:solidFill>
+                  <a:srgbClr val="A31515"/>
+                </a:solidFill>
+                <a:latin typeface="Consolas" panose="020B0609020204030204" pitchFamily="49" charset="0"/>
+              </a:rPr>
+              <a:t>'</a:t>
+            </a:r>
+            <a:r>
+              <a:rPr lang="en-US" sz="1000" dirty="0" err="1">
+                <a:solidFill>
+                  <a:srgbClr val="A31515"/>
+                </a:solidFill>
+                <a:latin typeface="Consolas" panose="020B0609020204030204" pitchFamily="49" charset="0"/>
+              </a:rPr>
+              <a:t>rxjs</a:t>
+            </a:r>
+            <a:r>
+              <a:rPr lang="en-US" sz="1000" dirty="0">
+                <a:solidFill>
+                  <a:srgbClr val="A31515"/>
+                </a:solidFill>
+                <a:latin typeface="Consolas" panose="020B0609020204030204" pitchFamily="49" charset="0"/>
+              </a:rPr>
+              <a:t>/add/operator/map'</a:t>
+            </a:r>
+            <a:r>
+              <a:rPr lang="en-US" sz="1000" dirty="0">
+                <a:solidFill>
+                  <a:srgbClr val="000000"/>
+                </a:solidFill>
+                <a:latin typeface="Consolas" panose="020B0609020204030204" pitchFamily="49" charset="0"/>
+              </a:rPr>
+              <a:t>;</a:t>
+            </a:r>
+          </a:p>
+          <a:p>
+            <a:r>
+              <a:rPr lang="en-US" sz="1000" dirty="0">
+                <a:solidFill>
+                  <a:srgbClr val="0000FF"/>
+                </a:solidFill>
+                <a:latin typeface="Consolas" panose="020B0609020204030204" pitchFamily="49" charset="0"/>
+              </a:rPr>
+              <a:t>import</a:t>
+            </a:r>
+            <a:r>
+              <a:rPr lang="en-US" sz="1000" dirty="0">
+                <a:solidFill>
+                  <a:srgbClr val="000000"/>
+                </a:solidFill>
+                <a:latin typeface="Consolas" panose="020B0609020204030204" pitchFamily="49" charset="0"/>
+              </a:rPr>
+              <a:t> </a:t>
+            </a:r>
+            <a:r>
+              <a:rPr lang="en-US" sz="1000" dirty="0">
+                <a:solidFill>
+                  <a:srgbClr val="A31515"/>
+                </a:solidFill>
+                <a:latin typeface="Consolas" panose="020B0609020204030204" pitchFamily="49" charset="0"/>
+              </a:rPr>
+              <a:t>'</a:t>
+            </a:r>
+            <a:r>
+              <a:rPr lang="en-US" sz="1000" dirty="0" err="1">
+                <a:solidFill>
+                  <a:srgbClr val="A31515"/>
+                </a:solidFill>
+                <a:latin typeface="Consolas" panose="020B0609020204030204" pitchFamily="49" charset="0"/>
+              </a:rPr>
+              <a:t>rxjs</a:t>
+            </a:r>
+            <a:r>
+              <a:rPr lang="en-US" sz="1000" dirty="0">
+                <a:solidFill>
+                  <a:srgbClr val="A31515"/>
+                </a:solidFill>
+                <a:latin typeface="Consolas" panose="020B0609020204030204" pitchFamily="49" charset="0"/>
+              </a:rPr>
+              <a:t>/add/operator/do'</a:t>
+            </a:r>
+            <a:r>
+              <a:rPr lang="en-US" sz="1000" dirty="0">
+                <a:solidFill>
+                  <a:srgbClr val="000000"/>
+                </a:solidFill>
+                <a:latin typeface="Consolas" panose="020B0609020204030204" pitchFamily="49" charset="0"/>
+              </a:rPr>
+              <a:t>;</a:t>
+            </a:r>
+          </a:p>
+          <a:p>
+            <a:br>
+              <a:rPr lang="en-US" sz="1000" dirty="0">
+                <a:solidFill>
+                  <a:srgbClr val="000000"/>
+                </a:solidFill>
+                <a:latin typeface="Consolas" panose="020B0609020204030204" pitchFamily="49" charset="0"/>
+              </a:rPr>
+            </a:br>
+            <a:r>
+              <a:rPr lang="en-US" sz="1000" dirty="0">
+                <a:solidFill>
+                  <a:srgbClr val="000000"/>
+                </a:solidFill>
+                <a:latin typeface="Consolas" panose="020B0609020204030204" pitchFamily="49" charset="0"/>
+              </a:rPr>
+              <a:t>@Component({</a:t>
+            </a:r>
+          </a:p>
+          <a:p>
+            <a:r>
+              <a:rPr lang="en-US" sz="1000" dirty="0">
+                <a:solidFill>
+                  <a:srgbClr val="000000"/>
+                </a:solidFill>
+                <a:latin typeface="Consolas" panose="020B0609020204030204" pitchFamily="49" charset="0"/>
+              </a:rPr>
+              <a:t>  selector: </a:t>
+            </a:r>
+            <a:r>
+              <a:rPr lang="en-US" sz="1000" dirty="0">
+                <a:solidFill>
+                  <a:srgbClr val="A31515"/>
+                </a:solidFill>
+                <a:latin typeface="Consolas" panose="020B0609020204030204" pitchFamily="49" charset="0"/>
+              </a:rPr>
+              <a:t>'app-list'</a:t>
+            </a:r>
+            <a:r>
+              <a:rPr lang="en-US" sz="1000" dirty="0">
+                <a:solidFill>
+                  <a:srgbClr val="000000"/>
+                </a:solidFill>
+                <a:latin typeface="Consolas" panose="020B0609020204030204" pitchFamily="49" charset="0"/>
+              </a:rPr>
+              <a:t>,</a:t>
+            </a:r>
+          </a:p>
+          <a:p>
+            <a:r>
+              <a:rPr lang="en-US" sz="1000" dirty="0">
+                <a:solidFill>
+                  <a:srgbClr val="000000"/>
+                </a:solidFill>
+                <a:latin typeface="Consolas" panose="020B0609020204030204" pitchFamily="49" charset="0"/>
+              </a:rPr>
+              <a:t>  </a:t>
+            </a:r>
+            <a:r>
+              <a:rPr lang="en-US" sz="1000" dirty="0" err="1">
+                <a:solidFill>
+                  <a:srgbClr val="000000"/>
+                </a:solidFill>
+                <a:latin typeface="Consolas" panose="020B0609020204030204" pitchFamily="49" charset="0"/>
+              </a:rPr>
+              <a:t>templateUrl</a:t>
+            </a:r>
+            <a:r>
+              <a:rPr lang="en-US" sz="1000" dirty="0">
+                <a:solidFill>
+                  <a:srgbClr val="000000"/>
+                </a:solidFill>
+                <a:latin typeface="Consolas" panose="020B0609020204030204" pitchFamily="49" charset="0"/>
+              </a:rPr>
+              <a:t>: </a:t>
+            </a:r>
+            <a:r>
+              <a:rPr lang="en-US" sz="1000" dirty="0">
+                <a:solidFill>
+                  <a:srgbClr val="A31515"/>
+                </a:solidFill>
+                <a:latin typeface="Consolas" panose="020B0609020204030204" pitchFamily="49" charset="0"/>
+              </a:rPr>
+              <a:t>'./list.component.html'</a:t>
+            </a:r>
+            <a:r>
+              <a:rPr lang="en-US" sz="1000" dirty="0">
+                <a:solidFill>
+                  <a:srgbClr val="000000"/>
+                </a:solidFill>
+                <a:latin typeface="Consolas" panose="020B0609020204030204" pitchFamily="49" charset="0"/>
+              </a:rPr>
+              <a:t>,</a:t>
+            </a:r>
+          </a:p>
+          <a:p>
+            <a:r>
+              <a:rPr lang="en-US" sz="1000" dirty="0">
+                <a:solidFill>
+                  <a:srgbClr val="000000"/>
+                </a:solidFill>
+                <a:latin typeface="Consolas" panose="020B0609020204030204" pitchFamily="49" charset="0"/>
+              </a:rPr>
+              <a:t>  </a:t>
+            </a:r>
+            <a:r>
+              <a:rPr lang="en-US" sz="1000" dirty="0" err="1">
+                <a:solidFill>
+                  <a:srgbClr val="000000"/>
+                </a:solidFill>
+                <a:latin typeface="Consolas" panose="020B0609020204030204" pitchFamily="49" charset="0"/>
+              </a:rPr>
+              <a:t>styleUrls</a:t>
+            </a:r>
+            <a:r>
+              <a:rPr lang="en-US" sz="1000" dirty="0">
+                <a:solidFill>
+                  <a:srgbClr val="000000"/>
+                </a:solidFill>
+                <a:latin typeface="Consolas" panose="020B0609020204030204" pitchFamily="49" charset="0"/>
+              </a:rPr>
+              <a:t>: [</a:t>
+            </a:r>
+            <a:r>
+              <a:rPr lang="en-US" sz="1000" dirty="0">
+                <a:solidFill>
+                  <a:srgbClr val="A31515"/>
+                </a:solidFill>
+                <a:latin typeface="Consolas" panose="020B0609020204030204" pitchFamily="49" charset="0"/>
+              </a:rPr>
+              <a:t>'./list.component.css'</a:t>
+            </a:r>
+            <a:r>
+              <a:rPr lang="en-US" sz="1000" dirty="0">
+                <a:solidFill>
+                  <a:srgbClr val="000000"/>
+                </a:solidFill>
+                <a:latin typeface="Consolas" panose="020B0609020204030204" pitchFamily="49" charset="0"/>
+              </a:rPr>
+              <a:t>]</a:t>
+            </a:r>
+          </a:p>
+          <a:p>
+            <a:r>
+              <a:rPr lang="en-US" sz="1000" dirty="0">
+                <a:solidFill>
+                  <a:srgbClr val="000000"/>
+                </a:solidFill>
+                <a:latin typeface="Consolas" panose="020B0609020204030204" pitchFamily="49" charset="0"/>
+              </a:rPr>
+              <a:t>})</a:t>
+            </a:r>
+          </a:p>
+          <a:p>
+            <a:r>
+              <a:rPr lang="en-US" sz="1000" dirty="0">
+                <a:solidFill>
+                  <a:srgbClr val="0000FF"/>
+                </a:solidFill>
+                <a:latin typeface="Consolas" panose="020B0609020204030204" pitchFamily="49" charset="0"/>
+              </a:rPr>
+              <a:t>export</a:t>
+            </a:r>
+            <a:r>
+              <a:rPr lang="en-US" sz="1000" dirty="0">
+                <a:solidFill>
+                  <a:srgbClr val="000000"/>
+                </a:solidFill>
+                <a:latin typeface="Consolas" panose="020B0609020204030204" pitchFamily="49" charset="0"/>
+              </a:rPr>
+              <a:t> </a:t>
+            </a:r>
+            <a:r>
+              <a:rPr lang="en-US" sz="1000" dirty="0">
+                <a:solidFill>
+                  <a:srgbClr val="0000FF"/>
+                </a:solidFill>
+                <a:latin typeface="Consolas" panose="020B0609020204030204" pitchFamily="49" charset="0"/>
+              </a:rPr>
+              <a:t>class</a:t>
+            </a:r>
+            <a:r>
+              <a:rPr lang="en-US" sz="1000" dirty="0">
+                <a:solidFill>
+                  <a:srgbClr val="000000"/>
+                </a:solidFill>
+                <a:latin typeface="Consolas" panose="020B0609020204030204" pitchFamily="49" charset="0"/>
+              </a:rPr>
+              <a:t> </a:t>
+            </a:r>
+            <a:r>
+              <a:rPr lang="en-US" sz="1000" dirty="0" err="1">
+                <a:solidFill>
+                  <a:srgbClr val="000000"/>
+                </a:solidFill>
+                <a:latin typeface="Consolas" panose="020B0609020204030204" pitchFamily="49" charset="0"/>
+              </a:rPr>
+              <a:t>ListComponent</a:t>
+            </a:r>
+            <a:r>
+              <a:rPr lang="en-US" sz="1000" dirty="0">
+                <a:solidFill>
+                  <a:srgbClr val="000000"/>
+                </a:solidFill>
+                <a:latin typeface="Consolas" panose="020B0609020204030204" pitchFamily="49" charset="0"/>
+              </a:rPr>
+              <a:t> </a:t>
+            </a:r>
+            <a:r>
+              <a:rPr lang="en-US" sz="1000" dirty="0">
+                <a:solidFill>
+                  <a:srgbClr val="0000FF"/>
+                </a:solidFill>
+                <a:latin typeface="Consolas" panose="020B0609020204030204" pitchFamily="49" charset="0"/>
+              </a:rPr>
+              <a:t>implements</a:t>
+            </a:r>
+            <a:r>
+              <a:rPr lang="en-US" sz="1000" dirty="0">
+                <a:solidFill>
+                  <a:srgbClr val="000000"/>
+                </a:solidFill>
+                <a:latin typeface="Consolas" panose="020B0609020204030204" pitchFamily="49" charset="0"/>
+              </a:rPr>
+              <a:t> </a:t>
+            </a:r>
+            <a:r>
+              <a:rPr lang="en-US" sz="1000" dirty="0" err="1">
+                <a:solidFill>
+                  <a:srgbClr val="000000"/>
+                </a:solidFill>
+                <a:latin typeface="Consolas" panose="020B0609020204030204" pitchFamily="49" charset="0"/>
+              </a:rPr>
+              <a:t>OnInit</a:t>
+            </a:r>
+            <a:r>
+              <a:rPr lang="en-US" sz="1000" dirty="0">
+                <a:solidFill>
+                  <a:srgbClr val="000000"/>
+                </a:solidFill>
+                <a:latin typeface="Consolas" panose="020B0609020204030204" pitchFamily="49" charset="0"/>
+              </a:rPr>
+              <a:t> {</a:t>
+            </a:r>
+          </a:p>
+          <a:p>
+            <a:br>
+              <a:rPr lang="en-US" sz="1000" dirty="0">
+                <a:solidFill>
+                  <a:srgbClr val="000000"/>
+                </a:solidFill>
+                <a:latin typeface="Consolas" panose="020B0609020204030204" pitchFamily="49" charset="0"/>
+              </a:rPr>
+            </a:br>
+            <a:r>
+              <a:rPr lang="en-US" sz="1000" dirty="0">
+                <a:solidFill>
+                  <a:srgbClr val="000000"/>
+                </a:solidFill>
+                <a:latin typeface="Consolas" panose="020B0609020204030204" pitchFamily="49" charset="0"/>
+              </a:rPr>
+              <a:t>  </a:t>
+            </a:r>
+            <a:r>
+              <a:rPr lang="en-US" sz="1000" dirty="0">
+                <a:solidFill>
+                  <a:srgbClr val="0000FF"/>
+                </a:solidFill>
+                <a:latin typeface="Consolas" panose="020B0609020204030204" pitchFamily="49" charset="0"/>
+              </a:rPr>
+              <a:t>public</a:t>
+            </a:r>
+            <a:r>
+              <a:rPr lang="en-US" sz="1000" dirty="0">
+                <a:solidFill>
+                  <a:srgbClr val="000000"/>
+                </a:solidFill>
+                <a:latin typeface="Consolas" panose="020B0609020204030204" pitchFamily="49" charset="0"/>
+              </a:rPr>
+              <a:t> people: Array&lt;Item&gt;;</a:t>
+            </a:r>
+          </a:p>
+          <a:p>
+            <a:br>
+              <a:rPr lang="en-US" sz="1000" dirty="0">
+                <a:solidFill>
+                  <a:srgbClr val="000000"/>
+                </a:solidFill>
+                <a:latin typeface="Consolas" panose="020B0609020204030204" pitchFamily="49" charset="0"/>
+              </a:rPr>
+            </a:br>
+            <a:r>
+              <a:rPr lang="en-US" sz="1000" dirty="0">
+                <a:solidFill>
+                  <a:srgbClr val="000000"/>
+                </a:solidFill>
+                <a:latin typeface="Consolas" panose="020B0609020204030204" pitchFamily="49" charset="0"/>
+              </a:rPr>
+              <a:t>  </a:t>
+            </a:r>
+            <a:r>
+              <a:rPr lang="en-US" sz="1000" dirty="0">
+                <a:solidFill>
+                  <a:srgbClr val="0000FF"/>
+                </a:solidFill>
+                <a:latin typeface="Consolas" panose="020B0609020204030204" pitchFamily="49" charset="0"/>
+              </a:rPr>
+              <a:t>public</a:t>
+            </a:r>
+            <a:r>
+              <a:rPr lang="en-US" sz="1000" dirty="0">
+                <a:solidFill>
+                  <a:srgbClr val="000000"/>
+                </a:solidFill>
+                <a:latin typeface="Consolas" panose="020B0609020204030204" pitchFamily="49" charset="0"/>
+              </a:rPr>
+              <a:t> </a:t>
+            </a:r>
+            <a:r>
+              <a:rPr lang="en-US" sz="1000" dirty="0">
+                <a:solidFill>
+                  <a:srgbClr val="0000FF"/>
+                </a:solidFill>
+                <a:latin typeface="Consolas" panose="020B0609020204030204" pitchFamily="49" charset="0"/>
+              </a:rPr>
+              <a:t>constructor</a:t>
+            </a:r>
+            <a:r>
+              <a:rPr lang="en-US" sz="1000" dirty="0">
+                <a:solidFill>
+                  <a:srgbClr val="000000"/>
+                </a:solidFill>
+                <a:latin typeface="Consolas" panose="020B0609020204030204" pitchFamily="49" charset="0"/>
+              </a:rPr>
+              <a:t>(</a:t>
+            </a:r>
+            <a:r>
+              <a:rPr lang="en-US" sz="1000" dirty="0">
+                <a:solidFill>
+                  <a:srgbClr val="0000FF"/>
+                </a:solidFill>
+                <a:latin typeface="Consolas" panose="020B0609020204030204" pitchFamily="49" charset="0"/>
+              </a:rPr>
+              <a:t>private</a:t>
+            </a:r>
+            <a:r>
+              <a:rPr lang="en-US" sz="1000" dirty="0">
+                <a:solidFill>
+                  <a:srgbClr val="000000"/>
+                </a:solidFill>
+                <a:latin typeface="Consolas" panose="020B0609020204030204" pitchFamily="49" charset="0"/>
+              </a:rPr>
+              <a:t> http: </a:t>
+            </a:r>
+            <a:r>
+              <a:rPr lang="en-US" sz="1000" dirty="0" err="1">
+                <a:solidFill>
+                  <a:srgbClr val="000000"/>
+                </a:solidFill>
+                <a:latin typeface="Consolas" panose="020B0609020204030204" pitchFamily="49" charset="0"/>
+              </a:rPr>
+              <a:t>Httpy</a:t>
+            </a:r>
+            <a:r>
+              <a:rPr lang="en-US" sz="1000" dirty="0">
+                <a:solidFill>
+                  <a:srgbClr val="000000"/>
+                </a:solidFill>
+                <a:latin typeface="Consolas" panose="020B0609020204030204" pitchFamily="49" charset="0"/>
+              </a:rPr>
+              <a:t>) { </a:t>
+            </a:r>
+          </a:p>
+          <a:p>
+            <a:r>
+              <a:rPr lang="en-US" sz="1000" dirty="0">
+                <a:solidFill>
+                  <a:srgbClr val="000000"/>
+                </a:solidFill>
+                <a:latin typeface="Consolas" panose="020B0609020204030204" pitchFamily="49" charset="0"/>
+              </a:rPr>
+              <a:t>      </a:t>
+            </a:r>
+            <a:r>
+              <a:rPr lang="en-US" sz="1000" dirty="0" err="1">
+                <a:solidFill>
+                  <a:srgbClr val="0000FF"/>
+                </a:solidFill>
+                <a:latin typeface="Consolas" panose="020B0609020204030204" pitchFamily="49" charset="0"/>
+              </a:rPr>
+              <a:t>this</a:t>
+            </a:r>
+            <a:r>
+              <a:rPr lang="en-US" sz="1000" dirty="0" err="1">
+                <a:solidFill>
+                  <a:srgbClr val="000000"/>
+                </a:solidFill>
+                <a:latin typeface="Consolas" panose="020B0609020204030204" pitchFamily="49" charset="0"/>
+              </a:rPr>
+              <a:t>.people</a:t>
+            </a:r>
+            <a:r>
+              <a:rPr lang="en-US" sz="1000" dirty="0">
+                <a:solidFill>
+                  <a:srgbClr val="000000"/>
+                </a:solidFill>
+                <a:latin typeface="Consolas" panose="020B0609020204030204" pitchFamily="49" charset="0"/>
+              </a:rPr>
+              <a:t> = [];</a:t>
+            </a:r>
+          </a:p>
+          <a:p>
+            <a:r>
+              <a:rPr lang="en-US" sz="1000" dirty="0">
+                <a:solidFill>
+                  <a:srgbClr val="000000"/>
+                </a:solidFill>
+                <a:latin typeface="Consolas" panose="020B0609020204030204" pitchFamily="49" charset="0"/>
+              </a:rPr>
+              <a:t>  }</a:t>
+            </a:r>
+          </a:p>
+          <a:p>
+            <a:br>
+              <a:rPr lang="en-US" sz="1000" dirty="0">
+                <a:solidFill>
+                  <a:srgbClr val="000000"/>
+                </a:solidFill>
+                <a:latin typeface="Consolas" panose="020B0609020204030204" pitchFamily="49" charset="0"/>
+              </a:rPr>
+            </a:br>
+            <a:r>
+              <a:rPr lang="en-US" sz="1000" dirty="0">
+                <a:solidFill>
+                  <a:srgbClr val="000000"/>
+                </a:solidFill>
+                <a:latin typeface="Consolas" panose="020B0609020204030204" pitchFamily="49" charset="0"/>
+              </a:rPr>
+              <a:t>  </a:t>
+            </a:r>
+            <a:r>
+              <a:rPr lang="en-US" sz="1000" dirty="0">
+                <a:solidFill>
+                  <a:srgbClr val="0000FF"/>
+                </a:solidFill>
+                <a:latin typeface="Consolas" panose="020B0609020204030204" pitchFamily="49" charset="0"/>
+              </a:rPr>
+              <a:t>public</a:t>
+            </a:r>
+            <a:r>
+              <a:rPr lang="en-US" sz="1000" dirty="0">
+                <a:solidFill>
+                  <a:srgbClr val="000000"/>
+                </a:solidFill>
+                <a:latin typeface="Consolas" panose="020B0609020204030204" pitchFamily="49" charset="0"/>
+              </a:rPr>
+              <a:t> </a:t>
+            </a:r>
+            <a:r>
+              <a:rPr lang="en-US" sz="1000" dirty="0" err="1">
+                <a:solidFill>
+                  <a:srgbClr val="000000"/>
+                </a:solidFill>
+                <a:latin typeface="Consolas" panose="020B0609020204030204" pitchFamily="49" charset="0"/>
+              </a:rPr>
+              <a:t>ngOnInit</a:t>
+            </a:r>
+            <a:r>
+              <a:rPr lang="en-US" sz="1000" dirty="0">
+                <a:solidFill>
+                  <a:srgbClr val="000000"/>
+                </a:solidFill>
+                <a:latin typeface="Consolas" panose="020B0609020204030204" pitchFamily="49" charset="0"/>
+              </a:rPr>
+              <a:t>() {</a:t>
+            </a:r>
+          </a:p>
+          <a:p>
+            <a:r>
+              <a:rPr lang="en-US" sz="1000" dirty="0">
+                <a:solidFill>
+                  <a:srgbClr val="000000"/>
+                </a:solidFill>
+                <a:latin typeface="Consolas" panose="020B0609020204030204" pitchFamily="49" charset="0"/>
+              </a:rPr>
+              <a:t>    </a:t>
+            </a:r>
+            <a:r>
+              <a:rPr lang="en-US" sz="1000" dirty="0" err="1">
+                <a:solidFill>
+                  <a:srgbClr val="0000FF"/>
+                </a:solidFill>
+                <a:latin typeface="Consolas" panose="020B0609020204030204" pitchFamily="49" charset="0"/>
+              </a:rPr>
+              <a:t>this</a:t>
+            </a:r>
+            <a:r>
+              <a:rPr lang="en-US" sz="1000" dirty="0" err="1">
+                <a:solidFill>
+                  <a:srgbClr val="000000"/>
+                </a:solidFill>
+                <a:latin typeface="Consolas" panose="020B0609020204030204" pitchFamily="49" charset="0"/>
+              </a:rPr>
+              <a:t>.http.get</a:t>
+            </a:r>
+            <a:r>
+              <a:rPr lang="en-US" sz="1000" dirty="0">
+                <a:solidFill>
+                  <a:srgbClr val="000000"/>
+                </a:solidFill>
+                <a:latin typeface="Consolas" panose="020B0609020204030204" pitchFamily="49" charset="0"/>
+              </a:rPr>
+              <a:t>(</a:t>
+            </a:r>
+            <a:r>
+              <a:rPr lang="en-US" sz="1000" dirty="0">
+                <a:solidFill>
+                  <a:srgbClr val="A31515"/>
+                </a:solidFill>
+                <a:latin typeface="Consolas" panose="020B0609020204030204" pitchFamily="49" charset="0"/>
+              </a:rPr>
+              <a:t>"</a:t>
+            </a:r>
+            <a:r>
+              <a:rPr lang="en-US" sz="1000" dirty="0">
+                <a:solidFill>
+                  <a:srgbClr val="A31515"/>
+                </a:solidFill>
+                <a:latin typeface="Consolas" panose="020B0609020204030204" pitchFamily="49" charset="0"/>
+              </a:rPr>
+              <a:t>http://localhost/api/getAll"</a:t>
+            </a:r>
+            <a:r>
+              <a:rPr lang="en-US" sz="1000" dirty="0">
+                <a:solidFill>
+                  <a:srgbClr val="000000"/>
+                </a:solidFill>
+                <a:latin typeface="Consolas" panose="020B0609020204030204" pitchFamily="49" charset="0"/>
+              </a:rPr>
+              <a:t>)</a:t>
+            </a:r>
+          </a:p>
+          <a:p>
+            <a:r>
+              <a:rPr lang="en-US" sz="1000" dirty="0">
+                <a:solidFill>
+                  <a:srgbClr val="000000"/>
+                </a:solidFill>
+                <a:latin typeface="Consolas" panose="020B0609020204030204" pitchFamily="49" charset="0"/>
+              </a:rPr>
+              <a:t>      .map(result </a:t>
+            </a:r>
+            <a:r>
+              <a:rPr lang="en-US" sz="1000" dirty="0">
+                <a:solidFill>
+                  <a:srgbClr val="0000FF"/>
+                </a:solidFill>
+                <a:latin typeface="Consolas" panose="020B0609020204030204" pitchFamily="49" charset="0"/>
+              </a:rPr>
+              <a:t>=&gt;</a:t>
+            </a:r>
+            <a:r>
+              <a:rPr lang="en-US" sz="1000" dirty="0">
+                <a:solidFill>
+                  <a:srgbClr val="000000"/>
+                </a:solidFill>
+                <a:latin typeface="Consolas" panose="020B0609020204030204" pitchFamily="49" charset="0"/>
+              </a:rPr>
+              <a:t> </a:t>
+            </a:r>
+            <a:r>
+              <a:rPr lang="en-US" sz="1000" dirty="0" err="1">
+                <a:solidFill>
+                  <a:srgbClr val="000000"/>
+                </a:solidFill>
+                <a:latin typeface="Consolas" panose="020B0609020204030204" pitchFamily="49" charset="0"/>
+              </a:rPr>
+              <a:t>result.json</a:t>
+            </a:r>
+            <a:r>
+              <a:rPr lang="en-US" sz="1000" dirty="0">
+                <a:solidFill>
+                  <a:srgbClr val="000000"/>
+                </a:solidFill>
+                <a:latin typeface="Consolas" panose="020B0609020204030204" pitchFamily="49" charset="0"/>
+              </a:rPr>
+              <a:t>())</a:t>
+            </a:r>
+          </a:p>
+          <a:p>
+            <a:r>
+              <a:rPr lang="en-US" sz="1000" dirty="0">
+                <a:solidFill>
+                  <a:srgbClr val="000000"/>
+                </a:solidFill>
+                <a:latin typeface="Consolas" panose="020B0609020204030204" pitchFamily="49" charset="0"/>
+              </a:rPr>
+              <a:t>      .subscribe(results </a:t>
+            </a:r>
+            <a:r>
+              <a:rPr lang="en-US" sz="1000" dirty="0">
+                <a:solidFill>
+                  <a:srgbClr val="0000FF"/>
+                </a:solidFill>
+                <a:latin typeface="Consolas" panose="020B0609020204030204" pitchFamily="49" charset="0"/>
+              </a:rPr>
+              <a:t>=&gt;</a:t>
+            </a:r>
+            <a:r>
+              <a:rPr lang="en-US" sz="1000" dirty="0">
+                <a:solidFill>
+                  <a:srgbClr val="000000"/>
+                </a:solidFill>
+                <a:latin typeface="Consolas" panose="020B0609020204030204" pitchFamily="49" charset="0"/>
+              </a:rPr>
+              <a:t> {</a:t>
+            </a:r>
+          </a:p>
+          <a:p>
+            <a:r>
+              <a:rPr lang="en-US" sz="1000" dirty="0">
+                <a:solidFill>
+                  <a:srgbClr val="000000"/>
+                </a:solidFill>
+                <a:latin typeface="Consolas" panose="020B0609020204030204" pitchFamily="49" charset="0"/>
+              </a:rPr>
+              <a:t>          </a:t>
+            </a:r>
+            <a:r>
+              <a:rPr lang="en-US" sz="1000" dirty="0" err="1">
+                <a:solidFill>
+                  <a:srgbClr val="0000FF"/>
+                </a:solidFill>
+                <a:latin typeface="Consolas" panose="020B0609020204030204" pitchFamily="49" charset="0"/>
+              </a:rPr>
+              <a:t>this</a:t>
+            </a:r>
+            <a:r>
+              <a:rPr lang="en-US" sz="1000" dirty="0" err="1">
+                <a:solidFill>
+                  <a:srgbClr val="000000"/>
+                </a:solidFill>
+                <a:latin typeface="Consolas" panose="020B0609020204030204" pitchFamily="49" charset="0"/>
+              </a:rPr>
+              <a:t>.people</a:t>
+            </a:r>
+            <a:r>
+              <a:rPr lang="en-US" sz="1000" dirty="0">
+                <a:solidFill>
+                  <a:srgbClr val="000000"/>
+                </a:solidFill>
+                <a:latin typeface="Consolas" panose="020B0609020204030204" pitchFamily="49" charset="0"/>
+              </a:rPr>
+              <a:t> = results;</a:t>
+            </a:r>
+          </a:p>
+          <a:p>
+            <a:r>
+              <a:rPr lang="en-US" sz="1000" dirty="0">
+                <a:solidFill>
+                  <a:srgbClr val="000000"/>
+                </a:solidFill>
+                <a:latin typeface="Consolas" panose="020B0609020204030204" pitchFamily="49" charset="0"/>
+              </a:rPr>
+              <a:t>      }, error </a:t>
+            </a:r>
+            <a:r>
+              <a:rPr lang="en-US" sz="1000" dirty="0">
+                <a:solidFill>
+                  <a:srgbClr val="0000FF"/>
+                </a:solidFill>
+                <a:latin typeface="Consolas" panose="020B0609020204030204" pitchFamily="49" charset="0"/>
+              </a:rPr>
+              <a:t>=&gt;</a:t>
+            </a:r>
+            <a:r>
+              <a:rPr lang="en-US" sz="1000" dirty="0">
+                <a:solidFill>
+                  <a:srgbClr val="000000"/>
+                </a:solidFill>
+                <a:latin typeface="Consolas" panose="020B0609020204030204" pitchFamily="49" charset="0"/>
+              </a:rPr>
+              <a:t> {</a:t>
+            </a:r>
+          </a:p>
+          <a:p>
+            <a:r>
+              <a:rPr lang="en-US" sz="1000" dirty="0">
+                <a:solidFill>
+                  <a:srgbClr val="000000"/>
+                </a:solidFill>
+                <a:latin typeface="Consolas" panose="020B0609020204030204" pitchFamily="49" charset="0"/>
+              </a:rPr>
+              <a:t>          </a:t>
+            </a:r>
+            <a:r>
+              <a:rPr lang="en-US" sz="1000" dirty="0" err="1">
+                <a:solidFill>
+                  <a:srgbClr val="000000"/>
+                </a:solidFill>
+                <a:latin typeface="Consolas" panose="020B0609020204030204" pitchFamily="49" charset="0"/>
+              </a:rPr>
+              <a:t>console.error</a:t>
+            </a:r>
+            <a:r>
+              <a:rPr lang="en-US" sz="1000" dirty="0">
+                <a:solidFill>
+                  <a:srgbClr val="000000"/>
+                </a:solidFill>
+                <a:latin typeface="Consolas" panose="020B0609020204030204" pitchFamily="49" charset="0"/>
+              </a:rPr>
+              <a:t>(error);</a:t>
+            </a:r>
+          </a:p>
+          <a:p>
+            <a:r>
+              <a:rPr lang="en-US" sz="1000" dirty="0">
+                <a:solidFill>
+                  <a:srgbClr val="000000"/>
+                </a:solidFill>
+                <a:latin typeface="Consolas" panose="020B0609020204030204" pitchFamily="49" charset="0"/>
+              </a:rPr>
+              <a:t>      });</a:t>
+            </a:r>
+          </a:p>
+          <a:p>
+            <a:r>
+              <a:rPr lang="en-US" sz="1000" dirty="0">
+                <a:solidFill>
+                  <a:srgbClr val="000000"/>
+                </a:solidFill>
+                <a:latin typeface="Consolas" panose="020B0609020204030204" pitchFamily="49" charset="0"/>
+              </a:rPr>
+              <a:t>  }</a:t>
+            </a:r>
+          </a:p>
+          <a:p>
+            <a:r>
+              <a:rPr lang="en-US" sz="1000" dirty="0">
+                <a:solidFill>
+                  <a:srgbClr val="000000"/>
+                </a:solidFill>
+                <a:latin typeface="Consolas" panose="020B0609020204030204" pitchFamily="49" charset="0"/>
+              </a:rPr>
+              <a:t>}</a:t>
+            </a:r>
+          </a:p>
+          <a:p>
+            <a:br>
+              <a:rPr lang="en-US" sz="1000" dirty="0">
+                <a:solidFill>
+                  <a:srgbClr val="000000"/>
+                </a:solidFill>
+                <a:latin typeface="Consolas" panose="020B0609020204030204" pitchFamily="49" charset="0"/>
+              </a:rPr>
+            </a:br>
+            <a:endParaRPr lang="en-US" sz="1000" b="0" dirty="0">
+              <a:solidFill>
+                <a:srgbClr val="000000"/>
+              </a:solidFill>
+              <a:effectLst/>
+              <a:latin typeface="Consolas" panose="020B0609020204030204" pitchFamily="49" charset="0"/>
+            </a:endParaRPr>
           </a:p>
         </p:txBody>
       </p:sp>
     </p:spTree>
     <p:extLst>
       <p:ext uri="{BB962C8B-B14F-4D97-AF65-F5344CB8AC3E}">
-        <p14:creationId xmlns:p14="http://schemas.microsoft.com/office/powerpoint/2010/main" val="1029063382"/>
+        <p14:creationId xmlns:p14="http://schemas.microsoft.com/office/powerpoint/2010/main" val="2639323626"/>
       </p:ext>
     </p:extLst>
   </p:cSld>
@@ -7579,6 +11006,1543 @@
           <a:p>
             <a:r>
               <a:rPr lang="en-US" dirty="0"/>
+              <a:t>List Template</a:t>
+            </a:r>
+          </a:p>
+        </p:txBody>
+      </p:sp>
+      <p:sp>
+        <p:nvSpPr>
+          <p:cNvPr id="4" name="Rectangle 3"/>
+          <p:cNvSpPr/>
+          <p:nvPr/>
+        </p:nvSpPr>
+        <p:spPr>
+          <a:xfrm>
+            <a:off x="2212848" y="742682"/>
+            <a:ext cx="6473952" cy="4524315"/>
+          </a:xfrm>
+          <a:prstGeom prst="rect">
+            <a:avLst/>
+          </a:prstGeom>
+        </p:spPr>
+        <p:txBody>
+          <a:bodyPr wrap="square">
+            <a:spAutoFit/>
+          </a:bodyPr>
+          <a:lstStyle/>
+          <a:p>
+            <a:r>
+              <a:rPr lang="en-US" sz="1600" dirty="0">
+                <a:solidFill>
+                  <a:srgbClr val="800000"/>
+                </a:solidFill>
+                <a:latin typeface="Consolas" panose="020B0609020204030204" pitchFamily="49" charset="0"/>
+              </a:rPr>
+              <a:t>&lt;table</a:t>
+            </a:r>
+            <a:r>
+              <a:rPr lang="en-US" sz="1600" dirty="0">
+                <a:solidFill>
+                  <a:srgbClr val="000000"/>
+                </a:solidFill>
+                <a:latin typeface="Consolas" panose="020B0609020204030204" pitchFamily="49" charset="0"/>
+              </a:rPr>
+              <a:t> </a:t>
+            </a:r>
+            <a:r>
+              <a:rPr lang="en-US" sz="1600" dirty="0">
+                <a:solidFill>
+                  <a:srgbClr val="FF0000"/>
+                </a:solidFill>
+                <a:latin typeface="Consolas" panose="020B0609020204030204" pitchFamily="49" charset="0"/>
+              </a:rPr>
+              <a:t>class</a:t>
+            </a:r>
+            <a:r>
+              <a:rPr lang="en-US" sz="1600" dirty="0">
+                <a:solidFill>
+                  <a:srgbClr val="000000"/>
+                </a:solidFill>
+                <a:latin typeface="Consolas" panose="020B0609020204030204" pitchFamily="49" charset="0"/>
+              </a:rPr>
+              <a:t>=</a:t>
+            </a:r>
+            <a:r>
+              <a:rPr lang="en-US" sz="1600" dirty="0">
+                <a:solidFill>
+                  <a:srgbClr val="0000FF"/>
+                </a:solidFill>
+                <a:latin typeface="Consolas" panose="020B0609020204030204" pitchFamily="49" charset="0"/>
+              </a:rPr>
+              <a:t>"table table-striped"</a:t>
+            </a:r>
+            <a:r>
+              <a:rPr lang="en-US" sz="1600" dirty="0">
+                <a:solidFill>
+                  <a:srgbClr val="800000"/>
+                </a:solidFill>
+                <a:latin typeface="Consolas" panose="020B0609020204030204" pitchFamily="49" charset="0"/>
+              </a:rPr>
+              <a:t>&gt;</a:t>
+            </a:r>
+            <a:endParaRPr lang="en-US" sz="1600" dirty="0">
+              <a:solidFill>
+                <a:srgbClr val="000000"/>
+              </a:solidFill>
+              <a:latin typeface="Consolas" panose="020B0609020204030204" pitchFamily="49" charset="0"/>
+            </a:endParaRPr>
+          </a:p>
+          <a:p>
+            <a:r>
+              <a:rPr lang="en-US" sz="1600" dirty="0">
+                <a:solidFill>
+                  <a:srgbClr val="000000"/>
+                </a:solidFill>
+                <a:latin typeface="Consolas" panose="020B0609020204030204" pitchFamily="49" charset="0"/>
+              </a:rPr>
+              <a:t>    </a:t>
+            </a:r>
+            <a:r>
+              <a:rPr lang="en-US" sz="1600" dirty="0">
+                <a:solidFill>
+                  <a:srgbClr val="800000"/>
+                </a:solidFill>
+                <a:latin typeface="Consolas" panose="020B0609020204030204" pitchFamily="49" charset="0"/>
+              </a:rPr>
+              <a:t>&lt;</a:t>
+            </a:r>
+            <a:r>
+              <a:rPr lang="en-US" sz="1600" dirty="0" err="1">
+                <a:solidFill>
+                  <a:srgbClr val="800000"/>
+                </a:solidFill>
+                <a:latin typeface="Consolas" panose="020B0609020204030204" pitchFamily="49" charset="0"/>
+              </a:rPr>
+              <a:t>thead</a:t>
+            </a:r>
+            <a:r>
+              <a:rPr lang="en-US" sz="1600" dirty="0">
+                <a:solidFill>
+                  <a:srgbClr val="800000"/>
+                </a:solidFill>
+                <a:latin typeface="Consolas" panose="020B0609020204030204" pitchFamily="49" charset="0"/>
+              </a:rPr>
+              <a:t>&gt;</a:t>
+            </a:r>
+            <a:endParaRPr lang="en-US" sz="1600" dirty="0">
+              <a:solidFill>
+                <a:srgbClr val="000000"/>
+              </a:solidFill>
+              <a:latin typeface="Consolas" panose="020B0609020204030204" pitchFamily="49" charset="0"/>
+            </a:endParaRPr>
+          </a:p>
+          <a:p>
+            <a:r>
+              <a:rPr lang="en-US" sz="1600" dirty="0">
+                <a:solidFill>
+                  <a:srgbClr val="000000"/>
+                </a:solidFill>
+                <a:latin typeface="Consolas" panose="020B0609020204030204" pitchFamily="49" charset="0"/>
+              </a:rPr>
+              <a:t>        </a:t>
+            </a:r>
+            <a:r>
+              <a:rPr lang="en-US" sz="1600" dirty="0">
+                <a:solidFill>
+                  <a:srgbClr val="800000"/>
+                </a:solidFill>
+                <a:latin typeface="Consolas" panose="020B0609020204030204" pitchFamily="49" charset="0"/>
+              </a:rPr>
+              <a:t>&lt;</a:t>
+            </a:r>
+            <a:r>
+              <a:rPr lang="en-US" sz="1600" dirty="0" err="1">
+                <a:solidFill>
+                  <a:srgbClr val="800000"/>
+                </a:solidFill>
+                <a:latin typeface="Consolas" panose="020B0609020204030204" pitchFamily="49" charset="0"/>
+              </a:rPr>
+              <a:t>tr</a:t>
+            </a:r>
+            <a:r>
+              <a:rPr lang="en-US" sz="1600" dirty="0">
+                <a:solidFill>
+                  <a:srgbClr val="800000"/>
+                </a:solidFill>
+                <a:latin typeface="Consolas" panose="020B0609020204030204" pitchFamily="49" charset="0"/>
+              </a:rPr>
+              <a:t>&gt;</a:t>
+            </a:r>
+            <a:endParaRPr lang="en-US" sz="1600" dirty="0">
+              <a:solidFill>
+                <a:srgbClr val="000000"/>
+              </a:solidFill>
+              <a:latin typeface="Consolas" panose="020B0609020204030204" pitchFamily="49" charset="0"/>
+            </a:endParaRPr>
+          </a:p>
+          <a:p>
+            <a:r>
+              <a:rPr lang="en-US" sz="1600" dirty="0">
+                <a:solidFill>
+                  <a:srgbClr val="000000"/>
+                </a:solidFill>
+                <a:latin typeface="Consolas" panose="020B0609020204030204" pitchFamily="49" charset="0"/>
+              </a:rPr>
+              <a:t>            </a:t>
+            </a:r>
+            <a:r>
+              <a:rPr lang="en-US" sz="1600" dirty="0">
+                <a:solidFill>
+                  <a:srgbClr val="800000"/>
+                </a:solidFill>
+                <a:latin typeface="Consolas" panose="020B0609020204030204" pitchFamily="49" charset="0"/>
+              </a:rPr>
+              <a:t>&lt;</a:t>
+            </a:r>
+            <a:r>
+              <a:rPr lang="en-US" sz="1600" dirty="0" err="1">
+                <a:solidFill>
+                  <a:srgbClr val="800000"/>
+                </a:solidFill>
+                <a:latin typeface="Consolas" panose="020B0609020204030204" pitchFamily="49" charset="0"/>
+              </a:rPr>
+              <a:t>th</a:t>
+            </a:r>
+            <a:r>
+              <a:rPr lang="en-US" sz="1600" dirty="0">
+                <a:solidFill>
+                  <a:srgbClr val="800000"/>
+                </a:solidFill>
+                <a:latin typeface="Consolas" panose="020B0609020204030204" pitchFamily="49" charset="0"/>
+              </a:rPr>
+              <a:t>&gt;</a:t>
+            </a:r>
+            <a:r>
+              <a:rPr lang="en-US" sz="1600" dirty="0">
+                <a:solidFill>
+                  <a:srgbClr val="000000"/>
+                </a:solidFill>
+                <a:latin typeface="Consolas" panose="020B0609020204030204" pitchFamily="49" charset="0"/>
+              </a:rPr>
+              <a:t>First Name</a:t>
+            </a:r>
+            <a:r>
+              <a:rPr lang="en-US" sz="1600" dirty="0">
+                <a:solidFill>
+                  <a:srgbClr val="800000"/>
+                </a:solidFill>
+                <a:latin typeface="Consolas" panose="020B0609020204030204" pitchFamily="49" charset="0"/>
+              </a:rPr>
+              <a:t>&lt;/</a:t>
+            </a:r>
+            <a:r>
+              <a:rPr lang="en-US" sz="1600" dirty="0" err="1">
+                <a:solidFill>
+                  <a:srgbClr val="800000"/>
+                </a:solidFill>
+                <a:latin typeface="Consolas" panose="020B0609020204030204" pitchFamily="49" charset="0"/>
+              </a:rPr>
+              <a:t>th</a:t>
+            </a:r>
+            <a:r>
+              <a:rPr lang="en-US" sz="1600" dirty="0">
+                <a:solidFill>
+                  <a:srgbClr val="800000"/>
+                </a:solidFill>
+                <a:latin typeface="Consolas" panose="020B0609020204030204" pitchFamily="49" charset="0"/>
+              </a:rPr>
+              <a:t>&gt;</a:t>
+            </a:r>
+            <a:endParaRPr lang="en-US" sz="1600" dirty="0">
+              <a:solidFill>
+                <a:srgbClr val="000000"/>
+              </a:solidFill>
+              <a:latin typeface="Consolas" panose="020B0609020204030204" pitchFamily="49" charset="0"/>
+            </a:endParaRPr>
+          </a:p>
+          <a:p>
+            <a:r>
+              <a:rPr lang="en-US" sz="1600" dirty="0">
+                <a:solidFill>
+                  <a:srgbClr val="000000"/>
+                </a:solidFill>
+                <a:latin typeface="Consolas" panose="020B0609020204030204" pitchFamily="49" charset="0"/>
+              </a:rPr>
+              <a:t>            </a:t>
+            </a:r>
+            <a:r>
+              <a:rPr lang="en-US" sz="1600" dirty="0">
+                <a:solidFill>
+                  <a:srgbClr val="800000"/>
+                </a:solidFill>
+                <a:latin typeface="Consolas" panose="020B0609020204030204" pitchFamily="49" charset="0"/>
+              </a:rPr>
+              <a:t>&lt;</a:t>
+            </a:r>
+            <a:r>
+              <a:rPr lang="en-US" sz="1600" dirty="0" err="1">
+                <a:solidFill>
+                  <a:srgbClr val="800000"/>
+                </a:solidFill>
+                <a:latin typeface="Consolas" panose="020B0609020204030204" pitchFamily="49" charset="0"/>
+              </a:rPr>
+              <a:t>th</a:t>
+            </a:r>
+            <a:r>
+              <a:rPr lang="en-US" sz="1600" dirty="0">
+                <a:solidFill>
+                  <a:srgbClr val="800000"/>
+                </a:solidFill>
+                <a:latin typeface="Consolas" panose="020B0609020204030204" pitchFamily="49" charset="0"/>
+              </a:rPr>
+              <a:t>&gt;</a:t>
+            </a:r>
+            <a:r>
+              <a:rPr lang="en-US" sz="1600" dirty="0">
+                <a:solidFill>
+                  <a:srgbClr val="000000"/>
+                </a:solidFill>
+                <a:latin typeface="Consolas" panose="020B0609020204030204" pitchFamily="49" charset="0"/>
+              </a:rPr>
+              <a:t>Last Name</a:t>
+            </a:r>
+            <a:r>
+              <a:rPr lang="en-US" sz="1600" dirty="0">
+                <a:solidFill>
+                  <a:srgbClr val="800000"/>
+                </a:solidFill>
+                <a:latin typeface="Consolas" panose="020B0609020204030204" pitchFamily="49" charset="0"/>
+              </a:rPr>
+              <a:t>&lt;/</a:t>
+            </a:r>
+            <a:r>
+              <a:rPr lang="en-US" sz="1600" dirty="0" err="1">
+                <a:solidFill>
+                  <a:srgbClr val="800000"/>
+                </a:solidFill>
+                <a:latin typeface="Consolas" panose="020B0609020204030204" pitchFamily="49" charset="0"/>
+              </a:rPr>
+              <a:t>th</a:t>
+            </a:r>
+            <a:r>
+              <a:rPr lang="en-US" sz="1600" dirty="0">
+                <a:solidFill>
+                  <a:srgbClr val="800000"/>
+                </a:solidFill>
+                <a:latin typeface="Consolas" panose="020B0609020204030204" pitchFamily="49" charset="0"/>
+              </a:rPr>
+              <a:t>&gt;</a:t>
+            </a:r>
+            <a:endParaRPr lang="en-US" sz="1600" dirty="0">
+              <a:solidFill>
+                <a:srgbClr val="000000"/>
+              </a:solidFill>
+              <a:latin typeface="Consolas" panose="020B0609020204030204" pitchFamily="49" charset="0"/>
+            </a:endParaRPr>
+          </a:p>
+          <a:p>
+            <a:r>
+              <a:rPr lang="en-US" sz="1600" dirty="0">
+                <a:solidFill>
+                  <a:srgbClr val="000000"/>
+                </a:solidFill>
+                <a:latin typeface="Consolas" panose="020B0609020204030204" pitchFamily="49" charset="0"/>
+              </a:rPr>
+              <a:t>            </a:t>
+            </a:r>
+            <a:r>
+              <a:rPr lang="en-US" sz="1600" dirty="0">
+                <a:solidFill>
+                  <a:srgbClr val="800000"/>
+                </a:solidFill>
+                <a:latin typeface="Consolas" panose="020B0609020204030204" pitchFamily="49" charset="0"/>
+              </a:rPr>
+              <a:t>&lt;</a:t>
+            </a:r>
+            <a:r>
+              <a:rPr lang="en-US" sz="1600" dirty="0" err="1">
+                <a:solidFill>
+                  <a:srgbClr val="800000"/>
+                </a:solidFill>
+                <a:latin typeface="Consolas" panose="020B0609020204030204" pitchFamily="49" charset="0"/>
+              </a:rPr>
+              <a:t>th</a:t>
+            </a:r>
+            <a:r>
+              <a:rPr lang="en-US" sz="1600" dirty="0">
+                <a:solidFill>
+                  <a:srgbClr val="800000"/>
+                </a:solidFill>
+                <a:latin typeface="Consolas" panose="020B0609020204030204" pitchFamily="49" charset="0"/>
+              </a:rPr>
+              <a:t>&gt;</a:t>
+            </a:r>
+            <a:r>
+              <a:rPr lang="en-US" sz="1600" dirty="0">
+                <a:solidFill>
+                  <a:srgbClr val="000000"/>
+                </a:solidFill>
+                <a:latin typeface="Consolas" panose="020B0609020204030204" pitchFamily="49" charset="0"/>
+              </a:rPr>
+              <a:t>Email</a:t>
+            </a:r>
+            <a:r>
+              <a:rPr lang="en-US" sz="1600" dirty="0">
+                <a:solidFill>
+                  <a:srgbClr val="800000"/>
+                </a:solidFill>
+                <a:latin typeface="Consolas" panose="020B0609020204030204" pitchFamily="49" charset="0"/>
+              </a:rPr>
+              <a:t>&lt;/</a:t>
+            </a:r>
+            <a:r>
+              <a:rPr lang="en-US" sz="1600" dirty="0" err="1">
+                <a:solidFill>
+                  <a:srgbClr val="800000"/>
+                </a:solidFill>
+                <a:latin typeface="Consolas" panose="020B0609020204030204" pitchFamily="49" charset="0"/>
+              </a:rPr>
+              <a:t>th</a:t>
+            </a:r>
+            <a:r>
+              <a:rPr lang="en-US" sz="1600" dirty="0">
+                <a:solidFill>
+                  <a:srgbClr val="800000"/>
+                </a:solidFill>
+                <a:latin typeface="Consolas" panose="020B0609020204030204" pitchFamily="49" charset="0"/>
+              </a:rPr>
+              <a:t>&gt;</a:t>
+            </a:r>
+            <a:endParaRPr lang="en-US" sz="1600" dirty="0">
+              <a:solidFill>
+                <a:srgbClr val="000000"/>
+              </a:solidFill>
+              <a:latin typeface="Consolas" panose="020B0609020204030204" pitchFamily="49" charset="0"/>
+            </a:endParaRPr>
+          </a:p>
+          <a:p>
+            <a:r>
+              <a:rPr lang="en-US" sz="1600" dirty="0">
+                <a:solidFill>
+                  <a:srgbClr val="000000"/>
+                </a:solidFill>
+                <a:latin typeface="Consolas" panose="020B0609020204030204" pitchFamily="49" charset="0"/>
+              </a:rPr>
+              <a:t>        </a:t>
+            </a:r>
+            <a:r>
+              <a:rPr lang="en-US" sz="1600" dirty="0">
+                <a:solidFill>
+                  <a:srgbClr val="800000"/>
+                </a:solidFill>
+                <a:latin typeface="Consolas" panose="020B0609020204030204" pitchFamily="49" charset="0"/>
+              </a:rPr>
+              <a:t>&lt;/</a:t>
+            </a:r>
+            <a:r>
+              <a:rPr lang="en-US" sz="1600" dirty="0" err="1">
+                <a:solidFill>
+                  <a:srgbClr val="800000"/>
+                </a:solidFill>
+                <a:latin typeface="Consolas" panose="020B0609020204030204" pitchFamily="49" charset="0"/>
+              </a:rPr>
+              <a:t>tr</a:t>
+            </a:r>
+            <a:r>
+              <a:rPr lang="en-US" sz="1600" dirty="0">
+                <a:solidFill>
+                  <a:srgbClr val="800000"/>
+                </a:solidFill>
+                <a:latin typeface="Consolas" panose="020B0609020204030204" pitchFamily="49" charset="0"/>
+              </a:rPr>
+              <a:t>&gt;</a:t>
+            </a:r>
+            <a:endParaRPr lang="en-US" sz="1600" dirty="0">
+              <a:solidFill>
+                <a:srgbClr val="000000"/>
+              </a:solidFill>
+              <a:latin typeface="Consolas" panose="020B0609020204030204" pitchFamily="49" charset="0"/>
+            </a:endParaRPr>
+          </a:p>
+          <a:p>
+            <a:r>
+              <a:rPr lang="en-US" sz="1600" dirty="0">
+                <a:solidFill>
+                  <a:srgbClr val="000000"/>
+                </a:solidFill>
+                <a:latin typeface="Consolas" panose="020B0609020204030204" pitchFamily="49" charset="0"/>
+              </a:rPr>
+              <a:t>    </a:t>
+            </a:r>
+            <a:r>
+              <a:rPr lang="en-US" sz="1600" dirty="0">
+                <a:solidFill>
+                  <a:srgbClr val="800000"/>
+                </a:solidFill>
+                <a:latin typeface="Consolas" panose="020B0609020204030204" pitchFamily="49" charset="0"/>
+              </a:rPr>
+              <a:t>&lt;/</a:t>
+            </a:r>
+            <a:r>
+              <a:rPr lang="en-US" sz="1600" dirty="0" err="1">
+                <a:solidFill>
+                  <a:srgbClr val="800000"/>
+                </a:solidFill>
+                <a:latin typeface="Consolas" panose="020B0609020204030204" pitchFamily="49" charset="0"/>
+              </a:rPr>
+              <a:t>thead</a:t>
+            </a:r>
+            <a:r>
+              <a:rPr lang="en-US" sz="1600" dirty="0">
+                <a:solidFill>
+                  <a:srgbClr val="800000"/>
+                </a:solidFill>
+                <a:latin typeface="Consolas" panose="020B0609020204030204" pitchFamily="49" charset="0"/>
+              </a:rPr>
+              <a:t>&gt;</a:t>
+            </a:r>
+            <a:endParaRPr lang="en-US" sz="1600" dirty="0">
+              <a:solidFill>
+                <a:srgbClr val="000000"/>
+              </a:solidFill>
+              <a:latin typeface="Consolas" panose="020B0609020204030204" pitchFamily="49" charset="0"/>
+            </a:endParaRPr>
+          </a:p>
+          <a:p>
+            <a:r>
+              <a:rPr lang="en-US" sz="1600" dirty="0">
+                <a:solidFill>
+                  <a:srgbClr val="000000"/>
+                </a:solidFill>
+                <a:latin typeface="Consolas" panose="020B0609020204030204" pitchFamily="49" charset="0"/>
+              </a:rPr>
+              <a:t>    </a:t>
+            </a:r>
+            <a:r>
+              <a:rPr lang="en-US" sz="1600" dirty="0">
+                <a:solidFill>
+                  <a:srgbClr val="800000"/>
+                </a:solidFill>
+                <a:latin typeface="Consolas" panose="020B0609020204030204" pitchFamily="49" charset="0"/>
+              </a:rPr>
+              <a:t>&lt;</a:t>
+            </a:r>
+            <a:r>
+              <a:rPr lang="en-US" sz="1600" dirty="0" err="1">
+                <a:solidFill>
+                  <a:srgbClr val="800000"/>
+                </a:solidFill>
+                <a:latin typeface="Consolas" panose="020B0609020204030204" pitchFamily="49" charset="0"/>
+              </a:rPr>
+              <a:t>tbody</a:t>
+            </a:r>
+            <a:r>
+              <a:rPr lang="en-US" sz="1600" dirty="0">
+                <a:solidFill>
+                  <a:srgbClr val="800000"/>
+                </a:solidFill>
+                <a:latin typeface="Consolas" panose="020B0609020204030204" pitchFamily="49" charset="0"/>
+              </a:rPr>
+              <a:t>&gt;</a:t>
+            </a:r>
+            <a:endParaRPr lang="en-US" sz="1600" dirty="0">
+              <a:solidFill>
+                <a:srgbClr val="000000"/>
+              </a:solidFill>
+              <a:latin typeface="Consolas" panose="020B0609020204030204" pitchFamily="49" charset="0"/>
+            </a:endParaRPr>
+          </a:p>
+          <a:p>
+            <a:r>
+              <a:rPr lang="en-US" sz="1600" dirty="0">
+                <a:solidFill>
+                  <a:srgbClr val="000000"/>
+                </a:solidFill>
+                <a:latin typeface="Consolas" panose="020B0609020204030204" pitchFamily="49" charset="0"/>
+              </a:rPr>
+              <a:t>        </a:t>
+            </a:r>
+            <a:r>
+              <a:rPr lang="en-US" sz="1600" dirty="0">
+                <a:solidFill>
+                  <a:srgbClr val="800000"/>
+                </a:solidFill>
+                <a:latin typeface="Consolas" panose="020B0609020204030204" pitchFamily="49" charset="0"/>
+              </a:rPr>
+              <a:t>&lt;</a:t>
+            </a:r>
+            <a:r>
+              <a:rPr lang="en-US" sz="1600" dirty="0" err="1">
+                <a:solidFill>
+                  <a:srgbClr val="800000"/>
+                </a:solidFill>
+                <a:latin typeface="Consolas" panose="020B0609020204030204" pitchFamily="49" charset="0"/>
+              </a:rPr>
+              <a:t>tr</a:t>
+            </a:r>
+            <a:r>
+              <a:rPr lang="en-US" sz="1600" dirty="0">
+                <a:solidFill>
+                  <a:srgbClr val="000000"/>
+                </a:solidFill>
+                <a:latin typeface="Consolas" panose="020B0609020204030204" pitchFamily="49" charset="0"/>
+              </a:rPr>
+              <a:t> *</a:t>
+            </a:r>
+            <a:r>
+              <a:rPr lang="en-US" sz="1600" dirty="0" err="1">
+                <a:solidFill>
+                  <a:srgbClr val="FF0000"/>
+                </a:solidFill>
+                <a:latin typeface="Consolas" panose="020B0609020204030204" pitchFamily="49" charset="0"/>
+              </a:rPr>
+              <a:t>ngFor</a:t>
+            </a:r>
+            <a:r>
+              <a:rPr lang="en-US" sz="1600" dirty="0">
+                <a:solidFill>
+                  <a:srgbClr val="000000"/>
+                </a:solidFill>
+                <a:latin typeface="Consolas" panose="020B0609020204030204" pitchFamily="49" charset="0"/>
+              </a:rPr>
+              <a:t>=</a:t>
+            </a:r>
+            <a:r>
+              <a:rPr lang="en-US" sz="1600" dirty="0">
+                <a:solidFill>
+                  <a:srgbClr val="0000FF"/>
+                </a:solidFill>
+                <a:latin typeface="Consolas" panose="020B0609020204030204" pitchFamily="49" charset="0"/>
+              </a:rPr>
+              <a:t>"let person of people"</a:t>
+            </a:r>
+            <a:r>
+              <a:rPr lang="en-US" sz="1600" dirty="0">
+                <a:solidFill>
+                  <a:srgbClr val="800000"/>
+                </a:solidFill>
+                <a:latin typeface="Consolas" panose="020B0609020204030204" pitchFamily="49" charset="0"/>
+              </a:rPr>
+              <a:t>&gt;</a:t>
+            </a:r>
+            <a:endParaRPr lang="en-US" sz="1600" dirty="0">
+              <a:solidFill>
+                <a:srgbClr val="000000"/>
+              </a:solidFill>
+              <a:latin typeface="Consolas" panose="020B0609020204030204" pitchFamily="49" charset="0"/>
+            </a:endParaRPr>
+          </a:p>
+          <a:p>
+            <a:r>
+              <a:rPr lang="en-US" sz="1600" dirty="0">
+                <a:solidFill>
+                  <a:srgbClr val="000000"/>
+                </a:solidFill>
+                <a:latin typeface="Consolas" panose="020B0609020204030204" pitchFamily="49" charset="0"/>
+              </a:rPr>
+              <a:t>            </a:t>
+            </a:r>
+            <a:r>
+              <a:rPr lang="en-US" sz="1600" dirty="0">
+                <a:solidFill>
+                  <a:srgbClr val="800000"/>
+                </a:solidFill>
+                <a:latin typeface="Consolas" panose="020B0609020204030204" pitchFamily="49" charset="0"/>
+              </a:rPr>
+              <a:t>&lt;td&gt;</a:t>
+            </a:r>
+            <a:r>
+              <a:rPr lang="en-US" sz="1600" dirty="0">
+                <a:solidFill>
+                  <a:srgbClr val="000000"/>
+                </a:solidFill>
+                <a:latin typeface="Consolas" panose="020B0609020204030204" pitchFamily="49" charset="0"/>
+              </a:rPr>
+              <a:t>{{</a:t>
+            </a:r>
+            <a:r>
+              <a:rPr lang="en-US" sz="1600" dirty="0" err="1">
+                <a:solidFill>
+                  <a:srgbClr val="000000"/>
+                </a:solidFill>
+                <a:latin typeface="Consolas" panose="020B0609020204030204" pitchFamily="49" charset="0"/>
+              </a:rPr>
+              <a:t>person.FirstName</a:t>
+            </a:r>
+            <a:r>
+              <a:rPr lang="en-US" sz="1600" dirty="0">
+                <a:solidFill>
+                  <a:srgbClr val="000000"/>
+                </a:solidFill>
+                <a:latin typeface="Consolas" panose="020B0609020204030204" pitchFamily="49" charset="0"/>
+              </a:rPr>
+              <a:t>}}</a:t>
+            </a:r>
+            <a:r>
+              <a:rPr lang="en-US" sz="1600" dirty="0">
+                <a:solidFill>
+                  <a:srgbClr val="800000"/>
+                </a:solidFill>
+                <a:latin typeface="Consolas" panose="020B0609020204030204" pitchFamily="49" charset="0"/>
+              </a:rPr>
+              <a:t>&lt;/td&gt;</a:t>
+            </a:r>
+            <a:endParaRPr lang="en-US" sz="1600" dirty="0">
+              <a:solidFill>
+                <a:srgbClr val="000000"/>
+              </a:solidFill>
+              <a:latin typeface="Consolas" panose="020B0609020204030204" pitchFamily="49" charset="0"/>
+            </a:endParaRPr>
+          </a:p>
+          <a:p>
+            <a:r>
+              <a:rPr lang="en-US" sz="1600" dirty="0">
+                <a:solidFill>
+                  <a:srgbClr val="000000"/>
+                </a:solidFill>
+                <a:latin typeface="Consolas" panose="020B0609020204030204" pitchFamily="49" charset="0"/>
+              </a:rPr>
+              <a:t>            </a:t>
+            </a:r>
+            <a:r>
+              <a:rPr lang="en-US" sz="1600" dirty="0">
+                <a:solidFill>
+                  <a:srgbClr val="800000"/>
+                </a:solidFill>
+                <a:latin typeface="Consolas" panose="020B0609020204030204" pitchFamily="49" charset="0"/>
+              </a:rPr>
+              <a:t>&lt;td&gt;</a:t>
+            </a:r>
+            <a:r>
+              <a:rPr lang="en-US" sz="1600" dirty="0">
+                <a:solidFill>
+                  <a:srgbClr val="000000"/>
+                </a:solidFill>
+                <a:latin typeface="Consolas" panose="020B0609020204030204" pitchFamily="49" charset="0"/>
+              </a:rPr>
+              <a:t>{{</a:t>
+            </a:r>
+            <a:r>
+              <a:rPr lang="en-US" sz="1600" dirty="0" err="1">
+                <a:solidFill>
+                  <a:srgbClr val="000000"/>
+                </a:solidFill>
+                <a:latin typeface="Consolas" panose="020B0609020204030204" pitchFamily="49" charset="0"/>
+              </a:rPr>
+              <a:t>person.LastName</a:t>
+            </a:r>
+            <a:r>
+              <a:rPr lang="en-US" sz="1600" dirty="0">
+                <a:solidFill>
+                  <a:srgbClr val="000000"/>
+                </a:solidFill>
+                <a:latin typeface="Consolas" panose="020B0609020204030204" pitchFamily="49" charset="0"/>
+              </a:rPr>
+              <a:t>}}</a:t>
+            </a:r>
+            <a:r>
+              <a:rPr lang="en-US" sz="1600" dirty="0">
+                <a:solidFill>
+                  <a:srgbClr val="800000"/>
+                </a:solidFill>
+                <a:latin typeface="Consolas" panose="020B0609020204030204" pitchFamily="49" charset="0"/>
+              </a:rPr>
+              <a:t>&lt;/td&gt;</a:t>
+            </a:r>
+            <a:endParaRPr lang="en-US" sz="1600" dirty="0">
+              <a:solidFill>
+                <a:srgbClr val="000000"/>
+              </a:solidFill>
+              <a:latin typeface="Consolas" panose="020B0609020204030204" pitchFamily="49" charset="0"/>
+            </a:endParaRPr>
+          </a:p>
+          <a:p>
+            <a:r>
+              <a:rPr lang="en-US" sz="1600" dirty="0">
+                <a:solidFill>
+                  <a:srgbClr val="000000"/>
+                </a:solidFill>
+                <a:latin typeface="Consolas" panose="020B0609020204030204" pitchFamily="49" charset="0"/>
+              </a:rPr>
+              <a:t>            </a:t>
+            </a:r>
+            <a:r>
+              <a:rPr lang="en-US" sz="1600" dirty="0">
+                <a:solidFill>
+                  <a:srgbClr val="800000"/>
+                </a:solidFill>
+                <a:latin typeface="Consolas" panose="020B0609020204030204" pitchFamily="49" charset="0"/>
+              </a:rPr>
+              <a:t>&lt;td&gt;</a:t>
+            </a:r>
+            <a:r>
+              <a:rPr lang="en-US" sz="1600" dirty="0">
+                <a:solidFill>
+                  <a:srgbClr val="000000"/>
+                </a:solidFill>
+                <a:latin typeface="Consolas" panose="020B0609020204030204" pitchFamily="49" charset="0"/>
+              </a:rPr>
+              <a:t>{{</a:t>
+            </a:r>
+            <a:r>
+              <a:rPr lang="en-US" sz="1600" dirty="0" err="1">
+                <a:solidFill>
+                  <a:srgbClr val="000000"/>
+                </a:solidFill>
+                <a:latin typeface="Consolas" panose="020B0609020204030204" pitchFamily="49" charset="0"/>
+              </a:rPr>
+              <a:t>person.Email</a:t>
+            </a:r>
+            <a:r>
+              <a:rPr lang="en-US" sz="1600" dirty="0">
+                <a:solidFill>
+                  <a:srgbClr val="000000"/>
+                </a:solidFill>
+                <a:latin typeface="Consolas" panose="020B0609020204030204" pitchFamily="49" charset="0"/>
+              </a:rPr>
+              <a:t>}}</a:t>
+            </a:r>
+            <a:r>
+              <a:rPr lang="en-US" sz="1600" dirty="0">
+                <a:solidFill>
+                  <a:srgbClr val="800000"/>
+                </a:solidFill>
+                <a:latin typeface="Consolas" panose="020B0609020204030204" pitchFamily="49" charset="0"/>
+              </a:rPr>
+              <a:t>&lt;/td&gt;</a:t>
+            </a:r>
+            <a:endParaRPr lang="en-US" sz="1600" dirty="0">
+              <a:solidFill>
+                <a:srgbClr val="000000"/>
+              </a:solidFill>
+              <a:latin typeface="Consolas" panose="020B0609020204030204" pitchFamily="49" charset="0"/>
+            </a:endParaRPr>
+          </a:p>
+          <a:p>
+            <a:r>
+              <a:rPr lang="en-US" sz="1600" dirty="0">
+                <a:solidFill>
+                  <a:srgbClr val="000000"/>
+                </a:solidFill>
+                <a:latin typeface="Consolas" panose="020B0609020204030204" pitchFamily="49" charset="0"/>
+              </a:rPr>
+              <a:t>        </a:t>
+            </a:r>
+            <a:r>
+              <a:rPr lang="en-US" sz="1600" dirty="0">
+                <a:solidFill>
+                  <a:srgbClr val="800000"/>
+                </a:solidFill>
+                <a:latin typeface="Consolas" panose="020B0609020204030204" pitchFamily="49" charset="0"/>
+              </a:rPr>
+              <a:t>&lt;/</a:t>
+            </a:r>
+            <a:r>
+              <a:rPr lang="en-US" sz="1600" dirty="0" err="1">
+                <a:solidFill>
+                  <a:srgbClr val="800000"/>
+                </a:solidFill>
+                <a:latin typeface="Consolas" panose="020B0609020204030204" pitchFamily="49" charset="0"/>
+              </a:rPr>
+              <a:t>tr</a:t>
+            </a:r>
+            <a:r>
+              <a:rPr lang="en-US" sz="1600" dirty="0">
+                <a:solidFill>
+                  <a:srgbClr val="800000"/>
+                </a:solidFill>
+                <a:latin typeface="Consolas" panose="020B0609020204030204" pitchFamily="49" charset="0"/>
+              </a:rPr>
+              <a:t>&gt;</a:t>
+            </a:r>
+            <a:endParaRPr lang="en-US" sz="1600" dirty="0">
+              <a:solidFill>
+                <a:srgbClr val="000000"/>
+              </a:solidFill>
+              <a:latin typeface="Consolas" panose="020B0609020204030204" pitchFamily="49" charset="0"/>
+            </a:endParaRPr>
+          </a:p>
+          <a:p>
+            <a:r>
+              <a:rPr lang="en-US" sz="1600" dirty="0">
+                <a:solidFill>
+                  <a:srgbClr val="000000"/>
+                </a:solidFill>
+                <a:latin typeface="Consolas" panose="020B0609020204030204" pitchFamily="49" charset="0"/>
+              </a:rPr>
+              <a:t>    </a:t>
+            </a:r>
+            <a:r>
+              <a:rPr lang="en-US" sz="1600" dirty="0">
+                <a:solidFill>
+                  <a:srgbClr val="800000"/>
+                </a:solidFill>
+                <a:latin typeface="Consolas" panose="020B0609020204030204" pitchFamily="49" charset="0"/>
+              </a:rPr>
+              <a:t>&lt;/</a:t>
+            </a:r>
+            <a:r>
+              <a:rPr lang="en-US" sz="1600" dirty="0" err="1">
+                <a:solidFill>
+                  <a:srgbClr val="800000"/>
+                </a:solidFill>
+                <a:latin typeface="Consolas" panose="020B0609020204030204" pitchFamily="49" charset="0"/>
+              </a:rPr>
+              <a:t>tbody</a:t>
+            </a:r>
+            <a:r>
+              <a:rPr lang="en-US" sz="1600" dirty="0">
+                <a:solidFill>
+                  <a:srgbClr val="800000"/>
+                </a:solidFill>
+                <a:latin typeface="Consolas" panose="020B0609020204030204" pitchFamily="49" charset="0"/>
+              </a:rPr>
+              <a:t>&gt;</a:t>
+            </a:r>
+            <a:endParaRPr lang="en-US" sz="1600" dirty="0">
+              <a:solidFill>
+                <a:srgbClr val="000000"/>
+              </a:solidFill>
+              <a:latin typeface="Consolas" panose="020B0609020204030204" pitchFamily="49" charset="0"/>
+            </a:endParaRPr>
+          </a:p>
+          <a:p>
+            <a:r>
+              <a:rPr lang="en-US" sz="1600" dirty="0">
+                <a:solidFill>
+                  <a:srgbClr val="800000"/>
+                </a:solidFill>
+                <a:latin typeface="Consolas" panose="020B0609020204030204" pitchFamily="49" charset="0"/>
+              </a:rPr>
+              <a:t>&lt;/table&gt;</a:t>
+            </a:r>
+            <a:endParaRPr lang="en-US" sz="1600" dirty="0">
+              <a:solidFill>
+                <a:srgbClr val="000000"/>
+              </a:solidFill>
+              <a:latin typeface="Consolas" panose="020B0609020204030204" pitchFamily="49" charset="0"/>
+            </a:endParaRPr>
+          </a:p>
+          <a:p>
+            <a:br>
+              <a:rPr lang="en-US" sz="1600" dirty="0">
+                <a:solidFill>
+                  <a:srgbClr val="000000"/>
+                </a:solidFill>
+                <a:latin typeface="Consolas" panose="020B0609020204030204" pitchFamily="49" charset="0"/>
+              </a:rPr>
+            </a:br>
+            <a:endParaRPr lang="en-US" sz="1600" b="0" dirty="0">
+              <a:solidFill>
+                <a:srgbClr val="000000"/>
+              </a:solidFill>
+              <a:effectLst/>
+              <a:latin typeface="Consolas" panose="020B0609020204030204" pitchFamily="49" charset="0"/>
+            </a:endParaRPr>
+          </a:p>
+        </p:txBody>
+      </p:sp>
+    </p:spTree>
+    <p:extLst>
+      <p:ext uri="{BB962C8B-B14F-4D97-AF65-F5344CB8AC3E}">
+        <p14:creationId xmlns:p14="http://schemas.microsoft.com/office/powerpoint/2010/main" val="2558121404"/>
+      </p:ext>
+    </p:extLst>
+  </p:cSld>
+  <p:clrMapOvr>
+    <a:masterClrMapping/>
+  </p:clrMapOvr>
+</p:sld>
+</file>
+
+<file path=ppt/slides/slide14.xml><?xml version="1.0" encoding="utf-8"?>
+<p:sld xmlns:a="http://schemas.openxmlformats.org/drawingml/2006/main" xmlns:r="http://schemas.openxmlformats.org/officeDocument/2006/relationships" xmlns:p="http://schemas.openxmlformats.org/presentationml/2006/main">
+  <p:cSld>
+    <p:spTree>
+      <p:nvGrpSpPr>
+        <p:cNvPr id="1" name=""/>
+        <p:cNvGrpSpPr/>
+        <p:nvPr/>
+      </p:nvGrpSpPr>
+      <p:grpSpPr>
+        <a:xfrm>
+          <a:off x="0" y="0"/>
+          <a:ext cx="0" cy="0"/>
+          <a:chOff x="0" y="0"/>
+          <a:chExt cx="0" cy="0"/>
+        </a:xfrm>
+      </p:grpSpPr>
+      <p:sp>
+        <p:nvSpPr>
+          <p:cNvPr id="2" name="Title 1"/>
+          <p:cNvSpPr>
+            <a:spLocks noGrp="1"/>
+          </p:cNvSpPr>
+          <p:nvPr>
+            <p:ph type="title"/>
+          </p:nvPr>
+        </p:nvSpPr>
+        <p:spPr/>
+        <p:txBody>
+          <a:bodyPr/>
+          <a:lstStyle/>
+          <a:p>
+            <a:r>
+              <a:rPr lang="en-US" dirty="0"/>
+              <a:t>Events</a:t>
+            </a:r>
+          </a:p>
+        </p:txBody>
+      </p:sp>
+      <p:sp>
+        <p:nvSpPr>
+          <p:cNvPr id="4" name="Rectangle 3"/>
+          <p:cNvSpPr/>
+          <p:nvPr/>
+        </p:nvSpPr>
+        <p:spPr>
+          <a:xfrm>
+            <a:off x="356616" y="2248585"/>
+            <a:ext cx="8622792" cy="369332"/>
+          </a:xfrm>
+          <a:prstGeom prst="rect">
+            <a:avLst/>
+          </a:prstGeom>
+        </p:spPr>
+        <p:txBody>
+          <a:bodyPr wrap="square">
+            <a:spAutoFit/>
+          </a:bodyPr>
+          <a:lstStyle/>
+          <a:p>
+            <a:r>
+              <a:rPr lang="it-IT" dirty="0">
+                <a:solidFill>
+                  <a:srgbClr val="800000"/>
+                </a:solidFill>
+                <a:latin typeface="Consolas" panose="020B0609020204030204" pitchFamily="49" charset="0"/>
+              </a:rPr>
+              <a:t>&lt;a</a:t>
+            </a:r>
+            <a:r>
+              <a:rPr lang="it-IT" dirty="0">
+                <a:solidFill>
+                  <a:srgbClr val="000000"/>
+                </a:solidFill>
+                <a:latin typeface="Consolas" panose="020B0609020204030204" pitchFamily="49" charset="0"/>
+              </a:rPr>
+              <a:t> </a:t>
+            </a:r>
+            <a:r>
+              <a:rPr lang="it-IT" dirty="0">
+                <a:solidFill>
+                  <a:srgbClr val="FF0000"/>
+                </a:solidFill>
+                <a:latin typeface="Consolas" panose="020B0609020204030204" pitchFamily="49" charset="0"/>
+              </a:rPr>
+              <a:t>href</a:t>
+            </a:r>
+            <a:r>
+              <a:rPr lang="it-IT" dirty="0">
+                <a:solidFill>
+                  <a:srgbClr val="000000"/>
+                </a:solidFill>
+                <a:latin typeface="Consolas" panose="020B0609020204030204" pitchFamily="49" charset="0"/>
+              </a:rPr>
+              <a:t>=</a:t>
+            </a:r>
+            <a:r>
+              <a:rPr lang="it-IT" dirty="0">
+                <a:solidFill>
+                  <a:srgbClr val="0000FF"/>
+                </a:solidFill>
+                <a:latin typeface="Consolas" panose="020B0609020204030204" pitchFamily="49" charset="0"/>
+              </a:rPr>
+              <a:t>"#"</a:t>
+            </a:r>
+            <a:r>
+              <a:rPr lang="it-IT" dirty="0">
+                <a:solidFill>
+                  <a:srgbClr val="000000"/>
+                </a:solidFill>
+                <a:latin typeface="Consolas" panose="020B0609020204030204" pitchFamily="49" charset="0"/>
+              </a:rPr>
+              <a:t> (</a:t>
+            </a:r>
+            <a:r>
+              <a:rPr lang="it-IT" dirty="0">
+                <a:solidFill>
+                  <a:srgbClr val="FF0000"/>
+                </a:solidFill>
+                <a:latin typeface="Consolas" panose="020B0609020204030204" pitchFamily="49" charset="0"/>
+              </a:rPr>
+              <a:t>click</a:t>
+            </a:r>
+            <a:r>
+              <a:rPr lang="it-IT" dirty="0">
+                <a:solidFill>
+                  <a:srgbClr val="000000"/>
+                </a:solidFill>
+                <a:latin typeface="Consolas" panose="020B0609020204030204" pitchFamily="49" charset="0"/>
+              </a:rPr>
+              <a:t>)=</a:t>
+            </a:r>
+            <a:r>
+              <a:rPr lang="it-IT" dirty="0">
+                <a:solidFill>
+                  <a:srgbClr val="0000FF"/>
+                </a:solidFill>
+                <a:latin typeface="Consolas" panose="020B0609020204030204" pitchFamily="49" charset="0"/>
+              </a:rPr>
+              <a:t>"bar("parameter1","etc")"</a:t>
+            </a:r>
+            <a:r>
+              <a:rPr lang="it-IT" dirty="0">
+                <a:solidFill>
+                  <a:srgbClr val="800000"/>
+                </a:solidFill>
+                <a:latin typeface="Consolas" panose="020B0609020204030204" pitchFamily="49" charset="0"/>
+              </a:rPr>
+              <a:t>&gt;</a:t>
+            </a:r>
+            <a:r>
+              <a:rPr lang="it-IT" dirty="0">
+                <a:solidFill>
+                  <a:srgbClr val="000000"/>
+                </a:solidFill>
+                <a:latin typeface="Consolas" panose="020B0609020204030204" pitchFamily="49" charset="0"/>
+              </a:rPr>
+              <a:t>do something</a:t>
+            </a:r>
+            <a:r>
+              <a:rPr lang="it-IT" dirty="0">
+                <a:solidFill>
+                  <a:srgbClr val="800000"/>
+                </a:solidFill>
+                <a:latin typeface="Consolas" panose="020B0609020204030204" pitchFamily="49" charset="0"/>
+              </a:rPr>
+              <a:t>&lt;/a&gt;</a:t>
+            </a:r>
+            <a:endParaRPr lang="it-IT" b="0" dirty="0">
+              <a:solidFill>
+                <a:srgbClr val="000000"/>
+              </a:solidFill>
+              <a:effectLst/>
+              <a:latin typeface="Consolas" panose="020B0609020204030204" pitchFamily="49" charset="0"/>
+            </a:endParaRPr>
+          </a:p>
+        </p:txBody>
+      </p:sp>
+    </p:spTree>
+    <p:extLst>
+      <p:ext uri="{BB962C8B-B14F-4D97-AF65-F5344CB8AC3E}">
+        <p14:creationId xmlns:p14="http://schemas.microsoft.com/office/powerpoint/2010/main" val="198790490"/>
+      </p:ext>
+    </p:extLst>
+  </p:cSld>
+  <p:clrMapOvr>
+    <a:masterClrMapping/>
+  </p:clrMapOvr>
+</p:sld>
+</file>
+
+<file path=ppt/slides/slide15.xml><?xml version="1.0" encoding="utf-8"?>
+<p:sld xmlns:a="http://schemas.openxmlformats.org/drawingml/2006/main" xmlns:r="http://schemas.openxmlformats.org/officeDocument/2006/relationships" xmlns:p="http://schemas.openxmlformats.org/presentationml/2006/main">
+  <p:cSld>
+    <p:spTree>
+      <p:nvGrpSpPr>
+        <p:cNvPr id="1" name=""/>
+        <p:cNvGrpSpPr/>
+        <p:nvPr/>
+      </p:nvGrpSpPr>
+      <p:grpSpPr>
+        <a:xfrm>
+          <a:off x="0" y="0"/>
+          <a:ext cx="0" cy="0"/>
+          <a:chOff x="0" y="0"/>
+          <a:chExt cx="0" cy="0"/>
+        </a:xfrm>
+      </p:grpSpPr>
+      <p:sp>
+        <p:nvSpPr>
+          <p:cNvPr id="2" name="Title 1"/>
+          <p:cNvSpPr>
+            <a:spLocks noGrp="1"/>
+          </p:cNvSpPr>
+          <p:nvPr>
+            <p:ph type="title"/>
+          </p:nvPr>
+        </p:nvSpPr>
+        <p:spPr/>
+        <p:txBody>
+          <a:bodyPr/>
+          <a:lstStyle/>
+          <a:p>
+            <a:r>
+              <a:rPr lang="en-US" dirty="0"/>
+              <a:t>Router</a:t>
+            </a:r>
+          </a:p>
+        </p:txBody>
+      </p:sp>
+      <p:sp>
+        <p:nvSpPr>
+          <p:cNvPr id="4" name="Rectangle 3"/>
+          <p:cNvSpPr/>
+          <p:nvPr/>
+        </p:nvSpPr>
+        <p:spPr>
+          <a:xfrm>
+            <a:off x="1344168" y="2249640"/>
+            <a:ext cx="6629400" cy="369332"/>
+          </a:xfrm>
+          <a:prstGeom prst="rect">
+            <a:avLst/>
+          </a:prstGeom>
+        </p:spPr>
+        <p:txBody>
+          <a:bodyPr wrap="square">
+            <a:spAutoFit/>
+          </a:bodyPr>
+          <a:lstStyle/>
+          <a:p>
+            <a:r>
+              <a:rPr lang="en-US" dirty="0">
+                <a:solidFill>
+                  <a:srgbClr val="800000"/>
+                </a:solidFill>
+                <a:latin typeface="Consolas" panose="020B0609020204030204" pitchFamily="49" charset="0"/>
+              </a:rPr>
+              <a:t>&lt;a</a:t>
+            </a:r>
+            <a:r>
+              <a:rPr lang="en-US" dirty="0">
+                <a:solidFill>
+                  <a:srgbClr val="000000"/>
+                </a:solidFill>
+                <a:latin typeface="Consolas" panose="020B0609020204030204" pitchFamily="49" charset="0"/>
+              </a:rPr>
+              <a:t> [</a:t>
+            </a:r>
+            <a:r>
+              <a:rPr lang="en-US" dirty="0" err="1">
+                <a:solidFill>
+                  <a:srgbClr val="FF0000"/>
+                </a:solidFill>
+                <a:latin typeface="Consolas" panose="020B0609020204030204" pitchFamily="49" charset="0"/>
+              </a:rPr>
+              <a:t>routerLink</a:t>
+            </a:r>
+            <a:r>
+              <a:rPr lang="en-US" dirty="0">
+                <a:solidFill>
+                  <a:srgbClr val="000000"/>
+                </a:solidFill>
+                <a:latin typeface="Consolas" panose="020B0609020204030204" pitchFamily="49" charset="0"/>
+              </a:rPr>
+              <a:t>]=</a:t>
+            </a:r>
+            <a:r>
+              <a:rPr lang="en-US" dirty="0">
+                <a:solidFill>
+                  <a:srgbClr val="0000FF"/>
+                </a:solidFill>
+                <a:latin typeface="Consolas" panose="020B0609020204030204" pitchFamily="49" charset="0"/>
+              </a:rPr>
+              <a:t>"['/foo', </a:t>
+            </a:r>
+            <a:r>
+              <a:rPr lang="en-US" dirty="0" err="1">
+                <a:solidFill>
+                  <a:srgbClr val="0000FF"/>
+                </a:solidFill>
+                <a:latin typeface="Consolas" panose="020B0609020204030204" pitchFamily="49" charset="0"/>
+              </a:rPr>
+              <a:t>thing.foo</a:t>
+            </a:r>
+            <a:r>
+              <a:rPr lang="en-US" dirty="0">
+                <a:solidFill>
+                  <a:srgbClr val="0000FF"/>
+                </a:solidFill>
+                <a:latin typeface="Consolas" panose="020B0609020204030204" pitchFamily="49" charset="0"/>
+              </a:rPr>
+              <a:t>]"</a:t>
+            </a:r>
+            <a:r>
+              <a:rPr lang="en-US" dirty="0">
+                <a:solidFill>
+                  <a:srgbClr val="800000"/>
+                </a:solidFill>
+                <a:latin typeface="Consolas" panose="020B0609020204030204" pitchFamily="49" charset="0"/>
+              </a:rPr>
+              <a:t>&gt;</a:t>
+            </a:r>
+            <a:r>
+              <a:rPr lang="en-US" dirty="0">
+                <a:solidFill>
+                  <a:srgbClr val="000000"/>
+                </a:solidFill>
+                <a:latin typeface="Consolas" panose="020B0609020204030204" pitchFamily="49" charset="0"/>
+              </a:rPr>
+              <a:t>edit</a:t>
+            </a:r>
+            <a:r>
+              <a:rPr lang="en-US" dirty="0">
+                <a:solidFill>
+                  <a:srgbClr val="800000"/>
+                </a:solidFill>
+                <a:latin typeface="Consolas" panose="020B0609020204030204" pitchFamily="49" charset="0"/>
+              </a:rPr>
+              <a:t>&lt;/a&gt;</a:t>
+            </a:r>
+            <a:endParaRPr lang="en-US" b="0" dirty="0">
+              <a:solidFill>
+                <a:srgbClr val="000000"/>
+              </a:solidFill>
+              <a:effectLst/>
+              <a:latin typeface="Consolas" panose="020B0609020204030204" pitchFamily="49" charset="0"/>
+            </a:endParaRPr>
+          </a:p>
+        </p:txBody>
+      </p:sp>
+    </p:spTree>
+    <p:extLst>
+      <p:ext uri="{BB962C8B-B14F-4D97-AF65-F5344CB8AC3E}">
+        <p14:creationId xmlns:p14="http://schemas.microsoft.com/office/powerpoint/2010/main" val="2696323195"/>
+      </p:ext>
+    </p:extLst>
+  </p:cSld>
+  <p:clrMapOvr>
+    <a:masterClrMapping/>
+  </p:clrMapOvr>
+</p:sld>
+</file>
+
+<file path=ppt/slides/slide16.xml><?xml version="1.0" encoding="utf-8"?>
+<p:sld xmlns:a="http://schemas.openxmlformats.org/drawingml/2006/main" xmlns:r="http://schemas.openxmlformats.org/officeDocument/2006/relationships" xmlns:p="http://schemas.openxmlformats.org/presentationml/2006/main">
+  <p:cSld>
+    <p:spTree>
+      <p:nvGrpSpPr>
+        <p:cNvPr id="1" name=""/>
+        <p:cNvGrpSpPr/>
+        <p:nvPr/>
+      </p:nvGrpSpPr>
+      <p:grpSpPr>
+        <a:xfrm>
+          <a:off x="0" y="0"/>
+          <a:ext cx="0" cy="0"/>
+          <a:chOff x="0" y="0"/>
+          <a:chExt cx="0" cy="0"/>
+        </a:xfrm>
+      </p:grpSpPr>
+      <p:sp>
+        <p:nvSpPr>
+          <p:cNvPr id="2" name="Title 1"/>
+          <p:cNvSpPr>
+            <a:spLocks noGrp="1"/>
+          </p:cNvSpPr>
+          <p:nvPr>
+            <p:ph type="title"/>
+          </p:nvPr>
+        </p:nvSpPr>
+        <p:spPr/>
+        <p:txBody>
+          <a:bodyPr/>
+          <a:lstStyle/>
+          <a:p>
+            <a:r>
+              <a:rPr lang="en-US" dirty="0"/>
+              <a:t>Angular</a:t>
+            </a:r>
+          </a:p>
+        </p:txBody>
+      </p:sp>
+      <p:sp>
+        <p:nvSpPr>
+          <p:cNvPr id="5" name="Content Placeholder 2"/>
+          <p:cNvSpPr>
+            <a:spLocks noGrp="1"/>
+          </p:cNvSpPr>
+          <p:nvPr>
+            <p:ph idx="1"/>
+          </p:nvPr>
+        </p:nvSpPr>
+        <p:spPr>
+          <a:xfrm>
+            <a:off x="457200" y="685800"/>
+            <a:ext cx="8007739" cy="3394472"/>
+          </a:xfrm>
+        </p:spPr>
+        <p:txBody>
+          <a:bodyPr/>
+          <a:lstStyle/>
+          <a:p>
+            <a:pPr marL="342900" indent="-342900">
+              <a:buFont typeface="Arial" panose="020B0604020202020204" pitchFamily="34" charset="0"/>
+              <a:buChar char="•"/>
+            </a:pPr>
+            <a:r>
+              <a:rPr lang="en-US" dirty="0"/>
+              <a:t>Look for  TODOs</a:t>
+            </a:r>
+          </a:p>
+          <a:p>
+            <a:pPr marL="342900" indent="-342900">
+              <a:buFont typeface="Arial" panose="020B0604020202020204" pitchFamily="34" charset="0"/>
+              <a:buChar char="•"/>
+            </a:pPr>
+            <a:endParaRPr lang="en-US" dirty="0"/>
+          </a:p>
+          <a:p>
+            <a:pPr marL="342900" indent="-342900">
+              <a:buFont typeface="Arial" panose="020B0604020202020204" pitchFamily="34" charset="0"/>
+              <a:buChar char="•"/>
+            </a:pPr>
+            <a:r>
+              <a:rPr lang="en-US" dirty="0"/>
+              <a:t>Files included:</a:t>
+            </a:r>
+          </a:p>
+          <a:p>
+            <a:pPr marL="573088" lvl="1" indent="-342900">
+              <a:buFont typeface="Arial" panose="020B0604020202020204" pitchFamily="34" charset="0"/>
+              <a:buChar char="•"/>
+            </a:pPr>
+            <a:r>
+              <a:rPr lang="en-US" sz="2000" dirty="0" err="1"/>
+              <a:t>app.module.ts</a:t>
+            </a:r>
+            <a:endParaRPr lang="en-US" sz="2000" dirty="0"/>
+          </a:p>
+          <a:p>
+            <a:pPr marL="573088" lvl="1" indent="-342900">
+              <a:buFont typeface="Arial" panose="020B0604020202020204" pitchFamily="34" charset="0"/>
+              <a:buChar char="•"/>
+            </a:pPr>
+            <a:r>
+              <a:rPr lang="en-US" sz="2000" dirty="0" err="1"/>
+              <a:t>utility.ts</a:t>
+            </a:r>
+            <a:endParaRPr lang="en-US" sz="2000" dirty="0"/>
+          </a:p>
+          <a:p>
+            <a:pPr marL="573088" lvl="1" indent="-342900">
+              <a:buFont typeface="Arial" panose="020B0604020202020204" pitchFamily="34" charset="0"/>
+              <a:buChar char="•"/>
+            </a:pPr>
+            <a:r>
+              <a:rPr lang="en-US" sz="2000" dirty="0" err="1"/>
+              <a:t>item.ts</a:t>
+            </a:r>
+            <a:endParaRPr lang="en-US" sz="2000" dirty="0"/>
+          </a:p>
+          <a:p>
+            <a:pPr marL="573088" lvl="1" indent="-342900">
+              <a:buFont typeface="Arial" panose="020B0604020202020204" pitchFamily="34" charset="0"/>
+              <a:buChar char="•"/>
+            </a:pPr>
+            <a:r>
+              <a:rPr lang="en-US" sz="2000" dirty="0" err="1"/>
+              <a:t>item.component.ts</a:t>
+            </a:r>
+            <a:endParaRPr lang="en-US" sz="2000" dirty="0"/>
+          </a:p>
+          <a:p>
+            <a:pPr marL="573088" lvl="1" indent="-342900">
+              <a:buFont typeface="Arial" panose="020B0604020202020204" pitchFamily="34" charset="0"/>
+              <a:buChar char="•"/>
+            </a:pPr>
+            <a:r>
+              <a:rPr lang="en-US" sz="2000" dirty="0"/>
+              <a:t>item.component.html</a:t>
+            </a:r>
+          </a:p>
+          <a:p>
+            <a:pPr marL="573088" lvl="1" indent="-342900">
+              <a:buFont typeface="Arial" panose="020B0604020202020204" pitchFamily="34" charset="0"/>
+              <a:buChar char="•"/>
+            </a:pPr>
+            <a:r>
+              <a:rPr lang="en-US" sz="2000" dirty="0" err="1"/>
+              <a:t>list.component.ts</a:t>
+            </a:r>
+            <a:endParaRPr lang="en-US" sz="2000" dirty="0"/>
+          </a:p>
+          <a:p>
+            <a:pPr marL="573088" lvl="1" indent="-342900">
+              <a:buFont typeface="Arial" panose="020B0604020202020204" pitchFamily="34" charset="0"/>
+              <a:buChar char="•"/>
+            </a:pPr>
+            <a:r>
+              <a:rPr lang="en-US" sz="2000" dirty="0"/>
+              <a:t>list.component.html</a:t>
+            </a:r>
+          </a:p>
+          <a:p>
+            <a:pPr marL="573088" lvl="1" indent="-342900">
+              <a:buFont typeface="Arial" panose="020B0604020202020204" pitchFamily="34" charset="0"/>
+              <a:buChar char="•"/>
+            </a:pPr>
+            <a:endParaRPr lang="en-US" dirty="0"/>
+          </a:p>
+          <a:p>
+            <a:pPr marL="342900" indent="-342900">
+              <a:buFont typeface="Arial" panose="020B0604020202020204" pitchFamily="34" charset="0"/>
+              <a:buChar char="•"/>
+            </a:pPr>
+            <a:endParaRPr lang="en-US" dirty="0"/>
+          </a:p>
+        </p:txBody>
+      </p:sp>
+    </p:spTree>
+    <p:extLst>
+      <p:ext uri="{BB962C8B-B14F-4D97-AF65-F5344CB8AC3E}">
+        <p14:creationId xmlns:p14="http://schemas.microsoft.com/office/powerpoint/2010/main" val="1029063382"/>
+      </p:ext>
+    </p:extLst>
+  </p:cSld>
+  <p:clrMapOvr>
+    <a:masterClrMapping/>
+  </p:clrMapOvr>
+</p:sld>
+</file>
+
+<file path=ppt/slides/slide17.xml><?xml version="1.0" encoding="utf-8"?>
+<p:sld xmlns:a="http://schemas.openxmlformats.org/drawingml/2006/main" xmlns:r="http://schemas.openxmlformats.org/officeDocument/2006/relationships" xmlns:p="http://schemas.openxmlformats.org/presentationml/2006/main">
+  <p:cSld>
+    <p:spTree>
+      <p:nvGrpSpPr>
+        <p:cNvPr id="1" name=""/>
+        <p:cNvGrpSpPr/>
+        <p:nvPr/>
+      </p:nvGrpSpPr>
+      <p:grpSpPr>
+        <a:xfrm>
+          <a:off x="0" y="0"/>
+          <a:ext cx="0" cy="0"/>
+          <a:chOff x="0" y="0"/>
+          <a:chExt cx="0" cy="0"/>
+        </a:xfrm>
+      </p:grpSpPr>
+      <p:sp>
+        <p:nvSpPr>
+          <p:cNvPr id="2" name="Title 1"/>
+          <p:cNvSpPr>
+            <a:spLocks noGrp="1"/>
+          </p:cNvSpPr>
+          <p:nvPr>
+            <p:ph type="title"/>
+          </p:nvPr>
+        </p:nvSpPr>
+        <p:spPr/>
+        <p:txBody>
+          <a:bodyPr/>
+          <a:lstStyle/>
+          <a:p>
+            <a:r>
+              <a:rPr lang="en-US" dirty="0"/>
               <a:t>How to execute</a:t>
             </a:r>
           </a:p>
@@ -7621,7 +12585,7 @@
                 <a:latin typeface="Courier New" panose="02070309020205020404" pitchFamily="49" charset="0"/>
                 <a:cs typeface="Courier New" panose="02070309020205020404" pitchFamily="49" charset="0"/>
               </a:rPr>
-              <a:t> install angular-cli@1.0.0-beta.10</a:t>
+              <a:t> install angular-cli</a:t>
             </a:r>
           </a:p>
           <a:p>
@@ -7655,20 +12619,8 @@
               <a:buChar char="•"/>
             </a:pPr>
             <a:r>
-              <a:rPr lang="en-US" dirty="0" smtClean="0"/>
-              <a:t>Visual Studio:</a:t>
-            </a:r>
-            <a:r>
-              <a:rPr lang="en-US" dirty="0" smtClean="0"/>
-              <a:t> F5 </a:t>
-            </a:r>
-            <a:r>
               <a:rPr lang="en-US" dirty="0"/>
-              <a:t>(or ctrl+f5</a:t>
-            </a:r>
-            <a:r>
-              <a:rPr lang="en-US" dirty="0" smtClean="0"/>
-              <a:t>)</a:t>
+              <a:t>Visual Studio: F5 (or ctrl+f5)</a:t>
             </a:r>
           </a:p>
           <a:p>
@@ -7677,22 +12629,21 @@
               <a:buChar char="•"/>
             </a:pPr>
             <a:r>
-              <a:rPr lang="en-US" dirty="0" err="1" smtClean="0">
+              <a:rPr lang="en-US" dirty="0" err="1">
                 <a:latin typeface="Consolas" panose="020B0609020204030204" pitchFamily="49" charset="0"/>
               </a:rPr>
               <a:t>dotnet</a:t>
             </a:r>
             <a:r>
-              <a:rPr lang="en-US" dirty="0" smtClean="0">
+              <a:rPr lang="en-US" dirty="0">
                 <a:latin typeface="Consolas" panose="020B0609020204030204" pitchFamily="49" charset="0"/>
               </a:rPr>
               <a:t> new</a:t>
             </a:r>
             <a:r>
-              <a:rPr lang="en-US" dirty="0" smtClean="0"/>
+              <a:rPr lang="en-US" dirty="0"/>
               <a:t> from command line</a:t>
             </a:r>
-            <a:endParaRPr lang="en-US" dirty="0"/>
           </a:p>
         </p:txBody>
       </p:sp>
@@ -7709,7 +12660,7 @@
 </p:sld>
 </file>
 
-<file path=ppt/slides/slide14.xml><?xml version="1.0" encoding="utf-8"?>
+<file path=ppt/slides/slide18.xml><?xml version="1.0" encoding="utf-8"?>
 <p:sld xmlns:a="http://schemas.openxmlformats.org/drawingml/2006/main" xmlns:r="http://schemas.openxmlformats.org/officeDocument/2006/relationships" xmlns:p="http://schemas.openxmlformats.org/presentationml/2006/main">
   <p:cSld>
     <p:spTree>
@@ -7836,7 +12787,7 @@
             </a:pPr>
             <a:r>
               <a:rPr lang="en-US" dirty="0"/>
-              <a:t>Create an Angular2 UI</a:t>
+              <a:t>Create a JavaScript frontend</a:t>
             </a:r>
           </a:p>
           <a:p>
@@ -7962,12 +12913,23 @@
               <a:buChar char="•"/>
             </a:pPr>
             <a:r>
-              <a:rPr lang="en-US" dirty="0" smtClean="0"/>
-              <a:t>.</a:t>
-            </a:r>
-            <a:r>
               <a:rPr lang="en-US" dirty="0"/>
-              <a:t>NET - ASP.NET </a:t>
+              <a:t>.NET - ASP.NET </a:t>
+            </a:r>
+            <a:r>
+              <a:rPr lang="en-US" dirty="0" err="1"/>
+              <a:t>WebAPI</a:t>
+            </a:r>
+            <a:endParaRPr lang="en-US" dirty="0"/>
+          </a:p>
+          <a:p>
+            <a:pPr marL="573088" lvl="1" indent="-342900">
+              <a:buFont typeface="Arial" charset="0"/>
+              <a:buChar char="•"/>
+            </a:pPr>
+            <a:r>
+              <a:rPr lang="en-US" dirty="0"/>
+              <a:t>Or .NET Core – ASP.NET Core </a:t>
             </a:r>
             <a:r>
               <a:rPr lang="en-US" dirty="0" err="1"/>
@@ -7981,12 +12943,8 @@
               <a:buChar char="•"/>
             </a:pPr>
             <a:r>
-              <a:rPr lang="en-US" dirty="0" smtClean="0"/>
-              <a:t>Angular </a:t>
-            </a:r>
-            <a:r>
               <a:rPr lang="en-US" dirty="0"/>
-              <a:t>2 (UI)</a:t>
+              <a:t>Angular 2 (UI)</a:t>
             </a:r>
           </a:p>
           <a:p>
@@ -8281,6 +13239,62 @@
             </a:r>
           </a:p>
           <a:p>
+            <a:pPr marL="569913" lvl="1" indent="-342900">
+              <a:buFont typeface="Arial" charset="0"/>
+              <a:buChar char="•"/>
+            </a:pPr>
+            <a:r>
+              <a:rPr lang="en-US" dirty="0" err="1"/>
+              <a:t>dotnet_workshop</a:t>
+            </a:r>
+            <a:r>
+              <a:rPr lang="en-US" dirty="0"/>
+              <a:t> or </a:t>
+            </a:r>
+            <a:r>
+              <a:rPr lang="en-US" dirty="0" err="1"/>
+              <a:t>dotnetcore_workshop</a:t>
+            </a:r>
+            <a:endParaRPr lang="en-US" dirty="0"/>
+          </a:p>
+          <a:p>
+            <a:pPr marL="569913" lvl="1" indent="-342900">
+              <a:buFont typeface="Arial" charset="0"/>
+              <a:buChar char="•"/>
+            </a:pPr>
+            <a:r>
+              <a:rPr lang="en-US" dirty="0" err="1"/>
+              <a:t>angular_workshop</a:t>
+            </a:r>
+            <a:endParaRPr lang="en-US" dirty="0"/>
+          </a:p>
+          <a:p>
+            <a:pPr marL="569913" lvl="1" indent="-342900">
+              <a:buFont typeface="Arial" charset="0"/>
+              <a:buChar char="•"/>
+            </a:pPr>
+            <a:r>
+              <a:rPr lang="en-US" dirty="0"/>
+              <a:t>Completed versions are in </a:t>
+            </a:r>
+            <a:r>
+              <a:rPr lang="en-US" dirty="0" err="1"/>
+              <a:t>dotnet</a:t>
+            </a:r>
+            <a:r>
+              <a:rPr lang="en-US" dirty="0"/>
+              <a:t>, </a:t>
+            </a:r>
+            <a:r>
+              <a:rPr lang="en-US" dirty="0" err="1"/>
+              <a:t>dotnetcore</a:t>
+            </a:r>
+            <a:r>
+              <a:rPr lang="en-US" dirty="0"/>
+              <a:t>, angular folders</a:t>
+            </a:r>
+          </a:p>
+          <a:p>
             <a:pPr marL="342900" indent="-342900">
               <a:buFont typeface="Arial" charset="0"/>
               <a:buChar char="•"/>
@@ -8311,15 +13325,9 @@
               <a:rPr lang="en-US" sz="1800" dirty="0">
                 <a:hlinkClick r:id="rId2"/>
               </a:rPr>
-              <a:t>https://</a:t>
-            </a:r>
-            <a:r>
-              <a:rPr lang="en-US" sz="1800" dirty="0" smtClean="0">
-                <a:hlinkClick r:id="rId2"/>
-              </a:rPr>
-              <a:t>github.com/couchbaselabs/aspnet-nosql-workshop/tree/master/03</a:t>
-            </a:r>
-            <a:endParaRPr lang="en-US" sz="1800" dirty="0" smtClean="0"/>
+              <a:t>https://github.com/couchbaselabs/aspnet-nosql-workshop/tree/master/03</a:t>
+            </a:r>
+            <a:endParaRPr lang="en-US" sz="1800" dirty="0"/>
           </a:p>
           <a:p>
             <a:pPr marL="569913" lvl="1" indent="-342900">
@@ -8502,7 +13510,7 @@
           <a:p>
             <a:r>
               <a:rPr lang="en-US" dirty="0"/>
-              <a:t>Asynchronous</a:t>
+              <a:t>.NET</a:t>
             </a:r>
           </a:p>
         </p:txBody>
@@ -8517,51 +13525,93 @@
             <p:ph idx="1"/>
           </p:nvPr>
         </p:nvSpPr>
-        <p:spPr>
-          <a:xfrm>
-            <a:off x="457200" y="685800"/>
-            <a:ext cx="8433303" cy="3394472"/>
-          </a:xfrm>
-        </p:spPr>
+        <p:spPr/>
         <p:txBody>
           <a:bodyPr/>
           <a:lstStyle/>
           <a:p>
-            <a:r>
-              <a:rPr lang="en-US" sz="1600" dirty="0">
-                <a:hlinkClick r:id="rId3"/>
-              </a:rPr>
-              <a:t>http://developer.couchbase.com/documentation/server/4.5/sdk/</a:t>
-            </a:r>
-            <a:r>
-              <a:rPr lang="en-US" sz="1600" b="1" dirty="0">
-                <a:hlinkClick r:id="rId3"/>
-              </a:rPr>
-              <a:t>dotnet</a:t>
-            </a:r>
-            <a:r>
-              <a:rPr lang="en-US" sz="1600" dirty="0">
-                <a:hlinkClick r:id="rId3"/>
-              </a:rPr>
-              <a:t>/async-programming.html</a:t>
-            </a:r>
-            <a:endParaRPr lang="en-US" sz="1600" dirty="0"/>
-          </a:p>
-          <a:p>
+            <a:pPr marL="342900" indent="-342900">
+              <a:buFont typeface="Arial" panose="020B0604020202020204" pitchFamily="34" charset="0"/>
+              <a:buChar char="•"/>
+            </a:pPr>
+            <a:r>
+              <a:rPr lang="en-US" dirty="0"/>
+              <a:t>Look for TODOs</a:t>
+            </a:r>
+          </a:p>
+          <a:p>
+            <a:pPr marL="342900" indent="-342900">
+              <a:buFont typeface="Arial" panose="020B0604020202020204" pitchFamily="34" charset="0"/>
+              <a:buChar char="•"/>
+            </a:pPr>
             <a:endParaRPr lang="en-US" dirty="0"/>
           </a:p>
           <a:p>
-            <a:r>
-              <a:rPr lang="en-US" dirty="0" err="1" smtClean="0"/>
-              <a:t>async</a:t>
-            </a:r>
-            <a:r>
-              <a:rPr lang="en-US" dirty="0" smtClean="0"/>
-              <a:t>/await/Task</a:t>
-            </a:r>
+            <a:pPr marL="342900" indent="-342900">
+              <a:buFont typeface="Arial" panose="020B0604020202020204" pitchFamily="34" charset="0"/>
+              <a:buChar char="•"/>
+            </a:pPr>
+            <a:r>
+              <a:rPr lang="en-US" dirty="0"/>
+              <a:t>Files included:</a:t>
+            </a:r>
+          </a:p>
+          <a:p>
+            <a:pPr marL="573088" lvl="1" indent="-342900">
+              <a:buFont typeface="Arial" panose="020B0604020202020204" pitchFamily="34" charset="0"/>
+              <a:buChar char="•"/>
+            </a:pPr>
+            <a:r>
+              <a:rPr lang="en-US" sz="2000" dirty="0" err="1"/>
+              <a:t>CouchbaseConfig.cs</a:t>
+            </a:r>
+            <a:endParaRPr lang="en-US" sz="2000" dirty="0"/>
+          </a:p>
+          <a:p>
+            <a:pPr marL="573088" lvl="1" indent="-342900">
+              <a:buFont typeface="Arial" panose="020B0604020202020204" pitchFamily="34" charset="0"/>
+              <a:buChar char="•"/>
+            </a:pPr>
+            <a:r>
+              <a:rPr lang="en-US" sz="2000" dirty="0" err="1"/>
+              <a:t>Web.config</a:t>
+            </a:r>
+            <a:endParaRPr lang="en-US" sz="2000" dirty="0"/>
+          </a:p>
+          <a:p>
+            <a:pPr marL="573088" lvl="1" indent="-342900">
+              <a:buFont typeface="Arial" panose="020B0604020202020204" pitchFamily="34" charset="0"/>
+              <a:buChar char="•"/>
+            </a:pPr>
+            <a:r>
+              <a:rPr lang="en-US" sz="2000" dirty="0" err="1"/>
+              <a:t>Person.cs</a:t>
+            </a:r>
+            <a:endParaRPr lang="en-US" sz="2000" dirty="0"/>
+          </a:p>
+          <a:p>
+            <a:pPr marL="573088" lvl="1" indent="-342900">
+              <a:buFont typeface="Arial" panose="020B0604020202020204" pitchFamily="34" charset="0"/>
+              <a:buChar char="•"/>
+            </a:pPr>
+            <a:r>
+              <a:rPr lang="en-US" sz="2000" dirty="0" err="1"/>
+              <a:t>PersonController.cs</a:t>
+            </a:r>
+            <a:endParaRPr lang="en-US" sz="2000" dirty="0"/>
+          </a:p>
+          <a:p>
+            <a:pPr marL="573088" lvl="1" indent="-342900">
+              <a:buFont typeface="Arial" panose="020B0604020202020204" pitchFamily="34" charset="0"/>
+              <a:buChar char="•"/>
+            </a:pPr>
             <a:endParaRPr lang="en-US" dirty="0"/>
           </a:p>
           <a:p>
+            <a:pPr marL="342900" indent="-342900">
+              <a:buFont typeface="Arial" panose="020B0604020202020204" pitchFamily="34" charset="0"/>
+              <a:buChar char="•"/>
+            </a:pPr>
             <a:endParaRPr lang="en-US" dirty="0"/>
           </a:p>
         </p:txBody>
@@ -8569,7 +13619,7 @@
     </p:spTree>
     <p:extLst>
       <p:ext uri="{BB962C8B-B14F-4D97-AF65-F5344CB8AC3E}">
-        <p14:creationId xmlns:p14="http://schemas.microsoft.com/office/powerpoint/2010/main" val="654987578"/>
+        <p14:creationId xmlns:p14="http://schemas.microsoft.com/office/powerpoint/2010/main" val="2942029158"/>
       </p:ext>
     </p:extLst>
   </p:cSld>
@@ -8613,7 +13663,7 @@
           <a:p>
             <a:r>
               <a:rPr lang="en-US" dirty="0"/>
-              <a:t>N1QL</a:t>
+              <a:t>Angular: Starting a new project</a:t>
             </a:r>
           </a:p>
         </p:txBody>
@@ -8633,37 +13683,109 @@
           <a:bodyPr/>
           <a:lstStyle/>
           <a:p>
-            <a:r>
-              <a:rPr lang="en-US" sz="1400" dirty="0">
-                <a:hlinkClick r:id="rId3"/>
-              </a:rPr>
-              <a:t>http://developer.couchbase.com/documentation/server/4.5/sdk/</a:t>
-            </a:r>
-            <a:r>
-              <a:rPr lang="en-US" sz="1400" b="1" dirty="0">
-                <a:hlinkClick r:id="rId3"/>
-              </a:rPr>
-              <a:t>dotnet</a:t>
-            </a:r>
-            <a:r>
-              <a:rPr lang="en-US" sz="1400" dirty="0">
-                <a:hlinkClick r:id="rId3"/>
-              </a:rPr>
-              <a:t>/n1ql-queries-with-sdk.html</a:t>
-            </a:r>
-            <a:endParaRPr lang="en-US" sz="1400" dirty="0"/>
-          </a:p>
-          <a:p>
+            <a:pPr marL="457200" indent="-457200">
+              <a:buAutoNum type="arabicPeriod"/>
+            </a:pPr>
+            <a:r>
+              <a:rPr lang="en-US" dirty="0" err="1"/>
+              <a:t>npm</a:t>
+            </a:r>
+            <a:r>
+              <a:rPr lang="en-US" dirty="0"/>
+              <a:t> install –g @angular/cli</a:t>
+            </a:r>
+          </a:p>
+          <a:p>
+            <a:pPr marL="457200" indent="-457200">
+              <a:buAutoNum type="arabicPeriod"/>
+            </a:pPr>
             <a:endParaRPr lang="en-US" dirty="0"/>
           </a:p>
           <a:p>
-            <a:r>
-              <a:rPr lang="en-US" dirty="0" err="1" smtClean="0"/>
-              <a:t>QueryRequest</a:t>
-            </a:r>
+            <a:pPr marL="457200" indent="-457200">
+              <a:buAutoNum type="arabicPeriod"/>
+            </a:pPr>
+            <a:r>
+              <a:rPr lang="en-US" dirty="0"/>
+              <a:t>ng new &lt;</a:t>
+            </a:r>
+            <a:r>
+              <a:rPr lang="en-US" dirty="0" err="1"/>
+              <a:t>yourprojectname</a:t>
+            </a:r>
+            <a:r>
+              <a:rPr lang="en-US" dirty="0"/>
+              <a:t>&gt;</a:t>
+            </a:r>
+          </a:p>
+          <a:p>
+            <a:pPr marL="457200" indent="-457200">
+              <a:buAutoNum type="arabicPeriod"/>
+            </a:pPr>
             <a:endParaRPr lang="en-US" dirty="0"/>
           </a:p>
           <a:p>
+            <a:pPr marL="457200" indent="-457200">
+              <a:buAutoNum type="arabicPeriod"/>
+            </a:pPr>
+            <a:r>
+              <a:rPr lang="en-US" dirty="0"/>
+              <a:t>ng generate component &lt;</a:t>
+            </a:r>
+            <a:r>
+              <a:rPr lang="en-US" dirty="0" err="1"/>
+              <a:t>componentname</a:t>
+            </a:r>
+            <a:r>
+              <a:rPr lang="en-US" dirty="0"/>
+              <a:t>&gt;</a:t>
+            </a:r>
+          </a:p>
+          <a:p>
+            <a:pPr marL="457200" indent="-457200">
+              <a:buAutoNum type="arabicPeriod"/>
+            </a:pPr>
+            <a:endParaRPr lang="en-US" dirty="0"/>
+          </a:p>
+          <a:p>
+            <a:pPr marL="457200" indent="-457200">
+              <a:buAutoNum type="arabicPeriod"/>
+            </a:pPr>
+            <a:r>
+              <a:rPr lang="en-US" dirty="0"/>
+              <a:t>ng build</a:t>
+            </a:r>
+          </a:p>
+          <a:p>
+            <a:pPr marL="457200" indent="-457200">
+              <a:buAutoNum type="arabicPeriod"/>
+            </a:pPr>
+            <a:endParaRPr lang="en-US" dirty="0"/>
+          </a:p>
+          <a:p>
+            <a:pPr marL="457200" indent="-457200">
+              <a:buAutoNum type="arabicPeriod"/>
+            </a:pPr>
+            <a:r>
+              <a:rPr lang="en-US" dirty="0"/>
+              <a:t>ng serve</a:t>
+            </a:r>
+          </a:p>
+          <a:p>
+            <a:r>
+              <a:rPr lang="en-US" dirty="0"/>
+              <a:t>	</a:t>
+            </a:r>
+            <a:r>
+              <a:rPr lang="en-US" sz="1400" dirty="0"/>
+              <a:t>access via http://localhost:4200</a:t>
+            </a:r>
+            <a:endParaRPr lang="en-US" dirty="0"/>
+          </a:p>
+          <a:p>
+            <a:pPr marL="457200" indent="-457200">
+              <a:buAutoNum type="arabicPeriod"/>
+            </a:pPr>
             <a:endParaRPr lang="en-US" dirty="0"/>
           </a:p>
         </p:txBody>
@@ -8671,7 +13793,7 @@
     </p:spTree>
     <p:extLst>
       <p:ext uri="{BB962C8B-B14F-4D97-AF65-F5344CB8AC3E}">
-        <p14:creationId xmlns:p14="http://schemas.microsoft.com/office/powerpoint/2010/main" val="4172646505"/>
+        <p14:creationId xmlns:p14="http://schemas.microsoft.com/office/powerpoint/2010/main" val="2927193572"/>
       </p:ext>
     </p:extLst>
   </p:cSld>
@@ -8715,8 +13837,13 @@
           <a:p>
             <a:r>
               <a:rPr lang="en-US" dirty="0"/>
-              <a:t>Scan Consistency</a:t>
-            </a:r>
+              <a:t>Angular / </a:t>
+            </a:r>
+            <a:r>
+              <a:rPr lang="en-US" dirty="0" err="1"/>
+              <a:t>TypeScript</a:t>
+            </a:r>
+            <a:endParaRPr lang="en-US" dirty="0"/>
           </a:p>
         </p:txBody>
       </p:sp>
@@ -8730,78 +13857,69 @@
             <p:ph idx="1"/>
           </p:nvPr>
         </p:nvSpPr>
-        <p:spPr>
-          <a:xfrm>
-            <a:off x="457200" y="685800"/>
-            <a:ext cx="8451410" cy="3394472"/>
-          </a:xfrm>
-        </p:spPr>
+        <p:spPr/>
         <p:txBody>
           <a:bodyPr/>
           <a:lstStyle/>
           <a:p>
-            <a:r>
-              <a:rPr lang="en-US" sz="1400" dirty="0">
-                <a:hlinkClick r:id="rId2"/>
-              </a:rPr>
-              <a:t>http://developer.couchbase.com/documentation/server/4.5/architecture/querying-data-with-n1ql.html</a:t>
-            </a:r>
-            <a:endParaRPr lang="en-US" sz="1400" dirty="0"/>
-          </a:p>
-          <a:p>
+            <a:pPr marL="342900" indent="-342900">
+              <a:buFont typeface="Arial" panose="020B0604020202020204" pitchFamily="34" charset="0"/>
+              <a:buChar char="•"/>
+            </a:pPr>
+            <a:r>
+              <a:rPr lang="en-US" dirty="0" err="1"/>
+              <a:t>TypeScript</a:t>
+            </a:r>
+            <a:r>
+              <a:rPr lang="en-US" dirty="0"/>
+              <a:t> “compiles” to JavaScript</a:t>
+            </a:r>
+          </a:p>
+          <a:p>
+            <a:pPr marL="342900" indent="-342900">
+              <a:buFont typeface="Arial" panose="020B0604020202020204" pitchFamily="34" charset="0"/>
+              <a:buChar char="•"/>
+            </a:pPr>
+            <a:r>
+              <a:rPr lang="en-US" dirty="0" err="1"/>
+              <a:t>Polyfills</a:t>
+            </a:r>
+            <a:r>
+              <a:rPr lang="en-US" dirty="0"/>
+              <a:t> are included by default</a:t>
+            </a:r>
+          </a:p>
+          <a:p>
+            <a:pPr marL="342900" indent="-342900">
+              <a:buFont typeface="Arial" panose="020B0604020202020204" pitchFamily="34" charset="0"/>
+              <a:buChar char="•"/>
+            </a:pPr>
+            <a:r>
+              <a:rPr lang="en-US" dirty="0"/>
+              <a:t>Compiled into a ‘</a:t>
+            </a:r>
+            <a:r>
+              <a:rPr lang="en-US" dirty="0" err="1"/>
+              <a:t>dist</a:t>
+            </a:r>
+            <a:r>
+              <a:rPr lang="en-US" dirty="0"/>
+              <a:t>’ folder</a:t>
+            </a:r>
+          </a:p>
+          <a:p>
+            <a:pPr marL="342900" indent="-342900">
+              <a:buFont typeface="Arial" panose="020B0604020202020204" pitchFamily="34" charset="0"/>
+              <a:buChar char="•"/>
+            </a:pPr>
             <a:endParaRPr lang="en-US" dirty="0"/>
-          </a:p>
-          <a:p>
-            <a:r>
-              <a:rPr lang="en-US" dirty="0" err="1"/>
-              <a:t>NotBounded</a:t>
-            </a:r>
-            <a:endParaRPr lang="en-US" dirty="0"/>
-          </a:p>
-          <a:p>
-            <a:r>
-              <a:rPr lang="en-US" dirty="0"/>
-              <a:t>	Default (speed)</a:t>
-            </a:r>
-          </a:p>
-          <a:p>
-            <a:endParaRPr lang="en-US" dirty="0"/>
-          </a:p>
-          <a:p>
-            <a:r>
-              <a:rPr lang="en-US" dirty="0" err="1"/>
-              <a:t>RequestPlus</a:t>
-            </a:r>
-            <a:endParaRPr lang="en-US" dirty="0"/>
-          </a:p>
-          <a:p>
-            <a:r>
-              <a:rPr lang="en-US" dirty="0"/>
-              <a:t>	Accuracy (slower)</a:t>
-            </a:r>
-          </a:p>
-          <a:p>
-            <a:endParaRPr lang="en-US" dirty="0"/>
-          </a:p>
-          <a:p>
-            <a:r>
-              <a:rPr lang="en-US" dirty="0" err="1"/>
-              <a:t>AtPlus</a:t>
-            </a:r>
-            <a:endParaRPr lang="en-US" dirty="0"/>
-          </a:p>
-          <a:p>
-            <a:r>
-              <a:rPr lang="en-US" dirty="0"/>
-              <a:t>	Speed and accuracy (more work)</a:t>
-            </a:r>
           </a:p>
         </p:txBody>
       </p:sp>
     </p:spTree>
     <p:extLst>
       <p:ext uri="{BB962C8B-B14F-4D97-AF65-F5344CB8AC3E}">
-        <p14:creationId xmlns:p14="http://schemas.microsoft.com/office/powerpoint/2010/main" val="75123803"/>
+        <p14:creationId xmlns:p14="http://schemas.microsoft.com/office/powerpoint/2010/main" val="867967636"/>
       </p:ext>
     </p:extLst>
   </p:cSld>
@@ -8845,7 +13963,7 @@
           <a:p>
             <a:r>
               <a:rPr lang="en-US" dirty="0"/>
-              <a:t>Check And Set (CAS)</a:t>
+              <a:t>Dependencies</a:t>
             </a:r>
           </a:p>
         </p:txBody>
@@ -8860,62 +13978,67 @@
             <p:ph idx="1"/>
           </p:nvPr>
         </p:nvSpPr>
-        <p:spPr>
-          <a:xfrm>
-            <a:off x="457200" y="685800"/>
-            <a:ext cx="8478570" cy="3394472"/>
-          </a:xfrm>
-        </p:spPr>
+        <p:spPr/>
         <p:txBody>
           <a:bodyPr/>
           <a:lstStyle/>
           <a:p>
-            <a:r>
-              <a:rPr lang="en-US" sz="1600" dirty="0">
-                <a:hlinkClick r:id="rId3"/>
-              </a:rPr>
-              <a:t>http://developer.couchbase.com/documentation/server/4.5/sdk/</a:t>
-            </a:r>
-            <a:r>
-              <a:rPr lang="en-US" sz="1600" b="1" dirty="0">
-                <a:hlinkClick r:id="rId3"/>
-              </a:rPr>
-              <a:t>dotnet</a:t>
-            </a:r>
-            <a:r>
-              <a:rPr lang="en-US" sz="1600" dirty="0">
-                <a:hlinkClick r:id="rId3"/>
-              </a:rPr>
-              <a:t>/document-operations.html</a:t>
-            </a:r>
-            <a:endParaRPr lang="en-US" sz="1600" dirty="0"/>
-          </a:p>
-          <a:p>
+            <a:pPr marL="342900" indent="-342900">
+              <a:buFont typeface="Arial" panose="020B0604020202020204" pitchFamily="34" charset="0"/>
+              <a:buChar char="•"/>
+            </a:pPr>
+            <a:r>
+              <a:rPr lang="en-US" dirty="0" err="1"/>
+              <a:t>app.module.ts</a:t>
+            </a:r>
             <a:endParaRPr lang="en-US" dirty="0"/>
           </a:p>
           <a:p>
-            <a:r>
-              <a:rPr lang="en-US" dirty="0" smtClean="0">
-                <a:latin typeface="Consolas" panose="020B0609020204030204" pitchFamily="49" charset="0"/>
-              </a:rPr>
-              <a:t>new </a:t>
-            </a:r>
-            <a:r>
-              <a:rPr lang="en-US" dirty="0">
-                <a:latin typeface="Consolas" panose="020B0609020204030204" pitchFamily="49" charset="0"/>
-              </a:rPr>
-              <a:t>Document&lt;T&gt; { Cas = … }</a:t>
-            </a:r>
-          </a:p>
-          <a:p>
-            <a:endParaRPr lang="en-US" dirty="0"/>
+            <a:pPr marL="573088" lvl="1" indent="-342900">
+              <a:buFont typeface="Arial" panose="020B0604020202020204" pitchFamily="34" charset="0"/>
+              <a:buChar char="•"/>
+            </a:pPr>
+            <a:r>
+              <a:rPr lang="en-US" dirty="0"/>
+              <a:t>Declare the components</a:t>
+            </a:r>
+          </a:p>
+          <a:p>
+            <a:pPr marL="573088" lvl="1" indent="-342900">
+              <a:buFont typeface="Arial" panose="020B0604020202020204" pitchFamily="34" charset="0"/>
+              <a:buChar char="•"/>
+            </a:pPr>
+            <a:r>
+              <a:rPr lang="en-US" dirty="0"/>
+              <a:t>Setup the imports (dependencies)</a:t>
+            </a:r>
+          </a:p>
+          <a:p>
+            <a:pPr marL="573088" lvl="1" indent="-342900">
+              <a:buFont typeface="Arial" panose="020B0604020202020204" pitchFamily="34" charset="0"/>
+              <a:buChar char="•"/>
+            </a:pPr>
+            <a:r>
+              <a:rPr lang="en-US" dirty="0"/>
+              <a:t>Setup the providers</a:t>
+            </a:r>
+          </a:p>
+          <a:p>
+            <a:pPr marL="573088" lvl="1" indent="-342900">
+              <a:buFont typeface="Arial" panose="020B0604020202020204" pitchFamily="34" charset="0"/>
+              <a:buChar char="•"/>
+            </a:pPr>
+            <a:r>
+              <a:rPr lang="en-US" dirty="0"/>
+              <a:t>Setup the bootstrap component</a:t>
+            </a:r>
           </a:p>
         </p:txBody>
       </p:sp>
     </p:spTree>
     <p:extLst>
       <p:ext uri="{BB962C8B-B14F-4D97-AF65-F5344CB8AC3E}">
-        <p14:creationId xmlns:p14="http://schemas.microsoft.com/office/powerpoint/2010/main" val="1315104695"/>
+        <p14:creationId xmlns:p14="http://schemas.microsoft.com/office/powerpoint/2010/main" val="2241331902"/>
       </p:ext>
     </p:extLst>
   </p:cSld>

--- a/03/03.pptx
+++ b/03/03.pptx
@@ -6,10 +6,10 @@
     <p:sldMasterId id="2147483684" r:id="rId2"/>
   </p:sldMasterIdLst>
   <p:notesMasterIdLst>
-    <p:notesMasterId r:id="rId21"/>
+    <p:notesMasterId r:id="rId19"/>
   </p:notesMasterIdLst>
   <p:handoutMasterIdLst>
-    <p:handoutMasterId r:id="rId22"/>
+    <p:handoutMasterId r:id="rId20"/>
   </p:handoutMasterIdLst>
   <p:sldIdLst>
     <p:sldId id="444" r:id="rId3"/>
@@ -17,19 +17,17 @@
     <p:sldId id="496" r:id="rId5"/>
     <p:sldId id="494" r:id="rId6"/>
     <p:sldId id="500" r:id="rId7"/>
-    <p:sldId id="498" r:id="rId8"/>
-    <p:sldId id="503" r:id="rId9"/>
-    <p:sldId id="504" r:id="rId10"/>
+    <p:sldId id="503" r:id="rId8"/>
+    <p:sldId id="504" r:id="rId9"/>
+    <p:sldId id="506" r:id="rId10"/>
     <p:sldId id="505" r:id="rId11"/>
-    <p:sldId id="506" r:id="rId12"/>
+    <p:sldId id="508" r:id="rId12"/>
     <p:sldId id="507" r:id="rId13"/>
-    <p:sldId id="508" r:id="rId14"/>
-    <p:sldId id="509" r:id="rId15"/>
-    <p:sldId id="510" r:id="rId16"/>
-    <p:sldId id="511" r:id="rId17"/>
-    <p:sldId id="502" r:id="rId18"/>
-    <p:sldId id="501" r:id="rId19"/>
-    <p:sldId id="484" r:id="rId20"/>
+    <p:sldId id="509" r:id="rId14"/>
+    <p:sldId id="498" r:id="rId15"/>
+    <p:sldId id="502" r:id="rId16"/>
+    <p:sldId id="501" r:id="rId17"/>
+    <p:sldId id="484" r:id="rId18"/>
   </p:sldIdLst>
   <p:sldSz cx="9144000" cy="5143500" type="screen16x9"/>
   <p:notesSz cx="6858000" cy="9144000"/>
@@ -138,16 +136,14 @@
             <p14:sldId id="496"/>
             <p14:sldId id="494"/>
             <p14:sldId id="500"/>
-            <p14:sldId id="498"/>
             <p14:sldId id="503"/>
             <p14:sldId id="504"/>
+            <p14:sldId id="506"/>
             <p14:sldId id="505"/>
-            <p14:sldId id="506"/>
+            <p14:sldId id="508"/>
             <p14:sldId id="507"/>
-            <p14:sldId id="508"/>
             <p14:sldId id="509"/>
-            <p14:sldId id="510"/>
-            <p14:sldId id="511"/>
+            <p14:sldId id="498"/>
             <p14:sldId id="502"/>
             <p14:sldId id="501"/>
             <p14:sldId id="484"/>
@@ -279,7 +275,7 @@
           <a:p>
             <a:fld id="{B5389E1E-C654-E943-9883-792E99AD7287}" type="datetimeFigureOut">
               <a:rPr lang="en-US" smtClean="0"/>
-              <a:t>3/16/2017</a:t>
+              <a:t>3/20/2017</a:t>
             </a:fld>
             <a:endParaRPr lang="en-US"/>
           </a:p>
@@ -445,7 +441,7 @@
           <a:p>
             <a:fld id="{9920D99B-2862-464A-984E-65BFC5FC0BBC}" type="datetimeFigureOut">
               <a:rPr lang="en-US" smtClean="0"/>
-              <a:t>3/16/2017</a:t>
+              <a:t>3/20/2017</a:t>
             </a:fld>
             <a:endParaRPr lang="en-US"/>
           </a:p>
@@ -759,103 +755,54 @@
           <a:p>
             <a:r>
               <a:rPr lang="en-US" dirty="0"/>
-              <a:t>You don’t need to start an entirely new project, but here’s how you can do it.</a:t>
-            </a:r>
-          </a:p>
-          <a:p>
-            <a:endParaRPr lang="en-US" dirty="0"/>
+              <a:t>This is the traditional ASP.NET for Full .NET framework</a:t>
+            </a:r>
           </a:p>
           <a:p>
             <a:r>
               <a:rPr lang="en-US" dirty="0"/>
-              <a:t>#1 – this installs the angular cli utility (I’m assuming you already have node/</a:t>
+              <a:t>Though if you compare it to ASP.NET 1.0 back in the day you'd hardly recognize it</a:t>
+            </a:r>
+          </a:p>
+          <a:p>
+            <a:r>
+              <a:rPr lang="en-US" dirty="0"/>
+              <a:t>Startup and request level config is done in </a:t>
             </a:r>
             <a:r>
               <a:rPr lang="en-US" dirty="0" err="1"/>
-              <a:t>npm</a:t>
+              <a:t>Global.asax.cs</a:t>
             </a:r>
             <a:r>
               <a:rPr lang="en-US" dirty="0"/>
-              <a:t> installed)</a:t>
-            </a:r>
-          </a:p>
-          <a:p>
-            <a:endParaRPr lang="en-US" dirty="0"/>
-          </a:p>
-          <a:p>
+              <a:t>, which typically calls out to files like </a:t>
+            </a:r>
+            <a:r>
+              <a:rPr lang="en-US" dirty="0" err="1"/>
+              <a:t>WebApiConfig</a:t>
+            </a:r>
             <a:r>
               <a:rPr lang="en-US" dirty="0"/>
-              <a:t>#2 – ng is the angular cli, ng new </a:t>
+              <a:t>, </a:t>
             </a:r>
             <a:r>
               <a:rPr lang="en-US" dirty="0" err="1"/>
-              <a:t>projectname</a:t>
+              <a:t>RouteConfig</a:t>
             </a:r>
             <a:r>
               <a:rPr lang="en-US" dirty="0"/>
-              <a:t> creates a hello world project in angular</a:t>
-            </a:r>
-          </a:p>
-          <a:p>
-            <a:endParaRPr lang="en-US" dirty="0"/>
-          </a:p>
-          <a:p>
-            <a:r>
-              <a:rPr lang="en-US" dirty="0"/>
-              <a:t>#3 – this is the hard part – you can generate a component, but then you have to write code to make that component do something</a:t>
-            </a:r>
-          </a:p>
-          <a:p>
-            <a:endParaRPr lang="en-US" dirty="0"/>
-          </a:p>
-          <a:p>
-            <a:r>
-              <a:rPr lang="en-US" dirty="0"/>
-              <a:t>#4 – this is like compiling your angular project</a:t>
-            </a:r>
-          </a:p>
-          <a:p>
-            <a:endParaRPr lang="en-US" dirty="0"/>
-          </a:p>
-          <a:p>
-            <a:r>
-              <a:rPr lang="en-US" dirty="0"/>
-              <a:t>#5 – this launches the angular site. You don’t have to do this, you could integrate it with your MVC site or </a:t>
-            </a:r>
-            <a:r>
-              <a:rPr lang="en-US" dirty="0" err="1"/>
-              <a:t>WebAPI</a:t>
-            </a:r>
-            <a:r>
-              <a:rPr lang="en-US" dirty="0"/>
-              <a:t> project, </a:t>
+              <a:t>, </a:t>
             </a:r>
             <a:r>
               <a:rPr lang="en-US" dirty="0" err="1"/>
               <a:t>etc</a:t>
             </a:r>
-            <a:r>
-              <a:rPr lang="en-US" dirty="0"/>
-              <a:t>, but I want to demonstrate that angular is more decoupled</a:t>
-            </a:r>
-          </a:p>
-          <a:p>
-            <a:r>
-              <a:rPr lang="en-US" dirty="0"/>
-              <a:t>than a traditional site that just sprinkles in </a:t>
-            </a:r>
-            <a:r>
-              <a:rPr lang="en-US" dirty="0" err="1"/>
-              <a:t>javascript</a:t>
-            </a:r>
-            <a:r>
-              <a:rPr lang="en-US" dirty="0"/>
-              <a:t> with </a:t>
-            </a:r>
-            <a:r>
-              <a:rPr lang="en-US" dirty="0" err="1"/>
-              <a:t>jquery</a:t>
-            </a:r>
+            <a:endParaRPr lang="en-US" dirty="0"/>
+          </a:p>
+          <a:p>
+            <a:endParaRPr lang="en-US" dirty="0"/>
+          </a:p>
+          <a:p>
             <a:endParaRPr lang="en-US" dirty="0"/>
           </a:p>
         </p:txBody>
@@ -877,7 +824,7 @@
           <a:p>
             <a:fld id="{F39351FC-18D6-4741-8EEB-9FDB1F020AAC}" type="slidenum">
               <a:rPr lang="en-US" smtClean="0"/>
-              <a:t>7</a:t>
+              <a:t>6</a:t>
             </a:fld>
             <a:endParaRPr lang="en-US"/>
           </a:p>
@@ -886,104 +833,7 @@
     </p:spTree>
     <p:extLst>
       <p:ext uri="{BB962C8B-B14F-4D97-AF65-F5344CB8AC3E}">
-        <p14:creationId xmlns:p14="http://schemas.microsoft.com/office/powerpoint/2010/main" val="1923860979"/>
-      </p:ext>
-    </p:extLst>
-  </p:cSld>
-  <p:clrMapOvr>
-    <a:masterClrMapping/>
-  </p:clrMapOvr>
-</p:notes>
-</file>
-
-<file path=ppt/notesSlides/notesSlide10.xml><?xml version="1.0" encoding="utf-8"?>
-<p:notes xmlns:a="http://schemas.openxmlformats.org/drawingml/2006/main" xmlns:r="http://schemas.openxmlformats.org/officeDocument/2006/relationships" xmlns:p="http://schemas.openxmlformats.org/presentationml/2006/main">
-  <p:cSld>
-    <p:spTree>
-      <p:nvGrpSpPr>
-        <p:cNvPr id="1" name=""/>
-        <p:cNvGrpSpPr/>
-        <p:nvPr/>
-      </p:nvGrpSpPr>
-      <p:grpSpPr>
-        <a:xfrm>
-          <a:off x="0" y="0"/>
-          <a:ext cx="0" cy="0"/>
-          <a:chOff x="0" y="0"/>
-          <a:chExt cx="0" cy="0"/>
-        </a:xfrm>
-      </p:grpSpPr>
-      <p:sp>
-        <p:nvSpPr>
-          <p:cNvPr id="2" name="Slide Image Placeholder 1"/>
-          <p:cNvSpPr>
-            <a:spLocks noGrp="1" noRot="1" noChangeAspect="1"/>
-          </p:cNvSpPr>
-          <p:nvPr>
-            <p:ph type="sldImg"/>
-          </p:nvPr>
-        </p:nvSpPr>
-        <p:spPr/>
-      </p:sp>
-      <p:sp>
-        <p:nvSpPr>
-          <p:cNvPr id="3" name="Notes Placeholder 2"/>
-          <p:cNvSpPr>
-            <a:spLocks noGrp="1"/>
-          </p:cNvSpPr>
-          <p:nvPr>
-            <p:ph type="body" idx="1"/>
-          </p:nvPr>
-        </p:nvSpPr>
-        <p:spPr/>
-        <p:txBody>
-          <a:bodyPr/>
-          <a:lstStyle/>
-          <a:p>
-            <a:r>
-              <a:rPr lang="en-US" dirty="0"/>
-              <a:t>We</a:t>
-            </a:r>
-            <a:r>
-              <a:rPr lang="en-US" baseline="0" dirty="0"/>
-              <a:t> started this workshop a while ago, but we haven’t been keeping up with Angular, so you might get an error message if you don’t use 1.0.0-beta.10</a:t>
-            </a:r>
-          </a:p>
-          <a:p>
-            <a:r>
-              <a:rPr lang="en-US" baseline="0" dirty="0"/>
-              <a:t>Then kick off the angular server with ng serve</a:t>
-            </a:r>
-          </a:p>
-        </p:txBody>
-      </p:sp>
-      <p:sp>
-        <p:nvSpPr>
-          <p:cNvPr id="4" name="Slide Number Placeholder 3"/>
-          <p:cNvSpPr>
-            <a:spLocks noGrp="1"/>
-          </p:cNvSpPr>
-          <p:nvPr>
-            <p:ph type="sldNum" sz="quarter" idx="10"/>
-          </p:nvPr>
-        </p:nvSpPr>
-        <p:spPr/>
-        <p:txBody>
-          <a:bodyPr/>
-          <a:lstStyle/>
-          <a:p>
-            <a:fld id="{F39351FC-18D6-4741-8EEB-9FDB1F020AAC}" type="slidenum">
-              <a:rPr lang="en-US" smtClean="0"/>
-              <a:t>17</a:t>
-            </a:fld>
-            <a:endParaRPr lang="en-US"/>
-          </a:p>
-        </p:txBody>
-      </p:sp>
-    </p:spTree>
-    <p:extLst>
-      <p:ext uri="{BB962C8B-B14F-4D97-AF65-F5344CB8AC3E}">
-        <p14:creationId xmlns:p14="http://schemas.microsoft.com/office/powerpoint/2010/main" val="1659110175"/>
+        <p14:creationId xmlns:p14="http://schemas.microsoft.com/office/powerpoint/2010/main" val="1755348127"/>
       </p:ext>
     </p:extLst>
   </p:cSld>
@@ -1039,39 +889,17 @@
           <a:p>
             <a:r>
               <a:rPr lang="en-US" dirty="0"/>
-              <a:t>This lab we’re using </a:t>
-            </a:r>
-            <a:r>
-              <a:rPr lang="en-US" dirty="0" err="1"/>
-              <a:t>TypeScript</a:t>
-            </a:r>
+              <a:t>ASP.NET Core is the cross-platform version of ASP.NET</a:t>
+            </a:r>
+          </a:p>
+          <a:p>
             <a:r>
               <a:rPr lang="en-US" dirty="0"/>
-              <a:t>, which compiles to JavaScript</a:t>
+              <a:t>Instead of being dependent on IIS, it has its own web server called Kestrel</a:t>
             </a:r>
           </a:p>
           <a:p>
             <a:endParaRPr lang="en-US" dirty="0"/>
-          </a:p>
-          <a:p>
-            <a:r>
-              <a:rPr lang="en-US" dirty="0"/>
-              <a:t>I’m not going to teach you </a:t>
-            </a:r>
-            <a:r>
-              <a:rPr lang="en-US" dirty="0" err="1"/>
-              <a:t>TypeScript</a:t>
-            </a:r>
-            <a:r>
-              <a:rPr lang="en-US" dirty="0"/>
-              <a:t> today, but for the most part, think of it like a strongly typed version of JavaScript</a:t>
-            </a:r>
-          </a:p>
-          <a:p>
-            <a:r>
-              <a:rPr lang="en-US" dirty="0"/>
-              <a:t>And if you have any problems, I’ll try to help</a:t>
-            </a:r>
           </a:p>
           <a:p>
             <a:endParaRPr lang="en-US" dirty="0"/>
@@ -1095,7 +923,7 @@
           <a:p>
             <a:fld id="{F39351FC-18D6-4741-8EEB-9FDB1F020AAC}" type="slidenum">
               <a:rPr lang="en-US" smtClean="0"/>
-              <a:t>8</a:t>
+              <a:t>7</a:t>
             </a:fld>
             <a:endParaRPr lang="en-US"/>
           </a:p>
@@ -1104,7 +932,7 @@
     </p:spTree>
     <p:extLst>
       <p:ext uri="{BB962C8B-B14F-4D97-AF65-F5344CB8AC3E}">
-        <p14:creationId xmlns:p14="http://schemas.microsoft.com/office/powerpoint/2010/main" val="455377438"/>
+        <p14:creationId xmlns:p14="http://schemas.microsoft.com/office/powerpoint/2010/main" val="3678091344"/>
       </p:ext>
     </p:extLst>
   </p:cSld>
@@ -1160,98 +988,19 @@
           <a:p>
             <a:r>
               <a:rPr lang="en-US" dirty="0"/>
-              <a:t>Note that </a:t>
+              <a:t>This is a graphic from </a:t>
             </a:r>
             <a:r>
               <a:rPr lang="en-US" dirty="0" err="1"/>
-              <a:t>AppComponent</a:t>
+              <a:t>Hanselman's</a:t>
             </a:r>
             <a:r>
               <a:rPr lang="en-US" dirty="0"/>
-              <a:t> is the “root” component that is bootstrapped</a:t>
+              <a:t> blog</a:t>
             </a:r>
           </a:p>
           <a:p>
             <a:endParaRPr lang="en-US" dirty="0"/>
-          </a:p>
-          <a:p>
-            <a:r>
-              <a:rPr lang="en-US" dirty="0"/>
-              <a:t>I also import other components, which roughly correspond to a page. </a:t>
-            </a:r>
-            <a:r>
-              <a:rPr lang="en-US" dirty="0" err="1"/>
-              <a:t>Kinda</a:t>
-            </a:r>
-            <a:r>
-              <a:rPr lang="en-US" dirty="0"/>
-              <a:t> like an ASP.NET </a:t>
-            </a:r>
-            <a:r>
-              <a:rPr lang="en-US" dirty="0" err="1"/>
-              <a:t>WebForms</a:t>
-            </a:r>
-            <a:r>
-              <a:rPr lang="en-US" dirty="0"/>
-              <a:t> page is how I think of it</a:t>
-            </a:r>
-          </a:p>
-          <a:p>
-            <a:endParaRPr lang="en-US" dirty="0"/>
-          </a:p>
-          <a:p>
-            <a:r>
-              <a:rPr lang="en-US" dirty="0"/>
-              <a:t>The ‘imports’ are elements that can be injected into components as needed.</a:t>
-            </a:r>
-          </a:p>
-          <a:p>
-            <a:endParaRPr lang="en-US" dirty="0"/>
-          </a:p>
-          <a:p>
-            <a:r>
-              <a:rPr lang="en-US" dirty="0"/>
-              <a:t>For instance, I’m importing </a:t>
-            </a:r>
-            <a:r>
-              <a:rPr lang="en-US" dirty="0" err="1"/>
-              <a:t>HttpModule</a:t>
-            </a:r>
-            <a:r>
-              <a:rPr lang="en-US" dirty="0"/>
-              <a:t> because I’ll want to make Http requests to the REST backend</a:t>
-            </a:r>
-          </a:p>
-          <a:p>
-            <a:r>
-              <a:rPr lang="en-US" dirty="0"/>
-              <a:t>The </a:t>
-            </a:r>
-            <a:r>
-              <a:rPr lang="en-US" dirty="0" err="1"/>
-              <a:t>RouterModule</a:t>
-            </a:r>
-            <a:r>
-              <a:rPr lang="en-US" dirty="0"/>
-              <a:t> is used to set up which routes go to which components</a:t>
-            </a:r>
-          </a:p>
-          <a:p>
-            <a:endParaRPr lang="en-US" dirty="0"/>
-          </a:p>
-          <a:p>
-            <a:r>
-              <a:rPr lang="en-US" dirty="0"/>
-              <a:t>I’ve created a Utility provider that’s </a:t>
-            </a:r>
-            <a:r>
-              <a:rPr lang="en-US" dirty="0" err="1"/>
-              <a:t>injectible</a:t>
-            </a:r>
-            <a:r>
-              <a:rPr lang="en-US" dirty="0"/>
-              <a:t>, but it is not required</a:t>
-            </a:r>
           </a:p>
         </p:txBody>
       </p:sp>
@@ -1272,7 +1021,7 @@
           <a:p>
             <a:fld id="{F39351FC-18D6-4741-8EEB-9FDB1F020AAC}" type="slidenum">
               <a:rPr lang="en-US" smtClean="0"/>
-              <a:t>10</a:t>
+              <a:t>8</a:t>
             </a:fld>
             <a:endParaRPr lang="en-US"/>
           </a:p>
@@ -1281,7 +1030,7 @@
     </p:spTree>
     <p:extLst>
       <p:ext uri="{BB962C8B-B14F-4D97-AF65-F5344CB8AC3E}">
-        <p14:creationId xmlns:p14="http://schemas.microsoft.com/office/powerpoint/2010/main" val="2733430341"/>
+        <p14:creationId xmlns:p14="http://schemas.microsoft.com/office/powerpoint/2010/main" val="3148393907"/>
       </p:ext>
     </p:extLst>
   </p:cSld>
@@ -1337,19 +1086,109 @@
           <a:p>
             <a:r>
               <a:rPr lang="en-US" dirty="0"/>
-              <a:t>This is the basic structure of a component</a:t>
+              <a:t>Confusing part is that ASP.NET Core can be used with both .NET and .NET Core</a:t>
             </a:r>
           </a:p>
           <a:p>
             <a:r>
               <a:rPr lang="en-US" dirty="0"/>
-              <a:t>Note that @Component associates this with an HTML file and (optionally) a CSS file</a:t>
-            </a:r>
+              <a:t>In this workshop, I've given you source code for ASP.NET Core on .NET Core and ASP.NET on Full .NET just to keep things simple</a:t>
+            </a:r>
+          </a:p>
+          <a:p>
+            <a:endParaRPr lang="en-US" dirty="0"/>
           </a:p>
           <a:p>
             <a:r>
               <a:rPr lang="en-US" dirty="0"/>
-              <a:t>The HTML file can contain both raw HTML and angular templating</a:t>
+              <a:t>It's all a bit confusing, here's a table I made. It's a bit of a simplification, but I think it's accurate.</a:t>
+            </a:r>
+          </a:p>
+          <a:p>
+            <a:endParaRPr lang="en-US" dirty="0"/>
+          </a:p>
+          <a:p>
+            <a:r>
+              <a:rPr lang="en-US" dirty="0"/>
+              <a:t>Don't even mention Mono, that just makes it more complicated.</a:t>
+            </a:r>
+          </a:p>
+          <a:p>
+            <a:endParaRPr lang="en-US" dirty="0"/>
+          </a:p>
+          <a:p>
+            <a:r>
+              <a:rPr lang="en-US" dirty="0"/>
+              <a:t>Why would I not use ASP.NET Core?</a:t>
+            </a:r>
+          </a:p>
+          <a:p>
+            <a:pPr marL="171450" marR="0" lvl="0" indent="-171450" algn="l" defTabSz="457200" rtl="0" eaLnBrk="1" fontAlgn="auto" latinLnBrk="0" hangingPunct="1">
+              <a:lnSpc>
+                <a:spcPct val="100000"/>
+              </a:lnSpc>
+              <a:spcBef>
+                <a:spcPts val="0"/>
+              </a:spcBef>
+              <a:spcAft>
+                <a:spcPts val="0"/>
+              </a:spcAft>
+              <a:buClrTx/>
+              <a:buSzTx/>
+              <a:buFont typeface="Arial" panose="020B0604020202020204" pitchFamily="34" charset="0"/>
+              <a:buChar char="•"/>
+              <a:tabLst/>
+              <a:defRPr/>
+            </a:pPr>
+            <a:r>
+              <a:rPr lang="en-US" dirty="0"/>
+              <a:t>If you already are using ASP.NET then you may not need to change. ASP.NET support isn't going away, no need to leave</a:t>
+            </a:r>
+          </a:p>
+          <a:p>
+            <a:pPr marL="171450" indent="-171450">
+              <a:buFont typeface="Arial" panose="020B0604020202020204" pitchFamily="34" charset="0"/>
+              <a:buChar char="•"/>
+            </a:pPr>
+            <a:r>
+              <a:rPr lang="en-US" dirty="0"/>
+              <a:t>3</a:t>
+            </a:r>
+            <a:r>
+              <a:rPr lang="en-US" baseline="30000" dirty="0"/>
+              <a:t>rd</a:t>
+            </a:r>
+            <a:r>
+              <a:rPr lang="en-US" dirty="0"/>
+              <a:t> party library support for ASP.NET Core will get there, but libraries and 3</a:t>
+            </a:r>
+            <a:r>
+              <a:rPr lang="en-US" baseline="30000" dirty="0"/>
+              <a:t>rd</a:t>
+            </a:r>
+            <a:r>
+              <a:rPr lang="en-US" dirty="0"/>
+              <a:t> part tools may not support it yet.</a:t>
+            </a:r>
+          </a:p>
+          <a:p>
+            <a:pPr marL="171450" indent="-171450">
+              <a:buFont typeface="Arial" panose="020B0604020202020204" pitchFamily="34" charset="0"/>
+              <a:buChar char="•"/>
+            </a:pPr>
+            <a:endParaRPr lang="en-US" dirty="0"/>
+          </a:p>
+          <a:p>
+            <a:pPr marL="171450" indent="-171450">
+              <a:buFont typeface="Arial" panose="020B0604020202020204" pitchFamily="34" charset="0"/>
+              <a:buChar char="•"/>
+            </a:pPr>
+            <a:endParaRPr lang="en-US" dirty="0"/>
+          </a:p>
+          <a:p>
+            <a:r>
+              <a:rPr lang="en-US" dirty="0"/>
+              <a:t> </a:t>
             </a:r>
           </a:p>
         </p:txBody>
@@ -1371,7 +1210,7 @@
           <a:p>
             <a:fld id="{F39351FC-18D6-4741-8EEB-9FDB1F020AAC}" type="slidenum">
               <a:rPr lang="en-US" smtClean="0"/>
-              <a:t>11</a:t>
+              <a:t>9</a:t>
             </a:fld>
             <a:endParaRPr lang="en-US"/>
           </a:p>
@@ -1380,7 +1219,7 @@
     </p:spTree>
     <p:extLst>
       <p:ext uri="{BB962C8B-B14F-4D97-AF65-F5344CB8AC3E}">
-        <p14:creationId xmlns:p14="http://schemas.microsoft.com/office/powerpoint/2010/main" val="3770943403"/>
+        <p14:creationId xmlns:p14="http://schemas.microsoft.com/office/powerpoint/2010/main" val="232457646"/>
       </p:ext>
     </p:extLst>
   </p:cSld>
@@ -1436,76 +1275,28 @@
           <a:p>
             <a:r>
               <a:rPr lang="en-US" dirty="0"/>
-              <a:t>Here’s an example using the HTTP component to make a GET request to a given endpoint</a:t>
-            </a:r>
+              <a:t>Visual Studio bears this out with three options:</a:t>
+            </a:r>
+          </a:p>
+          <a:p>
+            <a:endParaRPr lang="en-US" dirty="0"/>
           </a:p>
           <a:p>
             <a:r>
               <a:rPr lang="en-US" dirty="0"/>
-              <a:t>It’s also using </a:t>
-            </a:r>
-            <a:r>
-              <a:rPr lang="en-US" dirty="0" err="1"/>
-              <a:t>RxJS</a:t>
-            </a:r>
+              <a:t>First one: classic ASP.NET on the full .NET framework (this is one of your options in this workshop)</a:t>
+            </a:r>
+          </a:p>
+          <a:p>
             <a:r>
               <a:rPr lang="en-US" dirty="0"/>
-              <a:t> to treat HTTP requests as Observables</a:t>
+              <a:t>Second one: new ASP.NET core on the .NET Core framework (this is the other option in this workshop)</a:t>
             </a:r>
           </a:p>
           <a:p>
             <a:r>
               <a:rPr lang="en-US" dirty="0"/>
-              <a:t>This is nice because we don’t need to worry about a bunch of callbacks, but you don’t have to use it</a:t>
-            </a:r>
-          </a:p>
-          <a:p>
-            <a:r>
-              <a:rPr lang="en-US" dirty="0"/>
-              <a:t>I’m also doing this request in the </a:t>
-            </a:r>
-            <a:r>
-              <a:rPr lang="en-US" dirty="0" err="1"/>
-              <a:t>ngOnInit</a:t>
-            </a:r>
-            <a:r>
-              <a:rPr lang="en-US" dirty="0"/>
-              <a:t> because doing an HTTP request should wait until initialization and not be in the constructor</a:t>
-            </a:r>
-          </a:p>
-          <a:p>
-            <a:endParaRPr lang="en-US" dirty="0"/>
-          </a:p>
-          <a:p>
-            <a:r>
-              <a:rPr lang="en-US" dirty="0"/>
-              <a:t>After </a:t>
-            </a:r>
-            <a:r>
-              <a:rPr lang="en-US" dirty="0" err="1"/>
-              <a:t>ngOnInit</a:t>
-            </a:r>
-            <a:r>
-              <a:rPr lang="en-US" dirty="0"/>
-              <a:t> finishes, the people array will contain data. The list.component.html can reference this people object in order to display information.</a:t>
-            </a:r>
-          </a:p>
-          <a:p>
-            <a:endParaRPr lang="en-US" dirty="0"/>
-          </a:p>
-          <a:p>
-            <a:r>
-              <a:rPr lang="en-US" dirty="0"/>
-              <a:t>It’s important to note than whenever this people array gets modified, list.component.html will be refreshed with the new data</a:t>
-            </a:r>
-          </a:p>
-          <a:p>
-            <a:endParaRPr lang="en-US" dirty="0"/>
-          </a:p>
-          <a:p>
-            <a:r>
-              <a:rPr lang="en-US" dirty="0"/>
-              <a:t>In turn, you can have actions in the browser correspond to methods in this “code behind” page</a:t>
+              <a:t>Third one: new ASP.NET core on the full .NET framework (not covered in this workshop)</a:t>
             </a:r>
           </a:p>
         </p:txBody>
@@ -1527,7 +1318,7 @@
           <a:p>
             <a:fld id="{F39351FC-18D6-4741-8EEB-9FDB1F020AAC}" type="slidenum">
               <a:rPr lang="en-US" smtClean="0"/>
-              <a:t>12</a:t>
+              <a:t>10</a:t>
             </a:fld>
             <a:endParaRPr lang="en-US"/>
           </a:p>
@@ -1536,7 +1327,7 @@
     </p:spTree>
     <p:extLst>
       <p:ext uri="{BB962C8B-B14F-4D97-AF65-F5344CB8AC3E}">
-        <p14:creationId xmlns:p14="http://schemas.microsoft.com/office/powerpoint/2010/main" val="2062430066"/>
+        <p14:creationId xmlns:p14="http://schemas.microsoft.com/office/powerpoint/2010/main" val="4068474245"/>
       </p:ext>
     </p:extLst>
   </p:cSld>
@@ -1592,33 +1383,46 @@
           <a:p>
             <a:r>
               <a:rPr lang="en-US" dirty="0"/>
-              <a:t>This is a template</a:t>
-            </a:r>
-          </a:p>
-          <a:p>
+              <a:t>If you've not used </a:t>
+            </a:r>
+            <a:r>
+              <a:rPr lang="en-US" dirty="0" err="1"/>
+              <a:t>WebAPI</a:t>
+            </a:r>
             <a:r>
               <a:rPr lang="en-US" dirty="0"/>
-              <a:t>It’s mostly plain HTML</a:t>
-            </a:r>
+              <a:t> before, think of it like MVC, except you're generally returning JSON (or XML) instead of HTML from Razor templates</a:t>
+            </a:r>
+          </a:p>
+          <a:p>
+            <a:endParaRPr lang="en-US" dirty="0"/>
           </a:p>
           <a:p>
             <a:r>
               <a:rPr lang="en-US" dirty="0"/>
-              <a:t>But there is some Angular in here. </a:t>
+              <a:t>If you've not used MVC before, then you are in for a treat. You may struggle a bit with this workshop</a:t>
+            </a:r>
+          </a:p>
+          <a:p>
+            <a:r>
+              <a:rPr lang="en-US" dirty="0"/>
+              <a:t>But don't worry, you'll get through it, and you're </a:t>
             </a:r>
             <a:r>
               <a:rPr lang="en-US" dirty="0" err="1"/>
-              <a:t>Kinda</a:t>
+              <a:t>gonna</a:t>
             </a:r>
             <a:r>
               <a:rPr lang="en-US" dirty="0"/>
-              <a:t> like Mustache if you’ve seen that before</a:t>
-            </a:r>
-          </a:p>
-          <a:p>
+              <a:t> like it a lot more than ASP.NET </a:t>
+            </a:r>
+            <a:r>
+              <a:rPr lang="en-US" dirty="0" err="1"/>
+              <a:t>WebForms</a:t>
+            </a:r>
             <a:r>
               <a:rPr lang="en-US" dirty="0"/>
-              <a:t>Or you can think of it like a client side Razor</a:t>
+              <a:t>..</a:t>
             </a:r>
           </a:p>
           <a:p>
@@ -1627,23 +1431,21 @@
           <a:p>
             <a:r>
               <a:rPr lang="en-US" dirty="0"/>
-              <a:t>Note the </a:t>
+              <a:t>If you've not used ASP.NET </a:t>
             </a:r>
             <a:r>
               <a:rPr lang="en-US" dirty="0" err="1"/>
-              <a:t>ngFor</a:t>
+              <a:t>WebForms</a:t>
             </a:r>
             <a:r>
               <a:rPr lang="en-US" dirty="0"/>
-              <a:t>, and the {{ </a:t>
-            </a:r>
-            <a:r>
-              <a:rPr lang="en-US" dirty="0" err="1"/>
-              <a:t>person.foo</a:t>
-            </a:r>
+              <a:t> or any ASP.NET before or any C# before, then you're really going to struggle since this is only a half-day workshop.</a:t>
+            </a:r>
+          </a:p>
+          <a:p>
             <a:r>
               <a:rPr lang="en-US" dirty="0"/>
-              <a:t> }}</a:t>
+              <a:t>I encourage you to sit near someone who has a bit more experience.</a:t>
             </a:r>
           </a:p>
         </p:txBody>
@@ -1665,7 +1467,7 @@
           <a:p>
             <a:fld id="{F39351FC-18D6-4741-8EEB-9FDB1F020AAC}" type="slidenum">
               <a:rPr lang="en-US" smtClean="0"/>
-              <a:t>13</a:t>
+              <a:t>11</a:t>
             </a:fld>
             <a:endParaRPr lang="en-US"/>
           </a:p>
@@ -1674,7 +1476,7 @@
     </p:spTree>
     <p:extLst>
       <p:ext uri="{BB962C8B-B14F-4D97-AF65-F5344CB8AC3E}">
-        <p14:creationId xmlns:p14="http://schemas.microsoft.com/office/powerpoint/2010/main" val="3981243878"/>
+        <p14:creationId xmlns:p14="http://schemas.microsoft.com/office/powerpoint/2010/main" val="958340526"/>
       </p:ext>
     </p:extLst>
   </p:cSld>
@@ -1730,16 +1532,17 @@
           <a:p>
             <a:r>
               <a:rPr lang="en-US" dirty="0"/>
-              <a:t>This is how we can wire up an event, like click, to execute some piece of code</a:t>
-            </a:r>
-          </a:p>
-          <a:p>
-            <a:endParaRPr lang="en-US" dirty="0"/>
-          </a:p>
-          <a:p>
-            <a:r>
-              <a:rPr lang="en-US" dirty="0"/>
-              <a:t>This says to angular, when this element is clicked, execute the bar method with the given parameters</a:t>
+              <a:t>We</a:t>
+            </a:r>
+            <a:r>
+              <a:rPr lang="en-US" baseline="0" dirty="0"/>
+              <a:t> started this workshop a while ago, but we haven’t been keeping up with Angular, so you might get an error message if you don’t use 1.0.0-beta.10</a:t>
+            </a:r>
+          </a:p>
+          <a:p>
+            <a:r>
+              <a:rPr lang="en-US" baseline="0" dirty="0"/>
+              <a:t>Then kick off the angular server with ng serve</a:t>
             </a:r>
           </a:p>
         </p:txBody>
@@ -1761,7 +1564,7 @@
           <a:p>
             <a:fld id="{F39351FC-18D6-4741-8EEB-9FDB1F020AAC}" type="slidenum">
               <a:rPr lang="en-US" smtClean="0"/>
-              <a:t>14</a:t>
+              <a:t>15</a:t>
             </a:fld>
             <a:endParaRPr lang="en-US"/>
           </a:p>
@@ -1770,204 +1573,7 @@
     </p:spTree>
     <p:extLst>
       <p:ext uri="{BB962C8B-B14F-4D97-AF65-F5344CB8AC3E}">
-        <p14:creationId xmlns:p14="http://schemas.microsoft.com/office/powerpoint/2010/main" val="3338695438"/>
-      </p:ext>
-    </p:extLst>
-  </p:cSld>
-  <p:clrMapOvr>
-    <a:masterClrMapping/>
-  </p:clrMapOvr>
-</p:notes>
-</file>
-
-<file path=ppt/notesSlides/notesSlide8.xml><?xml version="1.0" encoding="utf-8"?>
-<p:notes xmlns:a="http://schemas.openxmlformats.org/drawingml/2006/main" xmlns:r="http://schemas.openxmlformats.org/officeDocument/2006/relationships" xmlns:p="http://schemas.openxmlformats.org/presentationml/2006/main">
-  <p:cSld>
-    <p:spTree>
-      <p:nvGrpSpPr>
-        <p:cNvPr id="1" name=""/>
-        <p:cNvGrpSpPr/>
-        <p:nvPr/>
-      </p:nvGrpSpPr>
-      <p:grpSpPr>
-        <a:xfrm>
-          <a:off x="0" y="0"/>
-          <a:ext cx="0" cy="0"/>
-          <a:chOff x="0" y="0"/>
-          <a:chExt cx="0" cy="0"/>
-        </a:xfrm>
-      </p:grpSpPr>
-      <p:sp>
-        <p:nvSpPr>
-          <p:cNvPr id="2" name="Slide Image Placeholder 1"/>
-          <p:cNvSpPr>
-            <a:spLocks noGrp="1" noRot="1" noChangeAspect="1"/>
-          </p:cNvSpPr>
-          <p:nvPr>
-            <p:ph type="sldImg"/>
-          </p:nvPr>
-        </p:nvSpPr>
-        <p:spPr/>
-      </p:sp>
-      <p:sp>
-        <p:nvSpPr>
-          <p:cNvPr id="3" name="Notes Placeholder 2"/>
-          <p:cNvSpPr>
-            <a:spLocks noGrp="1"/>
-          </p:cNvSpPr>
-          <p:nvPr>
-            <p:ph type="body" idx="1"/>
-          </p:nvPr>
-        </p:nvSpPr>
-        <p:spPr/>
-        <p:txBody>
-          <a:bodyPr/>
-          <a:lstStyle/>
-          <a:p>
-            <a:r>
-              <a:rPr lang="en-US" dirty="0"/>
-              <a:t>This will use the Angular Router to create a link to the given route</a:t>
-            </a:r>
-          </a:p>
-          <a:p>
-            <a:endParaRPr lang="en-US" dirty="0"/>
-          </a:p>
-          <a:p>
-            <a:r>
-              <a:rPr lang="en-US" dirty="0"/>
-              <a:t>We’ve already defined routes back in </a:t>
-            </a:r>
-            <a:r>
-              <a:rPr lang="en-US" dirty="0" err="1"/>
-              <a:t>app.module.ts</a:t>
-            </a:r>
-            <a:endParaRPr lang="en-US" dirty="0"/>
-          </a:p>
-        </p:txBody>
-      </p:sp>
-      <p:sp>
-        <p:nvSpPr>
-          <p:cNvPr id="4" name="Slide Number Placeholder 3"/>
-          <p:cNvSpPr>
-            <a:spLocks noGrp="1"/>
-          </p:cNvSpPr>
-          <p:nvPr>
-            <p:ph type="sldNum" sz="quarter" idx="10"/>
-          </p:nvPr>
-        </p:nvSpPr>
-        <p:spPr/>
-        <p:txBody>
-          <a:bodyPr/>
-          <a:lstStyle/>
-          <a:p>
-            <a:fld id="{F39351FC-18D6-4741-8EEB-9FDB1F020AAC}" type="slidenum">
-              <a:rPr lang="en-US" smtClean="0"/>
-              <a:t>15</a:t>
-            </a:fld>
-            <a:endParaRPr lang="en-US"/>
-          </a:p>
-        </p:txBody>
-      </p:sp>
-    </p:spTree>
-    <p:extLst>
-      <p:ext uri="{BB962C8B-B14F-4D97-AF65-F5344CB8AC3E}">
-        <p14:creationId xmlns:p14="http://schemas.microsoft.com/office/powerpoint/2010/main" val="4174900080"/>
-      </p:ext>
-    </p:extLst>
-  </p:cSld>
-  <p:clrMapOvr>
-    <a:masterClrMapping/>
-  </p:clrMapOvr>
-</p:notes>
-</file>
-
-<file path=ppt/notesSlides/notesSlide9.xml><?xml version="1.0" encoding="utf-8"?>
-<p:notes xmlns:a="http://schemas.openxmlformats.org/drawingml/2006/main" xmlns:r="http://schemas.openxmlformats.org/officeDocument/2006/relationships" xmlns:p="http://schemas.openxmlformats.org/presentationml/2006/main">
-  <p:cSld>
-    <p:spTree>
-      <p:nvGrpSpPr>
-        <p:cNvPr id="1" name=""/>
-        <p:cNvGrpSpPr/>
-        <p:nvPr/>
-      </p:nvGrpSpPr>
-      <p:grpSpPr>
-        <a:xfrm>
-          <a:off x="0" y="0"/>
-          <a:ext cx="0" cy="0"/>
-          <a:chOff x="0" y="0"/>
-          <a:chExt cx="0" cy="0"/>
-        </a:xfrm>
-      </p:grpSpPr>
-      <p:sp>
-        <p:nvSpPr>
-          <p:cNvPr id="2" name="Slide Image Placeholder 1"/>
-          <p:cNvSpPr>
-            <a:spLocks noGrp="1" noRot="1" noChangeAspect="1"/>
-          </p:cNvSpPr>
-          <p:nvPr>
-            <p:ph type="sldImg"/>
-          </p:nvPr>
-        </p:nvSpPr>
-        <p:spPr/>
-      </p:sp>
-      <p:sp>
-        <p:nvSpPr>
-          <p:cNvPr id="3" name="Notes Placeholder 2"/>
-          <p:cNvSpPr>
-            <a:spLocks noGrp="1"/>
-          </p:cNvSpPr>
-          <p:nvPr>
-            <p:ph type="body" idx="1"/>
-          </p:nvPr>
-        </p:nvSpPr>
-        <p:spPr/>
-        <p:txBody>
-          <a:bodyPr/>
-          <a:lstStyle/>
-          <a:p>
-            <a:r>
-              <a:rPr lang="en-US" dirty="0"/>
-              <a:t>So that should be enough to get you started.</a:t>
-            </a:r>
-          </a:p>
-          <a:p>
-            <a:endParaRPr lang="en-US" dirty="0"/>
-          </a:p>
-          <a:p>
-            <a:r>
-              <a:rPr lang="en-US" dirty="0"/>
-              <a:t>Here are the files in </a:t>
-            </a:r>
-          </a:p>
-        </p:txBody>
-      </p:sp>
-      <p:sp>
-        <p:nvSpPr>
-          <p:cNvPr id="4" name="Slide Number Placeholder 3"/>
-          <p:cNvSpPr>
-            <a:spLocks noGrp="1"/>
-          </p:cNvSpPr>
-          <p:nvPr>
-            <p:ph type="sldNum" sz="quarter" idx="10"/>
-          </p:nvPr>
-        </p:nvSpPr>
-        <p:spPr/>
-        <p:txBody>
-          <a:bodyPr/>
-          <a:lstStyle/>
-          <a:p>
-            <a:fld id="{F39351FC-18D6-4741-8EEB-9FDB1F020AAC}" type="slidenum">
-              <a:rPr lang="en-US" smtClean="0"/>
-              <a:t>16</a:t>
-            </a:fld>
-            <a:endParaRPr lang="en-US"/>
-          </a:p>
-        </p:txBody>
-      </p:sp>
-    </p:spTree>
-    <p:extLst>
-      <p:ext uri="{BB962C8B-B14F-4D97-AF65-F5344CB8AC3E}">
-        <p14:creationId xmlns:p14="http://schemas.microsoft.com/office/powerpoint/2010/main" val="1787420976"/>
+        <p14:creationId xmlns:p14="http://schemas.microsoft.com/office/powerpoint/2010/main" val="1659110175"/>
       </p:ext>
     </p:extLst>
   </p:cSld>
@@ -7890,1144 +7496,40 @@
           <a:lstStyle/>
           <a:p>
             <a:r>
-              <a:rPr lang="en-US" dirty="0" err="1"/>
-              <a:t>src</a:t>
-            </a:r>
-            <a:r>
               <a:rPr lang="en-US" dirty="0"/>
-              <a:t>/app/</a:t>
-            </a:r>
-            <a:r>
-              <a:rPr lang="en-US" dirty="0" err="1"/>
-              <a:t>app.module.ts</a:t>
-            </a:r>
-            <a:endParaRPr lang="en-US" dirty="0"/>
+              <a:t>ASP.NET vs ASP.NET Core</a:t>
+            </a:r>
           </a:p>
         </p:txBody>
       </p:sp>
-      <p:sp>
-        <p:nvSpPr>
-          <p:cNvPr id="7" name="Rectangle 6"/>
-          <p:cNvSpPr/>
+      <p:pic>
+        <p:nvPicPr>
+          <p:cNvPr id="4" name="Picture 3"/>
+          <p:cNvPicPr>
+            <a:picLocks noChangeAspect="1"/>
+          </p:cNvPicPr>
           <p:nvPr/>
-        </p:nvSpPr>
+        </p:nvPicPr>
+        <p:blipFill>
+          <a:blip r:embed="rId3"/>
+          <a:stretch>
+            <a:fillRect/>
+          </a:stretch>
+        </p:blipFill>
         <p:spPr>
           <a:xfrm>
-            <a:off x="2453940" y="588407"/>
-            <a:ext cx="7339263" cy="4555093"/>
+            <a:off x="416615" y="1200064"/>
+            <a:ext cx="8307587" cy="2400386"/>
           </a:xfrm>
           <a:prstGeom prst="rect">
             <a:avLst/>
           </a:prstGeom>
         </p:spPr>
-        <p:txBody>
-          <a:bodyPr wrap="square">
-            <a:spAutoFit/>
-          </a:bodyPr>
-          <a:lstStyle/>
-          <a:p>
-            <a:r>
-              <a:rPr lang="en-US" sz="1000" dirty="0">
-                <a:solidFill>
-                  <a:srgbClr val="0000FF"/>
-                </a:solidFill>
-                <a:latin typeface="Consolas" panose="020B0609020204030204" pitchFamily="49" charset="0"/>
-              </a:rPr>
-              <a:t>import</a:t>
-            </a:r>
-            <a:r>
-              <a:rPr lang="en-US" sz="1000" dirty="0">
-                <a:solidFill>
-                  <a:srgbClr val="000000"/>
-                </a:solidFill>
-                <a:latin typeface="Consolas" panose="020B0609020204030204" pitchFamily="49" charset="0"/>
-              </a:rPr>
-              <a:t> { </a:t>
-            </a:r>
-            <a:r>
-              <a:rPr lang="en-US" sz="1000" dirty="0" err="1">
-                <a:solidFill>
-                  <a:srgbClr val="000000"/>
-                </a:solidFill>
-                <a:latin typeface="Consolas" panose="020B0609020204030204" pitchFamily="49" charset="0"/>
-              </a:rPr>
-              <a:t>BrowserModule</a:t>
-            </a:r>
-            <a:r>
-              <a:rPr lang="en-US" sz="1000" dirty="0">
-                <a:solidFill>
-                  <a:srgbClr val="000000"/>
-                </a:solidFill>
-                <a:latin typeface="Consolas" panose="020B0609020204030204" pitchFamily="49" charset="0"/>
-              </a:rPr>
-              <a:t> } </a:t>
-            </a:r>
-            <a:r>
-              <a:rPr lang="en-US" sz="1000" dirty="0">
-                <a:solidFill>
-                  <a:srgbClr val="0000FF"/>
-                </a:solidFill>
-                <a:latin typeface="Consolas" panose="020B0609020204030204" pitchFamily="49" charset="0"/>
-              </a:rPr>
-              <a:t>from</a:t>
-            </a:r>
-            <a:r>
-              <a:rPr lang="en-US" sz="1000" dirty="0">
-                <a:solidFill>
-                  <a:srgbClr val="000000"/>
-                </a:solidFill>
-                <a:latin typeface="Consolas" panose="020B0609020204030204" pitchFamily="49" charset="0"/>
-              </a:rPr>
-              <a:t> </a:t>
-            </a:r>
-            <a:r>
-              <a:rPr lang="en-US" sz="1000" dirty="0">
-                <a:solidFill>
-                  <a:srgbClr val="A31515"/>
-                </a:solidFill>
-                <a:latin typeface="Consolas" panose="020B0609020204030204" pitchFamily="49" charset="0"/>
-              </a:rPr>
-              <a:t>'@angular/platform-browser'</a:t>
-            </a:r>
-            <a:r>
-              <a:rPr lang="en-US" sz="1000" dirty="0">
-                <a:solidFill>
-                  <a:srgbClr val="000000"/>
-                </a:solidFill>
-                <a:latin typeface="Consolas" panose="020B0609020204030204" pitchFamily="49" charset="0"/>
-              </a:rPr>
-              <a:t>;</a:t>
-            </a:r>
-          </a:p>
-          <a:p>
-            <a:r>
-              <a:rPr lang="en-US" sz="1000" dirty="0">
-                <a:solidFill>
-                  <a:srgbClr val="0000FF"/>
-                </a:solidFill>
-                <a:latin typeface="Consolas" panose="020B0609020204030204" pitchFamily="49" charset="0"/>
-              </a:rPr>
-              <a:t>import</a:t>
-            </a:r>
-            <a:r>
-              <a:rPr lang="en-US" sz="1000" dirty="0">
-                <a:solidFill>
-                  <a:srgbClr val="000000"/>
-                </a:solidFill>
-                <a:latin typeface="Consolas" panose="020B0609020204030204" pitchFamily="49" charset="0"/>
-              </a:rPr>
-              <a:t> { </a:t>
-            </a:r>
-            <a:r>
-              <a:rPr lang="en-US" sz="1000" dirty="0" err="1">
-                <a:solidFill>
-                  <a:srgbClr val="000000"/>
-                </a:solidFill>
-                <a:latin typeface="Consolas" panose="020B0609020204030204" pitchFamily="49" charset="0"/>
-              </a:rPr>
-              <a:t>NgModule</a:t>
-            </a:r>
-            <a:r>
-              <a:rPr lang="en-US" sz="1000" dirty="0">
-                <a:solidFill>
-                  <a:srgbClr val="000000"/>
-                </a:solidFill>
-                <a:latin typeface="Consolas" panose="020B0609020204030204" pitchFamily="49" charset="0"/>
-              </a:rPr>
-              <a:t> } </a:t>
-            </a:r>
-            <a:r>
-              <a:rPr lang="en-US" sz="1000" dirty="0">
-                <a:solidFill>
-                  <a:srgbClr val="0000FF"/>
-                </a:solidFill>
-                <a:latin typeface="Consolas" panose="020B0609020204030204" pitchFamily="49" charset="0"/>
-              </a:rPr>
-              <a:t>from</a:t>
-            </a:r>
-            <a:r>
-              <a:rPr lang="en-US" sz="1000" dirty="0">
-                <a:solidFill>
-                  <a:srgbClr val="000000"/>
-                </a:solidFill>
-                <a:latin typeface="Consolas" panose="020B0609020204030204" pitchFamily="49" charset="0"/>
-              </a:rPr>
-              <a:t> </a:t>
-            </a:r>
-            <a:r>
-              <a:rPr lang="en-US" sz="1000" dirty="0">
-                <a:solidFill>
-                  <a:srgbClr val="A31515"/>
-                </a:solidFill>
-                <a:latin typeface="Consolas" panose="020B0609020204030204" pitchFamily="49" charset="0"/>
-              </a:rPr>
-              <a:t>'@angular/core'</a:t>
-            </a:r>
-            <a:r>
-              <a:rPr lang="en-US" sz="1000" dirty="0">
-                <a:solidFill>
-                  <a:srgbClr val="000000"/>
-                </a:solidFill>
-                <a:latin typeface="Consolas" panose="020B0609020204030204" pitchFamily="49" charset="0"/>
-              </a:rPr>
-              <a:t>;</a:t>
-            </a:r>
-          </a:p>
-          <a:p>
-            <a:r>
-              <a:rPr lang="en-US" sz="1000" dirty="0">
-                <a:solidFill>
-                  <a:srgbClr val="0000FF"/>
-                </a:solidFill>
-                <a:latin typeface="Consolas" panose="020B0609020204030204" pitchFamily="49" charset="0"/>
-              </a:rPr>
-              <a:t>import</a:t>
-            </a:r>
-            <a:r>
-              <a:rPr lang="en-US" sz="1000" dirty="0">
-                <a:solidFill>
-                  <a:srgbClr val="000000"/>
-                </a:solidFill>
-                <a:latin typeface="Consolas" panose="020B0609020204030204" pitchFamily="49" charset="0"/>
-              </a:rPr>
-              <a:t> { </a:t>
-            </a:r>
-            <a:r>
-              <a:rPr lang="en-US" sz="1000" dirty="0" err="1">
-                <a:solidFill>
-                  <a:srgbClr val="000000"/>
-                </a:solidFill>
-                <a:latin typeface="Consolas" panose="020B0609020204030204" pitchFamily="49" charset="0"/>
-              </a:rPr>
-              <a:t>FormsModule</a:t>
-            </a:r>
-            <a:r>
-              <a:rPr lang="en-US" sz="1000" dirty="0">
-                <a:solidFill>
-                  <a:srgbClr val="000000"/>
-                </a:solidFill>
-                <a:latin typeface="Consolas" panose="020B0609020204030204" pitchFamily="49" charset="0"/>
-              </a:rPr>
-              <a:t> } </a:t>
-            </a:r>
-            <a:r>
-              <a:rPr lang="en-US" sz="1000" dirty="0">
-                <a:solidFill>
-                  <a:srgbClr val="0000FF"/>
-                </a:solidFill>
-                <a:latin typeface="Consolas" panose="020B0609020204030204" pitchFamily="49" charset="0"/>
-              </a:rPr>
-              <a:t>from</a:t>
-            </a:r>
-            <a:r>
-              <a:rPr lang="en-US" sz="1000" dirty="0">
-                <a:solidFill>
-                  <a:srgbClr val="000000"/>
-                </a:solidFill>
-                <a:latin typeface="Consolas" panose="020B0609020204030204" pitchFamily="49" charset="0"/>
-              </a:rPr>
-              <a:t> </a:t>
-            </a:r>
-            <a:r>
-              <a:rPr lang="en-US" sz="1000" dirty="0">
-                <a:solidFill>
-                  <a:srgbClr val="A31515"/>
-                </a:solidFill>
-                <a:latin typeface="Consolas" panose="020B0609020204030204" pitchFamily="49" charset="0"/>
-              </a:rPr>
-              <a:t>'@angular/forms'</a:t>
-            </a:r>
-            <a:r>
-              <a:rPr lang="en-US" sz="1000" dirty="0">
-                <a:solidFill>
-                  <a:srgbClr val="000000"/>
-                </a:solidFill>
-                <a:latin typeface="Consolas" panose="020B0609020204030204" pitchFamily="49" charset="0"/>
-              </a:rPr>
-              <a:t>;</a:t>
-            </a:r>
-          </a:p>
-          <a:p>
-            <a:r>
-              <a:rPr lang="en-US" sz="1000" dirty="0">
-                <a:solidFill>
-                  <a:srgbClr val="0000FF"/>
-                </a:solidFill>
-                <a:latin typeface="Consolas" panose="020B0609020204030204" pitchFamily="49" charset="0"/>
-              </a:rPr>
-              <a:t>import</a:t>
-            </a:r>
-            <a:r>
-              <a:rPr lang="en-US" sz="1000" dirty="0">
-                <a:solidFill>
-                  <a:srgbClr val="000000"/>
-                </a:solidFill>
-                <a:latin typeface="Consolas" panose="020B0609020204030204" pitchFamily="49" charset="0"/>
-              </a:rPr>
-              <a:t> { </a:t>
-            </a:r>
-            <a:r>
-              <a:rPr lang="en-US" sz="1000" dirty="0" err="1">
-                <a:solidFill>
-                  <a:srgbClr val="000000"/>
-                </a:solidFill>
-                <a:latin typeface="Consolas" panose="020B0609020204030204" pitchFamily="49" charset="0"/>
-              </a:rPr>
-              <a:t>HttpModule</a:t>
-            </a:r>
-            <a:r>
-              <a:rPr lang="en-US" sz="1000" dirty="0">
-                <a:solidFill>
-                  <a:srgbClr val="000000"/>
-                </a:solidFill>
-                <a:latin typeface="Consolas" panose="020B0609020204030204" pitchFamily="49" charset="0"/>
-              </a:rPr>
-              <a:t> } </a:t>
-            </a:r>
-            <a:r>
-              <a:rPr lang="en-US" sz="1000" dirty="0">
-                <a:solidFill>
-                  <a:srgbClr val="0000FF"/>
-                </a:solidFill>
-                <a:latin typeface="Consolas" panose="020B0609020204030204" pitchFamily="49" charset="0"/>
-              </a:rPr>
-              <a:t>from</a:t>
-            </a:r>
-            <a:r>
-              <a:rPr lang="en-US" sz="1000" dirty="0">
-                <a:solidFill>
-                  <a:srgbClr val="000000"/>
-                </a:solidFill>
-                <a:latin typeface="Consolas" panose="020B0609020204030204" pitchFamily="49" charset="0"/>
-              </a:rPr>
-              <a:t> </a:t>
-            </a:r>
-            <a:r>
-              <a:rPr lang="en-US" sz="1000" dirty="0">
-                <a:solidFill>
-                  <a:srgbClr val="A31515"/>
-                </a:solidFill>
-                <a:latin typeface="Consolas" panose="020B0609020204030204" pitchFamily="49" charset="0"/>
-              </a:rPr>
-              <a:t>'@angular/http'</a:t>
-            </a:r>
-            <a:r>
-              <a:rPr lang="en-US" sz="1000" dirty="0">
-                <a:solidFill>
-                  <a:srgbClr val="000000"/>
-                </a:solidFill>
-                <a:latin typeface="Consolas" panose="020B0609020204030204" pitchFamily="49" charset="0"/>
-              </a:rPr>
-              <a:t>;</a:t>
-            </a:r>
-          </a:p>
-          <a:p>
-            <a:r>
-              <a:rPr lang="en-US" sz="1000" dirty="0">
-                <a:solidFill>
-                  <a:srgbClr val="0000FF"/>
-                </a:solidFill>
-                <a:latin typeface="Consolas" panose="020B0609020204030204" pitchFamily="49" charset="0"/>
-              </a:rPr>
-              <a:t>import</a:t>
-            </a:r>
-            <a:r>
-              <a:rPr lang="en-US" sz="1000" dirty="0">
-                <a:solidFill>
-                  <a:srgbClr val="000000"/>
-                </a:solidFill>
-                <a:latin typeface="Consolas" panose="020B0609020204030204" pitchFamily="49" charset="0"/>
-              </a:rPr>
-              <a:t> { </a:t>
-            </a:r>
-            <a:r>
-              <a:rPr lang="en-US" sz="1000" dirty="0" err="1">
-                <a:solidFill>
-                  <a:srgbClr val="000000"/>
-                </a:solidFill>
-                <a:latin typeface="Consolas" panose="020B0609020204030204" pitchFamily="49" charset="0"/>
-              </a:rPr>
-              <a:t>RouterModule</a:t>
-            </a:r>
-            <a:r>
-              <a:rPr lang="en-US" sz="1000" dirty="0">
-                <a:solidFill>
-                  <a:srgbClr val="000000"/>
-                </a:solidFill>
-                <a:latin typeface="Consolas" panose="020B0609020204030204" pitchFamily="49" charset="0"/>
-              </a:rPr>
-              <a:t> } </a:t>
-            </a:r>
-            <a:r>
-              <a:rPr lang="en-US" sz="1000" dirty="0">
-                <a:solidFill>
-                  <a:srgbClr val="0000FF"/>
-                </a:solidFill>
-                <a:latin typeface="Consolas" panose="020B0609020204030204" pitchFamily="49" charset="0"/>
-              </a:rPr>
-              <a:t>from</a:t>
-            </a:r>
-            <a:r>
-              <a:rPr lang="en-US" sz="1000" dirty="0">
-                <a:solidFill>
-                  <a:srgbClr val="000000"/>
-                </a:solidFill>
-                <a:latin typeface="Consolas" panose="020B0609020204030204" pitchFamily="49" charset="0"/>
-              </a:rPr>
-              <a:t> </a:t>
-            </a:r>
-            <a:r>
-              <a:rPr lang="en-US" sz="1000" dirty="0">
-                <a:solidFill>
-                  <a:srgbClr val="A31515"/>
-                </a:solidFill>
-                <a:latin typeface="Consolas" panose="020B0609020204030204" pitchFamily="49" charset="0"/>
-              </a:rPr>
-              <a:t>'@angular/router'</a:t>
-            </a:r>
-            <a:r>
-              <a:rPr lang="en-US" sz="1000" dirty="0">
-                <a:solidFill>
-                  <a:srgbClr val="000000"/>
-                </a:solidFill>
-                <a:latin typeface="Consolas" panose="020B0609020204030204" pitchFamily="49" charset="0"/>
-              </a:rPr>
-              <a:t>;</a:t>
-            </a:r>
-          </a:p>
-          <a:p>
-            <a:r>
-              <a:rPr lang="en-US" sz="1000" dirty="0">
-                <a:solidFill>
-                  <a:srgbClr val="0000FF"/>
-                </a:solidFill>
-                <a:latin typeface="Consolas" panose="020B0609020204030204" pitchFamily="49" charset="0"/>
-              </a:rPr>
-              <a:t>import</a:t>
-            </a:r>
-            <a:r>
-              <a:rPr lang="en-US" sz="1000" dirty="0">
-                <a:solidFill>
-                  <a:srgbClr val="000000"/>
-                </a:solidFill>
-                <a:latin typeface="Consolas" panose="020B0609020204030204" pitchFamily="49" charset="0"/>
-              </a:rPr>
-              <a:t> { Utility } </a:t>
-            </a:r>
-            <a:r>
-              <a:rPr lang="en-US" sz="1000" dirty="0">
-                <a:solidFill>
-                  <a:srgbClr val="0000FF"/>
-                </a:solidFill>
-                <a:latin typeface="Consolas" panose="020B0609020204030204" pitchFamily="49" charset="0"/>
-              </a:rPr>
-              <a:t>from</a:t>
-            </a:r>
-            <a:r>
-              <a:rPr lang="en-US" sz="1000" dirty="0">
-                <a:solidFill>
-                  <a:srgbClr val="000000"/>
-                </a:solidFill>
-                <a:latin typeface="Consolas" panose="020B0609020204030204" pitchFamily="49" charset="0"/>
-              </a:rPr>
-              <a:t> </a:t>
-            </a:r>
-            <a:r>
-              <a:rPr lang="en-US" sz="1000" dirty="0">
-                <a:solidFill>
-                  <a:srgbClr val="A31515"/>
-                </a:solidFill>
-                <a:latin typeface="Consolas" panose="020B0609020204030204" pitchFamily="49" charset="0"/>
-              </a:rPr>
-              <a:t>'./utility'</a:t>
-            </a:r>
-            <a:r>
-              <a:rPr lang="en-US" sz="1000" dirty="0">
-                <a:solidFill>
-                  <a:srgbClr val="000000"/>
-                </a:solidFill>
-                <a:latin typeface="Consolas" panose="020B0609020204030204" pitchFamily="49" charset="0"/>
-              </a:rPr>
-              <a:t>;</a:t>
-            </a:r>
-          </a:p>
-          <a:p>
-            <a:br>
-              <a:rPr lang="en-US" sz="1000" dirty="0">
-                <a:solidFill>
-                  <a:srgbClr val="000000"/>
-                </a:solidFill>
-                <a:latin typeface="Consolas" panose="020B0609020204030204" pitchFamily="49" charset="0"/>
-              </a:rPr>
-            </a:br>
-            <a:r>
-              <a:rPr lang="en-US" sz="1000" dirty="0">
-                <a:solidFill>
-                  <a:srgbClr val="0000FF"/>
-                </a:solidFill>
-                <a:latin typeface="Consolas" panose="020B0609020204030204" pitchFamily="49" charset="0"/>
-              </a:rPr>
-              <a:t>import</a:t>
-            </a:r>
-            <a:r>
-              <a:rPr lang="en-US" sz="1000" dirty="0">
-                <a:solidFill>
-                  <a:srgbClr val="000000"/>
-                </a:solidFill>
-                <a:latin typeface="Consolas" panose="020B0609020204030204" pitchFamily="49" charset="0"/>
-              </a:rPr>
-              <a:t> { </a:t>
-            </a:r>
-            <a:r>
-              <a:rPr lang="en-US" sz="1000" dirty="0" err="1">
-                <a:solidFill>
-                  <a:srgbClr val="000000"/>
-                </a:solidFill>
-                <a:latin typeface="Consolas" panose="020B0609020204030204" pitchFamily="49" charset="0"/>
-              </a:rPr>
-              <a:t>AppComponent</a:t>
-            </a:r>
-            <a:r>
-              <a:rPr lang="en-US" sz="1000" dirty="0">
-                <a:solidFill>
-                  <a:srgbClr val="000000"/>
-                </a:solidFill>
-                <a:latin typeface="Consolas" panose="020B0609020204030204" pitchFamily="49" charset="0"/>
-              </a:rPr>
-              <a:t> } </a:t>
-            </a:r>
-            <a:r>
-              <a:rPr lang="en-US" sz="1000" dirty="0">
-                <a:solidFill>
-                  <a:srgbClr val="0000FF"/>
-                </a:solidFill>
-                <a:latin typeface="Consolas" panose="020B0609020204030204" pitchFamily="49" charset="0"/>
-              </a:rPr>
-              <a:t>from</a:t>
-            </a:r>
-            <a:r>
-              <a:rPr lang="en-US" sz="1000" dirty="0">
-                <a:solidFill>
-                  <a:srgbClr val="000000"/>
-                </a:solidFill>
-                <a:latin typeface="Consolas" panose="020B0609020204030204" pitchFamily="49" charset="0"/>
-              </a:rPr>
-              <a:t> </a:t>
-            </a:r>
-            <a:r>
-              <a:rPr lang="en-US" sz="1000" dirty="0">
-                <a:solidFill>
-                  <a:srgbClr val="A31515"/>
-                </a:solidFill>
-                <a:latin typeface="Consolas" panose="020B0609020204030204" pitchFamily="49" charset="0"/>
-              </a:rPr>
-              <a:t>'./</a:t>
-            </a:r>
-            <a:r>
-              <a:rPr lang="en-US" sz="1000" dirty="0" err="1">
-                <a:solidFill>
-                  <a:srgbClr val="A31515"/>
-                </a:solidFill>
-                <a:latin typeface="Consolas" panose="020B0609020204030204" pitchFamily="49" charset="0"/>
-              </a:rPr>
-              <a:t>app.component</a:t>
-            </a:r>
-            <a:r>
-              <a:rPr lang="en-US" sz="1000" dirty="0">
-                <a:solidFill>
-                  <a:srgbClr val="A31515"/>
-                </a:solidFill>
-                <a:latin typeface="Consolas" panose="020B0609020204030204" pitchFamily="49" charset="0"/>
-              </a:rPr>
-              <a:t>'</a:t>
-            </a:r>
-            <a:r>
-              <a:rPr lang="en-US" sz="1000" dirty="0">
-                <a:solidFill>
-                  <a:srgbClr val="000000"/>
-                </a:solidFill>
-                <a:latin typeface="Consolas" panose="020B0609020204030204" pitchFamily="49" charset="0"/>
-              </a:rPr>
-              <a:t>;</a:t>
-            </a:r>
-          </a:p>
-          <a:p>
-            <a:r>
-              <a:rPr lang="en-US" sz="1000" dirty="0">
-                <a:solidFill>
-                  <a:srgbClr val="0000FF"/>
-                </a:solidFill>
-                <a:latin typeface="Consolas" panose="020B0609020204030204" pitchFamily="49" charset="0"/>
-              </a:rPr>
-              <a:t>import</a:t>
-            </a:r>
-            <a:r>
-              <a:rPr lang="en-US" sz="1000" dirty="0">
-                <a:solidFill>
-                  <a:srgbClr val="000000"/>
-                </a:solidFill>
-                <a:latin typeface="Consolas" panose="020B0609020204030204" pitchFamily="49" charset="0"/>
-              </a:rPr>
-              <a:t> { </a:t>
-            </a:r>
-            <a:r>
-              <a:rPr lang="en-US" sz="1000" dirty="0" err="1">
-                <a:solidFill>
-                  <a:srgbClr val="000000"/>
-                </a:solidFill>
-                <a:latin typeface="Consolas" panose="020B0609020204030204" pitchFamily="49" charset="0"/>
-              </a:rPr>
-              <a:t>MyComponent</a:t>
-            </a:r>
-            <a:r>
-              <a:rPr lang="en-US" sz="1000" dirty="0">
-                <a:solidFill>
-                  <a:srgbClr val="000000"/>
-                </a:solidFill>
-                <a:latin typeface="Consolas" panose="020B0609020204030204" pitchFamily="49" charset="0"/>
-              </a:rPr>
-              <a:t> } </a:t>
-            </a:r>
-            <a:r>
-              <a:rPr lang="en-US" sz="1000" dirty="0">
-                <a:solidFill>
-                  <a:srgbClr val="0000FF"/>
-                </a:solidFill>
-                <a:latin typeface="Consolas" panose="020B0609020204030204" pitchFamily="49" charset="0"/>
-              </a:rPr>
-              <a:t>from</a:t>
-            </a:r>
-            <a:r>
-              <a:rPr lang="en-US" sz="1000" dirty="0">
-                <a:solidFill>
-                  <a:srgbClr val="000000"/>
-                </a:solidFill>
-                <a:latin typeface="Consolas" panose="020B0609020204030204" pitchFamily="49" charset="0"/>
-              </a:rPr>
-              <a:t> </a:t>
-            </a:r>
-            <a:r>
-              <a:rPr lang="en-US" sz="1000" dirty="0">
-                <a:solidFill>
-                  <a:srgbClr val="A31515"/>
-                </a:solidFill>
-                <a:latin typeface="Consolas" panose="020B0609020204030204" pitchFamily="49" charset="0"/>
-              </a:rPr>
-              <a:t>'./</a:t>
-            </a:r>
-            <a:r>
-              <a:rPr lang="en-US" sz="1000" dirty="0" err="1">
-                <a:solidFill>
-                  <a:srgbClr val="A31515"/>
-                </a:solidFill>
-                <a:latin typeface="Consolas" panose="020B0609020204030204" pitchFamily="49" charset="0"/>
-              </a:rPr>
-              <a:t>pathto</a:t>
-            </a:r>
-            <a:r>
-              <a:rPr lang="en-US" sz="1000" dirty="0">
-                <a:solidFill>
-                  <a:srgbClr val="A31515"/>
-                </a:solidFill>
-                <a:latin typeface="Consolas" panose="020B0609020204030204" pitchFamily="49" charset="0"/>
-              </a:rPr>
-              <a:t>/</a:t>
-            </a:r>
-            <a:r>
-              <a:rPr lang="en-US" sz="1000" dirty="0" err="1">
-                <a:solidFill>
-                  <a:srgbClr val="A31515"/>
-                </a:solidFill>
-                <a:latin typeface="Consolas" panose="020B0609020204030204" pitchFamily="49" charset="0"/>
-              </a:rPr>
-              <a:t>my.component</a:t>
-            </a:r>
-            <a:r>
-              <a:rPr lang="en-US" sz="1000" dirty="0">
-                <a:solidFill>
-                  <a:srgbClr val="A31515"/>
-                </a:solidFill>
-                <a:latin typeface="Consolas" panose="020B0609020204030204" pitchFamily="49" charset="0"/>
-              </a:rPr>
-              <a:t>'</a:t>
-            </a:r>
-            <a:r>
-              <a:rPr lang="en-US" sz="1000" dirty="0">
-                <a:solidFill>
-                  <a:srgbClr val="000000"/>
-                </a:solidFill>
-                <a:latin typeface="Consolas" panose="020B0609020204030204" pitchFamily="49" charset="0"/>
-              </a:rPr>
-              <a:t>;</a:t>
-            </a:r>
-          </a:p>
-          <a:p>
-            <a:br>
-              <a:rPr lang="en-US" sz="1000" dirty="0">
-                <a:solidFill>
-                  <a:srgbClr val="000000"/>
-                </a:solidFill>
-                <a:latin typeface="Consolas" panose="020B0609020204030204" pitchFamily="49" charset="0"/>
-              </a:rPr>
-            </a:br>
-            <a:r>
-              <a:rPr lang="en-US" sz="1000" dirty="0">
-                <a:solidFill>
-                  <a:srgbClr val="000000"/>
-                </a:solidFill>
-                <a:latin typeface="Consolas" panose="020B0609020204030204" pitchFamily="49" charset="0"/>
-              </a:rPr>
-              <a:t>@</a:t>
-            </a:r>
-            <a:r>
-              <a:rPr lang="en-US" sz="1000" dirty="0" err="1">
-                <a:solidFill>
-                  <a:srgbClr val="000000"/>
-                </a:solidFill>
-                <a:latin typeface="Consolas" panose="020B0609020204030204" pitchFamily="49" charset="0"/>
-              </a:rPr>
-              <a:t>NgModule</a:t>
-            </a:r>
-            <a:r>
-              <a:rPr lang="en-US" sz="1000" dirty="0">
-                <a:solidFill>
-                  <a:srgbClr val="000000"/>
-                </a:solidFill>
-                <a:latin typeface="Consolas" panose="020B0609020204030204" pitchFamily="49" charset="0"/>
-              </a:rPr>
-              <a:t>({</a:t>
-            </a:r>
-          </a:p>
-          <a:p>
-            <a:r>
-              <a:rPr lang="en-US" sz="1000" dirty="0">
-                <a:solidFill>
-                  <a:srgbClr val="000000"/>
-                </a:solidFill>
-                <a:latin typeface="Consolas" panose="020B0609020204030204" pitchFamily="49" charset="0"/>
-              </a:rPr>
-              <a:t>  declarations: [</a:t>
-            </a:r>
-          </a:p>
-          <a:p>
-            <a:r>
-              <a:rPr lang="en-US" sz="1000" dirty="0">
-                <a:solidFill>
-                  <a:srgbClr val="000000"/>
-                </a:solidFill>
-                <a:latin typeface="Consolas" panose="020B0609020204030204" pitchFamily="49" charset="0"/>
-              </a:rPr>
-              <a:t>    </a:t>
-            </a:r>
-            <a:r>
-              <a:rPr lang="en-US" sz="1000" dirty="0" err="1">
-                <a:solidFill>
-                  <a:srgbClr val="000000"/>
-                </a:solidFill>
-                <a:latin typeface="Consolas" panose="020B0609020204030204" pitchFamily="49" charset="0"/>
-              </a:rPr>
-              <a:t>AppComponent</a:t>
-            </a:r>
-            <a:r>
-              <a:rPr lang="en-US" sz="1000" dirty="0">
-                <a:solidFill>
-                  <a:srgbClr val="000000"/>
-                </a:solidFill>
-                <a:latin typeface="Consolas" panose="020B0609020204030204" pitchFamily="49" charset="0"/>
-              </a:rPr>
-              <a:t>,</a:t>
-            </a:r>
-          </a:p>
-          <a:p>
-            <a:r>
-              <a:rPr lang="en-US" sz="1000" dirty="0">
-                <a:solidFill>
-                  <a:srgbClr val="000000"/>
-                </a:solidFill>
-                <a:latin typeface="Consolas" panose="020B0609020204030204" pitchFamily="49" charset="0"/>
-              </a:rPr>
-              <a:t>    </a:t>
-            </a:r>
-            <a:r>
-              <a:rPr lang="en-US" sz="1000" dirty="0" err="1">
-                <a:solidFill>
-                  <a:srgbClr val="000000"/>
-                </a:solidFill>
-                <a:latin typeface="Consolas" panose="020B0609020204030204" pitchFamily="49" charset="0"/>
-              </a:rPr>
-              <a:t>MyComponent</a:t>
-            </a:r>
-            <a:endParaRPr lang="en-US" sz="1000" dirty="0">
-              <a:solidFill>
-                <a:srgbClr val="000000"/>
-              </a:solidFill>
-              <a:latin typeface="Consolas" panose="020B0609020204030204" pitchFamily="49" charset="0"/>
-            </a:endParaRPr>
-          </a:p>
-          <a:p>
-            <a:r>
-              <a:rPr lang="en-US" sz="1000" dirty="0">
-                <a:solidFill>
-                  <a:srgbClr val="000000"/>
-                </a:solidFill>
-                <a:latin typeface="Consolas" panose="020B0609020204030204" pitchFamily="49" charset="0"/>
-              </a:rPr>
-              <a:t>  ],</a:t>
-            </a:r>
-          </a:p>
-          <a:p>
-            <a:r>
-              <a:rPr lang="en-US" sz="1000" dirty="0">
-                <a:solidFill>
-                  <a:srgbClr val="000000"/>
-                </a:solidFill>
-                <a:latin typeface="Consolas" panose="020B0609020204030204" pitchFamily="49" charset="0"/>
-              </a:rPr>
-              <a:t>  imports: [</a:t>
-            </a:r>
-          </a:p>
-          <a:p>
-            <a:r>
-              <a:rPr lang="en-US" sz="1000" dirty="0">
-                <a:solidFill>
-                  <a:srgbClr val="000000"/>
-                </a:solidFill>
-                <a:latin typeface="Consolas" panose="020B0609020204030204" pitchFamily="49" charset="0"/>
-              </a:rPr>
-              <a:t>    </a:t>
-            </a:r>
-            <a:r>
-              <a:rPr lang="en-US" sz="1000" dirty="0" err="1">
-                <a:solidFill>
-                  <a:srgbClr val="000000"/>
-                </a:solidFill>
-                <a:latin typeface="Consolas" panose="020B0609020204030204" pitchFamily="49" charset="0"/>
-              </a:rPr>
-              <a:t>BrowserModule</a:t>
-            </a:r>
-            <a:r>
-              <a:rPr lang="en-US" sz="1000" dirty="0">
-                <a:solidFill>
-                  <a:srgbClr val="000000"/>
-                </a:solidFill>
-                <a:latin typeface="Consolas" panose="020B0609020204030204" pitchFamily="49" charset="0"/>
-              </a:rPr>
-              <a:t>,</a:t>
-            </a:r>
-          </a:p>
-          <a:p>
-            <a:r>
-              <a:rPr lang="en-US" sz="1000" dirty="0">
-                <a:solidFill>
-                  <a:srgbClr val="000000"/>
-                </a:solidFill>
-                <a:latin typeface="Consolas" panose="020B0609020204030204" pitchFamily="49" charset="0"/>
-              </a:rPr>
-              <a:t>    </a:t>
-            </a:r>
-            <a:r>
-              <a:rPr lang="en-US" sz="1000" dirty="0" err="1">
-                <a:solidFill>
-                  <a:srgbClr val="000000"/>
-                </a:solidFill>
-                <a:latin typeface="Consolas" panose="020B0609020204030204" pitchFamily="49" charset="0"/>
-              </a:rPr>
-              <a:t>FormsModule</a:t>
-            </a:r>
-            <a:r>
-              <a:rPr lang="en-US" sz="1000" dirty="0">
-                <a:solidFill>
-                  <a:srgbClr val="000000"/>
-                </a:solidFill>
-                <a:latin typeface="Consolas" panose="020B0609020204030204" pitchFamily="49" charset="0"/>
-              </a:rPr>
-              <a:t>,</a:t>
-            </a:r>
-          </a:p>
-          <a:p>
-            <a:r>
-              <a:rPr lang="en-US" sz="1000" dirty="0">
-                <a:solidFill>
-                  <a:srgbClr val="000000"/>
-                </a:solidFill>
-                <a:latin typeface="Consolas" panose="020B0609020204030204" pitchFamily="49" charset="0"/>
-              </a:rPr>
-              <a:t>    </a:t>
-            </a:r>
-            <a:r>
-              <a:rPr lang="en-US" sz="1000" dirty="0" err="1">
-                <a:solidFill>
-                  <a:srgbClr val="000000"/>
-                </a:solidFill>
-                <a:latin typeface="Consolas" panose="020B0609020204030204" pitchFamily="49" charset="0"/>
-              </a:rPr>
-              <a:t>HttpModule</a:t>
-            </a:r>
-            <a:r>
-              <a:rPr lang="en-US" sz="1000" dirty="0">
-                <a:solidFill>
-                  <a:srgbClr val="000000"/>
-                </a:solidFill>
-                <a:latin typeface="Consolas" panose="020B0609020204030204" pitchFamily="49" charset="0"/>
-              </a:rPr>
-              <a:t>,</a:t>
-            </a:r>
-          </a:p>
-          <a:p>
-            <a:r>
-              <a:rPr lang="en-US" sz="1000" dirty="0">
-                <a:solidFill>
-                  <a:srgbClr val="000000"/>
-                </a:solidFill>
-                <a:latin typeface="Consolas" panose="020B0609020204030204" pitchFamily="49" charset="0"/>
-              </a:rPr>
-              <a:t>    </a:t>
-            </a:r>
-            <a:r>
-              <a:rPr lang="en-US" sz="1000" dirty="0" err="1">
-                <a:solidFill>
-                  <a:srgbClr val="000000"/>
-                </a:solidFill>
-                <a:latin typeface="Consolas" panose="020B0609020204030204" pitchFamily="49" charset="0"/>
-              </a:rPr>
-              <a:t>RouterModule.forRoot</a:t>
-            </a:r>
-            <a:r>
-              <a:rPr lang="en-US" sz="1000" dirty="0">
-                <a:solidFill>
-                  <a:srgbClr val="000000"/>
-                </a:solidFill>
-                <a:latin typeface="Consolas" panose="020B0609020204030204" pitchFamily="49" charset="0"/>
-              </a:rPr>
-              <a:t>([</a:t>
-            </a:r>
-          </a:p>
-          <a:p>
-            <a:r>
-              <a:rPr lang="en-US" sz="1000" dirty="0">
-                <a:solidFill>
-                  <a:srgbClr val="000000"/>
-                </a:solidFill>
-                <a:latin typeface="Consolas" panose="020B0609020204030204" pitchFamily="49" charset="0"/>
-              </a:rPr>
-              <a:t>      { path: </a:t>
-            </a:r>
-            <a:r>
-              <a:rPr lang="en-US" sz="1000" dirty="0">
-                <a:solidFill>
-                  <a:srgbClr val="A31515"/>
-                </a:solidFill>
-                <a:latin typeface="Consolas" panose="020B0609020204030204" pitchFamily="49" charset="0"/>
-              </a:rPr>
-              <a:t>"</a:t>
-            </a:r>
-            <a:r>
-              <a:rPr lang="en-US" sz="1000" dirty="0">
-                <a:solidFill>
-                  <a:srgbClr val="A31515"/>
-                </a:solidFill>
-                <a:latin typeface="Consolas" panose="020B0609020204030204" pitchFamily="49" charset="0"/>
-              </a:rPr>
-              <a:t>foo/bar/:</a:t>
-            </a:r>
-            <a:r>
-              <a:rPr lang="en-US" sz="1000" dirty="0" err="1">
-                <a:solidFill>
-                  <a:srgbClr val="A31515"/>
-                </a:solidFill>
-                <a:latin typeface="Consolas" panose="020B0609020204030204" pitchFamily="49" charset="0"/>
-              </a:rPr>
-              <a:t>someId</a:t>
-            </a:r>
-            <a:r>
-              <a:rPr lang="en-US" sz="1000" dirty="0">
-                <a:solidFill>
-                  <a:srgbClr val="A31515"/>
-                </a:solidFill>
-                <a:latin typeface="Consolas" panose="020B0609020204030204" pitchFamily="49" charset="0"/>
-              </a:rPr>
-              <a:t>"</a:t>
-            </a:r>
-            <a:r>
-              <a:rPr lang="en-US" sz="1000" dirty="0">
-                <a:solidFill>
-                  <a:srgbClr val="000000"/>
-                </a:solidFill>
-                <a:latin typeface="Consolas" panose="020B0609020204030204" pitchFamily="49" charset="0"/>
-              </a:rPr>
-              <a:t>, component: </a:t>
-            </a:r>
-            <a:r>
-              <a:rPr lang="en-US" sz="1000" dirty="0" err="1">
-                <a:solidFill>
-                  <a:srgbClr val="000000"/>
-                </a:solidFill>
-                <a:latin typeface="Consolas" panose="020B0609020204030204" pitchFamily="49" charset="0"/>
-              </a:rPr>
-              <a:t>MyComponent</a:t>
-            </a:r>
-            <a:r>
-              <a:rPr lang="en-US" sz="1000" dirty="0">
-                <a:solidFill>
-                  <a:srgbClr val="000000"/>
-                </a:solidFill>
-                <a:latin typeface="Consolas" panose="020B0609020204030204" pitchFamily="49" charset="0"/>
-              </a:rPr>
-              <a:t> }</a:t>
-            </a:r>
-          </a:p>
-          <a:p>
-            <a:r>
-              <a:rPr lang="en-US" sz="1000" dirty="0">
-                <a:solidFill>
-                  <a:srgbClr val="000000"/>
-                </a:solidFill>
-                <a:latin typeface="Consolas" panose="020B0609020204030204" pitchFamily="49" charset="0"/>
-              </a:rPr>
-              <a:t>    ])</a:t>
-            </a:r>
-          </a:p>
-          <a:p>
-            <a:r>
-              <a:rPr lang="en-US" sz="1000" dirty="0">
-                <a:solidFill>
-                  <a:srgbClr val="000000"/>
-                </a:solidFill>
-                <a:latin typeface="Consolas" panose="020B0609020204030204" pitchFamily="49" charset="0"/>
-              </a:rPr>
-              <a:t>  ],</a:t>
-            </a:r>
-          </a:p>
-          <a:p>
-            <a:r>
-              <a:rPr lang="en-US" sz="1000" dirty="0">
-                <a:solidFill>
-                  <a:srgbClr val="000000"/>
-                </a:solidFill>
-                <a:latin typeface="Consolas" panose="020B0609020204030204" pitchFamily="49" charset="0"/>
-              </a:rPr>
-              <a:t>  providers: [Utility],</a:t>
-            </a:r>
-          </a:p>
-          <a:p>
-            <a:r>
-              <a:rPr lang="en-US" sz="1000" dirty="0">
-                <a:solidFill>
-                  <a:srgbClr val="000000"/>
-                </a:solidFill>
-                <a:latin typeface="Consolas" panose="020B0609020204030204" pitchFamily="49" charset="0"/>
-              </a:rPr>
-              <a:t>  bootstrap: [</a:t>
-            </a:r>
-            <a:r>
-              <a:rPr lang="en-US" sz="1000" dirty="0" err="1">
-                <a:solidFill>
-                  <a:srgbClr val="000000"/>
-                </a:solidFill>
-                <a:latin typeface="Consolas" panose="020B0609020204030204" pitchFamily="49" charset="0"/>
-              </a:rPr>
-              <a:t>AppComponent</a:t>
-            </a:r>
-            <a:r>
-              <a:rPr lang="en-US" sz="1000" dirty="0">
-                <a:solidFill>
-                  <a:srgbClr val="000000"/>
-                </a:solidFill>
-                <a:latin typeface="Consolas" panose="020B0609020204030204" pitchFamily="49" charset="0"/>
-              </a:rPr>
-              <a:t>]</a:t>
-            </a:r>
-          </a:p>
-          <a:p>
-            <a:r>
-              <a:rPr lang="en-US" sz="1000" dirty="0">
-                <a:solidFill>
-                  <a:srgbClr val="000000"/>
-                </a:solidFill>
-                <a:latin typeface="Consolas" panose="020B0609020204030204" pitchFamily="49" charset="0"/>
-              </a:rPr>
-              <a:t>})</a:t>
-            </a:r>
-          </a:p>
-          <a:p>
-            <a:r>
-              <a:rPr lang="en-US" sz="1000" dirty="0">
-                <a:solidFill>
-                  <a:srgbClr val="0000FF"/>
-                </a:solidFill>
-                <a:latin typeface="Consolas" panose="020B0609020204030204" pitchFamily="49" charset="0"/>
-              </a:rPr>
-              <a:t>export</a:t>
-            </a:r>
-            <a:r>
-              <a:rPr lang="en-US" sz="1000" dirty="0">
-                <a:solidFill>
-                  <a:srgbClr val="000000"/>
-                </a:solidFill>
-                <a:latin typeface="Consolas" panose="020B0609020204030204" pitchFamily="49" charset="0"/>
-              </a:rPr>
-              <a:t> </a:t>
-            </a:r>
-            <a:r>
-              <a:rPr lang="en-US" sz="1000" dirty="0">
-                <a:solidFill>
-                  <a:srgbClr val="0000FF"/>
-                </a:solidFill>
-                <a:latin typeface="Consolas" panose="020B0609020204030204" pitchFamily="49" charset="0"/>
-              </a:rPr>
-              <a:t>class</a:t>
-            </a:r>
-            <a:r>
-              <a:rPr lang="en-US" sz="1000" dirty="0">
-                <a:solidFill>
-                  <a:srgbClr val="000000"/>
-                </a:solidFill>
-                <a:latin typeface="Consolas" panose="020B0609020204030204" pitchFamily="49" charset="0"/>
-              </a:rPr>
-              <a:t> </a:t>
-            </a:r>
-            <a:r>
-              <a:rPr lang="en-US" sz="1000" dirty="0" err="1">
-                <a:solidFill>
-                  <a:srgbClr val="000000"/>
-                </a:solidFill>
-                <a:latin typeface="Consolas" panose="020B0609020204030204" pitchFamily="49" charset="0"/>
-              </a:rPr>
-              <a:t>AppModule</a:t>
-            </a:r>
-            <a:r>
-              <a:rPr lang="en-US" sz="1000" dirty="0">
-                <a:solidFill>
-                  <a:srgbClr val="000000"/>
-                </a:solidFill>
-                <a:latin typeface="Consolas" panose="020B0609020204030204" pitchFamily="49" charset="0"/>
-              </a:rPr>
-              <a:t> { }</a:t>
-            </a:r>
-          </a:p>
-          <a:p>
-            <a:br>
-              <a:rPr lang="en-US" sz="1000" dirty="0">
-                <a:solidFill>
-                  <a:srgbClr val="000000"/>
-                </a:solidFill>
-                <a:latin typeface="Consolas" panose="020B0609020204030204" pitchFamily="49" charset="0"/>
-              </a:rPr>
-            </a:br>
-            <a:endParaRPr lang="en-US" sz="1000" b="0" dirty="0">
-              <a:solidFill>
-                <a:srgbClr val="000000"/>
-              </a:solidFill>
-              <a:effectLst/>
-              <a:latin typeface="Consolas" panose="020B0609020204030204" pitchFamily="49" charset="0"/>
-            </a:endParaRPr>
-          </a:p>
-        </p:txBody>
-      </p:sp>
+      </p:pic>
     </p:spTree>
     <p:extLst>
       <p:ext uri="{BB962C8B-B14F-4D97-AF65-F5344CB8AC3E}">
-        <p14:creationId xmlns:p14="http://schemas.microsoft.com/office/powerpoint/2010/main" val="2023749525"/>
+        <p14:creationId xmlns:p14="http://schemas.microsoft.com/office/powerpoint/2010/main" val="2466830981"/>
       </p:ext>
     </p:extLst>
   </p:cSld>
@@ -9071,762 +7573,136 @@
           <a:p>
             <a:r>
               <a:rPr lang="en-US" dirty="0" err="1"/>
-              <a:t>src</a:t>
-            </a:r>
+              <a:t>WebAPI</a:t>
+            </a:r>
+            <a:endParaRPr lang="en-US" dirty="0"/>
+          </a:p>
+        </p:txBody>
+      </p:sp>
+      <p:sp>
+        <p:nvSpPr>
+          <p:cNvPr id="3" name="Content Placeholder 2"/>
+          <p:cNvSpPr>
+            <a:spLocks noGrp="1"/>
+          </p:cNvSpPr>
+          <p:nvPr>
+            <p:ph idx="1"/>
+          </p:nvPr>
+        </p:nvSpPr>
+        <p:spPr/>
+        <p:txBody>
+          <a:bodyPr/>
+          <a:lstStyle/>
+          <a:p>
+            <a:pPr marL="342900" indent="-342900">
+              <a:buFont typeface="Arial" panose="020B0604020202020204" pitchFamily="34" charset="0"/>
+              <a:buChar char="•"/>
+            </a:pPr>
             <a:r>
               <a:rPr lang="en-US" dirty="0"/>
-              <a:t>/app/thing/</a:t>
+              <a:t>There are a lot of similarities between ASP.NET and ASP.NET Core</a:t>
+            </a:r>
+          </a:p>
+          <a:p>
+            <a:pPr marL="342900" indent="-342900">
+              <a:buFont typeface="Arial" panose="020B0604020202020204" pitchFamily="34" charset="0"/>
+              <a:buChar char="•"/>
+            </a:pPr>
+            <a:endParaRPr lang="en-US" dirty="0"/>
+          </a:p>
+          <a:p>
+            <a:pPr marL="342900" indent="-342900">
+              <a:buFont typeface="Arial" panose="020B0604020202020204" pitchFamily="34" charset="0"/>
+              <a:buChar char="•"/>
+            </a:pPr>
+            <a:r>
+              <a:rPr lang="en-US" dirty="0"/>
+              <a:t>Similar to MVC:</a:t>
+            </a:r>
+          </a:p>
+          <a:p>
+            <a:pPr marL="573088" lvl="1" indent="-342900">
+              <a:buFont typeface="Arial" panose="020B0604020202020204" pitchFamily="34" charset="0"/>
+              <a:buChar char="•"/>
+            </a:pPr>
+            <a:r>
+              <a:rPr lang="en-US" sz="2000" dirty="0"/>
+              <a:t>Controllers: classes that inherit from a special base class</a:t>
+            </a:r>
+          </a:p>
+          <a:p>
+            <a:pPr marL="573088" lvl="3" indent="-342900">
+              <a:buFont typeface="Arial" panose="020B0604020202020204" pitchFamily="34" charset="0"/>
+              <a:buChar char="•"/>
+            </a:pPr>
+            <a:r>
+              <a:rPr lang="en-US" dirty="0"/>
+              <a:t>ASP.NET – </a:t>
             </a:r>
             <a:r>
               <a:rPr lang="en-US" dirty="0" err="1"/>
-              <a:t>thing.component.ts</a:t>
+              <a:t>ApiController</a:t>
             </a:r>
             <a:endParaRPr lang="en-US" dirty="0"/>
           </a:p>
-        </p:txBody>
-      </p:sp>
-      <p:sp>
-        <p:nvSpPr>
-          <p:cNvPr id="4" name="Rectangle 3"/>
-          <p:cNvSpPr/>
-          <p:nvPr/>
-        </p:nvSpPr>
-        <p:spPr>
-          <a:xfrm>
-            <a:off x="1857375" y="718096"/>
-            <a:ext cx="5724525" cy="3985706"/>
-          </a:xfrm>
-          <a:prstGeom prst="rect">
-            <a:avLst/>
-          </a:prstGeom>
-        </p:spPr>
-        <p:txBody>
-          <a:bodyPr wrap="square">
-            <a:spAutoFit/>
-          </a:bodyPr>
-          <a:lstStyle/>
-          <a:p>
-            <a:r>
-              <a:rPr lang="en-US" sz="1100" dirty="0">
-                <a:solidFill>
-                  <a:srgbClr val="0000FF"/>
-                </a:solidFill>
-                <a:latin typeface="Consolas" panose="020B0609020204030204" pitchFamily="49" charset="0"/>
-              </a:rPr>
-              <a:t>import</a:t>
-            </a:r>
-            <a:r>
-              <a:rPr lang="en-US" sz="1100" dirty="0">
-                <a:solidFill>
-                  <a:srgbClr val="000000"/>
-                </a:solidFill>
-                <a:latin typeface="Consolas" panose="020B0609020204030204" pitchFamily="49" charset="0"/>
-              </a:rPr>
-              <a:t> { Component, </a:t>
-            </a:r>
-            <a:r>
-              <a:rPr lang="en-US" sz="1100" dirty="0" err="1">
-                <a:solidFill>
-                  <a:srgbClr val="000000"/>
-                </a:solidFill>
-                <a:latin typeface="Consolas" panose="020B0609020204030204" pitchFamily="49" charset="0"/>
-              </a:rPr>
-              <a:t>OnInit</a:t>
-            </a:r>
-            <a:r>
-              <a:rPr lang="en-US" sz="1100" dirty="0">
-                <a:solidFill>
-                  <a:srgbClr val="000000"/>
-                </a:solidFill>
-                <a:latin typeface="Consolas" panose="020B0609020204030204" pitchFamily="49" charset="0"/>
-              </a:rPr>
-              <a:t> } </a:t>
-            </a:r>
-            <a:r>
-              <a:rPr lang="en-US" sz="1100" dirty="0">
-                <a:solidFill>
-                  <a:srgbClr val="0000FF"/>
-                </a:solidFill>
-                <a:latin typeface="Consolas" panose="020B0609020204030204" pitchFamily="49" charset="0"/>
-              </a:rPr>
-              <a:t>from</a:t>
-            </a:r>
-            <a:r>
-              <a:rPr lang="en-US" sz="1100" dirty="0">
-                <a:solidFill>
-                  <a:srgbClr val="000000"/>
-                </a:solidFill>
-                <a:latin typeface="Consolas" panose="020B0609020204030204" pitchFamily="49" charset="0"/>
-              </a:rPr>
-              <a:t> </a:t>
-            </a:r>
-            <a:r>
-              <a:rPr lang="en-US" sz="1100" dirty="0">
-                <a:solidFill>
-                  <a:srgbClr val="A31515"/>
-                </a:solidFill>
-                <a:latin typeface="Consolas" panose="020B0609020204030204" pitchFamily="49" charset="0"/>
-              </a:rPr>
-              <a:t>'@angular/core'</a:t>
-            </a:r>
-            <a:r>
-              <a:rPr lang="en-US" sz="1100" dirty="0">
-                <a:solidFill>
-                  <a:srgbClr val="000000"/>
-                </a:solidFill>
-                <a:latin typeface="Consolas" panose="020B0609020204030204" pitchFamily="49" charset="0"/>
-              </a:rPr>
-              <a:t>;</a:t>
-            </a:r>
-          </a:p>
-          <a:p>
-            <a:r>
-              <a:rPr lang="en-US" sz="1100" dirty="0">
-                <a:solidFill>
-                  <a:srgbClr val="0000FF"/>
-                </a:solidFill>
-                <a:latin typeface="Consolas" panose="020B0609020204030204" pitchFamily="49" charset="0"/>
-              </a:rPr>
-              <a:t>import</a:t>
-            </a:r>
-            <a:r>
-              <a:rPr lang="en-US" sz="1100" dirty="0">
-                <a:solidFill>
-                  <a:srgbClr val="000000"/>
-                </a:solidFill>
-                <a:latin typeface="Consolas" panose="020B0609020204030204" pitchFamily="49" charset="0"/>
-              </a:rPr>
-              <a:t> { Http } </a:t>
-            </a:r>
-            <a:r>
-              <a:rPr lang="en-US" sz="1100" dirty="0">
-                <a:solidFill>
-                  <a:srgbClr val="0000FF"/>
-                </a:solidFill>
-                <a:latin typeface="Consolas" panose="020B0609020204030204" pitchFamily="49" charset="0"/>
-              </a:rPr>
-              <a:t>from</a:t>
-            </a:r>
-            <a:r>
-              <a:rPr lang="en-US" sz="1100" dirty="0">
-                <a:solidFill>
-                  <a:srgbClr val="000000"/>
-                </a:solidFill>
-                <a:latin typeface="Consolas" panose="020B0609020204030204" pitchFamily="49" charset="0"/>
-              </a:rPr>
-              <a:t> </a:t>
-            </a:r>
-            <a:r>
-              <a:rPr lang="en-US" sz="1100" dirty="0">
-                <a:solidFill>
-                  <a:srgbClr val="A31515"/>
-                </a:solidFill>
-                <a:latin typeface="Consolas" panose="020B0609020204030204" pitchFamily="49" charset="0"/>
-              </a:rPr>
-              <a:t>'@angular/http'</a:t>
-            </a:r>
-            <a:r>
-              <a:rPr lang="en-US" sz="1100" dirty="0">
-                <a:solidFill>
-                  <a:srgbClr val="000000"/>
-                </a:solidFill>
-                <a:latin typeface="Consolas" panose="020B0609020204030204" pitchFamily="49" charset="0"/>
-              </a:rPr>
-              <a:t>;</a:t>
-            </a:r>
-          </a:p>
-          <a:p>
-            <a:r>
-              <a:rPr lang="en-US" sz="1100" dirty="0">
-                <a:solidFill>
-                  <a:srgbClr val="0000FF"/>
-                </a:solidFill>
-                <a:latin typeface="Consolas" panose="020B0609020204030204" pitchFamily="49" charset="0"/>
-              </a:rPr>
-              <a:t>import</a:t>
-            </a:r>
-            <a:r>
-              <a:rPr lang="en-US" sz="1100" dirty="0">
-                <a:solidFill>
-                  <a:srgbClr val="000000"/>
-                </a:solidFill>
-                <a:latin typeface="Consolas" panose="020B0609020204030204" pitchFamily="49" charset="0"/>
-              </a:rPr>
-              <a:t> { Utility } </a:t>
-            </a:r>
-            <a:r>
-              <a:rPr lang="en-US" sz="1100" dirty="0">
-                <a:solidFill>
-                  <a:srgbClr val="0000FF"/>
-                </a:solidFill>
-                <a:latin typeface="Consolas" panose="020B0609020204030204" pitchFamily="49" charset="0"/>
-              </a:rPr>
-              <a:t>from</a:t>
-            </a:r>
-            <a:r>
-              <a:rPr lang="en-US" sz="1100" dirty="0">
-                <a:solidFill>
-                  <a:srgbClr val="000000"/>
-                </a:solidFill>
-                <a:latin typeface="Consolas" panose="020B0609020204030204" pitchFamily="49" charset="0"/>
-              </a:rPr>
-              <a:t> </a:t>
-            </a:r>
-            <a:r>
-              <a:rPr lang="en-US" sz="1100" dirty="0">
-                <a:solidFill>
-                  <a:srgbClr val="A31515"/>
-                </a:solidFill>
-                <a:latin typeface="Consolas" panose="020B0609020204030204" pitchFamily="49" charset="0"/>
-              </a:rPr>
-              <a:t>'../utility'</a:t>
-            </a:r>
-            <a:r>
-              <a:rPr lang="en-US" sz="1100" dirty="0">
-                <a:solidFill>
-                  <a:srgbClr val="000000"/>
-                </a:solidFill>
-                <a:latin typeface="Consolas" panose="020B0609020204030204" pitchFamily="49" charset="0"/>
-              </a:rPr>
-              <a:t>;</a:t>
-            </a:r>
-          </a:p>
-          <a:p>
-            <a:br>
-              <a:rPr lang="en-US" sz="1100" dirty="0">
-                <a:solidFill>
-                  <a:srgbClr val="000000"/>
-                </a:solidFill>
-                <a:latin typeface="Consolas" panose="020B0609020204030204" pitchFamily="49" charset="0"/>
-              </a:rPr>
-            </a:br>
-            <a:r>
-              <a:rPr lang="en-US" sz="1100" dirty="0">
-                <a:solidFill>
-                  <a:srgbClr val="000000"/>
-                </a:solidFill>
-                <a:latin typeface="Consolas" panose="020B0609020204030204" pitchFamily="49" charset="0"/>
-              </a:rPr>
-              <a:t>@Component({</a:t>
-            </a:r>
-          </a:p>
-          <a:p>
-            <a:r>
-              <a:rPr lang="en-US" sz="1100" dirty="0">
-                <a:solidFill>
-                  <a:srgbClr val="000000"/>
-                </a:solidFill>
-                <a:latin typeface="Consolas" panose="020B0609020204030204" pitchFamily="49" charset="0"/>
-              </a:rPr>
-              <a:t>  selector: </a:t>
-            </a:r>
-            <a:r>
-              <a:rPr lang="en-US" sz="1100" dirty="0">
-                <a:solidFill>
-                  <a:srgbClr val="A31515"/>
-                </a:solidFill>
-                <a:latin typeface="Consolas" panose="020B0609020204030204" pitchFamily="49" charset="0"/>
-              </a:rPr>
-              <a:t>'app-item'</a:t>
-            </a:r>
-            <a:r>
-              <a:rPr lang="en-US" sz="1100" dirty="0">
-                <a:solidFill>
-                  <a:srgbClr val="000000"/>
-                </a:solidFill>
-                <a:latin typeface="Consolas" panose="020B0609020204030204" pitchFamily="49" charset="0"/>
-              </a:rPr>
-              <a:t>,</a:t>
-            </a:r>
-          </a:p>
-          <a:p>
-            <a:r>
-              <a:rPr lang="en-US" sz="1100" dirty="0">
-                <a:solidFill>
-                  <a:srgbClr val="000000"/>
-                </a:solidFill>
-                <a:latin typeface="Consolas" panose="020B0609020204030204" pitchFamily="49" charset="0"/>
-              </a:rPr>
-              <a:t>  </a:t>
-            </a:r>
-            <a:r>
-              <a:rPr lang="en-US" sz="1100" dirty="0" err="1">
-                <a:solidFill>
-                  <a:srgbClr val="000000"/>
-                </a:solidFill>
-                <a:latin typeface="Consolas" panose="020B0609020204030204" pitchFamily="49" charset="0"/>
-              </a:rPr>
-              <a:t>templateUrl</a:t>
-            </a:r>
-            <a:r>
-              <a:rPr lang="en-US" sz="1100" dirty="0">
-                <a:solidFill>
-                  <a:srgbClr val="000000"/>
-                </a:solidFill>
-                <a:latin typeface="Consolas" panose="020B0609020204030204" pitchFamily="49" charset="0"/>
-              </a:rPr>
-              <a:t>: </a:t>
-            </a:r>
-            <a:r>
-              <a:rPr lang="en-US" sz="1100" dirty="0">
-                <a:solidFill>
-                  <a:srgbClr val="A31515"/>
-                </a:solidFill>
-                <a:latin typeface="Consolas" panose="020B0609020204030204" pitchFamily="49" charset="0"/>
-              </a:rPr>
-              <a:t>'./thing.component.html'</a:t>
-            </a:r>
-            <a:r>
-              <a:rPr lang="en-US" sz="1100" dirty="0">
-                <a:solidFill>
-                  <a:srgbClr val="000000"/>
-                </a:solidFill>
-                <a:latin typeface="Consolas" panose="020B0609020204030204" pitchFamily="49" charset="0"/>
-              </a:rPr>
-              <a:t>,</a:t>
-            </a:r>
-          </a:p>
-          <a:p>
-            <a:r>
-              <a:rPr lang="en-US" sz="1100" dirty="0">
-                <a:solidFill>
-                  <a:srgbClr val="000000"/>
-                </a:solidFill>
-                <a:latin typeface="Consolas" panose="020B0609020204030204" pitchFamily="49" charset="0"/>
-              </a:rPr>
-              <a:t>  </a:t>
-            </a:r>
-            <a:r>
-              <a:rPr lang="en-US" sz="1100" dirty="0" err="1">
-                <a:solidFill>
-                  <a:srgbClr val="000000"/>
-                </a:solidFill>
-                <a:latin typeface="Consolas" panose="020B0609020204030204" pitchFamily="49" charset="0"/>
-              </a:rPr>
-              <a:t>styleUrls</a:t>
-            </a:r>
-            <a:r>
-              <a:rPr lang="en-US" sz="1100" dirty="0">
-                <a:solidFill>
-                  <a:srgbClr val="000000"/>
-                </a:solidFill>
-                <a:latin typeface="Consolas" panose="020B0609020204030204" pitchFamily="49" charset="0"/>
-              </a:rPr>
-              <a:t>: [</a:t>
-            </a:r>
-            <a:r>
-              <a:rPr lang="en-US" sz="1100" dirty="0">
-                <a:solidFill>
-                  <a:srgbClr val="A31515"/>
-                </a:solidFill>
-                <a:latin typeface="Consolas" panose="020B0609020204030204" pitchFamily="49" charset="0"/>
-              </a:rPr>
-              <a:t>'./thing.component.css'</a:t>
-            </a:r>
-            <a:r>
-              <a:rPr lang="en-US" sz="1100" dirty="0">
-                <a:solidFill>
-                  <a:srgbClr val="000000"/>
-                </a:solidFill>
-                <a:latin typeface="Consolas" panose="020B0609020204030204" pitchFamily="49" charset="0"/>
-              </a:rPr>
-              <a:t>]</a:t>
-            </a:r>
-          </a:p>
-          <a:p>
-            <a:r>
-              <a:rPr lang="en-US" sz="1100" dirty="0">
-                <a:solidFill>
-                  <a:srgbClr val="000000"/>
-                </a:solidFill>
-                <a:latin typeface="Consolas" panose="020B0609020204030204" pitchFamily="49" charset="0"/>
-              </a:rPr>
-              <a:t>})</a:t>
-            </a:r>
-          </a:p>
-          <a:p>
-            <a:r>
-              <a:rPr lang="en-US" sz="1100" dirty="0">
-                <a:solidFill>
-                  <a:srgbClr val="0000FF"/>
-                </a:solidFill>
-                <a:latin typeface="Consolas" panose="020B0609020204030204" pitchFamily="49" charset="0"/>
-              </a:rPr>
-              <a:t>export</a:t>
-            </a:r>
-            <a:r>
-              <a:rPr lang="en-US" sz="1100" dirty="0">
-                <a:solidFill>
-                  <a:srgbClr val="000000"/>
-                </a:solidFill>
-                <a:latin typeface="Consolas" panose="020B0609020204030204" pitchFamily="49" charset="0"/>
-              </a:rPr>
-              <a:t> </a:t>
-            </a:r>
-            <a:r>
-              <a:rPr lang="en-US" sz="1100" dirty="0">
-                <a:solidFill>
-                  <a:srgbClr val="0000FF"/>
-                </a:solidFill>
-                <a:latin typeface="Consolas" panose="020B0609020204030204" pitchFamily="49" charset="0"/>
-              </a:rPr>
-              <a:t>class</a:t>
-            </a:r>
-            <a:r>
-              <a:rPr lang="en-US" sz="1100" dirty="0">
-                <a:solidFill>
-                  <a:srgbClr val="000000"/>
-                </a:solidFill>
-                <a:latin typeface="Consolas" panose="020B0609020204030204" pitchFamily="49" charset="0"/>
-              </a:rPr>
-              <a:t> </a:t>
-            </a:r>
-            <a:r>
-              <a:rPr lang="en-US" sz="1100" dirty="0" err="1">
-                <a:solidFill>
-                  <a:srgbClr val="000000"/>
-                </a:solidFill>
-                <a:latin typeface="Consolas" panose="020B0609020204030204" pitchFamily="49" charset="0"/>
-              </a:rPr>
-              <a:t>ThingComponent</a:t>
-            </a:r>
-            <a:r>
-              <a:rPr lang="en-US" sz="1100" dirty="0">
-                <a:solidFill>
-                  <a:srgbClr val="000000"/>
-                </a:solidFill>
-                <a:latin typeface="Consolas" panose="020B0609020204030204" pitchFamily="49" charset="0"/>
-              </a:rPr>
-              <a:t> </a:t>
-            </a:r>
-            <a:r>
-              <a:rPr lang="en-US" sz="1100" dirty="0">
-                <a:solidFill>
-                  <a:srgbClr val="0000FF"/>
-                </a:solidFill>
-                <a:latin typeface="Consolas" panose="020B0609020204030204" pitchFamily="49" charset="0"/>
-              </a:rPr>
-              <a:t>implements</a:t>
-            </a:r>
-            <a:r>
-              <a:rPr lang="en-US" sz="1100" dirty="0">
-                <a:solidFill>
-                  <a:srgbClr val="000000"/>
-                </a:solidFill>
-                <a:latin typeface="Consolas" panose="020B0609020204030204" pitchFamily="49" charset="0"/>
-              </a:rPr>
-              <a:t> </a:t>
-            </a:r>
-            <a:r>
-              <a:rPr lang="en-US" sz="1100" dirty="0" err="1">
-                <a:solidFill>
-                  <a:srgbClr val="000000"/>
-                </a:solidFill>
-                <a:latin typeface="Consolas" panose="020B0609020204030204" pitchFamily="49" charset="0"/>
-              </a:rPr>
-              <a:t>OnInit</a:t>
-            </a:r>
-            <a:r>
-              <a:rPr lang="en-US" sz="1100" dirty="0">
-                <a:solidFill>
-                  <a:srgbClr val="000000"/>
-                </a:solidFill>
-                <a:latin typeface="Consolas" panose="020B0609020204030204" pitchFamily="49" charset="0"/>
-              </a:rPr>
-              <a:t> {</a:t>
-            </a:r>
-          </a:p>
-          <a:p>
-            <a:br>
-              <a:rPr lang="en-US" sz="1100" dirty="0">
-                <a:solidFill>
-                  <a:srgbClr val="000000"/>
-                </a:solidFill>
-                <a:latin typeface="Consolas" panose="020B0609020204030204" pitchFamily="49" charset="0"/>
-              </a:rPr>
-            </a:br>
-            <a:r>
-              <a:rPr lang="en-US" sz="1100" dirty="0">
-                <a:solidFill>
-                  <a:srgbClr val="000000"/>
-                </a:solidFill>
-                <a:latin typeface="Consolas" panose="020B0609020204030204" pitchFamily="49" charset="0"/>
-              </a:rPr>
-              <a:t>  </a:t>
-            </a:r>
-            <a:r>
-              <a:rPr lang="en-US" sz="1100" dirty="0">
-                <a:solidFill>
-                  <a:srgbClr val="0000FF"/>
-                </a:solidFill>
-                <a:latin typeface="Consolas" panose="020B0609020204030204" pitchFamily="49" charset="0"/>
-              </a:rPr>
-              <a:t>public</a:t>
-            </a:r>
-            <a:r>
-              <a:rPr lang="en-US" sz="1100" dirty="0">
-                <a:solidFill>
-                  <a:srgbClr val="000000"/>
-                </a:solidFill>
-                <a:latin typeface="Consolas" panose="020B0609020204030204" pitchFamily="49" charset="0"/>
-              </a:rPr>
-              <a:t> </a:t>
-            </a:r>
-            <a:r>
-              <a:rPr lang="en-US" sz="1100" dirty="0">
-                <a:solidFill>
-                  <a:srgbClr val="0000FF"/>
-                </a:solidFill>
-                <a:latin typeface="Consolas" panose="020B0609020204030204" pitchFamily="49" charset="0"/>
-              </a:rPr>
-              <a:t>constructor</a:t>
-            </a:r>
-            <a:r>
-              <a:rPr lang="en-US" sz="1100" dirty="0">
-                <a:solidFill>
-                  <a:srgbClr val="000000"/>
-                </a:solidFill>
-                <a:latin typeface="Consolas" panose="020B0609020204030204" pitchFamily="49" charset="0"/>
-              </a:rPr>
-              <a:t>(</a:t>
-            </a:r>
-            <a:r>
-              <a:rPr lang="en-US" sz="1100" dirty="0">
-                <a:solidFill>
-                  <a:srgbClr val="0000FF"/>
-                </a:solidFill>
-                <a:latin typeface="Consolas" panose="020B0609020204030204" pitchFamily="49" charset="0"/>
-              </a:rPr>
-              <a:t>private</a:t>
-            </a:r>
-            <a:r>
-              <a:rPr lang="en-US" sz="1100" dirty="0">
-                <a:solidFill>
-                  <a:srgbClr val="000000"/>
-                </a:solidFill>
-                <a:latin typeface="Consolas" panose="020B0609020204030204" pitchFamily="49" charset="0"/>
-              </a:rPr>
-              <a:t> http: Http, </a:t>
-            </a:r>
-            <a:r>
-              <a:rPr lang="en-US" sz="1100" dirty="0">
-                <a:solidFill>
-                  <a:srgbClr val="0000FF"/>
-                </a:solidFill>
-                <a:latin typeface="Consolas" panose="020B0609020204030204" pitchFamily="49" charset="0"/>
-              </a:rPr>
-              <a:t>private</a:t>
-            </a:r>
-            <a:r>
-              <a:rPr lang="en-US" sz="1100" dirty="0">
-                <a:solidFill>
-                  <a:srgbClr val="000000"/>
-                </a:solidFill>
-                <a:latin typeface="Consolas" panose="020B0609020204030204" pitchFamily="49" charset="0"/>
-              </a:rPr>
-              <a:t> utility: Utility) {</a:t>
-            </a:r>
-          </a:p>
-          <a:p>
-            <a:r>
-              <a:rPr lang="en-US" sz="1100" dirty="0">
-                <a:solidFill>
-                  <a:srgbClr val="000000"/>
-                </a:solidFill>
-                <a:latin typeface="Consolas" panose="020B0609020204030204" pitchFamily="49" charset="0"/>
-              </a:rPr>
-              <a:t>    </a:t>
-            </a:r>
-            <a:endParaRPr lang="en-US" sz="1100" dirty="0">
-              <a:solidFill>
-                <a:srgbClr val="000000"/>
-              </a:solidFill>
-              <a:latin typeface="Consolas" panose="020B0609020204030204" pitchFamily="49" charset="0"/>
-            </a:endParaRPr>
-          </a:p>
-          <a:p>
-            <a:r>
-              <a:rPr lang="en-US" sz="1100" dirty="0">
-                <a:solidFill>
-                  <a:srgbClr val="000000"/>
-                </a:solidFill>
-                <a:latin typeface="Consolas" panose="020B0609020204030204" pitchFamily="49" charset="0"/>
-              </a:rPr>
-              <a:t>  }</a:t>
-            </a:r>
-          </a:p>
-          <a:p>
-            <a:br>
-              <a:rPr lang="en-US" sz="1100" dirty="0">
-                <a:solidFill>
-                  <a:srgbClr val="000000"/>
-                </a:solidFill>
-                <a:latin typeface="Consolas" panose="020B0609020204030204" pitchFamily="49" charset="0"/>
-              </a:rPr>
-            </a:br>
-            <a:r>
-              <a:rPr lang="en-US" sz="1100" dirty="0">
-                <a:solidFill>
-                  <a:srgbClr val="000000"/>
-                </a:solidFill>
-                <a:latin typeface="Consolas" panose="020B0609020204030204" pitchFamily="49" charset="0"/>
-              </a:rPr>
-              <a:t>  </a:t>
-            </a:r>
-            <a:r>
-              <a:rPr lang="en-US" sz="1100" dirty="0">
-                <a:solidFill>
-                  <a:srgbClr val="0000FF"/>
-                </a:solidFill>
-                <a:latin typeface="Consolas" panose="020B0609020204030204" pitchFamily="49" charset="0"/>
-              </a:rPr>
-              <a:t>public</a:t>
-            </a:r>
-            <a:r>
-              <a:rPr lang="en-US" sz="1100" dirty="0">
-                <a:solidFill>
-                  <a:srgbClr val="000000"/>
-                </a:solidFill>
-                <a:latin typeface="Consolas" panose="020B0609020204030204" pitchFamily="49" charset="0"/>
-              </a:rPr>
-              <a:t> </a:t>
-            </a:r>
-            <a:r>
-              <a:rPr lang="en-US" sz="1100" dirty="0" err="1">
-                <a:solidFill>
-                  <a:srgbClr val="000000"/>
-                </a:solidFill>
-                <a:latin typeface="Consolas" panose="020B0609020204030204" pitchFamily="49" charset="0"/>
-              </a:rPr>
-              <a:t>ngOnInit</a:t>
-            </a:r>
-            <a:r>
-              <a:rPr lang="en-US" sz="1100" dirty="0">
-                <a:solidFill>
-                  <a:srgbClr val="000000"/>
-                </a:solidFill>
-                <a:latin typeface="Consolas" panose="020B0609020204030204" pitchFamily="49" charset="0"/>
-              </a:rPr>
-              <a:t>() {</a:t>
-            </a:r>
-          </a:p>
-          <a:p>
-            <a:endParaRPr lang="en-US" sz="1100" dirty="0">
-              <a:solidFill>
-                <a:srgbClr val="000000"/>
-              </a:solidFill>
-              <a:latin typeface="Consolas" panose="020B0609020204030204" pitchFamily="49" charset="0"/>
-            </a:endParaRPr>
-          </a:p>
-          <a:p>
-            <a:r>
-              <a:rPr lang="en-US" sz="1100" dirty="0">
-                <a:solidFill>
-                  <a:srgbClr val="000000"/>
-                </a:solidFill>
-                <a:latin typeface="Consolas" panose="020B0609020204030204" pitchFamily="49" charset="0"/>
-              </a:rPr>
-              <a:t>  }</a:t>
-            </a:r>
-          </a:p>
-          <a:p>
-            <a:br>
-              <a:rPr lang="en-US" sz="1100" dirty="0">
-                <a:solidFill>
-                  <a:srgbClr val="000000"/>
-                </a:solidFill>
-                <a:latin typeface="Consolas" panose="020B0609020204030204" pitchFamily="49" charset="0"/>
-              </a:rPr>
-            </a:br>
-            <a:r>
-              <a:rPr lang="en-US" sz="1100" dirty="0">
-                <a:solidFill>
-                  <a:srgbClr val="000000"/>
-                </a:solidFill>
-                <a:latin typeface="Consolas" panose="020B0609020204030204" pitchFamily="49" charset="0"/>
-              </a:rPr>
-              <a:t>  </a:t>
-            </a:r>
-            <a:r>
-              <a:rPr lang="en-US" sz="1100" dirty="0">
-                <a:solidFill>
-                  <a:srgbClr val="0000FF"/>
-                </a:solidFill>
-                <a:latin typeface="Consolas" panose="020B0609020204030204" pitchFamily="49" charset="0"/>
-              </a:rPr>
-              <a:t>public</a:t>
-            </a:r>
-            <a:r>
-              <a:rPr lang="en-US" sz="1100" dirty="0">
-                <a:solidFill>
-                  <a:srgbClr val="000000"/>
-                </a:solidFill>
-                <a:latin typeface="Consolas" panose="020B0609020204030204" pitchFamily="49" charset="0"/>
-              </a:rPr>
-              <a:t> </a:t>
-            </a:r>
-            <a:r>
-              <a:rPr lang="en-US" sz="1100" dirty="0" err="1">
-                <a:solidFill>
-                  <a:srgbClr val="000000"/>
-                </a:solidFill>
-                <a:latin typeface="Consolas" panose="020B0609020204030204" pitchFamily="49" charset="0"/>
-              </a:rPr>
-              <a:t>whateverMethod</a:t>
-            </a:r>
-            <a:r>
-              <a:rPr lang="en-US" sz="1100" dirty="0">
-                <a:solidFill>
-                  <a:srgbClr val="000000"/>
-                </a:solidFill>
-                <a:latin typeface="Consolas" panose="020B0609020204030204" pitchFamily="49" charset="0"/>
-              </a:rPr>
-              <a:t>() {</a:t>
-            </a:r>
-          </a:p>
-          <a:p>
-            <a:endParaRPr lang="en-US" sz="1100" dirty="0">
-              <a:solidFill>
-                <a:srgbClr val="000000"/>
-              </a:solidFill>
-              <a:latin typeface="Consolas" panose="020B0609020204030204" pitchFamily="49" charset="0"/>
-            </a:endParaRPr>
-          </a:p>
-          <a:p>
-            <a:r>
-              <a:rPr lang="en-US" sz="1100" dirty="0">
-                <a:solidFill>
-                  <a:srgbClr val="000000"/>
-                </a:solidFill>
-                <a:latin typeface="Consolas" panose="020B0609020204030204" pitchFamily="49" charset="0"/>
-              </a:rPr>
-              <a:t>  }</a:t>
-            </a:r>
-          </a:p>
-          <a:p>
-            <a:r>
-              <a:rPr lang="en-US" sz="1100" dirty="0">
-                <a:solidFill>
-                  <a:srgbClr val="000000"/>
-                </a:solidFill>
-                <a:latin typeface="Consolas" panose="020B0609020204030204" pitchFamily="49" charset="0"/>
-              </a:rPr>
-              <a:t>}</a:t>
-            </a:r>
-            <a:endParaRPr lang="en-US" sz="1100" b="0" dirty="0">
-              <a:solidFill>
-                <a:srgbClr val="000000"/>
-              </a:solidFill>
-              <a:effectLst/>
-              <a:latin typeface="Consolas" panose="020B0609020204030204" pitchFamily="49" charset="0"/>
-            </a:endParaRPr>
+          <a:p>
+            <a:pPr marL="573088" lvl="3" indent="-342900">
+              <a:buFont typeface="Arial" panose="020B0604020202020204" pitchFamily="34" charset="0"/>
+              <a:buChar char="•"/>
+            </a:pPr>
+            <a:r>
+              <a:rPr lang="en-US" dirty="0"/>
+              <a:t>ASP.NET Core – Controller</a:t>
+            </a:r>
+          </a:p>
+          <a:p>
+            <a:pPr marL="2857500" lvl="5" indent="-342900">
+              <a:buFont typeface="Arial" panose="020B0604020202020204" pitchFamily="34" charset="0"/>
+              <a:buChar char="•"/>
+            </a:pPr>
+            <a:endParaRPr lang="en-US" dirty="0"/>
+          </a:p>
+          <a:p>
+            <a:pPr marL="573088" lvl="1" indent="-342900">
+              <a:buFont typeface="Arial" panose="020B0604020202020204" pitchFamily="34" charset="0"/>
+              <a:buChar char="•"/>
+            </a:pPr>
+            <a:r>
+              <a:rPr lang="en-US" sz="2000" dirty="0"/>
+              <a:t>Methods: endpoints</a:t>
+            </a:r>
+          </a:p>
+          <a:p>
+            <a:pPr marL="573088" lvl="1" indent="-342900">
+              <a:buFont typeface="Arial" panose="020B0604020202020204" pitchFamily="34" charset="0"/>
+              <a:buChar char="•"/>
+            </a:pPr>
+            <a:endParaRPr lang="en-US" sz="2000" dirty="0"/>
+          </a:p>
+          <a:p>
+            <a:pPr marL="573088" lvl="1" indent="-342900">
+              <a:buFont typeface="Arial" panose="020B0604020202020204" pitchFamily="34" charset="0"/>
+              <a:buChar char="•"/>
+            </a:pPr>
+            <a:r>
+              <a:rPr lang="en-US" sz="2000" dirty="0"/>
+              <a:t>Optional </a:t>
+            </a:r>
+            <a:r>
+              <a:rPr lang="en-US" sz="2000" dirty="0" err="1"/>
+              <a:t>async</a:t>
+            </a:r>
+            <a:r>
+              <a:rPr lang="en-US" sz="2000" dirty="0"/>
+              <a:t>/await</a:t>
+            </a:r>
           </a:p>
         </p:txBody>
       </p:sp>
     </p:spTree>
     <p:extLst>
       <p:ext uri="{BB962C8B-B14F-4D97-AF65-F5344CB8AC3E}">
-        <p14:creationId xmlns:p14="http://schemas.microsoft.com/office/powerpoint/2010/main" val="817358371"/>
+        <p14:creationId xmlns:p14="http://schemas.microsoft.com/office/powerpoint/2010/main" val="1294541063"/>
       </p:ext>
     </p:extLst>
   </p:cSld>
@@ -9870,1099 +7746,116 @@
           <a:p>
             <a:r>
               <a:rPr lang="en-US" dirty="0"/>
-              <a:t>GET using Http</a:t>
-            </a:r>
+              <a:t>ASP.NET </a:t>
+            </a:r>
+            <a:r>
+              <a:rPr lang="en-US" dirty="0" err="1"/>
+              <a:t>WebAPI</a:t>
+            </a:r>
+            <a:r>
+              <a:rPr lang="en-US" dirty="0"/>
+              <a:t> vs ASP.NET Core </a:t>
+            </a:r>
+            <a:r>
+              <a:rPr lang="en-US" dirty="0" err="1"/>
+              <a:t>WebAPI</a:t>
+            </a:r>
+            <a:endParaRPr lang="en-US" dirty="0"/>
           </a:p>
         </p:txBody>
       </p:sp>
       <p:sp>
         <p:nvSpPr>
-          <p:cNvPr id="5" name="Rectangle 4"/>
-          <p:cNvSpPr/>
-          <p:nvPr/>
-        </p:nvSpPr>
-        <p:spPr>
-          <a:xfrm>
-            <a:off x="1924049" y="514410"/>
-            <a:ext cx="8553451" cy="5016758"/>
-          </a:xfrm>
-          <a:prstGeom prst="rect">
-            <a:avLst/>
-          </a:prstGeom>
-        </p:spPr>
+          <p:cNvPr id="3" name="Content Placeholder 2"/>
+          <p:cNvSpPr>
+            <a:spLocks noGrp="1"/>
+          </p:cNvSpPr>
+          <p:nvPr>
+            <p:ph idx="1"/>
+          </p:nvPr>
+        </p:nvSpPr>
+        <p:spPr/>
         <p:txBody>
-          <a:bodyPr wrap="square">
-            <a:spAutoFit/>
-          </a:bodyPr>
+          <a:bodyPr/>
           <a:lstStyle/>
           <a:p>
-            <a:r>
-              <a:rPr lang="en-US" sz="1000" dirty="0">
-                <a:solidFill>
-                  <a:srgbClr val="0000FF"/>
-                </a:solidFill>
-                <a:latin typeface="Consolas" panose="020B0609020204030204" pitchFamily="49" charset="0"/>
-              </a:rPr>
-              <a:t>import</a:t>
-            </a:r>
-            <a:r>
-              <a:rPr lang="en-US" sz="1000" dirty="0">
-                <a:solidFill>
-                  <a:srgbClr val="000000"/>
-                </a:solidFill>
-                <a:latin typeface="Consolas" panose="020B0609020204030204" pitchFamily="49" charset="0"/>
-              </a:rPr>
-              <a:t> { Component, </a:t>
-            </a:r>
-            <a:r>
-              <a:rPr lang="en-US" sz="1000" dirty="0" err="1">
-                <a:solidFill>
-                  <a:srgbClr val="000000"/>
-                </a:solidFill>
-                <a:latin typeface="Consolas" panose="020B0609020204030204" pitchFamily="49" charset="0"/>
-              </a:rPr>
-              <a:t>OnInit</a:t>
-            </a:r>
-            <a:r>
-              <a:rPr lang="en-US" sz="1000" dirty="0">
-                <a:solidFill>
-                  <a:srgbClr val="000000"/>
-                </a:solidFill>
-                <a:latin typeface="Consolas" panose="020B0609020204030204" pitchFamily="49" charset="0"/>
-              </a:rPr>
-              <a:t> } </a:t>
-            </a:r>
-            <a:r>
-              <a:rPr lang="en-US" sz="1000" dirty="0">
-                <a:solidFill>
-                  <a:srgbClr val="0000FF"/>
-                </a:solidFill>
-                <a:latin typeface="Consolas" panose="020B0609020204030204" pitchFamily="49" charset="0"/>
-              </a:rPr>
-              <a:t>from</a:t>
-            </a:r>
-            <a:r>
-              <a:rPr lang="en-US" sz="1000" dirty="0">
-                <a:solidFill>
-                  <a:srgbClr val="000000"/>
-                </a:solidFill>
-                <a:latin typeface="Consolas" panose="020B0609020204030204" pitchFamily="49" charset="0"/>
-              </a:rPr>
-              <a:t> </a:t>
-            </a:r>
-            <a:r>
-              <a:rPr lang="en-US" sz="1000" dirty="0">
-                <a:solidFill>
-                  <a:srgbClr val="A31515"/>
-                </a:solidFill>
-                <a:latin typeface="Consolas" panose="020B0609020204030204" pitchFamily="49" charset="0"/>
-              </a:rPr>
-              <a:t>'@angular/core'</a:t>
-            </a:r>
-            <a:r>
-              <a:rPr lang="en-US" sz="1000" dirty="0">
-                <a:solidFill>
-                  <a:srgbClr val="000000"/>
-                </a:solidFill>
-                <a:latin typeface="Consolas" panose="020B0609020204030204" pitchFamily="49" charset="0"/>
-              </a:rPr>
-              <a:t>;</a:t>
-            </a:r>
-          </a:p>
-          <a:p>
-            <a:r>
-              <a:rPr lang="en-US" sz="1000" dirty="0">
-                <a:solidFill>
-                  <a:srgbClr val="0000FF"/>
-                </a:solidFill>
-                <a:latin typeface="Consolas" panose="020B0609020204030204" pitchFamily="49" charset="0"/>
-              </a:rPr>
-              <a:t>import</a:t>
-            </a:r>
-            <a:r>
-              <a:rPr lang="en-US" sz="1000" dirty="0">
-                <a:solidFill>
-                  <a:srgbClr val="000000"/>
-                </a:solidFill>
-                <a:latin typeface="Consolas" panose="020B0609020204030204" pitchFamily="49" charset="0"/>
-              </a:rPr>
-              <a:t> { Http } </a:t>
-            </a:r>
-            <a:r>
-              <a:rPr lang="en-US" sz="1000" dirty="0">
-                <a:solidFill>
-                  <a:srgbClr val="0000FF"/>
-                </a:solidFill>
-                <a:latin typeface="Consolas" panose="020B0609020204030204" pitchFamily="49" charset="0"/>
-              </a:rPr>
-              <a:t>from</a:t>
-            </a:r>
-            <a:r>
-              <a:rPr lang="en-US" sz="1000" dirty="0">
-                <a:solidFill>
-                  <a:srgbClr val="000000"/>
-                </a:solidFill>
-                <a:latin typeface="Consolas" panose="020B0609020204030204" pitchFamily="49" charset="0"/>
-              </a:rPr>
-              <a:t> </a:t>
-            </a:r>
-            <a:r>
-              <a:rPr lang="en-US" sz="1000" dirty="0">
-                <a:solidFill>
-                  <a:srgbClr val="A31515"/>
-                </a:solidFill>
-                <a:latin typeface="Consolas" panose="020B0609020204030204" pitchFamily="49" charset="0"/>
-              </a:rPr>
-              <a:t>'@angular/http'</a:t>
-            </a:r>
-            <a:r>
-              <a:rPr lang="en-US" sz="1000" dirty="0">
-                <a:solidFill>
-                  <a:srgbClr val="000000"/>
-                </a:solidFill>
-                <a:latin typeface="Consolas" panose="020B0609020204030204" pitchFamily="49" charset="0"/>
-              </a:rPr>
-              <a:t>;</a:t>
-            </a:r>
-          </a:p>
-          <a:p>
-            <a:r>
-              <a:rPr lang="en-US" sz="1000" dirty="0">
-                <a:solidFill>
-                  <a:srgbClr val="0000FF"/>
-                </a:solidFill>
-                <a:latin typeface="Consolas" panose="020B0609020204030204" pitchFamily="49" charset="0"/>
-              </a:rPr>
-              <a:t>import</a:t>
-            </a:r>
-            <a:r>
-              <a:rPr lang="en-US" sz="1000" dirty="0">
-                <a:solidFill>
-                  <a:srgbClr val="000000"/>
-                </a:solidFill>
-                <a:latin typeface="Consolas" panose="020B0609020204030204" pitchFamily="49" charset="0"/>
-              </a:rPr>
-              <a:t> { Item } </a:t>
-            </a:r>
-            <a:r>
-              <a:rPr lang="en-US" sz="1000" dirty="0">
-                <a:solidFill>
-                  <a:srgbClr val="0000FF"/>
-                </a:solidFill>
-                <a:latin typeface="Consolas" panose="020B0609020204030204" pitchFamily="49" charset="0"/>
-              </a:rPr>
-              <a:t>from</a:t>
-            </a:r>
-            <a:r>
-              <a:rPr lang="en-US" sz="1000" dirty="0">
-                <a:solidFill>
-                  <a:srgbClr val="000000"/>
-                </a:solidFill>
-                <a:latin typeface="Consolas" panose="020B0609020204030204" pitchFamily="49" charset="0"/>
-              </a:rPr>
-              <a:t> </a:t>
-            </a:r>
-            <a:r>
-              <a:rPr lang="en-US" sz="1000" dirty="0">
-                <a:solidFill>
-                  <a:srgbClr val="A31515"/>
-                </a:solidFill>
-                <a:latin typeface="Consolas" panose="020B0609020204030204" pitchFamily="49" charset="0"/>
-              </a:rPr>
-              <a:t>'../item'</a:t>
-            </a:r>
-            <a:r>
-              <a:rPr lang="en-US" sz="1000" dirty="0">
-                <a:solidFill>
-                  <a:srgbClr val="000000"/>
-                </a:solidFill>
-                <a:latin typeface="Consolas" panose="020B0609020204030204" pitchFamily="49" charset="0"/>
-              </a:rPr>
-              <a:t>;</a:t>
-            </a:r>
-          </a:p>
-          <a:p>
-            <a:r>
-              <a:rPr lang="en-US" sz="1000" dirty="0">
-                <a:solidFill>
-                  <a:srgbClr val="0000FF"/>
-                </a:solidFill>
-                <a:latin typeface="Consolas" panose="020B0609020204030204" pitchFamily="49" charset="0"/>
-              </a:rPr>
-              <a:t>import</a:t>
-            </a:r>
-            <a:r>
-              <a:rPr lang="en-US" sz="1000" dirty="0">
-                <a:solidFill>
-                  <a:srgbClr val="000000"/>
-                </a:solidFill>
-                <a:latin typeface="Consolas" panose="020B0609020204030204" pitchFamily="49" charset="0"/>
-              </a:rPr>
-              <a:t> </a:t>
-            </a:r>
-            <a:r>
-              <a:rPr lang="en-US" sz="1000" dirty="0">
-                <a:solidFill>
-                  <a:srgbClr val="A31515"/>
-                </a:solidFill>
-                <a:latin typeface="Consolas" panose="020B0609020204030204" pitchFamily="49" charset="0"/>
-              </a:rPr>
-              <a:t>'</a:t>
-            </a:r>
-            <a:r>
-              <a:rPr lang="en-US" sz="1000" dirty="0" err="1">
-                <a:solidFill>
-                  <a:srgbClr val="A31515"/>
-                </a:solidFill>
-                <a:latin typeface="Consolas" panose="020B0609020204030204" pitchFamily="49" charset="0"/>
-              </a:rPr>
-              <a:t>rxjs</a:t>
-            </a:r>
-            <a:r>
-              <a:rPr lang="en-US" sz="1000" dirty="0">
-                <a:solidFill>
-                  <a:srgbClr val="A31515"/>
-                </a:solidFill>
-                <a:latin typeface="Consolas" panose="020B0609020204030204" pitchFamily="49" charset="0"/>
-              </a:rPr>
-              <a:t>/add/operator/map'</a:t>
-            </a:r>
-            <a:r>
-              <a:rPr lang="en-US" sz="1000" dirty="0">
-                <a:solidFill>
-                  <a:srgbClr val="000000"/>
-                </a:solidFill>
-                <a:latin typeface="Consolas" panose="020B0609020204030204" pitchFamily="49" charset="0"/>
-              </a:rPr>
-              <a:t>;</a:t>
-            </a:r>
-          </a:p>
-          <a:p>
-            <a:r>
-              <a:rPr lang="en-US" sz="1000" dirty="0">
-                <a:solidFill>
-                  <a:srgbClr val="0000FF"/>
-                </a:solidFill>
-                <a:latin typeface="Consolas" panose="020B0609020204030204" pitchFamily="49" charset="0"/>
-              </a:rPr>
-              <a:t>import</a:t>
-            </a:r>
-            <a:r>
-              <a:rPr lang="en-US" sz="1000" dirty="0">
-                <a:solidFill>
-                  <a:srgbClr val="000000"/>
-                </a:solidFill>
-                <a:latin typeface="Consolas" panose="020B0609020204030204" pitchFamily="49" charset="0"/>
-              </a:rPr>
-              <a:t> </a:t>
-            </a:r>
-            <a:r>
-              <a:rPr lang="en-US" sz="1000" dirty="0">
-                <a:solidFill>
-                  <a:srgbClr val="A31515"/>
-                </a:solidFill>
-                <a:latin typeface="Consolas" panose="020B0609020204030204" pitchFamily="49" charset="0"/>
-              </a:rPr>
-              <a:t>'</a:t>
-            </a:r>
-            <a:r>
-              <a:rPr lang="en-US" sz="1000" dirty="0" err="1">
-                <a:solidFill>
-                  <a:srgbClr val="A31515"/>
-                </a:solidFill>
-                <a:latin typeface="Consolas" panose="020B0609020204030204" pitchFamily="49" charset="0"/>
-              </a:rPr>
-              <a:t>rxjs</a:t>
-            </a:r>
-            <a:r>
-              <a:rPr lang="en-US" sz="1000" dirty="0">
-                <a:solidFill>
-                  <a:srgbClr val="A31515"/>
-                </a:solidFill>
-                <a:latin typeface="Consolas" panose="020B0609020204030204" pitchFamily="49" charset="0"/>
-              </a:rPr>
-              <a:t>/add/operator/do'</a:t>
-            </a:r>
-            <a:r>
-              <a:rPr lang="en-US" sz="1000" dirty="0">
-                <a:solidFill>
-                  <a:srgbClr val="000000"/>
-                </a:solidFill>
-                <a:latin typeface="Consolas" panose="020B0609020204030204" pitchFamily="49" charset="0"/>
-              </a:rPr>
-              <a:t>;</a:t>
-            </a:r>
-          </a:p>
-          <a:p>
-            <a:br>
-              <a:rPr lang="en-US" sz="1000" dirty="0">
-                <a:solidFill>
-                  <a:srgbClr val="000000"/>
-                </a:solidFill>
-                <a:latin typeface="Consolas" panose="020B0609020204030204" pitchFamily="49" charset="0"/>
-              </a:rPr>
-            </a:br>
-            <a:r>
-              <a:rPr lang="en-US" sz="1000" dirty="0">
-                <a:solidFill>
-                  <a:srgbClr val="000000"/>
-                </a:solidFill>
-                <a:latin typeface="Consolas" panose="020B0609020204030204" pitchFamily="49" charset="0"/>
-              </a:rPr>
-              <a:t>@Component({</a:t>
-            </a:r>
-          </a:p>
-          <a:p>
-            <a:r>
-              <a:rPr lang="en-US" sz="1000" dirty="0">
-                <a:solidFill>
-                  <a:srgbClr val="000000"/>
-                </a:solidFill>
-                <a:latin typeface="Consolas" panose="020B0609020204030204" pitchFamily="49" charset="0"/>
-              </a:rPr>
-              <a:t>  selector: </a:t>
-            </a:r>
-            <a:r>
-              <a:rPr lang="en-US" sz="1000" dirty="0">
-                <a:solidFill>
-                  <a:srgbClr val="A31515"/>
-                </a:solidFill>
-                <a:latin typeface="Consolas" panose="020B0609020204030204" pitchFamily="49" charset="0"/>
-              </a:rPr>
-              <a:t>'app-list'</a:t>
-            </a:r>
-            <a:r>
-              <a:rPr lang="en-US" sz="1000" dirty="0">
-                <a:solidFill>
-                  <a:srgbClr val="000000"/>
-                </a:solidFill>
-                <a:latin typeface="Consolas" panose="020B0609020204030204" pitchFamily="49" charset="0"/>
-              </a:rPr>
-              <a:t>,</a:t>
-            </a:r>
-          </a:p>
-          <a:p>
-            <a:r>
-              <a:rPr lang="en-US" sz="1000" dirty="0">
-                <a:solidFill>
-                  <a:srgbClr val="000000"/>
-                </a:solidFill>
-                <a:latin typeface="Consolas" panose="020B0609020204030204" pitchFamily="49" charset="0"/>
-              </a:rPr>
-              <a:t>  </a:t>
-            </a:r>
-            <a:r>
-              <a:rPr lang="en-US" sz="1000" dirty="0" err="1">
-                <a:solidFill>
-                  <a:srgbClr val="000000"/>
-                </a:solidFill>
-                <a:latin typeface="Consolas" panose="020B0609020204030204" pitchFamily="49" charset="0"/>
-              </a:rPr>
-              <a:t>templateUrl</a:t>
-            </a:r>
-            <a:r>
-              <a:rPr lang="en-US" sz="1000" dirty="0">
-                <a:solidFill>
-                  <a:srgbClr val="000000"/>
-                </a:solidFill>
-                <a:latin typeface="Consolas" panose="020B0609020204030204" pitchFamily="49" charset="0"/>
-              </a:rPr>
-              <a:t>: </a:t>
-            </a:r>
-            <a:r>
-              <a:rPr lang="en-US" sz="1000" dirty="0">
-                <a:solidFill>
-                  <a:srgbClr val="A31515"/>
-                </a:solidFill>
-                <a:latin typeface="Consolas" panose="020B0609020204030204" pitchFamily="49" charset="0"/>
-              </a:rPr>
-              <a:t>'./list.component.html'</a:t>
-            </a:r>
-            <a:r>
-              <a:rPr lang="en-US" sz="1000" dirty="0">
-                <a:solidFill>
-                  <a:srgbClr val="000000"/>
-                </a:solidFill>
-                <a:latin typeface="Consolas" panose="020B0609020204030204" pitchFamily="49" charset="0"/>
-              </a:rPr>
-              <a:t>,</a:t>
-            </a:r>
-          </a:p>
-          <a:p>
-            <a:r>
-              <a:rPr lang="en-US" sz="1000" dirty="0">
-                <a:solidFill>
-                  <a:srgbClr val="000000"/>
-                </a:solidFill>
-                <a:latin typeface="Consolas" panose="020B0609020204030204" pitchFamily="49" charset="0"/>
-              </a:rPr>
-              <a:t>  </a:t>
-            </a:r>
-            <a:r>
-              <a:rPr lang="en-US" sz="1000" dirty="0" err="1">
-                <a:solidFill>
-                  <a:srgbClr val="000000"/>
-                </a:solidFill>
-                <a:latin typeface="Consolas" panose="020B0609020204030204" pitchFamily="49" charset="0"/>
-              </a:rPr>
-              <a:t>styleUrls</a:t>
-            </a:r>
-            <a:r>
-              <a:rPr lang="en-US" sz="1000" dirty="0">
-                <a:solidFill>
-                  <a:srgbClr val="000000"/>
-                </a:solidFill>
-                <a:latin typeface="Consolas" panose="020B0609020204030204" pitchFamily="49" charset="0"/>
-              </a:rPr>
-              <a:t>: [</a:t>
-            </a:r>
-            <a:r>
-              <a:rPr lang="en-US" sz="1000" dirty="0">
-                <a:solidFill>
-                  <a:srgbClr val="A31515"/>
-                </a:solidFill>
-                <a:latin typeface="Consolas" panose="020B0609020204030204" pitchFamily="49" charset="0"/>
-              </a:rPr>
-              <a:t>'./list.component.css'</a:t>
-            </a:r>
-            <a:r>
-              <a:rPr lang="en-US" sz="1000" dirty="0">
-                <a:solidFill>
-                  <a:srgbClr val="000000"/>
-                </a:solidFill>
-                <a:latin typeface="Consolas" panose="020B0609020204030204" pitchFamily="49" charset="0"/>
-              </a:rPr>
-              <a:t>]</a:t>
-            </a:r>
-          </a:p>
-          <a:p>
-            <a:r>
-              <a:rPr lang="en-US" sz="1000" dirty="0">
-                <a:solidFill>
-                  <a:srgbClr val="000000"/>
-                </a:solidFill>
-                <a:latin typeface="Consolas" panose="020B0609020204030204" pitchFamily="49" charset="0"/>
-              </a:rPr>
-              <a:t>})</a:t>
-            </a:r>
-          </a:p>
-          <a:p>
-            <a:r>
-              <a:rPr lang="en-US" sz="1000" dirty="0">
-                <a:solidFill>
-                  <a:srgbClr val="0000FF"/>
-                </a:solidFill>
-                <a:latin typeface="Consolas" panose="020B0609020204030204" pitchFamily="49" charset="0"/>
-              </a:rPr>
-              <a:t>export</a:t>
-            </a:r>
-            <a:r>
-              <a:rPr lang="en-US" sz="1000" dirty="0">
-                <a:solidFill>
-                  <a:srgbClr val="000000"/>
-                </a:solidFill>
-                <a:latin typeface="Consolas" panose="020B0609020204030204" pitchFamily="49" charset="0"/>
-              </a:rPr>
-              <a:t> </a:t>
-            </a:r>
-            <a:r>
-              <a:rPr lang="en-US" sz="1000" dirty="0">
-                <a:solidFill>
-                  <a:srgbClr val="0000FF"/>
-                </a:solidFill>
-                <a:latin typeface="Consolas" panose="020B0609020204030204" pitchFamily="49" charset="0"/>
-              </a:rPr>
-              <a:t>class</a:t>
-            </a:r>
-            <a:r>
-              <a:rPr lang="en-US" sz="1000" dirty="0">
-                <a:solidFill>
-                  <a:srgbClr val="000000"/>
-                </a:solidFill>
-                <a:latin typeface="Consolas" panose="020B0609020204030204" pitchFamily="49" charset="0"/>
-              </a:rPr>
-              <a:t> </a:t>
-            </a:r>
-            <a:r>
-              <a:rPr lang="en-US" sz="1000" dirty="0" err="1">
-                <a:solidFill>
-                  <a:srgbClr val="000000"/>
-                </a:solidFill>
-                <a:latin typeface="Consolas" panose="020B0609020204030204" pitchFamily="49" charset="0"/>
-              </a:rPr>
-              <a:t>ListComponent</a:t>
-            </a:r>
-            <a:r>
-              <a:rPr lang="en-US" sz="1000" dirty="0">
-                <a:solidFill>
-                  <a:srgbClr val="000000"/>
-                </a:solidFill>
-                <a:latin typeface="Consolas" panose="020B0609020204030204" pitchFamily="49" charset="0"/>
-              </a:rPr>
-              <a:t> </a:t>
-            </a:r>
-            <a:r>
-              <a:rPr lang="en-US" sz="1000" dirty="0">
-                <a:solidFill>
-                  <a:srgbClr val="0000FF"/>
-                </a:solidFill>
-                <a:latin typeface="Consolas" panose="020B0609020204030204" pitchFamily="49" charset="0"/>
-              </a:rPr>
-              <a:t>implements</a:t>
-            </a:r>
-            <a:r>
-              <a:rPr lang="en-US" sz="1000" dirty="0">
-                <a:solidFill>
-                  <a:srgbClr val="000000"/>
-                </a:solidFill>
-                <a:latin typeface="Consolas" panose="020B0609020204030204" pitchFamily="49" charset="0"/>
-              </a:rPr>
-              <a:t> </a:t>
-            </a:r>
-            <a:r>
-              <a:rPr lang="en-US" sz="1000" dirty="0" err="1">
-                <a:solidFill>
-                  <a:srgbClr val="000000"/>
-                </a:solidFill>
-                <a:latin typeface="Consolas" panose="020B0609020204030204" pitchFamily="49" charset="0"/>
-              </a:rPr>
-              <a:t>OnInit</a:t>
-            </a:r>
-            <a:r>
-              <a:rPr lang="en-US" sz="1000" dirty="0">
-                <a:solidFill>
-                  <a:srgbClr val="000000"/>
-                </a:solidFill>
-                <a:latin typeface="Consolas" panose="020B0609020204030204" pitchFamily="49" charset="0"/>
-              </a:rPr>
-              <a:t> {</a:t>
-            </a:r>
-          </a:p>
-          <a:p>
-            <a:br>
-              <a:rPr lang="en-US" sz="1000" dirty="0">
-                <a:solidFill>
-                  <a:srgbClr val="000000"/>
-                </a:solidFill>
-                <a:latin typeface="Consolas" panose="020B0609020204030204" pitchFamily="49" charset="0"/>
-              </a:rPr>
-            </a:br>
-            <a:r>
-              <a:rPr lang="en-US" sz="1000" dirty="0">
-                <a:solidFill>
-                  <a:srgbClr val="000000"/>
-                </a:solidFill>
-                <a:latin typeface="Consolas" panose="020B0609020204030204" pitchFamily="49" charset="0"/>
-              </a:rPr>
-              <a:t>  </a:t>
-            </a:r>
-            <a:r>
-              <a:rPr lang="en-US" sz="1000" dirty="0">
-                <a:solidFill>
-                  <a:srgbClr val="0000FF"/>
-                </a:solidFill>
-                <a:latin typeface="Consolas" panose="020B0609020204030204" pitchFamily="49" charset="0"/>
-              </a:rPr>
-              <a:t>public</a:t>
-            </a:r>
-            <a:r>
-              <a:rPr lang="en-US" sz="1000" dirty="0">
-                <a:solidFill>
-                  <a:srgbClr val="000000"/>
-                </a:solidFill>
-                <a:latin typeface="Consolas" panose="020B0609020204030204" pitchFamily="49" charset="0"/>
-              </a:rPr>
-              <a:t> people: Array&lt;Item&gt;;</a:t>
-            </a:r>
-          </a:p>
-          <a:p>
-            <a:br>
-              <a:rPr lang="en-US" sz="1000" dirty="0">
-                <a:solidFill>
-                  <a:srgbClr val="000000"/>
-                </a:solidFill>
-                <a:latin typeface="Consolas" panose="020B0609020204030204" pitchFamily="49" charset="0"/>
-              </a:rPr>
-            </a:br>
-            <a:r>
-              <a:rPr lang="en-US" sz="1000" dirty="0">
-                <a:solidFill>
-                  <a:srgbClr val="000000"/>
-                </a:solidFill>
-                <a:latin typeface="Consolas" panose="020B0609020204030204" pitchFamily="49" charset="0"/>
-              </a:rPr>
-              <a:t>  </a:t>
-            </a:r>
-            <a:r>
-              <a:rPr lang="en-US" sz="1000" dirty="0">
-                <a:solidFill>
-                  <a:srgbClr val="0000FF"/>
-                </a:solidFill>
-                <a:latin typeface="Consolas" panose="020B0609020204030204" pitchFamily="49" charset="0"/>
-              </a:rPr>
-              <a:t>public</a:t>
-            </a:r>
-            <a:r>
-              <a:rPr lang="en-US" sz="1000" dirty="0">
-                <a:solidFill>
-                  <a:srgbClr val="000000"/>
-                </a:solidFill>
-                <a:latin typeface="Consolas" panose="020B0609020204030204" pitchFamily="49" charset="0"/>
-              </a:rPr>
-              <a:t> </a:t>
-            </a:r>
-            <a:r>
-              <a:rPr lang="en-US" sz="1000" dirty="0">
-                <a:solidFill>
-                  <a:srgbClr val="0000FF"/>
-                </a:solidFill>
-                <a:latin typeface="Consolas" panose="020B0609020204030204" pitchFamily="49" charset="0"/>
-              </a:rPr>
-              <a:t>constructor</a:t>
-            </a:r>
-            <a:r>
-              <a:rPr lang="en-US" sz="1000" dirty="0">
-                <a:solidFill>
-                  <a:srgbClr val="000000"/>
-                </a:solidFill>
-                <a:latin typeface="Consolas" panose="020B0609020204030204" pitchFamily="49" charset="0"/>
-              </a:rPr>
-              <a:t>(</a:t>
-            </a:r>
-            <a:r>
-              <a:rPr lang="en-US" sz="1000" dirty="0">
-                <a:solidFill>
-                  <a:srgbClr val="0000FF"/>
-                </a:solidFill>
-                <a:latin typeface="Consolas" panose="020B0609020204030204" pitchFamily="49" charset="0"/>
-              </a:rPr>
-              <a:t>private</a:t>
-            </a:r>
-            <a:r>
-              <a:rPr lang="en-US" sz="1000" dirty="0">
-                <a:solidFill>
-                  <a:srgbClr val="000000"/>
-                </a:solidFill>
-                <a:latin typeface="Consolas" panose="020B0609020204030204" pitchFamily="49" charset="0"/>
-              </a:rPr>
-              <a:t> http: </a:t>
-            </a:r>
-            <a:r>
-              <a:rPr lang="en-US" sz="1000" dirty="0" err="1">
-                <a:solidFill>
-                  <a:srgbClr val="000000"/>
-                </a:solidFill>
-                <a:latin typeface="Consolas" panose="020B0609020204030204" pitchFamily="49" charset="0"/>
-              </a:rPr>
-              <a:t>Httpy</a:t>
-            </a:r>
-            <a:r>
-              <a:rPr lang="en-US" sz="1000" dirty="0">
-                <a:solidFill>
-                  <a:srgbClr val="000000"/>
-                </a:solidFill>
-                <a:latin typeface="Consolas" panose="020B0609020204030204" pitchFamily="49" charset="0"/>
-              </a:rPr>
-              <a:t>) { </a:t>
-            </a:r>
-          </a:p>
-          <a:p>
-            <a:r>
-              <a:rPr lang="en-US" sz="1000" dirty="0">
-                <a:solidFill>
-                  <a:srgbClr val="000000"/>
-                </a:solidFill>
-                <a:latin typeface="Consolas" panose="020B0609020204030204" pitchFamily="49" charset="0"/>
-              </a:rPr>
-              <a:t>      </a:t>
-            </a:r>
-            <a:r>
-              <a:rPr lang="en-US" sz="1000" dirty="0" err="1">
-                <a:solidFill>
-                  <a:srgbClr val="0000FF"/>
-                </a:solidFill>
-                <a:latin typeface="Consolas" panose="020B0609020204030204" pitchFamily="49" charset="0"/>
-              </a:rPr>
-              <a:t>this</a:t>
-            </a:r>
-            <a:r>
-              <a:rPr lang="en-US" sz="1000" dirty="0" err="1">
-                <a:solidFill>
-                  <a:srgbClr val="000000"/>
-                </a:solidFill>
-                <a:latin typeface="Consolas" panose="020B0609020204030204" pitchFamily="49" charset="0"/>
-              </a:rPr>
-              <a:t>.people</a:t>
-            </a:r>
-            <a:r>
-              <a:rPr lang="en-US" sz="1000" dirty="0">
-                <a:solidFill>
-                  <a:srgbClr val="000000"/>
-                </a:solidFill>
-                <a:latin typeface="Consolas" panose="020B0609020204030204" pitchFamily="49" charset="0"/>
-              </a:rPr>
-              <a:t> = [];</a:t>
-            </a:r>
-          </a:p>
-          <a:p>
-            <a:r>
-              <a:rPr lang="en-US" sz="1000" dirty="0">
-                <a:solidFill>
-                  <a:srgbClr val="000000"/>
-                </a:solidFill>
-                <a:latin typeface="Consolas" panose="020B0609020204030204" pitchFamily="49" charset="0"/>
-              </a:rPr>
-              <a:t>  }</a:t>
-            </a:r>
-          </a:p>
-          <a:p>
-            <a:br>
-              <a:rPr lang="en-US" sz="1000" dirty="0">
-                <a:solidFill>
-                  <a:srgbClr val="000000"/>
-                </a:solidFill>
-                <a:latin typeface="Consolas" panose="020B0609020204030204" pitchFamily="49" charset="0"/>
-              </a:rPr>
-            </a:br>
-            <a:r>
-              <a:rPr lang="en-US" sz="1000" dirty="0">
-                <a:solidFill>
-                  <a:srgbClr val="000000"/>
-                </a:solidFill>
-                <a:latin typeface="Consolas" panose="020B0609020204030204" pitchFamily="49" charset="0"/>
-              </a:rPr>
-              <a:t>  </a:t>
-            </a:r>
-            <a:r>
-              <a:rPr lang="en-US" sz="1000" dirty="0">
-                <a:solidFill>
-                  <a:srgbClr val="0000FF"/>
-                </a:solidFill>
-                <a:latin typeface="Consolas" panose="020B0609020204030204" pitchFamily="49" charset="0"/>
-              </a:rPr>
-              <a:t>public</a:t>
-            </a:r>
-            <a:r>
-              <a:rPr lang="en-US" sz="1000" dirty="0">
-                <a:solidFill>
-                  <a:srgbClr val="000000"/>
-                </a:solidFill>
-                <a:latin typeface="Consolas" panose="020B0609020204030204" pitchFamily="49" charset="0"/>
-              </a:rPr>
-              <a:t> </a:t>
-            </a:r>
-            <a:r>
-              <a:rPr lang="en-US" sz="1000" dirty="0" err="1">
-                <a:solidFill>
-                  <a:srgbClr val="000000"/>
-                </a:solidFill>
-                <a:latin typeface="Consolas" panose="020B0609020204030204" pitchFamily="49" charset="0"/>
-              </a:rPr>
-              <a:t>ngOnInit</a:t>
-            </a:r>
-            <a:r>
-              <a:rPr lang="en-US" sz="1000" dirty="0">
-                <a:solidFill>
-                  <a:srgbClr val="000000"/>
-                </a:solidFill>
-                <a:latin typeface="Consolas" panose="020B0609020204030204" pitchFamily="49" charset="0"/>
-              </a:rPr>
-              <a:t>() {</a:t>
-            </a:r>
-          </a:p>
-          <a:p>
-            <a:r>
-              <a:rPr lang="en-US" sz="1000" dirty="0">
-                <a:solidFill>
-                  <a:srgbClr val="000000"/>
-                </a:solidFill>
-                <a:latin typeface="Consolas" panose="020B0609020204030204" pitchFamily="49" charset="0"/>
-              </a:rPr>
-              <a:t>    </a:t>
-            </a:r>
-            <a:r>
-              <a:rPr lang="en-US" sz="1000" dirty="0" err="1">
-                <a:solidFill>
-                  <a:srgbClr val="0000FF"/>
-                </a:solidFill>
-                <a:latin typeface="Consolas" panose="020B0609020204030204" pitchFamily="49" charset="0"/>
-              </a:rPr>
-              <a:t>this</a:t>
-            </a:r>
-            <a:r>
-              <a:rPr lang="en-US" sz="1000" dirty="0" err="1">
-                <a:solidFill>
-                  <a:srgbClr val="000000"/>
-                </a:solidFill>
-                <a:latin typeface="Consolas" panose="020B0609020204030204" pitchFamily="49" charset="0"/>
-              </a:rPr>
-              <a:t>.http.get</a:t>
-            </a:r>
-            <a:r>
-              <a:rPr lang="en-US" sz="1000" dirty="0">
-                <a:solidFill>
-                  <a:srgbClr val="000000"/>
-                </a:solidFill>
-                <a:latin typeface="Consolas" panose="020B0609020204030204" pitchFamily="49" charset="0"/>
-              </a:rPr>
-              <a:t>(</a:t>
-            </a:r>
-            <a:r>
-              <a:rPr lang="en-US" sz="1000" dirty="0">
-                <a:solidFill>
-                  <a:srgbClr val="A31515"/>
-                </a:solidFill>
-                <a:latin typeface="Consolas" panose="020B0609020204030204" pitchFamily="49" charset="0"/>
-              </a:rPr>
-              <a:t>"</a:t>
-            </a:r>
-            <a:r>
-              <a:rPr lang="en-US" sz="1000" dirty="0">
-                <a:solidFill>
-                  <a:srgbClr val="A31515"/>
-                </a:solidFill>
-                <a:latin typeface="Consolas" panose="020B0609020204030204" pitchFamily="49" charset="0"/>
-              </a:rPr>
-              <a:t>http://localhost/api/getAll"</a:t>
-            </a:r>
-            <a:r>
-              <a:rPr lang="en-US" sz="1000" dirty="0">
-                <a:solidFill>
-                  <a:srgbClr val="000000"/>
-                </a:solidFill>
-                <a:latin typeface="Consolas" panose="020B0609020204030204" pitchFamily="49" charset="0"/>
-              </a:rPr>
-              <a:t>)</a:t>
-            </a:r>
-          </a:p>
-          <a:p>
-            <a:r>
-              <a:rPr lang="en-US" sz="1000" dirty="0">
-                <a:solidFill>
-                  <a:srgbClr val="000000"/>
-                </a:solidFill>
-                <a:latin typeface="Consolas" panose="020B0609020204030204" pitchFamily="49" charset="0"/>
-              </a:rPr>
-              <a:t>      .map(result </a:t>
-            </a:r>
-            <a:r>
-              <a:rPr lang="en-US" sz="1000" dirty="0">
-                <a:solidFill>
-                  <a:srgbClr val="0000FF"/>
-                </a:solidFill>
-                <a:latin typeface="Consolas" panose="020B0609020204030204" pitchFamily="49" charset="0"/>
-              </a:rPr>
-              <a:t>=&gt;</a:t>
-            </a:r>
-            <a:r>
-              <a:rPr lang="en-US" sz="1000" dirty="0">
-                <a:solidFill>
-                  <a:srgbClr val="000000"/>
-                </a:solidFill>
-                <a:latin typeface="Consolas" panose="020B0609020204030204" pitchFamily="49" charset="0"/>
-              </a:rPr>
-              <a:t> </a:t>
-            </a:r>
-            <a:r>
-              <a:rPr lang="en-US" sz="1000" dirty="0" err="1">
-                <a:solidFill>
-                  <a:srgbClr val="000000"/>
-                </a:solidFill>
-                <a:latin typeface="Consolas" panose="020B0609020204030204" pitchFamily="49" charset="0"/>
-              </a:rPr>
-              <a:t>result.json</a:t>
-            </a:r>
-            <a:r>
-              <a:rPr lang="en-US" sz="1000" dirty="0">
-                <a:solidFill>
-                  <a:srgbClr val="000000"/>
-                </a:solidFill>
-                <a:latin typeface="Consolas" panose="020B0609020204030204" pitchFamily="49" charset="0"/>
-              </a:rPr>
-              <a:t>())</a:t>
-            </a:r>
-          </a:p>
-          <a:p>
-            <a:r>
-              <a:rPr lang="en-US" sz="1000" dirty="0">
-                <a:solidFill>
-                  <a:srgbClr val="000000"/>
-                </a:solidFill>
-                <a:latin typeface="Consolas" panose="020B0609020204030204" pitchFamily="49" charset="0"/>
-              </a:rPr>
-              <a:t>      .subscribe(results </a:t>
-            </a:r>
-            <a:r>
-              <a:rPr lang="en-US" sz="1000" dirty="0">
-                <a:solidFill>
-                  <a:srgbClr val="0000FF"/>
-                </a:solidFill>
-                <a:latin typeface="Consolas" panose="020B0609020204030204" pitchFamily="49" charset="0"/>
-              </a:rPr>
-              <a:t>=&gt;</a:t>
-            </a:r>
-            <a:r>
-              <a:rPr lang="en-US" sz="1000" dirty="0">
-                <a:solidFill>
-                  <a:srgbClr val="000000"/>
-                </a:solidFill>
-                <a:latin typeface="Consolas" panose="020B0609020204030204" pitchFamily="49" charset="0"/>
-              </a:rPr>
-              <a:t> {</a:t>
-            </a:r>
-          </a:p>
-          <a:p>
-            <a:r>
-              <a:rPr lang="en-US" sz="1000" dirty="0">
-                <a:solidFill>
-                  <a:srgbClr val="000000"/>
-                </a:solidFill>
-                <a:latin typeface="Consolas" panose="020B0609020204030204" pitchFamily="49" charset="0"/>
-              </a:rPr>
-              <a:t>          </a:t>
-            </a:r>
-            <a:r>
-              <a:rPr lang="en-US" sz="1000" dirty="0" err="1">
-                <a:solidFill>
-                  <a:srgbClr val="0000FF"/>
-                </a:solidFill>
-                <a:latin typeface="Consolas" panose="020B0609020204030204" pitchFamily="49" charset="0"/>
-              </a:rPr>
-              <a:t>this</a:t>
-            </a:r>
-            <a:r>
-              <a:rPr lang="en-US" sz="1000" dirty="0" err="1">
-                <a:solidFill>
-                  <a:srgbClr val="000000"/>
-                </a:solidFill>
-                <a:latin typeface="Consolas" panose="020B0609020204030204" pitchFamily="49" charset="0"/>
-              </a:rPr>
-              <a:t>.people</a:t>
-            </a:r>
-            <a:r>
-              <a:rPr lang="en-US" sz="1000" dirty="0">
-                <a:solidFill>
-                  <a:srgbClr val="000000"/>
-                </a:solidFill>
-                <a:latin typeface="Consolas" panose="020B0609020204030204" pitchFamily="49" charset="0"/>
-              </a:rPr>
-              <a:t> = results;</a:t>
-            </a:r>
-          </a:p>
-          <a:p>
-            <a:r>
-              <a:rPr lang="en-US" sz="1000" dirty="0">
-                <a:solidFill>
-                  <a:srgbClr val="000000"/>
-                </a:solidFill>
-                <a:latin typeface="Consolas" panose="020B0609020204030204" pitchFamily="49" charset="0"/>
-              </a:rPr>
-              <a:t>      }, error </a:t>
-            </a:r>
-            <a:r>
-              <a:rPr lang="en-US" sz="1000" dirty="0">
-                <a:solidFill>
-                  <a:srgbClr val="0000FF"/>
-                </a:solidFill>
-                <a:latin typeface="Consolas" panose="020B0609020204030204" pitchFamily="49" charset="0"/>
-              </a:rPr>
-              <a:t>=&gt;</a:t>
-            </a:r>
-            <a:r>
-              <a:rPr lang="en-US" sz="1000" dirty="0">
-                <a:solidFill>
-                  <a:srgbClr val="000000"/>
-                </a:solidFill>
-                <a:latin typeface="Consolas" panose="020B0609020204030204" pitchFamily="49" charset="0"/>
-              </a:rPr>
-              <a:t> {</a:t>
-            </a:r>
-          </a:p>
-          <a:p>
-            <a:r>
-              <a:rPr lang="en-US" sz="1000" dirty="0">
-                <a:solidFill>
-                  <a:srgbClr val="000000"/>
-                </a:solidFill>
-                <a:latin typeface="Consolas" panose="020B0609020204030204" pitchFamily="49" charset="0"/>
-              </a:rPr>
-              <a:t>          </a:t>
-            </a:r>
-            <a:r>
-              <a:rPr lang="en-US" sz="1000" dirty="0" err="1">
-                <a:solidFill>
-                  <a:srgbClr val="000000"/>
-                </a:solidFill>
-                <a:latin typeface="Consolas" panose="020B0609020204030204" pitchFamily="49" charset="0"/>
-              </a:rPr>
-              <a:t>console.error</a:t>
-            </a:r>
-            <a:r>
-              <a:rPr lang="en-US" sz="1000" dirty="0">
-                <a:solidFill>
-                  <a:srgbClr val="000000"/>
-                </a:solidFill>
-                <a:latin typeface="Consolas" panose="020B0609020204030204" pitchFamily="49" charset="0"/>
-              </a:rPr>
-              <a:t>(error);</a:t>
-            </a:r>
-          </a:p>
-          <a:p>
-            <a:r>
-              <a:rPr lang="en-US" sz="1000" dirty="0">
-                <a:solidFill>
-                  <a:srgbClr val="000000"/>
-                </a:solidFill>
-                <a:latin typeface="Consolas" panose="020B0609020204030204" pitchFamily="49" charset="0"/>
-              </a:rPr>
-              <a:t>      });</a:t>
-            </a:r>
-          </a:p>
-          <a:p>
-            <a:r>
-              <a:rPr lang="en-US" sz="1000" dirty="0">
-                <a:solidFill>
-                  <a:srgbClr val="000000"/>
-                </a:solidFill>
-                <a:latin typeface="Consolas" panose="020B0609020204030204" pitchFamily="49" charset="0"/>
-              </a:rPr>
-              <a:t>  }</a:t>
-            </a:r>
-          </a:p>
-          <a:p>
-            <a:r>
-              <a:rPr lang="en-US" sz="1000" dirty="0">
-                <a:solidFill>
-                  <a:srgbClr val="000000"/>
-                </a:solidFill>
-                <a:latin typeface="Consolas" panose="020B0609020204030204" pitchFamily="49" charset="0"/>
-              </a:rPr>
-              <a:t>}</a:t>
-            </a:r>
-          </a:p>
-          <a:p>
-            <a:br>
-              <a:rPr lang="en-US" sz="1000" dirty="0">
-                <a:solidFill>
-                  <a:srgbClr val="000000"/>
-                </a:solidFill>
-                <a:latin typeface="Consolas" panose="020B0609020204030204" pitchFamily="49" charset="0"/>
-              </a:rPr>
-            </a:br>
-            <a:endParaRPr lang="en-US" sz="1000" b="0" dirty="0">
-              <a:solidFill>
-                <a:srgbClr val="000000"/>
-              </a:solidFill>
-              <a:effectLst/>
-              <a:latin typeface="Consolas" panose="020B0609020204030204" pitchFamily="49" charset="0"/>
-            </a:endParaRPr>
+            <a:pPr marL="342900" indent="-342900">
+              <a:buFont typeface="Arial" panose="020B0604020202020204" pitchFamily="34" charset="0"/>
+              <a:buChar char="•"/>
+            </a:pPr>
+            <a:r>
+              <a:rPr lang="en-US" dirty="0" err="1"/>
+              <a:t>IHttpActionResult</a:t>
+            </a:r>
+            <a:r>
+              <a:rPr lang="en-US" dirty="0"/>
+              <a:t> vs </a:t>
+            </a:r>
+            <a:r>
+              <a:rPr lang="en-US" dirty="0" err="1"/>
+              <a:t>IActionResult</a:t>
+            </a:r>
+            <a:endParaRPr lang="en-US" dirty="0"/>
+          </a:p>
+          <a:p>
+            <a:pPr marL="342900" indent="-342900">
+              <a:buFont typeface="Arial" panose="020B0604020202020204" pitchFamily="34" charset="0"/>
+              <a:buChar char="•"/>
+            </a:pPr>
+            <a:r>
+              <a:rPr lang="en-US" dirty="0"/>
+              <a:t>CORS attribute</a:t>
+            </a:r>
+          </a:p>
+          <a:p>
+            <a:pPr marL="342900" indent="-342900">
+              <a:buFont typeface="Arial" panose="020B0604020202020204" pitchFamily="34" charset="0"/>
+              <a:buChar char="•"/>
+            </a:pPr>
+            <a:r>
+              <a:rPr lang="en-US" dirty="0"/>
+              <a:t>CORS policy</a:t>
+            </a:r>
+          </a:p>
+          <a:p>
+            <a:pPr marL="342900" indent="-342900">
+              <a:buFont typeface="Arial" panose="020B0604020202020204" pitchFamily="34" charset="0"/>
+              <a:buChar char="•"/>
+            </a:pPr>
+            <a:r>
+              <a:rPr lang="en-US" dirty="0" err="1"/>
+              <a:t>Web.config</a:t>
+            </a:r>
+            <a:r>
+              <a:rPr lang="en-US" dirty="0"/>
+              <a:t> vs </a:t>
+            </a:r>
+            <a:r>
+              <a:rPr lang="en-US"/>
+              <a:t>appsettings.json</a:t>
+            </a:r>
+            <a:endParaRPr lang="en-US" dirty="0"/>
+          </a:p>
+          <a:p>
+            <a:pPr marL="342900" indent="-342900">
+              <a:buFont typeface="Arial" panose="020B0604020202020204" pitchFamily="34" charset="0"/>
+              <a:buChar char="•"/>
+            </a:pPr>
+            <a:r>
+              <a:rPr lang="en-US" dirty="0" err="1"/>
+              <a:t>Global.asax</a:t>
+            </a:r>
+            <a:r>
+              <a:rPr lang="en-US" dirty="0"/>
+              <a:t> vs Startup</a:t>
+            </a:r>
           </a:p>
         </p:txBody>
       </p:sp>
     </p:spTree>
     <p:extLst>
       <p:ext uri="{BB962C8B-B14F-4D97-AF65-F5344CB8AC3E}">
-        <p14:creationId xmlns:p14="http://schemas.microsoft.com/office/powerpoint/2010/main" val="2639323626"/>
+        <p14:creationId xmlns:p14="http://schemas.microsoft.com/office/powerpoint/2010/main" val="1455635530"/>
       </p:ext>
     </p:extLst>
   </p:cSld>
@@ -11006,947 +7899,72 @@
           <a:p>
             <a:r>
               <a:rPr lang="en-US" dirty="0"/>
-              <a:t>List Template</a:t>
+              <a:t>ASP.NET</a:t>
             </a:r>
           </a:p>
         </p:txBody>
       </p:sp>
       <p:sp>
         <p:nvSpPr>
-          <p:cNvPr id="4" name="Rectangle 3"/>
-          <p:cNvSpPr/>
-          <p:nvPr/>
-        </p:nvSpPr>
-        <p:spPr>
-          <a:xfrm>
-            <a:off x="2212848" y="742682"/>
-            <a:ext cx="6473952" cy="4524315"/>
-          </a:xfrm>
-          <a:prstGeom prst="rect">
-            <a:avLst/>
-          </a:prstGeom>
-        </p:spPr>
+          <p:cNvPr id="3" name="Content Placeholder 2"/>
+          <p:cNvSpPr>
+            <a:spLocks noGrp="1"/>
+          </p:cNvSpPr>
+          <p:nvPr>
+            <p:ph idx="1"/>
+          </p:nvPr>
+        </p:nvSpPr>
+        <p:spPr/>
         <p:txBody>
-          <a:bodyPr wrap="square">
-            <a:spAutoFit/>
-          </a:bodyPr>
+          <a:bodyPr/>
           <a:lstStyle/>
           <a:p>
-            <a:r>
-              <a:rPr lang="en-US" sz="1600" dirty="0">
-                <a:solidFill>
-                  <a:srgbClr val="800000"/>
-                </a:solidFill>
-                <a:latin typeface="Consolas" panose="020B0609020204030204" pitchFamily="49" charset="0"/>
-              </a:rPr>
-              <a:t>&lt;table</a:t>
-            </a:r>
-            <a:r>
-              <a:rPr lang="en-US" sz="1600" dirty="0">
-                <a:solidFill>
-                  <a:srgbClr val="000000"/>
-                </a:solidFill>
-                <a:latin typeface="Consolas" panose="020B0609020204030204" pitchFamily="49" charset="0"/>
-              </a:rPr>
-              <a:t> </a:t>
-            </a:r>
-            <a:r>
-              <a:rPr lang="en-US" sz="1600" dirty="0">
-                <a:solidFill>
-                  <a:srgbClr val="FF0000"/>
-                </a:solidFill>
-                <a:latin typeface="Consolas" panose="020B0609020204030204" pitchFamily="49" charset="0"/>
-              </a:rPr>
-              <a:t>class</a:t>
-            </a:r>
-            <a:r>
-              <a:rPr lang="en-US" sz="1600" dirty="0">
-                <a:solidFill>
-                  <a:srgbClr val="000000"/>
-                </a:solidFill>
-                <a:latin typeface="Consolas" panose="020B0609020204030204" pitchFamily="49" charset="0"/>
-              </a:rPr>
-              <a:t>=</a:t>
-            </a:r>
-            <a:r>
-              <a:rPr lang="en-US" sz="1600" dirty="0">
-                <a:solidFill>
-                  <a:srgbClr val="0000FF"/>
-                </a:solidFill>
-                <a:latin typeface="Consolas" panose="020B0609020204030204" pitchFamily="49" charset="0"/>
-              </a:rPr>
-              <a:t>"table table-striped"</a:t>
-            </a:r>
-            <a:r>
-              <a:rPr lang="en-US" sz="1600" dirty="0">
-                <a:solidFill>
-                  <a:srgbClr val="800000"/>
-                </a:solidFill>
-                <a:latin typeface="Consolas" panose="020B0609020204030204" pitchFamily="49" charset="0"/>
-              </a:rPr>
-              <a:t>&gt;</a:t>
-            </a:r>
-            <a:endParaRPr lang="en-US" sz="1600" dirty="0">
-              <a:solidFill>
-                <a:srgbClr val="000000"/>
-              </a:solidFill>
-              <a:latin typeface="Consolas" panose="020B0609020204030204" pitchFamily="49" charset="0"/>
-            </a:endParaRPr>
-          </a:p>
-          <a:p>
-            <a:r>
-              <a:rPr lang="en-US" sz="1600" dirty="0">
-                <a:solidFill>
-                  <a:srgbClr val="000000"/>
-                </a:solidFill>
-                <a:latin typeface="Consolas" panose="020B0609020204030204" pitchFamily="49" charset="0"/>
-              </a:rPr>
-              <a:t>    </a:t>
-            </a:r>
-            <a:r>
-              <a:rPr lang="en-US" sz="1600" dirty="0">
-                <a:solidFill>
-                  <a:srgbClr val="800000"/>
-                </a:solidFill>
-                <a:latin typeface="Consolas" panose="020B0609020204030204" pitchFamily="49" charset="0"/>
-              </a:rPr>
-              <a:t>&lt;</a:t>
-            </a:r>
-            <a:r>
-              <a:rPr lang="en-US" sz="1600" dirty="0" err="1">
-                <a:solidFill>
-                  <a:srgbClr val="800000"/>
-                </a:solidFill>
-                <a:latin typeface="Consolas" panose="020B0609020204030204" pitchFamily="49" charset="0"/>
-              </a:rPr>
-              <a:t>thead</a:t>
-            </a:r>
-            <a:r>
-              <a:rPr lang="en-US" sz="1600" dirty="0">
-                <a:solidFill>
-                  <a:srgbClr val="800000"/>
-                </a:solidFill>
-                <a:latin typeface="Consolas" panose="020B0609020204030204" pitchFamily="49" charset="0"/>
-              </a:rPr>
-              <a:t>&gt;</a:t>
-            </a:r>
-            <a:endParaRPr lang="en-US" sz="1600" dirty="0">
-              <a:solidFill>
-                <a:srgbClr val="000000"/>
-              </a:solidFill>
-              <a:latin typeface="Consolas" panose="020B0609020204030204" pitchFamily="49" charset="0"/>
-            </a:endParaRPr>
-          </a:p>
-          <a:p>
-            <a:r>
-              <a:rPr lang="en-US" sz="1600" dirty="0">
-                <a:solidFill>
-                  <a:srgbClr val="000000"/>
-                </a:solidFill>
-                <a:latin typeface="Consolas" panose="020B0609020204030204" pitchFamily="49" charset="0"/>
-              </a:rPr>
-              <a:t>        </a:t>
-            </a:r>
-            <a:r>
-              <a:rPr lang="en-US" sz="1600" dirty="0">
-                <a:solidFill>
-                  <a:srgbClr val="800000"/>
-                </a:solidFill>
-                <a:latin typeface="Consolas" panose="020B0609020204030204" pitchFamily="49" charset="0"/>
-              </a:rPr>
-              <a:t>&lt;</a:t>
-            </a:r>
-            <a:r>
-              <a:rPr lang="en-US" sz="1600" dirty="0" err="1">
-                <a:solidFill>
-                  <a:srgbClr val="800000"/>
-                </a:solidFill>
-                <a:latin typeface="Consolas" panose="020B0609020204030204" pitchFamily="49" charset="0"/>
-              </a:rPr>
-              <a:t>tr</a:t>
-            </a:r>
-            <a:r>
-              <a:rPr lang="en-US" sz="1600" dirty="0">
-                <a:solidFill>
-                  <a:srgbClr val="800000"/>
-                </a:solidFill>
-                <a:latin typeface="Consolas" panose="020B0609020204030204" pitchFamily="49" charset="0"/>
-              </a:rPr>
-              <a:t>&gt;</a:t>
-            </a:r>
-            <a:endParaRPr lang="en-US" sz="1600" dirty="0">
-              <a:solidFill>
-                <a:srgbClr val="000000"/>
-              </a:solidFill>
-              <a:latin typeface="Consolas" panose="020B0609020204030204" pitchFamily="49" charset="0"/>
-            </a:endParaRPr>
-          </a:p>
-          <a:p>
-            <a:r>
-              <a:rPr lang="en-US" sz="1600" dirty="0">
-                <a:solidFill>
-                  <a:srgbClr val="000000"/>
-                </a:solidFill>
-                <a:latin typeface="Consolas" panose="020B0609020204030204" pitchFamily="49" charset="0"/>
-              </a:rPr>
-              <a:t>            </a:t>
-            </a:r>
-            <a:r>
-              <a:rPr lang="en-US" sz="1600" dirty="0">
-                <a:solidFill>
-                  <a:srgbClr val="800000"/>
-                </a:solidFill>
-                <a:latin typeface="Consolas" panose="020B0609020204030204" pitchFamily="49" charset="0"/>
-              </a:rPr>
-              <a:t>&lt;</a:t>
-            </a:r>
-            <a:r>
-              <a:rPr lang="en-US" sz="1600" dirty="0" err="1">
-                <a:solidFill>
-                  <a:srgbClr val="800000"/>
-                </a:solidFill>
-                <a:latin typeface="Consolas" panose="020B0609020204030204" pitchFamily="49" charset="0"/>
-              </a:rPr>
-              <a:t>th</a:t>
-            </a:r>
-            <a:r>
-              <a:rPr lang="en-US" sz="1600" dirty="0">
-                <a:solidFill>
-                  <a:srgbClr val="800000"/>
-                </a:solidFill>
-                <a:latin typeface="Consolas" panose="020B0609020204030204" pitchFamily="49" charset="0"/>
-              </a:rPr>
-              <a:t>&gt;</a:t>
-            </a:r>
-            <a:r>
-              <a:rPr lang="en-US" sz="1600" dirty="0">
-                <a:solidFill>
-                  <a:srgbClr val="000000"/>
-                </a:solidFill>
-                <a:latin typeface="Consolas" panose="020B0609020204030204" pitchFamily="49" charset="0"/>
-              </a:rPr>
-              <a:t>First Name</a:t>
-            </a:r>
-            <a:r>
-              <a:rPr lang="en-US" sz="1600" dirty="0">
-                <a:solidFill>
-                  <a:srgbClr val="800000"/>
-                </a:solidFill>
-                <a:latin typeface="Consolas" panose="020B0609020204030204" pitchFamily="49" charset="0"/>
-              </a:rPr>
-              <a:t>&lt;/</a:t>
-            </a:r>
-            <a:r>
-              <a:rPr lang="en-US" sz="1600" dirty="0" err="1">
-                <a:solidFill>
-                  <a:srgbClr val="800000"/>
-                </a:solidFill>
-                <a:latin typeface="Consolas" panose="020B0609020204030204" pitchFamily="49" charset="0"/>
-              </a:rPr>
-              <a:t>th</a:t>
-            </a:r>
-            <a:r>
-              <a:rPr lang="en-US" sz="1600" dirty="0">
-                <a:solidFill>
-                  <a:srgbClr val="800000"/>
-                </a:solidFill>
-                <a:latin typeface="Consolas" panose="020B0609020204030204" pitchFamily="49" charset="0"/>
-              </a:rPr>
-              <a:t>&gt;</a:t>
-            </a:r>
-            <a:endParaRPr lang="en-US" sz="1600" dirty="0">
-              <a:solidFill>
-                <a:srgbClr val="000000"/>
-              </a:solidFill>
-              <a:latin typeface="Consolas" panose="020B0609020204030204" pitchFamily="49" charset="0"/>
-            </a:endParaRPr>
-          </a:p>
-          <a:p>
-            <a:r>
-              <a:rPr lang="en-US" sz="1600" dirty="0">
-                <a:solidFill>
-                  <a:srgbClr val="000000"/>
-                </a:solidFill>
-                <a:latin typeface="Consolas" panose="020B0609020204030204" pitchFamily="49" charset="0"/>
-              </a:rPr>
-              <a:t>            </a:t>
-            </a:r>
-            <a:r>
-              <a:rPr lang="en-US" sz="1600" dirty="0">
-                <a:solidFill>
-                  <a:srgbClr val="800000"/>
-                </a:solidFill>
-                <a:latin typeface="Consolas" panose="020B0609020204030204" pitchFamily="49" charset="0"/>
-              </a:rPr>
-              <a:t>&lt;</a:t>
-            </a:r>
-            <a:r>
-              <a:rPr lang="en-US" sz="1600" dirty="0" err="1">
-                <a:solidFill>
-                  <a:srgbClr val="800000"/>
-                </a:solidFill>
-                <a:latin typeface="Consolas" panose="020B0609020204030204" pitchFamily="49" charset="0"/>
-              </a:rPr>
-              <a:t>th</a:t>
-            </a:r>
-            <a:r>
-              <a:rPr lang="en-US" sz="1600" dirty="0">
-                <a:solidFill>
-                  <a:srgbClr val="800000"/>
-                </a:solidFill>
-                <a:latin typeface="Consolas" panose="020B0609020204030204" pitchFamily="49" charset="0"/>
-              </a:rPr>
-              <a:t>&gt;</a:t>
-            </a:r>
-            <a:r>
-              <a:rPr lang="en-US" sz="1600" dirty="0">
-                <a:solidFill>
-                  <a:srgbClr val="000000"/>
-                </a:solidFill>
-                <a:latin typeface="Consolas" panose="020B0609020204030204" pitchFamily="49" charset="0"/>
-              </a:rPr>
-              <a:t>Last Name</a:t>
-            </a:r>
-            <a:r>
-              <a:rPr lang="en-US" sz="1600" dirty="0">
-                <a:solidFill>
-                  <a:srgbClr val="800000"/>
-                </a:solidFill>
-                <a:latin typeface="Consolas" panose="020B0609020204030204" pitchFamily="49" charset="0"/>
-              </a:rPr>
-              <a:t>&lt;/</a:t>
-            </a:r>
-            <a:r>
-              <a:rPr lang="en-US" sz="1600" dirty="0" err="1">
-                <a:solidFill>
-                  <a:srgbClr val="800000"/>
-                </a:solidFill>
-                <a:latin typeface="Consolas" panose="020B0609020204030204" pitchFamily="49" charset="0"/>
-              </a:rPr>
-              <a:t>th</a:t>
-            </a:r>
-            <a:r>
-              <a:rPr lang="en-US" sz="1600" dirty="0">
-                <a:solidFill>
-                  <a:srgbClr val="800000"/>
-                </a:solidFill>
-                <a:latin typeface="Consolas" panose="020B0609020204030204" pitchFamily="49" charset="0"/>
-              </a:rPr>
-              <a:t>&gt;</a:t>
-            </a:r>
-            <a:endParaRPr lang="en-US" sz="1600" dirty="0">
-              <a:solidFill>
-                <a:srgbClr val="000000"/>
-              </a:solidFill>
-              <a:latin typeface="Consolas" panose="020B0609020204030204" pitchFamily="49" charset="0"/>
-            </a:endParaRPr>
-          </a:p>
-          <a:p>
-            <a:r>
-              <a:rPr lang="en-US" sz="1600" dirty="0">
-                <a:solidFill>
-                  <a:srgbClr val="000000"/>
-                </a:solidFill>
-                <a:latin typeface="Consolas" panose="020B0609020204030204" pitchFamily="49" charset="0"/>
-              </a:rPr>
-              <a:t>            </a:t>
-            </a:r>
-            <a:r>
-              <a:rPr lang="en-US" sz="1600" dirty="0">
-                <a:solidFill>
-                  <a:srgbClr val="800000"/>
-                </a:solidFill>
-                <a:latin typeface="Consolas" panose="020B0609020204030204" pitchFamily="49" charset="0"/>
-              </a:rPr>
-              <a:t>&lt;</a:t>
-            </a:r>
-            <a:r>
-              <a:rPr lang="en-US" sz="1600" dirty="0" err="1">
-                <a:solidFill>
-                  <a:srgbClr val="800000"/>
-                </a:solidFill>
-                <a:latin typeface="Consolas" panose="020B0609020204030204" pitchFamily="49" charset="0"/>
-              </a:rPr>
-              <a:t>th</a:t>
-            </a:r>
-            <a:r>
-              <a:rPr lang="en-US" sz="1600" dirty="0">
-                <a:solidFill>
-                  <a:srgbClr val="800000"/>
-                </a:solidFill>
-                <a:latin typeface="Consolas" panose="020B0609020204030204" pitchFamily="49" charset="0"/>
-              </a:rPr>
-              <a:t>&gt;</a:t>
-            </a:r>
-            <a:r>
-              <a:rPr lang="en-US" sz="1600" dirty="0">
-                <a:solidFill>
-                  <a:srgbClr val="000000"/>
-                </a:solidFill>
-                <a:latin typeface="Consolas" panose="020B0609020204030204" pitchFamily="49" charset="0"/>
-              </a:rPr>
-              <a:t>Email</a:t>
-            </a:r>
-            <a:r>
-              <a:rPr lang="en-US" sz="1600" dirty="0">
-                <a:solidFill>
-                  <a:srgbClr val="800000"/>
-                </a:solidFill>
-                <a:latin typeface="Consolas" panose="020B0609020204030204" pitchFamily="49" charset="0"/>
-              </a:rPr>
-              <a:t>&lt;/</a:t>
-            </a:r>
-            <a:r>
-              <a:rPr lang="en-US" sz="1600" dirty="0" err="1">
-                <a:solidFill>
-                  <a:srgbClr val="800000"/>
-                </a:solidFill>
-                <a:latin typeface="Consolas" panose="020B0609020204030204" pitchFamily="49" charset="0"/>
-              </a:rPr>
-              <a:t>th</a:t>
-            </a:r>
-            <a:r>
-              <a:rPr lang="en-US" sz="1600" dirty="0">
-                <a:solidFill>
-                  <a:srgbClr val="800000"/>
-                </a:solidFill>
-                <a:latin typeface="Consolas" panose="020B0609020204030204" pitchFamily="49" charset="0"/>
-              </a:rPr>
-              <a:t>&gt;</a:t>
-            </a:r>
-            <a:endParaRPr lang="en-US" sz="1600" dirty="0">
-              <a:solidFill>
-                <a:srgbClr val="000000"/>
-              </a:solidFill>
-              <a:latin typeface="Consolas" panose="020B0609020204030204" pitchFamily="49" charset="0"/>
-            </a:endParaRPr>
-          </a:p>
-          <a:p>
-            <a:r>
-              <a:rPr lang="en-US" sz="1600" dirty="0">
-                <a:solidFill>
-                  <a:srgbClr val="000000"/>
-                </a:solidFill>
-                <a:latin typeface="Consolas" panose="020B0609020204030204" pitchFamily="49" charset="0"/>
-              </a:rPr>
-              <a:t>        </a:t>
-            </a:r>
-            <a:r>
-              <a:rPr lang="en-US" sz="1600" dirty="0">
-                <a:solidFill>
-                  <a:srgbClr val="800000"/>
-                </a:solidFill>
-                <a:latin typeface="Consolas" panose="020B0609020204030204" pitchFamily="49" charset="0"/>
-              </a:rPr>
-              <a:t>&lt;/</a:t>
-            </a:r>
-            <a:r>
-              <a:rPr lang="en-US" sz="1600" dirty="0" err="1">
-                <a:solidFill>
-                  <a:srgbClr val="800000"/>
-                </a:solidFill>
-                <a:latin typeface="Consolas" panose="020B0609020204030204" pitchFamily="49" charset="0"/>
-              </a:rPr>
-              <a:t>tr</a:t>
-            </a:r>
-            <a:r>
-              <a:rPr lang="en-US" sz="1600" dirty="0">
-                <a:solidFill>
-                  <a:srgbClr val="800000"/>
-                </a:solidFill>
-                <a:latin typeface="Consolas" panose="020B0609020204030204" pitchFamily="49" charset="0"/>
-              </a:rPr>
-              <a:t>&gt;</a:t>
-            </a:r>
-            <a:endParaRPr lang="en-US" sz="1600" dirty="0">
-              <a:solidFill>
-                <a:srgbClr val="000000"/>
-              </a:solidFill>
-              <a:latin typeface="Consolas" panose="020B0609020204030204" pitchFamily="49" charset="0"/>
-            </a:endParaRPr>
-          </a:p>
-          <a:p>
-            <a:r>
-              <a:rPr lang="en-US" sz="1600" dirty="0">
-                <a:solidFill>
-                  <a:srgbClr val="000000"/>
-                </a:solidFill>
-                <a:latin typeface="Consolas" panose="020B0609020204030204" pitchFamily="49" charset="0"/>
-              </a:rPr>
-              <a:t>    </a:t>
-            </a:r>
-            <a:r>
-              <a:rPr lang="en-US" sz="1600" dirty="0">
-                <a:solidFill>
-                  <a:srgbClr val="800000"/>
-                </a:solidFill>
-                <a:latin typeface="Consolas" panose="020B0609020204030204" pitchFamily="49" charset="0"/>
-              </a:rPr>
-              <a:t>&lt;/</a:t>
-            </a:r>
-            <a:r>
-              <a:rPr lang="en-US" sz="1600" dirty="0" err="1">
-                <a:solidFill>
-                  <a:srgbClr val="800000"/>
-                </a:solidFill>
-                <a:latin typeface="Consolas" panose="020B0609020204030204" pitchFamily="49" charset="0"/>
-              </a:rPr>
-              <a:t>thead</a:t>
-            </a:r>
-            <a:r>
-              <a:rPr lang="en-US" sz="1600" dirty="0">
-                <a:solidFill>
-                  <a:srgbClr val="800000"/>
-                </a:solidFill>
-                <a:latin typeface="Consolas" panose="020B0609020204030204" pitchFamily="49" charset="0"/>
-              </a:rPr>
-              <a:t>&gt;</a:t>
-            </a:r>
-            <a:endParaRPr lang="en-US" sz="1600" dirty="0">
-              <a:solidFill>
-                <a:srgbClr val="000000"/>
-              </a:solidFill>
-              <a:latin typeface="Consolas" panose="020B0609020204030204" pitchFamily="49" charset="0"/>
-            </a:endParaRPr>
-          </a:p>
-          <a:p>
-            <a:r>
-              <a:rPr lang="en-US" sz="1600" dirty="0">
-                <a:solidFill>
-                  <a:srgbClr val="000000"/>
-                </a:solidFill>
-                <a:latin typeface="Consolas" panose="020B0609020204030204" pitchFamily="49" charset="0"/>
-              </a:rPr>
-              <a:t>    </a:t>
-            </a:r>
-            <a:r>
-              <a:rPr lang="en-US" sz="1600" dirty="0">
-                <a:solidFill>
-                  <a:srgbClr val="800000"/>
-                </a:solidFill>
-                <a:latin typeface="Consolas" panose="020B0609020204030204" pitchFamily="49" charset="0"/>
-              </a:rPr>
-              <a:t>&lt;</a:t>
-            </a:r>
-            <a:r>
-              <a:rPr lang="en-US" sz="1600" dirty="0" err="1">
-                <a:solidFill>
-                  <a:srgbClr val="800000"/>
-                </a:solidFill>
-                <a:latin typeface="Consolas" panose="020B0609020204030204" pitchFamily="49" charset="0"/>
-              </a:rPr>
-              <a:t>tbody</a:t>
-            </a:r>
-            <a:r>
-              <a:rPr lang="en-US" sz="1600" dirty="0">
-                <a:solidFill>
-                  <a:srgbClr val="800000"/>
-                </a:solidFill>
-                <a:latin typeface="Consolas" panose="020B0609020204030204" pitchFamily="49" charset="0"/>
-              </a:rPr>
-              <a:t>&gt;</a:t>
-            </a:r>
-            <a:endParaRPr lang="en-US" sz="1600" dirty="0">
-              <a:solidFill>
-                <a:srgbClr val="000000"/>
-              </a:solidFill>
-              <a:latin typeface="Consolas" panose="020B0609020204030204" pitchFamily="49" charset="0"/>
-            </a:endParaRPr>
-          </a:p>
-          <a:p>
-            <a:r>
-              <a:rPr lang="en-US" sz="1600" dirty="0">
-                <a:solidFill>
-                  <a:srgbClr val="000000"/>
-                </a:solidFill>
-                <a:latin typeface="Consolas" panose="020B0609020204030204" pitchFamily="49" charset="0"/>
-              </a:rPr>
-              <a:t>        </a:t>
-            </a:r>
-            <a:r>
-              <a:rPr lang="en-US" sz="1600" dirty="0">
-                <a:solidFill>
-                  <a:srgbClr val="800000"/>
-                </a:solidFill>
-                <a:latin typeface="Consolas" panose="020B0609020204030204" pitchFamily="49" charset="0"/>
-              </a:rPr>
-              <a:t>&lt;</a:t>
-            </a:r>
-            <a:r>
-              <a:rPr lang="en-US" sz="1600" dirty="0" err="1">
-                <a:solidFill>
-                  <a:srgbClr val="800000"/>
-                </a:solidFill>
-                <a:latin typeface="Consolas" panose="020B0609020204030204" pitchFamily="49" charset="0"/>
-              </a:rPr>
-              <a:t>tr</a:t>
-            </a:r>
-            <a:r>
-              <a:rPr lang="en-US" sz="1600" dirty="0">
-                <a:solidFill>
-                  <a:srgbClr val="000000"/>
-                </a:solidFill>
-                <a:latin typeface="Consolas" panose="020B0609020204030204" pitchFamily="49" charset="0"/>
-              </a:rPr>
-              <a:t> *</a:t>
-            </a:r>
-            <a:r>
-              <a:rPr lang="en-US" sz="1600" dirty="0" err="1">
-                <a:solidFill>
-                  <a:srgbClr val="FF0000"/>
-                </a:solidFill>
-                <a:latin typeface="Consolas" panose="020B0609020204030204" pitchFamily="49" charset="0"/>
-              </a:rPr>
-              <a:t>ngFor</a:t>
-            </a:r>
-            <a:r>
-              <a:rPr lang="en-US" sz="1600" dirty="0">
-                <a:solidFill>
-                  <a:srgbClr val="000000"/>
-                </a:solidFill>
-                <a:latin typeface="Consolas" panose="020B0609020204030204" pitchFamily="49" charset="0"/>
-              </a:rPr>
-              <a:t>=</a:t>
-            </a:r>
-            <a:r>
-              <a:rPr lang="en-US" sz="1600" dirty="0">
-                <a:solidFill>
-                  <a:srgbClr val="0000FF"/>
-                </a:solidFill>
-                <a:latin typeface="Consolas" panose="020B0609020204030204" pitchFamily="49" charset="0"/>
-              </a:rPr>
-              <a:t>"let person of people"</a:t>
-            </a:r>
-            <a:r>
-              <a:rPr lang="en-US" sz="1600" dirty="0">
-                <a:solidFill>
-                  <a:srgbClr val="800000"/>
-                </a:solidFill>
-                <a:latin typeface="Consolas" panose="020B0609020204030204" pitchFamily="49" charset="0"/>
-              </a:rPr>
-              <a:t>&gt;</a:t>
-            </a:r>
-            <a:endParaRPr lang="en-US" sz="1600" dirty="0">
-              <a:solidFill>
-                <a:srgbClr val="000000"/>
-              </a:solidFill>
-              <a:latin typeface="Consolas" panose="020B0609020204030204" pitchFamily="49" charset="0"/>
-            </a:endParaRPr>
-          </a:p>
-          <a:p>
-            <a:r>
-              <a:rPr lang="en-US" sz="1600" dirty="0">
-                <a:solidFill>
-                  <a:srgbClr val="000000"/>
-                </a:solidFill>
-                <a:latin typeface="Consolas" panose="020B0609020204030204" pitchFamily="49" charset="0"/>
-              </a:rPr>
-              <a:t>            </a:t>
-            </a:r>
-            <a:r>
-              <a:rPr lang="en-US" sz="1600" dirty="0">
-                <a:solidFill>
-                  <a:srgbClr val="800000"/>
-                </a:solidFill>
-                <a:latin typeface="Consolas" panose="020B0609020204030204" pitchFamily="49" charset="0"/>
-              </a:rPr>
-              <a:t>&lt;td&gt;</a:t>
-            </a:r>
-            <a:r>
-              <a:rPr lang="en-US" sz="1600" dirty="0">
-                <a:solidFill>
-                  <a:srgbClr val="000000"/>
-                </a:solidFill>
-                <a:latin typeface="Consolas" panose="020B0609020204030204" pitchFamily="49" charset="0"/>
-              </a:rPr>
-              <a:t>{{</a:t>
-            </a:r>
-            <a:r>
-              <a:rPr lang="en-US" sz="1600" dirty="0" err="1">
-                <a:solidFill>
-                  <a:srgbClr val="000000"/>
-                </a:solidFill>
-                <a:latin typeface="Consolas" panose="020B0609020204030204" pitchFamily="49" charset="0"/>
-              </a:rPr>
-              <a:t>person.FirstName</a:t>
-            </a:r>
-            <a:r>
-              <a:rPr lang="en-US" sz="1600" dirty="0">
-                <a:solidFill>
-                  <a:srgbClr val="000000"/>
-                </a:solidFill>
-                <a:latin typeface="Consolas" panose="020B0609020204030204" pitchFamily="49" charset="0"/>
-              </a:rPr>
-              <a:t>}}</a:t>
-            </a:r>
-            <a:r>
-              <a:rPr lang="en-US" sz="1600" dirty="0">
-                <a:solidFill>
-                  <a:srgbClr val="800000"/>
-                </a:solidFill>
-                <a:latin typeface="Consolas" panose="020B0609020204030204" pitchFamily="49" charset="0"/>
-              </a:rPr>
-              <a:t>&lt;/td&gt;</a:t>
-            </a:r>
-            <a:endParaRPr lang="en-US" sz="1600" dirty="0">
-              <a:solidFill>
-                <a:srgbClr val="000000"/>
-              </a:solidFill>
-              <a:latin typeface="Consolas" panose="020B0609020204030204" pitchFamily="49" charset="0"/>
-            </a:endParaRPr>
-          </a:p>
-          <a:p>
-            <a:r>
-              <a:rPr lang="en-US" sz="1600" dirty="0">
-                <a:solidFill>
-                  <a:srgbClr val="000000"/>
-                </a:solidFill>
-                <a:latin typeface="Consolas" panose="020B0609020204030204" pitchFamily="49" charset="0"/>
-              </a:rPr>
-              <a:t>            </a:t>
-            </a:r>
-            <a:r>
-              <a:rPr lang="en-US" sz="1600" dirty="0">
-                <a:solidFill>
-                  <a:srgbClr val="800000"/>
-                </a:solidFill>
-                <a:latin typeface="Consolas" panose="020B0609020204030204" pitchFamily="49" charset="0"/>
-              </a:rPr>
-              <a:t>&lt;td&gt;</a:t>
-            </a:r>
-            <a:r>
-              <a:rPr lang="en-US" sz="1600" dirty="0">
-                <a:solidFill>
-                  <a:srgbClr val="000000"/>
-                </a:solidFill>
-                <a:latin typeface="Consolas" panose="020B0609020204030204" pitchFamily="49" charset="0"/>
-              </a:rPr>
-              <a:t>{{</a:t>
-            </a:r>
-            <a:r>
-              <a:rPr lang="en-US" sz="1600" dirty="0" err="1">
-                <a:solidFill>
-                  <a:srgbClr val="000000"/>
-                </a:solidFill>
-                <a:latin typeface="Consolas" panose="020B0609020204030204" pitchFamily="49" charset="0"/>
-              </a:rPr>
-              <a:t>person.LastName</a:t>
-            </a:r>
-            <a:r>
-              <a:rPr lang="en-US" sz="1600" dirty="0">
-                <a:solidFill>
-                  <a:srgbClr val="000000"/>
-                </a:solidFill>
-                <a:latin typeface="Consolas" panose="020B0609020204030204" pitchFamily="49" charset="0"/>
-              </a:rPr>
-              <a:t>}}</a:t>
-            </a:r>
-            <a:r>
-              <a:rPr lang="en-US" sz="1600" dirty="0">
-                <a:solidFill>
-                  <a:srgbClr val="800000"/>
-                </a:solidFill>
-                <a:latin typeface="Consolas" panose="020B0609020204030204" pitchFamily="49" charset="0"/>
-              </a:rPr>
-              <a:t>&lt;/td&gt;</a:t>
-            </a:r>
-            <a:endParaRPr lang="en-US" sz="1600" dirty="0">
-              <a:solidFill>
-                <a:srgbClr val="000000"/>
-              </a:solidFill>
-              <a:latin typeface="Consolas" panose="020B0609020204030204" pitchFamily="49" charset="0"/>
-            </a:endParaRPr>
-          </a:p>
-          <a:p>
-            <a:r>
-              <a:rPr lang="en-US" sz="1600" dirty="0">
-                <a:solidFill>
-                  <a:srgbClr val="000000"/>
-                </a:solidFill>
-                <a:latin typeface="Consolas" panose="020B0609020204030204" pitchFamily="49" charset="0"/>
-              </a:rPr>
-              <a:t>            </a:t>
-            </a:r>
-            <a:r>
-              <a:rPr lang="en-US" sz="1600" dirty="0">
-                <a:solidFill>
-                  <a:srgbClr val="800000"/>
-                </a:solidFill>
-                <a:latin typeface="Consolas" panose="020B0609020204030204" pitchFamily="49" charset="0"/>
-              </a:rPr>
-              <a:t>&lt;td&gt;</a:t>
-            </a:r>
-            <a:r>
-              <a:rPr lang="en-US" sz="1600" dirty="0">
-                <a:solidFill>
-                  <a:srgbClr val="000000"/>
-                </a:solidFill>
-                <a:latin typeface="Consolas" panose="020B0609020204030204" pitchFamily="49" charset="0"/>
-              </a:rPr>
-              <a:t>{{</a:t>
-            </a:r>
-            <a:r>
-              <a:rPr lang="en-US" sz="1600" dirty="0" err="1">
-                <a:solidFill>
-                  <a:srgbClr val="000000"/>
-                </a:solidFill>
-                <a:latin typeface="Consolas" panose="020B0609020204030204" pitchFamily="49" charset="0"/>
-              </a:rPr>
-              <a:t>person.Email</a:t>
-            </a:r>
-            <a:r>
-              <a:rPr lang="en-US" sz="1600" dirty="0">
-                <a:solidFill>
-                  <a:srgbClr val="000000"/>
-                </a:solidFill>
-                <a:latin typeface="Consolas" panose="020B0609020204030204" pitchFamily="49" charset="0"/>
-              </a:rPr>
-              <a:t>}}</a:t>
-            </a:r>
-            <a:r>
-              <a:rPr lang="en-US" sz="1600" dirty="0">
-                <a:solidFill>
-                  <a:srgbClr val="800000"/>
-                </a:solidFill>
-                <a:latin typeface="Consolas" panose="020B0609020204030204" pitchFamily="49" charset="0"/>
-              </a:rPr>
-              <a:t>&lt;/td&gt;</a:t>
-            </a:r>
-            <a:endParaRPr lang="en-US" sz="1600" dirty="0">
-              <a:solidFill>
-                <a:srgbClr val="000000"/>
-              </a:solidFill>
-              <a:latin typeface="Consolas" panose="020B0609020204030204" pitchFamily="49" charset="0"/>
-            </a:endParaRPr>
-          </a:p>
-          <a:p>
-            <a:r>
-              <a:rPr lang="en-US" sz="1600" dirty="0">
-                <a:solidFill>
-                  <a:srgbClr val="000000"/>
-                </a:solidFill>
-                <a:latin typeface="Consolas" panose="020B0609020204030204" pitchFamily="49" charset="0"/>
-              </a:rPr>
-              <a:t>        </a:t>
-            </a:r>
-            <a:r>
-              <a:rPr lang="en-US" sz="1600" dirty="0">
-                <a:solidFill>
-                  <a:srgbClr val="800000"/>
-                </a:solidFill>
-                <a:latin typeface="Consolas" panose="020B0609020204030204" pitchFamily="49" charset="0"/>
-              </a:rPr>
-              <a:t>&lt;/</a:t>
-            </a:r>
-            <a:r>
-              <a:rPr lang="en-US" sz="1600" dirty="0" err="1">
-                <a:solidFill>
-                  <a:srgbClr val="800000"/>
-                </a:solidFill>
-                <a:latin typeface="Consolas" panose="020B0609020204030204" pitchFamily="49" charset="0"/>
-              </a:rPr>
-              <a:t>tr</a:t>
-            </a:r>
-            <a:r>
-              <a:rPr lang="en-US" sz="1600" dirty="0">
-                <a:solidFill>
-                  <a:srgbClr val="800000"/>
-                </a:solidFill>
-                <a:latin typeface="Consolas" panose="020B0609020204030204" pitchFamily="49" charset="0"/>
-              </a:rPr>
-              <a:t>&gt;</a:t>
-            </a:r>
-            <a:endParaRPr lang="en-US" sz="1600" dirty="0">
-              <a:solidFill>
-                <a:srgbClr val="000000"/>
-              </a:solidFill>
-              <a:latin typeface="Consolas" panose="020B0609020204030204" pitchFamily="49" charset="0"/>
-            </a:endParaRPr>
-          </a:p>
-          <a:p>
-            <a:r>
-              <a:rPr lang="en-US" sz="1600" dirty="0">
-                <a:solidFill>
-                  <a:srgbClr val="000000"/>
-                </a:solidFill>
-                <a:latin typeface="Consolas" panose="020B0609020204030204" pitchFamily="49" charset="0"/>
-              </a:rPr>
-              <a:t>    </a:t>
-            </a:r>
-            <a:r>
-              <a:rPr lang="en-US" sz="1600" dirty="0">
-                <a:solidFill>
-                  <a:srgbClr val="800000"/>
-                </a:solidFill>
-                <a:latin typeface="Consolas" panose="020B0609020204030204" pitchFamily="49" charset="0"/>
-              </a:rPr>
-              <a:t>&lt;/</a:t>
-            </a:r>
-            <a:r>
-              <a:rPr lang="en-US" sz="1600" dirty="0" err="1">
-                <a:solidFill>
-                  <a:srgbClr val="800000"/>
-                </a:solidFill>
-                <a:latin typeface="Consolas" panose="020B0609020204030204" pitchFamily="49" charset="0"/>
-              </a:rPr>
-              <a:t>tbody</a:t>
-            </a:r>
-            <a:r>
-              <a:rPr lang="en-US" sz="1600" dirty="0">
-                <a:solidFill>
-                  <a:srgbClr val="800000"/>
-                </a:solidFill>
-                <a:latin typeface="Consolas" panose="020B0609020204030204" pitchFamily="49" charset="0"/>
-              </a:rPr>
-              <a:t>&gt;</a:t>
-            </a:r>
-            <a:endParaRPr lang="en-US" sz="1600" dirty="0">
-              <a:solidFill>
-                <a:srgbClr val="000000"/>
-              </a:solidFill>
-              <a:latin typeface="Consolas" panose="020B0609020204030204" pitchFamily="49" charset="0"/>
-            </a:endParaRPr>
-          </a:p>
-          <a:p>
-            <a:r>
-              <a:rPr lang="en-US" sz="1600" dirty="0">
-                <a:solidFill>
-                  <a:srgbClr val="800000"/>
-                </a:solidFill>
-                <a:latin typeface="Consolas" panose="020B0609020204030204" pitchFamily="49" charset="0"/>
-              </a:rPr>
-              <a:t>&lt;/table&gt;</a:t>
-            </a:r>
-            <a:endParaRPr lang="en-US" sz="1600" dirty="0">
-              <a:solidFill>
-                <a:srgbClr val="000000"/>
-              </a:solidFill>
-              <a:latin typeface="Consolas" panose="020B0609020204030204" pitchFamily="49" charset="0"/>
-            </a:endParaRPr>
-          </a:p>
-          <a:p>
-            <a:br>
-              <a:rPr lang="en-US" sz="1600" dirty="0">
-                <a:solidFill>
-                  <a:srgbClr val="000000"/>
-                </a:solidFill>
-                <a:latin typeface="Consolas" panose="020B0609020204030204" pitchFamily="49" charset="0"/>
-              </a:rPr>
-            </a:br>
-            <a:endParaRPr lang="en-US" sz="1600" b="0" dirty="0">
-              <a:solidFill>
-                <a:srgbClr val="000000"/>
-              </a:solidFill>
-              <a:effectLst/>
-              <a:latin typeface="Consolas" panose="020B0609020204030204" pitchFamily="49" charset="0"/>
-            </a:endParaRPr>
+            <a:pPr marL="342900" indent="-342900">
+              <a:buFont typeface="Arial" panose="020B0604020202020204" pitchFamily="34" charset="0"/>
+              <a:buChar char="•"/>
+            </a:pPr>
+            <a:r>
+              <a:rPr lang="en-US" dirty="0"/>
+              <a:t>Look for TODOs</a:t>
+            </a:r>
+          </a:p>
+          <a:p>
+            <a:pPr marL="342900" indent="-342900">
+              <a:buFont typeface="Arial" panose="020B0604020202020204" pitchFamily="34" charset="0"/>
+              <a:buChar char="•"/>
+            </a:pPr>
+            <a:endParaRPr lang="en-US" dirty="0"/>
+          </a:p>
+          <a:p>
+            <a:pPr marL="342900" indent="-342900">
+              <a:buFont typeface="Arial" panose="020B0604020202020204" pitchFamily="34" charset="0"/>
+              <a:buChar char="•"/>
+            </a:pPr>
+            <a:r>
+              <a:rPr lang="en-US" dirty="0"/>
+              <a:t>Files included:</a:t>
+            </a:r>
+          </a:p>
+          <a:p>
+            <a:pPr marL="573088" lvl="1" indent="-342900">
+              <a:buFont typeface="Arial" panose="020B0604020202020204" pitchFamily="34" charset="0"/>
+              <a:buChar char="•"/>
+            </a:pPr>
+            <a:endParaRPr lang="en-US" dirty="0"/>
+          </a:p>
+          <a:p>
+            <a:pPr marL="342900" indent="-342900">
+              <a:buFont typeface="Arial" panose="020B0604020202020204" pitchFamily="34" charset="0"/>
+              <a:buChar char="•"/>
+            </a:pPr>
+            <a:endParaRPr lang="en-US" dirty="0"/>
           </a:p>
         </p:txBody>
       </p:sp>
     </p:spTree>
     <p:extLst>
       <p:ext uri="{BB962C8B-B14F-4D97-AF65-F5344CB8AC3E}">
-        <p14:creationId xmlns:p14="http://schemas.microsoft.com/office/powerpoint/2010/main" val="2558121404"/>
+        <p14:creationId xmlns:p14="http://schemas.microsoft.com/office/powerpoint/2010/main" val="2942029158"/>
       </p:ext>
     </p:extLst>
   </p:cSld>
@@ -11990,154 +8008,72 @@
           <a:p>
             <a:r>
               <a:rPr lang="en-US" dirty="0"/>
-              <a:t>Events</a:t>
+              <a:t>ASP.NET Core</a:t>
             </a:r>
           </a:p>
         </p:txBody>
       </p:sp>
       <p:sp>
         <p:nvSpPr>
-          <p:cNvPr id="4" name="Rectangle 3"/>
-          <p:cNvSpPr/>
-          <p:nvPr/>
-        </p:nvSpPr>
-        <p:spPr>
-          <a:xfrm>
-            <a:off x="356616" y="2248585"/>
-            <a:ext cx="8622792" cy="369332"/>
-          </a:xfrm>
-          <a:prstGeom prst="rect">
-            <a:avLst/>
-          </a:prstGeom>
-        </p:spPr>
+          <p:cNvPr id="3" name="Content Placeholder 2"/>
+          <p:cNvSpPr>
+            <a:spLocks noGrp="1"/>
+          </p:cNvSpPr>
+          <p:nvPr>
+            <p:ph idx="1"/>
+          </p:nvPr>
+        </p:nvSpPr>
+        <p:spPr/>
         <p:txBody>
-          <a:bodyPr wrap="square">
-            <a:spAutoFit/>
-          </a:bodyPr>
+          <a:bodyPr/>
           <a:lstStyle/>
           <a:p>
-            <a:r>
-              <a:rPr lang="it-IT" dirty="0">
-                <a:solidFill>
-                  <a:srgbClr val="800000"/>
-                </a:solidFill>
-                <a:latin typeface="Consolas" panose="020B0609020204030204" pitchFamily="49" charset="0"/>
-              </a:rPr>
-              <a:t>&lt;a</a:t>
-            </a:r>
-            <a:r>
-              <a:rPr lang="it-IT" dirty="0">
-                <a:solidFill>
-                  <a:srgbClr val="000000"/>
-                </a:solidFill>
-                <a:latin typeface="Consolas" panose="020B0609020204030204" pitchFamily="49" charset="0"/>
-              </a:rPr>
-              <a:t> </a:t>
-            </a:r>
-            <a:r>
-              <a:rPr lang="it-IT" dirty="0">
-                <a:solidFill>
-                  <a:srgbClr val="FF0000"/>
-                </a:solidFill>
-                <a:latin typeface="Consolas" panose="020B0609020204030204" pitchFamily="49" charset="0"/>
-              </a:rPr>
-              <a:t>href</a:t>
-            </a:r>
-            <a:r>
-              <a:rPr lang="it-IT" dirty="0">
-                <a:solidFill>
-                  <a:srgbClr val="000000"/>
-                </a:solidFill>
-                <a:latin typeface="Consolas" panose="020B0609020204030204" pitchFamily="49" charset="0"/>
-              </a:rPr>
-              <a:t>=</a:t>
-            </a:r>
-            <a:r>
-              <a:rPr lang="it-IT" dirty="0">
-                <a:solidFill>
-                  <a:srgbClr val="0000FF"/>
-                </a:solidFill>
-                <a:latin typeface="Consolas" panose="020B0609020204030204" pitchFamily="49" charset="0"/>
-              </a:rPr>
-              <a:t>"#"</a:t>
-            </a:r>
-            <a:r>
-              <a:rPr lang="it-IT" dirty="0">
-                <a:solidFill>
-                  <a:srgbClr val="000000"/>
-                </a:solidFill>
-                <a:latin typeface="Consolas" panose="020B0609020204030204" pitchFamily="49" charset="0"/>
-              </a:rPr>
-              <a:t> (</a:t>
-            </a:r>
-            <a:r>
-              <a:rPr lang="it-IT" dirty="0">
-                <a:solidFill>
-                  <a:srgbClr val="FF0000"/>
-                </a:solidFill>
-                <a:latin typeface="Consolas" panose="020B0609020204030204" pitchFamily="49" charset="0"/>
-              </a:rPr>
-              <a:t>click</a:t>
-            </a:r>
-            <a:r>
-              <a:rPr lang="it-IT" dirty="0">
-                <a:solidFill>
-                  <a:srgbClr val="000000"/>
-                </a:solidFill>
-                <a:latin typeface="Consolas" panose="020B0609020204030204" pitchFamily="49" charset="0"/>
-              </a:rPr>
-              <a:t>)=</a:t>
-            </a:r>
-            <a:r>
-              <a:rPr lang="it-IT" dirty="0">
-                <a:solidFill>
-                  <a:srgbClr val="0000FF"/>
-                </a:solidFill>
-                <a:latin typeface="Consolas" panose="020B0609020204030204" pitchFamily="49" charset="0"/>
-              </a:rPr>
-              <a:t>"bar("parameter1","etc")"</a:t>
-            </a:r>
-            <a:r>
-              <a:rPr lang="it-IT" dirty="0">
-                <a:solidFill>
-                  <a:srgbClr val="800000"/>
-                </a:solidFill>
-                <a:latin typeface="Consolas" panose="020B0609020204030204" pitchFamily="49" charset="0"/>
-              </a:rPr>
-              <a:t>&gt;</a:t>
-            </a:r>
-            <a:r>
-              <a:rPr lang="it-IT" dirty="0">
-                <a:solidFill>
-                  <a:srgbClr val="000000"/>
-                </a:solidFill>
-                <a:latin typeface="Consolas" panose="020B0609020204030204" pitchFamily="49" charset="0"/>
-              </a:rPr>
-              <a:t>do something</a:t>
-            </a:r>
-            <a:r>
-              <a:rPr lang="it-IT" dirty="0">
-                <a:solidFill>
-                  <a:srgbClr val="800000"/>
-                </a:solidFill>
-                <a:latin typeface="Consolas" panose="020B0609020204030204" pitchFamily="49" charset="0"/>
-              </a:rPr>
-              <a:t>&lt;/a&gt;</a:t>
-            </a:r>
-            <a:endParaRPr lang="it-IT" b="0" dirty="0">
-              <a:solidFill>
-                <a:srgbClr val="000000"/>
-              </a:solidFill>
-              <a:effectLst/>
-              <a:latin typeface="Consolas" panose="020B0609020204030204" pitchFamily="49" charset="0"/>
-            </a:endParaRPr>
+            <a:pPr marL="342900" indent="-342900">
+              <a:buFont typeface="Arial" panose="020B0604020202020204" pitchFamily="34" charset="0"/>
+              <a:buChar char="•"/>
+            </a:pPr>
+            <a:r>
+              <a:rPr lang="en-US" dirty="0"/>
+              <a:t>Look for TODOs</a:t>
+            </a:r>
+          </a:p>
+          <a:p>
+            <a:pPr marL="342900" indent="-342900">
+              <a:buFont typeface="Arial" panose="020B0604020202020204" pitchFamily="34" charset="0"/>
+              <a:buChar char="•"/>
+            </a:pPr>
+            <a:endParaRPr lang="en-US" dirty="0"/>
+          </a:p>
+          <a:p>
+            <a:pPr marL="342900" indent="-342900">
+              <a:buFont typeface="Arial" panose="020B0604020202020204" pitchFamily="34" charset="0"/>
+              <a:buChar char="•"/>
+            </a:pPr>
+            <a:r>
+              <a:rPr lang="en-US" dirty="0"/>
+              <a:t>Files included:</a:t>
+            </a:r>
+          </a:p>
+          <a:p>
+            <a:pPr marL="573088" lvl="1" indent="-342900">
+              <a:buFont typeface="Arial" panose="020B0604020202020204" pitchFamily="34" charset="0"/>
+              <a:buChar char="•"/>
+            </a:pPr>
+            <a:endParaRPr lang="en-US" dirty="0"/>
+          </a:p>
+          <a:p>
+            <a:pPr marL="342900" indent="-342900">
+              <a:buFont typeface="Arial" panose="020B0604020202020204" pitchFamily="34" charset="0"/>
+              <a:buChar char="•"/>
+            </a:pPr>
+            <a:endParaRPr lang="en-US" dirty="0"/>
           </a:p>
         </p:txBody>
       </p:sp>
     </p:spTree>
     <p:extLst>
       <p:ext uri="{BB962C8B-B14F-4D97-AF65-F5344CB8AC3E}">
-        <p14:creationId xmlns:p14="http://schemas.microsoft.com/office/powerpoint/2010/main" val="198790490"/>
+        <p14:creationId xmlns:p14="http://schemas.microsoft.com/office/powerpoint/2010/main" val="3351451"/>
       </p:ext>
     </p:extLst>
   </p:cSld>
@@ -12181,368 +8117,6 @@
           <a:p>
             <a:r>
               <a:rPr lang="en-US" dirty="0"/>
-              <a:t>Router</a:t>
-            </a:r>
-          </a:p>
-        </p:txBody>
-      </p:sp>
-      <p:sp>
-        <p:nvSpPr>
-          <p:cNvPr id="4" name="Rectangle 3"/>
-          <p:cNvSpPr/>
-          <p:nvPr/>
-        </p:nvSpPr>
-        <p:spPr>
-          <a:xfrm>
-            <a:off x="1344168" y="2249640"/>
-            <a:ext cx="6629400" cy="369332"/>
-          </a:xfrm>
-          <a:prstGeom prst="rect">
-            <a:avLst/>
-          </a:prstGeom>
-        </p:spPr>
-        <p:txBody>
-          <a:bodyPr wrap="square">
-            <a:spAutoFit/>
-          </a:bodyPr>
-          <a:lstStyle/>
-          <a:p>
-            <a:r>
-              <a:rPr lang="en-US" dirty="0">
-                <a:solidFill>
-                  <a:srgbClr val="800000"/>
-                </a:solidFill>
-                <a:latin typeface="Consolas" panose="020B0609020204030204" pitchFamily="49" charset="0"/>
-              </a:rPr>
-              <a:t>&lt;a</a:t>
-            </a:r>
-            <a:r>
-              <a:rPr lang="en-US" dirty="0">
-                <a:solidFill>
-                  <a:srgbClr val="000000"/>
-                </a:solidFill>
-                <a:latin typeface="Consolas" panose="020B0609020204030204" pitchFamily="49" charset="0"/>
-              </a:rPr>
-              <a:t> [</a:t>
-            </a:r>
-            <a:r>
-              <a:rPr lang="en-US" dirty="0" err="1">
-                <a:solidFill>
-                  <a:srgbClr val="FF0000"/>
-                </a:solidFill>
-                <a:latin typeface="Consolas" panose="020B0609020204030204" pitchFamily="49" charset="0"/>
-              </a:rPr>
-              <a:t>routerLink</a:t>
-            </a:r>
-            <a:r>
-              <a:rPr lang="en-US" dirty="0">
-                <a:solidFill>
-                  <a:srgbClr val="000000"/>
-                </a:solidFill>
-                <a:latin typeface="Consolas" panose="020B0609020204030204" pitchFamily="49" charset="0"/>
-              </a:rPr>
-              <a:t>]=</a:t>
-            </a:r>
-            <a:r>
-              <a:rPr lang="en-US" dirty="0">
-                <a:solidFill>
-                  <a:srgbClr val="0000FF"/>
-                </a:solidFill>
-                <a:latin typeface="Consolas" panose="020B0609020204030204" pitchFamily="49" charset="0"/>
-              </a:rPr>
-              <a:t>"['/foo', </a:t>
-            </a:r>
-            <a:r>
-              <a:rPr lang="en-US" dirty="0" err="1">
-                <a:solidFill>
-                  <a:srgbClr val="0000FF"/>
-                </a:solidFill>
-                <a:latin typeface="Consolas" panose="020B0609020204030204" pitchFamily="49" charset="0"/>
-              </a:rPr>
-              <a:t>thing.foo</a:t>
-            </a:r>
-            <a:r>
-              <a:rPr lang="en-US" dirty="0">
-                <a:solidFill>
-                  <a:srgbClr val="0000FF"/>
-                </a:solidFill>
-                <a:latin typeface="Consolas" panose="020B0609020204030204" pitchFamily="49" charset="0"/>
-              </a:rPr>
-              <a:t>]"</a:t>
-            </a:r>
-            <a:r>
-              <a:rPr lang="en-US" dirty="0">
-                <a:solidFill>
-                  <a:srgbClr val="800000"/>
-                </a:solidFill>
-                <a:latin typeface="Consolas" panose="020B0609020204030204" pitchFamily="49" charset="0"/>
-              </a:rPr>
-              <a:t>&gt;</a:t>
-            </a:r>
-            <a:r>
-              <a:rPr lang="en-US" dirty="0">
-                <a:solidFill>
-                  <a:srgbClr val="000000"/>
-                </a:solidFill>
-                <a:latin typeface="Consolas" panose="020B0609020204030204" pitchFamily="49" charset="0"/>
-              </a:rPr>
-              <a:t>edit</a:t>
-            </a:r>
-            <a:r>
-              <a:rPr lang="en-US" dirty="0">
-                <a:solidFill>
-                  <a:srgbClr val="800000"/>
-                </a:solidFill>
-                <a:latin typeface="Consolas" panose="020B0609020204030204" pitchFamily="49" charset="0"/>
-              </a:rPr>
-              <a:t>&lt;/a&gt;</a:t>
-            </a:r>
-            <a:endParaRPr lang="en-US" b="0" dirty="0">
-              <a:solidFill>
-                <a:srgbClr val="000000"/>
-              </a:solidFill>
-              <a:effectLst/>
-              <a:latin typeface="Consolas" panose="020B0609020204030204" pitchFamily="49" charset="0"/>
-            </a:endParaRPr>
-          </a:p>
-        </p:txBody>
-      </p:sp>
-    </p:spTree>
-    <p:extLst>
-      <p:ext uri="{BB962C8B-B14F-4D97-AF65-F5344CB8AC3E}">
-        <p14:creationId xmlns:p14="http://schemas.microsoft.com/office/powerpoint/2010/main" val="2696323195"/>
-      </p:ext>
-    </p:extLst>
-  </p:cSld>
-  <p:clrMapOvr>
-    <a:masterClrMapping/>
-  </p:clrMapOvr>
-</p:sld>
-</file>
-
-<file path=ppt/slides/slide16.xml><?xml version="1.0" encoding="utf-8"?>
-<p:sld xmlns:a="http://schemas.openxmlformats.org/drawingml/2006/main" xmlns:r="http://schemas.openxmlformats.org/officeDocument/2006/relationships" xmlns:p="http://schemas.openxmlformats.org/presentationml/2006/main">
-  <p:cSld>
-    <p:spTree>
-      <p:nvGrpSpPr>
-        <p:cNvPr id="1" name=""/>
-        <p:cNvGrpSpPr/>
-        <p:nvPr/>
-      </p:nvGrpSpPr>
-      <p:grpSpPr>
-        <a:xfrm>
-          <a:off x="0" y="0"/>
-          <a:ext cx="0" cy="0"/>
-          <a:chOff x="0" y="0"/>
-          <a:chExt cx="0" cy="0"/>
-        </a:xfrm>
-      </p:grpSpPr>
-      <p:sp>
-        <p:nvSpPr>
-          <p:cNvPr id="2" name="Title 1"/>
-          <p:cNvSpPr>
-            <a:spLocks noGrp="1"/>
-          </p:cNvSpPr>
-          <p:nvPr>
-            <p:ph type="title"/>
-          </p:nvPr>
-        </p:nvSpPr>
-        <p:spPr/>
-        <p:txBody>
-          <a:bodyPr/>
-          <a:lstStyle/>
-          <a:p>
-            <a:r>
-              <a:rPr lang="en-US" dirty="0"/>
-              <a:t>Angular</a:t>
-            </a:r>
-          </a:p>
-        </p:txBody>
-      </p:sp>
-      <p:sp>
-        <p:nvSpPr>
-          <p:cNvPr id="5" name="Content Placeholder 2"/>
-          <p:cNvSpPr>
-            <a:spLocks noGrp="1"/>
-          </p:cNvSpPr>
-          <p:nvPr>
-            <p:ph idx="1"/>
-          </p:nvPr>
-        </p:nvSpPr>
-        <p:spPr>
-          <a:xfrm>
-            <a:off x="457200" y="685800"/>
-            <a:ext cx="8007739" cy="3394472"/>
-          </a:xfrm>
-        </p:spPr>
-        <p:txBody>
-          <a:bodyPr/>
-          <a:lstStyle/>
-          <a:p>
-            <a:pPr marL="342900" indent="-342900">
-              <a:buFont typeface="Arial" panose="020B0604020202020204" pitchFamily="34" charset="0"/>
-              <a:buChar char="•"/>
-            </a:pPr>
-            <a:r>
-              <a:rPr lang="en-US" dirty="0"/>
-              <a:t>Look for  TODOs</a:t>
-            </a:r>
-          </a:p>
-          <a:p>
-            <a:pPr marL="342900" indent="-342900">
-              <a:buFont typeface="Arial" panose="020B0604020202020204" pitchFamily="34" charset="0"/>
-              <a:buChar char="•"/>
-            </a:pPr>
-            <a:endParaRPr lang="en-US" dirty="0"/>
-          </a:p>
-          <a:p>
-            <a:pPr marL="342900" indent="-342900">
-              <a:buFont typeface="Arial" panose="020B0604020202020204" pitchFamily="34" charset="0"/>
-              <a:buChar char="•"/>
-            </a:pPr>
-            <a:r>
-              <a:rPr lang="en-US" dirty="0"/>
-              <a:t>Files included:</a:t>
-            </a:r>
-          </a:p>
-          <a:p>
-            <a:pPr marL="573088" lvl="1" indent="-342900">
-              <a:buFont typeface="Arial" panose="020B0604020202020204" pitchFamily="34" charset="0"/>
-              <a:buChar char="•"/>
-            </a:pPr>
-            <a:r>
-              <a:rPr lang="en-US" sz="2000" dirty="0" err="1"/>
-              <a:t>app.module.ts</a:t>
-            </a:r>
-            <a:endParaRPr lang="en-US" sz="2000" dirty="0"/>
-          </a:p>
-          <a:p>
-            <a:pPr marL="573088" lvl="1" indent="-342900">
-              <a:buFont typeface="Arial" panose="020B0604020202020204" pitchFamily="34" charset="0"/>
-              <a:buChar char="•"/>
-            </a:pPr>
-            <a:r>
-              <a:rPr lang="en-US" sz="2000" dirty="0" err="1"/>
-              <a:t>utility.ts</a:t>
-            </a:r>
-            <a:endParaRPr lang="en-US" sz="2000" dirty="0"/>
-          </a:p>
-          <a:p>
-            <a:pPr marL="573088" lvl="1" indent="-342900">
-              <a:buFont typeface="Arial" panose="020B0604020202020204" pitchFamily="34" charset="0"/>
-              <a:buChar char="•"/>
-            </a:pPr>
-            <a:r>
-              <a:rPr lang="en-US" sz="2000" dirty="0" err="1"/>
-              <a:t>item.ts</a:t>
-            </a:r>
-            <a:endParaRPr lang="en-US" sz="2000" dirty="0"/>
-          </a:p>
-          <a:p>
-            <a:pPr marL="573088" lvl="1" indent="-342900">
-              <a:buFont typeface="Arial" panose="020B0604020202020204" pitchFamily="34" charset="0"/>
-              <a:buChar char="•"/>
-            </a:pPr>
-            <a:r>
-              <a:rPr lang="en-US" sz="2000" dirty="0" err="1"/>
-              <a:t>item.component.ts</a:t>
-            </a:r>
-            <a:endParaRPr lang="en-US" sz="2000" dirty="0"/>
-          </a:p>
-          <a:p>
-            <a:pPr marL="573088" lvl="1" indent="-342900">
-              <a:buFont typeface="Arial" panose="020B0604020202020204" pitchFamily="34" charset="0"/>
-              <a:buChar char="•"/>
-            </a:pPr>
-            <a:r>
-              <a:rPr lang="en-US" sz="2000" dirty="0"/>
-              <a:t>item.component.html</a:t>
-            </a:r>
-          </a:p>
-          <a:p>
-            <a:pPr marL="573088" lvl="1" indent="-342900">
-              <a:buFont typeface="Arial" panose="020B0604020202020204" pitchFamily="34" charset="0"/>
-              <a:buChar char="•"/>
-            </a:pPr>
-            <a:r>
-              <a:rPr lang="en-US" sz="2000" dirty="0" err="1"/>
-              <a:t>list.component.ts</a:t>
-            </a:r>
-            <a:endParaRPr lang="en-US" sz="2000" dirty="0"/>
-          </a:p>
-          <a:p>
-            <a:pPr marL="573088" lvl="1" indent="-342900">
-              <a:buFont typeface="Arial" panose="020B0604020202020204" pitchFamily="34" charset="0"/>
-              <a:buChar char="•"/>
-            </a:pPr>
-            <a:r>
-              <a:rPr lang="en-US" sz="2000" dirty="0"/>
-              <a:t>list.component.html</a:t>
-            </a:r>
-          </a:p>
-          <a:p>
-            <a:pPr marL="573088" lvl="1" indent="-342900">
-              <a:buFont typeface="Arial" panose="020B0604020202020204" pitchFamily="34" charset="0"/>
-              <a:buChar char="•"/>
-            </a:pPr>
-            <a:endParaRPr lang="en-US" dirty="0"/>
-          </a:p>
-          <a:p>
-            <a:pPr marL="342900" indent="-342900">
-              <a:buFont typeface="Arial" panose="020B0604020202020204" pitchFamily="34" charset="0"/>
-              <a:buChar char="•"/>
-            </a:pPr>
-            <a:endParaRPr lang="en-US" dirty="0"/>
-          </a:p>
-        </p:txBody>
-      </p:sp>
-    </p:spTree>
-    <p:extLst>
-      <p:ext uri="{BB962C8B-B14F-4D97-AF65-F5344CB8AC3E}">
-        <p14:creationId xmlns:p14="http://schemas.microsoft.com/office/powerpoint/2010/main" val="1029063382"/>
-      </p:ext>
-    </p:extLst>
-  </p:cSld>
-  <p:clrMapOvr>
-    <a:masterClrMapping/>
-  </p:clrMapOvr>
-</p:sld>
-</file>
-
-<file path=ppt/slides/slide17.xml><?xml version="1.0" encoding="utf-8"?>
-<p:sld xmlns:a="http://schemas.openxmlformats.org/drawingml/2006/main" xmlns:r="http://schemas.openxmlformats.org/officeDocument/2006/relationships" xmlns:p="http://schemas.openxmlformats.org/presentationml/2006/main">
-  <p:cSld>
-    <p:spTree>
-      <p:nvGrpSpPr>
-        <p:cNvPr id="1" name=""/>
-        <p:cNvGrpSpPr/>
-        <p:nvPr/>
-      </p:nvGrpSpPr>
-      <p:grpSpPr>
-        <a:xfrm>
-          <a:off x="0" y="0"/>
-          <a:ext cx="0" cy="0"/>
-          <a:chOff x="0" y="0"/>
-          <a:chExt cx="0" cy="0"/>
-        </a:xfrm>
-      </p:grpSpPr>
-      <p:sp>
-        <p:nvSpPr>
-          <p:cNvPr id="2" name="Title 1"/>
-          <p:cNvSpPr>
-            <a:spLocks noGrp="1"/>
-          </p:cNvSpPr>
-          <p:nvPr>
-            <p:ph type="title"/>
-          </p:nvPr>
-        </p:nvSpPr>
-        <p:spPr/>
-        <p:txBody>
-          <a:bodyPr/>
-          <a:lstStyle/>
-          <a:p>
-            <a:r>
-              <a:rPr lang="en-US" dirty="0"/>
               <a:t>How to execute</a:t>
             </a:r>
           </a:p>
@@ -12565,8 +8139,11 @@
           <a:p>
             <a:r>
               <a:rPr lang="en-US" dirty="0"/>
-              <a:t>Execute Angular 2: </a:t>
-            </a:r>
+              <a:t>Execute RESTful API backend:</a:t>
+            </a:r>
+          </a:p>
+          <a:p>
+            <a:endParaRPr lang="en-US" dirty="0"/>
           </a:p>
           <a:p>
             <a:pPr marL="342900" indent="-342900">
@@ -12574,18 +8151,8 @@
               <a:buChar char="•"/>
             </a:pPr>
             <a:r>
-              <a:rPr lang="en-US" dirty="0" err="1">
-                <a:latin typeface="Courier New" panose="02070309020205020404" pitchFamily="49" charset="0"/>
-                <a:cs typeface="Courier New" panose="02070309020205020404" pitchFamily="49" charset="0"/>
-              </a:rPr>
-              <a:t>npm</a:t>
-            </a:r>
-            <a:r>
-              <a:rPr lang="en-US" dirty="0">
-                <a:latin typeface="Courier New" panose="02070309020205020404" pitchFamily="49" charset="0"/>
-                <a:cs typeface="Courier New" panose="02070309020205020404" pitchFamily="49" charset="0"/>
-              </a:rPr>
-              <a:t> install angular-cli</a:t>
+              <a:rPr lang="en-US" dirty="0"/>
+              <a:t>Visual Studio: F5 (or ctrl+f5)</a:t>
             </a:r>
           </a:p>
           <a:p>
@@ -12594,41 +8161,6 @@
               <a:buChar char="•"/>
             </a:pPr>
             <a:r>
-              <a:rPr lang="en-US" dirty="0">
-                <a:latin typeface="Courier New" panose="02070309020205020404" pitchFamily="49" charset="0"/>
-                <a:cs typeface="Courier New" panose="02070309020205020404" pitchFamily="49" charset="0"/>
-              </a:rPr>
-              <a:t>ng serve</a:t>
-            </a:r>
-          </a:p>
-          <a:p>
-            <a:endParaRPr lang="en-US" dirty="0"/>
-          </a:p>
-          <a:p>
-            <a:r>
-              <a:rPr lang="en-US" dirty="0"/>
-              <a:t>Execute RESTful API backend:</a:t>
-            </a:r>
-          </a:p>
-          <a:p>
-            <a:endParaRPr lang="en-US" dirty="0"/>
-          </a:p>
-          <a:p>
-            <a:pPr marL="342900" indent="-342900">
-              <a:buFont typeface="Arial" panose="020B0604020202020204" pitchFamily="34" charset="0"/>
-              <a:buChar char="•"/>
-            </a:pPr>
-            <a:r>
-              <a:rPr lang="en-US" dirty="0"/>
-              <a:t>Visual Studio: F5 (or ctrl+f5)</a:t>
-            </a:r>
-          </a:p>
-          <a:p>
-            <a:pPr marL="342900" indent="-342900">
-              <a:buFont typeface="Arial" panose="020B0604020202020204" pitchFamily="34" charset="0"/>
-              <a:buChar char="•"/>
-            </a:pPr>
-            <a:r>
               <a:rPr lang="en-US" dirty="0" err="1">
                 <a:latin typeface="Consolas" panose="020B0609020204030204" pitchFamily="49" charset="0"/>
               </a:rPr>
@@ -12638,7 +8170,7 @@
               <a:rPr lang="en-US" dirty="0">
                 <a:latin typeface="Consolas" panose="020B0609020204030204" pitchFamily="49" charset="0"/>
               </a:rPr>
-              <a:t> new</a:t>
+              <a:t> run</a:t>
             </a:r>
             <a:r>
               <a:rPr lang="en-US" dirty="0"/>
@@ -12660,7 +8192,7 @@
 </p:sld>
 </file>
 
-<file path=ppt/slides/slide18.xml><?xml version="1.0" encoding="utf-8"?>
+<file path=ppt/slides/slide16.xml><?xml version="1.0" encoding="utf-8"?>
 <p:sld xmlns:a="http://schemas.openxmlformats.org/drawingml/2006/main" xmlns:r="http://schemas.openxmlformats.org/officeDocument/2006/relationships" xmlns:p="http://schemas.openxmlformats.org/presentationml/2006/main">
   <p:cSld>
     <p:spTree>
@@ -12778,16 +8310,6 @@
             <a:r>
               <a:rPr lang="en-US" dirty="0"/>
               <a:t>Create a RESTful API backend</a:t>
-            </a:r>
-          </a:p>
-          <a:p>
-            <a:pPr marL="342900" indent="-342900">
-              <a:buFont typeface="Arial" charset="0"/>
-              <a:buChar char="•"/>
-            </a:pPr>
-            <a:r>
-              <a:rPr lang="en-US" dirty="0"/>
-              <a:t>Create a JavaScript frontend</a:t>
             </a:r>
           </a:p>
           <a:p>
@@ -12943,16 +8465,6 @@
               <a:buChar char="•"/>
             </a:pPr>
             <a:r>
-              <a:rPr lang="en-US" dirty="0"/>
-              <a:t>Angular 2 (UI)</a:t>
-            </a:r>
-          </a:p>
-          <a:p>
-            <a:pPr marL="342900" indent="-342900">
-              <a:buFont typeface="Arial" charset="0"/>
-              <a:buChar char="•"/>
-            </a:pPr>
-            <a:r>
               <a:rPr lang="en-US" dirty="0" err="1"/>
               <a:t>Couchbase</a:t>
             </a:r>
@@ -13263,17 +8775,6 @@
               <a:buChar char="•"/>
             </a:pPr>
             <a:r>
-              <a:rPr lang="en-US" dirty="0" err="1"/>
-              <a:t>angular_workshop</a:t>
-            </a:r>
-            <a:endParaRPr lang="en-US" dirty="0"/>
-          </a:p>
-          <a:p>
-            <a:pPr marL="569913" lvl="1" indent="-342900">
-              <a:buFont typeface="Arial" charset="0"/>
-              <a:buChar char="•"/>
-            </a:pPr>
-            <a:r>
               <a:rPr lang="en-US" dirty="0"/>
               <a:t>Completed versions are in </a:t>
             </a:r>
@@ -13289,10 +8790,7 @@
               <a:rPr lang="en-US" dirty="0" err="1"/>
               <a:t>dotnetcore</a:t>
             </a:r>
-            <a:r>
-              <a:rPr lang="en-US" dirty="0"/>
-              <a:t>, angular folders</a:t>
-            </a:r>
+            <a:endParaRPr lang="en-US" dirty="0"/>
           </a:p>
           <a:p>
             <a:pPr marL="342900" indent="-342900">
@@ -13510,7 +9008,7 @@
           <a:p>
             <a:r>
               <a:rPr lang="en-US" dirty="0"/>
-              <a:t>.NET</a:t>
+              <a:t>ASP.NET</a:t>
             </a:r>
           </a:p>
         </p:txBody>
@@ -13536,8 +9034,29 @@
             </a:pPr>
             <a:r>
               <a:rPr lang="en-US" dirty="0"/>
-              <a:t>Look for TODOs</a:t>
-            </a:r>
+              <a:t>Relies on IIS</a:t>
+            </a:r>
+          </a:p>
+          <a:p>
+            <a:pPr marL="342900" indent="-342900">
+              <a:buFont typeface="Arial" panose="020B0604020202020204" pitchFamily="34" charset="0"/>
+              <a:buChar char="•"/>
+            </a:pPr>
+            <a:r>
+              <a:rPr lang="en-US" dirty="0"/>
+              <a:t>Controllers contain methods</a:t>
+            </a:r>
+          </a:p>
+          <a:p>
+            <a:pPr marL="342900" indent="-342900">
+              <a:buFont typeface="Arial" panose="020B0604020202020204" pitchFamily="34" charset="0"/>
+              <a:buChar char="•"/>
+            </a:pPr>
+            <a:r>
+              <a:rPr lang="en-US" dirty="0" err="1"/>
+              <a:t>Global.asax.cs</a:t>
+            </a:r>
+            <a:endParaRPr lang="en-US" dirty="0"/>
           </a:p>
           <a:p>
             <a:pPr marL="342900" indent="-342900">
@@ -13547,60 +9066,6 @@
             <a:endParaRPr lang="en-US" dirty="0"/>
           </a:p>
           <a:p>
-            <a:pPr marL="342900" indent="-342900">
-              <a:buFont typeface="Arial" panose="020B0604020202020204" pitchFamily="34" charset="0"/>
-              <a:buChar char="•"/>
-            </a:pPr>
-            <a:r>
-              <a:rPr lang="en-US" dirty="0"/>
-              <a:t>Files included:</a:t>
-            </a:r>
-          </a:p>
-          <a:p>
-            <a:pPr marL="573088" lvl="1" indent="-342900">
-              <a:buFont typeface="Arial" panose="020B0604020202020204" pitchFamily="34" charset="0"/>
-              <a:buChar char="•"/>
-            </a:pPr>
-            <a:r>
-              <a:rPr lang="en-US" sz="2000" dirty="0" err="1"/>
-              <a:t>CouchbaseConfig.cs</a:t>
-            </a:r>
-            <a:endParaRPr lang="en-US" sz="2000" dirty="0"/>
-          </a:p>
-          <a:p>
-            <a:pPr marL="573088" lvl="1" indent="-342900">
-              <a:buFont typeface="Arial" panose="020B0604020202020204" pitchFamily="34" charset="0"/>
-              <a:buChar char="•"/>
-            </a:pPr>
-            <a:r>
-              <a:rPr lang="en-US" sz="2000" dirty="0" err="1"/>
-              <a:t>Web.config</a:t>
-            </a:r>
-            <a:endParaRPr lang="en-US" sz="2000" dirty="0"/>
-          </a:p>
-          <a:p>
-            <a:pPr marL="573088" lvl="1" indent="-342900">
-              <a:buFont typeface="Arial" panose="020B0604020202020204" pitchFamily="34" charset="0"/>
-              <a:buChar char="•"/>
-            </a:pPr>
-            <a:r>
-              <a:rPr lang="en-US" sz="2000" dirty="0" err="1"/>
-              <a:t>Person.cs</a:t>
-            </a:r>
-            <a:endParaRPr lang="en-US" sz="2000" dirty="0"/>
-          </a:p>
-          <a:p>
-            <a:pPr marL="573088" lvl="1" indent="-342900">
-              <a:buFont typeface="Arial" panose="020B0604020202020204" pitchFamily="34" charset="0"/>
-              <a:buChar char="•"/>
-            </a:pPr>
-            <a:r>
-              <a:rPr lang="en-US" sz="2000" dirty="0" err="1"/>
-              <a:t>PersonController.cs</a:t>
-            </a:r>
-            <a:endParaRPr lang="en-US" sz="2000" dirty="0"/>
-          </a:p>
-          <a:p>
             <a:pPr marL="573088" lvl="1" indent="-342900">
               <a:buFont typeface="Arial" panose="020B0604020202020204" pitchFamily="34" charset="0"/>
               <a:buChar char="•"/>
@@ -13619,7 +9084,7 @@
     </p:spTree>
     <p:extLst>
       <p:ext uri="{BB962C8B-B14F-4D97-AF65-F5344CB8AC3E}">
-        <p14:creationId xmlns:p14="http://schemas.microsoft.com/office/powerpoint/2010/main" val="2942029158"/>
+        <p14:creationId xmlns:p14="http://schemas.microsoft.com/office/powerpoint/2010/main" val="4291799914"/>
       </p:ext>
     </p:extLst>
   </p:cSld>
@@ -13663,7 +9128,7 @@
           <a:p>
             <a:r>
               <a:rPr lang="en-US" dirty="0"/>
-              <a:t>Angular: Starting a new project</a:t>
+              <a:t>ASP.NET Core</a:t>
             </a:r>
           </a:p>
         </p:txBody>
@@ -13683,109 +9148,43 @@
           <a:bodyPr/>
           <a:lstStyle/>
           <a:p>
-            <a:pPr marL="457200" indent="-457200">
-              <a:buAutoNum type="arabicPeriod"/>
+            <a:pPr marL="342900" indent="-342900">
+              <a:buFont typeface="Arial" panose="020B0604020202020204" pitchFamily="34" charset="0"/>
+              <a:buChar char="•"/>
             </a:pPr>
             <a:r>
-              <a:rPr lang="en-US" dirty="0" err="1"/>
-              <a:t>npm</a:t>
-            </a:r>
-            <a:r>
               <a:rPr lang="en-US" dirty="0"/>
-              <a:t> install –g @angular/cli</a:t>
-            </a:r>
-          </a:p>
-          <a:p>
-            <a:pPr marL="457200" indent="-457200">
-              <a:buAutoNum type="arabicPeriod"/>
+              <a:t>Runs as a "command line" app, uses Kestrel server</a:t>
+            </a:r>
+          </a:p>
+          <a:p>
+            <a:pPr marL="342900" indent="-342900">
+              <a:buFont typeface="Arial" panose="020B0604020202020204" pitchFamily="34" charset="0"/>
+              <a:buChar char="•"/>
+            </a:pPr>
+            <a:r>
+              <a:rPr lang="en-US" dirty="0"/>
+              <a:t>Controllers contain methods</a:t>
+            </a:r>
+          </a:p>
+          <a:p>
+            <a:pPr marL="342900" indent="-342900">
+              <a:buFont typeface="Arial" panose="020B0604020202020204" pitchFamily="34" charset="0"/>
+              <a:buChar char="•"/>
+            </a:pPr>
+            <a:r>
+              <a:rPr lang="en-US" dirty="0"/>
+              <a:t>Can run on .NET or .NET Core</a:t>
+            </a:r>
+          </a:p>
+          <a:p>
+            <a:pPr marL="342900" indent="-342900">
+              <a:buFont typeface="Arial" panose="020B0604020202020204" pitchFamily="34" charset="0"/>
+              <a:buChar char="•"/>
             </a:pPr>
             <a:endParaRPr lang="en-US" dirty="0"/>
           </a:p>
           <a:p>
-            <a:pPr marL="457200" indent="-457200">
-              <a:buAutoNum type="arabicPeriod"/>
-            </a:pPr>
-            <a:r>
-              <a:rPr lang="en-US" dirty="0"/>
-              <a:t>ng new &lt;</a:t>
-            </a:r>
-            <a:r>
-              <a:rPr lang="en-US" dirty="0" err="1"/>
-              <a:t>yourprojectname</a:t>
-            </a:r>
-            <a:r>
-              <a:rPr lang="en-US" dirty="0"/>
-              <a:t>&gt;</a:t>
-            </a:r>
-          </a:p>
-          <a:p>
-            <a:pPr marL="457200" indent="-457200">
-              <a:buAutoNum type="arabicPeriod"/>
-            </a:pPr>
-            <a:endParaRPr lang="en-US" dirty="0"/>
-          </a:p>
-          <a:p>
-            <a:pPr marL="457200" indent="-457200">
-              <a:buAutoNum type="arabicPeriod"/>
-            </a:pPr>
-            <a:r>
-              <a:rPr lang="en-US" dirty="0"/>
-              <a:t>ng generate component &lt;</a:t>
-            </a:r>
-            <a:r>
-              <a:rPr lang="en-US" dirty="0" err="1"/>
-              <a:t>componentname</a:t>
-            </a:r>
-            <a:r>
-              <a:rPr lang="en-US" dirty="0"/>
-              <a:t>&gt;</a:t>
-            </a:r>
-          </a:p>
-          <a:p>
-            <a:pPr marL="457200" indent="-457200">
-              <a:buAutoNum type="arabicPeriod"/>
-            </a:pPr>
-            <a:endParaRPr lang="en-US" dirty="0"/>
-          </a:p>
-          <a:p>
-            <a:pPr marL="457200" indent="-457200">
-              <a:buAutoNum type="arabicPeriod"/>
-            </a:pPr>
-            <a:r>
-              <a:rPr lang="en-US" dirty="0"/>
-              <a:t>ng build</a:t>
-            </a:r>
-          </a:p>
-          <a:p>
-            <a:pPr marL="457200" indent="-457200">
-              <a:buAutoNum type="arabicPeriod"/>
-            </a:pPr>
-            <a:endParaRPr lang="en-US" dirty="0"/>
-          </a:p>
-          <a:p>
-            <a:pPr marL="457200" indent="-457200">
-              <a:buAutoNum type="arabicPeriod"/>
-            </a:pPr>
-            <a:r>
-              <a:rPr lang="en-US" dirty="0"/>
-              <a:t>ng serve</a:t>
-            </a:r>
-          </a:p>
-          <a:p>
-            <a:r>
-              <a:rPr lang="en-US" dirty="0"/>
-              <a:t>	</a:t>
-            </a:r>
-            <a:r>
-              <a:rPr lang="en-US" sz="1400" dirty="0"/>
-              <a:t>access via http://localhost:4200</a:t>
-            </a:r>
-            <a:endParaRPr lang="en-US" dirty="0"/>
-          </a:p>
-          <a:p>
-            <a:pPr marL="457200" indent="-457200">
-              <a:buAutoNum type="arabicPeriod"/>
-            </a:pPr>
             <a:endParaRPr lang="en-US" dirty="0"/>
           </a:p>
         </p:txBody>
@@ -13793,7 +9192,7 @@
     </p:spTree>
     <p:extLst>
       <p:ext uri="{BB962C8B-B14F-4D97-AF65-F5344CB8AC3E}">
-        <p14:creationId xmlns:p14="http://schemas.microsoft.com/office/powerpoint/2010/main" val="2927193572"/>
+        <p14:creationId xmlns:p14="http://schemas.microsoft.com/office/powerpoint/2010/main" val="3601137686"/>
       </p:ext>
     </p:extLst>
   </p:cSld>
@@ -13837,89 +9236,56 @@
           <a:p>
             <a:r>
               <a:rPr lang="en-US" dirty="0"/>
-              <a:t>Angular / </a:t>
-            </a:r>
-            <a:r>
-              <a:rPr lang="en-US" dirty="0" err="1"/>
-              <a:t>TypeScript</a:t>
-            </a:r>
-            <a:endParaRPr lang="en-US" dirty="0"/>
+              <a:t>ASP.NET vs ASP.NET Core</a:t>
+            </a:r>
           </a:p>
         </p:txBody>
       </p:sp>
-      <p:sp>
-        <p:nvSpPr>
-          <p:cNvPr id="3" name="Content Placeholder 2"/>
-          <p:cNvSpPr>
-            <a:spLocks noGrp="1"/>
-          </p:cNvSpPr>
-          <p:nvPr>
-            <p:ph idx="1"/>
-          </p:nvPr>
-        </p:nvSpPr>
-        <p:spPr/>
-        <p:txBody>
-          <a:bodyPr/>
-          <a:lstStyle/>
-          <a:p>
-            <a:pPr marL="342900" indent="-342900">
-              <a:buFont typeface="Arial" panose="020B0604020202020204" pitchFamily="34" charset="0"/>
-              <a:buChar char="•"/>
-            </a:pPr>
-            <a:r>
-              <a:rPr lang="en-US" dirty="0" err="1"/>
-              <a:t>TypeScript</a:t>
-            </a:r>
-            <a:r>
-              <a:rPr lang="en-US" dirty="0"/>
-              <a:t> “compiles” to JavaScript</a:t>
-            </a:r>
-          </a:p>
-          <a:p>
-            <a:pPr marL="342900" indent="-342900">
-              <a:buFont typeface="Arial" panose="020B0604020202020204" pitchFamily="34" charset="0"/>
-              <a:buChar char="•"/>
-            </a:pPr>
-            <a:r>
-              <a:rPr lang="en-US" dirty="0" err="1"/>
-              <a:t>Polyfills</a:t>
-            </a:r>
-            <a:r>
-              <a:rPr lang="en-US" dirty="0"/>
-              <a:t> are included by default</a:t>
-            </a:r>
-          </a:p>
-          <a:p>
-            <a:pPr marL="342900" indent="-342900">
-              <a:buFont typeface="Arial" panose="020B0604020202020204" pitchFamily="34" charset="0"/>
-              <a:buChar char="•"/>
-            </a:pPr>
-            <a:r>
-              <a:rPr lang="en-US" dirty="0"/>
-              <a:t>Compiled into a ‘</a:t>
-            </a:r>
-            <a:r>
-              <a:rPr lang="en-US" dirty="0" err="1"/>
-              <a:t>dist</a:t>
-            </a:r>
-            <a:r>
-              <a:rPr lang="en-US" dirty="0"/>
-              <a:t>’ folder</a:t>
-            </a:r>
-          </a:p>
-          <a:p>
-            <a:pPr marL="342900" indent="-342900">
-              <a:buFont typeface="Arial" panose="020B0604020202020204" pitchFamily="34" charset="0"/>
-              <a:buChar char="•"/>
-            </a:pPr>
-            <a:endParaRPr lang="en-US" dirty="0"/>
-          </a:p>
-        </p:txBody>
-      </p:sp>
+      <p:pic>
+        <p:nvPicPr>
+          <p:cNvPr id="1026" name="Picture 2" descr="ASP.NET Core 1.0"/>
+          <p:cNvPicPr>
+            <a:picLocks noChangeAspect="1" noChangeArrowheads="1"/>
+          </p:cNvPicPr>
+          <p:nvPr/>
+        </p:nvPicPr>
+        <p:blipFill>
+          <a:blip r:embed="rId3">
+            <a:extLst>
+              <a:ext uri="{28A0092B-C50C-407E-A947-70E740481C1C}">
+                <a14:useLocalDpi xmlns:a14="http://schemas.microsoft.com/office/drawing/2010/main" val="0"/>
+              </a:ext>
+            </a:extLst>
+          </a:blip>
+          <a:srcRect/>
+          <a:stretch>
+            <a:fillRect/>
+          </a:stretch>
+        </p:blipFill>
+        <p:spPr bwMode="auto">
+          <a:xfrm>
+            <a:off x="719627" y="765386"/>
+            <a:ext cx="7477125" cy="4054263"/>
+          </a:xfrm>
+          <a:prstGeom prst="rect">
+            <a:avLst/>
+          </a:prstGeom>
+          <a:noFill/>
+          <a:extLst>
+            <a:ext uri="{909E8E84-426E-40DD-AFC4-6F175D3DCCD1}">
+              <a14:hiddenFill xmlns:a14="http://schemas.microsoft.com/office/drawing/2010/main">
+                <a:solidFill>
+                  <a:srgbClr val="FFFFFF"/>
+                </a:solidFill>
+              </a14:hiddenFill>
+            </a:ext>
+          </a:extLst>
+        </p:spPr>
+      </p:pic>
     </p:spTree>
     <p:extLst>
       <p:ext uri="{BB962C8B-B14F-4D97-AF65-F5344CB8AC3E}">
-        <p14:creationId xmlns:p14="http://schemas.microsoft.com/office/powerpoint/2010/main" val="867967636"/>
+        <p14:creationId xmlns:p14="http://schemas.microsoft.com/office/powerpoint/2010/main" val="2096479416"/>
       </p:ext>
     </p:extLst>
   </p:cSld>
@@ -13963,82 +9329,339 @@
           <a:p>
             <a:r>
               <a:rPr lang="en-US" dirty="0"/>
-              <a:t>Dependencies</a:t>
+              <a:t>ASP.NET vs ASP.NET Core</a:t>
             </a:r>
           </a:p>
         </p:txBody>
       </p:sp>
-      <p:sp>
-        <p:nvSpPr>
-          <p:cNvPr id="3" name="Content Placeholder 2"/>
-          <p:cNvSpPr>
-            <a:spLocks noGrp="1"/>
-          </p:cNvSpPr>
+      <p:graphicFrame>
+        <p:nvGraphicFramePr>
+          <p:cNvPr id="4" name="Table 3"/>
+          <p:cNvGraphicFramePr>
+            <a:graphicFrameLocks noGrp="1"/>
+          </p:cNvGraphicFramePr>
           <p:nvPr>
-            <p:ph idx="1"/>
+            <p:extLst>
+              <p:ext uri="{D42A27DB-BD31-4B8C-83A1-F6EECF244321}">
+                <p14:modId xmlns:p14="http://schemas.microsoft.com/office/powerpoint/2010/main" val="3951420896"/>
+              </p:ext>
+            </p:extLst>
           </p:nvPr>
-        </p:nvSpPr>
-        <p:spPr/>
-        <p:txBody>
-          <a:bodyPr/>
-          <a:lstStyle/>
-          <a:p>
-            <a:pPr marL="342900" indent="-342900">
-              <a:buFont typeface="Arial" panose="020B0604020202020204" pitchFamily="34" charset="0"/>
-              <a:buChar char="•"/>
-            </a:pPr>
-            <a:r>
-              <a:rPr lang="en-US" dirty="0" err="1"/>
-              <a:t>app.module.ts</a:t>
-            </a:r>
-            <a:endParaRPr lang="en-US" dirty="0"/>
-          </a:p>
-          <a:p>
-            <a:pPr marL="573088" lvl="1" indent="-342900">
-              <a:buFont typeface="Arial" panose="020B0604020202020204" pitchFamily="34" charset="0"/>
-              <a:buChar char="•"/>
-            </a:pPr>
-            <a:r>
-              <a:rPr lang="en-US" dirty="0"/>
-              <a:t>Declare the components</a:t>
-            </a:r>
-          </a:p>
-          <a:p>
-            <a:pPr marL="573088" lvl="1" indent="-342900">
-              <a:buFont typeface="Arial" panose="020B0604020202020204" pitchFamily="34" charset="0"/>
-              <a:buChar char="•"/>
-            </a:pPr>
-            <a:r>
-              <a:rPr lang="en-US" dirty="0"/>
-              <a:t>Setup the imports (dependencies)</a:t>
-            </a:r>
-          </a:p>
-          <a:p>
-            <a:pPr marL="573088" lvl="1" indent="-342900">
-              <a:buFont typeface="Arial" panose="020B0604020202020204" pitchFamily="34" charset="0"/>
-              <a:buChar char="•"/>
-            </a:pPr>
-            <a:r>
-              <a:rPr lang="en-US" dirty="0"/>
-              <a:t>Setup the providers</a:t>
-            </a:r>
-          </a:p>
-          <a:p>
-            <a:pPr marL="573088" lvl="1" indent="-342900">
-              <a:buFont typeface="Arial" panose="020B0604020202020204" pitchFamily="34" charset="0"/>
-              <a:buChar char="•"/>
-            </a:pPr>
-            <a:r>
-              <a:rPr lang="en-US" dirty="0"/>
-              <a:t>Setup the bootstrap component</a:t>
-            </a:r>
-          </a:p>
-        </p:txBody>
-      </p:sp>
+        </p:nvGraphicFramePr>
+        <p:xfrm>
+          <a:off x="374260" y="686054"/>
+          <a:ext cx="8283966" cy="3536131"/>
+        </p:xfrm>
+        <a:graphic>
+          <a:graphicData uri="http://schemas.openxmlformats.org/drawingml/2006/table">
+            <a:tbl>
+              <a:tblPr firstRow="1" bandRow="1">
+                <a:tableStyleId>{5C22544A-7EE6-4342-B048-85BDC9FD1C3A}</a:tableStyleId>
+              </a:tblPr>
+              <a:tblGrid>
+                <a:gridCol w="2761322">
+                  <a:extLst>
+                    <a:ext uri="{9D8B030D-6E8A-4147-A177-3AD203B41FA5}">
+                      <a16:colId xmlns:a16="http://schemas.microsoft.com/office/drawing/2014/main" val="2464808185"/>
+                    </a:ext>
+                  </a:extLst>
+                </a:gridCol>
+                <a:gridCol w="2761322">
+                  <a:extLst>
+                    <a:ext uri="{9D8B030D-6E8A-4147-A177-3AD203B41FA5}">
+                      <a16:colId xmlns:a16="http://schemas.microsoft.com/office/drawing/2014/main" val="2276195255"/>
+                    </a:ext>
+                  </a:extLst>
+                </a:gridCol>
+                <a:gridCol w="2761322">
+                  <a:extLst>
+                    <a:ext uri="{9D8B030D-6E8A-4147-A177-3AD203B41FA5}">
+                      <a16:colId xmlns:a16="http://schemas.microsoft.com/office/drawing/2014/main" val="3347861423"/>
+                    </a:ext>
+                  </a:extLst>
+                </a:gridCol>
+              </a:tblGrid>
+              <a:tr h="536671">
+                <a:tc>
+                  <a:txBody>
+                    <a:bodyPr/>
+                    <a:lstStyle/>
+                    <a:p>
+                      <a:endParaRPr lang="en-US" sz="2400" dirty="0"/>
+                    </a:p>
+                  </a:txBody>
+                  <a:tcPr/>
+                </a:tc>
+                <a:tc>
+                  <a:txBody>
+                    <a:bodyPr/>
+                    <a:lstStyle/>
+                    <a:p>
+                      <a:r>
+                        <a:rPr lang="en-US" sz="2400" dirty="0"/>
+                        <a:t>ASP.NET</a:t>
+                      </a:r>
+                    </a:p>
+                  </a:txBody>
+                  <a:tcPr/>
+                </a:tc>
+                <a:tc>
+                  <a:txBody>
+                    <a:bodyPr/>
+                    <a:lstStyle/>
+                    <a:p>
+                      <a:r>
+                        <a:rPr lang="en-US" sz="2400" dirty="0"/>
+                        <a:t>ASP.NET Core</a:t>
+                      </a:r>
+                    </a:p>
+                  </a:txBody>
+                  <a:tcPr/>
+                </a:tc>
+                <a:extLst>
+                  <a:ext uri="{0D108BD9-81ED-4DB2-BD59-A6C34878D82A}">
+                    <a16:rowId xmlns:a16="http://schemas.microsoft.com/office/drawing/2014/main" val="1879406946"/>
+                  </a:ext>
+                </a:extLst>
+              </a:tr>
+              <a:tr h="544125">
+                <a:tc>
+                  <a:txBody>
+                    <a:bodyPr/>
+                    <a:lstStyle/>
+                    <a:p>
+                      <a:r>
+                        <a:rPr lang="en-US" sz="2400" dirty="0"/>
+                        <a:t>Cross platform?</a:t>
+                      </a:r>
+                    </a:p>
+                  </a:txBody>
+                  <a:tcPr/>
+                </a:tc>
+                <a:tc>
+                  <a:txBody>
+                    <a:bodyPr/>
+                    <a:lstStyle/>
+                    <a:p>
+                      <a:r>
+                        <a:rPr lang="en-US" sz="2400" dirty="0"/>
+                        <a:t>No</a:t>
+                      </a:r>
+                    </a:p>
+                  </a:txBody>
+                  <a:tcPr/>
+                </a:tc>
+                <a:tc>
+                  <a:txBody>
+                    <a:bodyPr/>
+                    <a:lstStyle/>
+                    <a:p>
+                      <a:r>
+                        <a:rPr lang="en-US" sz="2400" dirty="0"/>
+                        <a:t>Yes</a:t>
+                      </a:r>
+                    </a:p>
+                  </a:txBody>
+                  <a:tcPr/>
+                </a:tc>
+                <a:extLst>
+                  <a:ext uri="{0D108BD9-81ED-4DB2-BD59-A6C34878D82A}">
+                    <a16:rowId xmlns:a16="http://schemas.microsoft.com/office/drawing/2014/main" val="1160089220"/>
+                  </a:ext>
+                </a:extLst>
+              </a:tr>
+              <a:tr h="544125">
+                <a:tc>
+                  <a:txBody>
+                    <a:bodyPr/>
+                    <a:lstStyle/>
+                    <a:p>
+                      <a:r>
+                        <a:rPr lang="en-US" sz="2400" dirty="0"/>
+                        <a:t>Can use Kestrel?</a:t>
+                      </a:r>
+                    </a:p>
+                  </a:txBody>
+                  <a:tcPr/>
+                </a:tc>
+                <a:tc>
+                  <a:txBody>
+                    <a:bodyPr/>
+                    <a:lstStyle/>
+                    <a:p>
+                      <a:r>
+                        <a:rPr lang="en-US" sz="2400" dirty="0"/>
+                        <a:t>No</a:t>
+                      </a:r>
+                    </a:p>
+                  </a:txBody>
+                  <a:tcPr/>
+                </a:tc>
+                <a:tc>
+                  <a:txBody>
+                    <a:bodyPr/>
+                    <a:lstStyle/>
+                    <a:p>
+                      <a:r>
+                        <a:rPr lang="en-US" sz="2400" dirty="0"/>
+                        <a:t>Yes</a:t>
+                      </a:r>
+                    </a:p>
+                  </a:txBody>
+                  <a:tcPr/>
+                </a:tc>
+                <a:extLst>
+                  <a:ext uri="{0D108BD9-81ED-4DB2-BD59-A6C34878D82A}">
+                    <a16:rowId xmlns:a16="http://schemas.microsoft.com/office/drawing/2014/main" val="4114928230"/>
+                  </a:ext>
+                </a:extLst>
+              </a:tr>
+              <a:tr h="544125">
+                <a:tc>
+                  <a:txBody>
+                    <a:bodyPr/>
+                    <a:lstStyle/>
+                    <a:p>
+                      <a:r>
+                        <a:rPr lang="en-US" sz="2400" dirty="0"/>
+                        <a:t>Can use IIS?</a:t>
+                      </a:r>
+                    </a:p>
+                  </a:txBody>
+                  <a:tcPr/>
+                </a:tc>
+                <a:tc>
+                  <a:txBody>
+                    <a:bodyPr/>
+                    <a:lstStyle/>
+                    <a:p>
+                      <a:r>
+                        <a:rPr lang="en-US" sz="2400" dirty="0"/>
+                        <a:t>Yes (required)</a:t>
+                      </a:r>
+                    </a:p>
+                  </a:txBody>
+                  <a:tcPr/>
+                </a:tc>
+                <a:tc>
+                  <a:txBody>
+                    <a:bodyPr/>
+                    <a:lstStyle/>
+                    <a:p>
+                      <a:r>
+                        <a:rPr lang="en-US" sz="2400" dirty="0"/>
+                        <a:t>Yes</a:t>
+                      </a:r>
+                    </a:p>
+                  </a:txBody>
+                  <a:tcPr/>
+                </a:tc>
+                <a:extLst>
+                  <a:ext uri="{0D108BD9-81ED-4DB2-BD59-A6C34878D82A}">
+                    <a16:rowId xmlns:a16="http://schemas.microsoft.com/office/drawing/2014/main" val="263318779"/>
+                  </a:ext>
+                </a:extLst>
+              </a:tr>
+              <a:tr h="544125">
+                <a:tc>
+                  <a:txBody>
+                    <a:bodyPr/>
+                    <a:lstStyle/>
+                    <a:p>
+                      <a:r>
+                        <a:rPr lang="en-US" sz="2400" dirty="0"/>
+                        <a:t>Works on Full .NET?</a:t>
+                      </a:r>
+                    </a:p>
+                  </a:txBody>
+                  <a:tcPr/>
+                </a:tc>
+                <a:tc>
+                  <a:txBody>
+                    <a:bodyPr/>
+                    <a:lstStyle/>
+                    <a:p>
+                      <a:r>
+                        <a:rPr lang="en-US" sz="2400" dirty="0"/>
+                        <a:t>Yes</a:t>
+                      </a:r>
+                    </a:p>
+                  </a:txBody>
+                  <a:tcPr/>
+                </a:tc>
+                <a:tc>
+                  <a:txBody>
+                    <a:bodyPr/>
+                    <a:lstStyle/>
+                    <a:p>
+                      <a:r>
+                        <a:rPr lang="en-US" sz="2400" dirty="0"/>
+                        <a:t>Yes</a:t>
+                      </a:r>
+                    </a:p>
+                  </a:txBody>
+                  <a:tcPr/>
+                </a:tc>
+                <a:extLst>
+                  <a:ext uri="{0D108BD9-81ED-4DB2-BD59-A6C34878D82A}">
+                    <a16:rowId xmlns:a16="http://schemas.microsoft.com/office/drawing/2014/main" val="4276864228"/>
+                  </a:ext>
+                </a:extLst>
+              </a:tr>
+              <a:tr h="544125">
+                <a:tc>
+                  <a:txBody>
+                    <a:bodyPr/>
+                    <a:lstStyle/>
+                    <a:p>
+                      <a:r>
+                        <a:rPr lang="en-US" sz="2400" dirty="0"/>
+                        <a:t>Works on .NET Core?</a:t>
+                      </a:r>
+                    </a:p>
+                  </a:txBody>
+                  <a:tcPr/>
+                </a:tc>
+                <a:tc>
+                  <a:txBody>
+                    <a:bodyPr/>
+                    <a:lstStyle/>
+                    <a:p>
+                      <a:r>
+                        <a:rPr lang="en-US" sz="2400" dirty="0"/>
+                        <a:t>No</a:t>
+                      </a:r>
+                    </a:p>
+                  </a:txBody>
+                  <a:tcPr/>
+                </a:tc>
+                <a:tc>
+                  <a:txBody>
+                    <a:bodyPr/>
+                    <a:lstStyle/>
+                    <a:p>
+                      <a:r>
+                        <a:rPr lang="en-US" sz="2400" dirty="0"/>
+                        <a:t>Yes</a:t>
+                      </a:r>
+                    </a:p>
+                  </a:txBody>
+                  <a:tcPr/>
+                </a:tc>
+                <a:extLst>
+                  <a:ext uri="{0D108BD9-81ED-4DB2-BD59-A6C34878D82A}">
+                    <a16:rowId xmlns:a16="http://schemas.microsoft.com/office/drawing/2014/main" val="73464348"/>
+                  </a:ext>
+                </a:extLst>
+              </a:tr>
+            </a:tbl>
+          </a:graphicData>
+        </a:graphic>
+      </p:graphicFrame>
     </p:spTree>
     <p:extLst>
       <p:ext uri="{BB962C8B-B14F-4D97-AF65-F5344CB8AC3E}">
-        <p14:creationId xmlns:p14="http://schemas.microsoft.com/office/powerpoint/2010/main" val="2241331902"/>
+        <p14:creationId xmlns:p14="http://schemas.microsoft.com/office/powerpoint/2010/main" val="3800037293"/>
       </p:ext>
     </p:extLst>
   </p:cSld>

--- a/03/03.pptx
+++ b/03/03.pptx
@@ -6,28 +6,34 @@
     <p:sldMasterId id="2147483684" r:id="rId2"/>
   </p:sldMasterIdLst>
   <p:notesMasterIdLst>
-    <p:notesMasterId r:id="rId19"/>
+    <p:notesMasterId r:id="rId25"/>
   </p:notesMasterIdLst>
   <p:handoutMasterIdLst>
-    <p:handoutMasterId r:id="rId20"/>
+    <p:handoutMasterId r:id="rId26"/>
   </p:handoutMasterIdLst>
   <p:sldIdLst>
     <p:sldId id="444" r:id="rId3"/>
     <p:sldId id="445" r:id="rId4"/>
     <p:sldId id="496" r:id="rId5"/>
-    <p:sldId id="494" r:id="rId6"/>
-    <p:sldId id="500" r:id="rId7"/>
-    <p:sldId id="503" r:id="rId8"/>
-    <p:sldId id="504" r:id="rId9"/>
-    <p:sldId id="506" r:id="rId10"/>
-    <p:sldId id="505" r:id="rId11"/>
-    <p:sldId id="508" r:id="rId12"/>
-    <p:sldId id="507" r:id="rId13"/>
-    <p:sldId id="509" r:id="rId14"/>
-    <p:sldId id="498" r:id="rId15"/>
-    <p:sldId id="502" r:id="rId16"/>
-    <p:sldId id="501" r:id="rId17"/>
-    <p:sldId id="484" r:id="rId18"/>
+    <p:sldId id="503" r:id="rId6"/>
+    <p:sldId id="504" r:id="rId7"/>
+    <p:sldId id="506" r:id="rId8"/>
+    <p:sldId id="505" r:id="rId9"/>
+    <p:sldId id="508" r:id="rId10"/>
+    <p:sldId id="507" r:id="rId11"/>
+    <p:sldId id="509" r:id="rId12"/>
+    <p:sldId id="512" r:id="rId13"/>
+    <p:sldId id="513" r:id="rId14"/>
+    <p:sldId id="515" r:id="rId15"/>
+    <p:sldId id="514" r:id="rId16"/>
+    <p:sldId id="516" r:id="rId17"/>
+    <p:sldId id="517" r:id="rId18"/>
+    <p:sldId id="484" r:id="rId19"/>
+    <p:sldId id="510" r:id="rId20"/>
+    <p:sldId id="518" r:id="rId21"/>
+    <p:sldId id="519" r:id="rId22"/>
+    <p:sldId id="520" r:id="rId23"/>
+    <p:sldId id="511" r:id="rId24"/>
   </p:sldIdLst>
   <p:sldSz cx="9144000" cy="5143500" type="screen16x9"/>
   <p:notesSz cx="6858000" cy="9144000"/>
@@ -134,8 +140,6 @@
             <p14:sldId id="444"/>
             <p14:sldId id="445"/>
             <p14:sldId id="496"/>
-            <p14:sldId id="494"/>
-            <p14:sldId id="500"/>
             <p14:sldId id="503"/>
             <p14:sldId id="504"/>
             <p14:sldId id="506"/>
@@ -143,10 +147,18 @@
             <p14:sldId id="508"/>
             <p14:sldId id="507"/>
             <p14:sldId id="509"/>
-            <p14:sldId id="498"/>
-            <p14:sldId id="502"/>
-            <p14:sldId id="501"/>
+            <p14:sldId id="512"/>
+            <p14:sldId id="513"/>
+            <p14:sldId id="515"/>
+            <p14:sldId id="514"/>
+            <p14:sldId id="516"/>
+            <p14:sldId id="517"/>
             <p14:sldId id="484"/>
+            <p14:sldId id="510"/>
+            <p14:sldId id="518"/>
+            <p14:sldId id="519"/>
+            <p14:sldId id="520"/>
+            <p14:sldId id="511"/>
           </p14:sldIdLst>
         </p14:section>
       </p14:sectionLst>
@@ -824,7 +836,7 @@
           <a:p>
             <a:fld id="{F39351FC-18D6-4741-8EEB-9FDB1F020AAC}" type="slidenum">
               <a:rPr lang="en-US" smtClean="0"/>
-              <a:t>6</a:t>
+              <a:t>4</a:t>
             </a:fld>
             <a:endParaRPr lang="en-US"/>
           </a:p>
@@ -834,6 +846,289 @@
     <p:extLst>
       <p:ext uri="{BB962C8B-B14F-4D97-AF65-F5344CB8AC3E}">
         <p14:creationId xmlns:p14="http://schemas.microsoft.com/office/powerpoint/2010/main" val="1755348127"/>
+      </p:ext>
+    </p:extLst>
+  </p:cSld>
+  <p:clrMapOvr>
+    <a:masterClrMapping/>
+  </p:clrMapOvr>
+</p:notes>
+</file>
+
+<file path=ppt/notesSlides/notesSlide10.xml><?xml version="1.0" encoding="utf-8"?>
+<p:notes xmlns:a="http://schemas.openxmlformats.org/drawingml/2006/main" xmlns:r="http://schemas.openxmlformats.org/officeDocument/2006/relationships" xmlns:p="http://schemas.openxmlformats.org/presentationml/2006/main">
+  <p:cSld>
+    <p:spTree>
+      <p:nvGrpSpPr>
+        <p:cNvPr id="1" name=""/>
+        <p:cNvGrpSpPr/>
+        <p:nvPr/>
+      </p:nvGrpSpPr>
+      <p:grpSpPr>
+        <a:xfrm>
+          <a:off x="0" y="0"/>
+          <a:ext cx="0" cy="0"/>
+          <a:chOff x="0" y="0"/>
+          <a:chExt cx="0" cy="0"/>
+        </a:xfrm>
+      </p:grpSpPr>
+      <p:sp>
+        <p:nvSpPr>
+          <p:cNvPr id="2" name="Slide Image Placeholder 1"/>
+          <p:cNvSpPr>
+            <a:spLocks noGrp="1" noRot="1" noChangeAspect="1"/>
+          </p:cNvSpPr>
+          <p:nvPr>
+            <p:ph type="sldImg"/>
+          </p:nvPr>
+        </p:nvSpPr>
+        <p:spPr/>
+      </p:sp>
+      <p:sp>
+        <p:nvSpPr>
+          <p:cNvPr id="3" name="Notes Placeholder 2"/>
+          <p:cNvSpPr>
+            <a:spLocks noGrp="1"/>
+          </p:cNvSpPr>
+          <p:nvPr>
+            <p:ph type="body" idx="1"/>
+          </p:nvPr>
+        </p:nvSpPr>
+        <p:spPr/>
+        <p:txBody>
+          <a:bodyPr/>
+          <a:lstStyle/>
+          <a:p>
+            <a:r>
+              <a:rPr lang="en-US" dirty="0"/>
+              <a:t>I got a little bleary-eyed at this part, so I hope I'm wrong, but I don't think I am</a:t>
+            </a:r>
+          </a:p>
+          <a:p>
+            <a:endParaRPr lang="en-US" dirty="0"/>
+          </a:p>
+          <a:p>
+            <a:r>
+              <a:rPr lang="en-US" dirty="0"/>
+              <a:t>There may be more global options for </a:t>
+            </a:r>
+            <a:r>
+              <a:rPr lang="en-US" dirty="0" err="1"/>
+              <a:t>PascalCasing</a:t>
+            </a:r>
+            <a:r>
+              <a:rPr lang="en-US" dirty="0"/>
+              <a:t> </a:t>
+            </a:r>
+            <a:r>
+              <a:rPr lang="en-US" dirty="0" err="1"/>
+              <a:t>en</a:t>
+            </a:r>
+            <a:r>
+              <a:rPr lang="en-US" dirty="0"/>
+              <a:t> masse, not needed for this workshop</a:t>
+            </a:r>
+          </a:p>
+        </p:txBody>
+      </p:sp>
+      <p:sp>
+        <p:nvSpPr>
+          <p:cNvPr id="4" name="Slide Number Placeholder 3"/>
+          <p:cNvSpPr>
+            <a:spLocks noGrp="1"/>
+          </p:cNvSpPr>
+          <p:nvPr>
+            <p:ph type="sldNum" sz="quarter" idx="10"/>
+          </p:nvPr>
+        </p:nvSpPr>
+        <p:spPr/>
+        <p:txBody>
+          <a:bodyPr/>
+          <a:lstStyle/>
+          <a:p>
+            <a:fld id="{F39351FC-18D6-4741-8EEB-9FDB1F020AAC}" type="slidenum">
+              <a:rPr lang="en-US" smtClean="0"/>
+              <a:t>16</a:t>
+            </a:fld>
+            <a:endParaRPr lang="en-US"/>
+          </a:p>
+        </p:txBody>
+      </p:sp>
+    </p:spTree>
+    <p:extLst>
+      <p:ext uri="{BB962C8B-B14F-4D97-AF65-F5344CB8AC3E}">
+        <p14:creationId xmlns:p14="http://schemas.microsoft.com/office/powerpoint/2010/main" val="3179598985"/>
+      </p:ext>
+    </p:extLst>
+  </p:cSld>
+  <p:clrMapOvr>
+    <a:masterClrMapping/>
+  </p:clrMapOvr>
+</p:notes>
+</file>
+
+<file path=ppt/notesSlides/notesSlide11.xml><?xml version="1.0" encoding="utf-8"?>
+<p:notes xmlns:a="http://schemas.openxmlformats.org/drawingml/2006/main" xmlns:r="http://schemas.openxmlformats.org/officeDocument/2006/relationships" xmlns:p="http://schemas.openxmlformats.org/presentationml/2006/main">
+  <p:cSld>
+    <p:spTree>
+      <p:nvGrpSpPr>
+        <p:cNvPr id="1" name=""/>
+        <p:cNvGrpSpPr/>
+        <p:nvPr/>
+      </p:nvGrpSpPr>
+      <p:grpSpPr>
+        <a:xfrm>
+          <a:off x="0" y="0"/>
+          <a:ext cx="0" cy="0"/>
+          <a:chOff x="0" y="0"/>
+          <a:chExt cx="0" cy="0"/>
+        </a:xfrm>
+      </p:grpSpPr>
+      <p:sp>
+        <p:nvSpPr>
+          <p:cNvPr id="2" name="Slide Image Placeholder 1"/>
+          <p:cNvSpPr>
+            <a:spLocks noGrp="1" noRot="1" noChangeAspect="1"/>
+          </p:cNvSpPr>
+          <p:nvPr>
+            <p:ph type="sldImg"/>
+          </p:nvPr>
+        </p:nvSpPr>
+        <p:spPr/>
+      </p:sp>
+      <p:sp>
+        <p:nvSpPr>
+          <p:cNvPr id="3" name="Notes Placeholder 2"/>
+          <p:cNvSpPr>
+            <a:spLocks noGrp="1"/>
+          </p:cNvSpPr>
+          <p:nvPr>
+            <p:ph type="body" idx="1"/>
+          </p:nvPr>
+        </p:nvSpPr>
+        <p:spPr/>
+        <p:txBody>
+          <a:bodyPr/>
+          <a:lstStyle/>
+          <a:p>
+            <a:r>
+              <a:rPr lang="en-US" dirty="0"/>
+              <a:t>If all else fails, you can test with your browser</a:t>
+            </a:r>
+          </a:p>
+        </p:txBody>
+      </p:sp>
+      <p:sp>
+        <p:nvSpPr>
+          <p:cNvPr id="4" name="Slide Number Placeholder 3"/>
+          <p:cNvSpPr>
+            <a:spLocks noGrp="1"/>
+          </p:cNvSpPr>
+          <p:nvPr>
+            <p:ph type="sldNum" sz="quarter" idx="10"/>
+          </p:nvPr>
+        </p:nvSpPr>
+        <p:spPr/>
+        <p:txBody>
+          <a:bodyPr/>
+          <a:lstStyle/>
+          <a:p>
+            <a:fld id="{F39351FC-18D6-4741-8EEB-9FDB1F020AAC}" type="slidenum">
+              <a:rPr lang="en-US" smtClean="0"/>
+              <a:t>18</a:t>
+            </a:fld>
+            <a:endParaRPr lang="en-US"/>
+          </a:p>
+        </p:txBody>
+      </p:sp>
+    </p:spTree>
+    <p:extLst>
+      <p:ext uri="{BB962C8B-B14F-4D97-AF65-F5344CB8AC3E}">
+        <p14:creationId xmlns:p14="http://schemas.microsoft.com/office/powerpoint/2010/main" val="2491276630"/>
+      </p:ext>
+    </p:extLst>
+  </p:cSld>
+  <p:clrMapOvr>
+    <a:masterClrMapping/>
+  </p:clrMapOvr>
+</p:notes>
+</file>
+
+<file path=ppt/notesSlides/notesSlide12.xml><?xml version="1.0" encoding="utf-8"?>
+<p:notes xmlns:a="http://schemas.openxmlformats.org/drawingml/2006/main" xmlns:r="http://schemas.openxmlformats.org/officeDocument/2006/relationships" xmlns:p="http://schemas.openxmlformats.org/presentationml/2006/main">
+  <p:cSld>
+    <p:spTree>
+      <p:nvGrpSpPr>
+        <p:cNvPr id="1" name=""/>
+        <p:cNvGrpSpPr/>
+        <p:nvPr/>
+      </p:nvGrpSpPr>
+      <p:grpSpPr>
+        <a:xfrm>
+          <a:off x="0" y="0"/>
+          <a:ext cx="0" cy="0"/>
+          <a:chOff x="0" y="0"/>
+          <a:chExt cx="0" cy="0"/>
+        </a:xfrm>
+      </p:grpSpPr>
+      <p:sp>
+        <p:nvSpPr>
+          <p:cNvPr id="2" name="Slide Image Placeholder 1"/>
+          <p:cNvSpPr>
+            <a:spLocks noGrp="1" noRot="1" noChangeAspect="1"/>
+          </p:cNvSpPr>
+          <p:nvPr>
+            <p:ph type="sldImg"/>
+          </p:nvPr>
+        </p:nvSpPr>
+        <p:spPr/>
+      </p:sp>
+      <p:sp>
+        <p:nvSpPr>
+          <p:cNvPr id="3" name="Notes Placeholder 2"/>
+          <p:cNvSpPr>
+            <a:spLocks noGrp="1"/>
+          </p:cNvSpPr>
+          <p:nvPr>
+            <p:ph type="body" idx="1"/>
+          </p:nvPr>
+        </p:nvSpPr>
+        <p:spPr/>
+        <p:txBody>
+          <a:bodyPr/>
+          <a:lstStyle/>
+          <a:p>
+            <a:endParaRPr lang="en-US" baseline="0" dirty="0"/>
+          </a:p>
+        </p:txBody>
+      </p:sp>
+      <p:sp>
+        <p:nvSpPr>
+          <p:cNvPr id="4" name="Slide Number Placeholder 3"/>
+          <p:cNvSpPr>
+            <a:spLocks noGrp="1"/>
+          </p:cNvSpPr>
+          <p:nvPr>
+            <p:ph type="sldNum" sz="quarter" idx="10"/>
+          </p:nvPr>
+        </p:nvSpPr>
+        <p:spPr/>
+        <p:txBody>
+          <a:bodyPr/>
+          <a:lstStyle/>
+          <a:p>
+            <a:fld id="{F39351FC-18D6-4741-8EEB-9FDB1F020AAC}" type="slidenum">
+              <a:rPr lang="en-US" smtClean="0"/>
+              <a:t>21</a:t>
+            </a:fld>
+            <a:endParaRPr lang="en-US"/>
+          </a:p>
+        </p:txBody>
+      </p:sp>
+    </p:spTree>
+    <p:extLst>
+      <p:ext uri="{BB962C8B-B14F-4D97-AF65-F5344CB8AC3E}">
+        <p14:creationId xmlns:p14="http://schemas.microsoft.com/office/powerpoint/2010/main" val="3201661572"/>
       </p:ext>
     </p:extLst>
   </p:cSld>
@@ -923,7 +1218,7 @@
           <a:p>
             <a:fld id="{F39351FC-18D6-4741-8EEB-9FDB1F020AAC}" type="slidenum">
               <a:rPr lang="en-US" smtClean="0"/>
-              <a:t>7</a:t>
+              <a:t>5</a:t>
             </a:fld>
             <a:endParaRPr lang="en-US"/>
           </a:p>
@@ -1021,7 +1316,7 @@
           <a:p>
             <a:fld id="{F39351FC-18D6-4741-8EEB-9FDB1F020AAC}" type="slidenum">
               <a:rPr lang="en-US" smtClean="0"/>
-              <a:t>8</a:t>
+              <a:t>6</a:t>
             </a:fld>
             <a:endParaRPr lang="en-US"/>
           </a:p>
@@ -1210,7 +1505,7 @@
           <a:p>
             <a:fld id="{F39351FC-18D6-4741-8EEB-9FDB1F020AAC}" type="slidenum">
               <a:rPr lang="en-US" smtClean="0"/>
-              <a:t>9</a:t>
+              <a:t>7</a:t>
             </a:fld>
             <a:endParaRPr lang="en-US"/>
           </a:p>
@@ -1318,7 +1613,7 @@
           <a:p>
             <a:fld id="{F39351FC-18D6-4741-8EEB-9FDB1F020AAC}" type="slidenum">
               <a:rPr lang="en-US" smtClean="0"/>
-              <a:t>10</a:t>
+              <a:t>8</a:t>
             </a:fld>
             <a:endParaRPr lang="en-US"/>
           </a:p>
@@ -1400,7 +1695,7 @@
           <a:p>
             <a:r>
               <a:rPr lang="en-US" dirty="0"/>
-              <a:t>If you've not used MVC before, then you are in for a treat. You may struggle a bit with this workshop</a:t>
+              <a:t>If you've not used MVC you may struggle a bit with this workshop</a:t>
             </a:r>
           </a:p>
           <a:p>
@@ -1467,7 +1762,7 @@
           <a:p>
             <a:fld id="{F39351FC-18D6-4741-8EEB-9FDB1F020AAC}" type="slidenum">
               <a:rPr lang="en-US" smtClean="0"/>
-              <a:t>11</a:t>
+              <a:t>9</a:t>
             </a:fld>
             <a:endParaRPr lang="en-US"/>
           </a:p>
@@ -1532,17 +1827,25 @@
           <a:p>
             <a:r>
               <a:rPr lang="en-US" dirty="0"/>
-              <a:t>We</a:t>
-            </a:r>
-            <a:r>
-              <a:rPr lang="en-US" baseline="0" dirty="0"/>
-              <a:t> started this workshop a while ago, but we haven’t been keeping up with Angular, so you might get an error message if you don’t use 1.0.0-beta.10</a:t>
-            </a:r>
-          </a:p>
-          <a:p>
-            <a:r>
-              <a:rPr lang="en-US" baseline="0" dirty="0"/>
-              <a:t>Then kick off the angular server with ng serve</a:t>
+              <a:t>In this workshop, CORS is turned off. This is because Angular will be running on one port, the backend on another. This will be a CORS violation and the browser will error.</a:t>
+            </a:r>
+          </a:p>
+          <a:p>
+            <a:endParaRPr lang="en-US" dirty="0"/>
+          </a:p>
+          <a:p>
+            <a:r>
+              <a:rPr lang="en-US" dirty="0"/>
+              <a:t>You can ultimately deploy them on the same port, but sometimes you don't want that.</a:t>
+            </a:r>
+          </a:p>
+          <a:p>
+            <a:endParaRPr lang="en-US" dirty="0"/>
+          </a:p>
+          <a:p>
+            <a:r>
+              <a:rPr lang="en-US" dirty="0"/>
+              <a:t>In both these examples, I'm allowing cross-domain requests from anywhere, for anything. That may be fine, but it may not be what you want.</a:t>
             </a:r>
           </a:p>
         </p:txBody>
@@ -1564,7 +1867,7 @@
           <a:p>
             <a:fld id="{F39351FC-18D6-4741-8EEB-9FDB1F020AAC}" type="slidenum">
               <a:rPr lang="en-US" smtClean="0"/>
-              <a:t>15</a:t>
+              <a:t>12</a:t>
             </a:fld>
             <a:endParaRPr lang="en-US"/>
           </a:p>
@@ -1573,7 +1876,300 @@
     </p:spTree>
     <p:extLst>
       <p:ext uri="{BB962C8B-B14F-4D97-AF65-F5344CB8AC3E}">
-        <p14:creationId xmlns:p14="http://schemas.microsoft.com/office/powerpoint/2010/main" val="1659110175"/>
+        <p14:creationId xmlns:p14="http://schemas.microsoft.com/office/powerpoint/2010/main" val="1460629473"/>
+      </p:ext>
+    </p:extLst>
+  </p:cSld>
+  <p:clrMapOvr>
+    <a:masterClrMapping/>
+  </p:clrMapOvr>
+</p:notes>
+</file>
+
+<file path=ppt/notesSlides/notesSlide8.xml><?xml version="1.0" encoding="utf-8"?>
+<p:notes xmlns:a="http://schemas.openxmlformats.org/drawingml/2006/main" xmlns:r="http://schemas.openxmlformats.org/officeDocument/2006/relationships" xmlns:p="http://schemas.openxmlformats.org/presentationml/2006/main">
+  <p:cSld>
+    <p:spTree>
+      <p:nvGrpSpPr>
+        <p:cNvPr id="1" name=""/>
+        <p:cNvGrpSpPr/>
+        <p:nvPr/>
+      </p:nvGrpSpPr>
+      <p:grpSpPr>
+        <a:xfrm>
+          <a:off x="0" y="0"/>
+          <a:ext cx="0" cy="0"/>
+          <a:chOff x="0" y="0"/>
+          <a:chExt cx="0" cy="0"/>
+        </a:xfrm>
+      </p:grpSpPr>
+      <p:sp>
+        <p:nvSpPr>
+          <p:cNvPr id="2" name="Slide Image Placeholder 1"/>
+          <p:cNvSpPr>
+            <a:spLocks noGrp="1" noRot="1" noChangeAspect="1"/>
+          </p:cNvSpPr>
+          <p:nvPr>
+            <p:ph type="sldImg"/>
+          </p:nvPr>
+        </p:nvSpPr>
+        <p:spPr/>
+      </p:sp>
+      <p:sp>
+        <p:nvSpPr>
+          <p:cNvPr id="3" name="Notes Placeholder 2"/>
+          <p:cNvSpPr>
+            <a:spLocks noGrp="1"/>
+          </p:cNvSpPr>
+          <p:nvPr>
+            <p:ph type="body" idx="1"/>
+          </p:nvPr>
+        </p:nvSpPr>
+        <p:spPr/>
+        <p:txBody>
+          <a:bodyPr/>
+          <a:lstStyle/>
+          <a:p>
+            <a:r>
+              <a:rPr lang="en-US" dirty="0"/>
+              <a:t>Application start is where you can setup route configuration, register </a:t>
+            </a:r>
+            <a:r>
+              <a:rPr lang="en-US" dirty="0" err="1"/>
+              <a:t>WebAPI</a:t>
+            </a:r>
+            <a:r>
+              <a:rPr lang="en-US" dirty="0"/>
+              <a:t>, filters, </a:t>
+            </a:r>
+            <a:r>
+              <a:rPr lang="en-US" dirty="0" err="1"/>
+              <a:t>etc</a:t>
+            </a:r>
+            <a:endParaRPr lang="en-US" dirty="0"/>
+          </a:p>
+          <a:p>
+            <a:endParaRPr lang="en-US" dirty="0"/>
+          </a:p>
+          <a:p>
+            <a:r>
+              <a:rPr lang="en-US" dirty="0"/>
+              <a:t>ASP.NET Core is basically a console application. But you aren't going to typically mess with </a:t>
+            </a:r>
+            <a:r>
+              <a:rPr lang="en-US" dirty="0" err="1"/>
+              <a:t>Program.cs</a:t>
+            </a:r>
+            <a:r>
+              <a:rPr lang="en-US" dirty="0"/>
+              <a:t>, certainly not in this workshop</a:t>
+            </a:r>
+          </a:p>
+          <a:p>
+            <a:r>
+              <a:rPr lang="en-US" dirty="0"/>
+              <a:t>Startup class is used by the </a:t>
+            </a:r>
+            <a:r>
+              <a:rPr lang="en-US" dirty="0" err="1"/>
+              <a:t>WebHostBuilder</a:t>
+            </a:r>
+            <a:r>
+              <a:rPr lang="en-US" dirty="0"/>
+              <a:t> in </a:t>
+            </a:r>
+            <a:r>
+              <a:rPr lang="en-US" dirty="0" err="1"/>
+              <a:t>Program.cs</a:t>
+            </a:r>
+            <a:r>
+              <a:rPr lang="en-US" dirty="0"/>
+              <a:t>, this is where </a:t>
+            </a:r>
+            <a:r>
+              <a:rPr lang="en-US" dirty="0" err="1"/>
+              <a:t>you'lll</a:t>
+            </a:r>
+            <a:r>
+              <a:rPr lang="en-US" dirty="0"/>
+              <a:t> do the application startup</a:t>
+            </a:r>
+          </a:p>
+        </p:txBody>
+      </p:sp>
+      <p:sp>
+        <p:nvSpPr>
+          <p:cNvPr id="4" name="Slide Number Placeholder 3"/>
+          <p:cNvSpPr>
+            <a:spLocks noGrp="1"/>
+          </p:cNvSpPr>
+          <p:nvPr>
+            <p:ph type="sldNum" sz="quarter" idx="10"/>
+          </p:nvPr>
+        </p:nvSpPr>
+        <p:spPr/>
+        <p:txBody>
+          <a:bodyPr/>
+          <a:lstStyle/>
+          <a:p>
+            <a:fld id="{F39351FC-18D6-4741-8EEB-9FDB1F020AAC}" type="slidenum">
+              <a:rPr lang="en-US" smtClean="0"/>
+              <a:t>13</a:t>
+            </a:fld>
+            <a:endParaRPr lang="en-US"/>
+          </a:p>
+        </p:txBody>
+      </p:sp>
+    </p:spTree>
+    <p:extLst>
+      <p:ext uri="{BB962C8B-B14F-4D97-AF65-F5344CB8AC3E}">
+        <p14:creationId xmlns:p14="http://schemas.microsoft.com/office/powerpoint/2010/main" val="3330441528"/>
+      </p:ext>
+    </p:extLst>
+  </p:cSld>
+  <p:clrMapOvr>
+    <a:masterClrMapping/>
+  </p:clrMapOvr>
+</p:notes>
+</file>
+
+<file path=ppt/notesSlides/notesSlide9.xml><?xml version="1.0" encoding="utf-8"?>
+<p:notes xmlns:a="http://schemas.openxmlformats.org/drawingml/2006/main" xmlns:r="http://schemas.openxmlformats.org/officeDocument/2006/relationships" xmlns:p="http://schemas.openxmlformats.org/presentationml/2006/main">
+  <p:cSld>
+    <p:spTree>
+      <p:nvGrpSpPr>
+        <p:cNvPr id="1" name=""/>
+        <p:cNvGrpSpPr/>
+        <p:nvPr/>
+      </p:nvGrpSpPr>
+      <p:grpSpPr>
+        <a:xfrm>
+          <a:off x="0" y="0"/>
+          <a:ext cx="0" cy="0"/>
+          <a:chOff x="0" y="0"/>
+          <a:chExt cx="0" cy="0"/>
+        </a:xfrm>
+      </p:grpSpPr>
+      <p:sp>
+        <p:nvSpPr>
+          <p:cNvPr id="2" name="Slide Image Placeholder 1"/>
+          <p:cNvSpPr>
+            <a:spLocks noGrp="1" noRot="1" noChangeAspect="1"/>
+          </p:cNvSpPr>
+          <p:nvPr>
+            <p:ph type="sldImg"/>
+          </p:nvPr>
+        </p:nvSpPr>
+        <p:spPr/>
+      </p:sp>
+      <p:sp>
+        <p:nvSpPr>
+          <p:cNvPr id="3" name="Notes Placeholder 2"/>
+          <p:cNvSpPr>
+            <a:spLocks noGrp="1"/>
+          </p:cNvSpPr>
+          <p:nvPr>
+            <p:ph type="body" idx="1"/>
+          </p:nvPr>
+        </p:nvSpPr>
+        <p:spPr/>
+        <p:txBody>
+          <a:bodyPr/>
+          <a:lstStyle/>
+          <a:p>
+            <a:r>
+              <a:rPr lang="en-US" dirty="0"/>
+              <a:t>ASP.NET uses the famous </a:t>
+            </a:r>
+            <a:r>
+              <a:rPr lang="en-US" dirty="0" err="1"/>
+              <a:t>web.config</a:t>
+            </a:r>
+            <a:r>
+              <a:rPr lang="en-US" dirty="0"/>
+              <a:t>, you can access it with </a:t>
+            </a:r>
+            <a:r>
+              <a:rPr lang="en-US" dirty="0" err="1"/>
+              <a:t>ConfigurationManager</a:t>
+            </a:r>
+            <a:r>
+              <a:rPr lang="en-US" dirty="0"/>
+              <a:t> API</a:t>
+            </a:r>
+          </a:p>
+          <a:p>
+            <a:endParaRPr lang="en-US" dirty="0"/>
+          </a:p>
+          <a:p>
+            <a:r>
+              <a:rPr lang="en-US" dirty="0"/>
+              <a:t>ASP.NET core uses a JSON file called </a:t>
+            </a:r>
+            <a:r>
+              <a:rPr lang="en-US" dirty="0" err="1"/>
+              <a:t>appsettings.json</a:t>
+            </a:r>
+            <a:r>
+              <a:rPr lang="en-US" dirty="0"/>
+              <a:t> (you can call it whatever you want actually, it's not magical like </a:t>
+            </a:r>
+            <a:r>
+              <a:rPr lang="en-US" dirty="0" err="1"/>
+              <a:t>Web.config</a:t>
+            </a:r>
+            <a:r>
+              <a:rPr lang="en-US" dirty="0"/>
+              <a:t>)</a:t>
+            </a:r>
+          </a:p>
+          <a:p>
+            <a:r>
+              <a:rPr lang="en-US" dirty="0"/>
+              <a:t>There's an API for  accessing it and sections of it</a:t>
+            </a:r>
+          </a:p>
+          <a:p>
+            <a:r>
+              <a:rPr lang="en-US" dirty="0"/>
+              <a:t>It can be bound to C# objects</a:t>
+            </a:r>
+          </a:p>
+          <a:p>
+            <a:r>
+              <a:rPr lang="en-US" dirty="0"/>
+              <a:t>And it can be configured as a service to use in constructor injection</a:t>
+            </a:r>
+          </a:p>
+        </p:txBody>
+      </p:sp>
+      <p:sp>
+        <p:nvSpPr>
+          <p:cNvPr id="4" name="Slide Number Placeholder 3"/>
+          <p:cNvSpPr>
+            <a:spLocks noGrp="1"/>
+          </p:cNvSpPr>
+          <p:nvPr>
+            <p:ph type="sldNum" sz="quarter" idx="10"/>
+          </p:nvPr>
+        </p:nvSpPr>
+        <p:spPr/>
+        <p:txBody>
+          <a:bodyPr/>
+          <a:lstStyle/>
+          <a:p>
+            <a:fld id="{F39351FC-18D6-4741-8EEB-9FDB1F020AAC}" type="slidenum">
+              <a:rPr lang="en-US" smtClean="0"/>
+              <a:t>14</a:t>
+            </a:fld>
+            <a:endParaRPr lang="en-US"/>
+          </a:p>
+        </p:txBody>
+      </p:sp>
+    </p:spTree>
+    <p:extLst>
+      <p:ext uri="{BB962C8B-B14F-4D97-AF65-F5344CB8AC3E}">
+        <p14:creationId xmlns:p14="http://schemas.microsoft.com/office/powerpoint/2010/main" val="739114377"/>
       </p:ext>
     </p:extLst>
   </p:cSld>
@@ -7426,7 +8022,7 @@
           <a:p>
             <a:r>
               <a:rPr lang="en-US" sz="3600" dirty="0"/>
-              <a:t>Workshop C – Building a Full-stack Application</a:t>
+              <a:t>Workshop C – Building a RESTful API</a:t>
             </a:r>
           </a:p>
         </p:txBody>
@@ -7497,39 +8093,148 @@
           <a:p>
             <a:r>
               <a:rPr lang="en-US" dirty="0"/>
-              <a:t>ASP.NET vs ASP.NET Core</a:t>
-            </a:r>
+              <a:t>ASP.NET </a:t>
+            </a:r>
+            <a:r>
+              <a:rPr lang="en-US" dirty="0" err="1"/>
+              <a:t>WebAPI</a:t>
+            </a:r>
+            <a:r>
+              <a:rPr lang="en-US" dirty="0"/>
+              <a:t> vs ASP.NET Core </a:t>
+            </a:r>
+            <a:r>
+              <a:rPr lang="en-US" dirty="0" err="1"/>
+              <a:t>WebAPI</a:t>
+            </a:r>
+            <a:endParaRPr lang="en-US" dirty="0"/>
           </a:p>
         </p:txBody>
       </p:sp>
-      <p:pic>
-        <p:nvPicPr>
-          <p:cNvPr id="4" name="Picture 3"/>
-          <p:cNvPicPr>
-            <a:picLocks noChangeAspect="1"/>
-          </p:cNvPicPr>
-          <p:nvPr/>
-        </p:nvPicPr>
-        <p:blipFill>
-          <a:blip r:embed="rId3"/>
-          <a:stretch>
-            <a:fillRect/>
-          </a:stretch>
-        </p:blipFill>
-        <p:spPr>
-          <a:xfrm>
-            <a:off x="416615" y="1200064"/>
-            <a:ext cx="8307587" cy="2400386"/>
-          </a:xfrm>
-          <a:prstGeom prst="rect">
-            <a:avLst/>
-          </a:prstGeom>
-        </p:spPr>
-      </p:pic>
+      <p:sp>
+        <p:nvSpPr>
+          <p:cNvPr id="3" name="Content Placeholder 2"/>
+          <p:cNvSpPr>
+            <a:spLocks noGrp="1"/>
+          </p:cNvSpPr>
+          <p:nvPr>
+            <p:ph idx="1"/>
+          </p:nvPr>
+        </p:nvSpPr>
+        <p:spPr/>
+        <p:txBody>
+          <a:bodyPr/>
+          <a:lstStyle/>
+          <a:p>
+            <a:pPr marL="342900" indent="-342900">
+              <a:buFont typeface="Arial" panose="020B0604020202020204" pitchFamily="34" charset="0"/>
+              <a:buChar char="•"/>
+            </a:pPr>
+            <a:r>
+              <a:rPr lang="en-US" dirty="0" err="1"/>
+              <a:t>WebAPI</a:t>
+            </a:r>
+            <a:r>
+              <a:rPr lang="en-US" dirty="0"/>
+              <a:t>/MVC convergence</a:t>
+            </a:r>
+          </a:p>
+          <a:p>
+            <a:pPr marL="342900" indent="-342900">
+              <a:buFont typeface="Arial" panose="020B0604020202020204" pitchFamily="34" charset="0"/>
+              <a:buChar char="•"/>
+            </a:pPr>
+            <a:endParaRPr lang="en-US" dirty="0"/>
+          </a:p>
+          <a:p>
+            <a:pPr marL="342900" indent="-342900">
+              <a:buFont typeface="Arial" panose="020B0604020202020204" pitchFamily="34" charset="0"/>
+              <a:buChar char="•"/>
+            </a:pPr>
+            <a:r>
+              <a:rPr lang="en-US" dirty="0"/>
+              <a:t>CORS</a:t>
+            </a:r>
+          </a:p>
+          <a:p>
+            <a:pPr marL="342900" indent="-342900">
+              <a:buFont typeface="Arial" panose="020B0604020202020204" pitchFamily="34" charset="0"/>
+              <a:buChar char="•"/>
+            </a:pPr>
+            <a:endParaRPr lang="en-US" dirty="0"/>
+          </a:p>
+          <a:p>
+            <a:pPr marL="342900" indent="-342900">
+              <a:buFont typeface="Arial" panose="020B0604020202020204" pitchFamily="34" charset="0"/>
+              <a:buChar char="•"/>
+            </a:pPr>
+            <a:r>
+              <a:rPr lang="en-US" dirty="0"/>
+              <a:t>Configuration</a:t>
+            </a:r>
+          </a:p>
+          <a:p>
+            <a:pPr marL="342900" indent="-342900">
+              <a:buFont typeface="Arial" panose="020B0604020202020204" pitchFamily="34" charset="0"/>
+              <a:buChar char="•"/>
+            </a:pPr>
+            <a:endParaRPr lang="en-US" dirty="0"/>
+          </a:p>
+          <a:p>
+            <a:pPr marL="342900" indent="-342900">
+              <a:buFont typeface="Arial" panose="020B0604020202020204" pitchFamily="34" charset="0"/>
+              <a:buChar char="•"/>
+            </a:pPr>
+            <a:r>
+              <a:rPr lang="en-US" dirty="0"/>
+              <a:t>Startup</a:t>
+            </a:r>
+          </a:p>
+          <a:p>
+            <a:pPr marL="342900" indent="-342900">
+              <a:buFont typeface="Arial" panose="020B0604020202020204" pitchFamily="34" charset="0"/>
+              <a:buChar char="•"/>
+            </a:pPr>
+            <a:endParaRPr lang="en-US" dirty="0"/>
+          </a:p>
+          <a:p>
+            <a:pPr marL="342900" indent="-342900">
+              <a:buFont typeface="Arial" panose="020B0604020202020204" pitchFamily="34" charset="0"/>
+              <a:buChar char="•"/>
+            </a:pPr>
+            <a:r>
+              <a:rPr lang="en-US" dirty="0"/>
+              <a:t>Static files</a:t>
+            </a:r>
+          </a:p>
+          <a:p>
+            <a:pPr marL="342900" indent="-342900">
+              <a:buFont typeface="Arial" panose="020B0604020202020204" pitchFamily="34" charset="0"/>
+              <a:buChar char="•"/>
+            </a:pPr>
+            <a:endParaRPr lang="en-US" dirty="0"/>
+          </a:p>
+          <a:p>
+            <a:pPr marL="342900" indent="-342900">
+              <a:buFont typeface="Arial" panose="020B0604020202020204" pitchFamily="34" charset="0"/>
+              <a:buChar char="•"/>
+            </a:pPr>
+            <a:r>
+              <a:rPr lang="en-US" dirty="0"/>
+              <a:t>Casing / </a:t>
+            </a:r>
+            <a:r>
+              <a:rPr lang="en-US" dirty="0" err="1"/>
+              <a:t>JsonProperty</a:t>
+            </a:r>
+            <a:endParaRPr lang="en-US" dirty="0"/>
+          </a:p>
+        </p:txBody>
+      </p:sp>
     </p:spTree>
     <p:extLst>
       <p:ext uri="{BB962C8B-B14F-4D97-AF65-F5344CB8AC3E}">
-        <p14:creationId xmlns:p14="http://schemas.microsoft.com/office/powerpoint/2010/main" val="2466830981"/>
+        <p14:creationId xmlns:p14="http://schemas.microsoft.com/office/powerpoint/2010/main" val="1455635530"/>
       </p:ext>
     </p:extLst>
   </p:cSld>
@@ -7572,10 +8277,17 @@
           <a:lstStyle/>
           <a:p>
             <a:r>
+              <a:rPr lang="en-US" dirty="0"/>
+              <a:t>Core </a:t>
+            </a:r>
+            <a:r>
               <a:rPr lang="en-US" dirty="0" err="1"/>
               <a:t>WebAPI</a:t>
             </a:r>
-            <a:endParaRPr lang="en-US" dirty="0"/>
+            <a:r>
+              <a:rPr lang="en-US" dirty="0"/>
+              <a:t> Convergence	</a:t>
+            </a:r>
           </a:p>
         </p:txBody>
       </p:sp>
@@ -7600,7 +8312,15 @@
             </a:pPr>
             <a:r>
               <a:rPr lang="en-US" dirty="0"/>
-              <a:t>There are a lot of similarities between ASP.NET and ASP.NET Core</a:t>
+              <a:t>In ASP.NET Core, MVC and </a:t>
+            </a:r>
+            <a:r>
+              <a:rPr lang="en-US" dirty="0" err="1"/>
+              <a:t>WebAPI</a:t>
+            </a:r>
+            <a:r>
+              <a:rPr lang="en-US" dirty="0"/>
+              <a:t> converge</a:t>
             </a:r>
           </a:p>
           <a:p>
@@ -7617,92 +8337,61 @@
             </a:pPr>
             <a:r>
               <a:rPr lang="en-US" dirty="0"/>
-              <a:t>Similar to MVC:</a:t>
-            </a:r>
-          </a:p>
-          <a:p>
-            <a:pPr marL="573088" lvl="1" indent="-342900">
-              <a:buFont typeface="Arial" panose="020B0604020202020204" pitchFamily="34" charset="0"/>
-              <a:buChar char="•"/>
-            </a:pPr>
-            <a:r>
-              <a:rPr lang="en-US" sz="2000" dirty="0"/>
-              <a:t>Controllers: classes that inherit from a special base class</a:t>
-            </a:r>
-          </a:p>
-          <a:p>
-            <a:pPr marL="573088" lvl="3" indent="-342900">
-              <a:buFont typeface="Arial" panose="020B0604020202020204" pitchFamily="34" charset="0"/>
-              <a:buChar char="•"/>
-            </a:pPr>
-            <a:r>
-              <a:rPr lang="en-US" dirty="0"/>
-              <a:t>ASP.NET – </a:t>
+              <a:t>Instead of Controller and </a:t>
             </a:r>
             <a:r>
               <a:rPr lang="en-US" dirty="0" err="1"/>
               <a:t>ApiController</a:t>
             </a:r>
-            <a:endParaRPr lang="en-US" dirty="0"/>
-          </a:p>
-          <a:p>
-            <a:pPr marL="573088" lvl="3" indent="-342900">
-              <a:buFont typeface="Arial" panose="020B0604020202020204" pitchFamily="34" charset="0"/>
-              <a:buChar char="•"/>
-            </a:pPr>
-            <a:r>
-              <a:rPr lang="en-US" dirty="0"/>
-              <a:t>ASP.NET Core – Controller</a:t>
-            </a:r>
-          </a:p>
-          <a:p>
-            <a:pPr marL="2857500" lvl="5" indent="-342900">
+            <a:r>
+              <a:rPr lang="en-US" dirty="0"/>
+              <a:t>, there is just Controller</a:t>
+            </a:r>
+          </a:p>
+          <a:p>
+            <a:pPr marL="342900" indent="-342900">
               <a:buFont typeface="Arial" panose="020B0604020202020204" pitchFamily="34" charset="0"/>
               <a:buChar char="•"/>
             </a:pPr>
             <a:endParaRPr lang="en-US" dirty="0"/>
           </a:p>
           <a:p>
-            <a:pPr marL="573088" lvl="1" indent="-342900">
+            <a:pPr marL="342900" indent="-342900">
               <a:buFont typeface="Arial" panose="020B0604020202020204" pitchFamily="34" charset="0"/>
               <a:buChar char="•"/>
             </a:pPr>
             <a:r>
-              <a:rPr lang="en-US" sz="2000" dirty="0"/>
-              <a:t>Methods: endpoints</a:t>
-            </a:r>
-          </a:p>
-          <a:p>
-            <a:pPr marL="573088" lvl="1" indent="-342900">
-              <a:buFont typeface="Arial" panose="020B0604020202020204" pitchFamily="34" charset="0"/>
-              <a:buChar char="•"/>
-            </a:pPr>
-            <a:endParaRPr lang="en-US" sz="2000" dirty="0"/>
-          </a:p>
-          <a:p>
-            <a:pPr marL="573088" lvl="1" indent="-342900">
-              <a:buFont typeface="Arial" panose="020B0604020202020204" pitchFamily="34" charset="0"/>
-              <a:buChar char="•"/>
-            </a:pPr>
-            <a:r>
-              <a:rPr lang="en-US" sz="2000" dirty="0"/>
-              <a:t>Optional </a:t>
-            </a:r>
-            <a:r>
-              <a:rPr lang="en-US" sz="2000" dirty="0" err="1"/>
-              <a:t>async</a:t>
-            </a:r>
-            <a:r>
-              <a:rPr lang="en-US" sz="2000" dirty="0"/>
-              <a:t>/await</a:t>
-            </a:r>
+              <a:rPr lang="en-US" dirty="0"/>
+              <a:t>Instead of </a:t>
+            </a:r>
+            <a:r>
+              <a:rPr lang="en-US" dirty="0" err="1"/>
+              <a:t>IHttpActionResult</a:t>
+            </a:r>
+            <a:r>
+              <a:rPr lang="en-US" dirty="0"/>
+              <a:t> (</a:t>
+            </a:r>
+            <a:r>
+              <a:rPr lang="en-US" dirty="0" err="1"/>
+              <a:t>WebAPI</a:t>
+            </a:r>
+            <a:r>
+              <a:rPr lang="en-US" dirty="0"/>
+              <a:t>) there is just </a:t>
+            </a:r>
+            <a:r>
+              <a:rPr lang="en-US" dirty="0" err="1"/>
+              <a:t>IActionResult</a:t>
+            </a:r>
+            <a:endParaRPr lang="en-US" dirty="0"/>
           </a:p>
         </p:txBody>
       </p:sp>
     </p:spTree>
     <p:extLst>
       <p:ext uri="{BB962C8B-B14F-4D97-AF65-F5344CB8AC3E}">
-        <p14:creationId xmlns:p14="http://schemas.microsoft.com/office/powerpoint/2010/main" val="1294541063"/>
+        <p14:creationId xmlns:p14="http://schemas.microsoft.com/office/powerpoint/2010/main" val="3506008056"/>
       </p:ext>
     </p:extLst>
   </p:cSld>
@@ -7746,21 +8435,8 @@
           <a:p>
             <a:r>
               <a:rPr lang="en-US" dirty="0"/>
-              <a:t>ASP.NET </a:t>
-            </a:r>
-            <a:r>
-              <a:rPr lang="en-US" dirty="0" err="1"/>
-              <a:t>WebAPI</a:t>
-            </a:r>
-            <a:r>
-              <a:rPr lang="en-US" dirty="0"/>
-              <a:t> vs ASP.NET Core </a:t>
-            </a:r>
-            <a:r>
-              <a:rPr lang="en-US" dirty="0" err="1"/>
-              <a:t>WebAPI</a:t>
-            </a:r>
-            <a:endParaRPr lang="en-US" dirty="0"/>
+              <a:t>CORS</a:t>
+            </a:r>
           </a:p>
         </p:txBody>
       </p:sp>
@@ -7784,28 +8460,16 @@
               <a:buChar char="•"/>
             </a:pPr>
             <a:r>
-              <a:rPr lang="en-US" dirty="0" err="1"/>
-              <a:t>IHttpActionResult</a:t>
-            </a:r>
-            <a:r>
-              <a:rPr lang="en-US" dirty="0"/>
-              <a:t> vs </a:t>
-            </a:r>
-            <a:r>
-              <a:rPr lang="en-US" dirty="0" err="1"/>
-              <a:t>IActionResult</a:t>
-            </a:r>
-            <a:endParaRPr lang="en-US" dirty="0"/>
+              <a:rPr lang="en-US" dirty="0"/>
+              <a:t>Cross-Origin Resource Sharing</a:t>
+            </a:r>
           </a:p>
           <a:p>
             <a:pPr marL="342900" indent="-342900">
               <a:buFont typeface="Arial" panose="020B0604020202020204" pitchFamily="34" charset="0"/>
               <a:buChar char="•"/>
             </a:pPr>
-            <a:r>
-              <a:rPr lang="en-US" dirty="0"/>
-              <a:t>CORS attribute</a:t>
-            </a:r>
+            <a:endParaRPr lang="en-US" dirty="0"/>
           </a:p>
           <a:p>
             <a:pPr marL="342900" indent="-342900">
@@ -7814,26 +8478,102 @@
             </a:pPr>
             <a:r>
               <a:rPr lang="en-US" dirty="0"/>
-              <a:t>CORS policy</a:t>
-            </a:r>
+              <a:t>ASP.NET</a:t>
+            </a:r>
+          </a:p>
+          <a:p>
+            <a:pPr marL="573088" lvl="1" indent="-342900">
+              <a:buFont typeface="Arial" panose="020B0604020202020204" pitchFamily="34" charset="0"/>
+              <a:buChar char="•"/>
+            </a:pPr>
+            <a:r>
+              <a:rPr lang="en-US" dirty="0">
+                <a:solidFill>
+                  <a:srgbClr val="000000"/>
+                </a:solidFill>
+                <a:latin typeface="Consolas" panose="020B0609020204030204" pitchFamily="49" charset="0"/>
+              </a:rPr>
+              <a:t>[</a:t>
+            </a:r>
+            <a:r>
+              <a:rPr lang="en-US" dirty="0" err="1">
+                <a:solidFill>
+                  <a:srgbClr val="2B91AF"/>
+                </a:solidFill>
+                <a:latin typeface="Consolas" panose="020B0609020204030204" pitchFamily="49" charset="0"/>
+              </a:rPr>
+              <a:t>EnableCors</a:t>
+            </a:r>
+            <a:r>
+              <a:rPr lang="en-US" dirty="0">
+                <a:solidFill>
+                  <a:srgbClr val="000000"/>
+                </a:solidFill>
+                <a:latin typeface="Consolas" panose="020B0609020204030204" pitchFamily="49" charset="0"/>
+              </a:rPr>
+              <a:t>(origins: </a:t>
+            </a:r>
+            <a:r>
+              <a:rPr lang="en-US" dirty="0">
+                <a:solidFill>
+                  <a:srgbClr val="A31515"/>
+                </a:solidFill>
+                <a:latin typeface="Consolas" panose="020B0609020204030204" pitchFamily="49" charset="0"/>
+              </a:rPr>
+              <a:t>"*"</a:t>
+            </a:r>
+            <a:r>
+              <a:rPr lang="en-US" dirty="0">
+                <a:solidFill>
+                  <a:srgbClr val="000000"/>
+                </a:solidFill>
+                <a:latin typeface="Consolas" panose="020B0609020204030204" pitchFamily="49" charset="0"/>
+              </a:rPr>
+              <a:t>, headers: </a:t>
+            </a:r>
+            <a:r>
+              <a:rPr lang="en-US" dirty="0">
+                <a:solidFill>
+                  <a:srgbClr val="A31515"/>
+                </a:solidFill>
+                <a:latin typeface="Consolas" panose="020B0609020204030204" pitchFamily="49" charset="0"/>
+              </a:rPr>
+              <a:t>"*"</a:t>
+            </a:r>
+            <a:r>
+              <a:rPr lang="en-US" dirty="0">
+                <a:solidFill>
+                  <a:srgbClr val="000000"/>
+                </a:solidFill>
+                <a:latin typeface="Consolas" panose="020B0609020204030204" pitchFamily="49" charset="0"/>
+              </a:rPr>
+              <a:t>, methods: </a:t>
+            </a:r>
+            <a:r>
+              <a:rPr lang="en-US" dirty="0">
+                <a:solidFill>
+                  <a:srgbClr val="A31515"/>
+                </a:solidFill>
+                <a:latin typeface="Consolas" panose="020B0609020204030204" pitchFamily="49" charset="0"/>
+              </a:rPr>
+              <a:t>"*"</a:t>
+            </a:r>
+            <a:r>
+              <a:rPr lang="en-US" dirty="0">
+                <a:solidFill>
+                  <a:srgbClr val="000000"/>
+                </a:solidFill>
+                <a:latin typeface="Consolas" panose="020B0609020204030204" pitchFamily="49" charset="0"/>
+              </a:rPr>
+              <a:t>)]</a:t>
+            </a:r>
+            <a:endParaRPr lang="en-US" dirty="0"/>
           </a:p>
           <a:p>
             <a:pPr marL="342900" indent="-342900">
               <a:buFont typeface="Arial" panose="020B0604020202020204" pitchFamily="34" charset="0"/>
               <a:buChar char="•"/>
             </a:pPr>
-            <a:r>
-              <a:rPr lang="en-US" dirty="0" err="1"/>
-              <a:t>Web.config</a:t>
-            </a:r>
-            <a:r>
-              <a:rPr lang="en-US" dirty="0"/>
-              <a:t> vs </a:t>
-            </a:r>
-            <a:r>
-              <a:rPr lang="en-US"/>
-              <a:t>appsettings.json</a:t>
-            </a:r>
             <a:endParaRPr lang="en-US" dirty="0"/>
           </a:p>
           <a:p>
@@ -7842,20 +8582,128 @@
               <a:buChar char="•"/>
             </a:pPr>
             <a:r>
-              <a:rPr lang="en-US" dirty="0" err="1"/>
-              <a:t>Global.asax</a:t>
-            </a:r>
-            <a:r>
-              <a:rPr lang="en-US" dirty="0"/>
-              <a:t> vs Startup</a:t>
-            </a:r>
+              <a:rPr lang="en-US" dirty="0"/>
+              <a:t>ASP.NET Core</a:t>
+            </a:r>
+          </a:p>
+          <a:p>
+            <a:pPr marL="573088" lvl="1" indent="-342900">
+              <a:buFont typeface="Arial" panose="020B0604020202020204" pitchFamily="34" charset="0"/>
+              <a:buChar char="•"/>
+            </a:pPr>
+            <a:r>
+              <a:rPr lang="en-US" dirty="0" err="1">
+                <a:solidFill>
+                  <a:srgbClr val="000000"/>
+                </a:solidFill>
+                <a:latin typeface="Consolas" panose="020B0609020204030204" pitchFamily="49" charset="0"/>
+              </a:rPr>
+              <a:t>app.UseCors</a:t>
+            </a:r>
+            <a:r>
+              <a:rPr lang="en-US" dirty="0">
+                <a:solidFill>
+                  <a:srgbClr val="000000"/>
+                </a:solidFill>
+                <a:latin typeface="Consolas" panose="020B0609020204030204" pitchFamily="49" charset="0"/>
+              </a:rPr>
+              <a:t>(builder =&gt; builder</a:t>
+            </a:r>
+          </a:p>
+          <a:p>
+            <a:r>
+              <a:rPr lang="en-US" dirty="0">
+                <a:solidFill>
+                  <a:srgbClr val="000000"/>
+                </a:solidFill>
+                <a:latin typeface="Consolas" panose="020B0609020204030204" pitchFamily="49" charset="0"/>
+              </a:rPr>
+              <a:t>                .</a:t>
+            </a:r>
+            <a:r>
+              <a:rPr lang="en-US" dirty="0" err="1">
+                <a:solidFill>
+                  <a:srgbClr val="000000"/>
+                </a:solidFill>
+                <a:latin typeface="Consolas" panose="020B0609020204030204" pitchFamily="49" charset="0"/>
+              </a:rPr>
+              <a:t>AllowAnyHeader</a:t>
+            </a:r>
+            <a:r>
+              <a:rPr lang="en-US" dirty="0">
+                <a:solidFill>
+                  <a:srgbClr val="000000"/>
+                </a:solidFill>
+                <a:latin typeface="Consolas" panose="020B0609020204030204" pitchFamily="49" charset="0"/>
+              </a:rPr>
+              <a:t>()</a:t>
+            </a:r>
+          </a:p>
+          <a:p>
+            <a:r>
+              <a:rPr lang="en-US" dirty="0">
+                <a:solidFill>
+                  <a:srgbClr val="000000"/>
+                </a:solidFill>
+                <a:latin typeface="Consolas" panose="020B0609020204030204" pitchFamily="49" charset="0"/>
+              </a:rPr>
+              <a:t>                .</a:t>
+            </a:r>
+            <a:r>
+              <a:rPr lang="en-US" dirty="0" err="1">
+                <a:solidFill>
+                  <a:srgbClr val="000000"/>
+                </a:solidFill>
+                <a:latin typeface="Consolas" panose="020B0609020204030204" pitchFamily="49" charset="0"/>
+              </a:rPr>
+              <a:t>AllowAnyMethod</a:t>
+            </a:r>
+            <a:r>
+              <a:rPr lang="en-US" dirty="0">
+                <a:solidFill>
+                  <a:srgbClr val="000000"/>
+                </a:solidFill>
+                <a:latin typeface="Consolas" panose="020B0609020204030204" pitchFamily="49" charset="0"/>
+              </a:rPr>
+              <a:t>()</a:t>
+            </a:r>
+          </a:p>
+          <a:p>
+            <a:r>
+              <a:rPr lang="en-US" dirty="0">
+                <a:solidFill>
+                  <a:srgbClr val="000000"/>
+                </a:solidFill>
+                <a:latin typeface="Consolas" panose="020B0609020204030204" pitchFamily="49" charset="0"/>
+              </a:rPr>
+              <a:t>                .</a:t>
+            </a:r>
+            <a:r>
+              <a:rPr lang="en-US" dirty="0" err="1">
+                <a:solidFill>
+                  <a:srgbClr val="000000"/>
+                </a:solidFill>
+                <a:latin typeface="Consolas" panose="020B0609020204030204" pitchFamily="49" charset="0"/>
+              </a:rPr>
+              <a:t>AllowAnyOrigin</a:t>
+            </a:r>
+            <a:r>
+              <a:rPr lang="en-US" dirty="0">
+                <a:solidFill>
+                  <a:srgbClr val="000000"/>
+                </a:solidFill>
+                <a:latin typeface="Consolas" panose="020B0609020204030204" pitchFamily="49" charset="0"/>
+              </a:rPr>
+              <a:t>());</a:t>
+            </a:r>
+            <a:endParaRPr lang="en-US" dirty="0"/>
           </a:p>
         </p:txBody>
       </p:sp>
     </p:spTree>
     <p:extLst>
       <p:ext uri="{BB962C8B-B14F-4D97-AF65-F5344CB8AC3E}">
-        <p14:creationId xmlns:p14="http://schemas.microsoft.com/office/powerpoint/2010/main" val="1455635530"/>
+        <p14:creationId xmlns:p14="http://schemas.microsoft.com/office/powerpoint/2010/main" val="3362038002"/>
       </p:ext>
     </p:extLst>
   </p:cSld>
@@ -7899,7 +8747,7 @@
           <a:p>
             <a:r>
               <a:rPr lang="en-US" dirty="0"/>
-              <a:t>ASP.NET</a:t>
+              <a:t>Startup</a:t>
             </a:r>
           </a:p>
         </p:txBody>
@@ -7914,7 +8762,12 @@
             <p:ph idx="1"/>
           </p:nvPr>
         </p:nvSpPr>
-        <p:spPr/>
+        <p:spPr>
+          <a:xfrm>
+            <a:off x="457200" y="685800"/>
+            <a:ext cx="8591550" cy="3394472"/>
+          </a:xfrm>
+        </p:spPr>
         <p:txBody>
           <a:bodyPr/>
           <a:lstStyle/>
@@ -7925,25 +8778,110 @@
             </a:pPr>
             <a:r>
               <a:rPr lang="en-US" dirty="0"/>
-              <a:t>Look for TODOs</a:t>
-            </a:r>
-          </a:p>
-          <a:p>
-            <a:pPr marL="342900" indent="-342900">
+              <a:t>ASP.NET</a:t>
+            </a:r>
+          </a:p>
+          <a:p>
+            <a:pPr marL="573088" lvl="1" indent="-342900">
               <a:buFont typeface="Arial" panose="020B0604020202020204" pitchFamily="34" charset="0"/>
               <a:buChar char="•"/>
             </a:pPr>
+            <a:r>
+              <a:rPr lang="en-US" dirty="0" err="1"/>
+              <a:t>Global.asax.cs</a:t>
+            </a:r>
             <a:endParaRPr lang="en-US" dirty="0"/>
           </a:p>
           <a:p>
-            <a:pPr marL="342900" indent="-342900">
+            <a:pPr marL="573088" lvl="1" indent="-342900">
               <a:buFont typeface="Arial" panose="020B0604020202020204" pitchFamily="34" charset="0"/>
               <a:buChar char="•"/>
             </a:pPr>
             <a:r>
-              <a:rPr lang="en-US" dirty="0"/>
-              <a:t>Files included:</a:t>
-            </a:r>
+              <a:rPr lang="en-US" dirty="0" err="1">
+                <a:solidFill>
+                  <a:srgbClr val="000000"/>
+                </a:solidFill>
+                <a:latin typeface="Consolas" panose="020B0609020204030204" pitchFamily="49" charset="0"/>
+              </a:rPr>
+              <a:t>System.Web.</a:t>
+            </a:r>
+            <a:r>
+              <a:rPr lang="en-US" dirty="0" err="1">
+                <a:solidFill>
+                  <a:srgbClr val="2B91AF"/>
+                </a:solidFill>
+                <a:latin typeface="Consolas" panose="020B0609020204030204" pitchFamily="49" charset="0"/>
+              </a:rPr>
+              <a:t>HttpApplication</a:t>
+            </a:r>
+            <a:endParaRPr lang="en-US" dirty="0">
+              <a:solidFill>
+                <a:srgbClr val="2B91AF"/>
+              </a:solidFill>
+              <a:latin typeface="Consolas" panose="020B0609020204030204" pitchFamily="49" charset="0"/>
+            </a:endParaRPr>
+          </a:p>
+          <a:p>
+            <a:pPr marL="573088" lvl="1" indent="-342900">
+              <a:buFont typeface="Arial" panose="020B0604020202020204" pitchFamily="34" charset="0"/>
+              <a:buChar char="•"/>
+            </a:pPr>
+            <a:r>
+              <a:rPr lang="en-US" dirty="0">
+                <a:solidFill>
+                  <a:srgbClr val="0000FF"/>
+                </a:solidFill>
+                <a:latin typeface="Consolas" panose="020B0609020204030204" pitchFamily="49" charset="0"/>
+              </a:rPr>
+              <a:t>protected</a:t>
+            </a:r>
+            <a:r>
+              <a:rPr lang="en-US" dirty="0">
+                <a:solidFill>
+                  <a:srgbClr val="000000"/>
+                </a:solidFill>
+                <a:latin typeface="Consolas" panose="020B0609020204030204" pitchFamily="49" charset="0"/>
+              </a:rPr>
+              <a:t> </a:t>
+            </a:r>
+            <a:r>
+              <a:rPr lang="en-US" dirty="0">
+                <a:solidFill>
+                  <a:srgbClr val="0000FF"/>
+                </a:solidFill>
+                <a:latin typeface="Consolas" panose="020B0609020204030204" pitchFamily="49" charset="0"/>
+              </a:rPr>
+              <a:t>void</a:t>
+            </a:r>
+            <a:r>
+              <a:rPr lang="en-US" dirty="0">
+                <a:solidFill>
+                  <a:srgbClr val="000000"/>
+                </a:solidFill>
+                <a:latin typeface="Consolas" panose="020B0609020204030204" pitchFamily="49" charset="0"/>
+              </a:rPr>
+              <a:t> </a:t>
+            </a:r>
+            <a:r>
+              <a:rPr lang="en-US" dirty="0" err="1">
+                <a:solidFill>
+                  <a:srgbClr val="000000"/>
+                </a:solidFill>
+                <a:latin typeface="Consolas" panose="020B0609020204030204" pitchFamily="49" charset="0"/>
+              </a:rPr>
+              <a:t>Application_Start</a:t>
+            </a:r>
+            <a:r>
+              <a:rPr lang="en-US" dirty="0">
+                <a:solidFill>
+                  <a:srgbClr val="000000"/>
+                </a:solidFill>
+                <a:latin typeface="Consolas" panose="020B0609020204030204" pitchFamily="49" charset="0"/>
+              </a:rPr>
+              <a:t>()</a:t>
+            </a:r>
+            <a:endParaRPr lang="en-US" dirty="0"/>
           </a:p>
           <a:p>
             <a:pPr marL="573088" lvl="1" indent="-342900">
@@ -7953,10 +8891,264 @@
             <a:endParaRPr lang="en-US" dirty="0"/>
           </a:p>
           <a:p>
+            <a:pPr marL="573088" lvl="1" indent="-342900">
+              <a:buFont typeface="Arial" panose="020B0604020202020204" pitchFamily="34" charset="0"/>
+              <a:buChar char="•"/>
+            </a:pPr>
+            <a:endParaRPr lang="en-US" dirty="0"/>
+          </a:p>
+          <a:p>
             <a:pPr marL="342900" indent="-342900">
               <a:buFont typeface="Arial" panose="020B0604020202020204" pitchFamily="34" charset="0"/>
               <a:buChar char="•"/>
             </a:pPr>
+            <a:r>
+              <a:rPr lang="en-US" dirty="0"/>
+              <a:t>ASP.NET Core</a:t>
+            </a:r>
+          </a:p>
+          <a:p>
+            <a:pPr marL="573088" lvl="1" indent="-342900">
+              <a:buFont typeface="Arial" panose="020B0604020202020204" pitchFamily="34" charset="0"/>
+              <a:buChar char="•"/>
+            </a:pPr>
+            <a:r>
+              <a:rPr lang="en-US" dirty="0" err="1"/>
+              <a:t>Program.cs</a:t>
+            </a:r>
+            <a:r>
+              <a:rPr lang="en-US" dirty="0"/>
+              <a:t> – console application</a:t>
+            </a:r>
+          </a:p>
+          <a:p>
+            <a:pPr marL="573088" lvl="1" indent="-342900">
+              <a:buFont typeface="Arial" panose="020B0604020202020204" pitchFamily="34" charset="0"/>
+              <a:buChar char="•"/>
+            </a:pPr>
+            <a:r>
+              <a:rPr lang="en-US" dirty="0" err="1"/>
+              <a:t>Startup.cs</a:t>
+            </a:r>
+            <a:r>
+              <a:rPr lang="en-US" dirty="0"/>
+              <a:t> – used by </a:t>
+            </a:r>
+            <a:r>
+              <a:rPr lang="en-US" dirty="0" err="1"/>
+              <a:t>Program.cs</a:t>
+            </a:r>
+            <a:endParaRPr lang="en-US" dirty="0"/>
+          </a:p>
+          <a:p>
+            <a:pPr marL="573088" lvl="1" indent="-342900">
+              <a:buFont typeface="Arial" panose="020B0604020202020204" pitchFamily="34" charset="0"/>
+              <a:buChar char="•"/>
+            </a:pPr>
+            <a:r>
+              <a:rPr lang="en-US" dirty="0">
+                <a:solidFill>
+                  <a:srgbClr val="0000FF"/>
+                </a:solidFill>
+                <a:latin typeface="Consolas" panose="020B0609020204030204" pitchFamily="49" charset="0"/>
+              </a:rPr>
+              <a:t>public</a:t>
+            </a:r>
+            <a:r>
+              <a:rPr lang="en-US" dirty="0">
+                <a:solidFill>
+                  <a:srgbClr val="000000"/>
+                </a:solidFill>
+                <a:latin typeface="Consolas" panose="020B0609020204030204" pitchFamily="49" charset="0"/>
+              </a:rPr>
+              <a:t> </a:t>
+            </a:r>
+            <a:r>
+              <a:rPr lang="en-US" dirty="0">
+                <a:solidFill>
+                  <a:srgbClr val="0000FF"/>
+                </a:solidFill>
+                <a:latin typeface="Consolas" panose="020B0609020204030204" pitchFamily="49" charset="0"/>
+              </a:rPr>
+              <a:t>void</a:t>
+            </a:r>
+            <a:r>
+              <a:rPr lang="en-US" dirty="0">
+                <a:solidFill>
+                  <a:srgbClr val="000000"/>
+                </a:solidFill>
+                <a:latin typeface="Consolas" panose="020B0609020204030204" pitchFamily="49" charset="0"/>
+              </a:rPr>
+              <a:t> </a:t>
+            </a:r>
+            <a:r>
+              <a:rPr lang="en-US" dirty="0" err="1">
+                <a:solidFill>
+                  <a:srgbClr val="000000"/>
+                </a:solidFill>
+                <a:latin typeface="Consolas" panose="020B0609020204030204" pitchFamily="49" charset="0"/>
+              </a:rPr>
+              <a:t>ConfigureServices</a:t>
+            </a:r>
+            <a:r>
+              <a:rPr lang="en-US" dirty="0">
+                <a:solidFill>
+                  <a:srgbClr val="000000"/>
+                </a:solidFill>
+                <a:latin typeface="Consolas" panose="020B0609020204030204" pitchFamily="49" charset="0"/>
+              </a:rPr>
+              <a:t>(</a:t>
+            </a:r>
+            <a:r>
+              <a:rPr lang="en-US" dirty="0" err="1">
+                <a:solidFill>
+                  <a:srgbClr val="2B91AF"/>
+                </a:solidFill>
+                <a:latin typeface="Consolas" panose="020B0609020204030204" pitchFamily="49" charset="0"/>
+              </a:rPr>
+              <a:t>IServiceCollection</a:t>
+            </a:r>
+            <a:r>
+              <a:rPr lang="en-US" dirty="0">
+                <a:solidFill>
+                  <a:srgbClr val="000000"/>
+                </a:solidFill>
+                <a:latin typeface="Consolas" panose="020B0609020204030204" pitchFamily="49" charset="0"/>
+              </a:rPr>
+              <a:t> services)</a:t>
+            </a:r>
+          </a:p>
+          <a:p>
+            <a:pPr marL="573088" lvl="1" indent="-342900">
+              <a:buFont typeface="Arial" panose="020B0604020202020204" pitchFamily="34" charset="0"/>
+              <a:buChar char="•"/>
+            </a:pPr>
+            <a:r>
+              <a:rPr lang="en-US" sz="1100" dirty="0">
+                <a:solidFill>
+                  <a:srgbClr val="0000FF"/>
+                </a:solidFill>
+                <a:latin typeface="Consolas" panose="020B0609020204030204" pitchFamily="49" charset="0"/>
+              </a:rPr>
+              <a:t>public</a:t>
+            </a:r>
+            <a:r>
+              <a:rPr lang="en-US" sz="1100" dirty="0">
+                <a:solidFill>
+                  <a:srgbClr val="000000"/>
+                </a:solidFill>
+                <a:latin typeface="Consolas" panose="020B0609020204030204" pitchFamily="49" charset="0"/>
+              </a:rPr>
+              <a:t> </a:t>
+            </a:r>
+            <a:r>
+              <a:rPr lang="en-US" sz="1100" dirty="0">
+                <a:solidFill>
+                  <a:srgbClr val="0000FF"/>
+                </a:solidFill>
+                <a:latin typeface="Consolas" panose="020B0609020204030204" pitchFamily="49" charset="0"/>
+              </a:rPr>
+              <a:t>void</a:t>
+            </a:r>
+            <a:r>
+              <a:rPr lang="en-US" sz="1100" dirty="0">
+                <a:solidFill>
+                  <a:srgbClr val="000000"/>
+                </a:solidFill>
+                <a:latin typeface="Consolas" panose="020B0609020204030204" pitchFamily="49" charset="0"/>
+              </a:rPr>
+              <a:t> Configure(</a:t>
+            </a:r>
+            <a:r>
+              <a:rPr lang="en-US" sz="1100" dirty="0" err="1">
+                <a:solidFill>
+                  <a:srgbClr val="2B91AF"/>
+                </a:solidFill>
+                <a:latin typeface="Consolas" panose="020B0609020204030204" pitchFamily="49" charset="0"/>
+              </a:rPr>
+              <a:t>IApplicationBuilder</a:t>
+            </a:r>
+            <a:r>
+              <a:rPr lang="en-US" sz="1100" dirty="0">
+                <a:solidFill>
+                  <a:srgbClr val="000000"/>
+                </a:solidFill>
+                <a:latin typeface="Consolas" panose="020B0609020204030204" pitchFamily="49" charset="0"/>
+              </a:rPr>
+              <a:t> app, </a:t>
+            </a:r>
+            <a:r>
+              <a:rPr lang="en-US" sz="1100" dirty="0" err="1">
+                <a:solidFill>
+                  <a:srgbClr val="2B91AF"/>
+                </a:solidFill>
+                <a:latin typeface="Consolas" panose="020B0609020204030204" pitchFamily="49" charset="0"/>
+              </a:rPr>
+              <a:t>IHostingEnvironment</a:t>
+            </a:r>
+            <a:r>
+              <a:rPr lang="en-US" sz="1100" dirty="0">
+                <a:solidFill>
+                  <a:srgbClr val="000000"/>
+                </a:solidFill>
+                <a:latin typeface="Consolas" panose="020B0609020204030204" pitchFamily="49" charset="0"/>
+              </a:rPr>
+              <a:t> </a:t>
+            </a:r>
+            <a:r>
+              <a:rPr lang="en-US" sz="1100" dirty="0" err="1">
+                <a:solidFill>
+                  <a:srgbClr val="000000"/>
+                </a:solidFill>
+                <a:latin typeface="Consolas" panose="020B0609020204030204" pitchFamily="49" charset="0"/>
+              </a:rPr>
+              <a:t>env</a:t>
+            </a:r>
+            <a:r>
+              <a:rPr lang="en-US" sz="1100" dirty="0">
+                <a:solidFill>
+                  <a:srgbClr val="000000"/>
+                </a:solidFill>
+                <a:latin typeface="Consolas" panose="020B0609020204030204" pitchFamily="49" charset="0"/>
+              </a:rPr>
+              <a:t>, </a:t>
+            </a:r>
+            <a:r>
+              <a:rPr lang="en-US" sz="1100" dirty="0" err="1">
+                <a:solidFill>
+                  <a:srgbClr val="2B91AF"/>
+                </a:solidFill>
+                <a:latin typeface="Consolas" panose="020B0609020204030204" pitchFamily="49" charset="0"/>
+              </a:rPr>
+              <a:t>ILoggerFactory</a:t>
+            </a:r>
+            <a:r>
+              <a:rPr lang="en-US" sz="1100" dirty="0">
+                <a:solidFill>
+                  <a:srgbClr val="000000"/>
+                </a:solidFill>
+                <a:latin typeface="Consolas" panose="020B0609020204030204" pitchFamily="49" charset="0"/>
+              </a:rPr>
+              <a:t> </a:t>
+            </a:r>
+            <a:r>
+              <a:rPr lang="en-US" sz="1100" dirty="0" err="1">
+                <a:solidFill>
+                  <a:srgbClr val="000000"/>
+                </a:solidFill>
+                <a:latin typeface="Consolas" panose="020B0609020204030204" pitchFamily="49" charset="0"/>
+              </a:rPr>
+              <a:t>loggerFactory</a:t>
+            </a:r>
+            <a:r>
+              <a:rPr lang="en-US" sz="1100" dirty="0">
+                <a:solidFill>
+                  <a:srgbClr val="000000"/>
+                </a:solidFill>
+                <a:latin typeface="Consolas" panose="020B0609020204030204" pitchFamily="49" charset="0"/>
+              </a:rPr>
+              <a:t>)</a:t>
+            </a:r>
             <a:endParaRPr lang="en-US" dirty="0"/>
           </a:p>
         </p:txBody>
@@ -7964,7 +9156,7 @@
     </p:spTree>
     <p:extLst>
       <p:ext uri="{BB962C8B-B14F-4D97-AF65-F5344CB8AC3E}">
-        <p14:creationId xmlns:p14="http://schemas.microsoft.com/office/powerpoint/2010/main" val="2942029158"/>
+        <p14:creationId xmlns:p14="http://schemas.microsoft.com/office/powerpoint/2010/main" val="1505097641"/>
       </p:ext>
     </p:extLst>
   </p:cSld>
@@ -8008,7 +9200,7 @@
           <a:p>
             <a:r>
               <a:rPr lang="en-US" dirty="0"/>
-              <a:t>ASP.NET Core</a:t>
+              <a:t>Configuration</a:t>
             </a:r>
           </a:p>
         </p:txBody>
@@ -8034,24 +9226,78 @@
             </a:pPr>
             <a:r>
               <a:rPr lang="en-US" dirty="0"/>
-              <a:t>Look for TODOs</a:t>
-            </a:r>
+              <a:t>ASP.NET</a:t>
+            </a:r>
+          </a:p>
+          <a:p>
+            <a:pPr marL="573088" lvl="1" indent="-342900">
+              <a:buFont typeface="Arial" panose="020B0604020202020204" pitchFamily="34" charset="0"/>
+              <a:buChar char="•"/>
+            </a:pPr>
+            <a:r>
+              <a:rPr lang="en-US" dirty="0" err="1"/>
+              <a:t>Web.config</a:t>
+            </a:r>
+            <a:r>
+              <a:rPr lang="en-US" dirty="0"/>
+              <a:t> (XML)</a:t>
+            </a:r>
+          </a:p>
+          <a:p>
+            <a:pPr marL="573088" lvl="1" indent="-342900">
+              <a:buFont typeface="Arial" panose="020B0604020202020204" pitchFamily="34" charset="0"/>
+              <a:buChar char="•"/>
+            </a:pPr>
+            <a:r>
+              <a:rPr lang="en-US" dirty="0" err="1">
+                <a:solidFill>
+                  <a:srgbClr val="2B91AF"/>
+                </a:solidFill>
+                <a:latin typeface="Consolas" panose="020B0609020204030204" pitchFamily="49" charset="0"/>
+              </a:rPr>
+              <a:t>ConfigurationManager</a:t>
+            </a:r>
+            <a:r>
+              <a:rPr lang="en-US" dirty="0" err="1">
+                <a:solidFill>
+                  <a:srgbClr val="000000"/>
+                </a:solidFill>
+                <a:latin typeface="Consolas" panose="020B0609020204030204" pitchFamily="49" charset="0"/>
+              </a:rPr>
+              <a:t>.AppSettings</a:t>
+            </a:r>
+            <a:endParaRPr lang="en-US" dirty="0">
+              <a:solidFill>
+                <a:srgbClr val="000000"/>
+              </a:solidFill>
+              <a:latin typeface="Consolas" panose="020B0609020204030204" pitchFamily="49" charset="0"/>
+            </a:endParaRPr>
+          </a:p>
+          <a:p>
+            <a:pPr marL="573088" lvl="1" indent="-342900">
+              <a:buFont typeface="Arial" panose="020B0604020202020204" pitchFamily="34" charset="0"/>
+              <a:buChar char="•"/>
+            </a:pPr>
+            <a:endParaRPr lang="en-US" dirty="0">
+              <a:solidFill>
+                <a:srgbClr val="000000"/>
+              </a:solidFill>
+              <a:latin typeface="Consolas" panose="020B0609020204030204" pitchFamily="49" charset="0"/>
+            </a:endParaRPr>
           </a:p>
           <a:p>
             <a:pPr marL="342900" indent="-342900">
               <a:buFont typeface="Arial" panose="020B0604020202020204" pitchFamily="34" charset="0"/>
               <a:buChar char="•"/>
             </a:pPr>
-            <a:endParaRPr lang="en-US" dirty="0"/>
-          </a:p>
-          <a:p>
-            <a:pPr marL="342900" indent="-342900">
-              <a:buFont typeface="Arial" panose="020B0604020202020204" pitchFamily="34" charset="0"/>
-              <a:buChar char="•"/>
-            </a:pPr>
-            <a:r>
-              <a:rPr lang="en-US" dirty="0"/>
-              <a:t>Files included:</a:t>
+            <a:r>
+              <a:rPr lang="en-US" dirty="0">
+                <a:solidFill>
+                  <a:srgbClr val="000000"/>
+                </a:solidFill>
+                <a:latin typeface="Consolas" panose="020B0609020204030204" pitchFamily="49" charset="0"/>
+              </a:rPr>
+              <a:t>ASP.NET Core</a:t>
             </a:r>
           </a:p>
           <a:p>
@@ -8059,21 +9305,242 @@
               <a:buFont typeface="Arial" panose="020B0604020202020204" pitchFamily="34" charset="0"/>
               <a:buChar char="•"/>
             </a:pPr>
+            <a:r>
+              <a:rPr lang="en-US" dirty="0" err="1"/>
+              <a:t>appsettings.json</a:t>
+            </a:r>
+            <a:r>
+              <a:rPr lang="en-US" dirty="0"/>
+              <a:t> (JSON)</a:t>
+            </a:r>
+          </a:p>
+          <a:p>
+            <a:r>
+              <a:rPr lang="en-US" dirty="0">
+                <a:solidFill>
+                  <a:srgbClr val="000000"/>
+                </a:solidFill>
+                <a:latin typeface="Consolas" panose="020B0609020204030204" pitchFamily="49" charset="0"/>
+              </a:rPr>
+              <a:t> 	</a:t>
+            </a:r>
             <a:endParaRPr lang="en-US" dirty="0"/>
           </a:p>
-          <a:p>
-            <a:pPr marL="342900" indent="-342900">
-              <a:buFont typeface="Arial" panose="020B0604020202020204" pitchFamily="34" charset="0"/>
-              <a:buChar char="•"/>
-            </a:pPr>
-            <a:endParaRPr lang="en-US" dirty="0"/>
+        </p:txBody>
+      </p:sp>
+      <p:sp>
+        <p:nvSpPr>
+          <p:cNvPr id="4" name="Rectangle 3"/>
+          <p:cNvSpPr/>
+          <p:nvPr/>
+        </p:nvSpPr>
+        <p:spPr>
+          <a:xfrm>
+            <a:off x="876299" y="2924860"/>
+            <a:ext cx="8143875" cy="738664"/>
+          </a:xfrm>
+          <a:prstGeom prst="rect">
+            <a:avLst/>
+          </a:prstGeom>
+        </p:spPr>
+        <p:txBody>
+          <a:bodyPr wrap="square">
+            <a:spAutoFit/>
+          </a:bodyPr>
+          <a:lstStyle/>
+          <a:p>
+            <a:r>
+              <a:rPr lang="en-US" sz="1400" dirty="0" err="1">
+                <a:solidFill>
+                  <a:srgbClr val="2B91AF"/>
+                </a:solidFill>
+                <a:latin typeface="Consolas" panose="020B0609020204030204" pitchFamily="49" charset="0"/>
+              </a:rPr>
+              <a:t>IConfigurationSection</a:t>
+            </a:r>
+            <a:r>
+              <a:rPr lang="en-US" sz="1400" dirty="0">
+                <a:solidFill>
+                  <a:srgbClr val="000000"/>
+                </a:solidFill>
+                <a:latin typeface="Consolas" panose="020B0609020204030204" pitchFamily="49" charset="0"/>
+              </a:rPr>
+              <a:t> </a:t>
+            </a:r>
+            <a:r>
+              <a:rPr lang="en-US" sz="1400" dirty="0" err="1">
+                <a:solidFill>
+                  <a:srgbClr val="000000"/>
+                </a:solidFill>
+                <a:latin typeface="Consolas" panose="020B0609020204030204" pitchFamily="49" charset="0"/>
+              </a:rPr>
+              <a:t>settingsSection</a:t>
+            </a:r>
+            <a:r>
+              <a:rPr lang="en-US" sz="1400" dirty="0">
+                <a:solidFill>
+                  <a:srgbClr val="000000"/>
+                </a:solidFill>
+                <a:latin typeface="Consolas" panose="020B0609020204030204" pitchFamily="49" charset="0"/>
+              </a:rPr>
+              <a:t> = </a:t>
+            </a:r>
+            <a:r>
+              <a:rPr lang="en-US" sz="1400" dirty="0" err="1">
+                <a:solidFill>
+                  <a:srgbClr val="000000"/>
+                </a:solidFill>
+                <a:latin typeface="Consolas" panose="020B0609020204030204" pitchFamily="49" charset="0"/>
+              </a:rPr>
+              <a:t>Configuration.GetSection</a:t>
+            </a:r>
+            <a:r>
+              <a:rPr lang="en-US" sz="1400" dirty="0">
+                <a:solidFill>
+                  <a:srgbClr val="000000"/>
+                </a:solidFill>
+                <a:latin typeface="Consolas" panose="020B0609020204030204" pitchFamily="49" charset="0"/>
+              </a:rPr>
+              <a:t>(</a:t>
+            </a:r>
+            <a:r>
+              <a:rPr lang="en-US" sz="1400" dirty="0">
+                <a:solidFill>
+                  <a:srgbClr val="A31515"/>
+                </a:solidFill>
+                <a:latin typeface="Consolas" panose="020B0609020204030204" pitchFamily="49" charset="0"/>
+              </a:rPr>
+              <a:t>"</a:t>
+            </a:r>
+            <a:r>
+              <a:rPr lang="en-US" sz="1400" dirty="0" err="1">
+                <a:solidFill>
+                  <a:srgbClr val="A31515"/>
+                </a:solidFill>
+                <a:latin typeface="Consolas" panose="020B0609020204030204" pitchFamily="49" charset="0"/>
+              </a:rPr>
+              <a:t>MySettings</a:t>
+            </a:r>
+            <a:r>
+              <a:rPr lang="en-US" sz="1400" dirty="0">
+                <a:solidFill>
+                  <a:srgbClr val="A31515"/>
+                </a:solidFill>
+                <a:latin typeface="Consolas" panose="020B0609020204030204" pitchFamily="49" charset="0"/>
+              </a:rPr>
+              <a:t>"</a:t>
+            </a:r>
+            <a:r>
+              <a:rPr lang="en-US" sz="1400" dirty="0">
+                <a:solidFill>
+                  <a:srgbClr val="000000"/>
+                </a:solidFill>
+                <a:latin typeface="Consolas" panose="020B0609020204030204" pitchFamily="49" charset="0"/>
+              </a:rPr>
+              <a:t>);</a:t>
+            </a:r>
+          </a:p>
+          <a:p>
+            <a:r>
+              <a:rPr lang="nb-NO" sz="1400" dirty="0">
+                <a:solidFill>
+                  <a:srgbClr val="2B91AF"/>
+                </a:solidFill>
+                <a:latin typeface="Consolas" panose="020B0609020204030204" pitchFamily="49" charset="0"/>
+              </a:rPr>
+              <a:t>MySettings</a:t>
+            </a:r>
+            <a:r>
+              <a:rPr lang="nb-NO" sz="1400" dirty="0">
+                <a:solidFill>
+                  <a:srgbClr val="000000"/>
+                </a:solidFill>
+                <a:latin typeface="Consolas" panose="020B0609020204030204" pitchFamily="49" charset="0"/>
+              </a:rPr>
+              <a:t> settings = settingsSection.Get&lt;</a:t>
+            </a:r>
+            <a:r>
+              <a:rPr lang="nb-NO" sz="1400" dirty="0">
+                <a:solidFill>
+                  <a:srgbClr val="2B91AF"/>
+                </a:solidFill>
+                <a:latin typeface="Consolas" panose="020B0609020204030204" pitchFamily="49" charset="0"/>
+              </a:rPr>
+              <a:t>MySettings</a:t>
+            </a:r>
+            <a:r>
+              <a:rPr lang="nb-NO" sz="1400" dirty="0">
+                <a:solidFill>
+                  <a:srgbClr val="000000"/>
+                </a:solidFill>
+                <a:latin typeface="Consolas" panose="020B0609020204030204" pitchFamily="49" charset="0"/>
+              </a:rPr>
+              <a:t>&gt;();</a:t>
+            </a:r>
+          </a:p>
+          <a:p>
+            <a:r>
+              <a:rPr lang="en-US" sz="1400" dirty="0" err="1">
+                <a:solidFill>
+                  <a:srgbClr val="000000"/>
+                </a:solidFill>
+                <a:latin typeface="Consolas" panose="020B0609020204030204" pitchFamily="49" charset="0"/>
+              </a:rPr>
+              <a:t>services.Configure</a:t>
+            </a:r>
+            <a:r>
+              <a:rPr lang="en-US" sz="1400" dirty="0">
+                <a:solidFill>
+                  <a:srgbClr val="000000"/>
+                </a:solidFill>
+                <a:latin typeface="Consolas" panose="020B0609020204030204" pitchFamily="49" charset="0"/>
+              </a:rPr>
+              <a:t>&lt;</a:t>
+            </a:r>
+            <a:r>
+              <a:rPr lang="en-US" sz="1400" dirty="0" err="1">
+                <a:solidFill>
+                  <a:srgbClr val="2B91AF"/>
+                </a:solidFill>
+                <a:latin typeface="Consolas" panose="020B0609020204030204" pitchFamily="49" charset="0"/>
+              </a:rPr>
+              <a:t>MySettings</a:t>
+            </a:r>
+            <a:r>
+              <a:rPr lang="en-US" sz="1400" dirty="0">
+                <a:solidFill>
+                  <a:srgbClr val="000000"/>
+                </a:solidFill>
+                <a:latin typeface="Consolas" panose="020B0609020204030204" pitchFamily="49" charset="0"/>
+              </a:rPr>
+              <a:t>&gt;(</a:t>
+            </a:r>
+            <a:r>
+              <a:rPr lang="en-US" sz="1400" dirty="0" err="1">
+                <a:solidFill>
+                  <a:srgbClr val="000000"/>
+                </a:solidFill>
+                <a:latin typeface="Consolas" panose="020B0609020204030204" pitchFamily="49" charset="0"/>
+              </a:rPr>
+              <a:t>settingsSection</a:t>
+            </a:r>
+            <a:r>
+              <a:rPr lang="en-US" sz="1400" dirty="0">
+                <a:solidFill>
+                  <a:srgbClr val="000000"/>
+                </a:solidFill>
+                <a:latin typeface="Consolas" panose="020B0609020204030204" pitchFamily="49" charset="0"/>
+              </a:rPr>
+              <a:t>);</a:t>
+            </a:r>
+            <a:endParaRPr lang="en-US" sz="3600" dirty="0"/>
           </a:p>
         </p:txBody>
       </p:sp>
     </p:spTree>
     <p:extLst>
       <p:ext uri="{BB962C8B-B14F-4D97-AF65-F5344CB8AC3E}">
-        <p14:creationId xmlns:p14="http://schemas.microsoft.com/office/powerpoint/2010/main" val="3351451"/>
+        <p14:creationId xmlns:p14="http://schemas.microsoft.com/office/powerpoint/2010/main" val="722562928"/>
       </p:ext>
     </p:extLst>
   </p:cSld>
@@ -8117,7 +9584,7 @@
           <a:p>
             <a:r>
               <a:rPr lang="en-US" dirty="0"/>
-              <a:t>How to execute</a:t>
+              <a:t>Static Files</a:t>
             </a:r>
           </a:p>
         </p:txBody>
@@ -8137,23 +9604,31 @@
           <a:bodyPr/>
           <a:lstStyle/>
           <a:p>
-            <a:r>
-              <a:rPr lang="en-US" dirty="0"/>
-              <a:t>Execute RESTful API backend:</a:t>
-            </a:r>
-          </a:p>
-          <a:p>
-            <a:endParaRPr lang="en-US" dirty="0"/>
-          </a:p>
-          <a:p>
             <a:pPr marL="342900" indent="-342900">
               <a:buFont typeface="Arial" panose="020B0604020202020204" pitchFamily="34" charset="0"/>
               <a:buChar char="•"/>
             </a:pPr>
             <a:r>
               <a:rPr lang="en-US" dirty="0"/>
-              <a:t>Visual Studio: F5 (or ctrl+f5)</a:t>
-            </a:r>
+              <a:t>ASP.NET</a:t>
+            </a:r>
+          </a:p>
+          <a:p>
+            <a:pPr marL="573088" lvl="1" indent="-342900">
+              <a:buFont typeface="Arial" panose="020B0604020202020204" pitchFamily="34" charset="0"/>
+              <a:buChar char="•"/>
+            </a:pPr>
+            <a:r>
+              <a:rPr lang="en-US" dirty="0"/>
+              <a:t>Put static files wherever</a:t>
+            </a:r>
+          </a:p>
+          <a:p>
+            <a:pPr marL="573088" lvl="1" indent="-342900">
+              <a:buFont typeface="Arial" panose="020B0604020202020204" pitchFamily="34" charset="0"/>
+              <a:buChar char="•"/>
+            </a:pPr>
+            <a:endParaRPr lang="en-US" dirty="0"/>
           </a:p>
           <a:p>
             <a:pPr marL="342900" indent="-342900">
@@ -8161,20 +9636,26 @@
               <a:buChar char="•"/>
             </a:pPr>
             <a:r>
-              <a:rPr lang="en-US" dirty="0" err="1">
-                <a:latin typeface="Consolas" panose="020B0609020204030204" pitchFamily="49" charset="0"/>
-              </a:rPr>
-              <a:t>dotnet</a:t>
-            </a:r>
-            <a:r>
-              <a:rPr lang="en-US" dirty="0">
-                <a:latin typeface="Consolas" panose="020B0609020204030204" pitchFamily="49" charset="0"/>
-              </a:rPr>
-              <a:t> run</a:t>
-            </a:r>
-            <a:r>
-              <a:rPr lang="en-US" dirty="0"/>
-              <a:t> from command line</a:t>
+              <a:rPr lang="en-US" dirty="0"/>
+              <a:t>ASP.NET Core</a:t>
+            </a:r>
+          </a:p>
+          <a:p>
+            <a:pPr marL="573088" lvl="1" indent="-342900">
+              <a:buFont typeface="Arial" panose="020B0604020202020204" pitchFamily="34" charset="0"/>
+              <a:buChar char="•"/>
+            </a:pPr>
+            <a:r>
+              <a:rPr lang="en-US" dirty="0"/>
+              <a:t>Put static files in </a:t>
+            </a:r>
+            <a:r>
+              <a:rPr lang="en-US" dirty="0" err="1"/>
+              <a:t>wwwroot</a:t>
+            </a:r>
+            <a:r>
+              <a:rPr lang="en-US" dirty="0"/>
+              <a:t> folder</a:t>
             </a:r>
           </a:p>
         </p:txBody>
@@ -8182,7 +9663,7 @@
     </p:spTree>
     <p:extLst>
       <p:ext uri="{BB962C8B-B14F-4D97-AF65-F5344CB8AC3E}">
-        <p14:creationId xmlns:p14="http://schemas.microsoft.com/office/powerpoint/2010/main" val="1504837512"/>
+        <p14:creationId xmlns:p14="http://schemas.microsoft.com/office/powerpoint/2010/main" val="1317357965"/>
       </p:ext>
     </p:extLst>
   </p:cSld>
@@ -8216,6 +9697,322 @@
             <a:spLocks noGrp="1"/>
           </p:cNvSpPr>
           <p:nvPr>
+            <p:ph type="title"/>
+          </p:nvPr>
+        </p:nvSpPr>
+        <p:spPr/>
+        <p:txBody>
+          <a:bodyPr/>
+          <a:lstStyle/>
+          <a:p>
+            <a:r>
+              <a:rPr lang="en-US" dirty="0"/>
+              <a:t>Casing / </a:t>
+            </a:r>
+            <a:r>
+              <a:rPr lang="en-US" dirty="0" err="1"/>
+              <a:t>JsonProperty</a:t>
+            </a:r>
+            <a:endParaRPr lang="en-US" dirty="0"/>
+          </a:p>
+        </p:txBody>
+      </p:sp>
+      <p:sp>
+        <p:nvSpPr>
+          <p:cNvPr id="3" name="Content Placeholder 2"/>
+          <p:cNvSpPr>
+            <a:spLocks noGrp="1"/>
+          </p:cNvSpPr>
+          <p:nvPr>
+            <p:ph idx="1"/>
+          </p:nvPr>
+        </p:nvSpPr>
+        <p:spPr/>
+        <p:txBody>
+          <a:bodyPr/>
+          <a:lstStyle/>
+          <a:p>
+            <a:pPr marL="342900" indent="-342900">
+              <a:buFont typeface="Arial" panose="020B0604020202020204" pitchFamily="34" charset="0"/>
+              <a:buChar char="•"/>
+            </a:pPr>
+            <a:r>
+              <a:rPr lang="en-US" dirty="0"/>
+              <a:t>ASP.NET</a:t>
+            </a:r>
+          </a:p>
+          <a:p>
+            <a:pPr marL="573088" lvl="1" indent="-342900">
+              <a:buFont typeface="Arial" panose="020B0604020202020204" pitchFamily="34" charset="0"/>
+              <a:buChar char="•"/>
+            </a:pPr>
+            <a:r>
+              <a:rPr lang="en-US" dirty="0">
+                <a:solidFill>
+                  <a:srgbClr val="0000FF"/>
+                </a:solidFill>
+                <a:latin typeface="Consolas" panose="020B0609020204030204" pitchFamily="49" charset="0"/>
+              </a:rPr>
+              <a:t>return</a:t>
+            </a:r>
+            <a:r>
+              <a:rPr lang="en-US" dirty="0">
+                <a:solidFill>
+                  <a:srgbClr val="000000"/>
+                </a:solidFill>
+                <a:latin typeface="Consolas" panose="020B0609020204030204" pitchFamily="49" charset="0"/>
+              </a:rPr>
+              <a:t> Ok(</a:t>
+            </a:r>
+            <a:r>
+              <a:rPr lang="en-US" dirty="0" err="1">
+                <a:solidFill>
+                  <a:srgbClr val="000000"/>
+                </a:solidFill>
+                <a:latin typeface="Consolas" panose="020B0609020204030204" pitchFamily="49" charset="0"/>
+              </a:rPr>
+              <a:t>result.Value</a:t>
+            </a:r>
+            <a:r>
+              <a:rPr lang="en-US" dirty="0">
+                <a:solidFill>
+                  <a:srgbClr val="000000"/>
+                </a:solidFill>
+                <a:latin typeface="Consolas" panose="020B0609020204030204" pitchFamily="49" charset="0"/>
+              </a:rPr>
+              <a:t>);</a:t>
+            </a:r>
+          </a:p>
+          <a:p>
+            <a:pPr marL="573088" lvl="1" indent="-342900">
+              <a:buFont typeface="Arial" panose="020B0604020202020204" pitchFamily="34" charset="0"/>
+              <a:buChar char="•"/>
+            </a:pPr>
+            <a:r>
+              <a:rPr lang="en-US" dirty="0"/>
+              <a:t>Result object serialized</a:t>
+            </a:r>
+          </a:p>
+          <a:p>
+            <a:pPr marL="573088" lvl="1" indent="-342900">
+              <a:buFont typeface="Arial" panose="020B0604020202020204" pitchFamily="34" charset="0"/>
+              <a:buChar char="•"/>
+            </a:pPr>
+            <a:r>
+              <a:rPr lang="en-US" dirty="0"/>
+              <a:t>Resultant JSON is </a:t>
+            </a:r>
+            <a:r>
+              <a:rPr lang="en-US" dirty="0" err="1"/>
+              <a:t>PascalCased</a:t>
+            </a:r>
+            <a:endParaRPr lang="en-US" dirty="0"/>
+          </a:p>
+          <a:p>
+            <a:pPr marL="573088" lvl="1" indent="-342900">
+              <a:buFont typeface="Arial" panose="020B0604020202020204" pitchFamily="34" charset="0"/>
+              <a:buChar char="•"/>
+            </a:pPr>
+            <a:endParaRPr lang="en-US" dirty="0"/>
+          </a:p>
+          <a:p>
+            <a:pPr marL="342900" indent="-342900">
+              <a:buFont typeface="Arial" panose="020B0604020202020204" pitchFamily="34" charset="0"/>
+              <a:buChar char="•"/>
+            </a:pPr>
+            <a:r>
+              <a:rPr lang="en-US" dirty="0"/>
+              <a:t>ASP.NET Core</a:t>
+            </a:r>
+          </a:p>
+          <a:p>
+            <a:pPr marL="573088" lvl="1" indent="-342900">
+              <a:buFont typeface="Arial" panose="020B0604020202020204" pitchFamily="34" charset="0"/>
+              <a:buChar char="•"/>
+            </a:pPr>
+            <a:r>
+              <a:rPr lang="en-US" dirty="0">
+                <a:solidFill>
+                  <a:srgbClr val="0000FF"/>
+                </a:solidFill>
+                <a:latin typeface="Consolas" panose="020B0609020204030204" pitchFamily="49" charset="0"/>
+              </a:rPr>
+              <a:t>return</a:t>
+            </a:r>
+            <a:r>
+              <a:rPr lang="en-US" dirty="0">
+                <a:solidFill>
+                  <a:srgbClr val="000000"/>
+                </a:solidFill>
+                <a:latin typeface="Consolas" panose="020B0609020204030204" pitchFamily="49" charset="0"/>
+              </a:rPr>
+              <a:t> Ok(</a:t>
+            </a:r>
+            <a:r>
+              <a:rPr lang="en-US" dirty="0" err="1">
+                <a:solidFill>
+                  <a:srgbClr val="000000"/>
+                </a:solidFill>
+                <a:latin typeface="Consolas" panose="020B0609020204030204" pitchFamily="49" charset="0"/>
+              </a:rPr>
+              <a:t>result.Value</a:t>
+            </a:r>
+            <a:r>
+              <a:rPr lang="en-US" dirty="0">
+                <a:solidFill>
+                  <a:srgbClr val="000000"/>
+                </a:solidFill>
+                <a:latin typeface="Consolas" panose="020B0609020204030204" pitchFamily="49" charset="0"/>
+              </a:rPr>
+              <a:t>);</a:t>
+            </a:r>
+          </a:p>
+          <a:p>
+            <a:pPr marL="573088" lvl="1" indent="-342900">
+              <a:buFont typeface="Arial" panose="020B0604020202020204" pitchFamily="34" charset="0"/>
+              <a:buChar char="•"/>
+            </a:pPr>
+            <a:r>
+              <a:rPr lang="en-US" dirty="0"/>
+              <a:t>Result object serialized</a:t>
+            </a:r>
+          </a:p>
+          <a:p>
+            <a:pPr marL="573088" lvl="1" indent="-342900">
+              <a:buFont typeface="Arial" panose="020B0604020202020204" pitchFamily="34" charset="0"/>
+              <a:buChar char="•"/>
+            </a:pPr>
+            <a:r>
+              <a:rPr lang="en-US" dirty="0"/>
+              <a:t>Resultant JSON is </a:t>
+            </a:r>
+            <a:r>
+              <a:rPr lang="en-US" dirty="0" err="1"/>
+              <a:t>camelCased</a:t>
+            </a:r>
+            <a:endParaRPr lang="en-US" dirty="0"/>
+          </a:p>
+          <a:p>
+            <a:pPr marL="573088" lvl="1" indent="-342900">
+              <a:buFont typeface="Arial" panose="020B0604020202020204" pitchFamily="34" charset="0"/>
+              <a:buChar char="•"/>
+            </a:pPr>
+            <a:r>
+              <a:rPr lang="en-US" dirty="0"/>
+              <a:t>Use </a:t>
+            </a:r>
+            <a:r>
+              <a:rPr lang="en-US" dirty="0">
+                <a:solidFill>
+                  <a:srgbClr val="000000"/>
+                </a:solidFill>
+                <a:latin typeface="Consolas" panose="020B0609020204030204" pitchFamily="49" charset="0"/>
+              </a:rPr>
+              <a:t>[</a:t>
+            </a:r>
+            <a:r>
+              <a:rPr lang="en-US" dirty="0" err="1">
+                <a:solidFill>
+                  <a:srgbClr val="2B91AF"/>
+                </a:solidFill>
+                <a:latin typeface="Consolas" panose="020B0609020204030204" pitchFamily="49" charset="0"/>
+              </a:rPr>
+              <a:t>JsonProperty</a:t>
+            </a:r>
+            <a:r>
+              <a:rPr lang="en-US" dirty="0">
+                <a:solidFill>
+                  <a:srgbClr val="000000"/>
+                </a:solidFill>
+                <a:latin typeface="Consolas" panose="020B0609020204030204" pitchFamily="49" charset="0"/>
+              </a:rPr>
+              <a:t>(</a:t>
+            </a:r>
+            <a:r>
+              <a:rPr lang="en-US" dirty="0">
+                <a:solidFill>
+                  <a:srgbClr val="A31515"/>
+                </a:solidFill>
+                <a:latin typeface="Consolas" panose="020B0609020204030204" pitchFamily="49" charset="0"/>
+              </a:rPr>
+              <a:t>"</a:t>
+            </a:r>
+            <a:r>
+              <a:rPr lang="en-US" dirty="0" err="1">
+                <a:solidFill>
+                  <a:srgbClr val="A31515"/>
+                </a:solidFill>
+                <a:latin typeface="Consolas" panose="020B0609020204030204" pitchFamily="49" charset="0"/>
+              </a:rPr>
+              <a:t>FirstName</a:t>
+            </a:r>
+            <a:r>
+              <a:rPr lang="en-US" dirty="0">
+                <a:solidFill>
+                  <a:srgbClr val="A31515"/>
+                </a:solidFill>
+                <a:latin typeface="Consolas" panose="020B0609020204030204" pitchFamily="49" charset="0"/>
+              </a:rPr>
+              <a:t>"</a:t>
+            </a:r>
+            <a:r>
+              <a:rPr lang="en-US" dirty="0">
+                <a:solidFill>
+                  <a:srgbClr val="000000"/>
+                </a:solidFill>
+                <a:latin typeface="Consolas" panose="020B0609020204030204" pitchFamily="49" charset="0"/>
+              </a:rPr>
+              <a:t>)]</a:t>
+            </a:r>
+            <a:r>
+              <a:rPr lang="en-US" dirty="0"/>
+              <a:t> to </a:t>
+            </a:r>
+            <a:r>
+              <a:rPr lang="en-US" dirty="0" err="1"/>
+              <a:t>PascalCase</a:t>
+            </a:r>
+            <a:endParaRPr lang="en-US" dirty="0"/>
+          </a:p>
+        </p:txBody>
+      </p:sp>
+    </p:spTree>
+    <p:extLst>
+      <p:ext uri="{BB962C8B-B14F-4D97-AF65-F5344CB8AC3E}">
+        <p14:creationId xmlns:p14="http://schemas.microsoft.com/office/powerpoint/2010/main" val="671946226"/>
+      </p:ext>
+    </p:extLst>
+  </p:cSld>
+  <p:clrMapOvr>
+    <a:masterClrMapping/>
+  </p:clrMapOvr>
+</p:sld>
+</file>
+
+<file path=ppt/slides/slide17.xml><?xml version="1.0" encoding="utf-8"?>
+<p:sld xmlns:a="http://schemas.openxmlformats.org/drawingml/2006/main" xmlns:r="http://schemas.openxmlformats.org/officeDocument/2006/relationships" xmlns:p="http://schemas.openxmlformats.org/presentationml/2006/main">
+  <p:cSld>
+    <p:spTree>
+      <p:nvGrpSpPr>
+        <p:cNvPr id="1" name=""/>
+        <p:cNvGrpSpPr/>
+        <p:nvPr/>
+      </p:nvGrpSpPr>
+      <p:grpSpPr>
+        <a:xfrm>
+          <a:off x="0" y="0"/>
+          <a:ext cx="0" cy="0"/>
+          <a:chOff x="0" y="0"/>
+          <a:chExt cx="0" cy="0"/>
+        </a:xfrm>
+      </p:grpSpPr>
+      <p:sp>
+        <p:nvSpPr>
+          <p:cNvPr id="2" name="Title 1"/>
+          <p:cNvSpPr>
+            <a:spLocks noGrp="1"/>
+          </p:cNvSpPr>
+          <p:nvPr>
             <p:ph type="ctrTitle"/>
           </p:nvPr>
         </p:nvSpPr>
@@ -8240,6 +10037,522 @@
     <p:extLst>
       <p:ext uri="{BB962C8B-B14F-4D97-AF65-F5344CB8AC3E}">
         <p14:creationId xmlns:p14="http://schemas.microsoft.com/office/powerpoint/2010/main" val="3620921753"/>
+      </p:ext>
+    </p:extLst>
+  </p:cSld>
+  <p:clrMapOvr>
+    <a:masterClrMapping/>
+  </p:clrMapOvr>
+</p:sld>
+</file>
+
+<file path=ppt/slides/slide18.xml><?xml version="1.0" encoding="utf-8"?>
+<p:sld xmlns:a="http://schemas.openxmlformats.org/drawingml/2006/main" xmlns:r="http://schemas.openxmlformats.org/officeDocument/2006/relationships" xmlns:p="http://schemas.openxmlformats.org/presentationml/2006/main">
+  <p:cSld>
+    <p:spTree>
+      <p:nvGrpSpPr>
+        <p:cNvPr id="1" name=""/>
+        <p:cNvGrpSpPr/>
+        <p:nvPr/>
+      </p:nvGrpSpPr>
+      <p:grpSpPr>
+        <a:xfrm>
+          <a:off x="0" y="0"/>
+          <a:ext cx="0" cy="0"/>
+          <a:chOff x="0" y="0"/>
+          <a:chExt cx="0" cy="0"/>
+        </a:xfrm>
+      </p:grpSpPr>
+      <p:sp>
+        <p:nvSpPr>
+          <p:cNvPr id="2" name="Title 1"/>
+          <p:cNvSpPr>
+            <a:spLocks noGrp="1"/>
+          </p:cNvSpPr>
+          <p:nvPr>
+            <p:ph type="title"/>
+          </p:nvPr>
+        </p:nvSpPr>
+        <p:spPr/>
+        <p:txBody>
+          <a:bodyPr/>
+          <a:lstStyle/>
+          <a:p>
+            <a:r>
+              <a:rPr lang="en-US" dirty="0"/>
+              <a:t>Exercise: Fill in the blanks</a:t>
+            </a:r>
+          </a:p>
+        </p:txBody>
+      </p:sp>
+      <p:sp>
+        <p:nvSpPr>
+          <p:cNvPr id="3" name="Content Placeholder 2"/>
+          <p:cNvSpPr txBox="1">
+            <a:spLocks/>
+          </p:cNvSpPr>
+          <p:nvPr/>
+        </p:nvSpPr>
+        <p:spPr>
+          <a:xfrm>
+            <a:off x="198157" y="838200"/>
+            <a:ext cx="8802967" cy="3394472"/>
+          </a:xfrm>
+          <a:prstGeom prst="rect">
+            <a:avLst/>
+          </a:prstGeom>
+        </p:spPr>
+        <p:txBody>
+          <a:bodyPr/>
+          <a:lstStyle>
+            <a:lvl1pPr marL="228600" indent="-228600" algn="l" defTabSz="457200" rtl="0" eaLnBrk="1" latinLnBrk="0" hangingPunct="1">
+              <a:spcBef>
+                <a:spcPts val="0"/>
+              </a:spcBef>
+              <a:buClr>
+                <a:schemeClr val="accent1"/>
+              </a:buClr>
+              <a:buFont typeface="Wingdings" charset="2"/>
+              <a:buChar char="§"/>
+              <a:defRPr sz="2400" kern="1200">
+                <a:solidFill>
+                  <a:schemeClr val="tx1"/>
+                </a:solidFill>
+                <a:latin typeface="+mn-lt"/>
+                <a:ea typeface="+mn-ea"/>
+                <a:cs typeface="+mn-cs"/>
+              </a:defRPr>
+            </a:lvl1pPr>
+            <a:lvl2pPr marL="455613" indent="-227013" algn="l" defTabSz="457200" rtl="0" eaLnBrk="1" latinLnBrk="0" hangingPunct="1">
+              <a:spcBef>
+                <a:spcPts val="0"/>
+              </a:spcBef>
+              <a:buClr>
+                <a:srgbClr val="262626"/>
+              </a:buClr>
+              <a:buFont typeface="Wingdings" charset="2"/>
+              <a:buChar char="§"/>
+              <a:defRPr sz="2000" kern="1200">
+                <a:solidFill>
+                  <a:schemeClr val="tx1"/>
+                </a:solidFill>
+                <a:latin typeface="+mn-lt"/>
+                <a:ea typeface="+mn-ea"/>
+                <a:cs typeface="+mn-cs"/>
+              </a:defRPr>
+            </a:lvl2pPr>
+            <a:lvl3pPr marL="455613" indent="-228600" algn="l" defTabSz="457200" rtl="0" eaLnBrk="1" latinLnBrk="0" hangingPunct="1">
+              <a:spcBef>
+                <a:spcPts val="0"/>
+              </a:spcBef>
+              <a:buClr>
+                <a:srgbClr val="262626"/>
+              </a:buClr>
+              <a:buFont typeface="Wingdings" charset="2"/>
+              <a:buChar char="§"/>
+              <a:defRPr sz="2000" kern="1200">
+                <a:solidFill>
+                  <a:schemeClr val="tx1"/>
+                </a:solidFill>
+                <a:latin typeface="+mn-lt"/>
+                <a:ea typeface="+mn-ea"/>
+                <a:cs typeface="+mn-cs"/>
+              </a:defRPr>
+            </a:lvl3pPr>
+            <a:lvl4pPr marL="455613" indent="-228600" algn="l" defTabSz="457200" rtl="0" eaLnBrk="1" latinLnBrk="0" hangingPunct="1">
+              <a:spcBef>
+                <a:spcPts val="0"/>
+              </a:spcBef>
+              <a:buClr>
+                <a:srgbClr val="262626"/>
+              </a:buClr>
+              <a:buFont typeface="Wingdings" charset="2"/>
+              <a:buChar char="§"/>
+              <a:defRPr sz="2000" kern="1200">
+                <a:solidFill>
+                  <a:schemeClr val="tx1"/>
+                </a:solidFill>
+                <a:latin typeface="+mn-lt"/>
+                <a:ea typeface="+mn-ea"/>
+                <a:cs typeface="+mn-cs"/>
+              </a:defRPr>
+            </a:lvl4pPr>
+            <a:lvl5pPr marL="455613" indent="-228600" algn="l" defTabSz="457200" rtl="0" eaLnBrk="1" latinLnBrk="0" hangingPunct="1">
+              <a:spcBef>
+                <a:spcPts val="200"/>
+              </a:spcBef>
+              <a:buClr>
+                <a:srgbClr val="262626"/>
+              </a:buClr>
+              <a:buFont typeface="Wingdings" charset="2"/>
+              <a:buChar char="§"/>
+              <a:defRPr sz="2000" kern="1200">
+                <a:solidFill>
+                  <a:schemeClr val="tx1"/>
+                </a:solidFill>
+                <a:latin typeface="+mn-lt"/>
+                <a:ea typeface="+mn-ea"/>
+                <a:cs typeface="+mn-cs"/>
+              </a:defRPr>
+            </a:lvl5pPr>
+            <a:lvl6pPr marL="2514600" indent="-228600" algn="l" defTabSz="457200" rtl="0" eaLnBrk="1" latinLnBrk="0" hangingPunct="1">
+              <a:spcBef>
+                <a:spcPct val="20000"/>
+              </a:spcBef>
+              <a:buFont typeface="Arial"/>
+              <a:buChar char="•"/>
+              <a:defRPr sz="2000" kern="1200">
+                <a:solidFill>
+                  <a:schemeClr val="tx1"/>
+                </a:solidFill>
+                <a:latin typeface="+mn-lt"/>
+                <a:ea typeface="+mn-ea"/>
+                <a:cs typeface="+mn-cs"/>
+              </a:defRPr>
+            </a:lvl6pPr>
+            <a:lvl7pPr marL="2971800" indent="-228600" algn="l" defTabSz="457200" rtl="0" eaLnBrk="1" latinLnBrk="0" hangingPunct="1">
+              <a:spcBef>
+                <a:spcPct val="20000"/>
+              </a:spcBef>
+              <a:buFont typeface="Arial"/>
+              <a:buChar char="•"/>
+              <a:defRPr sz="2000" kern="1200">
+                <a:solidFill>
+                  <a:schemeClr val="tx1"/>
+                </a:solidFill>
+                <a:latin typeface="+mn-lt"/>
+                <a:ea typeface="+mn-ea"/>
+                <a:cs typeface="+mn-cs"/>
+              </a:defRPr>
+            </a:lvl7pPr>
+            <a:lvl8pPr marL="3429000" indent="-228600" algn="l" defTabSz="457200" rtl="0" eaLnBrk="1" latinLnBrk="0" hangingPunct="1">
+              <a:spcBef>
+                <a:spcPct val="20000"/>
+              </a:spcBef>
+              <a:buFont typeface="Arial"/>
+              <a:buChar char="•"/>
+              <a:defRPr sz="2000" kern="1200">
+                <a:solidFill>
+                  <a:schemeClr val="tx1"/>
+                </a:solidFill>
+                <a:latin typeface="+mn-lt"/>
+                <a:ea typeface="+mn-ea"/>
+                <a:cs typeface="+mn-cs"/>
+              </a:defRPr>
+            </a:lvl8pPr>
+            <a:lvl9pPr marL="3886200" indent="-228600" algn="l" defTabSz="457200" rtl="0" eaLnBrk="1" latinLnBrk="0" hangingPunct="1">
+              <a:spcBef>
+                <a:spcPct val="20000"/>
+              </a:spcBef>
+              <a:buFont typeface="Arial"/>
+              <a:buChar char="•"/>
+              <a:defRPr sz="2000" kern="1200">
+                <a:solidFill>
+                  <a:schemeClr val="tx1"/>
+                </a:solidFill>
+                <a:latin typeface="+mn-lt"/>
+                <a:ea typeface="+mn-ea"/>
+                <a:cs typeface="+mn-cs"/>
+              </a:defRPr>
+            </a:lvl9pPr>
+          </a:lstStyle>
+          <a:p>
+            <a:pPr marL="342900" indent="-342900">
+              <a:buFont typeface="Arial" charset="0"/>
+              <a:buChar char="•"/>
+            </a:pPr>
+            <a:r>
+              <a:rPr lang="en-US" dirty="0"/>
+              <a:t>Fill in the blanks to make the application work</a:t>
+            </a:r>
+          </a:p>
+          <a:p>
+            <a:pPr marL="569913" lvl="1" indent="-342900">
+              <a:buFont typeface="Arial" charset="0"/>
+              <a:buChar char="•"/>
+            </a:pPr>
+            <a:r>
+              <a:rPr lang="en-US" dirty="0" err="1"/>
+              <a:t>dotnet_workshop</a:t>
+            </a:r>
+            <a:r>
+              <a:rPr lang="en-US" dirty="0"/>
+              <a:t> or </a:t>
+            </a:r>
+            <a:r>
+              <a:rPr lang="en-US" dirty="0" err="1"/>
+              <a:t>dotnetcore_workshop</a:t>
+            </a:r>
+            <a:endParaRPr lang="en-US" dirty="0"/>
+          </a:p>
+          <a:p>
+            <a:pPr marL="569913" lvl="1" indent="-342900">
+              <a:buFont typeface="Arial" charset="0"/>
+              <a:buChar char="•"/>
+            </a:pPr>
+            <a:r>
+              <a:rPr lang="en-US" dirty="0"/>
+              <a:t>Completed versions are in </a:t>
+            </a:r>
+            <a:r>
+              <a:rPr lang="en-US" dirty="0" err="1"/>
+              <a:t>dotnet</a:t>
+            </a:r>
+            <a:r>
+              <a:rPr lang="en-US" dirty="0"/>
+              <a:t>, </a:t>
+            </a:r>
+            <a:r>
+              <a:rPr lang="en-US" dirty="0" err="1"/>
+              <a:t>dotnetcore</a:t>
+            </a:r>
+            <a:endParaRPr lang="en-US" dirty="0"/>
+          </a:p>
+          <a:p>
+            <a:pPr marL="342900" indent="-342900">
+              <a:buFont typeface="Arial" charset="0"/>
+              <a:buChar char="•"/>
+            </a:pPr>
+            <a:endParaRPr lang="en-US" dirty="0"/>
+          </a:p>
+          <a:p>
+            <a:pPr marL="342900" indent="-342900">
+              <a:buFont typeface="Arial" charset="0"/>
+              <a:buChar char="•"/>
+            </a:pPr>
+            <a:r>
+              <a:rPr lang="en-US" dirty="0"/>
+              <a:t>Checkout the code from </a:t>
+            </a:r>
+            <a:r>
+              <a:rPr lang="en-US" dirty="0" err="1"/>
+              <a:t>Github</a:t>
+            </a:r>
+            <a:endParaRPr lang="en-US" dirty="0"/>
+          </a:p>
+          <a:p>
+            <a:pPr marL="569913" lvl="1" indent="-342900">
+              <a:buFont typeface="Arial" charset="0"/>
+              <a:buChar char="•"/>
+            </a:pPr>
+            <a:r>
+              <a:rPr lang="en-US" sz="1800" dirty="0">
+                <a:hlinkClick r:id="rId3"/>
+              </a:rPr>
+              <a:t>https://github.com/couchbaselabs/aspnet-nosql-workshop/tree/master/03</a:t>
+            </a:r>
+            <a:endParaRPr lang="en-US" sz="1800" dirty="0"/>
+          </a:p>
+          <a:p>
+            <a:pPr marL="569913" lvl="1" indent="-342900">
+              <a:buFont typeface="Arial" charset="0"/>
+              <a:buChar char="•"/>
+            </a:pPr>
+            <a:endParaRPr lang="en-US" dirty="0"/>
+          </a:p>
+          <a:p>
+            <a:pPr marL="342900" indent="-342900">
+              <a:buFont typeface="Arial" charset="0"/>
+              <a:buChar char="•"/>
+            </a:pPr>
+            <a:r>
+              <a:rPr lang="en-US" dirty="0"/>
+              <a:t>The source code is also available on USB sticks</a:t>
+            </a:r>
+          </a:p>
+          <a:p>
+            <a:pPr marL="342900" indent="-342900">
+              <a:buFont typeface="Arial" charset="0"/>
+              <a:buChar char="•"/>
+            </a:pPr>
+            <a:endParaRPr lang="en-US" dirty="0"/>
+          </a:p>
+          <a:p>
+            <a:pPr marL="342900" indent="-342900">
+              <a:buFont typeface="Arial" charset="0"/>
+              <a:buChar char="•"/>
+            </a:pPr>
+            <a:r>
+              <a:rPr lang="en-US" dirty="0"/>
+              <a:t>You can test with Postman / Fiddler / curl</a:t>
+            </a:r>
+          </a:p>
+          <a:p>
+            <a:pPr marL="342900" indent="-342900">
+              <a:buFont typeface="Arial" charset="0"/>
+              <a:buChar char="•"/>
+            </a:pPr>
+            <a:endParaRPr lang="en-US" b="1" dirty="0"/>
+          </a:p>
+          <a:p>
+            <a:endParaRPr lang="en-US" dirty="0"/>
+          </a:p>
+        </p:txBody>
+      </p:sp>
+    </p:spTree>
+    <p:extLst>
+      <p:ext uri="{BB962C8B-B14F-4D97-AF65-F5344CB8AC3E}">
+        <p14:creationId xmlns:p14="http://schemas.microsoft.com/office/powerpoint/2010/main" val="3268682032"/>
+      </p:ext>
+    </p:extLst>
+  </p:cSld>
+  <p:clrMapOvr>
+    <a:masterClrMapping/>
+  </p:clrMapOvr>
+</p:sld>
+</file>
+
+<file path=ppt/slides/slide19.xml><?xml version="1.0" encoding="utf-8"?>
+<p:sld xmlns:a="http://schemas.openxmlformats.org/drawingml/2006/main" xmlns:r="http://schemas.openxmlformats.org/officeDocument/2006/relationships" xmlns:p="http://schemas.openxmlformats.org/presentationml/2006/main">
+  <p:cSld>
+    <p:spTree>
+      <p:nvGrpSpPr>
+        <p:cNvPr id="1" name=""/>
+        <p:cNvGrpSpPr/>
+        <p:nvPr/>
+      </p:nvGrpSpPr>
+      <p:grpSpPr>
+        <a:xfrm>
+          <a:off x="0" y="0"/>
+          <a:ext cx="0" cy="0"/>
+          <a:chOff x="0" y="0"/>
+          <a:chExt cx="0" cy="0"/>
+        </a:xfrm>
+      </p:grpSpPr>
+      <p:sp>
+        <p:nvSpPr>
+          <p:cNvPr id="2" name="Title 1"/>
+          <p:cNvSpPr>
+            <a:spLocks noGrp="1"/>
+          </p:cNvSpPr>
+          <p:nvPr>
+            <p:ph type="title"/>
+          </p:nvPr>
+        </p:nvSpPr>
+        <p:spPr/>
+        <p:txBody>
+          <a:bodyPr/>
+          <a:lstStyle/>
+          <a:p>
+            <a:r>
+              <a:rPr lang="en-US" dirty="0"/>
+              <a:t>ASP.NET</a:t>
+            </a:r>
+          </a:p>
+        </p:txBody>
+      </p:sp>
+      <p:sp>
+        <p:nvSpPr>
+          <p:cNvPr id="3" name="Content Placeholder 2"/>
+          <p:cNvSpPr>
+            <a:spLocks noGrp="1"/>
+          </p:cNvSpPr>
+          <p:nvPr>
+            <p:ph idx="1"/>
+          </p:nvPr>
+        </p:nvSpPr>
+        <p:spPr/>
+        <p:txBody>
+          <a:bodyPr/>
+          <a:lstStyle/>
+          <a:p>
+            <a:pPr marL="342900" indent="-342900">
+              <a:buFont typeface="Arial" panose="020B0604020202020204" pitchFamily="34" charset="0"/>
+              <a:buChar char="•"/>
+            </a:pPr>
+            <a:r>
+              <a:rPr lang="en-US" dirty="0" err="1"/>
+              <a:t>dotnet_workshop</a:t>
+            </a:r>
+            <a:endParaRPr lang="en-US" dirty="0"/>
+          </a:p>
+          <a:p>
+            <a:pPr marL="342900" indent="-342900">
+              <a:buFont typeface="Arial" panose="020B0604020202020204" pitchFamily="34" charset="0"/>
+              <a:buChar char="•"/>
+            </a:pPr>
+            <a:endParaRPr lang="en-US" dirty="0"/>
+          </a:p>
+          <a:p>
+            <a:pPr marL="342900" indent="-342900">
+              <a:buFont typeface="Arial" panose="020B0604020202020204" pitchFamily="34" charset="0"/>
+              <a:buChar char="•"/>
+            </a:pPr>
+            <a:r>
+              <a:rPr lang="en-US" dirty="0"/>
+              <a:t>Look for TODOs</a:t>
+            </a:r>
+          </a:p>
+          <a:p>
+            <a:pPr marL="342900" indent="-342900">
+              <a:buFont typeface="Arial" panose="020B0604020202020204" pitchFamily="34" charset="0"/>
+              <a:buChar char="•"/>
+            </a:pPr>
+            <a:endParaRPr lang="en-US" dirty="0"/>
+          </a:p>
+          <a:p>
+            <a:pPr marL="342900" indent="-342900">
+              <a:buFont typeface="Arial" panose="020B0604020202020204" pitchFamily="34" charset="0"/>
+              <a:buChar char="•"/>
+            </a:pPr>
+            <a:r>
+              <a:rPr lang="en-US" dirty="0"/>
+              <a:t>Files included:</a:t>
+            </a:r>
+          </a:p>
+          <a:p>
+            <a:pPr marL="573088" lvl="1" indent="-342900">
+              <a:buFont typeface="Arial" panose="020B0604020202020204" pitchFamily="34" charset="0"/>
+              <a:buChar char="•"/>
+            </a:pPr>
+            <a:r>
+              <a:rPr lang="en-US" dirty="0" err="1"/>
+              <a:t>CouchbaseConfig.cs</a:t>
+            </a:r>
+            <a:endParaRPr lang="en-US" dirty="0"/>
+          </a:p>
+          <a:p>
+            <a:pPr marL="573088" lvl="1" indent="-342900">
+              <a:buFont typeface="Arial" panose="020B0604020202020204" pitchFamily="34" charset="0"/>
+              <a:buChar char="•"/>
+            </a:pPr>
+            <a:r>
+              <a:rPr lang="en-US" dirty="0" err="1"/>
+              <a:t>PersonController.cs</a:t>
+            </a:r>
+            <a:endParaRPr lang="en-US" dirty="0"/>
+          </a:p>
+          <a:p>
+            <a:pPr marL="573088" lvl="1" indent="-342900">
+              <a:buFont typeface="Arial" panose="020B0604020202020204" pitchFamily="34" charset="0"/>
+              <a:buChar char="•"/>
+            </a:pPr>
+            <a:r>
+              <a:rPr lang="en-US" dirty="0" err="1"/>
+              <a:t>Web.config</a:t>
+            </a:r>
+            <a:endParaRPr lang="en-US" dirty="0"/>
+          </a:p>
+          <a:p>
+            <a:pPr marL="573088" lvl="1" indent="-342900">
+              <a:buFont typeface="Arial" panose="020B0604020202020204" pitchFamily="34" charset="0"/>
+              <a:buChar char="•"/>
+            </a:pPr>
+            <a:endParaRPr lang="en-US" dirty="0"/>
+          </a:p>
+          <a:p>
+            <a:pPr marL="342900" indent="-342900">
+              <a:buFont typeface="Arial" panose="020B0604020202020204" pitchFamily="34" charset="0"/>
+              <a:buChar char="•"/>
+            </a:pPr>
+            <a:endParaRPr lang="en-US" dirty="0"/>
+          </a:p>
+        </p:txBody>
+      </p:sp>
+    </p:spTree>
+    <p:extLst>
+      <p:ext uri="{BB962C8B-B14F-4D97-AF65-F5344CB8AC3E}">
+        <p14:creationId xmlns:p14="http://schemas.microsoft.com/office/powerpoint/2010/main" val="4024958778"/>
       </p:ext>
     </p:extLst>
   </p:cSld>
@@ -8376,6 +10689,369 @@
 </p:sld>
 </file>
 
+<file path=ppt/slides/slide20.xml><?xml version="1.0" encoding="utf-8"?>
+<p:sld xmlns:a="http://schemas.openxmlformats.org/drawingml/2006/main" xmlns:r="http://schemas.openxmlformats.org/officeDocument/2006/relationships" xmlns:p="http://schemas.openxmlformats.org/presentationml/2006/main">
+  <p:cSld>
+    <p:spTree>
+      <p:nvGrpSpPr>
+        <p:cNvPr id="1" name=""/>
+        <p:cNvGrpSpPr/>
+        <p:nvPr/>
+      </p:nvGrpSpPr>
+      <p:grpSpPr>
+        <a:xfrm>
+          <a:off x="0" y="0"/>
+          <a:ext cx="0" cy="0"/>
+          <a:chOff x="0" y="0"/>
+          <a:chExt cx="0" cy="0"/>
+        </a:xfrm>
+      </p:grpSpPr>
+      <p:sp>
+        <p:nvSpPr>
+          <p:cNvPr id="2" name="Title 1"/>
+          <p:cNvSpPr>
+            <a:spLocks noGrp="1"/>
+          </p:cNvSpPr>
+          <p:nvPr>
+            <p:ph type="title"/>
+          </p:nvPr>
+        </p:nvSpPr>
+        <p:spPr/>
+        <p:txBody>
+          <a:bodyPr/>
+          <a:lstStyle/>
+          <a:p>
+            <a:r>
+              <a:rPr lang="en-US" dirty="0"/>
+              <a:t>ASP.NET Core</a:t>
+            </a:r>
+          </a:p>
+        </p:txBody>
+      </p:sp>
+      <p:sp>
+        <p:nvSpPr>
+          <p:cNvPr id="3" name="Content Placeholder 2"/>
+          <p:cNvSpPr>
+            <a:spLocks noGrp="1"/>
+          </p:cNvSpPr>
+          <p:nvPr>
+            <p:ph idx="1"/>
+          </p:nvPr>
+        </p:nvSpPr>
+        <p:spPr/>
+        <p:txBody>
+          <a:bodyPr/>
+          <a:lstStyle/>
+          <a:p>
+            <a:pPr marL="342900" indent="-342900">
+              <a:buFont typeface="Arial" panose="020B0604020202020204" pitchFamily="34" charset="0"/>
+              <a:buChar char="•"/>
+            </a:pPr>
+            <a:r>
+              <a:rPr lang="en-US" dirty="0" err="1"/>
+              <a:t>dotnetcore_workshop</a:t>
+            </a:r>
+            <a:endParaRPr lang="en-US" dirty="0"/>
+          </a:p>
+          <a:p>
+            <a:pPr marL="342900" indent="-342900">
+              <a:buFont typeface="Arial" panose="020B0604020202020204" pitchFamily="34" charset="0"/>
+              <a:buChar char="•"/>
+            </a:pPr>
+            <a:endParaRPr lang="en-US" dirty="0"/>
+          </a:p>
+          <a:p>
+            <a:pPr marL="342900" indent="-342900">
+              <a:buFont typeface="Arial" panose="020B0604020202020204" pitchFamily="34" charset="0"/>
+              <a:buChar char="•"/>
+            </a:pPr>
+            <a:r>
+              <a:rPr lang="en-US" dirty="0"/>
+              <a:t>Look for TODOs</a:t>
+            </a:r>
+          </a:p>
+          <a:p>
+            <a:pPr marL="342900" indent="-342900">
+              <a:buFont typeface="Arial" panose="020B0604020202020204" pitchFamily="34" charset="0"/>
+              <a:buChar char="•"/>
+            </a:pPr>
+            <a:endParaRPr lang="en-US" dirty="0"/>
+          </a:p>
+          <a:p>
+            <a:pPr marL="342900" indent="-342900">
+              <a:buFont typeface="Arial" panose="020B0604020202020204" pitchFamily="34" charset="0"/>
+              <a:buChar char="•"/>
+            </a:pPr>
+            <a:r>
+              <a:rPr lang="en-US" dirty="0"/>
+              <a:t>Files included:</a:t>
+            </a:r>
+          </a:p>
+          <a:p>
+            <a:pPr marL="573088" lvl="1" indent="-342900">
+              <a:buFont typeface="Arial" panose="020B0604020202020204" pitchFamily="34" charset="0"/>
+              <a:buChar char="•"/>
+            </a:pPr>
+            <a:r>
+              <a:rPr lang="en-US" dirty="0" err="1"/>
+              <a:t>appsettings.json</a:t>
+            </a:r>
+            <a:endParaRPr lang="en-US" dirty="0"/>
+          </a:p>
+          <a:p>
+            <a:pPr marL="573088" lvl="1" indent="-342900">
+              <a:buFont typeface="Arial" panose="020B0604020202020204" pitchFamily="34" charset="0"/>
+              <a:buChar char="•"/>
+            </a:pPr>
+            <a:r>
+              <a:rPr lang="en-US" dirty="0" err="1"/>
+              <a:t>PersonController.cs</a:t>
+            </a:r>
+            <a:endParaRPr lang="en-US" dirty="0"/>
+          </a:p>
+          <a:p>
+            <a:pPr marL="573088" lvl="1" indent="-342900">
+              <a:buFont typeface="Arial" panose="020B0604020202020204" pitchFamily="34" charset="0"/>
+              <a:buChar char="•"/>
+            </a:pPr>
+            <a:r>
+              <a:rPr lang="en-US" dirty="0" err="1"/>
+              <a:t>Startup.cs</a:t>
+            </a:r>
+            <a:endParaRPr lang="en-US" dirty="0"/>
+          </a:p>
+          <a:p>
+            <a:pPr marL="573088" lvl="1" indent="-342900">
+              <a:buFont typeface="Arial" panose="020B0604020202020204" pitchFamily="34" charset="0"/>
+              <a:buChar char="•"/>
+            </a:pPr>
+            <a:endParaRPr lang="en-US" dirty="0"/>
+          </a:p>
+          <a:p>
+            <a:pPr marL="573088" lvl="1" indent="-342900">
+              <a:buFont typeface="Arial" panose="020B0604020202020204" pitchFamily="34" charset="0"/>
+              <a:buChar char="•"/>
+            </a:pPr>
+            <a:endParaRPr lang="en-US" dirty="0"/>
+          </a:p>
+          <a:p>
+            <a:pPr marL="342900" indent="-342900">
+              <a:buFont typeface="Arial" panose="020B0604020202020204" pitchFamily="34" charset="0"/>
+              <a:buChar char="•"/>
+            </a:pPr>
+            <a:endParaRPr lang="en-US" dirty="0"/>
+          </a:p>
+        </p:txBody>
+      </p:sp>
+    </p:spTree>
+    <p:extLst>
+      <p:ext uri="{BB962C8B-B14F-4D97-AF65-F5344CB8AC3E}">
+        <p14:creationId xmlns:p14="http://schemas.microsoft.com/office/powerpoint/2010/main" val="2793661999"/>
+      </p:ext>
+    </p:extLst>
+  </p:cSld>
+  <p:clrMapOvr>
+    <a:masterClrMapping/>
+  </p:clrMapOvr>
+</p:sld>
+</file>
+
+<file path=ppt/slides/slide21.xml><?xml version="1.0" encoding="utf-8"?>
+<p:sld xmlns:a="http://schemas.openxmlformats.org/drawingml/2006/main" xmlns:r="http://schemas.openxmlformats.org/officeDocument/2006/relationships" xmlns:p="http://schemas.openxmlformats.org/presentationml/2006/main">
+  <p:cSld>
+    <p:spTree>
+      <p:nvGrpSpPr>
+        <p:cNvPr id="1" name=""/>
+        <p:cNvGrpSpPr/>
+        <p:nvPr/>
+      </p:nvGrpSpPr>
+      <p:grpSpPr>
+        <a:xfrm>
+          <a:off x="0" y="0"/>
+          <a:ext cx="0" cy="0"/>
+          <a:chOff x="0" y="0"/>
+          <a:chExt cx="0" cy="0"/>
+        </a:xfrm>
+      </p:grpSpPr>
+      <p:sp>
+        <p:nvSpPr>
+          <p:cNvPr id="2" name="Title 1"/>
+          <p:cNvSpPr>
+            <a:spLocks noGrp="1"/>
+          </p:cNvSpPr>
+          <p:nvPr>
+            <p:ph type="title"/>
+          </p:nvPr>
+        </p:nvSpPr>
+        <p:spPr/>
+        <p:txBody>
+          <a:bodyPr/>
+          <a:lstStyle/>
+          <a:p>
+            <a:r>
+              <a:rPr lang="en-US" dirty="0"/>
+              <a:t>How to execute</a:t>
+            </a:r>
+          </a:p>
+        </p:txBody>
+      </p:sp>
+      <p:sp>
+        <p:nvSpPr>
+          <p:cNvPr id="3" name="Content Placeholder 2"/>
+          <p:cNvSpPr>
+            <a:spLocks noGrp="1"/>
+          </p:cNvSpPr>
+          <p:nvPr>
+            <p:ph idx="1"/>
+          </p:nvPr>
+        </p:nvSpPr>
+        <p:spPr/>
+        <p:txBody>
+          <a:bodyPr/>
+          <a:lstStyle/>
+          <a:p>
+            <a:r>
+              <a:rPr lang="en-US" dirty="0"/>
+              <a:t>Execute RESTful API backend:</a:t>
+            </a:r>
+          </a:p>
+          <a:p>
+            <a:endParaRPr lang="en-US" dirty="0"/>
+          </a:p>
+          <a:p>
+            <a:pPr marL="342900" indent="-342900">
+              <a:buFont typeface="Arial" panose="020B0604020202020204" pitchFamily="34" charset="0"/>
+              <a:buChar char="•"/>
+            </a:pPr>
+            <a:r>
+              <a:rPr lang="en-US" dirty="0"/>
+              <a:t>Visual Studio: F5 (or ctrl+f5)</a:t>
+            </a:r>
+          </a:p>
+          <a:p>
+            <a:pPr marL="342900" indent="-342900">
+              <a:buFont typeface="Arial" panose="020B0604020202020204" pitchFamily="34" charset="0"/>
+              <a:buChar char="•"/>
+            </a:pPr>
+            <a:r>
+              <a:rPr lang="en-US" dirty="0" err="1">
+                <a:latin typeface="Consolas" panose="020B0609020204030204" pitchFamily="49" charset="0"/>
+              </a:rPr>
+              <a:t>dotnet</a:t>
+            </a:r>
+            <a:r>
+              <a:rPr lang="en-US" dirty="0">
+                <a:latin typeface="Consolas" panose="020B0609020204030204" pitchFamily="49" charset="0"/>
+              </a:rPr>
+              <a:t> run</a:t>
+            </a:r>
+            <a:r>
+              <a:rPr lang="en-US" dirty="0"/>
+              <a:t> from command line</a:t>
+            </a:r>
+          </a:p>
+        </p:txBody>
+      </p:sp>
+    </p:spTree>
+    <p:extLst>
+      <p:ext uri="{BB962C8B-B14F-4D97-AF65-F5344CB8AC3E}">
+        <p14:creationId xmlns:p14="http://schemas.microsoft.com/office/powerpoint/2010/main" val="576445989"/>
+      </p:ext>
+    </p:extLst>
+  </p:cSld>
+  <p:clrMapOvr>
+    <a:masterClrMapping/>
+  </p:clrMapOvr>
+</p:sld>
+</file>
+
+<file path=ppt/slides/slide22.xml><?xml version="1.0" encoding="utf-8"?>
+<p:sld xmlns:a="http://schemas.openxmlformats.org/drawingml/2006/main" xmlns:r="http://schemas.openxmlformats.org/officeDocument/2006/relationships" xmlns:p="http://schemas.openxmlformats.org/presentationml/2006/main">
+  <p:cSld>
+    <p:spTree>
+      <p:nvGrpSpPr>
+        <p:cNvPr id="1" name=""/>
+        <p:cNvGrpSpPr/>
+        <p:nvPr/>
+      </p:nvGrpSpPr>
+      <p:grpSpPr>
+        <a:xfrm>
+          <a:off x="0" y="0"/>
+          <a:ext cx="0" cy="0"/>
+          <a:chOff x="0" y="0"/>
+          <a:chExt cx="0" cy="0"/>
+        </a:xfrm>
+      </p:grpSpPr>
+      <p:sp>
+        <p:nvSpPr>
+          <p:cNvPr id="2" name="Title 1"/>
+          <p:cNvSpPr>
+            <a:spLocks noGrp="1"/>
+          </p:cNvSpPr>
+          <p:nvPr>
+            <p:ph type="title"/>
+          </p:nvPr>
+        </p:nvSpPr>
+        <p:spPr/>
+        <p:txBody>
+          <a:bodyPr/>
+          <a:lstStyle/>
+          <a:p>
+            <a:r>
+              <a:rPr lang="en-US" dirty="0"/>
+              <a:t>Exercise: Getting Started</a:t>
+            </a:r>
+          </a:p>
+        </p:txBody>
+      </p:sp>
+      <p:sp>
+        <p:nvSpPr>
+          <p:cNvPr id="3" name="Content Placeholder 2"/>
+          <p:cNvSpPr>
+            <a:spLocks noGrp="1"/>
+          </p:cNvSpPr>
+          <p:nvPr>
+            <p:ph idx="1"/>
+          </p:nvPr>
+        </p:nvSpPr>
+        <p:spPr/>
+        <p:txBody>
+          <a:bodyPr/>
+          <a:lstStyle/>
+          <a:p>
+            <a:r>
+              <a:rPr lang="en-US" b="1" dirty="0"/>
+              <a:t>At the end of the lab, your app should be able to </a:t>
+            </a:r>
+            <a:r>
+              <a:rPr lang="en-US" b="1" u="sng" dirty="0"/>
+              <a:t>list, add, edit, and delete.</a:t>
+            </a:r>
+          </a:p>
+          <a:p>
+            <a:endParaRPr lang="en-US" dirty="0"/>
+          </a:p>
+          <a:p>
+            <a:r>
+              <a:rPr lang="en-US" dirty="0"/>
+              <a:t>If you have questions or are running into a problem, I'll be walking around helping you individually.</a:t>
+            </a:r>
+          </a:p>
+        </p:txBody>
+      </p:sp>
+    </p:spTree>
+    <p:extLst>
+      <p:ext uri="{BB962C8B-B14F-4D97-AF65-F5344CB8AC3E}">
+        <p14:creationId xmlns:p14="http://schemas.microsoft.com/office/powerpoint/2010/main" val="1980548735"/>
+      </p:ext>
+    </p:extLst>
+  </p:cSld>
+  <p:clrMapOvr>
+    <a:masterClrMapping/>
+  </p:clrMapOvr>
+</p:sld>
+</file>
+
 <file path=ppt/slides/slide3.xml><?xml version="1.0" encoding="utf-8"?>
 <p:sld xmlns:a="http://schemas.openxmlformats.org/drawingml/2006/main" xmlns:r="http://schemas.openxmlformats.org/officeDocument/2006/relationships" xmlns:p="http://schemas.openxmlformats.org/presentationml/2006/main">
   <p:cSld>
@@ -8445,10 +11121,17 @@
             <a:endParaRPr lang="en-US" dirty="0"/>
           </a:p>
           <a:p>
-            <a:pPr marL="573088" lvl="1" indent="-342900">
+            <a:pPr marL="342900" indent="-342900">
               <a:buFont typeface="Arial" charset="0"/>
               <a:buChar char="•"/>
             </a:pPr>
+            <a:endParaRPr lang="en-US" dirty="0"/>
+          </a:p>
+          <a:p>
+            <a:pPr marL="342900" indent="-342900">
+              <a:buFont typeface="Arial" charset="0"/>
+              <a:buChar char="•"/>
+            </a:pPr>
             <a:r>
               <a:rPr lang="en-US" dirty="0"/>
               <a:t>Or .NET Core – ASP.NET Core </a:t>
@@ -8457,6 +11140,13 @@
               <a:rPr lang="en-US" dirty="0" err="1"/>
               <a:t>WebAPI</a:t>
             </a:r>
+            <a:endParaRPr lang="en-US" dirty="0"/>
+          </a:p>
+          <a:p>
+            <a:pPr marL="342900" indent="-342900">
+              <a:buFont typeface="Arial" charset="0"/>
+              <a:buChar char="•"/>
+            </a:pPr>
             <a:endParaRPr lang="en-US" dirty="0"/>
           </a:p>
           <a:p>
@@ -8564,7 +11254,7 @@
           <a:p>
             <a:r>
               <a:rPr lang="en-US" dirty="0"/>
-              <a:t>Exercise: Fill in the blanks</a:t>
+              <a:t>ASP.NET</a:t>
             </a:r>
           </a:p>
         </p:txBody>
@@ -8572,286 +11262,81 @@
       <p:sp>
         <p:nvSpPr>
           <p:cNvPr id="3" name="Content Placeholder 2"/>
-          <p:cNvSpPr txBox="1">
-            <a:spLocks/>
-          </p:cNvSpPr>
-          <p:nvPr/>
-        </p:nvSpPr>
-        <p:spPr>
-          <a:xfrm>
-            <a:off x="198157" y="838200"/>
-            <a:ext cx="8802967" cy="3394472"/>
-          </a:xfrm>
-          <a:prstGeom prst="rect">
-            <a:avLst/>
-          </a:prstGeom>
-        </p:spPr>
+          <p:cNvSpPr>
+            <a:spLocks noGrp="1"/>
+          </p:cNvSpPr>
+          <p:nvPr>
+            <p:ph idx="1"/>
+          </p:nvPr>
+        </p:nvSpPr>
+        <p:spPr/>
         <p:txBody>
           <a:bodyPr/>
-          <a:lstStyle>
-            <a:lvl1pPr marL="228600" indent="-228600" algn="l" defTabSz="457200" rtl="0" eaLnBrk="1" latinLnBrk="0" hangingPunct="1">
-              <a:spcBef>
-                <a:spcPts val="0"/>
-              </a:spcBef>
-              <a:buClr>
-                <a:schemeClr val="accent1"/>
-              </a:buClr>
-              <a:buFont typeface="Wingdings" charset="2"/>
-              <a:buChar char="§"/>
-              <a:defRPr sz="2400" kern="1200">
-                <a:solidFill>
-                  <a:schemeClr val="tx1"/>
-                </a:solidFill>
-                <a:latin typeface="+mn-lt"/>
-                <a:ea typeface="+mn-ea"/>
-                <a:cs typeface="+mn-cs"/>
-              </a:defRPr>
-            </a:lvl1pPr>
-            <a:lvl2pPr marL="455613" indent="-227013" algn="l" defTabSz="457200" rtl="0" eaLnBrk="1" latinLnBrk="0" hangingPunct="1">
-              <a:spcBef>
-                <a:spcPts val="0"/>
-              </a:spcBef>
-              <a:buClr>
-                <a:srgbClr val="262626"/>
-              </a:buClr>
-              <a:buFont typeface="Wingdings" charset="2"/>
-              <a:buChar char="§"/>
-              <a:defRPr sz="2000" kern="1200">
-                <a:solidFill>
-                  <a:schemeClr val="tx1"/>
-                </a:solidFill>
-                <a:latin typeface="+mn-lt"/>
-                <a:ea typeface="+mn-ea"/>
-                <a:cs typeface="+mn-cs"/>
-              </a:defRPr>
-            </a:lvl2pPr>
-            <a:lvl3pPr marL="455613" indent="-228600" algn="l" defTabSz="457200" rtl="0" eaLnBrk="1" latinLnBrk="0" hangingPunct="1">
-              <a:spcBef>
-                <a:spcPts val="0"/>
-              </a:spcBef>
-              <a:buClr>
-                <a:srgbClr val="262626"/>
-              </a:buClr>
-              <a:buFont typeface="Wingdings" charset="2"/>
-              <a:buChar char="§"/>
-              <a:defRPr sz="2000" kern="1200">
-                <a:solidFill>
-                  <a:schemeClr val="tx1"/>
-                </a:solidFill>
-                <a:latin typeface="+mn-lt"/>
-                <a:ea typeface="+mn-ea"/>
-                <a:cs typeface="+mn-cs"/>
-              </a:defRPr>
-            </a:lvl3pPr>
-            <a:lvl4pPr marL="455613" indent="-228600" algn="l" defTabSz="457200" rtl="0" eaLnBrk="1" latinLnBrk="0" hangingPunct="1">
-              <a:spcBef>
-                <a:spcPts val="0"/>
-              </a:spcBef>
-              <a:buClr>
-                <a:srgbClr val="262626"/>
-              </a:buClr>
-              <a:buFont typeface="Wingdings" charset="2"/>
-              <a:buChar char="§"/>
-              <a:defRPr sz="2000" kern="1200">
-                <a:solidFill>
-                  <a:schemeClr val="tx1"/>
-                </a:solidFill>
-                <a:latin typeface="+mn-lt"/>
-                <a:ea typeface="+mn-ea"/>
-                <a:cs typeface="+mn-cs"/>
-              </a:defRPr>
-            </a:lvl4pPr>
-            <a:lvl5pPr marL="455613" indent="-228600" algn="l" defTabSz="457200" rtl="0" eaLnBrk="1" latinLnBrk="0" hangingPunct="1">
-              <a:spcBef>
-                <a:spcPts val="200"/>
-              </a:spcBef>
-              <a:buClr>
-                <a:srgbClr val="262626"/>
-              </a:buClr>
-              <a:buFont typeface="Wingdings" charset="2"/>
-              <a:buChar char="§"/>
-              <a:defRPr sz="2000" kern="1200">
-                <a:solidFill>
-                  <a:schemeClr val="tx1"/>
-                </a:solidFill>
-                <a:latin typeface="+mn-lt"/>
-                <a:ea typeface="+mn-ea"/>
-                <a:cs typeface="+mn-cs"/>
-              </a:defRPr>
-            </a:lvl5pPr>
-            <a:lvl6pPr marL="2514600" indent="-228600" algn="l" defTabSz="457200" rtl="0" eaLnBrk="1" latinLnBrk="0" hangingPunct="1">
-              <a:spcBef>
-                <a:spcPct val="20000"/>
-              </a:spcBef>
-              <a:buFont typeface="Arial"/>
-              <a:buChar char="•"/>
-              <a:defRPr sz="2000" kern="1200">
-                <a:solidFill>
-                  <a:schemeClr val="tx1"/>
-                </a:solidFill>
-                <a:latin typeface="+mn-lt"/>
-                <a:ea typeface="+mn-ea"/>
-                <a:cs typeface="+mn-cs"/>
-              </a:defRPr>
-            </a:lvl6pPr>
-            <a:lvl7pPr marL="2971800" indent="-228600" algn="l" defTabSz="457200" rtl="0" eaLnBrk="1" latinLnBrk="0" hangingPunct="1">
-              <a:spcBef>
-                <a:spcPct val="20000"/>
-              </a:spcBef>
-              <a:buFont typeface="Arial"/>
-              <a:buChar char="•"/>
-              <a:defRPr sz="2000" kern="1200">
-                <a:solidFill>
-                  <a:schemeClr val="tx1"/>
-                </a:solidFill>
-                <a:latin typeface="+mn-lt"/>
-                <a:ea typeface="+mn-ea"/>
-                <a:cs typeface="+mn-cs"/>
-              </a:defRPr>
-            </a:lvl7pPr>
-            <a:lvl8pPr marL="3429000" indent="-228600" algn="l" defTabSz="457200" rtl="0" eaLnBrk="1" latinLnBrk="0" hangingPunct="1">
-              <a:spcBef>
-                <a:spcPct val="20000"/>
-              </a:spcBef>
-              <a:buFont typeface="Arial"/>
-              <a:buChar char="•"/>
-              <a:defRPr sz="2000" kern="1200">
-                <a:solidFill>
-                  <a:schemeClr val="tx1"/>
-                </a:solidFill>
-                <a:latin typeface="+mn-lt"/>
-                <a:ea typeface="+mn-ea"/>
-                <a:cs typeface="+mn-cs"/>
-              </a:defRPr>
-            </a:lvl8pPr>
-            <a:lvl9pPr marL="3886200" indent="-228600" algn="l" defTabSz="457200" rtl="0" eaLnBrk="1" latinLnBrk="0" hangingPunct="1">
-              <a:spcBef>
-                <a:spcPct val="20000"/>
-              </a:spcBef>
-              <a:buFont typeface="Arial"/>
-              <a:buChar char="•"/>
-              <a:defRPr sz="2000" kern="1200">
-                <a:solidFill>
-                  <a:schemeClr val="tx1"/>
-                </a:solidFill>
-                <a:latin typeface="+mn-lt"/>
-                <a:ea typeface="+mn-ea"/>
-                <a:cs typeface="+mn-cs"/>
-              </a:defRPr>
-            </a:lvl9pPr>
-          </a:lstStyle>
+          <a:lstStyle/>
           <a:p>
             <a:pPr marL="342900" indent="-342900">
-              <a:buFont typeface="Arial" charset="0"/>
+              <a:buFont typeface="Arial" panose="020B0604020202020204" pitchFamily="34" charset="0"/>
               <a:buChar char="•"/>
             </a:pPr>
             <a:r>
               <a:rPr lang="en-US" dirty="0"/>
-              <a:t>Fill in the blanks to make the application work</a:t>
-            </a:r>
-          </a:p>
-          <a:p>
-            <a:pPr marL="569913" lvl="1" indent="-342900">
-              <a:buFont typeface="Arial" charset="0"/>
-              <a:buChar char="•"/>
-            </a:pPr>
-            <a:r>
-              <a:rPr lang="en-US" dirty="0" err="1"/>
-              <a:t>dotnet_workshop</a:t>
-            </a:r>
-            <a:r>
-              <a:rPr lang="en-US" dirty="0"/>
-              <a:t> or </a:t>
-            </a:r>
-            <a:r>
-              <a:rPr lang="en-US" dirty="0" err="1"/>
-              <a:t>dotnetcore_workshop</a:t>
-            </a:r>
-            <a:endParaRPr lang="en-US" dirty="0"/>
-          </a:p>
-          <a:p>
-            <a:pPr marL="569913" lvl="1" indent="-342900">
-              <a:buFont typeface="Arial" charset="0"/>
-              <a:buChar char="•"/>
-            </a:pPr>
-            <a:r>
-              <a:rPr lang="en-US" dirty="0"/>
-              <a:t>Completed versions are in </a:t>
-            </a:r>
-            <a:r>
-              <a:rPr lang="en-US" dirty="0" err="1"/>
-              <a:t>dotnet</a:t>
-            </a:r>
-            <a:r>
-              <a:rPr lang="en-US" dirty="0"/>
-              <a:t>, </a:t>
-            </a:r>
-            <a:r>
-              <a:rPr lang="en-US" dirty="0" err="1"/>
-              <a:t>dotnetcore</a:t>
-            </a:r>
-            <a:endParaRPr lang="en-US" dirty="0"/>
+              <a:t>Relies on IIS</a:t>
+            </a:r>
           </a:p>
           <a:p>
             <a:pPr marL="342900" indent="-342900">
-              <a:buFont typeface="Arial" charset="0"/>
+              <a:buFont typeface="Arial" panose="020B0604020202020204" pitchFamily="34" charset="0"/>
               <a:buChar char="•"/>
             </a:pPr>
             <a:endParaRPr lang="en-US" dirty="0"/>
           </a:p>
           <a:p>
             <a:pPr marL="342900" indent="-342900">
-              <a:buFont typeface="Arial" charset="0"/>
+              <a:buFont typeface="Arial" panose="020B0604020202020204" pitchFamily="34" charset="0"/>
               <a:buChar char="•"/>
             </a:pPr>
             <a:r>
               <a:rPr lang="en-US" dirty="0"/>
-              <a:t>Checkout the code from </a:t>
-            </a:r>
-            <a:r>
-              <a:rPr lang="en-US" dirty="0" err="1"/>
-              <a:t>Github</a:t>
-            </a:r>
-            <a:endParaRPr lang="en-US" dirty="0"/>
-          </a:p>
-          <a:p>
-            <a:pPr marL="569913" lvl="1" indent="-342900">
-              <a:buFont typeface="Arial" charset="0"/>
-              <a:buChar char="•"/>
-            </a:pPr>
-            <a:r>
-              <a:rPr lang="en-US" sz="1800" dirty="0">
-                <a:hlinkClick r:id="rId2"/>
-              </a:rPr>
-              <a:t>https://github.com/couchbaselabs/aspnet-nosql-workshop/tree/master/03</a:t>
-            </a:r>
-            <a:endParaRPr lang="en-US" sz="1800" dirty="0"/>
-          </a:p>
-          <a:p>
-            <a:pPr marL="569913" lvl="1" indent="-342900">
-              <a:buFont typeface="Arial" charset="0"/>
+              <a:t>Controllers contain methods</a:t>
+            </a:r>
+          </a:p>
+          <a:p>
+            <a:pPr marL="342900" indent="-342900">
+              <a:buFont typeface="Arial" panose="020B0604020202020204" pitchFamily="34" charset="0"/>
               <a:buChar char="•"/>
             </a:pPr>
             <a:endParaRPr lang="en-US" dirty="0"/>
           </a:p>
           <a:p>
             <a:pPr marL="342900" indent="-342900">
-              <a:buFont typeface="Arial" charset="0"/>
+              <a:buFont typeface="Arial" panose="020B0604020202020204" pitchFamily="34" charset="0"/>
               <a:buChar char="•"/>
             </a:pPr>
             <a:r>
-              <a:rPr lang="en-US" dirty="0"/>
-              <a:t>The source code is also available on USB sticks</a:t>
-            </a:r>
+              <a:rPr lang="en-US" dirty="0" err="1"/>
+              <a:t>Global.asax.cs</a:t>
+            </a:r>
+            <a:endParaRPr lang="en-US" dirty="0"/>
           </a:p>
           <a:p>
             <a:pPr marL="342900" indent="-342900">
-              <a:buFont typeface="Arial" charset="0"/>
+              <a:buFont typeface="Arial" panose="020B0604020202020204" pitchFamily="34" charset="0"/>
               <a:buChar char="•"/>
             </a:pPr>
-            <a:endParaRPr lang="en-US" b="1" dirty="0"/>
-          </a:p>
-          <a:p>
+            <a:endParaRPr lang="en-US" dirty="0"/>
+          </a:p>
+          <a:p>
+            <a:pPr marL="573088" lvl="1" indent="-342900">
+              <a:buFont typeface="Arial" panose="020B0604020202020204" pitchFamily="34" charset="0"/>
+              <a:buChar char="•"/>
+            </a:pPr>
+            <a:endParaRPr lang="en-US" dirty="0"/>
+          </a:p>
+          <a:p>
+            <a:pPr marL="342900" indent="-342900">
+              <a:buFont typeface="Arial" panose="020B0604020202020204" pitchFamily="34" charset="0"/>
+              <a:buChar char="•"/>
+            </a:pPr>
             <a:endParaRPr lang="en-US" dirty="0"/>
           </a:p>
         </p:txBody>
@@ -8859,7 +11344,7 @@
     </p:spTree>
     <p:extLst>
       <p:ext uri="{BB962C8B-B14F-4D97-AF65-F5344CB8AC3E}">
-        <p14:creationId xmlns:p14="http://schemas.microsoft.com/office/powerpoint/2010/main" val="4131121896"/>
+        <p14:creationId xmlns:p14="http://schemas.microsoft.com/office/powerpoint/2010/main" val="4291799914"/>
       </p:ext>
     </p:extLst>
   </p:cSld>
@@ -8903,7 +11388,7 @@
           <a:p>
             <a:r>
               <a:rPr lang="en-US" dirty="0"/>
-              <a:t>Exercise: Getting Started</a:t>
+              <a:t>ASP.NET Core</a:t>
             </a:r>
           </a:p>
         </p:txBody>
@@ -8923,140 +11408,14 @@
           <a:bodyPr/>
           <a:lstStyle/>
           <a:p>
-            <a:r>
-              <a:rPr lang="en-US" dirty="0"/>
-              <a:t>We’re going to fill in one of the blanks together, one for each language/platform.</a:t>
-            </a:r>
-          </a:p>
-          <a:p>
-            <a:endParaRPr lang="en-US" dirty="0"/>
-          </a:p>
-          <a:p>
-            <a:r>
-              <a:rPr lang="en-US" dirty="0"/>
-              <a:t>The rest of the them are up to you.</a:t>
-            </a:r>
-          </a:p>
-          <a:p>
-            <a:endParaRPr lang="en-US" dirty="0"/>
-          </a:p>
-          <a:p>
-            <a:r>
-              <a:rPr lang="en-US" b="1" dirty="0"/>
-              <a:t>At the end of the lab, your app should be able to </a:t>
-            </a:r>
-            <a:r>
-              <a:rPr lang="en-US" b="1" u="sng" dirty="0"/>
-              <a:t>list, add, edit, and delete.</a:t>
-            </a:r>
-          </a:p>
-          <a:p>
-            <a:endParaRPr lang="en-US" dirty="0"/>
-          </a:p>
-          <a:p>
-            <a:r>
-              <a:rPr lang="en-US" dirty="0"/>
-              <a:t>If you have questions or are running into a problem, we’ll be walking around helping you individually.</a:t>
-            </a:r>
-          </a:p>
-        </p:txBody>
-      </p:sp>
-    </p:spTree>
-    <p:extLst>
-      <p:ext uri="{BB962C8B-B14F-4D97-AF65-F5344CB8AC3E}">
-        <p14:creationId xmlns:p14="http://schemas.microsoft.com/office/powerpoint/2010/main" val="3024447773"/>
-      </p:ext>
-    </p:extLst>
-  </p:cSld>
-  <p:clrMapOvr>
-    <a:masterClrMapping/>
-  </p:clrMapOvr>
-</p:sld>
-</file>
-
-<file path=ppt/slides/slide6.xml><?xml version="1.0" encoding="utf-8"?>
-<p:sld xmlns:a="http://schemas.openxmlformats.org/drawingml/2006/main" xmlns:r="http://schemas.openxmlformats.org/officeDocument/2006/relationships" xmlns:p="http://schemas.openxmlformats.org/presentationml/2006/main">
-  <p:cSld>
-    <p:spTree>
-      <p:nvGrpSpPr>
-        <p:cNvPr id="1" name=""/>
-        <p:cNvGrpSpPr/>
-        <p:nvPr/>
-      </p:nvGrpSpPr>
-      <p:grpSpPr>
-        <a:xfrm>
-          <a:off x="0" y="0"/>
-          <a:ext cx="0" cy="0"/>
-          <a:chOff x="0" y="0"/>
-          <a:chExt cx="0" cy="0"/>
-        </a:xfrm>
-      </p:grpSpPr>
-      <p:sp>
-        <p:nvSpPr>
-          <p:cNvPr id="2" name="Title 1"/>
-          <p:cNvSpPr>
-            <a:spLocks noGrp="1"/>
-          </p:cNvSpPr>
-          <p:nvPr>
-            <p:ph type="title"/>
-          </p:nvPr>
-        </p:nvSpPr>
-        <p:spPr/>
-        <p:txBody>
-          <a:bodyPr/>
-          <a:lstStyle/>
-          <a:p>
-            <a:r>
-              <a:rPr lang="en-US" dirty="0"/>
-              <a:t>ASP.NET</a:t>
-            </a:r>
-          </a:p>
-        </p:txBody>
-      </p:sp>
-      <p:sp>
-        <p:nvSpPr>
-          <p:cNvPr id="3" name="Content Placeholder 2"/>
-          <p:cNvSpPr>
-            <a:spLocks noGrp="1"/>
-          </p:cNvSpPr>
-          <p:nvPr>
-            <p:ph idx="1"/>
-          </p:nvPr>
-        </p:nvSpPr>
-        <p:spPr/>
-        <p:txBody>
-          <a:bodyPr/>
-          <a:lstStyle/>
-          <a:p>
             <a:pPr marL="342900" indent="-342900">
               <a:buFont typeface="Arial" panose="020B0604020202020204" pitchFamily="34" charset="0"/>
               <a:buChar char="•"/>
             </a:pPr>
             <a:r>
               <a:rPr lang="en-US" dirty="0"/>
-              <a:t>Relies on IIS</a:t>
-            </a:r>
-          </a:p>
-          <a:p>
-            <a:pPr marL="342900" indent="-342900">
-              <a:buFont typeface="Arial" panose="020B0604020202020204" pitchFamily="34" charset="0"/>
-              <a:buChar char="•"/>
-            </a:pPr>
-            <a:r>
-              <a:rPr lang="en-US" dirty="0"/>
-              <a:t>Controllers contain methods</a:t>
-            </a:r>
-          </a:p>
-          <a:p>
-            <a:pPr marL="342900" indent="-342900">
-              <a:buFont typeface="Arial" panose="020B0604020202020204" pitchFamily="34" charset="0"/>
-              <a:buChar char="•"/>
-            </a:pPr>
-            <a:r>
-              <a:rPr lang="en-US" dirty="0" err="1"/>
-              <a:t>Global.asax.cs</a:t>
-            </a:r>
-            <a:endParaRPr lang="en-US" dirty="0"/>
+              <a:t>Runs as a "command line" app, uses Kestrel server</a:t>
+            </a:r>
           </a:p>
           <a:p>
             <a:pPr marL="342900" indent="-342900">
@@ -9066,11 +11425,14 @@
             <a:endParaRPr lang="en-US" dirty="0"/>
           </a:p>
           <a:p>
-            <a:pPr marL="573088" lvl="1" indent="-342900">
+            <a:pPr marL="342900" indent="-342900">
               <a:buFont typeface="Arial" panose="020B0604020202020204" pitchFamily="34" charset="0"/>
               <a:buChar char="•"/>
             </a:pPr>
-            <a:endParaRPr lang="en-US" dirty="0"/>
+            <a:r>
+              <a:rPr lang="en-US" dirty="0"/>
+              <a:t>Controllers contain methods</a:t>
+            </a:r>
           </a:p>
           <a:p>
             <a:pPr marL="342900" indent="-342900">
@@ -9078,94 +11440,6 @@
               <a:buChar char="•"/>
             </a:pPr>
             <a:endParaRPr lang="en-US" dirty="0"/>
-          </a:p>
-        </p:txBody>
-      </p:sp>
-    </p:spTree>
-    <p:extLst>
-      <p:ext uri="{BB962C8B-B14F-4D97-AF65-F5344CB8AC3E}">
-        <p14:creationId xmlns:p14="http://schemas.microsoft.com/office/powerpoint/2010/main" val="4291799914"/>
-      </p:ext>
-    </p:extLst>
-  </p:cSld>
-  <p:clrMapOvr>
-    <a:masterClrMapping/>
-  </p:clrMapOvr>
-</p:sld>
-</file>
-
-<file path=ppt/slides/slide7.xml><?xml version="1.0" encoding="utf-8"?>
-<p:sld xmlns:a="http://schemas.openxmlformats.org/drawingml/2006/main" xmlns:r="http://schemas.openxmlformats.org/officeDocument/2006/relationships" xmlns:p="http://schemas.openxmlformats.org/presentationml/2006/main">
-  <p:cSld>
-    <p:spTree>
-      <p:nvGrpSpPr>
-        <p:cNvPr id="1" name=""/>
-        <p:cNvGrpSpPr/>
-        <p:nvPr/>
-      </p:nvGrpSpPr>
-      <p:grpSpPr>
-        <a:xfrm>
-          <a:off x="0" y="0"/>
-          <a:ext cx="0" cy="0"/>
-          <a:chOff x="0" y="0"/>
-          <a:chExt cx="0" cy="0"/>
-        </a:xfrm>
-      </p:grpSpPr>
-      <p:sp>
-        <p:nvSpPr>
-          <p:cNvPr id="2" name="Title 1"/>
-          <p:cNvSpPr>
-            <a:spLocks noGrp="1"/>
-          </p:cNvSpPr>
-          <p:nvPr>
-            <p:ph type="title"/>
-          </p:nvPr>
-        </p:nvSpPr>
-        <p:spPr/>
-        <p:txBody>
-          <a:bodyPr/>
-          <a:lstStyle/>
-          <a:p>
-            <a:r>
-              <a:rPr lang="en-US" dirty="0"/>
-              <a:t>ASP.NET Core</a:t>
-            </a:r>
-          </a:p>
-        </p:txBody>
-      </p:sp>
-      <p:sp>
-        <p:nvSpPr>
-          <p:cNvPr id="3" name="Content Placeholder 2"/>
-          <p:cNvSpPr>
-            <a:spLocks noGrp="1"/>
-          </p:cNvSpPr>
-          <p:nvPr>
-            <p:ph idx="1"/>
-          </p:nvPr>
-        </p:nvSpPr>
-        <p:spPr/>
-        <p:txBody>
-          <a:bodyPr/>
-          <a:lstStyle/>
-          <a:p>
-            <a:pPr marL="342900" indent="-342900">
-              <a:buFont typeface="Arial" panose="020B0604020202020204" pitchFamily="34" charset="0"/>
-              <a:buChar char="•"/>
-            </a:pPr>
-            <a:r>
-              <a:rPr lang="en-US" dirty="0"/>
-              <a:t>Runs as a "command line" app, uses Kestrel server</a:t>
-            </a:r>
-          </a:p>
-          <a:p>
-            <a:pPr marL="342900" indent="-342900">
-              <a:buFont typeface="Arial" panose="020B0604020202020204" pitchFamily="34" charset="0"/>
-              <a:buChar char="•"/>
-            </a:pPr>
-            <a:r>
-              <a:rPr lang="en-US" dirty="0"/>
-              <a:t>Controllers contain methods</a:t>
-            </a:r>
           </a:p>
           <a:p>
             <a:pPr marL="342900" indent="-342900">
@@ -9202,7 +11476,7 @@
 </p:sld>
 </file>
 
-<file path=ppt/slides/slide8.xml><?xml version="1.0" encoding="utf-8"?>
+<file path=ppt/slides/slide6.xml><?xml version="1.0" encoding="utf-8"?>
 <p:sld xmlns:a="http://schemas.openxmlformats.org/drawingml/2006/main" xmlns:r="http://schemas.openxmlformats.org/officeDocument/2006/relationships" xmlns:p="http://schemas.openxmlformats.org/presentationml/2006/main">
   <p:cSld>
     <p:spTree>
@@ -9295,7 +11569,7 @@
 </p:sld>
 </file>
 
-<file path=ppt/slides/slide9.xml><?xml version="1.0" encoding="utf-8"?>
+<file path=ppt/slides/slide7.xml><?xml version="1.0" encoding="utf-8"?>
 <p:sld xmlns:a="http://schemas.openxmlformats.org/drawingml/2006/main" xmlns:r="http://schemas.openxmlformats.org/officeDocument/2006/relationships" xmlns:p="http://schemas.openxmlformats.org/presentationml/2006/main">
   <p:cSld>
     <p:spTree>
@@ -9662,6 +11936,230 @@
     <p:extLst>
       <p:ext uri="{BB962C8B-B14F-4D97-AF65-F5344CB8AC3E}">
         <p14:creationId xmlns:p14="http://schemas.microsoft.com/office/powerpoint/2010/main" val="3800037293"/>
+      </p:ext>
+    </p:extLst>
+  </p:cSld>
+  <p:clrMapOvr>
+    <a:masterClrMapping/>
+  </p:clrMapOvr>
+</p:sld>
+</file>
+
+<file path=ppt/slides/slide8.xml><?xml version="1.0" encoding="utf-8"?>
+<p:sld xmlns:a="http://schemas.openxmlformats.org/drawingml/2006/main" xmlns:r="http://schemas.openxmlformats.org/officeDocument/2006/relationships" xmlns:p="http://schemas.openxmlformats.org/presentationml/2006/main">
+  <p:cSld>
+    <p:spTree>
+      <p:nvGrpSpPr>
+        <p:cNvPr id="1" name=""/>
+        <p:cNvGrpSpPr/>
+        <p:nvPr/>
+      </p:nvGrpSpPr>
+      <p:grpSpPr>
+        <a:xfrm>
+          <a:off x="0" y="0"/>
+          <a:ext cx="0" cy="0"/>
+          <a:chOff x="0" y="0"/>
+          <a:chExt cx="0" cy="0"/>
+        </a:xfrm>
+      </p:grpSpPr>
+      <p:sp>
+        <p:nvSpPr>
+          <p:cNvPr id="2" name="Title 1"/>
+          <p:cNvSpPr>
+            <a:spLocks noGrp="1"/>
+          </p:cNvSpPr>
+          <p:nvPr>
+            <p:ph type="title"/>
+          </p:nvPr>
+        </p:nvSpPr>
+        <p:spPr/>
+        <p:txBody>
+          <a:bodyPr/>
+          <a:lstStyle/>
+          <a:p>
+            <a:r>
+              <a:rPr lang="en-US" dirty="0"/>
+              <a:t>ASP.NET vs ASP.NET Core</a:t>
+            </a:r>
+          </a:p>
+        </p:txBody>
+      </p:sp>
+      <p:pic>
+        <p:nvPicPr>
+          <p:cNvPr id="4" name="Picture 3"/>
+          <p:cNvPicPr>
+            <a:picLocks noChangeAspect="1"/>
+          </p:cNvPicPr>
+          <p:nvPr/>
+        </p:nvPicPr>
+        <p:blipFill>
+          <a:blip r:embed="rId3"/>
+          <a:stretch>
+            <a:fillRect/>
+          </a:stretch>
+        </p:blipFill>
+        <p:spPr>
+          <a:xfrm>
+            <a:off x="416615" y="1200064"/>
+            <a:ext cx="8307587" cy="2400386"/>
+          </a:xfrm>
+          <a:prstGeom prst="rect">
+            <a:avLst/>
+          </a:prstGeom>
+        </p:spPr>
+      </p:pic>
+    </p:spTree>
+    <p:extLst>
+      <p:ext uri="{BB962C8B-B14F-4D97-AF65-F5344CB8AC3E}">
+        <p14:creationId xmlns:p14="http://schemas.microsoft.com/office/powerpoint/2010/main" val="2466830981"/>
+      </p:ext>
+    </p:extLst>
+  </p:cSld>
+  <p:clrMapOvr>
+    <a:masterClrMapping/>
+  </p:clrMapOvr>
+</p:sld>
+</file>
+
+<file path=ppt/slides/slide9.xml><?xml version="1.0" encoding="utf-8"?>
+<p:sld xmlns:a="http://schemas.openxmlformats.org/drawingml/2006/main" xmlns:r="http://schemas.openxmlformats.org/officeDocument/2006/relationships" xmlns:p="http://schemas.openxmlformats.org/presentationml/2006/main">
+  <p:cSld>
+    <p:spTree>
+      <p:nvGrpSpPr>
+        <p:cNvPr id="1" name=""/>
+        <p:cNvGrpSpPr/>
+        <p:nvPr/>
+      </p:nvGrpSpPr>
+      <p:grpSpPr>
+        <a:xfrm>
+          <a:off x="0" y="0"/>
+          <a:ext cx="0" cy="0"/>
+          <a:chOff x="0" y="0"/>
+          <a:chExt cx="0" cy="0"/>
+        </a:xfrm>
+      </p:grpSpPr>
+      <p:sp>
+        <p:nvSpPr>
+          <p:cNvPr id="2" name="Title 1"/>
+          <p:cNvSpPr>
+            <a:spLocks noGrp="1"/>
+          </p:cNvSpPr>
+          <p:nvPr>
+            <p:ph type="title"/>
+          </p:nvPr>
+        </p:nvSpPr>
+        <p:spPr/>
+        <p:txBody>
+          <a:bodyPr/>
+          <a:lstStyle/>
+          <a:p>
+            <a:r>
+              <a:rPr lang="en-US" dirty="0" err="1"/>
+              <a:t>WebAPI</a:t>
+            </a:r>
+            <a:endParaRPr lang="en-US" dirty="0"/>
+          </a:p>
+        </p:txBody>
+      </p:sp>
+      <p:sp>
+        <p:nvSpPr>
+          <p:cNvPr id="3" name="Content Placeholder 2"/>
+          <p:cNvSpPr>
+            <a:spLocks noGrp="1"/>
+          </p:cNvSpPr>
+          <p:nvPr>
+            <p:ph idx="1"/>
+          </p:nvPr>
+        </p:nvSpPr>
+        <p:spPr/>
+        <p:txBody>
+          <a:bodyPr/>
+          <a:lstStyle/>
+          <a:p>
+            <a:pPr marL="342900" indent="-342900">
+              <a:buFont typeface="Arial" panose="020B0604020202020204" pitchFamily="34" charset="0"/>
+              <a:buChar char="•"/>
+            </a:pPr>
+            <a:r>
+              <a:rPr lang="en-US" dirty="0"/>
+              <a:t>There are a lot of similarities between ASP.NET and ASP.NET Core</a:t>
+            </a:r>
+          </a:p>
+          <a:p>
+            <a:pPr marL="342900" indent="-342900">
+              <a:buFont typeface="Arial" panose="020B0604020202020204" pitchFamily="34" charset="0"/>
+              <a:buChar char="•"/>
+            </a:pPr>
+            <a:endParaRPr lang="en-US" dirty="0"/>
+          </a:p>
+          <a:p>
+            <a:pPr marL="342900" indent="-342900">
+              <a:buFont typeface="Arial" panose="020B0604020202020204" pitchFamily="34" charset="0"/>
+              <a:buChar char="•"/>
+            </a:pPr>
+            <a:r>
+              <a:rPr lang="en-US" dirty="0"/>
+              <a:t>Similar to MVC:</a:t>
+            </a:r>
+          </a:p>
+          <a:p>
+            <a:pPr marL="573088" lvl="1" indent="-342900">
+              <a:buFont typeface="Arial" panose="020B0604020202020204" pitchFamily="34" charset="0"/>
+              <a:buChar char="•"/>
+            </a:pPr>
+            <a:r>
+              <a:rPr lang="en-US" sz="2000" dirty="0"/>
+              <a:t>Controllers: classes that inherit from a special base class</a:t>
+            </a:r>
+          </a:p>
+          <a:p>
+            <a:pPr marL="2857500" lvl="5" indent="-342900">
+              <a:buFont typeface="Arial" panose="020B0604020202020204" pitchFamily="34" charset="0"/>
+              <a:buChar char="•"/>
+            </a:pPr>
+            <a:endParaRPr lang="en-US" dirty="0"/>
+          </a:p>
+          <a:p>
+            <a:pPr marL="573088" lvl="1" indent="-342900">
+              <a:buFont typeface="Arial" panose="020B0604020202020204" pitchFamily="34" charset="0"/>
+              <a:buChar char="•"/>
+            </a:pPr>
+            <a:r>
+              <a:rPr lang="en-US" sz="2000" dirty="0"/>
+              <a:t>Methods: endpoints</a:t>
+            </a:r>
+          </a:p>
+          <a:p>
+            <a:pPr marL="573088" lvl="1" indent="-342900">
+              <a:buFont typeface="Arial" panose="020B0604020202020204" pitchFamily="34" charset="0"/>
+              <a:buChar char="•"/>
+            </a:pPr>
+            <a:endParaRPr lang="en-US" sz="2000" dirty="0"/>
+          </a:p>
+          <a:p>
+            <a:pPr marL="573088" lvl="1" indent="-342900">
+              <a:buFont typeface="Arial" panose="020B0604020202020204" pitchFamily="34" charset="0"/>
+              <a:buChar char="•"/>
+            </a:pPr>
+            <a:r>
+              <a:rPr lang="en-US" sz="2000" dirty="0"/>
+              <a:t>Optional </a:t>
+            </a:r>
+            <a:r>
+              <a:rPr lang="en-US" sz="2000" dirty="0" err="1"/>
+              <a:t>async</a:t>
+            </a:r>
+            <a:r>
+              <a:rPr lang="en-US" sz="2000" dirty="0"/>
+              <a:t>/await</a:t>
+            </a:r>
+          </a:p>
+        </p:txBody>
+      </p:sp>
+    </p:spTree>
+    <p:extLst>
+      <p:ext uri="{BB962C8B-B14F-4D97-AF65-F5344CB8AC3E}">
+        <p14:creationId xmlns:p14="http://schemas.microsoft.com/office/powerpoint/2010/main" val="1294541063"/>
       </p:ext>
     </p:extLst>
   </p:cSld>

--- a/03/03.pptx
+++ b/03/03.pptx
@@ -287,7 +287,7 @@
           <a:p>
             <a:fld id="{B5389E1E-C654-E943-9883-792E99AD7287}" type="datetimeFigureOut">
               <a:rPr lang="en-US" smtClean="0"/>
-              <a:t>3/20/2017</a:t>
+              <a:t>3/22/2017</a:t>
             </a:fld>
             <a:endParaRPr lang="en-US"/>
           </a:p>
@@ -453,7 +453,7 @@
           <a:p>
             <a:fld id="{9920D99B-2862-464A-984E-65BFC5FC0BBC}" type="datetimeFigureOut">
               <a:rPr lang="en-US" smtClean="0"/>
-              <a:t>3/20/2017</a:t>
+              <a:t>3/22/2017</a:t>
             </a:fld>
             <a:endParaRPr lang="en-US"/>
           </a:p>
@@ -8022,7 +8022,7 @@
           <a:p>
             <a:r>
               <a:rPr lang="en-US" sz="3600" dirty="0"/>
-              <a:t>Workshop C – Building a RESTful API</a:t>
+              <a:t>Workshop 4 – Building a RESTful API</a:t>
             </a:r>
           </a:p>
         </p:txBody>

--- a/03/03.pptx
+++ b/03/03.pptx
@@ -287,7 +287,7 @@
           <a:p>
             <a:fld id="{B5389E1E-C654-E943-9883-792E99AD7287}" type="datetimeFigureOut">
               <a:rPr lang="en-US" smtClean="0"/>
-              <a:t>3/22/2017</a:t>
+              <a:t>3/27/2017</a:t>
             </a:fld>
             <a:endParaRPr lang="en-US"/>
           </a:p>
@@ -453,7 +453,7 @@
           <a:p>
             <a:fld id="{9920D99B-2862-464A-984E-65BFC5FC0BBC}" type="datetimeFigureOut">
               <a:rPr lang="en-US" smtClean="0"/>
-              <a:t>3/22/2017</a:t>
+              <a:t>3/27/2017</a:t>
             </a:fld>
             <a:endParaRPr lang="en-US"/>
           </a:p>
@@ -8021,8 +8021,12 @@
           <a:lstStyle/>
           <a:p>
             <a:r>
+              <a:rPr lang="en-US" sz="3600"/>
+              <a:t>Workshop 3 </a:t>
+            </a:r>
+            <a:r>
               <a:rPr lang="en-US" sz="3600" dirty="0"/>
-              <a:t>Workshop 4 – Building a RESTful API</a:t>
+              <a:t>– Building a RESTful API</a:t>
             </a:r>
           </a:p>
         </p:txBody>

--- a/03/03.pptx
+++ b/03/03.pptx
@@ -6,10 +6,10 @@
     <p:sldMasterId id="2147483684" r:id="rId2"/>
   </p:sldMasterIdLst>
   <p:notesMasterIdLst>
-    <p:notesMasterId r:id="rId25"/>
+    <p:notesMasterId r:id="rId22"/>
   </p:notesMasterIdLst>
   <p:handoutMasterIdLst>
-    <p:handoutMasterId r:id="rId26"/>
+    <p:handoutMasterId r:id="rId23"/>
   </p:handoutMasterIdLst>
   <p:sldIdLst>
     <p:sldId id="444" r:id="rId3"/>
@@ -17,23 +17,20 @@
     <p:sldId id="496" r:id="rId5"/>
     <p:sldId id="503" r:id="rId6"/>
     <p:sldId id="504" r:id="rId7"/>
-    <p:sldId id="506" r:id="rId8"/>
-    <p:sldId id="505" r:id="rId9"/>
-    <p:sldId id="508" r:id="rId10"/>
-    <p:sldId id="507" r:id="rId11"/>
-    <p:sldId id="509" r:id="rId12"/>
-    <p:sldId id="512" r:id="rId13"/>
-    <p:sldId id="513" r:id="rId14"/>
-    <p:sldId id="515" r:id="rId15"/>
-    <p:sldId id="514" r:id="rId16"/>
-    <p:sldId id="516" r:id="rId17"/>
-    <p:sldId id="517" r:id="rId18"/>
-    <p:sldId id="484" r:id="rId19"/>
-    <p:sldId id="510" r:id="rId20"/>
-    <p:sldId id="518" r:id="rId21"/>
-    <p:sldId id="519" r:id="rId22"/>
-    <p:sldId id="520" r:id="rId23"/>
-    <p:sldId id="511" r:id="rId24"/>
+    <p:sldId id="508" r:id="rId8"/>
+    <p:sldId id="522" r:id="rId9"/>
+    <p:sldId id="507" r:id="rId10"/>
+    <p:sldId id="509" r:id="rId11"/>
+    <p:sldId id="512" r:id="rId12"/>
+    <p:sldId id="513" r:id="rId13"/>
+    <p:sldId id="515" r:id="rId14"/>
+    <p:sldId id="514" r:id="rId15"/>
+    <p:sldId id="516" r:id="rId16"/>
+    <p:sldId id="517" r:id="rId17"/>
+    <p:sldId id="484" r:id="rId18"/>
+    <p:sldId id="510" r:id="rId19"/>
+    <p:sldId id="520" r:id="rId20"/>
+    <p:sldId id="511" r:id="rId21"/>
   </p:sldIdLst>
   <p:sldSz cx="9144000" cy="5143500" type="screen16x9"/>
   <p:notesSz cx="6858000" cy="9144000"/>
@@ -142,9 +139,8 @@
             <p14:sldId id="496"/>
             <p14:sldId id="503"/>
             <p14:sldId id="504"/>
-            <p14:sldId id="506"/>
-            <p14:sldId id="505"/>
             <p14:sldId id="508"/>
+            <p14:sldId id="522"/>
             <p14:sldId id="507"/>
             <p14:sldId id="509"/>
             <p14:sldId id="512"/>
@@ -155,8 +151,6 @@
             <p14:sldId id="517"/>
             <p14:sldId id="484"/>
             <p14:sldId id="510"/>
-            <p14:sldId id="518"/>
-            <p14:sldId id="519"/>
             <p14:sldId id="520"/>
             <p14:sldId id="511"/>
           </p14:sldIdLst>
@@ -205,6 +199,10 @@
 </p:presentation>
 </file>
 
+<file path=ppt/revisionInfo.xml><?xml version="1.0" encoding="utf-8"?>
+<p1510:revInfo xmlns:a="http://schemas.openxmlformats.org/drawingml/2006/main" xmlns:r="http://schemas.openxmlformats.org/officeDocument/2006/relationships" xmlns:p1510="http://schemas.microsoft.com/office/powerpoint/2015/10/main"/>
+</file>
+
 <file path=ppt/handoutMasters/handoutMaster1.xml><?xml version="1.0" encoding="utf-8"?>
 <p:handoutMaster xmlns:a="http://schemas.openxmlformats.org/drawingml/2006/main" xmlns:r="http://schemas.openxmlformats.org/officeDocument/2006/relationships" xmlns:p="http://schemas.openxmlformats.org/presentationml/2006/main">
   <p:cSld>
@@ -287,7 +285,7 @@
           <a:p>
             <a:fld id="{B5389E1E-C654-E943-9883-792E99AD7287}" type="datetimeFigureOut">
               <a:rPr lang="en-US" smtClean="0"/>
-              <a:t>3/27/2017</a:t>
+              <a:t>11/2/2017</a:t>
             </a:fld>
             <a:endParaRPr lang="en-US"/>
           </a:p>
@@ -453,7 +451,7 @@
           <a:p>
             <a:fld id="{9920D99B-2862-464A-984E-65BFC5FC0BBC}" type="datetimeFigureOut">
               <a:rPr lang="en-US" smtClean="0"/>
-              <a:t>3/27/2017</a:t>
+              <a:t>11/2/2017</a:t>
             </a:fld>
             <a:endParaRPr lang="en-US"/>
           </a:p>
@@ -899,35 +897,7 @@
           <a:bodyPr/>
           <a:lstStyle/>
           <a:p>
-            <a:r>
-              <a:rPr lang="en-US" dirty="0"/>
-              <a:t>I got a little bleary-eyed at this part, so I hope I'm wrong, but I don't think I am</a:t>
-            </a:r>
-          </a:p>
-          <a:p>
-            <a:endParaRPr lang="en-US" dirty="0"/>
-          </a:p>
-          <a:p>
-            <a:r>
-              <a:rPr lang="en-US" dirty="0"/>
-              <a:t>There may be more global options for </a:t>
-            </a:r>
-            <a:r>
-              <a:rPr lang="en-US" dirty="0" err="1"/>
-              <a:t>PascalCasing</a:t>
-            </a:r>
-            <a:r>
-              <a:rPr lang="en-US" dirty="0"/>
-              <a:t> </a:t>
-            </a:r>
-            <a:r>
-              <a:rPr lang="en-US" dirty="0" err="1"/>
-              <a:t>en</a:t>
-            </a:r>
-            <a:r>
-              <a:rPr lang="en-US" dirty="0"/>
-              <a:t> masse, not needed for this workshop</a:t>
-            </a:r>
+            <a:endParaRPr lang="en-US" baseline="0" dirty="0"/>
           </a:p>
         </p:txBody>
       </p:sp>
@@ -948,178 +918,7 @@
           <a:p>
             <a:fld id="{F39351FC-18D6-4741-8EEB-9FDB1F020AAC}" type="slidenum">
               <a:rPr lang="en-US" smtClean="0"/>
-              <a:t>16</a:t>
-            </a:fld>
-            <a:endParaRPr lang="en-US"/>
-          </a:p>
-        </p:txBody>
-      </p:sp>
-    </p:spTree>
-    <p:extLst>
-      <p:ext uri="{BB962C8B-B14F-4D97-AF65-F5344CB8AC3E}">
-        <p14:creationId xmlns:p14="http://schemas.microsoft.com/office/powerpoint/2010/main" val="3179598985"/>
-      </p:ext>
-    </p:extLst>
-  </p:cSld>
-  <p:clrMapOvr>
-    <a:masterClrMapping/>
-  </p:clrMapOvr>
-</p:notes>
-</file>
-
-<file path=ppt/notesSlides/notesSlide11.xml><?xml version="1.0" encoding="utf-8"?>
-<p:notes xmlns:a="http://schemas.openxmlformats.org/drawingml/2006/main" xmlns:r="http://schemas.openxmlformats.org/officeDocument/2006/relationships" xmlns:p="http://schemas.openxmlformats.org/presentationml/2006/main">
-  <p:cSld>
-    <p:spTree>
-      <p:nvGrpSpPr>
-        <p:cNvPr id="1" name=""/>
-        <p:cNvGrpSpPr/>
-        <p:nvPr/>
-      </p:nvGrpSpPr>
-      <p:grpSpPr>
-        <a:xfrm>
-          <a:off x="0" y="0"/>
-          <a:ext cx="0" cy="0"/>
-          <a:chOff x="0" y="0"/>
-          <a:chExt cx="0" cy="0"/>
-        </a:xfrm>
-      </p:grpSpPr>
-      <p:sp>
-        <p:nvSpPr>
-          <p:cNvPr id="2" name="Slide Image Placeholder 1"/>
-          <p:cNvSpPr>
-            <a:spLocks noGrp="1" noRot="1" noChangeAspect="1"/>
-          </p:cNvSpPr>
-          <p:nvPr>
-            <p:ph type="sldImg"/>
-          </p:nvPr>
-        </p:nvSpPr>
-        <p:spPr/>
-      </p:sp>
-      <p:sp>
-        <p:nvSpPr>
-          <p:cNvPr id="3" name="Notes Placeholder 2"/>
-          <p:cNvSpPr>
-            <a:spLocks noGrp="1"/>
-          </p:cNvSpPr>
-          <p:nvPr>
-            <p:ph type="body" idx="1"/>
-          </p:nvPr>
-        </p:nvSpPr>
-        <p:spPr/>
-        <p:txBody>
-          <a:bodyPr/>
-          <a:lstStyle/>
-          <a:p>
-            <a:r>
-              <a:rPr lang="en-US" dirty="0"/>
-              <a:t>If all else fails, you can test with your browser</a:t>
-            </a:r>
-          </a:p>
-        </p:txBody>
-      </p:sp>
-      <p:sp>
-        <p:nvSpPr>
-          <p:cNvPr id="4" name="Slide Number Placeholder 3"/>
-          <p:cNvSpPr>
-            <a:spLocks noGrp="1"/>
-          </p:cNvSpPr>
-          <p:nvPr>
-            <p:ph type="sldNum" sz="quarter" idx="10"/>
-          </p:nvPr>
-        </p:nvSpPr>
-        <p:spPr/>
-        <p:txBody>
-          <a:bodyPr/>
-          <a:lstStyle/>
-          <a:p>
-            <a:fld id="{F39351FC-18D6-4741-8EEB-9FDB1F020AAC}" type="slidenum">
-              <a:rPr lang="en-US" smtClean="0"/>
               <a:t>18</a:t>
-            </a:fld>
-            <a:endParaRPr lang="en-US"/>
-          </a:p>
-        </p:txBody>
-      </p:sp>
-    </p:spTree>
-    <p:extLst>
-      <p:ext uri="{BB962C8B-B14F-4D97-AF65-F5344CB8AC3E}">
-        <p14:creationId xmlns:p14="http://schemas.microsoft.com/office/powerpoint/2010/main" val="2491276630"/>
-      </p:ext>
-    </p:extLst>
-  </p:cSld>
-  <p:clrMapOvr>
-    <a:masterClrMapping/>
-  </p:clrMapOvr>
-</p:notes>
-</file>
-
-<file path=ppt/notesSlides/notesSlide12.xml><?xml version="1.0" encoding="utf-8"?>
-<p:notes xmlns:a="http://schemas.openxmlformats.org/drawingml/2006/main" xmlns:r="http://schemas.openxmlformats.org/officeDocument/2006/relationships" xmlns:p="http://schemas.openxmlformats.org/presentationml/2006/main">
-  <p:cSld>
-    <p:spTree>
-      <p:nvGrpSpPr>
-        <p:cNvPr id="1" name=""/>
-        <p:cNvGrpSpPr/>
-        <p:nvPr/>
-      </p:nvGrpSpPr>
-      <p:grpSpPr>
-        <a:xfrm>
-          <a:off x="0" y="0"/>
-          <a:ext cx="0" cy="0"/>
-          <a:chOff x="0" y="0"/>
-          <a:chExt cx="0" cy="0"/>
-        </a:xfrm>
-      </p:grpSpPr>
-      <p:sp>
-        <p:nvSpPr>
-          <p:cNvPr id="2" name="Slide Image Placeholder 1"/>
-          <p:cNvSpPr>
-            <a:spLocks noGrp="1" noRot="1" noChangeAspect="1"/>
-          </p:cNvSpPr>
-          <p:nvPr>
-            <p:ph type="sldImg"/>
-          </p:nvPr>
-        </p:nvSpPr>
-        <p:spPr/>
-      </p:sp>
-      <p:sp>
-        <p:nvSpPr>
-          <p:cNvPr id="3" name="Notes Placeholder 2"/>
-          <p:cNvSpPr>
-            <a:spLocks noGrp="1"/>
-          </p:cNvSpPr>
-          <p:nvPr>
-            <p:ph type="body" idx="1"/>
-          </p:nvPr>
-        </p:nvSpPr>
-        <p:spPr/>
-        <p:txBody>
-          <a:bodyPr/>
-          <a:lstStyle/>
-          <a:p>
-            <a:endParaRPr lang="en-US" baseline="0" dirty="0"/>
-          </a:p>
-        </p:txBody>
-      </p:sp>
-      <p:sp>
-        <p:nvSpPr>
-          <p:cNvPr id="4" name="Slide Number Placeholder 3"/>
-          <p:cNvSpPr>
-            <a:spLocks noGrp="1"/>
-          </p:cNvSpPr>
-          <p:nvPr>
-            <p:ph type="sldNum" sz="quarter" idx="10"/>
-          </p:nvPr>
-        </p:nvSpPr>
-        <p:spPr/>
-        <p:txBody>
-          <a:bodyPr/>
-          <a:lstStyle/>
-          <a:p>
-            <a:fld id="{F39351FC-18D6-4741-8EEB-9FDB1F020AAC}" type="slidenum">
-              <a:rPr lang="en-US" smtClean="0"/>
-              <a:t>21</a:t>
             </a:fld>
             <a:endParaRPr lang="en-US"/>
           </a:p>
@@ -1283,19 +1082,29 @@
           <a:p>
             <a:r>
               <a:rPr lang="en-US" dirty="0"/>
-              <a:t>This is a graphic from </a:t>
-            </a:r>
-            <a:r>
-              <a:rPr lang="en-US" dirty="0" err="1"/>
-              <a:t>Hanselman's</a:t>
-            </a:r>
-            <a:r>
-              <a:rPr lang="en-US" dirty="0"/>
-              <a:t> blog</a:t>
+              <a:t>Visual Studio bears this out with three options:</a:t>
             </a:r>
           </a:p>
           <a:p>
             <a:endParaRPr lang="en-US" dirty="0"/>
+          </a:p>
+          <a:p>
+            <a:r>
+              <a:rPr lang="en-US" dirty="0"/>
+              <a:t>First one: classic ASP.NET on the full .NET framework (this is one of your options in this workshop)</a:t>
+            </a:r>
+          </a:p>
+          <a:p>
+            <a:r>
+              <a:rPr lang="en-US" dirty="0"/>
+              <a:t>Second one: new ASP.NET core on the .NET Core framework (this is the other option in this workshop)</a:t>
+            </a:r>
+          </a:p>
+          <a:p>
+            <a:r>
+              <a:rPr lang="en-US" dirty="0"/>
+              <a:t>Third one: new ASP.NET core on the full .NET framework (not covered in this workshop)</a:t>
+            </a:r>
           </a:p>
         </p:txBody>
       </p:sp>
@@ -1325,7 +1134,7 @@
     </p:spTree>
     <p:extLst>
       <p:ext uri="{BB962C8B-B14F-4D97-AF65-F5344CB8AC3E}">
-        <p14:creationId xmlns:p14="http://schemas.microsoft.com/office/powerpoint/2010/main" val="3148393907"/>
+        <p14:creationId xmlns:p14="http://schemas.microsoft.com/office/powerpoint/2010/main" val="4068474245"/>
       </p:ext>
     </p:extLst>
   </p:cSld>
@@ -1381,13 +1190,15 @@
           <a:p>
             <a:r>
               <a:rPr lang="en-US" dirty="0"/>
-              <a:t>Confusing part is that ASP.NET Core can be used with both .NET and .NET Core</a:t>
-            </a:r>
-          </a:p>
-          <a:p>
-            <a:r>
-              <a:rPr lang="en-US" dirty="0"/>
-              <a:t>In this workshop, I've given you source code for ASP.NET Core on .NET Core and ASP.NET on Full .NET just to keep things simple</a:t>
+              <a:t>If you've not used </a:t>
+            </a:r>
+            <a:r>
+              <a:rPr lang="en-US" dirty="0" err="1"/>
+              <a:t>WebAPI</a:t>
+            </a:r>
+            <a:r>
+              <a:rPr lang="en-US" dirty="0"/>
+              <a:t> before, think of it like MVC, except you're generally returning JSON (or XML) instead of HTML from Razor templates</a:t>
             </a:r>
           </a:p>
           <a:p>
@@ -1396,7 +1207,29 @@
           <a:p>
             <a:r>
               <a:rPr lang="en-US" dirty="0"/>
-              <a:t>It's all a bit confusing, here's a table I made. It's a bit of a simplification, but I think it's accurate.</a:t>
+              <a:t>If you've not used MVC you may struggle a bit with this workshop</a:t>
+            </a:r>
+          </a:p>
+          <a:p>
+            <a:r>
+              <a:rPr lang="en-US" dirty="0"/>
+              <a:t>But don't worry, you'll get through it, and you're </a:t>
+            </a:r>
+            <a:r>
+              <a:rPr lang="en-US" dirty="0" err="1"/>
+              <a:t>gonna</a:t>
+            </a:r>
+            <a:r>
+              <a:rPr lang="en-US" dirty="0"/>
+              <a:t> like it a lot more than ASP.NET </a:t>
+            </a:r>
+            <a:r>
+              <a:rPr lang="en-US" dirty="0" err="1"/>
+              <a:t>WebForms</a:t>
+            </a:r>
+            <a:r>
+              <a:rPr lang="en-US" dirty="0"/>
+              <a:t>..</a:t>
             </a:r>
           </a:p>
           <a:p>
@@ -1405,85 +1238,21 @@
           <a:p>
             <a:r>
               <a:rPr lang="en-US" dirty="0"/>
-              <a:t>Don't even mention Mono, that just makes it more complicated.</a:t>
-            </a:r>
-          </a:p>
-          <a:p>
-            <a:endParaRPr lang="en-US" dirty="0"/>
-          </a:p>
-          <a:p>
-            <a:r>
-              <a:rPr lang="en-US" dirty="0"/>
-              <a:t>Why would I not use ASP.NET Core?</a:t>
-            </a:r>
-          </a:p>
-          <a:p>
-            <a:pPr marL="171450" marR="0" lvl="0" indent="-171450" algn="l" defTabSz="457200" rtl="0" eaLnBrk="1" fontAlgn="auto" latinLnBrk="0" hangingPunct="1">
-              <a:lnSpc>
-                <a:spcPct val="100000"/>
-              </a:lnSpc>
-              <a:spcBef>
-                <a:spcPts val="0"/>
-              </a:spcBef>
-              <a:spcAft>
-                <a:spcPts val="0"/>
-              </a:spcAft>
-              <a:buClrTx/>
-              <a:buSzTx/>
-              <a:buFont typeface="Arial" panose="020B0604020202020204" pitchFamily="34" charset="0"/>
-              <a:buChar char="•"/>
-              <a:tabLst/>
-              <a:defRPr/>
-            </a:pPr>
-            <a:r>
-              <a:rPr lang="en-US" dirty="0"/>
-              <a:t>If you already are using ASP.NET then you may not need to change. ASP.NET support isn't going away, no need to leave</a:t>
-            </a:r>
-          </a:p>
-          <a:p>
-            <a:pPr marL="171450" indent="-171450">
-              <a:buFont typeface="Arial" panose="020B0604020202020204" pitchFamily="34" charset="0"/>
-              <a:buChar char="•"/>
-            </a:pPr>
-            <a:r>
-              <a:rPr lang="en-US" dirty="0"/>
-              <a:t>3</a:t>
-            </a:r>
-            <a:r>
-              <a:rPr lang="en-US" baseline="30000" dirty="0"/>
-              <a:t>rd</a:t>
-            </a:r>
-            <a:r>
-              <a:rPr lang="en-US" dirty="0"/>
-              <a:t> party library support for ASP.NET Core will get there, but libraries and 3</a:t>
-            </a:r>
-            <a:r>
-              <a:rPr lang="en-US" baseline="30000" dirty="0"/>
-              <a:t>rd</a:t>
-            </a:r>
-            <a:r>
-              <a:rPr lang="en-US" dirty="0"/>
-              <a:t> part tools may not support it yet.</a:t>
-            </a:r>
-          </a:p>
-          <a:p>
-            <a:pPr marL="171450" indent="-171450">
-              <a:buFont typeface="Arial" panose="020B0604020202020204" pitchFamily="34" charset="0"/>
-              <a:buChar char="•"/>
-            </a:pPr>
-            <a:endParaRPr lang="en-US" dirty="0"/>
-          </a:p>
-          <a:p>
-            <a:pPr marL="171450" indent="-171450">
-              <a:buFont typeface="Arial" panose="020B0604020202020204" pitchFamily="34" charset="0"/>
-              <a:buChar char="•"/>
-            </a:pPr>
-            <a:endParaRPr lang="en-US" dirty="0"/>
-          </a:p>
-          <a:p>
-            <a:r>
-              <a:rPr lang="en-US" dirty="0"/>
-              <a:t> </a:t>
+              <a:t>If you've not used ASP.NET </a:t>
+            </a:r>
+            <a:r>
+              <a:rPr lang="en-US" dirty="0" err="1"/>
+              <a:t>WebForms</a:t>
+            </a:r>
+            <a:r>
+              <a:rPr lang="en-US" dirty="0"/>
+              <a:t> or any ASP.NET before or any C# before, then you're really going to struggle since this is only a half-day workshop.</a:t>
+            </a:r>
+          </a:p>
+          <a:p>
+            <a:r>
+              <a:rPr lang="en-US" dirty="0"/>
+              <a:t>I encourage you to sit near someone who has a bit more experience.</a:t>
             </a:r>
           </a:p>
         </p:txBody>
@@ -1505,7 +1274,7 @@
           <a:p>
             <a:fld id="{F39351FC-18D6-4741-8EEB-9FDB1F020AAC}" type="slidenum">
               <a:rPr lang="en-US" smtClean="0"/>
-              <a:t>7</a:t>
+              <a:t>8</a:t>
             </a:fld>
             <a:endParaRPr lang="en-US"/>
           </a:p>
@@ -1514,7 +1283,7 @@
     </p:spTree>
     <p:extLst>
       <p:ext uri="{BB962C8B-B14F-4D97-AF65-F5344CB8AC3E}">
-        <p14:creationId xmlns:p14="http://schemas.microsoft.com/office/powerpoint/2010/main" val="232457646"/>
+        <p14:creationId xmlns:p14="http://schemas.microsoft.com/office/powerpoint/2010/main" val="958340526"/>
       </p:ext>
     </p:extLst>
   </p:cSld>
@@ -1570,7 +1339,7 @@
           <a:p>
             <a:r>
               <a:rPr lang="en-US" dirty="0"/>
-              <a:t>Visual Studio bears this out with three options:</a:t>
+              <a:t>In this workshop, CORS is turned off. This is because Angular will be running on one port, the backend on another. This will be a CORS violation and the browser will error.</a:t>
             </a:r>
           </a:p>
           <a:p>
@@ -1579,19 +1348,16 @@
           <a:p>
             <a:r>
               <a:rPr lang="en-US" dirty="0"/>
-              <a:t>First one: classic ASP.NET on the full .NET framework (this is one of your options in this workshop)</a:t>
-            </a:r>
-          </a:p>
-          <a:p>
-            <a:r>
-              <a:rPr lang="en-US" dirty="0"/>
-              <a:t>Second one: new ASP.NET core on the .NET Core framework (this is the other option in this workshop)</a:t>
-            </a:r>
-          </a:p>
-          <a:p>
-            <a:r>
-              <a:rPr lang="en-US" dirty="0"/>
-              <a:t>Third one: new ASP.NET core on the full .NET framework (not covered in this workshop)</a:t>
+              <a:t>You can ultimately deploy them on the same port, but sometimes you don't want that.</a:t>
+            </a:r>
+          </a:p>
+          <a:p>
+            <a:endParaRPr lang="en-US" dirty="0"/>
+          </a:p>
+          <a:p>
+            <a:r>
+              <a:rPr lang="en-US" dirty="0"/>
+              <a:t>In both these examples, I'm allowing cross-domain requests from anywhere, for anything. That may be fine, but it may not be what you want.</a:t>
             </a:r>
           </a:p>
         </p:txBody>
@@ -1613,7 +1379,7 @@
           <a:p>
             <a:fld id="{F39351FC-18D6-4741-8EEB-9FDB1F020AAC}" type="slidenum">
               <a:rPr lang="en-US" smtClean="0"/>
-              <a:t>8</a:t>
+              <a:t>11</a:t>
             </a:fld>
             <a:endParaRPr lang="en-US"/>
           </a:p>
@@ -1622,7 +1388,7 @@
     </p:spTree>
     <p:extLst>
       <p:ext uri="{BB962C8B-B14F-4D97-AF65-F5344CB8AC3E}">
-        <p14:creationId xmlns:p14="http://schemas.microsoft.com/office/powerpoint/2010/main" val="4068474245"/>
+        <p14:creationId xmlns:p14="http://schemas.microsoft.com/office/powerpoint/2010/main" val="1460629473"/>
       </p:ext>
     </p:extLst>
   </p:cSld>
@@ -1678,7 +1444,7 @@
           <a:p>
             <a:r>
               <a:rPr lang="en-US" dirty="0"/>
-              <a:t>If you've not used </a:t>
+              <a:t>Application start is where you can setup route configuration, register </a:t>
             </a:r>
             <a:r>
               <a:rPr lang="en-US" dirty="0" err="1"/>
@@ -1686,61 +1452,59 @@
             </a:r>
             <a:r>
               <a:rPr lang="en-US" dirty="0"/>
-              <a:t> before, think of it like MVC, except you're generally returning JSON (or XML) instead of HTML from Razor templates</a:t>
-            </a:r>
-          </a:p>
-          <a:p>
+              <a:t>, filters, </a:t>
+            </a:r>
+            <a:r>
+              <a:rPr lang="en-US" dirty="0" err="1"/>
+              <a:t>etc</a:t>
+            </a:r>
             <a:endParaRPr lang="en-US" dirty="0"/>
           </a:p>
           <a:p>
-            <a:r>
-              <a:rPr lang="en-US" dirty="0"/>
-              <a:t>If you've not used MVC you may struggle a bit with this workshop</a:t>
-            </a:r>
-          </a:p>
-          <a:p>
-            <a:r>
-              <a:rPr lang="en-US" dirty="0"/>
-              <a:t>But don't worry, you'll get through it, and you're </a:t>
+            <a:endParaRPr lang="en-US" dirty="0"/>
+          </a:p>
+          <a:p>
+            <a:r>
+              <a:rPr lang="en-US" dirty="0"/>
+              <a:t>ASP.NET Core is basically a console application. But you aren't going to typically mess with </a:t>
             </a:r>
             <a:r>
               <a:rPr lang="en-US" dirty="0" err="1"/>
-              <a:t>gonna</a:t>
-            </a:r>
-            <a:r>
-              <a:rPr lang="en-US" dirty="0"/>
-              <a:t> like it a lot more than ASP.NET </a:t>
+              <a:t>Program.cs</a:t>
+            </a:r>
+            <a:r>
+              <a:rPr lang="en-US" dirty="0"/>
+              <a:t>, certainly not in this workshop</a:t>
+            </a:r>
+          </a:p>
+          <a:p>
+            <a:r>
+              <a:rPr lang="en-US" dirty="0"/>
+              <a:t>Startup class is used by the </a:t>
             </a:r>
             <a:r>
               <a:rPr lang="en-US" dirty="0" err="1"/>
-              <a:t>WebForms</a:t>
-            </a:r>
-            <a:r>
-              <a:rPr lang="en-US" dirty="0"/>
-              <a:t>..</a:t>
-            </a:r>
-          </a:p>
-          <a:p>
-            <a:endParaRPr lang="en-US" dirty="0"/>
-          </a:p>
-          <a:p>
-            <a:r>
-              <a:rPr lang="en-US" dirty="0"/>
-              <a:t>If you've not used ASP.NET </a:t>
+              <a:t>WebHostBuilder</a:t>
+            </a:r>
+            <a:r>
+              <a:rPr lang="en-US" dirty="0"/>
+              <a:t> in </a:t>
             </a:r>
             <a:r>
               <a:rPr lang="en-US" dirty="0" err="1"/>
-              <a:t>WebForms</a:t>
-            </a:r>
-            <a:r>
-              <a:rPr lang="en-US" dirty="0"/>
-              <a:t> or any ASP.NET before or any C# before, then you're really going to struggle since this is only a half-day workshop.</a:t>
-            </a:r>
-          </a:p>
-          <a:p>
-            <a:r>
-              <a:rPr lang="en-US" dirty="0"/>
-              <a:t>I encourage you to sit near someone who has a bit more experience.</a:t>
+              <a:t>Program.cs</a:t>
+            </a:r>
+            <a:r>
+              <a:rPr lang="en-US" dirty="0"/>
+              <a:t>, this is where </a:t>
+            </a:r>
+            <a:r>
+              <a:rPr lang="en-US" dirty="0" err="1"/>
+              <a:t>you'lll</a:t>
+            </a:r>
+            <a:r>
+              <a:rPr lang="en-US" dirty="0"/>
+              <a:t> do the application startup</a:t>
             </a:r>
           </a:p>
         </p:txBody>
@@ -1762,7 +1526,7 @@
           <a:p>
             <a:fld id="{F39351FC-18D6-4741-8EEB-9FDB1F020AAC}" type="slidenum">
               <a:rPr lang="en-US" smtClean="0"/>
-              <a:t>9</a:t>
+              <a:t>12</a:t>
             </a:fld>
             <a:endParaRPr lang="en-US"/>
           </a:p>
@@ -1771,7 +1535,7 @@
     </p:spTree>
     <p:extLst>
       <p:ext uri="{BB962C8B-B14F-4D97-AF65-F5344CB8AC3E}">
-        <p14:creationId xmlns:p14="http://schemas.microsoft.com/office/powerpoint/2010/main" val="958340526"/>
+        <p14:creationId xmlns:p14="http://schemas.microsoft.com/office/powerpoint/2010/main" val="3330441528"/>
       </p:ext>
     </p:extLst>
   </p:cSld>
@@ -1827,7 +1591,23 @@
           <a:p>
             <a:r>
               <a:rPr lang="en-US" dirty="0"/>
-              <a:t>In this workshop, CORS is turned off. This is because Angular will be running on one port, the backend on another. This will be a CORS violation and the browser will error.</a:t>
+              <a:t>ASP.NET uses the famous </a:t>
+            </a:r>
+            <a:r>
+              <a:rPr lang="en-US" dirty="0" err="1"/>
+              <a:t>web.config</a:t>
+            </a:r>
+            <a:r>
+              <a:rPr lang="en-US" dirty="0"/>
+              <a:t>, you can access it with </a:t>
+            </a:r>
+            <a:r>
+              <a:rPr lang="en-US" dirty="0" err="1"/>
+              <a:t>ConfigurationManager</a:t>
+            </a:r>
+            <a:r>
+              <a:rPr lang="en-US" dirty="0"/>
+              <a:t> API</a:t>
             </a:r>
           </a:p>
           <a:p>
@@ -1836,16 +1616,41 @@
           <a:p>
             <a:r>
               <a:rPr lang="en-US" dirty="0"/>
-              <a:t>You can ultimately deploy them on the same port, but sometimes you don't want that.</a:t>
-            </a:r>
-          </a:p>
-          <a:p>
-            <a:endParaRPr lang="en-US" dirty="0"/>
-          </a:p>
-          <a:p>
-            <a:r>
-              <a:rPr lang="en-US" dirty="0"/>
-              <a:t>In both these examples, I'm allowing cross-domain requests from anywhere, for anything. That may be fine, but it may not be what you want.</a:t>
+              <a:t>ASP.NET core uses a JSON file called </a:t>
+            </a:r>
+            <a:r>
+              <a:rPr lang="en-US" dirty="0" err="1"/>
+              <a:t>appsettings.json</a:t>
+            </a:r>
+            <a:r>
+              <a:rPr lang="en-US" dirty="0"/>
+              <a:t> (you can call it whatever you want actually, it's not magical like </a:t>
+            </a:r>
+            <a:r>
+              <a:rPr lang="en-US" dirty="0" err="1"/>
+              <a:t>Web.config</a:t>
+            </a:r>
+            <a:r>
+              <a:rPr lang="en-US" dirty="0"/>
+              <a:t>)</a:t>
+            </a:r>
+          </a:p>
+          <a:p>
+            <a:r>
+              <a:rPr lang="en-US" dirty="0"/>
+              <a:t>There's an API for  accessing it and sections of it</a:t>
+            </a:r>
+          </a:p>
+          <a:p>
+            <a:r>
+              <a:rPr lang="en-US" dirty="0"/>
+              <a:t>It can be bound to C# objects</a:t>
+            </a:r>
+          </a:p>
+          <a:p>
+            <a:r>
+              <a:rPr lang="en-US" dirty="0"/>
+              <a:t>And it can be configured as a service to use in constructor injection</a:t>
             </a:r>
           </a:p>
         </p:txBody>
@@ -1867,7 +1672,7 @@
           <a:p>
             <a:fld id="{F39351FC-18D6-4741-8EEB-9FDB1F020AAC}" type="slidenum">
               <a:rPr lang="en-US" smtClean="0"/>
-              <a:t>12</a:t>
+              <a:t>13</a:t>
             </a:fld>
             <a:endParaRPr lang="en-US"/>
           </a:p>
@@ -1876,7 +1681,7 @@
     </p:spTree>
     <p:extLst>
       <p:ext uri="{BB962C8B-B14F-4D97-AF65-F5344CB8AC3E}">
-        <p14:creationId xmlns:p14="http://schemas.microsoft.com/office/powerpoint/2010/main" val="1460629473"/>
+        <p14:creationId xmlns:p14="http://schemas.microsoft.com/office/powerpoint/2010/main" val="739114377"/>
       </p:ext>
     </p:extLst>
   </p:cSld>
@@ -1932,67 +1737,32 @@
           <a:p>
             <a:r>
               <a:rPr lang="en-US" dirty="0"/>
-              <a:t>Application start is where you can setup route configuration, register </a:t>
+              <a:t>I got a little bleary-eyed at this part, so I hope I'm wrong, but I don't think I am</a:t>
+            </a:r>
+          </a:p>
+          <a:p>
+            <a:endParaRPr lang="en-US" dirty="0"/>
+          </a:p>
+          <a:p>
+            <a:r>
+              <a:rPr lang="en-US" dirty="0"/>
+              <a:t>There may be more global options for </a:t>
             </a:r>
             <a:r>
               <a:rPr lang="en-US" dirty="0" err="1"/>
-              <a:t>WebAPI</a:t>
-            </a:r>
-            <a:r>
-              <a:rPr lang="en-US" dirty="0"/>
-              <a:t>, filters, </a:t>
+              <a:t>PascalCasing</a:t>
+            </a:r>
+            <a:r>
+              <a:rPr lang="en-US" dirty="0"/>
+              <a:t> </a:t>
             </a:r>
             <a:r>
               <a:rPr lang="en-US" dirty="0" err="1"/>
-              <a:t>etc</a:t>
-            </a:r>
-            <a:endParaRPr lang="en-US" dirty="0"/>
-          </a:p>
-          <a:p>
-            <a:endParaRPr lang="en-US" dirty="0"/>
-          </a:p>
-          <a:p>
-            <a:r>
-              <a:rPr lang="en-US" dirty="0"/>
-              <a:t>ASP.NET Core is basically a console application. But you aren't going to typically mess with </a:t>
-            </a:r>
-            <a:r>
-              <a:rPr lang="en-US" dirty="0" err="1"/>
-              <a:t>Program.cs</a:t>
-            </a:r>
-            <a:r>
-              <a:rPr lang="en-US" dirty="0"/>
-              <a:t>, certainly not in this workshop</a:t>
-            </a:r>
-          </a:p>
-          <a:p>
-            <a:r>
-              <a:rPr lang="en-US" dirty="0"/>
-              <a:t>Startup class is used by the </a:t>
-            </a:r>
-            <a:r>
-              <a:rPr lang="en-US" dirty="0" err="1"/>
-              <a:t>WebHostBuilder</a:t>
-            </a:r>
-            <a:r>
-              <a:rPr lang="en-US" dirty="0"/>
-              <a:t> in </a:t>
-            </a:r>
-            <a:r>
-              <a:rPr lang="en-US" dirty="0" err="1"/>
-              <a:t>Program.cs</a:t>
-            </a:r>
-            <a:r>
-              <a:rPr lang="en-US" dirty="0"/>
-              <a:t>, this is where </a:t>
-            </a:r>
-            <a:r>
-              <a:rPr lang="en-US" dirty="0" err="1"/>
-              <a:t>you'lll</a:t>
-            </a:r>
-            <a:r>
-              <a:rPr lang="en-US" dirty="0"/>
-              <a:t> do the application startup</a:t>
+              <a:t>en</a:t>
+            </a:r>
+            <a:r>
+              <a:rPr lang="en-US" dirty="0"/>
+              <a:t> masse, not needed for this workshop</a:t>
             </a:r>
           </a:p>
         </p:txBody>
@@ -2014,7 +1784,7 @@
           <a:p>
             <a:fld id="{F39351FC-18D6-4741-8EEB-9FDB1F020AAC}" type="slidenum">
               <a:rPr lang="en-US" smtClean="0"/>
-              <a:t>13</a:t>
+              <a:t>15</a:t>
             </a:fld>
             <a:endParaRPr lang="en-US"/>
           </a:p>
@@ -2023,7 +1793,7 @@
     </p:spTree>
     <p:extLst>
       <p:ext uri="{BB962C8B-B14F-4D97-AF65-F5344CB8AC3E}">
-        <p14:creationId xmlns:p14="http://schemas.microsoft.com/office/powerpoint/2010/main" val="3330441528"/>
+        <p14:creationId xmlns:p14="http://schemas.microsoft.com/office/powerpoint/2010/main" val="3179598985"/>
       </p:ext>
     </p:extLst>
   </p:cSld>
@@ -2079,66 +1849,7 @@
           <a:p>
             <a:r>
               <a:rPr lang="en-US" dirty="0"/>
-              <a:t>ASP.NET uses the famous </a:t>
-            </a:r>
-            <a:r>
-              <a:rPr lang="en-US" dirty="0" err="1"/>
-              <a:t>web.config</a:t>
-            </a:r>
-            <a:r>
-              <a:rPr lang="en-US" dirty="0"/>
-              <a:t>, you can access it with </a:t>
-            </a:r>
-            <a:r>
-              <a:rPr lang="en-US" dirty="0" err="1"/>
-              <a:t>ConfigurationManager</a:t>
-            </a:r>
-            <a:r>
-              <a:rPr lang="en-US" dirty="0"/>
-              <a:t> API</a:t>
-            </a:r>
-          </a:p>
-          <a:p>
-            <a:endParaRPr lang="en-US" dirty="0"/>
-          </a:p>
-          <a:p>
-            <a:r>
-              <a:rPr lang="en-US" dirty="0"/>
-              <a:t>ASP.NET core uses a JSON file called </a:t>
-            </a:r>
-            <a:r>
-              <a:rPr lang="en-US" dirty="0" err="1"/>
-              <a:t>appsettings.json</a:t>
-            </a:r>
-            <a:r>
-              <a:rPr lang="en-US" dirty="0"/>
-              <a:t> (you can call it whatever you want actually, it's not magical like </a:t>
-            </a:r>
-            <a:r>
-              <a:rPr lang="en-US" dirty="0" err="1"/>
-              <a:t>Web.config</a:t>
-            </a:r>
-            <a:r>
-              <a:rPr lang="en-US" dirty="0"/>
-              <a:t>)</a:t>
-            </a:r>
-          </a:p>
-          <a:p>
-            <a:r>
-              <a:rPr lang="en-US" dirty="0"/>
-              <a:t>There's an API for  accessing it and sections of it</a:t>
-            </a:r>
-          </a:p>
-          <a:p>
-            <a:r>
-              <a:rPr lang="en-US" dirty="0"/>
-              <a:t>It can be bound to C# objects</a:t>
-            </a:r>
-          </a:p>
-          <a:p>
-            <a:r>
-              <a:rPr lang="en-US" dirty="0"/>
-              <a:t>And it can be configured as a service to use in constructor injection</a:t>
+              <a:t>If all else fails, you can test with your browser</a:t>
             </a:r>
           </a:p>
         </p:txBody>
@@ -2160,7 +1871,7 @@
           <a:p>
             <a:fld id="{F39351FC-18D6-4741-8EEB-9FDB1F020AAC}" type="slidenum">
               <a:rPr lang="en-US" smtClean="0"/>
-              <a:t>14</a:t>
+              <a:t>17</a:t>
             </a:fld>
             <a:endParaRPr lang="en-US"/>
           </a:p>
@@ -2169,7 +1880,7 @@
     </p:spTree>
     <p:extLst>
       <p:ext uri="{BB962C8B-B14F-4D97-AF65-F5344CB8AC3E}">
-        <p14:creationId xmlns:p14="http://schemas.microsoft.com/office/powerpoint/2010/main" val="739114377"/>
+        <p14:creationId xmlns:p14="http://schemas.microsoft.com/office/powerpoint/2010/main" val="2491276630"/>
       </p:ext>
     </p:extLst>
   </p:cSld>
@@ -8097,7 +7808,7 @@
           <a:p>
             <a:r>
               <a:rPr lang="en-US" dirty="0"/>
-              <a:t>ASP.NET </a:t>
+              <a:t>Core </a:t>
             </a:r>
             <a:r>
               <a:rPr lang="en-US" dirty="0" err="1"/>
@@ -8105,13 +7816,8 @@
             </a:r>
             <a:r>
               <a:rPr lang="en-US" dirty="0"/>
-              <a:t> vs ASP.NET Core </a:t>
-            </a:r>
-            <a:r>
-              <a:rPr lang="en-US" dirty="0" err="1"/>
-              <a:t>WebAPI</a:t>
-            </a:r>
-            <a:endParaRPr lang="en-US" dirty="0"/>
+              <a:t> Convergence	</a:t>
+            </a:r>
           </a:p>
         </p:txBody>
       </p:sp>
@@ -8135,12 +7841,16 @@
               <a:buChar char="•"/>
             </a:pPr>
             <a:r>
+              <a:rPr lang="en-US" dirty="0"/>
+              <a:t>In ASP.NET Core, MVC and </a:t>
+            </a:r>
+            <a:r>
               <a:rPr lang="en-US" dirty="0" err="1"/>
               <a:t>WebAPI</a:t>
             </a:r>
             <a:r>
               <a:rPr lang="en-US" dirty="0"/>
-              <a:t>/MVC convergence</a:t>
+              <a:t> converge</a:t>
             </a:r>
           </a:p>
           <a:p>
@@ -8157,7 +7867,15 @@
             </a:pPr>
             <a:r>
               <a:rPr lang="en-US" dirty="0"/>
-              <a:t>CORS</a:t>
+              <a:t>Instead of Controller and </a:t>
+            </a:r>
+            <a:r>
+              <a:rPr lang="en-US" dirty="0" err="1"/>
+              <a:t>ApiController</a:t>
+            </a:r>
+            <a:r>
+              <a:rPr lang="en-US" dirty="0"/>
+              <a:t>, there is just Controller</a:t>
             </a:r>
           </a:p>
           <a:p>
@@ -8174,62 +7892,27 @@
             </a:pPr>
             <a:r>
               <a:rPr lang="en-US" dirty="0"/>
-              <a:t>Configuration</a:t>
-            </a:r>
-          </a:p>
-          <a:p>
-            <a:pPr marL="342900" indent="-342900">
-              <a:buFont typeface="Arial" panose="020B0604020202020204" pitchFamily="34" charset="0"/>
-              <a:buChar char="•"/>
-            </a:pPr>
-            <a:endParaRPr lang="en-US" dirty="0"/>
-          </a:p>
-          <a:p>
-            <a:pPr marL="342900" indent="-342900">
-              <a:buFont typeface="Arial" panose="020B0604020202020204" pitchFamily="34" charset="0"/>
-              <a:buChar char="•"/>
-            </a:pPr>
-            <a:r>
-              <a:rPr lang="en-US" dirty="0"/>
-              <a:t>Startup</a:t>
-            </a:r>
-          </a:p>
-          <a:p>
-            <a:pPr marL="342900" indent="-342900">
-              <a:buFont typeface="Arial" panose="020B0604020202020204" pitchFamily="34" charset="0"/>
-              <a:buChar char="•"/>
-            </a:pPr>
-            <a:endParaRPr lang="en-US" dirty="0"/>
-          </a:p>
-          <a:p>
-            <a:pPr marL="342900" indent="-342900">
-              <a:buFont typeface="Arial" panose="020B0604020202020204" pitchFamily="34" charset="0"/>
-              <a:buChar char="•"/>
-            </a:pPr>
-            <a:r>
-              <a:rPr lang="en-US" dirty="0"/>
-              <a:t>Static files</a:t>
-            </a:r>
-          </a:p>
-          <a:p>
-            <a:pPr marL="342900" indent="-342900">
-              <a:buFont typeface="Arial" panose="020B0604020202020204" pitchFamily="34" charset="0"/>
-              <a:buChar char="•"/>
-            </a:pPr>
-            <a:endParaRPr lang="en-US" dirty="0"/>
-          </a:p>
-          <a:p>
-            <a:pPr marL="342900" indent="-342900">
-              <a:buFont typeface="Arial" panose="020B0604020202020204" pitchFamily="34" charset="0"/>
-              <a:buChar char="•"/>
-            </a:pPr>
-            <a:r>
-              <a:rPr lang="en-US" dirty="0"/>
-              <a:t>Casing / </a:t>
+              <a:t>Instead of </a:t>
             </a:r>
             <a:r>
               <a:rPr lang="en-US" dirty="0" err="1"/>
-              <a:t>JsonProperty</a:t>
+              <a:t>IHttpActionResult</a:t>
+            </a:r>
+            <a:r>
+              <a:rPr lang="en-US" dirty="0"/>
+              <a:t> (</a:t>
+            </a:r>
+            <a:r>
+              <a:rPr lang="en-US" dirty="0" err="1"/>
+              <a:t>WebAPI</a:t>
+            </a:r>
+            <a:r>
+              <a:rPr lang="en-US" dirty="0"/>
+              <a:t>) there is just </a:t>
+            </a:r>
+            <a:r>
+              <a:rPr lang="en-US" dirty="0" err="1"/>
+              <a:t>IActionResult</a:t>
             </a:r>
             <a:endParaRPr lang="en-US" dirty="0"/>
           </a:p>
@@ -8238,7 +7921,7 @@
     </p:spTree>
     <p:extLst>
       <p:ext uri="{BB962C8B-B14F-4D97-AF65-F5344CB8AC3E}">
-        <p14:creationId xmlns:p14="http://schemas.microsoft.com/office/powerpoint/2010/main" val="1455635530"/>
+        <p14:creationId xmlns:p14="http://schemas.microsoft.com/office/powerpoint/2010/main" val="3506008056"/>
       </p:ext>
     </p:extLst>
   </p:cSld>
@@ -8282,15 +7965,7 @@
           <a:p>
             <a:r>
               <a:rPr lang="en-US" dirty="0"/>
-              <a:t>Core </a:t>
-            </a:r>
-            <a:r>
-              <a:rPr lang="en-US" dirty="0" err="1"/>
-              <a:t>WebAPI</a:t>
-            </a:r>
-            <a:r>
-              <a:rPr lang="en-US" dirty="0"/>
-              <a:t> Convergence	</a:t>
+              <a:t>CORS</a:t>
             </a:r>
           </a:p>
         </p:txBody>
@@ -8316,15 +7991,7 @@
             </a:pPr>
             <a:r>
               <a:rPr lang="en-US" dirty="0"/>
-              <a:t>In ASP.NET Core, MVC and </a:t>
-            </a:r>
-            <a:r>
-              <a:rPr lang="en-US" dirty="0" err="1"/>
-              <a:t>WebAPI</a:t>
-            </a:r>
-            <a:r>
-              <a:rPr lang="en-US" dirty="0"/>
-              <a:t> converge</a:t>
+              <a:t>Cross-Origin Resource Sharing</a:t>
             </a:r>
           </a:p>
           <a:p>
@@ -8341,16 +8008,96 @@
             </a:pPr>
             <a:r>
               <a:rPr lang="en-US" dirty="0"/>
-              <a:t>Instead of Controller and </a:t>
-            </a:r>
-            <a:r>
-              <a:rPr lang="en-US" dirty="0" err="1"/>
-              <a:t>ApiController</a:t>
-            </a:r>
-            <a:r>
-              <a:rPr lang="en-US" dirty="0"/>
-              <a:t>, there is just Controller</a:t>
-            </a:r>
+              <a:t>ASP.NET</a:t>
+            </a:r>
+          </a:p>
+          <a:p>
+            <a:pPr marL="573088" lvl="1" indent="-342900">
+              <a:buFont typeface="Arial" panose="020B0604020202020204" pitchFamily="34" charset="0"/>
+              <a:buChar char="•"/>
+            </a:pPr>
+            <a:r>
+              <a:rPr lang="en-US" dirty="0">
+                <a:solidFill>
+                  <a:srgbClr val="000000"/>
+                </a:solidFill>
+                <a:latin typeface="Consolas" panose="020B0609020204030204" pitchFamily="49" charset="0"/>
+              </a:rPr>
+              <a:t>[</a:t>
+            </a:r>
+            <a:r>
+              <a:rPr lang="en-US" dirty="0" err="1">
+                <a:solidFill>
+                  <a:srgbClr val="2B91AF"/>
+                </a:solidFill>
+                <a:latin typeface="Consolas" panose="020B0609020204030204" pitchFamily="49" charset="0"/>
+              </a:rPr>
+              <a:t>EnableCors</a:t>
+            </a:r>
+            <a:r>
+              <a:rPr lang="en-US" dirty="0">
+                <a:solidFill>
+                  <a:srgbClr val="000000"/>
+                </a:solidFill>
+                <a:latin typeface="Consolas" panose="020B0609020204030204" pitchFamily="49" charset="0"/>
+              </a:rPr>
+              <a:t>(origins: </a:t>
+            </a:r>
+            <a:r>
+              <a:rPr lang="en-US" dirty="0">
+                <a:solidFill>
+                  <a:srgbClr val="A31515"/>
+                </a:solidFill>
+                <a:latin typeface="Consolas" panose="020B0609020204030204" pitchFamily="49" charset="0"/>
+              </a:rPr>
+              <a:t>"*"</a:t>
+            </a:r>
+            <a:r>
+              <a:rPr lang="en-US" dirty="0">
+                <a:solidFill>
+                  <a:srgbClr val="000000"/>
+                </a:solidFill>
+                <a:latin typeface="Consolas" panose="020B0609020204030204" pitchFamily="49" charset="0"/>
+              </a:rPr>
+              <a:t>, headers: </a:t>
+            </a:r>
+            <a:r>
+              <a:rPr lang="en-US" dirty="0">
+                <a:solidFill>
+                  <a:srgbClr val="A31515"/>
+                </a:solidFill>
+                <a:latin typeface="Consolas" panose="020B0609020204030204" pitchFamily="49" charset="0"/>
+              </a:rPr>
+              <a:t>"*"</a:t>
+            </a:r>
+            <a:r>
+              <a:rPr lang="en-US" dirty="0">
+                <a:solidFill>
+                  <a:srgbClr val="000000"/>
+                </a:solidFill>
+                <a:latin typeface="Consolas" panose="020B0609020204030204" pitchFamily="49" charset="0"/>
+              </a:rPr>
+              <a:t>, methods: </a:t>
+            </a:r>
+            <a:r>
+              <a:rPr lang="en-US" dirty="0">
+                <a:solidFill>
+                  <a:srgbClr val="A31515"/>
+                </a:solidFill>
+                <a:latin typeface="Consolas" panose="020B0609020204030204" pitchFamily="49" charset="0"/>
+              </a:rPr>
+              <a:t>"*"</a:t>
+            </a:r>
+            <a:r>
+              <a:rPr lang="en-US" dirty="0">
+                <a:solidFill>
+                  <a:srgbClr val="000000"/>
+                </a:solidFill>
+                <a:latin typeface="Consolas" panose="020B0609020204030204" pitchFamily="49" charset="0"/>
+              </a:rPr>
+              <a:t>)]</a:t>
+            </a:r>
+            <a:endParaRPr lang="en-US" dirty="0"/>
           </a:p>
           <a:p>
             <a:pPr marL="342900" indent="-342900">
@@ -8366,27 +8113,118 @@
             </a:pPr>
             <a:r>
               <a:rPr lang="en-US" dirty="0"/>
-              <a:t>Instead of </a:t>
-            </a:r>
-            <a:r>
-              <a:rPr lang="en-US" dirty="0" err="1"/>
-              <a:t>IHttpActionResult</a:t>
-            </a:r>
-            <a:r>
-              <a:rPr lang="en-US" dirty="0"/>
-              <a:t> (</a:t>
-            </a:r>
-            <a:r>
-              <a:rPr lang="en-US" dirty="0" err="1"/>
-              <a:t>WebAPI</a:t>
-            </a:r>
-            <a:r>
-              <a:rPr lang="en-US" dirty="0"/>
-              <a:t>) there is just </a:t>
-            </a:r>
-            <a:r>
-              <a:rPr lang="en-US" dirty="0" err="1"/>
-              <a:t>IActionResult</a:t>
+              <a:t>ASP.NET Core</a:t>
+            </a:r>
+          </a:p>
+          <a:p>
+            <a:pPr marL="573088" lvl="1" indent="-342900">
+              <a:buFont typeface="Arial" panose="020B0604020202020204" pitchFamily="34" charset="0"/>
+              <a:buChar char="•"/>
+            </a:pPr>
+            <a:r>
+              <a:rPr lang="en-US" dirty="0" err="1">
+                <a:solidFill>
+                  <a:srgbClr val="000000"/>
+                </a:solidFill>
+                <a:latin typeface="Consolas" panose="020B0609020204030204" pitchFamily="49" charset="0"/>
+              </a:rPr>
+              <a:t>app.UseCors</a:t>
+            </a:r>
+            <a:r>
+              <a:rPr lang="en-US" dirty="0">
+                <a:solidFill>
+                  <a:srgbClr val="000000"/>
+                </a:solidFill>
+                <a:latin typeface="Consolas" panose="020B0609020204030204" pitchFamily="49" charset="0"/>
+              </a:rPr>
+              <a:t>(builder =&gt; builder</a:t>
+            </a:r>
+          </a:p>
+          <a:p>
+            <a:r>
+              <a:rPr lang="en-US" dirty="0">
+                <a:solidFill>
+                  <a:srgbClr val="000000"/>
+                </a:solidFill>
+                <a:latin typeface="Consolas" panose="020B0609020204030204" pitchFamily="49" charset="0"/>
+              </a:rPr>
+              <a:t>                .</a:t>
+            </a:r>
+            <a:r>
+              <a:rPr lang="en-US" dirty="0" err="1">
+                <a:solidFill>
+                  <a:srgbClr val="000000"/>
+                </a:solidFill>
+                <a:latin typeface="Consolas" panose="020B0609020204030204" pitchFamily="49" charset="0"/>
+              </a:rPr>
+              <a:t>AllowAnyHeader</a:t>
+            </a:r>
+            <a:r>
+              <a:rPr lang="en-US" dirty="0">
+                <a:solidFill>
+                  <a:srgbClr val="000000"/>
+                </a:solidFill>
+                <a:latin typeface="Consolas" panose="020B0609020204030204" pitchFamily="49" charset="0"/>
+              </a:rPr>
+              <a:t>()</a:t>
+            </a:r>
+          </a:p>
+          <a:p>
+            <a:r>
+              <a:rPr lang="en-US" dirty="0">
+                <a:solidFill>
+                  <a:srgbClr val="000000"/>
+                </a:solidFill>
+                <a:latin typeface="Consolas" panose="020B0609020204030204" pitchFamily="49" charset="0"/>
+              </a:rPr>
+              <a:t>                .</a:t>
+            </a:r>
+            <a:r>
+              <a:rPr lang="en-US" dirty="0" err="1">
+                <a:solidFill>
+                  <a:srgbClr val="000000"/>
+                </a:solidFill>
+                <a:latin typeface="Consolas" panose="020B0609020204030204" pitchFamily="49" charset="0"/>
+              </a:rPr>
+              <a:t>AllowAnyMethod</a:t>
+            </a:r>
+            <a:r>
+              <a:rPr lang="en-US" dirty="0">
+                <a:solidFill>
+                  <a:srgbClr val="000000"/>
+                </a:solidFill>
+                <a:latin typeface="Consolas" panose="020B0609020204030204" pitchFamily="49" charset="0"/>
+              </a:rPr>
+              <a:t>()</a:t>
+            </a:r>
+          </a:p>
+          <a:p>
+            <a:r>
+              <a:rPr lang="en-US" dirty="0">
+                <a:solidFill>
+                  <a:srgbClr val="000000"/>
+                </a:solidFill>
+                <a:latin typeface="Consolas" panose="020B0609020204030204" pitchFamily="49" charset="0"/>
+              </a:rPr>
+              <a:t>                .</a:t>
+            </a:r>
+            <a:r>
+              <a:rPr lang="en-US" dirty="0" err="1">
+                <a:solidFill>
+                  <a:srgbClr val="000000"/>
+                </a:solidFill>
+                <a:latin typeface="Consolas" panose="020B0609020204030204" pitchFamily="49" charset="0"/>
+              </a:rPr>
+              <a:t>AllowAnyOrigin</a:t>
+            </a:r>
+            <a:r>
+              <a:rPr lang="en-US" dirty="0">
+                <a:solidFill>
+                  <a:srgbClr val="000000"/>
+                </a:solidFill>
+                <a:latin typeface="Consolas" panose="020B0609020204030204" pitchFamily="49" charset="0"/>
+              </a:rPr>
+              <a:t>());</a:t>
             </a:r>
             <a:endParaRPr lang="en-US" dirty="0"/>
           </a:p>
@@ -8395,7 +8233,7 @@
     </p:spTree>
     <p:extLst>
       <p:ext uri="{BB962C8B-B14F-4D97-AF65-F5344CB8AC3E}">
-        <p14:creationId xmlns:p14="http://schemas.microsoft.com/office/powerpoint/2010/main" val="3506008056"/>
+        <p14:creationId xmlns:p14="http://schemas.microsoft.com/office/powerpoint/2010/main" val="3362038002"/>
       </p:ext>
     </p:extLst>
   </p:cSld>
@@ -8439,7 +8277,7 @@
           <a:p>
             <a:r>
               <a:rPr lang="en-US" dirty="0"/>
-              <a:t>CORS</a:t>
+              <a:t>Startup</a:t>
             </a:r>
           </a:p>
         </p:txBody>
@@ -8454,7 +8292,12 @@
             <p:ph idx="1"/>
           </p:nvPr>
         </p:nvSpPr>
-        <p:spPr/>
+        <p:spPr>
+          <a:xfrm>
+            <a:off x="457200" y="685800"/>
+            <a:ext cx="8591550" cy="3394472"/>
+          </a:xfrm>
+        </p:spPr>
         <p:txBody>
           <a:bodyPr/>
           <a:lstStyle/>
@@ -8465,24 +8308,133 @@
             </a:pPr>
             <a:r>
               <a:rPr lang="en-US" dirty="0"/>
-              <a:t>Cross-Origin Resource Sharing</a:t>
-            </a:r>
+              <a:t>ASP.NET</a:t>
+            </a:r>
+          </a:p>
+          <a:p>
+            <a:pPr marL="573088" lvl="1" indent="-342900">
+              <a:buFont typeface="Arial" panose="020B0604020202020204" pitchFamily="34" charset="0"/>
+              <a:buChar char="•"/>
+            </a:pPr>
+            <a:r>
+              <a:rPr lang="en-US" dirty="0" err="1"/>
+              <a:t>Global.asax.cs</a:t>
+            </a:r>
+            <a:endParaRPr lang="en-US" dirty="0"/>
+          </a:p>
+          <a:p>
+            <a:pPr marL="573088" lvl="1" indent="-342900">
+              <a:buFont typeface="Arial" panose="020B0604020202020204" pitchFamily="34" charset="0"/>
+              <a:buChar char="•"/>
+            </a:pPr>
+            <a:r>
+              <a:rPr lang="en-US" dirty="0" err="1">
+                <a:solidFill>
+                  <a:srgbClr val="000000"/>
+                </a:solidFill>
+                <a:latin typeface="Consolas" panose="020B0609020204030204" pitchFamily="49" charset="0"/>
+              </a:rPr>
+              <a:t>System.Web.</a:t>
+            </a:r>
+            <a:r>
+              <a:rPr lang="en-US" dirty="0" err="1">
+                <a:solidFill>
+                  <a:srgbClr val="2B91AF"/>
+                </a:solidFill>
+                <a:latin typeface="Consolas" panose="020B0609020204030204" pitchFamily="49" charset="0"/>
+              </a:rPr>
+              <a:t>HttpApplication</a:t>
+            </a:r>
+            <a:endParaRPr lang="en-US" dirty="0">
+              <a:solidFill>
+                <a:srgbClr val="2B91AF"/>
+              </a:solidFill>
+              <a:latin typeface="Consolas" panose="020B0609020204030204" pitchFamily="49" charset="0"/>
+            </a:endParaRPr>
+          </a:p>
+          <a:p>
+            <a:pPr marL="573088" lvl="1" indent="-342900">
+              <a:buFont typeface="Arial" panose="020B0604020202020204" pitchFamily="34" charset="0"/>
+              <a:buChar char="•"/>
+            </a:pPr>
+            <a:r>
+              <a:rPr lang="en-US" dirty="0">
+                <a:solidFill>
+                  <a:srgbClr val="0000FF"/>
+                </a:solidFill>
+                <a:latin typeface="Consolas" panose="020B0609020204030204" pitchFamily="49" charset="0"/>
+              </a:rPr>
+              <a:t>protected</a:t>
+            </a:r>
+            <a:r>
+              <a:rPr lang="en-US" dirty="0">
+                <a:solidFill>
+                  <a:srgbClr val="000000"/>
+                </a:solidFill>
+                <a:latin typeface="Consolas" panose="020B0609020204030204" pitchFamily="49" charset="0"/>
+              </a:rPr>
+              <a:t> </a:t>
+            </a:r>
+            <a:r>
+              <a:rPr lang="en-US" dirty="0">
+                <a:solidFill>
+                  <a:srgbClr val="0000FF"/>
+                </a:solidFill>
+                <a:latin typeface="Consolas" panose="020B0609020204030204" pitchFamily="49" charset="0"/>
+              </a:rPr>
+              <a:t>void</a:t>
+            </a:r>
+            <a:r>
+              <a:rPr lang="en-US" dirty="0">
+                <a:solidFill>
+                  <a:srgbClr val="000000"/>
+                </a:solidFill>
+                <a:latin typeface="Consolas" panose="020B0609020204030204" pitchFamily="49" charset="0"/>
+              </a:rPr>
+              <a:t> </a:t>
+            </a:r>
+            <a:r>
+              <a:rPr lang="en-US" dirty="0" err="1">
+                <a:solidFill>
+                  <a:srgbClr val="000000"/>
+                </a:solidFill>
+                <a:latin typeface="Consolas" panose="020B0609020204030204" pitchFamily="49" charset="0"/>
+              </a:rPr>
+              <a:t>Application_Start</a:t>
+            </a:r>
+            <a:r>
+              <a:rPr lang="en-US" dirty="0">
+                <a:solidFill>
+                  <a:srgbClr val="000000"/>
+                </a:solidFill>
+                <a:latin typeface="Consolas" panose="020B0609020204030204" pitchFamily="49" charset="0"/>
+              </a:rPr>
+              <a:t>()</a:t>
+            </a:r>
+            <a:endParaRPr lang="en-US" dirty="0"/>
+          </a:p>
+          <a:p>
+            <a:pPr marL="573088" lvl="1" indent="-342900">
+              <a:buFont typeface="Arial" panose="020B0604020202020204" pitchFamily="34" charset="0"/>
+              <a:buChar char="•"/>
+            </a:pPr>
+            <a:endParaRPr lang="en-US" dirty="0"/>
+          </a:p>
+          <a:p>
+            <a:pPr marL="573088" lvl="1" indent="-342900">
+              <a:buFont typeface="Arial" panose="020B0604020202020204" pitchFamily="34" charset="0"/>
+              <a:buChar char="•"/>
+            </a:pPr>
+            <a:endParaRPr lang="en-US" dirty="0"/>
           </a:p>
           <a:p>
             <a:pPr marL="342900" indent="-342900">
               <a:buFont typeface="Arial" panose="020B0604020202020204" pitchFamily="34" charset="0"/>
               <a:buChar char="•"/>
             </a:pPr>
-            <a:endParaRPr lang="en-US" dirty="0"/>
-          </a:p>
-          <a:p>
-            <a:pPr marL="342900" indent="-342900">
-              <a:buFont typeface="Arial" panose="020B0604020202020204" pitchFamily="34" charset="0"/>
-              <a:buChar char="•"/>
-            </a:pPr>
-            <a:r>
-              <a:rPr lang="en-US" dirty="0"/>
-              <a:t>ASP.NET</a:t>
+            <a:r>
+              <a:rPr lang="en-US" dirty="0"/>
+              <a:t>ASP.NET Core</a:t>
             </a:r>
           </a:p>
           <a:p>
@@ -8491,103 +8443,12 @@
               <a:buChar char="•"/>
             </a:pPr>
             <a:r>
-              <a:rPr lang="en-US" dirty="0">
-                <a:solidFill>
-                  <a:srgbClr val="000000"/>
-                </a:solidFill>
-                <a:latin typeface="Consolas" panose="020B0609020204030204" pitchFamily="49" charset="0"/>
-              </a:rPr>
-              <a:t>[</a:t>
-            </a:r>
-            <a:r>
-              <a:rPr lang="en-US" dirty="0" err="1">
-                <a:solidFill>
-                  <a:srgbClr val="2B91AF"/>
-                </a:solidFill>
-                <a:latin typeface="Consolas" panose="020B0609020204030204" pitchFamily="49" charset="0"/>
-              </a:rPr>
-              <a:t>EnableCors</a:t>
-            </a:r>
-            <a:r>
-              <a:rPr lang="en-US" dirty="0">
-                <a:solidFill>
-                  <a:srgbClr val="000000"/>
-                </a:solidFill>
-                <a:latin typeface="Consolas" panose="020B0609020204030204" pitchFamily="49" charset="0"/>
-              </a:rPr>
-              <a:t>(origins: </a:t>
-            </a:r>
-            <a:r>
-              <a:rPr lang="en-US" dirty="0">
-                <a:solidFill>
-                  <a:srgbClr val="A31515"/>
-                </a:solidFill>
-                <a:latin typeface="Consolas" panose="020B0609020204030204" pitchFamily="49" charset="0"/>
-              </a:rPr>
-              <a:t>"*"</a:t>
-            </a:r>
-            <a:r>
-              <a:rPr lang="en-US" dirty="0">
-                <a:solidFill>
-                  <a:srgbClr val="000000"/>
-                </a:solidFill>
-                <a:latin typeface="Consolas" panose="020B0609020204030204" pitchFamily="49" charset="0"/>
-              </a:rPr>
-              <a:t>, headers: </a:t>
-            </a:r>
-            <a:r>
-              <a:rPr lang="en-US" dirty="0">
-                <a:solidFill>
-                  <a:srgbClr val="A31515"/>
-                </a:solidFill>
-                <a:latin typeface="Consolas" panose="020B0609020204030204" pitchFamily="49" charset="0"/>
-              </a:rPr>
-              <a:t>"*"</a:t>
-            </a:r>
-            <a:r>
-              <a:rPr lang="en-US" dirty="0">
-                <a:solidFill>
-                  <a:srgbClr val="000000"/>
-                </a:solidFill>
-                <a:latin typeface="Consolas" panose="020B0609020204030204" pitchFamily="49" charset="0"/>
-              </a:rPr>
-              <a:t>, methods: </a:t>
-            </a:r>
-            <a:r>
-              <a:rPr lang="en-US" dirty="0">
-                <a:solidFill>
-                  <a:srgbClr val="A31515"/>
-                </a:solidFill>
-                <a:latin typeface="Consolas" panose="020B0609020204030204" pitchFamily="49" charset="0"/>
-              </a:rPr>
-              <a:t>"*"</a:t>
-            </a:r>
-            <a:r>
-              <a:rPr lang="en-US" dirty="0">
-                <a:solidFill>
-                  <a:srgbClr val="000000"/>
-                </a:solidFill>
-                <a:latin typeface="Consolas" panose="020B0609020204030204" pitchFamily="49" charset="0"/>
-              </a:rPr>
-              <a:t>)]</a:t>
-            </a:r>
-            <a:endParaRPr lang="en-US" dirty="0"/>
-          </a:p>
-          <a:p>
-            <a:pPr marL="342900" indent="-342900">
-              <a:buFont typeface="Arial" panose="020B0604020202020204" pitchFamily="34" charset="0"/>
-              <a:buChar char="•"/>
-            </a:pPr>
-            <a:endParaRPr lang="en-US" dirty="0"/>
-          </a:p>
-          <a:p>
-            <a:pPr marL="342900" indent="-342900">
-              <a:buFont typeface="Arial" panose="020B0604020202020204" pitchFamily="34" charset="0"/>
-              <a:buChar char="•"/>
-            </a:pPr>
-            <a:r>
-              <a:rPr lang="en-US" dirty="0"/>
-              <a:t>ASP.NET Core</a:t>
+              <a:rPr lang="en-US" dirty="0" err="1"/>
+              <a:t>Program.cs</a:t>
+            </a:r>
+            <a:r>
+              <a:rPr lang="en-US" dirty="0"/>
+              <a:t> – console application</a:t>
             </a:r>
           </a:p>
           <a:p>
@@ -8596,13 +8457,68 @@
               <a:buChar char="•"/>
             </a:pPr>
             <a:r>
+              <a:rPr lang="en-US" dirty="0" err="1"/>
+              <a:t>Startup.cs</a:t>
+            </a:r>
+            <a:r>
+              <a:rPr lang="en-US" dirty="0"/>
+              <a:t> – used by </a:t>
+            </a:r>
+            <a:r>
+              <a:rPr lang="en-US" dirty="0" err="1"/>
+              <a:t>Program.cs</a:t>
+            </a:r>
+            <a:endParaRPr lang="en-US" dirty="0"/>
+          </a:p>
+          <a:p>
+            <a:pPr marL="573088" lvl="1" indent="-342900">
+              <a:buFont typeface="Arial" panose="020B0604020202020204" pitchFamily="34" charset="0"/>
+              <a:buChar char="•"/>
+            </a:pPr>
+            <a:r>
+              <a:rPr lang="en-US" dirty="0">
+                <a:solidFill>
+                  <a:srgbClr val="0000FF"/>
+                </a:solidFill>
+                <a:latin typeface="Consolas" panose="020B0609020204030204" pitchFamily="49" charset="0"/>
+              </a:rPr>
+              <a:t>public</a:t>
+            </a:r>
+            <a:r>
+              <a:rPr lang="en-US" dirty="0">
+                <a:solidFill>
+                  <a:srgbClr val="000000"/>
+                </a:solidFill>
+                <a:latin typeface="Consolas" panose="020B0609020204030204" pitchFamily="49" charset="0"/>
+              </a:rPr>
+              <a:t> </a:t>
+            </a:r>
+            <a:r>
+              <a:rPr lang="en-US" dirty="0">
+                <a:solidFill>
+                  <a:srgbClr val="0000FF"/>
+                </a:solidFill>
+                <a:latin typeface="Consolas" panose="020B0609020204030204" pitchFamily="49" charset="0"/>
+              </a:rPr>
+              <a:t>void</a:t>
+            </a:r>
+            <a:r>
+              <a:rPr lang="en-US" dirty="0">
+                <a:solidFill>
+                  <a:srgbClr val="000000"/>
+                </a:solidFill>
+                <a:latin typeface="Consolas" panose="020B0609020204030204" pitchFamily="49" charset="0"/>
+              </a:rPr>
+              <a:t> </a:t>
+            </a:r>
+            <a:r>
               <a:rPr lang="en-US" dirty="0" err="1">
                 <a:solidFill>
                   <a:srgbClr val="000000"/>
                 </a:solidFill>
                 <a:latin typeface="Consolas" panose="020B0609020204030204" pitchFamily="49" charset="0"/>
               </a:rPr>
-              <a:t>app.UseCors</a:t>
+              <a:t>ConfigureServices</a:t>
             </a:r>
             <a:r>
               <a:rPr lang="en-US" dirty="0">
@@ -8611,10 +8527,17 @@
                 </a:solidFill>
                 <a:latin typeface="Consolas" panose="020B0609020204030204" pitchFamily="49" charset="0"/>
               </a:rPr>
-              <a:t>(builder =&gt; builder</a:t>
-            </a:r>
-          </a:p>
-          <a:p>
+              <a:t>(</a:t>
+            </a:r>
+            <a:r>
+              <a:rPr lang="en-US" dirty="0" err="1">
+                <a:solidFill>
+                  <a:srgbClr val="2B91AF"/>
+                </a:solidFill>
+                <a:latin typeface="Consolas" panose="020B0609020204030204" pitchFamily="49" charset="0"/>
+              </a:rPr>
+              <a:t>IServiceCollection</a:t>
+            </a:r>
             <a:r>
               <a:rPr lang="en-US" dirty="0">
                 <a:solidFill>
@@ -8622,83 +8545,139 @@
                 </a:solidFill>
                 <a:latin typeface="Consolas" panose="020B0609020204030204" pitchFamily="49" charset="0"/>
               </a:rPr>
-              <a:t>                .</a:t>
-            </a:r>
-            <a:r>
-              <a:rPr lang="en-US" dirty="0" err="1">
+              <a:t> services)</a:t>
+            </a:r>
+          </a:p>
+          <a:p>
+            <a:pPr marL="573088" lvl="1" indent="-342900">
+              <a:buFont typeface="Arial" panose="020B0604020202020204" pitchFamily="34" charset="0"/>
+              <a:buChar char="•"/>
+            </a:pPr>
+            <a:r>
+              <a:rPr lang="en-US" sz="1100" dirty="0">
+                <a:solidFill>
+                  <a:srgbClr val="0000FF"/>
+                </a:solidFill>
+                <a:latin typeface="Consolas" panose="020B0609020204030204" pitchFamily="49" charset="0"/>
+              </a:rPr>
+              <a:t>public</a:t>
+            </a:r>
+            <a:r>
+              <a:rPr lang="en-US" sz="1100" dirty="0">
                 <a:solidFill>
                   <a:srgbClr val="000000"/>
                 </a:solidFill>
                 <a:latin typeface="Consolas" panose="020B0609020204030204" pitchFamily="49" charset="0"/>
               </a:rPr>
-              <a:t>AllowAnyHeader</a:t>
-            </a:r>
-            <a:r>
-              <a:rPr lang="en-US" dirty="0">
+              <a:t> </a:t>
+            </a:r>
+            <a:r>
+              <a:rPr lang="en-US" sz="1100" dirty="0">
+                <a:solidFill>
+                  <a:srgbClr val="0000FF"/>
+                </a:solidFill>
+                <a:latin typeface="Consolas" panose="020B0609020204030204" pitchFamily="49" charset="0"/>
+              </a:rPr>
+              <a:t>void</a:t>
+            </a:r>
+            <a:r>
+              <a:rPr lang="en-US" sz="1100" dirty="0">
                 <a:solidFill>
                   <a:srgbClr val="000000"/>
                 </a:solidFill>
                 <a:latin typeface="Consolas" panose="020B0609020204030204" pitchFamily="49" charset="0"/>
               </a:rPr>
-              <a:t>()</a:t>
-            </a:r>
-          </a:p>
-          <a:p>
-            <a:r>
-              <a:rPr lang="en-US" dirty="0">
+              <a:t> Configure(</a:t>
+            </a:r>
+            <a:r>
+              <a:rPr lang="en-US" sz="1100" dirty="0" err="1">
+                <a:solidFill>
+                  <a:srgbClr val="2B91AF"/>
+                </a:solidFill>
+                <a:latin typeface="Consolas" panose="020B0609020204030204" pitchFamily="49" charset="0"/>
+              </a:rPr>
+              <a:t>IApplicationBuilder</a:t>
+            </a:r>
+            <a:r>
+              <a:rPr lang="en-US" sz="1100" dirty="0">
                 <a:solidFill>
                   <a:srgbClr val="000000"/>
                 </a:solidFill>
                 <a:latin typeface="Consolas" panose="020B0609020204030204" pitchFamily="49" charset="0"/>
               </a:rPr>
-              <a:t>                .</a:t>
-            </a:r>
-            <a:r>
-              <a:rPr lang="en-US" dirty="0" err="1">
+              <a:t> app, </a:t>
+            </a:r>
+            <a:r>
+              <a:rPr lang="en-US" sz="1100" dirty="0" err="1">
+                <a:solidFill>
+                  <a:srgbClr val="2B91AF"/>
+                </a:solidFill>
+                <a:latin typeface="Consolas" panose="020B0609020204030204" pitchFamily="49" charset="0"/>
+              </a:rPr>
+              <a:t>IHostingEnvironment</a:t>
+            </a:r>
+            <a:r>
+              <a:rPr lang="en-US" sz="1100" dirty="0">
                 <a:solidFill>
                   <a:srgbClr val="000000"/>
                 </a:solidFill>
                 <a:latin typeface="Consolas" panose="020B0609020204030204" pitchFamily="49" charset="0"/>
               </a:rPr>
-              <a:t>AllowAnyMethod</a:t>
-            </a:r>
-            <a:r>
-              <a:rPr lang="en-US" dirty="0">
+              <a:t> </a:t>
+            </a:r>
+            <a:r>
+              <a:rPr lang="en-US" sz="1100" dirty="0" err="1">
                 <a:solidFill>
                   <a:srgbClr val="000000"/>
                 </a:solidFill>
                 <a:latin typeface="Consolas" panose="020B0609020204030204" pitchFamily="49" charset="0"/>
               </a:rPr>
-              <a:t>()</a:t>
-            </a:r>
-          </a:p>
-          <a:p>
-            <a:r>
-              <a:rPr lang="en-US" dirty="0">
+              <a:t>env</a:t>
+            </a:r>
+            <a:r>
+              <a:rPr lang="en-US" sz="1100" dirty="0">
                 <a:solidFill>
                   <a:srgbClr val="000000"/>
                 </a:solidFill>
                 <a:latin typeface="Consolas" panose="020B0609020204030204" pitchFamily="49" charset="0"/>
               </a:rPr>
-              <a:t>                .</a:t>
-            </a:r>
-            <a:r>
-              <a:rPr lang="en-US" dirty="0" err="1">
+              <a:t>, </a:t>
+            </a:r>
+            <a:r>
+              <a:rPr lang="en-US" sz="1100" dirty="0" err="1">
+                <a:solidFill>
+                  <a:srgbClr val="2B91AF"/>
+                </a:solidFill>
+                <a:latin typeface="Consolas" panose="020B0609020204030204" pitchFamily="49" charset="0"/>
+              </a:rPr>
+              <a:t>ILoggerFactory</a:t>
+            </a:r>
+            <a:r>
+              <a:rPr lang="en-US" sz="1100" dirty="0">
                 <a:solidFill>
                   <a:srgbClr val="000000"/>
                 </a:solidFill>
                 <a:latin typeface="Consolas" panose="020B0609020204030204" pitchFamily="49" charset="0"/>
               </a:rPr>
-              <a:t>AllowAnyOrigin</a:t>
-            </a:r>
-            <a:r>
-              <a:rPr lang="en-US" dirty="0">
+              <a:t> </a:t>
+            </a:r>
+            <a:r>
+              <a:rPr lang="en-US" sz="1100" dirty="0" err="1">
                 <a:solidFill>
                   <a:srgbClr val="000000"/>
                 </a:solidFill>
                 <a:latin typeface="Consolas" panose="020B0609020204030204" pitchFamily="49" charset="0"/>
               </a:rPr>
-              <a:t>());</a:t>
+              <a:t>loggerFactory</a:t>
+            </a:r>
+            <a:r>
+              <a:rPr lang="en-US" sz="1100" dirty="0">
+                <a:solidFill>
+                  <a:srgbClr val="000000"/>
+                </a:solidFill>
+                <a:latin typeface="Consolas" panose="020B0609020204030204" pitchFamily="49" charset="0"/>
+              </a:rPr>
+              <a:t>)</a:t>
             </a:r>
             <a:endParaRPr lang="en-US" dirty="0"/>
           </a:p>
@@ -8707,7 +8686,7 @@
     </p:spTree>
     <p:extLst>
       <p:ext uri="{BB962C8B-B14F-4D97-AF65-F5344CB8AC3E}">
-        <p14:creationId xmlns:p14="http://schemas.microsoft.com/office/powerpoint/2010/main" val="3362038002"/>
+        <p14:creationId xmlns:p14="http://schemas.microsoft.com/office/powerpoint/2010/main" val="1505097641"/>
       </p:ext>
     </p:extLst>
   </p:cSld>
@@ -8751,7 +8730,7 @@
           <a:p>
             <a:r>
               <a:rPr lang="en-US" dirty="0"/>
-              <a:t>Startup</a:t>
+              <a:t>Configuration</a:t>
             </a:r>
           </a:p>
         </p:txBody>
@@ -8766,12 +8745,7 @@
             <p:ph idx="1"/>
           </p:nvPr>
         </p:nvSpPr>
-        <p:spPr>
-          <a:xfrm>
-            <a:off x="457200" y="685800"/>
-            <a:ext cx="8591550" cy="3394472"/>
-          </a:xfrm>
-        </p:spPr>
+        <p:spPr/>
         <p:txBody>
           <a:bodyPr/>
           <a:lstStyle/>
@@ -8792,9 +8766,12 @@
             </a:pPr>
             <a:r>
               <a:rPr lang="en-US" dirty="0" err="1"/>
-              <a:t>Global.asax.cs</a:t>
-            </a:r>
-            <a:endParaRPr lang="en-US" dirty="0"/>
+              <a:t>Web.config</a:t>
+            </a:r>
+            <a:r>
+              <a:rPr lang="en-US" dirty="0"/>
+              <a:t> (XML)</a:t>
+            </a:r>
           </a:p>
           <a:p>
             <a:pPr marL="573088" lvl="1" indent="-342900">
@@ -8804,24 +8781,24 @@
             <a:r>
               <a:rPr lang="en-US" dirty="0" err="1">
                 <a:solidFill>
+                  <a:srgbClr val="2B91AF"/>
+                </a:solidFill>
+                <a:latin typeface="Consolas" panose="020B0609020204030204" pitchFamily="49" charset="0"/>
+              </a:rPr>
+              <a:t>ConfigurationManager</a:t>
+            </a:r>
+            <a:r>
+              <a:rPr lang="en-US" dirty="0" err="1">
+                <a:solidFill>
                   <a:srgbClr val="000000"/>
                 </a:solidFill>
                 <a:latin typeface="Consolas" panose="020B0609020204030204" pitchFamily="49" charset="0"/>
               </a:rPr>
-              <a:t>System.Web.</a:t>
-            </a:r>
-            <a:r>
-              <a:rPr lang="en-US" dirty="0" err="1">
-                <a:solidFill>
-                  <a:srgbClr val="2B91AF"/>
-                </a:solidFill>
-                <a:latin typeface="Consolas" panose="020B0609020204030204" pitchFamily="49" charset="0"/>
-              </a:rPr>
-              <a:t>HttpApplication</a:t>
+              <a:t>.AppSettings</a:t>
             </a:r>
             <a:endParaRPr lang="en-US" dirty="0">
               <a:solidFill>
-                <a:srgbClr val="2B91AF"/>
+                <a:srgbClr val="000000"/>
               </a:solidFill>
               <a:latin typeface="Consolas" panose="020B0609020204030204" pitchFamily="49" charset="0"/>
             </a:endParaRPr>
@@ -8831,135 +8808,88 @@
               <a:buFont typeface="Arial" panose="020B0604020202020204" pitchFamily="34" charset="0"/>
               <a:buChar char="•"/>
             </a:pPr>
+            <a:endParaRPr lang="en-US" dirty="0">
+              <a:solidFill>
+                <a:srgbClr val="000000"/>
+              </a:solidFill>
+              <a:latin typeface="Consolas" panose="020B0609020204030204" pitchFamily="49" charset="0"/>
+            </a:endParaRPr>
+          </a:p>
+          <a:p>
+            <a:pPr marL="342900" indent="-342900">
+              <a:buFont typeface="Arial" panose="020B0604020202020204" pitchFamily="34" charset="0"/>
+              <a:buChar char="•"/>
+            </a:pPr>
             <a:r>
               <a:rPr lang="en-US" dirty="0">
                 <a:solidFill>
-                  <a:srgbClr val="0000FF"/>
-                </a:solidFill>
-                <a:latin typeface="Consolas" panose="020B0609020204030204" pitchFamily="49" charset="0"/>
-              </a:rPr>
-              <a:t>protected</a:t>
-            </a:r>
-            <a:r>
-              <a:rPr lang="en-US" dirty="0">
-                <a:solidFill>
                   <a:srgbClr val="000000"/>
                 </a:solidFill>
                 <a:latin typeface="Consolas" panose="020B0609020204030204" pitchFamily="49" charset="0"/>
               </a:rPr>
-              <a:t> </a:t>
-            </a:r>
-            <a:r>
-              <a:rPr lang="en-US" dirty="0">
-                <a:solidFill>
-                  <a:srgbClr val="0000FF"/>
-                </a:solidFill>
-                <a:latin typeface="Consolas" panose="020B0609020204030204" pitchFamily="49" charset="0"/>
-              </a:rPr>
-              <a:t>void</a:t>
-            </a:r>
-            <a:r>
-              <a:rPr lang="en-US" dirty="0">
-                <a:solidFill>
-                  <a:srgbClr val="000000"/>
-                </a:solidFill>
-                <a:latin typeface="Consolas" panose="020B0609020204030204" pitchFamily="49" charset="0"/>
-              </a:rPr>
-              <a:t> </a:t>
-            </a:r>
-            <a:r>
-              <a:rPr lang="en-US" dirty="0" err="1">
-                <a:solidFill>
-                  <a:srgbClr val="000000"/>
-                </a:solidFill>
-                <a:latin typeface="Consolas" panose="020B0609020204030204" pitchFamily="49" charset="0"/>
-              </a:rPr>
-              <a:t>Application_Start</a:t>
-            </a:r>
-            <a:r>
-              <a:rPr lang="en-US" dirty="0">
-                <a:solidFill>
-                  <a:srgbClr val="000000"/>
-                </a:solidFill>
-                <a:latin typeface="Consolas" panose="020B0609020204030204" pitchFamily="49" charset="0"/>
-              </a:rPr>
-              <a:t>()</a:t>
-            </a:r>
-            <a:endParaRPr lang="en-US" dirty="0"/>
+              <a:t>ASP.NET Core</a:t>
+            </a:r>
           </a:p>
           <a:p>
             <a:pPr marL="573088" lvl="1" indent="-342900">
               <a:buFont typeface="Arial" panose="020B0604020202020204" pitchFamily="34" charset="0"/>
               <a:buChar char="•"/>
             </a:pPr>
+            <a:r>
+              <a:rPr lang="en-US" dirty="0" err="1"/>
+              <a:t>appsettings.json</a:t>
+            </a:r>
+            <a:r>
+              <a:rPr lang="en-US" dirty="0"/>
+              <a:t> (JSON)</a:t>
+            </a:r>
+          </a:p>
+          <a:p>
+            <a:r>
+              <a:rPr lang="en-US" dirty="0">
+                <a:solidFill>
+                  <a:srgbClr val="000000"/>
+                </a:solidFill>
+                <a:latin typeface="Consolas" panose="020B0609020204030204" pitchFamily="49" charset="0"/>
+              </a:rPr>
+              <a:t> 	</a:t>
+            </a:r>
             <a:endParaRPr lang="en-US" dirty="0"/>
           </a:p>
-          <a:p>
-            <a:pPr marL="573088" lvl="1" indent="-342900">
-              <a:buFont typeface="Arial" panose="020B0604020202020204" pitchFamily="34" charset="0"/>
-              <a:buChar char="•"/>
-            </a:pPr>
-            <a:endParaRPr lang="en-US" dirty="0"/>
-          </a:p>
-          <a:p>
-            <a:pPr marL="342900" indent="-342900">
-              <a:buFont typeface="Arial" panose="020B0604020202020204" pitchFamily="34" charset="0"/>
-              <a:buChar char="•"/>
-            </a:pPr>
-            <a:r>
-              <a:rPr lang="en-US" dirty="0"/>
-              <a:t>ASP.NET Core</a:t>
-            </a:r>
-          </a:p>
-          <a:p>
-            <a:pPr marL="573088" lvl="1" indent="-342900">
-              <a:buFont typeface="Arial" panose="020B0604020202020204" pitchFamily="34" charset="0"/>
-              <a:buChar char="•"/>
-            </a:pPr>
-            <a:r>
-              <a:rPr lang="en-US" dirty="0" err="1"/>
-              <a:t>Program.cs</a:t>
-            </a:r>
-            <a:r>
-              <a:rPr lang="en-US" dirty="0"/>
-              <a:t> – console application</a:t>
-            </a:r>
-          </a:p>
-          <a:p>
-            <a:pPr marL="573088" lvl="1" indent="-342900">
-              <a:buFont typeface="Arial" panose="020B0604020202020204" pitchFamily="34" charset="0"/>
-              <a:buChar char="•"/>
-            </a:pPr>
-            <a:r>
-              <a:rPr lang="en-US" dirty="0" err="1"/>
-              <a:t>Startup.cs</a:t>
-            </a:r>
-            <a:r>
-              <a:rPr lang="en-US" dirty="0"/>
-              <a:t> – used by </a:t>
-            </a:r>
-            <a:r>
-              <a:rPr lang="en-US" dirty="0" err="1"/>
-              <a:t>Program.cs</a:t>
-            </a:r>
-            <a:endParaRPr lang="en-US" dirty="0"/>
-          </a:p>
-          <a:p>
-            <a:pPr marL="573088" lvl="1" indent="-342900">
-              <a:buFont typeface="Arial" panose="020B0604020202020204" pitchFamily="34" charset="0"/>
-              <a:buChar char="•"/>
-            </a:pPr>
-            <a:r>
-              <a:rPr lang="en-US" dirty="0">
-                <a:solidFill>
-                  <a:srgbClr val="0000FF"/>
-                </a:solidFill>
-                <a:latin typeface="Consolas" panose="020B0609020204030204" pitchFamily="49" charset="0"/>
-              </a:rPr>
-              <a:t>public</a:t>
-            </a:r>
-            <a:r>
-              <a:rPr lang="en-US" dirty="0">
+        </p:txBody>
+      </p:sp>
+      <p:sp>
+        <p:nvSpPr>
+          <p:cNvPr id="4" name="Rectangle 3"/>
+          <p:cNvSpPr/>
+          <p:nvPr/>
+        </p:nvSpPr>
+        <p:spPr>
+          <a:xfrm>
+            <a:off x="876299" y="2924860"/>
+            <a:ext cx="8143875" cy="738664"/>
+          </a:xfrm>
+          <a:prstGeom prst="rect">
+            <a:avLst/>
+          </a:prstGeom>
+        </p:spPr>
+        <p:txBody>
+          <a:bodyPr wrap="square">
+            <a:spAutoFit/>
+          </a:bodyPr>
+          <a:lstStyle/>
+          <a:p>
+            <a:r>
+              <a:rPr lang="en-US" sz="1400" dirty="0" err="1">
+                <a:solidFill>
+                  <a:srgbClr val="2B91AF"/>
+                </a:solidFill>
+                <a:latin typeface="Consolas" panose="020B0609020204030204" pitchFamily="49" charset="0"/>
+              </a:rPr>
+              <a:t>IConfigurationSection</a:t>
+            </a:r>
+            <a:r>
+              <a:rPr lang="en-US" sz="1400" dirty="0">
                 <a:solidFill>
                   <a:srgbClr val="000000"/>
                 </a:solidFill>
@@ -8968,199 +8898,179 @@
               <a:t> </a:t>
             </a:r>
             <a:r>
-              <a:rPr lang="en-US" dirty="0">
-                <a:solidFill>
-                  <a:srgbClr val="0000FF"/>
-                </a:solidFill>
-                <a:latin typeface="Consolas" panose="020B0609020204030204" pitchFamily="49" charset="0"/>
-              </a:rPr>
-              <a:t>void</a:t>
-            </a:r>
-            <a:r>
-              <a:rPr lang="en-US" dirty="0">
+              <a:rPr lang="en-US" sz="1400" dirty="0" err="1">
                 <a:solidFill>
                   <a:srgbClr val="000000"/>
                 </a:solidFill>
                 <a:latin typeface="Consolas" panose="020B0609020204030204" pitchFamily="49" charset="0"/>
               </a:rPr>
-              <a:t> </a:t>
-            </a:r>
-            <a:r>
-              <a:rPr lang="en-US" dirty="0" err="1">
+              <a:t>settingsSection</a:t>
+            </a:r>
+            <a:r>
+              <a:rPr lang="en-US" sz="1400" dirty="0">
                 <a:solidFill>
                   <a:srgbClr val="000000"/>
                 </a:solidFill>
                 <a:latin typeface="Consolas" panose="020B0609020204030204" pitchFamily="49" charset="0"/>
               </a:rPr>
-              <a:t>ConfigureServices</a:t>
-            </a:r>
-            <a:r>
-              <a:rPr lang="en-US" dirty="0">
+              <a:t> = </a:t>
+            </a:r>
+            <a:r>
+              <a:rPr lang="en-US" sz="1400" dirty="0" err="1">
                 <a:solidFill>
                   <a:srgbClr val="000000"/>
                 </a:solidFill>
                 <a:latin typeface="Consolas" panose="020B0609020204030204" pitchFamily="49" charset="0"/>
               </a:rPr>
+              <a:t>Configuration.GetSection</a:t>
+            </a:r>
+            <a:r>
+              <a:rPr lang="en-US" sz="1400" dirty="0">
+                <a:solidFill>
+                  <a:srgbClr val="000000"/>
+                </a:solidFill>
+                <a:latin typeface="Consolas" panose="020B0609020204030204" pitchFamily="49" charset="0"/>
+              </a:rPr>
               <a:t>(</a:t>
             </a:r>
             <a:r>
-              <a:rPr lang="en-US" dirty="0" err="1">
+              <a:rPr lang="en-US" sz="1400" dirty="0">
+                <a:solidFill>
+                  <a:srgbClr val="A31515"/>
+                </a:solidFill>
+                <a:latin typeface="Consolas" panose="020B0609020204030204" pitchFamily="49" charset="0"/>
+              </a:rPr>
+              <a:t>"</a:t>
+            </a:r>
+            <a:r>
+              <a:rPr lang="en-US" sz="1400" dirty="0" err="1">
+                <a:solidFill>
+                  <a:srgbClr val="A31515"/>
+                </a:solidFill>
+                <a:latin typeface="Consolas" panose="020B0609020204030204" pitchFamily="49" charset="0"/>
+              </a:rPr>
+              <a:t>MySettings</a:t>
+            </a:r>
+            <a:r>
+              <a:rPr lang="en-US" sz="1400" dirty="0">
+                <a:solidFill>
+                  <a:srgbClr val="A31515"/>
+                </a:solidFill>
+                <a:latin typeface="Consolas" panose="020B0609020204030204" pitchFamily="49" charset="0"/>
+              </a:rPr>
+              <a:t>"</a:t>
+            </a:r>
+            <a:r>
+              <a:rPr lang="en-US" sz="1400" dirty="0">
+                <a:solidFill>
+                  <a:srgbClr val="000000"/>
+                </a:solidFill>
+                <a:latin typeface="Consolas" panose="020B0609020204030204" pitchFamily="49" charset="0"/>
+              </a:rPr>
+              <a:t>);</a:t>
+            </a:r>
+          </a:p>
+          <a:p>
+            <a:r>
+              <a:rPr lang="nb-NO" sz="1400" dirty="0">
                 <a:solidFill>
                   <a:srgbClr val="2B91AF"/>
                 </a:solidFill>
                 <a:latin typeface="Consolas" panose="020B0609020204030204" pitchFamily="49" charset="0"/>
               </a:rPr>
-              <a:t>IServiceCollection</a:t>
-            </a:r>
-            <a:r>
-              <a:rPr lang="en-US" dirty="0">
+              <a:t>MySettings</a:t>
+            </a:r>
+            <a:r>
+              <a:rPr lang="nb-NO" sz="1400" dirty="0">
                 <a:solidFill>
                   <a:srgbClr val="000000"/>
                 </a:solidFill>
                 <a:latin typeface="Consolas" panose="020B0609020204030204" pitchFamily="49" charset="0"/>
               </a:rPr>
-              <a:t> services)</a:t>
-            </a:r>
-          </a:p>
-          <a:p>
-            <a:pPr marL="573088" lvl="1" indent="-342900">
-              <a:buFont typeface="Arial" panose="020B0604020202020204" pitchFamily="34" charset="0"/>
-              <a:buChar char="•"/>
-            </a:pPr>
-            <a:r>
-              <a:rPr lang="en-US" sz="1100" dirty="0">
-                <a:solidFill>
-                  <a:srgbClr val="0000FF"/>
-                </a:solidFill>
-                <a:latin typeface="Consolas" panose="020B0609020204030204" pitchFamily="49" charset="0"/>
-              </a:rPr>
-              <a:t>public</a:t>
-            </a:r>
-            <a:r>
-              <a:rPr lang="en-US" sz="1100" dirty="0">
+              <a:t> settings = settingsSection.Get&lt;</a:t>
+            </a:r>
+            <a:r>
+              <a:rPr lang="nb-NO" sz="1400" dirty="0">
+                <a:solidFill>
+                  <a:srgbClr val="2B91AF"/>
+                </a:solidFill>
+                <a:latin typeface="Consolas" panose="020B0609020204030204" pitchFamily="49" charset="0"/>
+              </a:rPr>
+              <a:t>MySettings</a:t>
+            </a:r>
+            <a:r>
+              <a:rPr lang="nb-NO" sz="1400" dirty="0">
                 <a:solidFill>
                   <a:srgbClr val="000000"/>
                 </a:solidFill>
                 <a:latin typeface="Consolas" panose="020B0609020204030204" pitchFamily="49" charset="0"/>
               </a:rPr>
-              <a:t> </a:t>
-            </a:r>
-            <a:r>
-              <a:rPr lang="en-US" sz="1100" dirty="0">
-                <a:solidFill>
-                  <a:srgbClr val="0000FF"/>
-                </a:solidFill>
-                <a:latin typeface="Consolas" panose="020B0609020204030204" pitchFamily="49" charset="0"/>
-              </a:rPr>
-              <a:t>void</a:t>
-            </a:r>
-            <a:r>
-              <a:rPr lang="en-US" sz="1100" dirty="0">
+              <a:t>&gt;();</a:t>
+            </a:r>
+          </a:p>
+          <a:p>
+            <a:r>
+              <a:rPr lang="en-US" sz="1400" dirty="0" err="1">
                 <a:solidFill>
                   <a:srgbClr val="000000"/>
                 </a:solidFill>
                 <a:latin typeface="Consolas" panose="020B0609020204030204" pitchFamily="49" charset="0"/>
               </a:rPr>
-              <a:t> Configure(</a:t>
-            </a:r>
-            <a:r>
-              <a:rPr lang="en-US" sz="1100" dirty="0" err="1">
+              <a:t>services.Configure</a:t>
+            </a:r>
+            <a:r>
+              <a:rPr lang="en-US" sz="1400" dirty="0">
+                <a:solidFill>
+                  <a:srgbClr val="000000"/>
+                </a:solidFill>
+                <a:latin typeface="Consolas" panose="020B0609020204030204" pitchFamily="49" charset="0"/>
+              </a:rPr>
+              <a:t>&lt;</a:t>
+            </a:r>
+            <a:r>
+              <a:rPr lang="en-US" sz="1400" dirty="0" err="1">
                 <a:solidFill>
                   <a:srgbClr val="2B91AF"/>
                 </a:solidFill>
                 <a:latin typeface="Consolas" panose="020B0609020204030204" pitchFamily="49" charset="0"/>
               </a:rPr>
-              <a:t>IApplicationBuilder</a:t>
-            </a:r>
-            <a:r>
-              <a:rPr lang="en-US" sz="1100" dirty="0">
+              <a:t>MySettings</a:t>
+            </a:r>
+            <a:r>
+              <a:rPr lang="en-US" sz="1400" dirty="0">
                 <a:solidFill>
                   <a:srgbClr val="000000"/>
                 </a:solidFill>
                 <a:latin typeface="Consolas" panose="020B0609020204030204" pitchFamily="49" charset="0"/>
               </a:rPr>
-              <a:t> app, </a:t>
-            </a:r>
-            <a:r>
-              <a:rPr lang="en-US" sz="1100" dirty="0" err="1">
-                <a:solidFill>
-                  <a:srgbClr val="2B91AF"/>
-                </a:solidFill>
-                <a:latin typeface="Consolas" panose="020B0609020204030204" pitchFamily="49" charset="0"/>
-              </a:rPr>
-              <a:t>IHostingEnvironment</a:t>
-            </a:r>
-            <a:r>
-              <a:rPr lang="en-US" sz="1100" dirty="0">
+              <a:t>&gt;(</a:t>
+            </a:r>
+            <a:r>
+              <a:rPr lang="en-US" sz="1400" dirty="0" err="1">
                 <a:solidFill>
                   <a:srgbClr val="000000"/>
                 </a:solidFill>
                 <a:latin typeface="Consolas" panose="020B0609020204030204" pitchFamily="49" charset="0"/>
               </a:rPr>
-              <a:t> </a:t>
-            </a:r>
-            <a:r>
-              <a:rPr lang="en-US" sz="1100" dirty="0" err="1">
+              <a:t>settingsSection</a:t>
+            </a:r>
+            <a:r>
+              <a:rPr lang="en-US" sz="1400" dirty="0">
                 <a:solidFill>
                   <a:srgbClr val="000000"/>
                 </a:solidFill>
                 <a:latin typeface="Consolas" panose="020B0609020204030204" pitchFamily="49" charset="0"/>
               </a:rPr>
-              <a:t>env</a:t>
-            </a:r>
-            <a:r>
-              <a:rPr lang="en-US" sz="1100" dirty="0">
-                <a:solidFill>
-                  <a:srgbClr val="000000"/>
-                </a:solidFill>
-                <a:latin typeface="Consolas" panose="020B0609020204030204" pitchFamily="49" charset="0"/>
-              </a:rPr>
-              <a:t>, </a:t>
-            </a:r>
-            <a:r>
-              <a:rPr lang="en-US" sz="1100" dirty="0" err="1">
-                <a:solidFill>
-                  <a:srgbClr val="2B91AF"/>
-                </a:solidFill>
-                <a:latin typeface="Consolas" panose="020B0609020204030204" pitchFamily="49" charset="0"/>
-              </a:rPr>
-              <a:t>ILoggerFactory</a:t>
-            </a:r>
-            <a:r>
-              <a:rPr lang="en-US" sz="1100" dirty="0">
-                <a:solidFill>
-                  <a:srgbClr val="000000"/>
-                </a:solidFill>
-                <a:latin typeface="Consolas" panose="020B0609020204030204" pitchFamily="49" charset="0"/>
-              </a:rPr>
-              <a:t> </a:t>
-            </a:r>
-            <a:r>
-              <a:rPr lang="en-US" sz="1100" dirty="0" err="1">
-                <a:solidFill>
-                  <a:srgbClr val="000000"/>
-                </a:solidFill>
-                <a:latin typeface="Consolas" panose="020B0609020204030204" pitchFamily="49" charset="0"/>
-              </a:rPr>
-              <a:t>loggerFactory</a:t>
-            </a:r>
-            <a:r>
-              <a:rPr lang="en-US" sz="1100" dirty="0">
-                <a:solidFill>
-                  <a:srgbClr val="000000"/>
-                </a:solidFill>
-                <a:latin typeface="Consolas" panose="020B0609020204030204" pitchFamily="49" charset="0"/>
-              </a:rPr>
-              <a:t>)</a:t>
-            </a:r>
-            <a:endParaRPr lang="en-US" dirty="0"/>
+              <a:t>);</a:t>
+            </a:r>
+            <a:endParaRPr lang="en-US" sz="3600" dirty="0"/>
           </a:p>
         </p:txBody>
       </p:sp>
     </p:spTree>
     <p:extLst>
       <p:ext uri="{BB962C8B-B14F-4D97-AF65-F5344CB8AC3E}">
-        <p14:creationId xmlns:p14="http://schemas.microsoft.com/office/powerpoint/2010/main" val="1505097641"/>
+        <p14:creationId xmlns:p14="http://schemas.microsoft.com/office/powerpoint/2010/main" val="722562928"/>
       </p:ext>
     </p:extLst>
   </p:cSld>
@@ -9204,7 +9114,7 @@
           <a:p>
             <a:r>
               <a:rPr lang="en-US" dirty="0"/>
-              <a:t>Configuration</a:t>
+              <a:t>Static Files</a:t>
             </a:r>
           </a:p>
         </p:txBody>
@@ -9239,12 +9149,8 @@
               <a:buChar char="•"/>
             </a:pPr>
             <a:r>
-              <a:rPr lang="en-US" dirty="0" err="1"/>
-              <a:t>Web.config</a:t>
-            </a:r>
-            <a:r>
-              <a:rPr lang="en-US" dirty="0"/>
-              <a:t> (XML)</a:t>
+              <a:rPr lang="en-US" dirty="0"/>
+              <a:t>Put static files wherever</a:t>
             </a:r>
           </a:p>
           <a:p>
@@ -9252,299 +9158,42 @@
               <a:buFont typeface="Arial" panose="020B0604020202020204" pitchFamily="34" charset="0"/>
               <a:buChar char="•"/>
             </a:pPr>
-            <a:r>
-              <a:rPr lang="en-US" dirty="0" err="1">
-                <a:solidFill>
-                  <a:srgbClr val="2B91AF"/>
-                </a:solidFill>
-                <a:latin typeface="Consolas" panose="020B0609020204030204" pitchFamily="49" charset="0"/>
-              </a:rPr>
-              <a:t>ConfigurationManager</a:t>
-            </a:r>
-            <a:r>
-              <a:rPr lang="en-US" dirty="0" err="1">
-                <a:solidFill>
-                  <a:srgbClr val="000000"/>
-                </a:solidFill>
-                <a:latin typeface="Consolas" panose="020B0609020204030204" pitchFamily="49" charset="0"/>
-              </a:rPr>
-              <a:t>.AppSettings</a:t>
-            </a:r>
-            <a:endParaRPr lang="en-US" dirty="0">
-              <a:solidFill>
-                <a:srgbClr val="000000"/>
-              </a:solidFill>
-              <a:latin typeface="Consolas" panose="020B0609020204030204" pitchFamily="49" charset="0"/>
-            </a:endParaRPr>
+            <a:endParaRPr lang="en-US" dirty="0"/>
+          </a:p>
+          <a:p>
+            <a:pPr marL="342900" indent="-342900">
+              <a:buFont typeface="Arial" panose="020B0604020202020204" pitchFamily="34" charset="0"/>
+              <a:buChar char="•"/>
+            </a:pPr>
+            <a:r>
+              <a:rPr lang="en-US" dirty="0"/>
+              <a:t>ASP.NET Core</a:t>
+            </a:r>
           </a:p>
           <a:p>
             <a:pPr marL="573088" lvl="1" indent="-342900">
               <a:buFont typeface="Arial" panose="020B0604020202020204" pitchFamily="34" charset="0"/>
               <a:buChar char="•"/>
             </a:pPr>
-            <a:endParaRPr lang="en-US" dirty="0">
-              <a:solidFill>
-                <a:srgbClr val="000000"/>
-              </a:solidFill>
-              <a:latin typeface="Consolas" panose="020B0609020204030204" pitchFamily="49" charset="0"/>
-            </a:endParaRPr>
-          </a:p>
-          <a:p>
-            <a:pPr marL="342900" indent="-342900">
-              <a:buFont typeface="Arial" panose="020B0604020202020204" pitchFamily="34" charset="0"/>
-              <a:buChar char="•"/>
-            </a:pPr>
-            <a:r>
-              <a:rPr lang="en-US" dirty="0">
-                <a:solidFill>
-                  <a:srgbClr val="000000"/>
-                </a:solidFill>
-                <a:latin typeface="Consolas" panose="020B0609020204030204" pitchFamily="49" charset="0"/>
-              </a:rPr>
-              <a:t>ASP.NET Core</a:t>
-            </a:r>
-          </a:p>
-          <a:p>
-            <a:pPr marL="573088" lvl="1" indent="-342900">
-              <a:buFont typeface="Arial" panose="020B0604020202020204" pitchFamily="34" charset="0"/>
-              <a:buChar char="•"/>
-            </a:pPr>
+            <a:r>
+              <a:rPr lang="en-US" dirty="0"/>
+              <a:t>Put static files in </a:t>
+            </a:r>
             <a:r>
               <a:rPr lang="en-US" dirty="0" err="1"/>
-              <a:t>appsettings.json</a:t>
-            </a:r>
-            <a:r>
-              <a:rPr lang="en-US" dirty="0"/>
-              <a:t> (JSON)</a:t>
-            </a:r>
-          </a:p>
-          <a:p>
-            <a:r>
-              <a:rPr lang="en-US" dirty="0">
-                <a:solidFill>
-                  <a:srgbClr val="000000"/>
-                </a:solidFill>
-                <a:latin typeface="Consolas" panose="020B0609020204030204" pitchFamily="49" charset="0"/>
-              </a:rPr>
-              <a:t> 	</a:t>
-            </a:r>
-            <a:endParaRPr lang="en-US" dirty="0"/>
-          </a:p>
-        </p:txBody>
-      </p:sp>
-      <p:sp>
-        <p:nvSpPr>
-          <p:cNvPr id="4" name="Rectangle 3"/>
-          <p:cNvSpPr/>
-          <p:nvPr/>
-        </p:nvSpPr>
-        <p:spPr>
-          <a:xfrm>
-            <a:off x="876299" y="2924860"/>
-            <a:ext cx="8143875" cy="738664"/>
-          </a:xfrm>
-          <a:prstGeom prst="rect">
-            <a:avLst/>
-          </a:prstGeom>
-        </p:spPr>
-        <p:txBody>
-          <a:bodyPr wrap="square">
-            <a:spAutoFit/>
-          </a:bodyPr>
-          <a:lstStyle/>
-          <a:p>
-            <a:r>
-              <a:rPr lang="en-US" sz="1400" dirty="0" err="1">
-                <a:solidFill>
-                  <a:srgbClr val="2B91AF"/>
-                </a:solidFill>
-                <a:latin typeface="Consolas" panose="020B0609020204030204" pitchFamily="49" charset="0"/>
-              </a:rPr>
-              <a:t>IConfigurationSection</a:t>
-            </a:r>
-            <a:r>
-              <a:rPr lang="en-US" sz="1400" dirty="0">
-                <a:solidFill>
-                  <a:srgbClr val="000000"/>
-                </a:solidFill>
-                <a:latin typeface="Consolas" panose="020B0609020204030204" pitchFamily="49" charset="0"/>
-              </a:rPr>
-              <a:t> </a:t>
-            </a:r>
-            <a:r>
-              <a:rPr lang="en-US" sz="1400" dirty="0" err="1">
-                <a:solidFill>
-                  <a:srgbClr val="000000"/>
-                </a:solidFill>
-                <a:latin typeface="Consolas" panose="020B0609020204030204" pitchFamily="49" charset="0"/>
-              </a:rPr>
-              <a:t>settingsSection</a:t>
-            </a:r>
-            <a:r>
-              <a:rPr lang="en-US" sz="1400" dirty="0">
-                <a:solidFill>
-                  <a:srgbClr val="000000"/>
-                </a:solidFill>
-                <a:latin typeface="Consolas" panose="020B0609020204030204" pitchFamily="49" charset="0"/>
-              </a:rPr>
-              <a:t> = </a:t>
-            </a:r>
-            <a:r>
-              <a:rPr lang="en-US" sz="1400" dirty="0" err="1">
-                <a:solidFill>
-                  <a:srgbClr val="000000"/>
-                </a:solidFill>
-                <a:latin typeface="Consolas" panose="020B0609020204030204" pitchFamily="49" charset="0"/>
-              </a:rPr>
-              <a:t>Configuration.GetSection</a:t>
-            </a:r>
-            <a:r>
-              <a:rPr lang="en-US" sz="1400" dirty="0">
-                <a:solidFill>
-                  <a:srgbClr val="000000"/>
-                </a:solidFill>
-                <a:latin typeface="Consolas" panose="020B0609020204030204" pitchFamily="49" charset="0"/>
-              </a:rPr>
-              <a:t>(</a:t>
-            </a:r>
-            <a:r>
-              <a:rPr lang="en-US" sz="1400" dirty="0">
-                <a:solidFill>
-                  <a:srgbClr val="A31515"/>
-                </a:solidFill>
-                <a:latin typeface="Consolas" panose="020B0609020204030204" pitchFamily="49" charset="0"/>
-              </a:rPr>
-              <a:t>"</a:t>
-            </a:r>
-            <a:r>
-              <a:rPr lang="en-US" sz="1400" dirty="0" err="1">
-                <a:solidFill>
-                  <a:srgbClr val="A31515"/>
-                </a:solidFill>
-                <a:latin typeface="Consolas" panose="020B0609020204030204" pitchFamily="49" charset="0"/>
-              </a:rPr>
-              <a:t>MySettings</a:t>
-            </a:r>
-            <a:r>
-              <a:rPr lang="en-US" sz="1400" dirty="0">
-                <a:solidFill>
-                  <a:srgbClr val="A31515"/>
-                </a:solidFill>
-                <a:latin typeface="Consolas" panose="020B0609020204030204" pitchFamily="49" charset="0"/>
-              </a:rPr>
-              <a:t>"</a:t>
-            </a:r>
-            <a:r>
-              <a:rPr lang="en-US" sz="1400" dirty="0">
-                <a:solidFill>
-                  <a:srgbClr val="000000"/>
-                </a:solidFill>
-                <a:latin typeface="Consolas" panose="020B0609020204030204" pitchFamily="49" charset="0"/>
-              </a:rPr>
-              <a:t>);</a:t>
-            </a:r>
-          </a:p>
-          <a:p>
-            <a:r>
-              <a:rPr lang="nb-NO" sz="1400" dirty="0">
-                <a:solidFill>
-                  <a:srgbClr val="2B91AF"/>
-                </a:solidFill>
-                <a:latin typeface="Consolas" panose="020B0609020204030204" pitchFamily="49" charset="0"/>
-              </a:rPr>
-              <a:t>MySettings</a:t>
-            </a:r>
-            <a:r>
-              <a:rPr lang="nb-NO" sz="1400" dirty="0">
-                <a:solidFill>
-                  <a:srgbClr val="000000"/>
-                </a:solidFill>
-                <a:latin typeface="Consolas" panose="020B0609020204030204" pitchFamily="49" charset="0"/>
-              </a:rPr>
-              <a:t> settings = settingsSection.Get&lt;</a:t>
-            </a:r>
-            <a:r>
-              <a:rPr lang="nb-NO" sz="1400" dirty="0">
-                <a:solidFill>
-                  <a:srgbClr val="2B91AF"/>
-                </a:solidFill>
-                <a:latin typeface="Consolas" panose="020B0609020204030204" pitchFamily="49" charset="0"/>
-              </a:rPr>
-              <a:t>MySettings</a:t>
-            </a:r>
-            <a:r>
-              <a:rPr lang="nb-NO" sz="1400" dirty="0">
-                <a:solidFill>
-                  <a:srgbClr val="000000"/>
-                </a:solidFill>
-                <a:latin typeface="Consolas" panose="020B0609020204030204" pitchFamily="49" charset="0"/>
-              </a:rPr>
-              <a:t>&gt;();</a:t>
-            </a:r>
-          </a:p>
-          <a:p>
-            <a:r>
-              <a:rPr lang="en-US" sz="1400" dirty="0" err="1">
-                <a:solidFill>
-                  <a:srgbClr val="000000"/>
-                </a:solidFill>
-                <a:latin typeface="Consolas" panose="020B0609020204030204" pitchFamily="49" charset="0"/>
-              </a:rPr>
-              <a:t>services.Configure</a:t>
-            </a:r>
-            <a:r>
-              <a:rPr lang="en-US" sz="1400" dirty="0">
-                <a:solidFill>
-                  <a:srgbClr val="000000"/>
-                </a:solidFill>
-                <a:latin typeface="Consolas" panose="020B0609020204030204" pitchFamily="49" charset="0"/>
-              </a:rPr>
-              <a:t>&lt;</a:t>
-            </a:r>
-            <a:r>
-              <a:rPr lang="en-US" sz="1400" dirty="0" err="1">
-                <a:solidFill>
-                  <a:srgbClr val="2B91AF"/>
-                </a:solidFill>
-                <a:latin typeface="Consolas" panose="020B0609020204030204" pitchFamily="49" charset="0"/>
-              </a:rPr>
-              <a:t>MySettings</a:t>
-            </a:r>
-            <a:r>
-              <a:rPr lang="en-US" sz="1400" dirty="0">
-                <a:solidFill>
-                  <a:srgbClr val="000000"/>
-                </a:solidFill>
-                <a:latin typeface="Consolas" panose="020B0609020204030204" pitchFamily="49" charset="0"/>
-              </a:rPr>
-              <a:t>&gt;(</a:t>
-            </a:r>
-            <a:r>
-              <a:rPr lang="en-US" sz="1400" dirty="0" err="1">
-                <a:solidFill>
-                  <a:srgbClr val="000000"/>
-                </a:solidFill>
-                <a:latin typeface="Consolas" panose="020B0609020204030204" pitchFamily="49" charset="0"/>
-              </a:rPr>
-              <a:t>settingsSection</a:t>
-            </a:r>
-            <a:r>
-              <a:rPr lang="en-US" sz="1400" dirty="0">
-                <a:solidFill>
-                  <a:srgbClr val="000000"/>
-                </a:solidFill>
-                <a:latin typeface="Consolas" panose="020B0609020204030204" pitchFamily="49" charset="0"/>
-              </a:rPr>
-              <a:t>);</a:t>
-            </a:r>
-            <a:endParaRPr lang="en-US" sz="3600" dirty="0"/>
+              <a:t>wwwroot</a:t>
+            </a:r>
+            <a:r>
+              <a:rPr lang="en-US" dirty="0"/>
+              <a:t> folder</a:t>
+            </a:r>
           </a:p>
         </p:txBody>
       </p:sp>
     </p:spTree>
     <p:extLst>
       <p:ext uri="{BB962C8B-B14F-4D97-AF65-F5344CB8AC3E}">
-        <p14:creationId xmlns:p14="http://schemas.microsoft.com/office/powerpoint/2010/main" val="722562928"/>
+        <p14:creationId xmlns:p14="http://schemas.microsoft.com/office/powerpoint/2010/main" val="1317357965"/>
       </p:ext>
     </p:extLst>
   </p:cSld>
@@ -9588,8 +9237,13 @@
           <a:p>
             <a:r>
               <a:rPr lang="en-US" dirty="0"/>
-              <a:t>Static Files</a:t>
-            </a:r>
+              <a:t>Casing / </a:t>
+            </a:r>
+            <a:r>
+              <a:rPr lang="en-US" dirty="0" err="1"/>
+              <a:t>JsonProperty</a:t>
+            </a:r>
+            <a:endParaRPr lang="en-US" dirty="0"/>
           </a:p>
         </p:txBody>
       </p:sp>
@@ -9623,9 +9277,66 @@
               <a:buChar char="•"/>
             </a:pPr>
             <a:r>
-              <a:rPr lang="en-US" dirty="0"/>
-              <a:t>Put static files wherever</a:t>
-            </a:r>
+              <a:rPr lang="en-US" dirty="0">
+                <a:solidFill>
+                  <a:srgbClr val="0000FF"/>
+                </a:solidFill>
+                <a:latin typeface="Consolas" panose="020B0609020204030204" pitchFamily="49" charset="0"/>
+              </a:rPr>
+              <a:t>return</a:t>
+            </a:r>
+            <a:r>
+              <a:rPr lang="en-US" dirty="0">
+                <a:solidFill>
+                  <a:srgbClr val="000000"/>
+                </a:solidFill>
+                <a:latin typeface="Consolas" panose="020B0609020204030204" pitchFamily="49" charset="0"/>
+              </a:rPr>
+              <a:t> Ok(</a:t>
+            </a:r>
+            <a:r>
+              <a:rPr lang="en-US" dirty="0" err="1">
+                <a:solidFill>
+                  <a:srgbClr val="000000"/>
+                </a:solidFill>
+                <a:latin typeface="Consolas" panose="020B0609020204030204" pitchFamily="49" charset="0"/>
+              </a:rPr>
+              <a:t>result.Value</a:t>
+            </a:r>
+            <a:r>
+              <a:rPr lang="en-US" dirty="0">
+                <a:solidFill>
+                  <a:srgbClr val="000000"/>
+                </a:solidFill>
+                <a:latin typeface="Consolas" panose="020B0609020204030204" pitchFamily="49" charset="0"/>
+              </a:rPr>
+              <a:t>);</a:t>
+            </a:r>
+          </a:p>
+          <a:p>
+            <a:pPr marL="573088" lvl="1" indent="-342900">
+              <a:buFont typeface="Arial" panose="020B0604020202020204" pitchFamily="34" charset="0"/>
+              <a:buChar char="•"/>
+            </a:pPr>
+            <a:r>
+              <a:rPr lang="en-US" dirty="0"/>
+              <a:t>Result object serialized</a:t>
+            </a:r>
+          </a:p>
+          <a:p>
+            <a:pPr marL="573088" lvl="1" indent="-342900">
+              <a:buFont typeface="Arial" panose="020B0604020202020204" pitchFamily="34" charset="0"/>
+              <a:buChar char="•"/>
+            </a:pPr>
+            <a:r>
+              <a:rPr lang="en-US" dirty="0"/>
+              <a:t>Resultant JSON is </a:t>
+            </a:r>
+            <a:r>
+              <a:rPr lang="en-US" dirty="0" err="1"/>
+              <a:t>PascalCased</a:t>
+            </a:r>
+            <a:endParaRPr lang="en-US" dirty="0"/>
           </a:p>
           <a:p>
             <a:pPr marL="573088" lvl="1" indent="-342900">
@@ -9650,24 +9361,155 @@
               <a:buChar char="•"/>
             </a:pPr>
             <a:r>
-              <a:rPr lang="en-US" dirty="0"/>
-              <a:t>Put static files in </a:t>
+              <a:rPr lang="en-US" dirty="0">
+                <a:solidFill>
+                  <a:srgbClr val="0000FF"/>
+                </a:solidFill>
+                <a:latin typeface="Consolas" panose="020B0609020204030204" pitchFamily="49" charset="0"/>
+              </a:rPr>
+              <a:t>return</a:t>
+            </a:r>
+            <a:r>
+              <a:rPr lang="en-US" dirty="0">
+                <a:solidFill>
+                  <a:srgbClr val="000000"/>
+                </a:solidFill>
+                <a:latin typeface="Consolas" panose="020B0609020204030204" pitchFamily="49" charset="0"/>
+              </a:rPr>
+              <a:t> Ok(</a:t>
+            </a:r>
+            <a:r>
+              <a:rPr lang="en-US" dirty="0" err="1">
+                <a:solidFill>
+                  <a:srgbClr val="000000"/>
+                </a:solidFill>
+                <a:latin typeface="Consolas" panose="020B0609020204030204" pitchFamily="49" charset="0"/>
+              </a:rPr>
+              <a:t>result.Value</a:t>
+            </a:r>
+            <a:r>
+              <a:rPr lang="en-US" dirty="0">
+                <a:solidFill>
+                  <a:srgbClr val="000000"/>
+                </a:solidFill>
+                <a:latin typeface="Consolas" panose="020B0609020204030204" pitchFamily="49" charset="0"/>
+              </a:rPr>
+              <a:t>);</a:t>
+            </a:r>
+          </a:p>
+          <a:p>
+            <a:pPr marL="573088" lvl="1" indent="-342900">
+              <a:buFont typeface="Arial" panose="020B0604020202020204" pitchFamily="34" charset="0"/>
+              <a:buChar char="•"/>
+            </a:pPr>
+            <a:r>
+              <a:rPr lang="en-US" dirty="0"/>
+              <a:t>Result object serialized</a:t>
+            </a:r>
+          </a:p>
+          <a:p>
+            <a:pPr marL="573088" lvl="1" indent="-342900">
+              <a:buFont typeface="Arial" panose="020B0604020202020204" pitchFamily="34" charset="0"/>
+              <a:buChar char="•"/>
+            </a:pPr>
+            <a:r>
+              <a:rPr lang="en-US" dirty="0"/>
+              <a:t>Resultant JSON is </a:t>
             </a:r>
             <a:r>
               <a:rPr lang="en-US" dirty="0" err="1"/>
-              <a:t>wwwroot</a:t>
-            </a:r>
-            <a:r>
-              <a:rPr lang="en-US" dirty="0"/>
-              <a:t> folder</a:t>
-            </a:r>
+              <a:t>camelCased</a:t>
+            </a:r>
+            <a:endParaRPr lang="en-US" dirty="0"/>
+          </a:p>
+          <a:p>
+            <a:pPr marL="573088" lvl="1" indent="-342900">
+              <a:buFont typeface="Arial" panose="020B0604020202020204" pitchFamily="34" charset="0"/>
+              <a:buChar char="•"/>
+            </a:pPr>
+            <a:r>
+              <a:rPr lang="en-US" dirty="0"/>
+              <a:t>Use </a:t>
+            </a:r>
+            <a:r>
+              <a:rPr lang="en-US" dirty="0">
+                <a:solidFill>
+                  <a:srgbClr val="000000"/>
+                </a:solidFill>
+                <a:latin typeface="Consolas" panose="020B0609020204030204" pitchFamily="49" charset="0"/>
+              </a:rPr>
+              <a:t>[</a:t>
+            </a:r>
+            <a:r>
+              <a:rPr lang="en-US" dirty="0" err="1">
+                <a:solidFill>
+                  <a:srgbClr val="2B91AF"/>
+                </a:solidFill>
+                <a:latin typeface="Consolas" panose="020B0609020204030204" pitchFamily="49" charset="0"/>
+              </a:rPr>
+              <a:t>JsonProperty</a:t>
+            </a:r>
+            <a:r>
+              <a:rPr lang="en-US" dirty="0">
+                <a:solidFill>
+                  <a:srgbClr val="000000"/>
+                </a:solidFill>
+                <a:latin typeface="Consolas" panose="020B0609020204030204" pitchFamily="49" charset="0"/>
+              </a:rPr>
+              <a:t>(</a:t>
+            </a:r>
+            <a:r>
+              <a:rPr lang="en-US" dirty="0">
+                <a:solidFill>
+                  <a:srgbClr val="A31515"/>
+                </a:solidFill>
+                <a:latin typeface="Consolas" panose="020B0609020204030204" pitchFamily="49" charset="0"/>
+              </a:rPr>
+              <a:t>"</a:t>
+            </a:r>
+            <a:r>
+              <a:rPr lang="en-US" dirty="0" err="1">
+                <a:solidFill>
+                  <a:srgbClr val="A31515"/>
+                </a:solidFill>
+                <a:latin typeface="Consolas" panose="020B0609020204030204" pitchFamily="49" charset="0"/>
+              </a:rPr>
+              <a:t>FirstName</a:t>
+            </a:r>
+            <a:r>
+              <a:rPr lang="en-US" dirty="0">
+                <a:solidFill>
+                  <a:srgbClr val="A31515"/>
+                </a:solidFill>
+                <a:latin typeface="Consolas" panose="020B0609020204030204" pitchFamily="49" charset="0"/>
+              </a:rPr>
+              <a:t>"</a:t>
+            </a:r>
+            <a:r>
+              <a:rPr lang="en-US" dirty="0">
+                <a:solidFill>
+                  <a:srgbClr val="000000"/>
+                </a:solidFill>
+                <a:latin typeface="Consolas" panose="020B0609020204030204" pitchFamily="49" charset="0"/>
+              </a:rPr>
+              <a:t>)]</a:t>
+            </a:r>
+            <a:r>
+              <a:rPr lang="en-US" dirty="0"/>
+              <a:t> to </a:t>
+            </a:r>
+            <a:r>
+              <a:rPr lang="en-US" dirty="0" err="1"/>
+              <a:t>PascalCase</a:t>
+            </a:r>
+            <a:endParaRPr lang="en-US" dirty="0"/>
           </a:p>
         </p:txBody>
       </p:sp>
     </p:spTree>
     <p:extLst>
       <p:ext uri="{BB962C8B-B14F-4D97-AF65-F5344CB8AC3E}">
-        <p14:creationId xmlns:p14="http://schemas.microsoft.com/office/powerpoint/2010/main" val="1317357965"/>
+        <p14:creationId xmlns:p14="http://schemas.microsoft.com/office/powerpoint/2010/main" val="671946226"/>
       </p:ext>
     </p:extLst>
   </p:cSld>
@@ -9701,289 +9543,30 @@
             <a:spLocks noGrp="1"/>
           </p:cNvSpPr>
           <p:nvPr>
-            <p:ph type="title"/>
+            <p:ph type="ctrTitle"/>
           </p:nvPr>
         </p:nvSpPr>
-        <p:spPr/>
+        <p:spPr>
+          <a:xfrm>
+            <a:off x="685800" y="925974"/>
+            <a:ext cx="7772400" cy="2338001"/>
+          </a:xfrm>
+        </p:spPr>
         <p:txBody>
           <a:bodyPr/>
           <a:lstStyle/>
           <a:p>
             <a:r>
-              <a:rPr lang="en-US" dirty="0"/>
-              <a:t>Casing / </a:t>
-            </a:r>
-            <a:r>
-              <a:rPr lang="en-US" dirty="0" err="1"/>
-              <a:t>JsonProperty</a:t>
-            </a:r>
-            <a:endParaRPr lang="en-US" dirty="0"/>
-          </a:p>
-        </p:txBody>
-      </p:sp>
-      <p:sp>
-        <p:nvSpPr>
-          <p:cNvPr id="3" name="Content Placeholder 2"/>
-          <p:cNvSpPr>
-            <a:spLocks noGrp="1"/>
-          </p:cNvSpPr>
-          <p:nvPr>
-            <p:ph idx="1"/>
-          </p:nvPr>
-        </p:nvSpPr>
-        <p:spPr/>
-        <p:txBody>
-          <a:bodyPr/>
-          <a:lstStyle/>
-          <a:p>
-            <a:pPr marL="342900" indent="-342900">
-              <a:buFont typeface="Arial" panose="020B0604020202020204" pitchFamily="34" charset="0"/>
-              <a:buChar char="•"/>
-            </a:pPr>
-            <a:r>
-              <a:rPr lang="en-US" dirty="0"/>
-              <a:t>ASP.NET</a:t>
-            </a:r>
-          </a:p>
-          <a:p>
-            <a:pPr marL="573088" lvl="1" indent="-342900">
-              <a:buFont typeface="Arial" panose="020B0604020202020204" pitchFamily="34" charset="0"/>
-              <a:buChar char="•"/>
-            </a:pPr>
-            <a:r>
-              <a:rPr lang="en-US" dirty="0">
-                <a:solidFill>
-                  <a:srgbClr val="0000FF"/>
-                </a:solidFill>
-                <a:latin typeface="Consolas" panose="020B0609020204030204" pitchFamily="49" charset="0"/>
-              </a:rPr>
-              <a:t>return</a:t>
-            </a:r>
-            <a:r>
-              <a:rPr lang="en-US" dirty="0">
-                <a:solidFill>
-                  <a:srgbClr val="000000"/>
-                </a:solidFill>
-                <a:latin typeface="Consolas" panose="020B0609020204030204" pitchFamily="49" charset="0"/>
-              </a:rPr>
-              <a:t> Ok(</a:t>
-            </a:r>
-            <a:r>
-              <a:rPr lang="en-US" dirty="0" err="1">
-                <a:solidFill>
-                  <a:srgbClr val="000000"/>
-                </a:solidFill>
-                <a:latin typeface="Consolas" panose="020B0609020204030204" pitchFamily="49" charset="0"/>
-              </a:rPr>
-              <a:t>result.Value</a:t>
-            </a:r>
-            <a:r>
-              <a:rPr lang="en-US" dirty="0">
-                <a:solidFill>
-                  <a:srgbClr val="000000"/>
-                </a:solidFill>
-                <a:latin typeface="Consolas" panose="020B0609020204030204" pitchFamily="49" charset="0"/>
-              </a:rPr>
-              <a:t>);</a:t>
-            </a:r>
-          </a:p>
-          <a:p>
-            <a:pPr marL="573088" lvl="1" indent="-342900">
-              <a:buFont typeface="Arial" panose="020B0604020202020204" pitchFamily="34" charset="0"/>
-              <a:buChar char="•"/>
-            </a:pPr>
-            <a:r>
-              <a:rPr lang="en-US" dirty="0"/>
-              <a:t>Result object serialized</a:t>
-            </a:r>
-          </a:p>
-          <a:p>
-            <a:pPr marL="573088" lvl="1" indent="-342900">
-              <a:buFont typeface="Arial" panose="020B0604020202020204" pitchFamily="34" charset="0"/>
-              <a:buChar char="•"/>
-            </a:pPr>
-            <a:r>
-              <a:rPr lang="en-US" dirty="0"/>
-              <a:t>Resultant JSON is </a:t>
-            </a:r>
-            <a:r>
-              <a:rPr lang="en-US" dirty="0" err="1"/>
-              <a:t>PascalCased</a:t>
-            </a:r>
-            <a:endParaRPr lang="en-US" dirty="0"/>
-          </a:p>
-          <a:p>
-            <a:pPr marL="573088" lvl="1" indent="-342900">
-              <a:buFont typeface="Arial" panose="020B0604020202020204" pitchFamily="34" charset="0"/>
-              <a:buChar char="•"/>
-            </a:pPr>
-            <a:endParaRPr lang="en-US" dirty="0"/>
-          </a:p>
-          <a:p>
-            <a:pPr marL="342900" indent="-342900">
-              <a:buFont typeface="Arial" panose="020B0604020202020204" pitchFamily="34" charset="0"/>
-              <a:buChar char="•"/>
-            </a:pPr>
-            <a:r>
-              <a:rPr lang="en-US" dirty="0"/>
-              <a:t>ASP.NET Core</a:t>
-            </a:r>
-          </a:p>
-          <a:p>
-            <a:pPr marL="573088" lvl="1" indent="-342900">
-              <a:buFont typeface="Arial" panose="020B0604020202020204" pitchFamily="34" charset="0"/>
-              <a:buChar char="•"/>
-            </a:pPr>
-            <a:r>
-              <a:rPr lang="en-US" dirty="0">
-                <a:solidFill>
-                  <a:srgbClr val="0000FF"/>
-                </a:solidFill>
-                <a:latin typeface="Consolas" panose="020B0609020204030204" pitchFamily="49" charset="0"/>
-              </a:rPr>
-              <a:t>return</a:t>
-            </a:r>
-            <a:r>
-              <a:rPr lang="en-US" dirty="0">
-                <a:solidFill>
-                  <a:srgbClr val="000000"/>
-                </a:solidFill>
-                <a:latin typeface="Consolas" panose="020B0609020204030204" pitchFamily="49" charset="0"/>
-              </a:rPr>
-              <a:t> Ok(</a:t>
-            </a:r>
-            <a:r>
-              <a:rPr lang="en-US" dirty="0" err="1">
-                <a:solidFill>
-                  <a:srgbClr val="000000"/>
-                </a:solidFill>
-                <a:latin typeface="Consolas" panose="020B0609020204030204" pitchFamily="49" charset="0"/>
-              </a:rPr>
-              <a:t>result.Value</a:t>
-            </a:r>
-            <a:r>
-              <a:rPr lang="en-US" dirty="0">
-                <a:solidFill>
-                  <a:srgbClr val="000000"/>
-                </a:solidFill>
-                <a:latin typeface="Consolas" panose="020B0609020204030204" pitchFamily="49" charset="0"/>
-              </a:rPr>
-              <a:t>);</a:t>
-            </a:r>
-          </a:p>
-          <a:p>
-            <a:pPr marL="573088" lvl="1" indent="-342900">
-              <a:buFont typeface="Arial" panose="020B0604020202020204" pitchFamily="34" charset="0"/>
-              <a:buChar char="•"/>
-            </a:pPr>
-            <a:r>
-              <a:rPr lang="en-US" dirty="0"/>
-              <a:t>Result object serialized</a:t>
-            </a:r>
-          </a:p>
-          <a:p>
-            <a:pPr marL="573088" lvl="1" indent="-342900">
-              <a:buFont typeface="Arial" panose="020B0604020202020204" pitchFamily="34" charset="0"/>
-              <a:buChar char="•"/>
-            </a:pPr>
-            <a:r>
-              <a:rPr lang="en-US" dirty="0"/>
-              <a:t>Resultant JSON is </a:t>
-            </a:r>
-            <a:r>
-              <a:rPr lang="en-US" dirty="0" err="1"/>
-              <a:t>camelCased</a:t>
-            </a:r>
-            <a:endParaRPr lang="en-US" dirty="0"/>
-          </a:p>
-          <a:p>
-            <a:pPr marL="573088" lvl="1" indent="-342900">
-              <a:buFont typeface="Arial" panose="020B0604020202020204" pitchFamily="34" charset="0"/>
-              <a:buChar char="•"/>
-            </a:pPr>
-            <a:r>
-              <a:rPr lang="en-US" dirty="0"/>
-              <a:t>Use </a:t>
-            </a:r>
-            <a:r>
-              <a:rPr lang="en-US" dirty="0">
-                <a:solidFill>
-                  <a:srgbClr val="000000"/>
-                </a:solidFill>
-                <a:latin typeface="Consolas" panose="020B0609020204030204" pitchFamily="49" charset="0"/>
-              </a:rPr>
-              <a:t>[</a:t>
-            </a:r>
-            <a:r>
-              <a:rPr lang="en-US" dirty="0" err="1">
-                <a:solidFill>
-                  <a:srgbClr val="2B91AF"/>
-                </a:solidFill>
-                <a:latin typeface="Consolas" panose="020B0609020204030204" pitchFamily="49" charset="0"/>
-              </a:rPr>
-              <a:t>JsonProperty</a:t>
-            </a:r>
-            <a:r>
-              <a:rPr lang="en-US" dirty="0">
-                <a:solidFill>
-                  <a:srgbClr val="000000"/>
-                </a:solidFill>
-                <a:latin typeface="Consolas" panose="020B0609020204030204" pitchFamily="49" charset="0"/>
-              </a:rPr>
-              <a:t>(</a:t>
-            </a:r>
-            <a:r>
-              <a:rPr lang="en-US" dirty="0">
-                <a:solidFill>
-                  <a:srgbClr val="A31515"/>
-                </a:solidFill>
-                <a:latin typeface="Consolas" panose="020B0609020204030204" pitchFamily="49" charset="0"/>
-              </a:rPr>
-              <a:t>"</a:t>
-            </a:r>
-            <a:r>
-              <a:rPr lang="en-US" dirty="0" err="1">
-                <a:solidFill>
-                  <a:srgbClr val="A31515"/>
-                </a:solidFill>
-                <a:latin typeface="Consolas" panose="020B0609020204030204" pitchFamily="49" charset="0"/>
-              </a:rPr>
-              <a:t>FirstName</a:t>
-            </a:r>
-            <a:r>
-              <a:rPr lang="en-US" dirty="0">
-                <a:solidFill>
-                  <a:srgbClr val="A31515"/>
-                </a:solidFill>
-                <a:latin typeface="Consolas" panose="020B0609020204030204" pitchFamily="49" charset="0"/>
-              </a:rPr>
-              <a:t>"</a:t>
-            </a:r>
-            <a:r>
-              <a:rPr lang="en-US" dirty="0">
-                <a:solidFill>
-                  <a:srgbClr val="000000"/>
-                </a:solidFill>
-                <a:latin typeface="Consolas" panose="020B0609020204030204" pitchFamily="49" charset="0"/>
-              </a:rPr>
-              <a:t>)]</a:t>
-            </a:r>
-            <a:r>
-              <a:rPr lang="en-US" dirty="0"/>
-              <a:t> to </a:t>
-            </a:r>
-            <a:r>
-              <a:rPr lang="en-US" dirty="0" err="1"/>
-              <a:t>PascalCase</a:t>
-            </a:r>
-            <a:endParaRPr lang="en-US" dirty="0"/>
+              <a:rPr lang="en-US" sz="3600" dirty="0"/>
+              <a:t>Questions</a:t>
+            </a:r>
           </a:p>
         </p:txBody>
       </p:sp>
     </p:spTree>
     <p:extLst>
       <p:ext uri="{BB962C8B-B14F-4D97-AF65-F5344CB8AC3E}">
-        <p14:creationId xmlns:p14="http://schemas.microsoft.com/office/powerpoint/2010/main" val="671946226"/>
+        <p14:creationId xmlns:p14="http://schemas.microsoft.com/office/powerpoint/2010/main" val="3620921753"/>
       </p:ext>
     </p:extLst>
   </p:cSld>
@@ -10017,30 +9600,287 @@
             <a:spLocks noGrp="1"/>
           </p:cNvSpPr>
           <p:nvPr>
-            <p:ph type="ctrTitle"/>
+            <p:ph type="title"/>
           </p:nvPr>
+        </p:nvSpPr>
+        <p:spPr/>
+        <p:txBody>
+          <a:bodyPr/>
+          <a:lstStyle/>
+          <a:p>
+            <a:r>
+              <a:rPr lang="en-US" dirty="0"/>
+              <a:t>Exercise</a:t>
+            </a:r>
+          </a:p>
+        </p:txBody>
+      </p:sp>
+      <p:sp>
+        <p:nvSpPr>
+          <p:cNvPr id="3" name="Content Placeholder 2"/>
+          <p:cNvSpPr txBox="1">
+            <a:spLocks/>
+          </p:cNvSpPr>
+          <p:nvPr/>
         </p:nvSpPr>
         <p:spPr>
           <a:xfrm>
-            <a:off x="685800" y="925974"/>
-            <a:ext cx="7772400" cy="2338001"/>
+            <a:off x="198157" y="838200"/>
+            <a:ext cx="8802967" cy="3394472"/>
           </a:xfrm>
+          <a:prstGeom prst="rect">
+            <a:avLst/>
+          </a:prstGeom>
         </p:spPr>
         <p:txBody>
           <a:bodyPr/>
-          <a:lstStyle/>
-          <a:p>
-            <a:r>
-              <a:rPr lang="en-US" sz="3600" dirty="0"/>
-              <a:t>Questions</a:t>
-            </a:r>
+          <a:lstStyle>
+            <a:lvl1pPr marL="228600" indent="-228600" algn="l" defTabSz="457200" rtl="0" eaLnBrk="1" latinLnBrk="0" hangingPunct="1">
+              <a:spcBef>
+                <a:spcPts val="0"/>
+              </a:spcBef>
+              <a:buClr>
+                <a:schemeClr val="accent1"/>
+              </a:buClr>
+              <a:buFont typeface="Wingdings" charset="2"/>
+              <a:buChar char="§"/>
+              <a:defRPr sz="2400" kern="1200">
+                <a:solidFill>
+                  <a:schemeClr val="tx1"/>
+                </a:solidFill>
+                <a:latin typeface="+mn-lt"/>
+                <a:ea typeface="+mn-ea"/>
+                <a:cs typeface="+mn-cs"/>
+              </a:defRPr>
+            </a:lvl1pPr>
+            <a:lvl2pPr marL="455613" indent="-227013" algn="l" defTabSz="457200" rtl="0" eaLnBrk="1" latinLnBrk="0" hangingPunct="1">
+              <a:spcBef>
+                <a:spcPts val="0"/>
+              </a:spcBef>
+              <a:buClr>
+                <a:srgbClr val="262626"/>
+              </a:buClr>
+              <a:buFont typeface="Wingdings" charset="2"/>
+              <a:buChar char="§"/>
+              <a:defRPr sz="2000" kern="1200">
+                <a:solidFill>
+                  <a:schemeClr val="tx1"/>
+                </a:solidFill>
+                <a:latin typeface="+mn-lt"/>
+                <a:ea typeface="+mn-ea"/>
+                <a:cs typeface="+mn-cs"/>
+              </a:defRPr>
+            </a:lvl2pPr>
+            <a:lvl3pPr marL="455613" indent="-228600" algn="l" defTabSz="457200" rtl="0" eaLnBrk="1" latinLnBrk="0" hangingPunct="1">
+              <a:spcBef>
+                <a:spcPts val="0"/>
+              </a:spcBef>
+              <a:buClr>
+                <a:srgbClr val="262626"/>
+              </a:buClr>
+              <a:buFont typeface="Wingdings" charset="2"/>
+              <a:buChar char="§"/>
+              <a:defRPr sz="2000" kern="1200">
+                <a:solidFill>
+                  <a:schemeClr val="tx1"/>
+                </a:solidFill>
+                <a:latin typeface="+mn-lt"/>
+                <a:ea typeface="+mn-ea"/>
+                <a:cs typeface="+mn-cs"/>
+              </a:defRPr>
+            </a:lvl3pPr>
+            <a:lvl4pPr marL="455613" indent="-228600" algn="l" defTabSz="457200" rtl="0" eaLnBrk="1" latinLnBrk="0" hangingPunct="1">
+              <a:spcBef>
+                <a:spcPts val="0"/>
+              </a:spcBef>
+              <a:buClr>
+                <a:srgbClr val="262626"/>
+              </a:buClr>
+              <a:buFont typeface="Wingdings" charset="2"/>
+              <a:buChar char="§"/>
+              <a:defRPr sz="2000" kern="1200">
+                <a:solidFill>
+                  <a:schemeClr val="tx1"/>
+                </a:solidFill>
+                <a:latin typeface="+mn-lt"/>
+                <a:ea typeface="+mn-ea"/>
+                <a:cs typeface="+mn-cs"/>
+              </a:defRPr>
+            </a:lvl4pPr>
+            <a:lvl5pPr marL="455613" indent="-228600" algn="l" defTabSz="457200" rtl="0" eaLnBrk="1" latinLnBrk="0" hangingPunct="1">
+              <a:spcBef>
+                <a:spcPts val="200"/>
+              </a:spcBef>
+              <a:buClr>
+                <a:srgbClr val="262626"/>
+              </a:buClr>
+              <a:buFont typeface="Wingdings" charset="2"/>
+              <a:buChar char="§"/>
+              <a:defRPr sz="2000" kern="1200">
+                <a:solidFill>
+                  <a:schemeClr val="tx1"/>
+                </a:solidFill>
+                <a:latin typeface="+mn-lt"/>
+                <a:ea typeface="+mn-ea"/>
+                <a:cs typeface="+mn-cs"/>
+              </a:defRPr>
+            </a:lvl5pPr>
+            <a:lvl6pPr marL="2514600" indent="-228600" algn="l" defTabSz="457200" rtl="0" eaLnBrk="1" latinLnBrk="0" hangingPunct="1">
+              <a:spcBef>
+                <a:spcPct val="20000"/>
+              </a:spcBef>
+              <a:buFont typeface="Arial"/>
+              <a:buChar char="•"/>
+              <a:defRPr sz="2000" kern="1200">
+                <a:solidFill>
+                  <a:schemeClr val="tx1"/>
+                </a:solidFill>
+                <a:latin typeface="+mn-lt"/>
+                <a:ea typeface="+mn-ea"/>
+                <a:cs typeface="+mn-cs"/>
+              </a:defRPr>
+            </a:lvl6pPr>
+            <a:lvl7pPr marL="2971800" indent="-228600" algn="l" defTabSz="457200" rtl="0" eaLnBrk="1" latinLnBrk="0" hangingPunct="1">
+              <a:spcBef>
+                <a:spcPct val="20000"/>
+              </a:spcBef>
+              <a:buFont typeface="Arial"/>
+              <a:buChar char="•"/>
+              <a:defRPr sz="2000" kern="1200">
+                <a:solidFill>
+                  <a:schemeClr val="tx1"/>
+                </a:solidFill>
+                <a:latin typeface="+mn-lt"/>
+                <a:ea typeface="+mn-ea"/>
+                <a:cs typeface="+mn-cs"/>
+              </a:defRPr>
+            </a:lvl7pPr>
+            <a:lvl8pPr marL="3429000" indent="-228600" algn="l" defTabSz="457200" rtl="0" eaLnBrk="1" latinLnBrk="0" hangingPunct="1">
+              <a:spcBef>
+                <a:spcPct val="20000"/>
+              </a:spcBef>
+              <a:buFont typeface="Arial"/>
+              <a:buChar char="•"/>
+              <a:defRPr sz="2000" kern="1200">
+                <a:solidFill>
+                  <a:schemeClr val="tx1"/>
+                </a:solidFill>
+                <a:latin typeface="+mn-lt"/>
+                <a:ea typeface="+mn-ea"/>
+                <a:cs typeface="+mn-cs"/>
+              </a:defRPr>
+            </a:lvl8pPr>
+            <a:lvl9pPr marL="3886200" indent="-228600" algn="l" defTabSz="457200" rtl="0" eaLnBrk="1" latinLnBrk="0" hangingPunct="1">
+              <a:spcBef>
+                <a:spcPct val="20000"/>
+              </a:spcBef>
+              <a:buFont typeface="Arial"/>
+              <a:buChar char="•"/>
+              <a:defRPr sz="2000" kern="1200">
+                <a:solidFill>
+                  <a:schemeClr val="tx1"/>
+                </a:solidFill>
+                <a:latin typeface="+mn-lt"/>
+                <a:ea typeface="+mn-ea"/>
+                <a:cs typeface="+mn-cs"/>
+              </a:defRPr>
+            </a:lvl9pPr>
+          </a:lstStyle>
+          <a:p>
+            <a:pPr marL="342900" indent="-342900">
+              <a:buFont typeface="Arial" charset="0"/>
+              <a:buChar char="•"/>
+            </a:pPr>
+            <a:r>
+              <a:rPr lang="en-US" dirty="0"/>
+              <a:t>Create REST API</a:t>
+            </a:r>
+          </a:p>
+          <a:p>
+            <a:pPr marL="342900" indent="-342900">
+              <a:buFont typeface="Arial" charset="0"/>
+              <a:buChar char="•"/>
+            </a:pPr>
+            <a:endParaRPr lang="en-US" dirty="0"/>
+          </a:p>
+          <a:p>
+            <a:pPr marL="342900" indent="-342900">
+              <a:buFont typeface="Arial" charset="0"/>
+              <a:buChar char="•"/>
+            </a:pPr>
+            <a:r>
+              <a:rPr lang="en-US" dirty="0"/>
+              <a:t>Checkout the code from </a:t>
+            </a:r>
+            <a:r>
+              <a:rPr lang="en-US" dirty="0" err="1"/>
+              <a:t>Github</a:t>
+            </a:r>
+            <a:endParaRPr lang="en-US" dirty="0"/>
+          </a:p>
+          <a:p>
+            <a:pPr marL="569913" lvl="1" indent="-342900">
+              <a:buFont typeface="Arial" charset="0"/>
+              <a:buChar char="•"/>
+            </a:pPr>
+            <a:r>
+              <a:rPr lang="en-US" sz="1800" dirty="0">
+                <a:hlinkClick r:id="rId3"/>
+              </a:rPr>
+              <a:t>https://github.com/couchbaselabs/aspnet-nosql-workshop/tree/master/03</a:t>
+            </a:r>
+            <a:endParaRPr lang="en-US" sz="1800" dirty="0"/>
+          </a:p>
+          <a:p>
+            <a:pPr marL="569913" lvl="1" indent="-342900">
+              <a:buFont typeface="Arial" charset="0"/>
+              <a:buChar char="•"/>
+            </a:pPr>
+            <a:endParaRPr lang="en-US" dirty="0"/>
+          </a:p>
+          <a:p>
+            <a:pPr marL="342900" indent="-342900">
+              <a:buFont typeface="Arial" charset="0"/>
+              <a:buChar char="•"/>
+            </a:pPr>
+            <a:r>
+              <a:rPr lang="en-US" dirty="0"/>
+              <a:t>The source code is also available on USB sticks</a:t>
+            </a:r>
+          </a:p>
+          <a:p>
+            <a:pPr marL="342900" indent="-342900">
+              <a:buFont typeface="Arial" charset="0"/>
+              <a:buChar char="•"/>
+            </a:pPr>
+            <a:endParaRPr lang="en-US" dirty="0"/>
+          </a:p>
+          <a:p>
+            <a:pPr marL="342900" indent="-342900">
+              <a:buFont typeface="Arial" charset="0"/>
+              <a:buChar char="•"/>
+            </a:pPr>
+            <a:r>
+              <a:rPr lang="en-US" dirty="0"/>
+              <a:t>You can test with Postman / Fiddler / curl</a:t>
+            </a:r>
+          </a:p>
+          <a:p>
+            <a:pPr marL="342900" indent="-342900">
+              <a:buFont typeface="Arial" charset="0"/>
+              <a:buChar char="•"/>
+            </a:pPr>
+            <a:endParaRPr lang="en-US" b="1" dirty="0"/>
+          </a:p>
+          <a:p>
+            <a:endParaRPr lang="en-US" dirty="0"/>
           </a:p>
         </p:txBody>
       </p:sp>
     </p:spTree>
     <p:extLst>
       <p:ext uri="{BB962C8B-B14F-4D97-AF65-F5344CB8AC3E}">
-        <p14:creationId xmlns:p14="http://schemas.microsoft.com/office/powerpoint/2010/main" val="3620921753"/>
+        <p14:creationId xmlns:p14="http://schemas.microsoft.com/office/powerpoint/2010/main" val="3268682032"/>
       </p:ext>
     </p:extLst>
   </p:cSld>
@@ -10084,7 +9924,7 @@
           <a:p>
             <a:r>
               <a:rPr lang="en-US" dirty="0"/>
-              <a:t>Exercise: Fill in the blanks</a:t>
+              <a:t>How to execute</a:t>
             </a:r>
           </a:p>
         </p:txBody>
@@ -10092,311 +9932,64 @@
       <p:sp>
         <p:nvSpPr>
           <p:cNvPr id="3" name="Content Placeholder 2"/>
-          <p:cNvSpPr txBox="1">
-            <a:spLocks/>
+          <p:cNvSpPr>
+            <a:spLocks noGrp="1"/>
           </p:cNvSpPr>
-          <p:nvPr/>
-        </p:nvSpPr>
-        <p:spPr>
-          <a:xfrm>
-            <a:off x="198157" y="838200"/>
-            <a:ext cx="8802967" cy="3394472"/>
-          </a:xfrm>
-          <a:prstGeom prst="rect">
-            <a:avLst/>
-          </a:prstGeom>
-        </p:spPr>
+          <p:nvPr>
+            <p:ph idx="1"/>
+          </p:nvPr>
+        </p:nvSpPr>
+        <p:spPr/>
         <p:txBody>
           <a:bodyPr/>
-          <a:lstStyle>
-            <a:lvl1pPr marL="228600" indent="-228600" algn="l" defTabSz="457200" rtl="0" eaLnBrk="1" latinLnBrk="0" hangingPunct="1">
-              <a:spcBef>
-                <a:spcPts val="0"/>
-              </a:spcBef>
-              <a:buClr>
-                <a:schemeClr val="accent1"/>
-              </a:buClr>
-              <a:buFont typeface="Wingdings" charset="2"/>
-              <a:buChar char="§"/>
-              <a:defRPr sz="2400" kern="1200">
-                <a:solidFill>
-                  <a:schemeClr val="tx1"/>
-                </a:solidFill>
-                <a:latin typeface="+mn-lt"/>
-                <a:ea typeface="+mn-ea"/>
-                <a:cs typeface="+mn-cs"/>
-              </a:defRPr>
-            </a:lvl1pPr>
-            <a:lvl2pPr marL="455613" indent="-227013" algn="l" defTabSz="457200" rtl="0" eaLnBrk="1" latinLnBrk="0" hangingPunct="1">
-              <a:spcBef>
-                <a:spcPts val="0"/>
-              </a:spcBef>
-              <a:buClr>
-                <a:srgbClr val="262626"/>
-              </a:buClr>
-              <a:buFont typeface="Wingdings" charset="2"/>
-              <a:buChar char="§"/>
-              <a:defRPr sz="2000" kern="1200">
-                <a:solidFill>
-                  <a:schemeClr val="tx1"/>
-                </a:solidFill>
-                <a:latin typeface="+mn-lt"/>
-                <a:ea typeface="+mn-ea"/>
-                <a:cs typeface="+mn-cs"/>
-              </a:defRPr>
-            </a:lvl2pPr>
-            <a:lvl3pPr marL="455613" indent="-228600" algn="l" defTabSz="457200" rtl="0" eaLnBrk="1" latinLnBrk="0" hangingPunct="1">
-              <a:spcBef>
-                <a:spcPts val="0"/>
-              </a:spcBef>
-              <a:buClr>
-                <a:srgbClr val="262626"/>
-              </a:buClr>
-              <a:buFont typeface="Wingdings" charset="2"/>
-              <a:buChar char="§"/>
-              <a:defRPr sz="2000" kern="1200">
-                <a:solidFill>
-                  <a:schemeClr val="tx1"/>
-                </a:solidFill>
-                <a:latin typeface="+mn-lt"/>
-                <a:ea typeface="+mn-ea"/>
-                <a:cs typeface="+mn-cs"/>
-              </a:defRPr>
-            </a:lvl3pPr>
-            <a:lvl4pPr marL="455613" indent="-228600" algn="l" defTabSz="457200" rtl="0" eaLnBrk="1" latinLnBrk="0" hangingPunct="1">
-              <a:spcBef>
-                <a:spcPts val="0"/>
-              </a:spcBef>
-              <a:buClr>
-                <a:srgbClr val="262626"/>
-              </a:buClr>
-              <a:buFont typeface="Wingdings" charset="2"/>
-              <a:buChar char="§"/>
-              <a:defRPr sz="2000" kern="1200">
-                <a:solidFill>
-                  <a:schemeClr val="tx1"/>
-                </a:solidFill>
-                <a:latin typeface="+mn-lt"/>
-                <a:ea typeface="+mn-ea"/>
-                <a:cs typeface="+mn-cs"/>
-              </a:defRPr>
-            </a:lvl4pPr>
-            <a:lvl5pPr marL="455613" indent="-228600" algn="l" defTabSz="457200" rtl="0" eaLnBrk="1" latinLnBrk="0" hangingPunct="1">
-              <a:spcBef>
-                <a:spcPts val="200"/>
-              </a:spcBef>
-              <a:buClr>
-                <a:srgbClr val="262626"/>
-              </a:buClr>
-              <a:buFont typeface="Wingdings" charset="2"/>
-              <a:buChar char="§"/>
-              <a:defRPr sz="2000" kern="1200">
-                <a:solidFill>
-                  <a:schemeClr val="tx1"/>
-                </a:solidFill>
-                <a:latin typeface="+mn-lt"/>
-                <a:ea typeface="+mn-ea"/>
-                <a:cs typeface="+mn-cs"/>
-              </a:defRPr>
-            </a:lvl5pPr>
-            <a:lvl6pPr marL="2514600" indent="-228600" algn="l" defTabSz="457200" rtl="0" eaLnBrk="1" latinLnBrk="0" hangingPunct="1">
-              <a:spcBef>
-                <a:spcPct val="20000"/>
-              </a:spcBef>
-              <a:buFont typeface="Arial"/>
-              <a:buChar char="•"/>
-              <a:defRPr sz="2000" kern="1200">
-                <a:solidFill>
-                  <a:schemeClr val="tx1"/>
-                </a:solidFill>
-                <a:latin typeface="+mn-lt"/>
-                <a:ea typeface="+mn-ea"/>
-                <a:cs typeface="+mn-cs"/>
-              </a:defRPr>
-            </a:lvl6pPr>
-            <a:lvl7pPr marL="2971800" indent="-228600" algn="l" defTabSz="457200" rtl="0" eaLnBrk="1" latinLnBrk="0" hangingPunct="1">
-              <a:spcBef>
-                <a:spcPct val="20000"/>
-              </a:spcBef>
-              <a:buFont typeface="Arial"/>
-              <a:buChar char="•"/>
-              <a:defRPr sz="2000" kern="1200">
-                <a:solidFill>
-                  <a:schemeClr val="tx1"/>
-                </a:solidFill>
-                <a:latin typeface="+mn-lt"/>
-                <a:ea typeface="+mn-ea"/>
-                <a:cs typeface="+mn-cs"/>
-              </a:defRPr>
-            </a:lvl7pPr>
-            <a:lvl8pPr marL="3429000" indent="-228600" algn="l" defTabSz="457200" rtl="0" eaLnBrk="1" latinLnBrk="0" hangingPunct="1">
-              <a:spcBef>
-                <a:spcPct val="20000"/>
-              </a:spcBef>
-              <a:buFont typeface="Arial"/>
-              <a:buChar char="•"/>
-              <a:defRPr sz="2000" kern="1200">
-                <a:solidFill>
-                  <a:schemeClr val="tx1"/>
-                </a:solidFill>
-                <a:latin typeface="+mn-lt"/>
-                <a:ea typeface="+mn-ea"/>
-                <a:cs typeface="+mn-cs"/>
-              </a:defRPr>
-            </a:lvl8pPr>
-            <a:lvl9pPr marL="3886200" indent="-228600" algn="l" defTabSz="457200" rtl="0" eaLnBrk="1" latinLnBrk="0" hangingPunct="1">
-              <a:spcBef>
-                <a:spcPct val="20000"/>
-              </a:spcBef>
-              <a:buFont typeface="Arial"/>
-              <a:buChar char="•"/>
-              <a:defRPr sz="2000" kern="1200">
-                <a:solidFill>
-                  <a:schemeClr val="tx1"/>
-                </a:solidFill>
-                <a:latin typeface="+mn-lt"/>
-                <a:ea typeface="+mn-ea"/>
-                <a:cs typeface="+mn-cs"/>
-              </a:defRPr>
-            </a:lvl9pPr>
-          </a:lstStyle>
+          <a:lstStyle/>
+          <a:p>
+            <a:r>
+              <a:rPr lang="en-US" dirty="0"/>
+              <a:t>Execute RESTful API backend:</a:t>
+            </a:r>
+          </a:p>
+          <a:p>
+            <a:endParaRPr lang="en-US" dirty="0"/>
+          </a:p>
           <a:p>
             <a:pPr marL="342900" indent="-342900">
-              <a:buFont typeface="Arial" charset="0"/>
+              <a:buFont typeface="Arial" panose="020B0604020202020204" pitchFamily="34" charset="0"/>
               <a:buChar char="•"/>
             </a:pPr>
             <a:r>
               <a:rPr lang="en-US" dirty="0"/>
-              <a:t>Fill in the blanks to make the application work</a:t>
-            </a:r>
-          </a:p>
-          <a:p>
-            <a:pPr marL="569913" lvl="1" indent="-342900">
-              <a:buFont typeface="Arial" charset="0"/>
+              <a:t>Visual Studio: F5 (or ctrl+f5)</a:t>
+            </a:r>
+          </a:p>
+          <a:p>
+            <a:pPr marL="342900" indent="-342900">
+              <a:buFont typeface="Arial" panose="020B0604020202020204" pitchFamily="34" charset="0"/>
               <a:buChar char="•"/>
             </a:pPr>
             <a:r>
-              <a:rPr lang="en-US" dirty="0" err="1"/>
-              <a:t>dotnet_workshop</a:t>
-            </a:r>
-            <a:r>
-              <a:rPr lang="en-US" dirty="0"/>
-              <a:t> or </a:t>
-            </a:r>
-            <a:r>
-              <a:rPr lang="en-US" dirty="0" err="1"/>
-              <a:t>dotnetcore_workshop</a:t>
-            </a:r>
-            <a:endParaRPr lang="en-US" dirty="0"/>
-          </a:p>
-          <a:p>
-            <a:pPr marL="569913" lvl="1" indent="-342900">
-              <a:buFont typeface="Arial" charset="0"/>
-              <a:buChar char="•"/>
-            </a:pPr>
-            <a:r>
-              <a:rPr lang="en-US" dirty="0"/>
-              <a:t>Completed versions are in </a:t>
-            </a:r>
-            <a:r>
-              <a:rPr lang="en-US" dirty="0" err="1"/>
+              <a:rPr lang="en-US" dirty="0" err="1">
+                <a:latin typeface="Consolas" panose="020B0609020204030204" pitchFamily="49" charset="0"/>
+              </a:rPr>
               <a:t>dotnet</a:t>
             </a:r>
             <a:r>
-              <a:rPr lang="en-US" dirty="0"/>
-              <a:t>, </a:t>
-            </a:r>
-            <a:r>
-              <a:rPr lang="en-US" dirty="0" err="1"/>
-              <a:t>dotnetcore</a:t>
-            </a:r>
-            <a:endParaRPr lang="en-US" dirty="0"/>
-          </a:p>
-          <a:p>
-            <a:pPr marL="342900" indent="-342900">
-              <a:buFont typeface="Arial" charset="0"/>
-              <a:buChar char="•"/>
-            </a:pPr>
-            <a:endParaRPr lang="en-US" dirty="0"/>
-          </a:p>
-          <a:p>
-            <a:pPr marL="342900" indent="-342900">
-              <a:buFont typeface="Arial" charset="0"/>
-              <a:buChar char="•"/>
-            </a:pPr>
-            <a:r>
-              <a:rPr lang="en-US" dirty="0"/>
-              <a:t>Checkout the code from </a:t>
-            </a:r>
-            <a:r>
-              <a:rPr lang="en-US" dirty="0" err="1"/>
-              <a:t>Github</a:t>
-            </a:r>
-            <a:endParaRPr lang="en-US" dirty="0"/>
-          </a:p>
-          <a:p>
-            <a:pPr marL="569913" lvl="1" indent="-342900">
-              <a:buFont typeface="Arial" charset="0"/>
-              <a:buChar char="•"/>
-            </a:pPr>
-            <a:r>
-              <a:rPr lang="en-US" sz="1800" dirty="0">
-                <a:hlinkClick r:id="rId3"/>
-              </a:rPr>
-              <a:t>https://github.com/couchbaselabs/aspnet-nosql-workshop/tree/master/03</a:t>
-            </a:r>
-            <a:endParaRPr lang="en-US" sz="1800" dirty="0"/>
-          </a:p>
-          <a:p>
-            <a:pPr marL="569913" lvl="1" indent="-342900">
-              <a:buFont typeface="Arial" charset="0"/>
-              <a:buChar char="•"/>
-            </a:pPr>
-            <a:endParaRPr lang="en-US" dirty="0"/>
-          </a:p>
-          <a:p>
-            <a:pPr marL="342900" indent="-342900">
-              <a:buFont typeface="Arial" charset="0"/>
-              <a:buChar char="•"/>
-            </a:pPr>
-            <a:r>
-              <a:rPr lang="en-US" dirty="0"/>
-              <a:t>The source code is also available on USB sticks</a:t>
-            </a:r>
-          </a:p>
-          <a:p>
-            <a:pPr marL="342900" indent="-342900">
-              <a:buFont typeface="Arial" charset="0"/>
-              <a:buChar char="•"/>
-            </a:pPr>
-            <a:endParaRPr lang="en-US" dirty="0"/>
-          </a:p>
-          <a:p>
-            <a:pPr marL="342900" indent="-342900">
-              <a:buFont typeface="Arial" charset="0"/>
-              <a:buChar char="•"/>
-            </a:pPr>
-            <a:r>
-              <a:rPr lang="en-US" dirty="0"/>
-              <a:t>You can test with Postman / Fiddler / curl</a:t>
-            </a:r>
-          </a:p>
-          <a:p>
-            <a:pPr marL="342900" indent="-342900">
-              <a:buFont typeface="Arial" charset="0"/>
-              <a:buChar char="•"/>
-            </a:pPr>
-            <a:endParaRPr lang="en-US" b="1" dirty="0"/>
-          </a:p>
-          <a:p>
-            <a:endParaRPr lang="en-US" dirty="0"/>
+              <a:rPr lang="en-US" dirty="0">
+                <a:latin typeface="Consolas" panose="020B0609020204030204" pitchFamily="49" charset="0"/>
+              </a:rPr>
+              <a:t> run</a:t>
+            </a:r>
+            <a:r>
+              <a:rPr lang="en-US" dirty="0"/>
+              <a:t> from command line</a:t>
+            </a:r>
           </a:p>
         </p:txBody>
       </p:sp>
     </p:spTree>
     <p:extLst>
       <p:ext uri="{BB962C8B-B14F-4D97-AF65-F5344CB8AC3E}">
-        <p14:creationId xmlns:p14="http://schemas.microsoft.com/office/powerpoint/2010/main" val="3268682032"/>
+        <p14:creationId xmlns:p14="http://schemas.microsoft.com/office/powerpoint/2010/main" val="576445989"/>
       </p:ext>
     </p:extLst>
   </p:cSld>
@@ -10440,7 +10033,7 @@
           <a:p>
             <a:r>
               <a:rPr lang="en-US" dirty="0"/>
-              <a:t>ASP.NET</a:t>
+              <a:t>Exercise: Getting Started</a:t>
             </a:r>
           </a:p>
         </p:txBody>
@@ -10460,103 +10053,30 @@
           <a:bodyPr/>
           <a:lstStyle/>
           <a:p>
-            <a:pPr marL="342900" indent="-342900">
-              <a:buFont typeface="Arial" panose="020B0604020202020204" pitchFamily="34" charset="0"/>
-              <a:buChar char="•"/>
-            </a:pPr>
-            <a:r>
-              <a:rPr lang="en-US" dirty="0" err="1"/>
-              <a:t>dotnet_workshop</a:t>
-            </a:r>
+            <a:r>
+              <a:rPr lang="en-US" b="1" dirty="0"/>
+              <a:t>At the end of the lab, your app should be able to </a:t>
+            </a:r>
+            <a:r>
+              <a:rPr lang="en-US" b="1" u="sng" dirty="0"/>
+              <a:t>list, add, edit, and delete.</a:t>
+            </a:r>
+          </a:p>
+          <a:p>
             <a:endParaRPr lang="en-US" dirty="0"/>
           </a:p>
           <a:p>
-            <a:pPr marL="342900" indent="-342900">
-              <a:buFont typeface="Arial" panose="020B0604020202020204" pitchFamily="34" charset="0"/>
-              <a:buChar char="•"/>
-            </a:pPr>
-            <a:endParaRPr lang="en-US" dirty="0"/>
-          </a:p>
-          <a:p>
-            <a:pPr marL="342900" indent="-342900">
-              <a:buFont typeface="Arial" panose="020B0604020202020204" pitchFamily="34" charset="0"/>
-              <a:buChar char="•"/>
-            </a:pPr>
-            <a:r>
-              <a:rPr lang="en-US" dirty="0"/>
-              <a:t>Look for TODOs</a:t>
-            </a:r>
-          </a:p>
-          <a:p>
-            <a:pPr marL="342900" indent="-342900">
-              <a:buFont typeface="Arial" panose="020B0604020202020204" pitchFamily="34" charset="0"/>
-              <a:buChar char="•"/>
-            </a:pPr>
-            <a:endParaRPr lang="en-US" dirty="0"/>
-          </a:p>
-          <a:p>
-            <a:pPr marL="342900" indent="-342900">
-              <a:buFont typeface="Arial" panose="020B0604020202020204" pitchFamily="34" charset="0"/>
-              <a:buChar char="•"/>
-            </a:pPr>
-            <a:r>
-              <a:rPr lang="en-US" dirty="0"/>
-              <a:t>Files included:</a:t>
-            </a:r>
-          </a:p>
-          <a:p>
-            <a:pPr marL="573088" lvl="1" indent="-342900">
-              <a:buFont typeface="Arial" panose="020B0604020202020204" pitchFamily="34" charset="0"/>
-              <a:buChar char="•"/>
-            </a:pPr>
-            <a:r>
-              <a:rPr lang="en-US" dirty="0" err="1"/>
-              <a:t>CouchbaseConfig.cs</a:t>
-            </a:r>
-            <a:endParaRPr lang="en-US" dirty="0"/>
-          </a:p>
-          <a:p>
-            <a:pPr marL="573088" lvl="1" indent="-342900">
-              <a:buFont typeface="Arial" panose="020B0604020202020204" pitchFamily="34" charset="0"/>
-              <a:buChar char="•"/>
-            </a:pPr>
-            <a:r>
-              <a:rPr lang="en-US" dirty="0" err="1"/>
-              <a:t>PersonController.cs</a:t>
-            </a:r>
-            <a:endParaRPr lang="en-US" dirty="0"/>
-          </a:p>
-          <a:p>
-            <a:pPr marL="573088" lvl="1" indent="-342900">
-              <a:buFont typeface="Arial" panose="020B0604020202020204" pitchFamily="34" charset="0"/>
-              <a:buChar char="•"/>
-            </a:pPr>
-            <a:r>
-              <a:rPr lang="en-US" dirty="0" err="1"/>
-              <a:t>Web.config</a:t>
-            </a:r>
-            <a:endParaRPr lang="en-US" dirty="0"/>
-          </a:p>
-          <a:p>
-            <a:pPr marL="573088" lvl="1" indent="-342900">
-              <a:buFont typeface="Arial" panose="020B0604020202020204" pitchFamily="34" charset="0"/>
-              <a:buChar char="•"/>
-            </a:pPr>
-            <a:endParaRPr lang="en-US" dirty="0"/>
-          </a:p>
-          <a:p>
-            <a:pPr marL="342900" indent="-342900">
-              <a:buFont typeface="Arial" panose="020B0604020202020204" pitchFamily="34" charset="0"/>
-              <a:buChar char="•"/>
-            </a:pPr>
-            <a:endParaRPr lang="en-US" dirty="0"/>
+            <a:r>
+              <a:rPr lang="en-US" dirty="0"/>
+              <a:t>If you have questions or are running into a problem, I'll be walking around helping you individually.</a:t>
+            </a:r>
           </a:p>
         </p:txBody>
       </p:sp>
     </p:spTree>
     <p:extLst>
       <p:ext uri="{BB962C8B-B14F-4D97-AF65-F5344CB8AC3E}">
-        <p14:creationId xmlns:p14="http://schemas.microsoft.com/office/powerpoint/2010/main" val="4024958778"/>
+        <p14:creationId xmlns:p14="http://schemas.microsoft.com/office/powerpoint/2010/main" val="1980548735"/>
       </p:ext>
     </p:extLst>
   </p:cSld>
@@ -10690,369 +10210,6 @@
       <p:transition/>
     </mc:Fallback>
   </mc:AlternateContent>
-</p:sld>
-</file>
-
-<file path=ppt/slides/slide20.xml><?xml version="1.0" encoding="utf-8"?>
-<p:sld xmlns:a="http://schemas.openxmlformats.org/drawingml/2006/main" xmlns:r="http://schemas.openxmlformats.org/officeDocument/2006/relationships" xmlns:p="http://schemas.openxmlformats.org/presentationml/2006/main">
-  <p:cSld>
-    <p:spTree>
-      <p:nvGrpSpPr>
-        <p:cNvPr id="1" name=""/>
-        <p:cNvGrpSpPr/>
-        <p:nvPr/>
-      </p:nvGrpSpPr>
-      <p:grpSpPr>
-        <a:xfrm>
-          <a:off x="0" y="0"/>
-          <a:ext cx="0" cy="0"/>
-          <a:chOff x="0" y="0"/>
-          <a:chExt cx="0" cy="0"/>
-        </a:xfrm>
-      </p:grpSpPr>
-      <p:sp>
-        <p:nvSpPr>
-          <p:cNvPr id="2" name="Title 1"/>
-          <p:cNvSpPr>
-            <a:spLocks noGrp="1"/>
-          </p:cNvSpPr>
-          <p:nvPr>
-            <p:ph type="title"/>
-          </p:nvPr>
-        </p:nvSpPr>
-        <p:spPr/>
-        <p:txBody>
-          <a:bodyPr/>
-          <a:lstStyle/>
-          <a:p>
-            <a:r>
-              <a:rPr lang="en-US" dirty="0"/>
-              <a:t>ASP.NET Core</a:t>
-            </a:r>
-          </a:p>
-        </p:txBody>
-      </p:sp>
-      <p:sp>
-        <p:nvSpPr>
-          <p:cNvPr id="3" name="Content Placeholder 2"/>
-          <p:cNvSpPr>
-            <a:spLocks noGrp="1"/>
-          </p:cNvSpPr>
-          <p:nvPr>
-            <p:ph idx="1"/>
-          </p:nvPr>
-        </p:nvSpPr>
-        <p:spPr/>
-        <p:txBody>
-          <a:bodyPr/>
-          <a:lstStyle/>
-          <a:p>
-            <a:pPr marL="342900" indent="-342900">
-              <a:buFont typeface="Arial" panose="020B0604020202020204" pitchFamily="34" charset="0"/>
-              <a:buChar char="•"/>
-            </a:pPr>
-            <a:r>
-              <a:rPr lang="en-US" dirty="0" err="1"/>
-              <a:t>dotnetcore_workshop</a:t>
-            </a:r>
-            <a:endParaRPr lang="en-US" dirty="0"/>
-          </a:p>
-          <a:p>
-            <a:pPr marL="342900" indent="-342900">
-              <a:buFont typeface="Arial" panose="020B0604020202020204" pitchFamily="34" charset="0"/>
-              <a:buChar char="•"/>
-            </a:pPr>
-            <a:endParaRPr lang="en-US" dirty="0"/>
-          </a:p>
-          <a:p>
-            <a:pPr marL="342900" indent="-342900">
-              <a:buFont typeface="Arial" panose="020B0604020202020204" pitchFamily="34" charset="0"/>
-              <a:buChar char="•"/>
-            </a:pPr>
-            <a:r>
-              <a:rPr lang="en-US" dirty="0"/>
-              <a:t>Look for TODOs</a:t>
-            </a:r>
-          </a:p>
-          <a:p>
-            <a:pPr marL="342900" indent="-342900">
-              <a:buFont typeface="Arial" panose="020B0604020202020204" pitchFamily="34" charset="0"/>
-              <a:buChar char="•"/>
-            </a:pPr>
-            <a:endParaRPr lang="en-US" dirty="0"/>
-          </a:p>
-          <a:p>
-            <a:pPr marL="342900" indent="-342900">
-              <a:buFont typeface="Arial" panose="020B0604020202020204" pitchFamily="34" charset="0"/>
-              <a:buChar char="•"/>
-            </a:pPr>
-            <a:r>
-              <a:rPr lang="en-US" dirty="0"/>
-              <a:t>Files included:</a:t>
-            </a:r>
-          </a:p>
-          <a:p>
-            <a:pPr marL="573088" lvl="1" indent="-342900">
-              <a:buFont typeface="Arial" panose="020B0604020202020204" pitchFamily="34" charset="0"/>
-              <a:buChar char="•"/>
-            </a:pPr>
-            <a:r>
-              <a:rPr lang="en-US" dirty="0" err="1"/>
-              <a:t>appsettings.json</a:t>
-            </a:r>
-            <a:endParaRPr lang="en-US" dirty="0"/>
-          </a:p>
-          <a:p>
-            <a:pPr marL="573088" lvl="1" indent="-342900">
-              <a:buFont typeface="Arial" panose="020B0604020202020204" pitchFamily="34" charset="0"/>
-              <a:buChar char="•"/>
-            </a:pPr>
-            <a:r>
-              <a:rPr lang="en-US" dirty="0" err="1"/>
-              <a:t>PersonController.cs</a:t>
-            </a:r>
-            <a:endParaRPr lang="en-US" dirty="0"/>
-          </a:p>
-          <a:p>
-            <a:pPr marL="573088" lvl="1" indent="-342900">
-              <a:buFont typeface="Arial" panose="020B0604020202020204" pitchFamily="34" charset="0"/>
-              <a:buChar char="•"/>
-            </a:pPr>
-            <a:r>
-              <a:rPr lang="en-US" dirty="0" err="1"/>
-              <a:t>Startup.cs</a:t>
-            </a:r>
-            <a:endParaRPr lang="en-US" dirty="0"/>
-          </a:p>
-          <a:p>
-            <a:pPr marL="573088" lvl="1" indent="-342900">
-              <a:buFont typeface="Arial" panose="020B0604020202020204" pitchFamily="34" charset="0"/>
-              <a:buChar char="•"/>
-            </a:pPr>
-            <a:endParaRPr lang="en-US" dirty="0"/>
-          </a:p>
-          <a:p>
-            <a:pPr marL="573088" lvl="1" indent="-342900">
-              <a:buFont typeface="Arial" panose="020B0604020202020204" pitchFamily="34" charset="0"/>
-              <a:buChar char="•"/>
-            </a:pPr>
-            <a:endParaRPr lang="en-US" dirty="0"/>
-          </a:p>
-          <a:p>
-            <a:pPr marL="342900" indent="-342900">
-              <a:buFont typeface="Arial" panose="020B0604020202020204" pitchFamily="34" charset="0"/>
-              <a:buChar char="•"/>
-            </a:pPr>
-            <a:endParaRPr lang="en-US" dirty="0"/>
-          </a:p>
-        </p:txBody>
-      </p:sp>
-    </p:spTree>
-    <p:extLst>
-      <p:ext uri="{BB962C8B-B14F-4D97-AF65-F5344CB8AC3E}">
-        <p14:creationId xmlns:p14="http://schemas.microsoft.com/office/powerpoint/2010/main" val="2793661999"/>
-      </p:ext>
-    </p:extLst>
-  </p:cSld>
-  <p:clrMapOvr>
-    <a:masterClrMapping/>
-  </p:clrMapOvr>
-</p:sld>
-</file>
-
-<file path=ppt/slides/slide21.xml><?xml version="1.0" encoding="utf-8"?>
-<p:sld xmlns:a="http://schemas.openxmlformats.org/drawingml/2006/main" xmlns:r="http://schemas.openxmlformats.org/officeDocument/2006/relationships" xmlns:p="http://schemas.openxmlformats.org/presentationml/2006/main">
-  <p:cSld>
-    <p:spTree>
-      <p:nvGrpSpPr>
-        <p:cNvPr id="1" name=""/>
-        <p:cNvGrpSpPr/>
-        <p:nvPr/>
-      </p:nvGrpSpPr>
-      <p:grpSpPr>
-        <a:xfrm>
-          <a:off x="0" y="0"/>
-          <a:ext cx="0" cy="0"/>
-          <a:chOff x="0" y="0"/>
-          <a:chExt cx="0" cy="0"/>
-        </a:xfrm>
-      </p:grpSpPr>
-      <p:sp>
-        <p:nvSpPr>
-          <p:cNvPr id="2" name="Title 1"/>
-          <p:cNvSpPr>
-            <a:spLocks noGrp="1"/>
-          </p:cNvSpPr>
-          <p:nvPr>
-            <p:ph type="title"/>
-          </p:nvPr>
-        </p:nvSpPr>
-        <p:spPr/>
-        <p:txBody>
-          <a:bodyPr/>
-          <a:lstStyle/>
-          <a:p>
-            <a:r>
-              <a:rPr lang="en-US" dirty="0"/>
-              <a:t>How to execute</a:t>
-            </a:r>
-          </a:p>
-        </p:txBody>
-      </p:sp>
-      <p:sp>
-        <p:nvSpPr>
-          <p:cNvPr id="3" name="Content Placeholder 2"/>
-          <p:cNvSpPr>
-            <a:spLocks noGrp="1"/>
-          </p:cNvSpPr>
-          <p:nvPr>
-            <p:ph idx="1"/>
-          </p:nvPr>
-        </p:nvSpPr>
-        <p:spPr/>
-        <p:txBody>
-          <a:bodyPr/>
-          <a:lstStyle/>
-          <a:p>
-            <a:r>
-              <a:rPr lang="en-US" dirty="0"/>
-              <a:t>Execute RESTful API backend:</a:t>
-            </a:r>
-          </a:p>
-          <a:p>
-            <a:endParaRPr lang="en-US" dirty="0"/>
-          </a:p>
-          <a:p>
-            <a:pPr marL="342900" indent="-342900">
-              <a:buFont typeface="Arial" panose="020B0604020202020204" pitchFamily="34" charset="0"/>
-              <a:buChar char="•"/>
-            </a:pPr>
-            <a:r>
-              <a:rPr lang="en-US" dirty="0"/>
-              <a:t>Visual Studio: F5 (or ctrl+f5)</a:t>
-            </a:r>
-          </a:p>
-          <a:p>
-            <a:pPr marL="342900" indent="-342900">
-              <a:buFont typeface="Arial" panose="020B0604020202020204" pitchFamily="34" charset="0"/>
-              <a:buChar char="•"/>
-            </a:pPr>
-            <a:r>
-              <a:rPr lang="en-US" dirty="0" err="1">
-                <a:latin typeface="Consolas" panose="020B0609020204030204" pitchFamily="49" charset="0"/>
-              </a:rPr>
-              <a:t>dotnet</a:t>
-            </a:r>
-            <a:r>
-              <a:rPr lang="en-US" dirty="0">
-                <a:latin typeface="Consolas" panose="020B0609020204030204" pitchFamily="49" charset="0"/>
-              </a:rPr>
-              <a:t> run</a:t>
-            </a:r>
-            <a:r>
-              <a:rPr lang="en-US" dirty="0"/>
-              <a:t> from command line</a:t>
-            </a:r>
-          </a:p>
-        </p:txBody>
-      </p:sp>
-    </p:spTree>
-    <p:extLst>
-      <p:ext uri="{BB962C8B-B14F-4D97-AF65-F5344CB8AC3E}">
-        <p14:creationId xmlns:p14="http://schemas.microsoft.com/office/powerpoint/2010/main" val="576445989"/>
-      </p:ext>
-    </p:extLst>
-  </p:cSld>
-  <p:clrMapOvr>
-    <a:masterClrMapping/>
-  </p:clrMapOvr>
-</p:sld>
-</file>
-
-<file path=ppt/slides/slide22.xml><?xml version="1.0" encoding="utf-8"?>
-<p:sld xmlns:a="http://schemas.openxmlformats.org/drawingml/2006/main" xmlns:r="http://schemas.openxmlformats.org/officeDocument/2006/relationships" xmlns:p="http://schemas.openxmlformats.org/presentationml/2006/main">
-  <p:cSld>
-    <p:spTree>
-      <p:nvGrpSpPr>
-        <p:cNvPr id="1" name=""/>
-        <p:cNvGrpSpPr/>
-        <p:nvPr/>
-      </p:nvGrpSpPr>
-      <p:grpSpPr>
-        <a:xfrm>
-          <a:off x="0" y="0"/>
-          <a:ext cx="0" cy="0"/>
-          <a:chOff x="0" y="0"/>
-          <a:chExt cx="0" cy="0"/>
-        </a:xfrm>
-      </p:grpSpPr>
-      <p:sp>
-        <p:nvSpPr>
-          <p:cNvPr id="2" name="Title 1"/>
-          <p:cNvSpPr>
-            <a:spLocks noGrp="1"/>
-          </p:cNvSpPr>
-          <p:nvPr>
-            <p:ph type="title"/>
-          </p:nvPr>
-        </p:nvSpPr>
-        <p:spPr/>
-        <p:txBody>
-          <a:bodyPr/>
-          <a:lstStyle/>
-          <a:p>
-            <a:r>
-              <a:rPr lang="en-US" dirty="0"/>
-              <a:t>Exercise: Getting Started</a:t>
-            </a:r>
-          </a:p>
-        </p:txBody>
-      </p:sp>
-      <p:sp>
-        <p:nvSpPr>
-          <p:cNvPr id="3" name="Content Placeholder 2"/>
-          <p:cNvSpPr>
-            <a:spLocks noGrp="1"/>
-          </p:cNvSpPr>
-          <p:nvPr>
-            <p:ph idx="1"/>
-          </p:nvPr>
-        </p:nvSpPr>
-        <p:spPr/>
-        <p:txBody>
-          <a:bodyPr/>
-          <a:lstStyle/>
-          <a:p>
-            <a:r>
-              <a:rPr lang="en-US" b="1" dirty="0"/>
-              <a:t>At the end of the lab, your app should be able to </a:t>
-            </a:r>
-            <a:r>
-              <a:rPr lang="en-US" b="1" u="sng" dirty="0"/>
-              <a:t>list, add, edit, and delete.</a:t>
-            </a:r>
-          </a:p>
-          <a:p>
-            <a:endParaRPr lang="en-US" dirty="0"/>
-          </a:p>
-          <a:p>
-            <a:r>
-              <a:rPr lang="en-US" dirty="0"/>
-              <a:t>If you have questions or are running into a problem, I'll be walking around helping you individually.</a:t>
-            </a:r>
-          </a:p>
-        </p:txBody>
-      </p:sp>
-    </p:spTree>
-    <p:extLst>
-      <p:ext uri="{BB962C8B-B14F-4D97-AF65-F5344CB8AC3E}">
-        <p14:creationId xmlns:p14="http://schemas.microsoft.com/office/powerpoint/2010/main" val="1980548735"/>
-      </p:ext>
-    </p:extLst>
-  </p:cSld>
-  <p:clrMapOvr>
-    <a:masterClrMapping/>
-  </p:clrMapOvr>
 </p:sld>
 </file>
 
@@ -11521,475 +10678,6 @@
       </p:sp>
       <p:pic>
         <p:nvPicPr>
-          <p:cNvPr id="1026" name="Picture 2" descr="ASP.NET Core 1.0"/>
-          <p:cNvPicPr>
-            <a:picLocks noChangeAspect="1" noChangeArrowheads="1"/>
-          </p:cNvPicPr>
-          <p:nvPr/>
-        </p:nvPicPr>
-        <p:blipFill>
-          <a:blip r:embed="rId3">
-            <a:extLst>
-              <a:ext uri="{28A0092B-C50C-407E-A947-70E740481C1C}">
-                <a14:useLocalDpi xmlns:a14="http://schemas.microsoft.com/office/drawing/2010/main" val="0"/>
-              </a:ext>
-            </a:extLst>
-          </a:blip>
-          <a:srcRect/>
-          <a:stretch>
-            <a:fillRect/>
-          </a:stretch>
-        </p:blipFill>
-        <p:spPr bwMode="auto">
-          <a:xfrm>
-            <a:off x="719627" y="765386"/>
-            <a:ext cx="7477125" cy="4054263"/>
-          </a:xfrm>
-          <a:prstGeom prst="rect">
-            <a:avLst/>
-          </a:prstGeom>
-          <a:noFill/>
-          <a:extLst>
-            <a:ext uri="{909E8E84-426E-40DD-AFC4-6F175D3DCCD1}">
-              <a14:hiddenFill xmlns:a14="http://schemas.microsoft.com/office/drawing/2010/main">
-                <a:solidFill>
-                  <a:srgbClr val="FFFFFF"/>
-                </a:solidFill>
-              </a14:hiddenFill>
-            </a:ext>
-          </a:extLst>
-        </p:spPr>
-      </p:pic>
-    </p:spTree>
-    <p:extLst>
-      <p:ext uri="{BB962C8B-B14F-4D97-AF65-F5344CB8AC3E}">
-        <p14:creationId xmlns:p14="http://schemas.microsoft.com/office/powerpoint/2010/main" val="2096479416"/>
-      </p:ext>
-    </p:extLst>
-  </p:cSld>
-  <p:clrMapOvr>
-    <a:masterClrMapping/>
-  </p:clrMapOvr>
-</p:sld>
-</file>
-
-<file path=ppt/slides/slide7.xml><?xml version="1.0" encoding="utf-8"?>
-<p:sld xmlns:a="http://schemas.openxmlformats.org/drawingml/2006/main" xmlns:r="http://schemas.openxmlformats.org/officeDocument/2006/relationships" xmlns:p="http://schemas.openxmlformats.org/presentationml/2006/main">
-  <p:cSld>
-    <p:spTree>
-      <p:nvGrpSpPr>
-        <p:cNvPr id="1" name=""/>
-        <p:cNvGrpSpPr/>
-        <p:nvPr/>
-      </p:nvGrpSpPr>
-      <p:grpSpPr>
-        <a:xfrm>
-          <a:off x="0" y="0"/>
-          <a:ext cx="0" cy="0"/>
-          <a:chOff x="0" y="0"/>
-          <a:chExt cx="0" cy="0"/>
-        </a:xfrm>
-      </p:grpSpPr>
-      <p:sp>
-        <p:nvSpPr>
-          <p:cNvPr id="2" name="Title 1"/>
-          <p:cNvSpPr>
-            <a:spLocks noGrp="1"/>
-          </p:cNvSpPr>
-          <p:nvPr>
-            <p:ph type="title"/>
-          </p:nvPr>
-        </p:nvSpPr>
-        <p:spPr/>
-        <p:txBody>
-          <a:bodyPr/>
-          <a:lstStyle/>
-          <a:p>
-            <a:r>
-              <a:rPr lang="en-US" dirty="0"/>
-              <a:t>ASP.NET vs ASP.NET Core</a:t>
-            </a:r>
-          </a:p>
-        </p:txBody>
-      </p:sp>
-      <p:graphicFrame>
-        <p:nvGraphicFramePr>
-          <p:cNvPr id="4" name="Table 3"/>
-          <p:cNvGraphicFramePr>
-            <a:graphicFrameLocks noGrp="1"/>
-          </p:cNvGraphicFramePr>
-          <p:nvPr>
-            <p:extLst>
-              <p:ext uri="{D42A27DB-BD31-4B8C-83A1-F6EECF244321}">
-                <p14:modId xmlns:p14="http://schemas.microsoft.com/office/powerpoint/2010/main" val="3951420896"/>
-              </p:ext>
-            </p:extLst>
-          </p:nvPr>
-        </p:nvGraphicFramePr>
-        <p:xfrm>
-          <a:off x="374260" y="686054"/>
-          <a:ext cx="8283966" cy="3536131"/>
-        </p:xfrm>
-        <a:graphic>
-          <a:graphicData uri="http://schemas.openxmlformats.org/drawingml/2006/table">
-            <a:tbl>
-              <a:tblPr firstRow="1" bandRow="1">
-                <a:tableStyleId>{5C22544A-7EE6-4342-B048-85BDC9FD1C3A}</a:tableStyleId>
-              </a:tblPr>
-              <a:tblGrid>
-                <a:gridCol w="2761322">
-                  <a:extLst>
-                    <a:ext uri="{9D8B030D-6E8A-4147-A177-3AD203B41FA5}">
-                      <a16:colId xmlns:a16="http://schemas.microsoft.com/office/drawing/2014/main" val="2464808185"/>
-                    </a:ext>
-                  </a:extLst>
-                </a:gridCol>
-                <a:gridCol w="2761322">
-                  <a:extLst>
-                    <a:ext uri="{9D8B030D-6E8A-4147-A177-3AD203B41FA5}">
-                      <a16:colId xmlns:a16="http://schemas.microsoft.com/office/drawing/2014/main" val="2276195255"/>
-                    </a:ext>
-                  </a:extLst>
-                </a:gridCol>
-                <a:gridCol w="2761322">
-                  <a:extLst>
-                    <a:ext uri="{9D8B030D-6E8A-4147-A177-3AD203B41FA5}">
-                      <a16:colId xmlns:a16="http://schemas.microsoft.com/office/drawing/2014/main" val="3347861423"/>
-                    </a:ext>
-                  </a:extLst>
-                </a:gridCol>
-              </a:tblGrid>
-              <a:tr h="536671">
-                <a:tc>
-                  <a:txBody>
-                    <a:bodyPr/>
-                    <a:lstStyle/>
-                    <a:p>
-                      <a:endParaRPr lang="en-US" sz="2400" dirty="0"/>
-                    </a:p>
-                  </a:txBody>
-                  <a:tcPr/>
-                </a:tc>
-                <a:tc>
-                  <a:txBody>
-                    <a:bodyPr/>
-                    <a:lstStyle/>
-                    <a:p>
-                      <a:r>
-                        <a:rPr lang="en-US" sz="2400" dirty="0"/>
-                        <a:t>ASP.NET</a:t>
-                      </a:r>
-                    </a:p>
-                  </a:txBody>
-                  <a:tcPr/>
-                </a:tc>
-                <a:tc>
-                  <a:txBody>
-                    <a:bodyPr/>
-                    <a:lstStyle/>
-                    <a:p>
-                      <a:r>
-                        <a:rPr lang="en-US" sz="2400" dirty="0"/>
-                        <a:t>ASP.NET Core</a:t>
-                      </a:r>
-                    </a:p>
-                  </a:txBody>
-                  <a:tcPr/>
-                </a:tc>
-                <a:extLst>
-                  <a:ext uri="{0D108BD9-81ED-4DB2-BD59-A6C34878D82A}">
-                    <a16:rowId xmlns:a16="http://schemas.microsoft.com/office/drawing/2014/main" val="1879406946"/>
-                  </a:ext>
-                </a:extLst>
-              </a:tr>
-              <a:tr h="544125">
-                <a:tc>
-                  <a:txBody>
-                    <a:bodyPr/>
-                    <a:lstStyle/>
-                    <a:p>
-                      <a:r>
-                        <a:rPr lang="en-US" sz="2400" dirty="0"/>
-                        <a:t>Cross platform?</a:t>
-                      </a:r>
-                    </a:p>
-                  </a:txBody>
-                  <a:tcPr/>
-                </a:tc>
-                <a:tc>
-                  <a:txBody>
-                    <a:bodyPr/>
-                    <a:lstStyle/>
-                    <a:p>
-                      <a:r>
-                        <a:rPr lang="en-US" sz="2400" dirty="0"/>
-                        <a:t>No</a:t>
-                      </a:r>
-                    </a:p>
-                  </a:txBody>
-                  <a:tcPr/>
-                </a:tc>
-                <a:tc>
-                  <a:txBody>
-                    <a:bodyPr/>
-                    <a:lstStyle/>
-                    <a:p>
-                      <a:r>
-                        <a:rPr lang="en-US" sz="2400" dirty="0"/>
-                        <a:t>Yes</a:t>
-                      </a:r>
-                    </a:p>
-                  </a:txBody>
-                  <a:tcPr/>
-                </a:tc>
-                <a:extLst>
-                  <a:ext uri="{0D108BD9-81ED-4DB2-BD59-A6C34878D82A}">
-                    <a16:rowId xmlns:a16="http://schemas.microsoft.com/office/drawing/2014/main" val="1160089220"/>
-                  </a:ext>
-                </a:extLst>
-              </a:tr>
-              <a:tr h="544125">
-                <a:tc>
-                  <a:txBody>
-                    <a:bodyPr/>
-                    <a:lstStyle/>
-                    <a:p>
-                      <a:r>
-                        <a:rPr lang="en-US" sz="2400" dirty="0"/>
-                        <a:t>Can use Kestrel?</a:t>
-                      </a:r>
-                    </a:p>
-                  </a:txBody>
-                  <a:tcPr/>
-                </a:tc>
-                <a:tc>
-                  <a:txBody>
-                    <a:bodyPr/>
-                    <a:lstStyle/>
-                    <a:p>
-                      <a:r>
-                        <a:rPr lang="en-US" sz="2400" dirty="0"/>
-                        <a:t>No</a:t>
-                      </a:r>
-                    </a:p>
-                  </a:txBody>
-                  <a:tcPr/>
-                </a:tc>
-                <a:tc>
-                  <a:txBody>
-                    <a:bodyPr/>
-                    <a:lstStyle/>
-                    <a:p>
-                      <a:r>
-                        <a:rPr lang="en-US" sz="2400" dirty="0"/>
-                        <a:t>Yes</a:t>
-                      </a:r>
-                    </a:p>
-                  </a:txBody>
-                  <a:tcPr/>
-                </a:tc>
-                <a:extLst>
-                  <a:ext uri="{0D108BD9-81ED-4DB2-BD59-A6C34878D82A}">
-                    <a16:rowId xmlns:a16="http://schemas.microsoft.com/office/drawing/2014/main" val="4114928230"/>
-                  </a:ext>
-                </a:extLst>
-              </a:tr>
-              <a:tr h="544125">
-                <a:tc>
-                  <a:txBody>
-                    <a:bodyPr/>
-                    <a:lstStyle/>
-                    <a:p>
-                      <a:r>
-                        <a:rPr lang="en-US" sz="2400" dirty="0"/>
-                        <a:t>Can use IIS?</a:t>
-                      </a:r>
-                    </a:p>
-                  </a:txBody>
-                  <a:tcPr/>
-                </a:tc>
-                <a:tc>
-                  <a:txBody>
-                    <a:bodyPr/>
-                    <a:lstStyle/>
-                    <a:p>
-                      <a:r>
-                        <a:rPr lang="en-US" sz="2400" dirty="0"/>
-                        <a:t>Yes (required)</a:t>
-                      </a:r>
-                    </a:p>
-                  </a:txBody>
-                  <a:tcPr/>
-                </a:tc>
-                <a:tc>
-                  <a:txBody>
-                    <a:bodyPr/>
-                    <a:lstStyle/>
-                    <a:p>
-                      <a:r>
-                        <a:rPr lang="en-US" sz="2400" dirty="0"/>
-                        <a:t>Yes</a:t>
-                      </a:r>
-                    </a:p>
-                  </a:txBody>
-                  <a:tcPr/>
-                </a:tc>
-                <a:extLst>
-                  <a:ext uri="{0D108BD9-81ED-4DB2-BD59-A6C34878D82A}">
-                    <a16:rowId xmlns:a16="http://schemas.microsoft.com/office/drawing/2014/main" val="263318779"/>
-                  </a:ext>
-                </a:extLst>
-              </a:tr>
-              <a:tr h="544125">
-                <a:tc>
-                  <a:txBody>
-                    <a:bodyPr/>
-                    <a:lstStyle/>
-                    <a:p>
-                      <a:r>
-                        <a:rPr lang="en-US" sz="2400" dirty="0"/>
-                        <a:t>Works on Full .NET?</a:t>
-                      </a:r>
-                    </a:p>
-                  </a:txBody>
-                  <a:tcPr/>
-                </a:tc>
-                <a:tc>
-                  <a:txBody>
-                    <a:bodyPr/>
-                    <a:lstStyle/>
-                    <a:p>
-                      <a:r>
-                        <a:rPr lang="en-US" sz="2400" dirty="0"/>
-                        <a:t>Yes</a:t>
-                      </a:r>
-                    </a:p>
-                  </a:txBody>
-                  <a:tcPr/>
-                </a:tc>
-                <a:tc>
-                  <a:txBody>
-                    <a:bodyPr/>
-                    <a:lstStyle/>
-                    <a:p>
-                      <a:r>
-                        <a:rPr lang="en-US" sz="2400" dirty="0"/>
-                        <a:t>Yes</a:t>
-                      </a:r>
-                    </a:p>
-                  </a:txBody>
-                  <a:tcPr/>
-                </a:tc>
-                <a:extLst>
-                  <a:ext uri="{0D108BD9-81ED-4DB2-BD59-A6C34878D82A}">
-                    <a16:rowId xmlns:a16="http://schemas.microsoft.com/office/drawing/2014/main" val="4276864228"/>
-                  </a:ext>
-                </a:extLst>
-              </a:tr>
-              <a:tr h="544125">
-                <a:tc>
-                  <a:txBody>
-                    <a:bodyPr/>
-                    <a:lstStyle/>
-                    <a:p>
-                      <a:r>
-                        <a:rPr lang="en-US" sz="2400" dirty="0"/>
-                        <a:t>Works on .NET Core?</a:t>
-                      </a:r>
-                    </a:p>
-                  </a:txBody>
-                  <a:tcPr/>
-                </a:tc>
-                <a:tc>
-                  <a:txBody>
-                    <a:bodyPr/>
-                    <a:lstStyle/>
-                    <a:p>
-                      <a:r>
-                        <a:rPr lang="en-US" sz="2400" dirty="0"/>
-                        <a:t>No</a:t>
-                      </a:r>
-                    </a:p>
-                  </a:txBody>
-                  <a:tcPr/>
-                </a:tc>
-                <a:tc>
-                  <a:txBody>
-                    <a:bodyPr/>
-                    <a:lstStyle/>
-                    <a:p>
-                      <a:r>
-                        <a:rPr lang="en-US" sz="2400" dirty="0"/>
-                        <a:t>Yes</a:t>
-                      </a:r>
-                    </a:p>
-                  </a:txBody>
-                  <a:tcPr/>
-                </a:tc>
-                <a:extLst>
-                  <a:ext uri="{0D108BD9-81ED-4DB2-BD59-A6C34878D82A}">
-                    <a16:rowId xmlns:a16="http://schemas.microsoft.com/office/drawing/2014/main" val="73464348"/>
-                  </a:ext>
-                </a:extLst>
-              </a:tr>
-            </a:tbl>
-          </a:graphicData>
-        </a:graphic>
-      </p:graphicFrame>
-    </p:spTree>
-    <p:extLst>
-      <p:ext uri="{BB962C8B-B14F-4D97-AF65-F5344CB8AC3E}">
-        <p14:creationId xmlns:p14="http://schemas.microsoft.com/office/powerpoint/2010/main" val="3800037293"/>
-      </p:ext>
-    </p:extLst>
-  </p:cSld>
-  <p:clrMapOvr>
-    <a:masterClrMapping/>
-  </p:clrMapOvr>
-</p:sld>
-</file>
-
-<file path=ppt/slides/slide8.xml><?xml version="1.0" encoding="utf-8"?>
-<p:sld xmlns:a="http://schemas.openxmlformats.org/drawingml/2006/main" xmlns:r="http://schemas.openxmlformats.org/officeDocument/2006/relationships" xmlns:p="http://schemas.openxmlformats.org/presentationml/2006/main">
-  <p:cSld>
-    <p:spTree>
-      <p:nvGrpSpPr>
-        <p:cNvPr id="1" name=""/>
-        <p:cNvGrpSpPr/>
-        <p:nvPr/>
-      </p:nvGrpSpPr>
-      <p:grpSpPr>
-        <a:xfrm>
-          <a:off x="0" y="0"/>
-          <a:ext cx="0" cy="0"/>
-          <a:chOff x="0" y="0"/>
-          <a:chExt cx="0" cy="0"/>
-        </a:xfrm>
-      </p:grpSpPr>
-      <p:sp>
-        <p:nvSpPr>
-          <p:cNvPr id="2" name="Title 1"/>
-          <p:cNvSpPr>
-            <a:spLocks noGrp="1"/>
-          </p:cNvSpPr>
-          <p:nvPr>
-            <p:ph type="title"/>
-          </p:nvPr>
-        </p:nvSpPr>
-        <p:spPr/>
-        <p:txBody>
-          <a:bodyPr/>
-          <a:lstStyle/>
-          <a:p>
-            <a:r>
-              <a:rPr lang="en-US" dirty="0"/>
-              <a:t>ASP.NET vs ASP.NET Core</a:t>
-            </a:r>
-          </a:p>
-        </p:txBody>
-      </p:sp>
-      <p:pic>
-        <p:nvPicPr>
           <p:cNvPr id="4" name="Picture 3"/>
           <p:cNvPicPr>
             <a:picLocks noChangeAspect="1"/>
@@ -12025,6 +10713,926 @@
 </p:sld>
 </file>
 
+<file path=ppt/slides/slide7.xml><?xml version="1.0" encoding="utf-8"?>
+<p:sld xmlns:a="http://schemas.openxmlformats.org/drawingml/2006/main" xmlns:r="http://schemas.openxmlformats.org/officeDocument/2006/relationships" xmlns:p="http://schemas.openxmlformats.org/presentationml/2006/main">
+  <p:cSld>
+    <p:spTree>
+      <p:nvGrpSpPr>
+        <p:cNvPr id="1" name=""/>
+        <p:cNvGrpSpPr/>
+        <p:nvPr/>
+      </p:nvGrpSpPr>
+      <p:grpSpPr>
+        <a:xfrm>
+          <a:off x="0" y="0"/>
+          <a:ext cx="0" cy="0"/>
+          <a:chOff x="0" y="0"/>
+          <a:chExt cx="0" cy="0"/>
+        </a:xfrm>
+      </p:grpSpPr>
+      <p:sp>
+        <p:nvSpPr>
+          <p:cNvPr id="2" name="Title 1">
+            <a:extLst>
+              <a:ext uri="{FF2B5EF4-FFF2-40B4-BE49-F238E27FC236}">
+                <a16:creationId xmlns:a16="http://schemas.microsoft.com/office/drawing/2014/main" id="{6C5E07CA-72A4-48A3-AF3A-4BD194608020}"/>
+              </a:ext>
+            </a:extLst>
+          </p:cNvPr>
+          <p:cNvSpPr>
+            <a:spLocks noGrp="1"/>
+          </p:cNvSpPr>
+          <p:nvPr>
+            <p:ph type="title"/>
+          </p:nvPr>
+        </p:nvSpPr>
+        <p:spPr/>
+        <p:txBody>
+          <a:bodyPr/>
+          <a:lstStyle/>
+          <a:p>
+            <a:r>
+              <a:rPr lang="en-US" dirty="0"/>
+              <a:t>ASP.NET </a:t>
+            </a:r>
+            <a:r>
+              <a:rPr lang="en-US" dirty="0" err="1"/>
+              <a:t>WebAPI</a:t>
+            </a:r>
+            <a:endParaRPr lang="en-US" dirty="0"/>
+          </a:p>
+        </p:txBody>
+      </p:sp>
+      <p:sp>
+        <p:nvSpPr>
+          <p:cNvPr id="5" name="Content Placeholder 4">
+            <a:extLst>
+              <a:ext uri="{FF2B5EF4-FFF2-40B4-BE49-F238E27FC236}">
+                <a16:creationId xmlns:a16="http://schemas.microsoft.com/office/drawing/2014/main" id="{CA326A61-DF5C-4062-BF3A-87E7BE3B1D0C}"/>
+              </a:ext>
+            </a:extLst>
+          </p:cNvPr>
+          <p:cNvSpPr>
+            <a:spLocks noGrp="1"/>
+          </p:cNvSpPr>
+          <p:nvPr>
+            <p:ph idx="1"/>
+          </p:nvPr>
+        </p:nvSpPr>
+        <p:spPr/>
+        <p:txBody>
+          <a:bodyPr/>
+          <a:lstStyle/>
+          <a:p>
+            <a:r>
+              <a:rPr lang="en-US" sz="1400" dirty="0">
+                <a:solidFill>
+                  <a:srgbClr val="000000"/>
+                </a:solidFill>
+                <a:latin typeface="Consolas" panose="020B0609020204030204" pitchFamily="49" charset="0"/>
+              </a:rPr>
+              <a:t>[</a:t>
+            </a:r>
+            <a:r>
+              <a:rPr lang="en-US" sz="1400" dirty="0" err="1">
+                <a:solidFill>
+                  <a:srgbClr val="2B91AF"/>
+                </a:solidFill>
+                <a:latin typeface="Consolas" panose="020B0609020204030204" pitchFamily="49" charset="0"/>
+              </a:rPr>
+              <a:t>RoutePrefix</a:t>
+            </a:r>
+            <a:r>
+              <a:rPr lang="en-US" sz="1400" dirty="0">
+                <a:solidFill>
+                  <a:srgbClr val="000000"/>
+                </a:solidFill>
+                <a:latin typeface="Consolas" panose="020B0609020204030204" pitchFamily="49" charset="0"/>
+              </a:rPr>
+              <a:t>(</a:t>
+            </a:r>
+            <a:r>
+              <a:rPr lang="en-US" sz="1400" dirty="0">
+                <a:solidFill>
+                  <a:srgbClr val="A31515"/>
+                </a:solidFill>
+                <a:latin typeface="Consolas" panose="020B0609020204030204" pitchFamily="49" charset="0"/>
+              </a:rPr>
+              <a:t>"</a:t>
+            </a:r>
+            <a:r>
+              <a:rPr lang="en-US" sz="1400" dirty="0" err="1">
+                <a:solidFill>
+                  <a:srgbClr val="A31515"/>
+                </a:solidFill>
+                <a:latin typeface="Consolas" panose="020B0609020204030204" pitchFamily="49" charset="0"/>
+              </a:rPr>
+              <a:t>api</a:t>
+            </a:r>
+            <a:r>
+              <a:rPr lang="en-US" sz="1400" dirty="0">
+                <a:solidFill>
+                  <a:srgbClr val="A31515"/>
+                </a:solidFill>
+                <a:latin typeface="Consolas" panose="020B0609020204030204" pitchFamily="49" charset="0"/>
+              </a:rPr>
+              <a:t>"</a:t>
+            </a:r>
+            <a:r>
+              <a:rPr lang="en-US" sz="1400" dirty="0">
+                <a:solidFill>
+                  <a:srgbClr val="000000"/>
+                </a:solidFill>
+                <a:latin typeface="Consolas" panose="020B0609020204030204" pitchFamily="49" charset="0"/>
+              </a:rPr>
+              <a:t>)]</a:t>
+            </a:r>
+          </a:p>
+          <a:p>
+            <a:r>
+              <a:rPr lang="en-US" sz="1400" dirty="0">
+                <a:solidFill>
+                  <a:srgbClr val="000000"/>
+                </a:solidFill>
+                <a:latin typeface="Consolas" panose="020B0609020204030204" pitchFamily="49" charset="0"/>
+              </a:rPr>
+              <a:t>[</a:t>
+            </a:r>
+            <a:r>
+              <a:rPr lang="en-US" sz="1400" dirty="0" err="1">
+                <a:solidFill>
+                  <a:srgbClr val="2B91AF"/>
+                </a:solidFill>
+                <a:latin typeface="Consolas" panose="020B0609020204030204" pitchFamily="49" charset="0"/>
+              </a:rPr>
+              <a:t>EnableCors</a:t>
+            </a:r>
+            <a:r>
+              <a:rPr lang="en-US" sz="1400" dirty="0">
+                <a:solidFill>
+                  <a:srgbClr val="000000"/>
+                </a:solidFill>
+                <a:latin typeface="Consolas" panose="020B0609020204030204" pitchFamily="49" charset="0"/>
+              </a:rPr>
+              <a:t>(origins: </a:t>
+            </a:r>
+            <a:r>
+              <a:rPr lang="en-US" sz="1400" dirty="0">
+                <a:solidFill>
+                  <a:srgbClr val="A31515"/>
+                </a:solidFill>
+                <a:latin typeface="Consolas" panose="020B0609020204030204" pitchFamily="49" charset="0"/>
+              </a:rPr>
+              <a:t>"*"</a:t>
+            </a:r>
+            <a:r>
+              <a:rPr lang="en-US" sz="1400" dirty="0">
+                <a:solidFill>
+                  <a:srgbClr val="000000"/>
+                </a:solidFill>
+                <a:latin typeface="Consolas" panose="020B0609020204030204" pitchFamily="49" charset="0"/>
+              </a:rPr>
+              <a:t>, headers: </a:t>
+            </a:r>
+            <a:r>
+              <a:rPr lang="en-US" sz="1400" dirty="0">
+                <a:solidFill>
+                  <a:srgbClr val="A31515"/>
+                </a:solidFill>
+                <a:latin typeface="Consolas" panose="020B0609020204030204" pitchFamily="49" charset="0"/>
+              </a:rPr>
+              <a:t>"*"</a:t>
+            </a:r>
+            <a:r>
+              <a:rPr lang="en-US" sz="1400" dirty="0">
+                <a:solidFill>
+                  <a:srgbClr val="000000"/>
+                </a:solidFill>
+                <a:latin typeface="Consolas" panose="020B0609020204030204" pitchFamily="49" charset="0"/>
+              </a:rPr>
+              <a:t>, methods: </a:t>
+            </a:r>
+            <a:r>
+              <a:rPr lang="en-US" sz="1400" dirty="0">
+                <a:solidFill>
+                  <a:srgbClr val="A31515"/>
+                </a:solidFill>
+                <a:latin typeface="Consolas" panose="020B0609020204030204" pitchFamily="49" charset="0"/>
+              </a:rPr>
+              <a:t>"*"</a:t>
+            </a:r>
+            <a:r>
+              <a:rPr lang="en-US" sz="1400" dirty="0">
+                <a:solidFill>
+                  <a:srgbClr val="000000"/>
+                </a:solidFill>
+                <a:latin typeface="Consolas" panose="020B0609020204030204" pitchFamily="49" charset="0"/>
+              </a:rPr>
+              <a:t>)]</a:t>
+            </a:r>
+          </a:p>
+          <a:p>
+            <a:r>
+              <a:rPr lang="en-US" sz="1400" dirty="0">
+                <a:solidFill>
+                  <a:srgbClr val="0000FF"/>
+                </a:solidFill>
+                <a:latin typeface="Consolas" panose="020B0609020204030204" pitchFamily="49" charset="0"/>
+              </a:rPr>
+              <a:t>public</a:t>
+            </a:r>
+            <a:r>
+              <a:rPr lang="en-US" sz="1400" dirty="0">
+                <a:solidFill>
+                  <a:srgbClr val="000000"/>
+                </a:solidFill>
+                <a:latin typeface="Consolas" panose="020B0609020204030204" pitchFamily="49" charset="0"/>
+              </a:rPr>
+              <a:t> </a:t>
+            </a:r>
+            <a:r>
+              <a:rPr lang="en-US" sz="1400" dirty="0">
+                <a:solidFill>
+                  <a:srgbClr val="0000FF"/>
+                </a:solidFill>
+                <a:latin typeface="Consolas" panose="020B0609020204030204" pitchFamily="49" charset="0"/>
+              </a:rPr>
+              <a:t>class</a:t>
+            </a:r>
+            <a:r>
+              <a:rPr lang="en-US" sz="1400" dirty="0">
+                <a:solidFill>
+                  <a:srgbClr val="000000"/>
+                </a:solidFill>
+                <a:latin typeface="Consolas" panose="020B0609020204030204" pitchFamily="49" charset="0"/>
+              </a:rPr>
+              <a:t> </a:t>
+            </a:r>
+            <a:r>
+              <a:rPr lang="en-US" sz="1400" dirty="0" err="1">
+                <a:solidFill>
+                  <a:srgbClr val="2B91AF"/>
+                </a:solidFill>
+                <a:latin typeface="Consolas" panose="020B0609020204030204" pitchFamily="49" charset="0"/>
+              </a:rPr>
+              <a:t>PersonController</a:t>
+            </a:r>
+            <a:r>
+              <a:rPr lang="en-US" sz="1400" dirty="0">
+                <a:solidFill>
+                  <a:srgbClr val="000000"/>
+                </a:solidFill>
+                <a:latin typeface="Consolas" panose="020B0609020204030204" pitchFamily="49" charset="0"/>
+              </a:rPr>
+              <a:t> : </a:t>
+            </a:r>
+            <a:r>
+              <a:rPr lang="en-US" sz="1400" dirty="0" err="1">
+                <a:solidFill>
+                  <a:srgbClr val="2B91AF"/>
+                </a:solidFill>
+                <a:latin typeface="Consolas" panose="020B0609020204030204" pitchFamily="49" charset="0"/>
+              </a:rPr>
+              <a:t>ApiController</a:t>
+            </a:r>
+            <a:endParaRPr lang="en-US" sz="1400" dirty="0">
+              <a:solidFill>
+                <a:srgbClr val="000000"/>
+              </a:solidFill>
+              <a:latin typeface="Consolas" panose="020B0609020204030204" pitchFamily="49" charset="0"/>
+            </a:endParaRPr>
+          </a:p>
+          <a:p>
+            <a:r>
+              <a:rPr lang="en-US" sz="1400" dirty="0">
+                <a:solidFill>
+                  <a:srgbClr val="000000"/>
+                </a:solidFill>
+                <a:latin typeface="Consolas" panose="020B0609020204030204" pitchFamily="49" charset="0"/>
+              </a:rPr>
+              <a:t>{</a:t>
+            </a:r>
+          </a:p>
+          <a:p>
+            <a:r>
+              <a:rPr lang="en-US" sz="1400" dirty="0">
+                <a:solidFill>
+                  <a:srgbClr val="000000"/>
+                </a:solidFill>
+                <a:latin typeface="Consolas" panose="020B0609020204030204" pitchFamily="49" charset="0"/>
+              </a:rPr>
+              <a:t>    [</a:t>
+            </a:r>
+            <a:r>
+              <a:rPr lang="en-US" sz="1400" dirty="0" err="1">
+                <a:solidFill>
+                  <a:srgbClr val="2B91AF"/>
+                </a:solidFill>
+                <a:latin typeface="Consolas" panose="020B0609020204030204" pitchFamily="49" charset="0"/>
+              </a:rPr>
+              <a:t>HttpGet</a:t>
+            </a:r>
+            <a:r>
+              <a:rPr lang="en-US" sz="1400" dirty="0">
+                <a:solidFill>
+                  <a:srgbClr val="000000"/>
+                </a:solidFill>
+                <a:latin typeface="Consolas" panose="020B0609020204030204" pitchFamily="49" charset="0"/>
+              </a:rPr>
+              <a:t>]</a:t>
+            </a:r>
+          </a:p>
+          <a:p>
+            <a:r>
+              <a:rPr lang="en-US" sz="1400" dirty="0">
+                <a:solidFill>
+                  <a:srgbClr val="000000"/>
+                </a:solidFill>
+                <a:latin typeface="Consolas" panose="020B0609020204030204" pitchFamily="49" charset="0"/>
+              </a:rPr>
+              <a:t>    [</a:t>
+            </a:r>
+            <a:r>
+              <a:rPr lang="en-US" sz="1400" dirty="0">
+                <a:solidFill>
+                  <a:srgbClr val="2B91AF"/>
+                </a:solidFill>
+                <a:latin typeface="Consolas" panose="020B0609020204030204" pitchFamily="49" charset="0"/>
+              </a:rPr>
+              <a:t>Route</a:t>
+            </a:r>
+            <a:r>
+              <a:rPr lang="en-US" sz="1400" dirty="0">
+                <a:solidFill>
+                  <a:srgbClr val="000000"/>
+                </a:solidFill>
+                <a:latin typeface="Consolas" panose="020B0609020204030204" pitchFamily="49" charset="0"/>
+              </a:rPr>
+              <a:t>(</a:t>
+            </a:r>
+            <a:r>
+              <a:rPr lang="en-US" sz="1400" dirty="0">
+                <a:solidFill>
+                  <a:srgbClr val="A31515"/>
+                </a:solidFill>
+                <a:latin typeface="Consolas" panose="020B0609020204030204" pitchFamily="49" charset="0"/>
+              </a:rPr>
+              <a:t>"get/{id?}"</a:t>
+            </a:r>
+            <a:r>
+              <a:rPr lang="en-US" sz="1400" dirty="0">
+                <a:solidFill>
+                  <a:srgbClr val="000000"/>
+                </a:solidFill>
+                <a:latin typeface="Consolas" panose="020B0609020204030204" pitchFamily="49" charset="0"/>
+              </a:rPr>
+              <a:t>)]</a:t>
+            </a:r>
+          </a:p>
+          <a:p>
+            <a:r>
+              <a:rPr lang="en-US" sz="1400" dirty="0">
+                <a:solidFill>
+                  <a:srgbClr val="000000"/>
+                </a:solidFill>
+                <a:latin typeface="Consolas" panose="020B0609020204030204" pitchFamily="49" charset="0"/>
+              </a:rPr>
+              <a:t>    </a:t>
+            </a:r>
+            <a:r>
+              <a:rPr lang="en-US" sz="1400" dirty="0">
+                <a:solidFill>
+                  <a:srgbClr val="0000FF"/>
+                </a:solidFill>
+                <a:latin typeface="Consolas" panose="020B0609020204030204" pitchFamily="49" charset="0"/>
+              </a:rPr>
+              <a:t>public</a:t>
+            </a:r>
+            <a:r>
+              <a:rPr lang="en-US" sz="1400" dirty="0">
+                <a:solidFill>
+                  <a:srgbClr val="000000"/>
+                </a:solidFill>
+                <a:latin typeface="Consolas" panose="020B0609020204030204" pitchFamily="49" charset="0"/>
+              </a:rPr>
+              <a:t> </a:t>
+            </a:r>
+            <a:r>
+              <a:rPr lang="en-US" sz="1400" dirty="0" err="1">
+                <a:solidFill>
+                  <a:srgbClr val="0000FF"/>
+                </a:solidFill>
+                <a:latin typeface="Consolas" panose="020B0609020204030204" pitchFamily="49" charset="0"/>
+              </a:rPr>
+              <a:t>async</a:t>
+            </a:r>
+            <a:r>
+              <a:rPr lang="en-US" sz="1400" dirty="0">
+                <a:solidFill>
+                  <a:srgbClr val="000000"/>
+                </a:solidFill>
+                <a:latin typeface="Consolas" panose="020B0609020204030204" pitchFamily="49" charset="0"/>
+              </a:rPr>
+              <a:t> </a:t>
+            </a:r>
+            <a:r>
+              <a:rPr lang="en-US" sz="1400" dirty="0">
+                <a:solidFill>
+                  <a:srgbClr val="2B91AF"/>
+                </a:solidFill>
+                <a:latin typeface="Consolas" panose="020B0609020204030204" pitchFamily="49" charset="0"/>
+              </a:rPr>
+              <a:t>Task</a:t>
+            </a:r>
+            <a:r>
+              <a:rPr lang="en-US" sz="1400" dirty="0">
+                <a:solidFill>
+                  <a:srgbClr val="000000"/>
+                </a:solidFill>
+                <a:latin typeface="Consolas" panose="020B0609020204030204" pitchFamily="49" charset="0"/>
+              </a:rPr>
+              <a:t>&lt;</a:t>
+            </a:r>
+            <a:r>
+              <a:rPr lang="en-US" sz="1400" dirty="0" err="1">
+                <a:solidFill>
+                  <a:srgbClr val="2B91AF"/>
+                </a:solidFill>
+                <a:latin typeface="Consolas" panose="020B0609020204030204" pitchFamily="49" charset="0"/>
+              </a:rPr>
+              <a:t>IHttpActionResult</a:t>
+            </a:r>
+            <a:r>
+              <a:rPr lang="en-US" sz="1400" dirty="0">
+                <a:solidFill>
+                  <a:srgbClr val="000000"/>
+                </a:solidFill>
+                <a:latin typeface="Consolas" panose="020B0609020204030204" pitchFamily="49" charset="0"/>
+              </a:rPr>
+              <a:t>&gt; Get(</a:t>
+            </a:r>
+            <a:r>
+              <a:rPr lang="en-US" sz="1400" dirty="0">
+                <a:solidFill>
+                  <a:srgbClr val="0000FF"/>
+                </a:solidFill>
+                <a:latin typeface="Consolas" panose="020B0609020204030204" pitchFamily="49" charset="0"/>
+              </a:rPr>
+              <a:t>string</a:t>
+            </a:r>
+            <a:r>
+              <a:rPr lang="en-US" sz="1400" dirty="0">
+                <a:solidFill>
+                  <a:srgbClr val="000000"/>
+                </a:solidFill>
+                <a:latin typeface="Consolas" panose="020B0609020204030204" pitchFamily="49" charset="0"/>
+              </a:rPr>
+              <a:t> id = </a:t>
+            </a:r>
+            <a:r>
+              <a:rPr lang="en-US" sz="1400" dirty="0">
+                <a:solidFill>
+                  <a:srgbClr val="0000FF"/>
+                </a:solidFill>
+                <a:latin typeface="Consolas" panose="020B0609020204030204" pitchFamily="49" charset="0"/>
+              </a:rPr>
+              <a:t>null</a:t>
+            </a:r>
+            <a:r>
+              <a:rPr lang="en-US" sz="1400" dirty="0">
+                <a:solidFill>
+                  <a:srgbClr val="000000"/>
+                </a:solidFill>
+                <a:latin typeface="Consolas" panose="020B0609020204030204" pitchFamily="49" charset="0"/>
+              </a:rPr>
+              <a:t>)</a:t>
+            </a:r>
+          </a:p>
+          <a:p>
+            <a:r>
+              <a:rPr lang="en-US" sz="1400" dirty="0">
+                <a:solidFill>
+                  <a:srgbClr val="000000"/>
+                </a:solidFill>
+                <a:latin typeface="Consolas" panose="020B0609020204030204" pitchFamily="49" charset="0"/>
+              </a:rPr>
+              <a:t>    {</a:t>
+            </a:r>
+          </a:p>
+          <a:p>
+            <a:r>
+              <a:rPr lang="en-US" sz="1400" dirty="0">
+                <a:solidFill>
+                  <a:srgbClr val="000000"/>
+                </a:solidFill>
+                <a:latin typeface="Consolas" panose="020B0609020204030204" pitchFamily="49" charset="0"/>
+              </a:rPr>
+              <a:t>        </a:t>
+            </a:r>
+            <a:r>
+              <a:rPr lang="en-US" sz="1400" dirty="0">
+                <a:solidFill>
+                  <a:srgbClr val="0000FF"/>
+                </a:solidFill>
+                <a:latin typeface="Consolas" panose="020B0609020204030204" pitchFamily="49" charset="0"/>
+              </a:rPr>
+              <a:t>if</a:t>
+            </a:r>
+            <a:r>
+              <a:rPr lang="en-US" sz="1400" dirty="0">
+                <a:solidFill>
+                  <a:srgbClr val="000000"/>
+                </a:solidFill>
+                <a:latin typeface="Consolas" panose="020B0609020204030204" pitchFamily="49" charset="0"/>
+              </a:rPr>
+              <a:t> (</a:t>
+            </a:r>
+            <a:r>
+              <a:rPr lang="en-US" sz="1400" dirty="0" err="1">
+                <a:solidFill>
+                  <a:srgbClr val="0000FF"/>
+                </a:solidFill>
+                <a:latin typeface="Consolas" panose="020B0609020204030204" pitchFamily="49" charset="0"/>
+              </a:rPr>
+              <a:t>string</a:t>
+            </a:r>
+            <a:r>
+              <a:rPr lang="en-US" sz="1400" dirty="0" err="1">
+                <a:solidFill>
+                  <a:srgbClr val="000000"/>
+                </a:solidFill>
+                <a:latin typeface="Consolas" panose="020B0609020204030204" pitchFamily="49" charset="0"/>
+              </a:rPr>
+              <a:t>.IsNullOrEmpty</a:t>
+            </a:r>
+            <a:r>
+              <a:rPr lang="en-US" sz="1400" dirty="0">
+                <a:solidFill>
+                  <a:srgbClr val="000000"/>
+                </a:solidFill>
+                <a:latin typeface="Consolas" panose="020B0609020204030204" pitchFamily="49" charset="0"/>
+              </a:rPr>
+              <a:t>(id))</a:t>
+            </a:r>
+          </a:p>
+          <a:p>
+            <a:r>
+              <a:rPr lang="en-US" sz="1400" dirty="0">
+                <a:solidFill>
+                  <a:srgbClr val="000000"/>
+                </a:solidFill>
+                <a:latin typeface="Consolas" panose="020B0609020204030204" pitchFamily="49" charset="0"/>
+              </a:rPr>
+              <a:t>            </a:t>
+            </a:r>
+            <a:r>
+              <a:rPr lang="en-US" sz="1400" dirty="0">
+                <a:solidFill>
+                  <a:srgbClr val="0000FF"/>
+                </a:solidFill>
+                <a:latin typeface="Consolas" panose="020B0609020204030204" pitchFamily="49" charset="0"/>
+              </a:rPr>
+              <a:t>return</a:t>
+            </a:r>
+            <a:r>
+              <a:rPr lang="en-US" sz="1400" dirty="0">
+                <a:solidFill>
+                  <a:srgbClr val="000000"/>
+                </a:solidFill>
+                <a:latin typeface="Consolas" panose="020B0609020204030204" pitchFamily="49" charset="0"/>
+              </a:rPr>
+              <a:t> </a:t>
+            </a:r>
+            <a:r>
+              <a:rPr lang="en-US" sz="1400" dirty="0" err="1">
+                <a:solidFill>
+                  <a:srgbClr val="000000"/>
+                </a:solidFill>
+                <a:latin typeface="Consolas" panose="020B0609020204030204" pitchFamily="49" charset="0"/>
+              </a:rPr>
+              <a:t>BadRequest</a:t>
+            </a:r>
+            <a:r>
+              <a:rPr lang="en-US" sz="1400" dirty="0">
+                <a:solidFill>
+                  <a:srgbClr val="000000"/>
+                </a:solidFill>
+                <a:latin typeface="Consolas" panose="020B0609020204030204" pitchFamily="49" charset="0"/>
+              </a:rPr>
+              <a:t>(</a:t>
+            </a:r>
+            <a:r>
+              <a:rPr lang="en-US" sz="1400" dirty="0">
+                <a:solidFill>
+                  <a:srgbClr val="A31515"/>
+                </a:solidFill>
+                <a:latin typeface="Consolas" panose="020B0609020204030204" pitchFamily="49" charset="0"/>
+              </a:rPr>
+              <a:t>"Missing or empty 'id' query string parameter"</a:t>
+            </a:r>
+            <a:r>
+              <a:rPr lang="en-US" sz="1400" dirty="0">
+                <a:solidFill>
+                  <a:srgbClr val="000000"/>
+                </a:solidFill>
+                <a:latin typeface="Consolas" panose="020B0609020204030204" pitchFamily="49" charset="0"/>
+              </a:rPr>
+              <a:t>);</a:t>
+            </a:r>
+          </a:p>
+          <a:p>
+            <a:endParaRPr lang="en-US" sz="1400" dirty="0">
+              <a:solidFill>
+                <a:srgbClr val="000000"/>
+              </a:solidFill>
+              <a:latin typeface="Consolas" panose="020B0609020204030204" pitchFamily="49" charset="0"/>
+            </a:endParaRPr>
+          </a:p>
+          <a:p>
+            <a:r>
+              <a:rPr lang="en-US" sz="1400" dirty="0">
+                <a:solidFill>
+                  <a:srgbClr val="000000"/>
+                </a:solidFill>
+                <a:latin typeface="Consolas" panose="020B0609020204030204" pitchFamily="49" charset="0"/>
+              </a:rPr>
+              <a:t> 	  </a:t>
+            </a:r>
+            <a:r>
+              <a:rPr lang="en-US" sz="1400" dirty="0">
+                <a:solidFill>
+                  <a:srgbClr val="008000"/>
+                </a:solidFill>
+                <a:latin typeface="Consolas" panose="020B0609020204030204" pitchFamily="49" charset="0"/>
+              </a:rPr>
+              <a:t>// … get </a:t>
+            </a:r>
+            <a:r>
+              <a:rPr lang="en-US" sz="1400" dirty="0" err="1">
+                <a:solidFill>
+                  <a:srgbClr val="008000"/>
+                </a:solidFill>
+                <a:latin typeface="Consolas" panose="020B0609020204030204" pitchFamily="49" charset="0"/>
+              </a:rPr>
+              <a:t>someObject</a:t>
+            </a:r>
+            <a:r>
+              <a:rPr lang="en-US" sz="1400" dirty="0">
+                <a:solidFill>
+                  <a:srgbClr val="008000"/>
+                </a:solidFill>
+                <a:latin typeface="Consolas" panose="020B0609020204030204" pitchFamily="49" charset="0"/>
+              </a:rPr>
+              <a:t> from database by id …</a:t>
+            </a:r>
+            <a:endParaRPr lang="en-US" sz="1400" dirty="0">
+              <a:solidFill>
+                <a:srgbClr val="000000"/>
+              </a:solidFill>
+              <a:latin typeface="Consolas" panose="020B0609020204030204" pitchFamily="49" charset="0"/>
+            </a:endParaRPr>
+          </a:p>
+          <a:p>
+            <a:endParaRPr lang="en-US" sz="1400" dirty="0">
+              <a:solidFill>
+                <a:srgbClr val="000000"/>
+              </a:solidFill>
+              <a:latin typeface="Consolas" panose="020B0609020204030204" pitchFamily="49" charset="0"/>
+            </a:endParaRPr>
+          </a:p>
+          <a:p>
+            <a:r>
+              <a:rPr lang="en-US" sz="1400" dirty="0">
+                <a:solidFill>
+                  <a:srgbClr val="000000"/>
+                </a:solidFill>
+                <a:latin typeface="Consolas" panose="020B0609020204030204" pitchFamily="49" charset="0"/>
+              </a:rPr>
+              <a:t>        </a:t>
+            </a:r>
+            <a:r>
+              <a:rPr lang="en-US" sz="1400" dirty="0">
+                <a:solidFill>
+                  <a:srgbClr val="0000FF"/>
+                </a:solidFill>
+                <a:latin typeface="Consolas" panose="020B0609020204030204" pitchFamily="49" charset="0"/>
+              </a:rPr>
+              <a:t>return</a:t>
+            </a:r>
+            <a:r>
+              <a:rPr lang="en-US" sz="1400" dirty="0">
+                <a:solidFill>
+                  <a:srgbClr val="000000"/>
+                </a:solidFill>
+                <a:latin typeface="Consolas" panose="020B0609020204030204" pitchFamily="49" charset="0"/>
+              </a:rPr>
+              <a:t> Ok(</a:t>
+            </a:r>
+            <a:r>
+              <a:rPr lang="en-US" sz="1400" dirty="0" err="1">
+                <a:solidFill>
+                  <a:srgbClr val="000000"/>
+                </a:solidFill>
+                <a:latin typeface="Consolas" panose="020B0609020204030204" pitchFamily="49" charset="0"/>
+              </a:rPr>
+              <a:t>someObject</a:t>
+            </a:r>
+            <a:r>
+              <a:rPr lang="en-US" sz="1400" dirty="0">
+                <a:solidFill>
+                  <a:srgbClr val="000000"/>
+                </a:solidFill>
+                <a:latin typeface="Consolas" panose="020B0609020204030204" pitchFamily="49" charset="0"/>
+              </a:rPr>
+              <a:t>);</a:t>
+            </a:r>
+          </a:p>
+          <a:p>
+            <a:r>
+              <a:rPr lang="en-US" sz="1400" dirty="0">
+                <a:solidFill>
+                  <a:srgbClr val="000000"/>
+                </a:solidFill>
+                <a:latin typeface="Consolas" panose="020B0609020204030204" pitchFamily="49" charset="0"/>
+              </a:rPr>
+              <a:t>    }</a:t>
+            </a:r>
+          </a:p>
+          <a:p>
+            <a:r>
+              <a:rPr lang="en-US" sz="1400" dirty="0">
+                <a:solidFill>
+                  <a:srgbClr val="000000"/>
+                </a:solidFill>
+                <a:latin typeface="Consolas" panose="020B0609020204030204" pitchFamily="49" charset="0"/>
+              </a:rPr>
+              <a:t>}</a:t>
+            </a:r>
+            <a:endParaRPr lang="en-US" sz="1400" dirty="0"/>
+          </a:p>
+        </p:txBody>
+      </p:sp>
+    </p:spTree>
+    <p:extLst>
+      <p:ext uri="{BB962C8B-B14F-4D97-AF65-F5344CB8AC3E}">
+        <p14:creationId xmlns:p14="http://schemas.microsoft.com/office/powerpoint/2010/main" val="3374753671"/>
+      </p:ext>
+    </p:extLst>
+  </p:cSld>
+  <p:clrMapOvr>
+    <a:masterClrMapping/>
+  </p:clrMapOvr>
+</p:sld>
+</file>
+
+<file path=ppt/slides/slide8.xml><?xml version="1.0" encoding="utf-8"?>
+<p:sld xmlns:a="http://schemas.openxmlformats.org/drawingml/2006/main" xmlns:r="http://schemas.openxmlformats.org/officeDocument/2006/relationships" xmlns:p="http://schemas.openxmlformats.org/presentationml/2006/main">
+  <p:cSld>
+    <p:spTree>
+      <p:nvGrpSpPr>
+        <p:cNvPr id="1" name=""/>
+        <p:cNvGrpSpPr/>
+        <p:nvPr/>
+      </p:nvGrpSpPr>
+      <p:grpSpPr>
+        <a:xfrm>
+          <a:off x="0" y="0"/>
+          <a:ext cx="0" cy="0"/>
+          <a:chOff x="0" y="0"/>
+          <a:chExt cx="0" cy="0"/>
+        </a:xfrm>
+      </p:grpSpPr>
+      <p:sp>
+        <p:nvSpPr>
+          <p:cNvPr id="2" name="Title 1"/>
+          <p:cNvSpPr>
+            <a:spLocks noGrp="1"/>
+          </p:cNvSpPr>
+          <p:nvPr>
+            <p:ph type="title"/>
+          </p:nvPr>
+        </p:nvSpPr>
+        <p:spPr/>
+        <p:txBody>
+          <a:bodyPr/>
+          <a:lstStyle/>
+          <a:p>
+            <a:r>
+              <a:rPr lang="en-US" dirty="0" err="1"/>
+              <a:t>WebAPI</a:t>
+            </a:r>
+            <a:endParaRPr lang="en-US" dirty="0"/>
+          </a:p>
+        </p:txBody>
+      </p:sp>
+      <p:sp>
+        <p:nvSpPr>
+          <p:cNvPr id="3" name="Content Placeholder 2"/>
+          <p:cNvSpPr>
+            <a:spLocks noGrp="1"/>
+          </p:cNvSpPr>
+          <p:nvPr>
+            <p:ph idx="1"/>
+          </p:nvPr>
+        </p:nvSpPr>
+        <p:spPr/>
+        <p:txBody>
+          <a:bodyPr/>
+          <a:lstStyle/>
+          <a:p>
+            <a:pPr marL="342900" indent="-342900">
+              <a:buFont typeface="Arial" panose="020B0604020202020204" pitchFamily="34" charset="0"/>
+              <a:buChar char="•"/>
+            </a:pPr>
+            <a:r>
+              <a:rPr lang="en-US" dirty="0"/>
+              <a:t>There are a lot of similarities between ASP.NET and ASP.NET Core</a:t>
+            </a:r>
+          </a:p>
+          <a:p>
+            <a:pPr marL="342900" indent="-342900">
+              <a:buFont typeface="Arial" panose="020B0604020202020204" pitchFamily="34" charset="0"/>
+              <a:buChar char="•"/>
+            </a:pPr>
+            <a:endParaRPr lang="en-US" dirty="0"/>
+          </a:p>
+          <a:p>
+            <a:pPr marL="342900" indent="-342900">
+              <a:buFont typeface="Arial" panose="020B0604020202020204" pitchFamily="34" charset="0"/>
+              <a:buChar char="•"/>
+            </a:pPr>
+            <a:r>
+              <a:rPr lang="en-US" dirty="0"/>
+              <a:t>Similar to MVC:</a:t>
+            </a:r>
+          </a:p>
+          <a:p>
+            <a:pPr marL="573088" lvl="1" indent="-342900">
+              <a:buFont typeface="Arial" panose="020B0604020202020204" pitchFamily="34" charset="0"/>
+              <a:buChar char="•"/>
+            </a:pPr>
+            <a:r>
+              <a:rPr lang="en-US" sz="2000" dirty="0"/>
+              <a:t>Controllers: classes that inherit from a special base class</a:t>
+            </a:r>
+          </a:p>
+          <a:p>
+            <a:pPr marL="2857500" lvl="5" indent="-342900">
+              <a:buFont typeface="Arial" panose="020B0604020202020204" pitchFamily="34" charset="0"/>
+              <a:buChar char="•"/>
+            </a:pPr>
+            <a:endParaRPr lang="en-US" dirty="0"/>
+          </a:p>
+          <a:p>
+            <a:pPr marL="573088" lvl="1" indent="-342900">
+              <a:buFont typeface="Arial" panose="020B0604020202020204" pitchFamily="34" charset="0"/>
+              <a:buChar char="•"/>
+            </a:pPr>
+            <a:r>
+              <a:rPr lang="en-US" sz="2000" dirty="0"/>
+              <a:t>Methods: endpoints</a:t>
+            </a:r>
+          </a:p>
+          <a:p>
+            <a:pPr marL="573088" lvl="1" indent="-342900">
+              <a:buFont typeface="Arial" panose="020B0604020202020204" pitchFamily="34" charset="0"/>
+              <a:buChar char="•"/>
+            </a:pPr>
+            <a:endParaRPr lang="en-US" sz="2000" dirty="0"/>
+          </a:p>
+          <a:p>
+            <a:pPr marL="573088" lvl="1" indent="-342900">
+              <a:buFont typeface="Arial" panose="020B0604020202020204" pitchFamily="34" charset="0"/>
+              <a:buChar char="•"/>
+            </a:pPr>
+            <a:r>
+              <a:rPr lang="en-US" sz="2000" dirty="0"/>
+              <a:t>Optional </a:t>
+            </a:r>
+            <a:r>
+              <a:rPr lang="en-US" sz="2000" dirty="0" err="1"/>
+              <a:t>async</a:t>
+            </a:r>
+            <a:r>
+              <a:rPr lang="en-US" sz="2000" dirty="0"/>
+              <a:t>/await</a:t>
+            </a:r>
+          </a:p>
+        </p:txBody>
+      </p:sp>
+    </p:spTree>
+    <p:extLst>
+      <p:ext uri="{BB962C8B-B14F-4D97-AF65-F5344CB8AC3E}">
+        <p14:creationId xmlns:p14="http://schemas.microsoft.com/office/powerpoint/2010/main" val="1294541063"/>
+      </p:ext>
+    </p:extLst>
+  </p:cSld>
+  <p:clrMapOvr>
+    <a:masterClrMapping/>
+  </p:clrMapOvr>
+</p:sld>
+</file>
+
 <file path=ppt/slides/slide9.xml><?xml version="1.0" encoding="utf-8"?>
 <p:sld xmlns:a="http://schemas.openxmlformats.org/drawingml/2006/main" xmlns:r="http://schemas.openxmlformats.org/officeDocument/2006/relationships" xmlns:p="http://schemas.openxmlformats.org/presentationml/2006/main">
   <p:cSld>
@@ -12058,6 +11666,18 @@
           <a:lstStyle/>
           <a:p>
             <a:r>
+              <a:rPr lang="en-US" dirty="0"/>
+              <a:t>ASP.NET </a:t>
+            </a:r>
+            <a:r>
+              <a:rPr lang="en-US" dirty="0" err="1"/>
+              <a:t>WebAPI</a:t>
+            </a:r>
+            <a:r>
+              <a:rPr lang="en-US" dirty="0"/>
+              <a:t> vs ASP.NET Core </a:t>
+            </a:r>
+            <a:r>
               <a:rPr lang="en-US" dirty="0" err="1"/>
               <a:t>WebAPI</a:t>
             </a:r>
@@ -12085,8 +11705,12 @@
               <a:buChar char="•"/>
             </a:pPr>
             <a:r>
-              <a:rPr lang="en-US" dirty="0"/>
-              <a:t>There are a lot of similarities between ASP.NET and ASP.NET Core</a:t>
+              <a:rPr lang="en-US" dirty="0" err="1"/>
+              <a:t>WebAPI</a:t>
+            </a:r>
+            <a:r>
+              <a:rPr lang="en-US" dirty="0"/>
+              <a:t>/MVC convergence</a:t>
             </a:r>
           </a:p>
           <a:p>
@@ -12103,67 +11727,88 @@
             </a:pPr>
             <a:r>
               <a:rPr lang="en-US" dirty="0"/>
-              <a:t>Similar to MVC:</a:t>
-            </a:r>
-          </a:p>
-          <a:p>
-            <a:pPr marL="573088" lvl="1" indent="-342900">
-              <a:buFont typeface="Arial" panose="020B0604020202020204" pitchFamily="34" charset="0"/>
-              <a:buChar char="•"/>
-            </a:pPr>
-            <a:r>
-              <a:rPr lang="en-US" sz="2000" dirty="0"/>
-              <a:t>Controllers: classes that inherit from a special base class</a:t>
-            </a:r>
-          </a:p>
-          <a:p>
-            <a:pPr marL="2857500" lvl="5" indent="-342900">
+              <a:t>CORS</a:t>
+            </a:r>
+          </a:p>
+          <a:p>
+            <a:pPr marL="342900" indent="-342900">
               <a:buFont typeface="Arial" panose="020B0604020202020204" pitchFamily="34" charset="0"/>
               <a:buChar char="•"/>
             </a:pPr>
             <a:endParaRPr lang="en-US" dirty="0"/>
           </a:p>
           <a:p>
-            <a:pPr marL="573088" lvl="1" indent="-342900">
+            <a:pPr marL="342900" indent="-342900">
               <a:buFont typeface="Arial" panose="020B0604020202020204" pitchFamily="34" charset="0"/>
               <a:buChar char="•"/>
             </a:pPr>
             <a:r>
-              <a:rPr lang="en-US" sz="2000" dirty="0"/>
-              <a:t>Methods: endpoints</a:t>
-            </a:r>
-          </a:p>
-          <a:p>
-            <a:pPr marL="573088" lvl="1" indent="-342900">
+              <a:rPr lang="en-US" dirty="0"/>
+              <a:t>Configuration</a:t>
+            </a:r>
+          </a:p>
+          <a:p>
+            <a:pPr marL="342900" indent="-342900">
               <a:buFont typeface="Arial" panose="020B0604020202020204" pitchFamily="34" charset="0"/>
               <a:buChar char="•"/>
             </a:pPr>
-            <a:endParaRPr lang="en-US" sz="2000" dirty="0"/>
-          </a:p>
-          <a:p>
-            <a:pPr marL="573088" lvl="1" indent="-342900">
+            <a:endParaRPr lang="en-US" dirty="0"/>
+          </a:p>
+          <a:p>
+            <a:pPr marL="342900" indent="-342900">
               <a:buFont typeface="Arial" panose="020B0604020202020204" pitchFamily="34" charset="0"/>
               <a:buChar char="•"/>
             </a:pPr>
             <a:r>
-              <a:rPr lang="en-US" sz="2000" dirty="0"/>
-              <a:t>Optional </a:t>
-            </a:r>
-            <a:r>
-              <a:rPr lang="en-US" sz="2000" dirty="0" err="1"/>
-              <a:t>async</a:t>
-            </a:r>
-            <a:r>
-              <a:rPr lang="en-US" sz="2000" dirty="0"/>
-              <a:t>/await</a:t>
-            </a:r>
+              <a:rPr lang="en-US" dirty="0"/>
+              <a:t>Startup</a:t>
+            </a:r>
+          </a:p>
+          <a:p>
+            <a:pPr marL="342900" indent="-342900">
+              <a:buFont typeface="Arial" panose="020B0604020202020204" pitchFamily="34" charset="0"/>
+              <a:buChar char="•"/>
+            </a:pPr>
+            <a:endParaRPr lang="en-US" dirty="0"/>
+          </a:p>
+          <a:p>
+            <a:pPr marL="342900" indent="-342900">
+              <a:buFont typeface="Arial" panose="020B0604020202020204" pitchFamily="34" charset="0"/>
+              <a:buChar char="•"/>
+            </a:pPr>
+            <a:r>
+              <a:rPr lang="en-US" dirty="0"/>
+              <a:t>Static files</a:t>
+            </a:r>
+          </a:p>
+          <a:p>
+            <a:pPr marL="342900" indent="-342900">
+              <a:buFont typeface="Arial" panose="020B0604020202020204" pitchFamily="34" charset="0"/>
+              <a:buChar char="•"/>
+            </a:pPr>
+            <a:endParaRPr lang="en-US" dirty="0"/>
+          </a:p>
+          <a:p>
+            <a:pPr marL="342900" indent="-342900">
+              <a:buFont typeface="Arial" panose="020B0604020202020204" pitchFamily="34" charset="0"/>
+              <a:buChar char="•"/>
+            </a:pPr>
+            <a:r>
+              <a:rPr lang="en-US" dirty="0"/>
+              <a:t>Casing / </a:t>
+            </a:r>
+            <a:r>
+              <a:rPr lang="en-US" dirty="0" err="1"/>
+              <a:t>JsonProperty</a:t>
+            </a:r>
+            <a:endParaRPr lang="en-US" dirty="0"/>
           </a:p>
         </p:txBody>
       </p:sp>
     </p:spTree>
     <p:extLst>
       <p:ext uri="{BB962C8B-B14F-4D97-AF65-F5344CB8AC3E}">
-        <p14:creationId xmlns:p14="http://schemas.microsoft.com/office/powerpoint/2010/main" val="1294541063"/>
+        <p14:creationId xmlns:p14="http://schemas.microsoft.com/office/powerpoint/2010/main" val="1455635530"/>
       </p:ext>
     </p:extLst>
   </p:cSld>
